--- a/src/Презентация диплома.pptx
+++ b/src/Презентация диплома.pptx
@@ -2,30 +2,31 @@
 <file path=ppt/presentation.xml><?xml version="1.0" encoding="utf-8"?>
 <p:presentation xmlns:a="http://schemas.openxmlformats.org/drawingml/2006/main" xmlns:r="http://schemas.openxmlformats.org/officeDocument/2006/relationships" xmlns:p="http://schemas.openxmlformats.org/presentationml/2006/main" showSpecialPlsOnTitleSld="0" saveSubsetFonts="1">
   <p:sldMasterIdLst>
-    <p:sldMasterId id="2147483770" r:id="rId1"/>
+    <p:sldMasterId id="2147483782" r:id="rId1"/>
   </p:sldMasterIdLst>
   <p:notesMasterIdLst>
-    <p:notesMasterId r:id="rId15"/>
+    <p:notesMasterId r:id="rId16"/>
   </p:notesMasterIdLst>
   <p:handoutMasterIdLst>
-    <p:handoutMasterId r:id="rId16"/>
+    <p:handoutMasterId r:id="rId17"/>
   </p:handoutMasterIdLst>
   <p:sldIdLst>
     <p:sldId id="256" r:id="rId2"/>
     <p:sldId id="270" r:id="rId3"/>
     <p:sldId id="267" r:id="rId4"/>
-    <p:sldId id="280" r:id="rId5"/>
-    <p:sldId id="282" r:id="rId6"/>
-    <p:sldId id="283" r:id="rId7"/>
-    <p:sldId id="284" r:id="rId8"/>
-    <p:sldId id="285" r:id="rId9"/>
-    <p:sldId id="278" r:id="rId10"/>
+    <p:sldId id="289" r:id="rId5"/>
+    <p:sldId id="280" r:id="rId6"/>
+    <p:sldId id="282" r:id="rId7"/>
+    <p:sldId id="283" r:id="rId8"/>
+    <p:sldId id="284" r:id="rId9"/>
+    <p:sldId id="285" r:id="rId10"/>
     <p:sldId id="286" r:id="rId11"/>
-    <p:sldId id="287" r:id="rId12"/>
-    <p:sldId id="279" r:id="rId13"/>
-    <p:sldId id="288" r:id="rId14"/>
+    <p:sldId id="278" r:id="rId12"/>
+    <p:sldId id="287" r:id="rId13"/>
+    <p:sldId id="279" r:id="rId14"/>
+    <p:sldId id="288" r:id="rId15"/>
   </p:sldIdLst>
-  <p:sldSz cx="9144000" cy="6858000" type="screen4x3"/>
+  <p:sldSz cx="12192000" cy="6858000"/>
   <p:notesSz cx="6858000" cy="9144000"/>
   <p:defaultTextStyle>
     <a:defPPr>
@@ -227,7 +228,7 @@
           <a:p>
             <a:fld id="{F7732DAD-22E1-40A6-951B-2F654080880B}" type="datetimeFigureOut">
               <a:rPr lang="ru-RU" smtClean="0"/>
-              <a:t>24.05.2025</a:t>
+              <a:t>07.06.2025</a:t>
             </a:fld>
             <a:endParaRPr lang="ru-RU"/>
           </a:p>
@@ -405,7 +406,7 @@
           <a:p>
             <a:fld id="{9B62E7DF-B96E-43FC-A212-C04A366A9C15}" type="datetimeFigureOut">
               <a:rPr lang="ru-RU" smtClean="0"/>
-              <a:t>24.05.2025</a:t>
+              <a:t>07.06.2025</a:t>
             </a:fld>
             <a:endParaRPr lang="ru-RU"/>
           </a:p>
@@ -423,8 +424,8 @@
         </p:nvSpPr>
         <p:spPr>
           <a:xfrm>
-            <a:off x="1371600" y="1143000"/>
-            <a:ext cx="4114800" cy="3086100"/>
+            <a:off x="685800" y="1143000"/>
+            <a:ext cx="5486400" cy="3086100"/>
           </a:xfrm>
           <a:prstGeom prst="rect">
             <a:avLst/>
@@ -703,8 +704,8 @@
         </p:nvSpPr>
         <p:spPr>
           <a:xfrm>
-            <a:off x="1371600" y="1143000"/>
-            <a:ext cx="4114800" cy="3086100"/>
+            <a:off x="685800" y="1143000"/>
+            <a:ext cx="5486400" cy="3086100"/>
           </a:xfrm>
         </p:spPr>
       </p:sp>
@@ -781,8 +782,8 @@
         </p:nvSpPr>
         <p:spPr>
           <a:xfrm>
-            <a:off x="1371600" y="1143000"/>
-            <a:ext cx="4114800" cy="3086100"/>
+            <a:off x="685800" y="1143000"/>
+            <a:ext cx="5486400" cy="3086100"/>
           </a:xfrm>
         </p:spPr>
       </p:sp>
@@ -825,6 +826,72 @@
 </file>
 
 <file path=ppt/notesSlides/notesSlide11.xml><?xml version="1.0" encoding="utf-8"?>
+<p:notes xmlns:a="http://schemas.openxmlformats.org/drawingml/2006/main" xmlns:r="http://schemas.openxmlformats.org/officeDocument/2006/relationships" xmlns:p="http://schemas.openxmlformats.org/presentationml/2006/main">
+  <p:cSld>
+    <p:spTree>
+      <p:nvGrpSpPr>
+        <p:cNvPr id="1" name=""/>
+        <p:cNvGrpSpPr/>
+        <p:nvPr/>
+      </p:nvGrpSpPr>
+      <p:grpSpPr>
+        <a:xfrm>
+          <a:off x="0" y="0"/>
+          <a:ext cx="0" cy="0"/>
+          <a:chOff x="0" y="0"/>
+          <a:chExt cx="0" cy="0"/>
+        </a:xfrm>
+      </p:grpSpPr>
+      <p:sp>
+        <p:nvSpPr>
+          <p:cNvPr id="2" name="Slide Image Placeholder 1"/>
+          <p:cNvSpPr>
+            <a:spLocks noGrp="1" noRot="1" noChangeAspect="1"/>
+          </p:cNvSpPr>
+          <p:nvPr>
+            <p:ph type="sldImg"/>
+          </p:nvPr>
+        </p:nvSpPr>
+        <p:spPr>
+          <a:xfrm>
+            <a:off x="685800" y="1143000"/>
+            <a:ext cx="5486400" cy="3086100"/>
+          </a:xfrm>
+        </p:spPr>
+      </p:sp>
+      <p:sp>
+        <p:nvSpPr>
+          <p:cNvPr id="3" name="Notes Placeholder 2"/>
+          <p:cNvSpPr>
+            <a:spLocks noGrp="1"/>
+          </p:cNvSpPr>
+          <p:nvPr>
+            <p:ph type="body" idx="1"/>
+          </p:nvPr>
+        </p:nvSpPr>
+        <p:spPr/>
+        <p:txBody>
+          <a:bodyPr/>
+          <a:lstStyle/>
+          <a:p>
+            <a:endParaRPr lang="en-RU" dirty="0"/>
+          </a:p>
+        </p:txBody>
+      </p:sp>
+    </p:spTree>
+    <p:extLst>
+      <p:ext uri="{BB962C8B-B14F-4D97-AF65-F5344CB8AC3E}">
+        <p14:creationId xmlns:p14="http://schemas.microsoft.com/office/powerpoint/2010/main" val="2260697061"/>
+      </p:ext>
+    </p:extLst>
+  </p:cSld>
+  <p:clrMapOvr>
+    <a:masterClrMapping/>
+  </p:clrMapOvr>
+</p:notes>
+</file>
+
+<file path=ppt/notesSlides/notesSlide12.xml><?xml version="1.0" encoding="utf-8"?>
 <p:notes xmlns:a="http://schemas.openxmlformats.org/drawingml/2006/main" xmlns:r="http://schemas.openxmlformats.org/officeDocument/2006/relationships" xmlns:p="http://schemas.openxmlformats.org/presentationml/2006/main">
   <p:cSld>
     <p:spTree>
@@ -865,8 +932,8 @@
         </p:nvSpPr>
         <p:spPr>
           <a:xfrm>
-            <a:off x="1371600" y="1143000"/>
-            <a:ext cx="4114800" cy="3086100"/>
+            <a:off x="685800" y="1143000"/>
+            <a:ext cx="5486400" cy="3086100"/>
           </a:xfrm>
         </p:spPr>
       </p:sp>
@@ -908,7 +975,7 @@
 </p:notes>
 </file>
 
-<file path=ppt/notesSlides/notesSlide12.xml><?xml version="1.0" encoding="utf-8"?>
+<file path=ppt/notesSlides/notesSlide13.xml><?xml version="1.0" encoding="utf-8"?>
 <p:notes xmlns:a="http://schemas.openxmlformats.org/drawingml/2006/main" xmlns:r="http://schemas.openxmlformats.org/officeDocument/2006/relationships" xmlns:p="http://schemas.openxmlformats.org/presentationml/2006/main">
   <p:cSld>
     <p:spTree>
@@ -937,8 +1004,8 @@
         </p:nvSpPr>
         <p:spPr>
           <a:xfrm>
-            <a:off x="1371600" y="1143000"/>
-            <a:ext cx="4114800" cy="3086100"/>
+            <a:off x="685800" y="1143000"/>
+            <a:ext cx="5486400" cy="3086100"/>
           </a:xfrm>
         </p:spPr>
       </p:sp>
@@ -974,7 +1041,7 @@
 </p:notes>
 </file>
 
-<file path=ppt/notesSlides/notesSlide13.xml><?xml version="1.0" encoding="utf-8"?>
+<file path=ppt/notesSlides/notesSlide14.xml><?xml version="1.0" encoding="utf-8"?>
 <p:notes xmlns:a="http://schemas.openxmlformats.org/drawingml/2006/main" xmlns:r="http://schemas.openxmlformats.org/officeDocument/2006/relationships" xmlns:p="http://schemas.openxmlformats.org/presentationml/2006/main">
   <p:cSld>
     <p:spTree>
@@ -1015,8 +1082,8 @@
         </p:nvSpPr>
         <p:spPr>
           <a:xfrm>
-            <a:off x="1371600" y="1143000"/>
-            <a:ext cx="4114800" cy="3086100"/>
+            <a:off x="685800" y="1143000"/>
+            <a:ext cx="5486400" cy="3086100"/>
           </a:xfrm>
         </p:spPr>
       </p:sp>
@@ -1087,8 +1154,8 @@
         </p:nvSpPr>
         <p:spPr>
           <a:xfrm>
-            <a:off x="1371600" y="1143000"/>
-            <a:ext cx="4114800" cy="3086100"/>
+            <a:off x="685800" y="1143000"/>
+            <a:ext cx="5486400" cy="3086100"/>
           </a:xfrm>
         </p:spPr>
       </p:sp>
@@ -1153,8 +1220,8 @@
         </p:nvSpPr>
         <p:spPr>
           <a:xfrm>
-            <a:off x="1371600" y="1143000"/>
-            <a:ext cx="4114800" cy="3086100"/>
+            <a:off x="685800" y="1143000"/>
+            <a:ext cx="5486400" cy="3086100"/>
           </a:xfrm>
         </p:spPr>
       </p:sp>
@@ -1191,6 +1258,90 @@
 </file>
 
 <file path=ppt/notesSlides/notesSlide4.xml><?xml version="1.0" encoding="utf-8"?>
+<p:notes xmlns:a="http://schemas.openxmlformats.org/drawingml/2006/main" xmlns:r="http://schemas.openxmlformats.org/officeDocument/2006/relationships" xmlns:p="http://schemas.openxmlformats.org/presentationml/2006/main">
+  <p:cSld>
+    <p:spTree>
+      <p:nvGrpSpPr>
+        <p:cNvPr id="1" name="">
+          <a:extLst>
+            <a:ext uri="{FF2B5EF4-FFF2-40B4-BE49-F238E27FC236}">
+              <a16:creationId xmlns:a16="http://schemas.microsoft.com/office/drawing/2014/main" id="{5713BE22-C22E-8B73-E2A0-1E4E02BE8462}"/>
+            </a:ext>
+          </a:extLst>
+        </p:cNvPr>
+        <p:cNvGrpSpPr/>
+        <p:nvPr/>
+      </p:nvGrpSpPr>
+      <p:grpSpPr>
+        <a:xfrm>
+          <a:off x="0" y="0"/>
+          <a:ext cx="0" cy="0"/>
+          <a:chOff x="0" y="0"/>
+          <a:chExt cx="0" cy="0"/>
+        </a:xfrm>
+      </p:grpSpPr>
+      <p:sp>
+        <p:nvSpPr>
+          <p:cNvPr id="2" name="Образ слайда 1">
+            <a:extLst>
+              <a:ext uri="{FF2B5EF4-FFF2-40B4-BE49-F238E27FC236}">
+                <a16:creationId xmlns:a16="http://schemas.microsoft.com/office/drawing/2014/main" id="{EDE5ADE1-E701-D5AF-3A58-88947444352C}"/>
+              </a:ext>
+            </a:extLst>
+          </p:cNvPr>
+          <p:cNvSpPr>
+            <a:spLocks noGrp="1" noRot="1" noChangeAspect="1"/>
+          </p:cNvSpPr>
+          <p:nvPr>
+            <p:ph type="sldImg"/>
+          </p:nvPr>
+        </p:nvSpPr>
+        <p:spPr>
+          <a:xfrm>
+            <a:off x="685800" y="1143000"/>
+            <a:ext cx="5486400" cy="3086100"/>
+          </a:xfrm>
+        </p:spPr>
+      </p:sp>
+      <p:sp>
+        <p:nvSpPr>
+          <p:cNvPr id="3" name="Заметки 2">
+            <a:extLst>
+              <a:ext uri="{FF2B5EF4-FFF2-40B4-BE49-F238E27FC236}">
+                <a16:creationId xmlns:a16="http://schemas.microsoft.com/office/drawing/2014/main" id="{3FD53E17-75FE-A68A-72B9-F66D20F336AA}"/>
+              </a:ext>
+            </a:extLst>
+          </p:cNvPr>
+          <p:cNvSpPr>
+            <a:spLocks noGrp="1"/>
+          </p:cNvSpPr>
+          <p:nvPr>
+            <p:ph type="body" idx="1"/>
+          </p:nvPr>
+        </p:nvSpPr>
+        <p:spPr/>
+        <p:txBody>
+          <a:bodyPr/>
+          <a:lstStyle/>
+          <a:p>
+            <a:endParaRPr lang="ru-RU"/>
+          </a:p>
+        </p:txBody>
+      </p:sp>
+    </p:spTree>
+    <p:extLst>
+      <p:ext uri="{BB962C8B-B14F-4D97-AF65-F5344CB8AC3E}">
+        <p14:creationId xmlns:p14="http://schemas.microsoft.com/office/powerpoint/2010/main" val="792504796"/>
+      </p:ext>
+    </p:extLst>
+  </p:cSld>
+  <p:clrMapOvr>
+    <a:masterClrMapping/>
+  </p:clrMapOvr>
+</p:notes>
+</file>
+
+<file path=ppt/notesSlides/notesSlide5.xml><?xml version="1.0" encoding="utf-8"?>
 <p:notes xmlns:a="http://schemas.openxmlformats.org/drawingml/2006/main" xmlns:r="http://schemas.openxmlformats.org/officeDocument/2006/relationships" xmlns:p="http://schemas.openxmlformats.org/presentationml/2006/main">
   <p:cSld>
     <p:spTree>
@@ -1231,8 +1382,8 @@
         </p:nvSpPr>
         <p:spPr>
           <a:xfrm>
-            <a:off x="1371600" y="1143000"/>
-            <a:ext cx="4114800" cy="3086100"/>
+            <a:off x="685800" y="1143000"/>
+            <a:ext cx="5486400" cy="3086100"/>
           </a:xfrm>
         </p:spPr>
       </p:sp>
@@ -1274,7 +1425,7 @@
 </p:notes>
 </file>
 
-<file path=ppt/notesSlides/notesSlide5.xml><?xml version="1.0" encoding="utf-8"?>
+<file path=ppt/notesSlides/notesSlide6.xml><?xml version="1.0" encoding="utf-8"?>
 <p:notes xmlns:a="http://schemas.openxmlformats.org/drawingml/2006/main" xmlns:r="http://schemas.openxmlformats.org/officeDocument/2006/relationships" xmlns:p="http://schemas.openxmlformats.org/presentationml/2006/main">
   <p:cSld>
     <p:spTree>
@@ -1315,8 +1466,8 @@
         </p:nvSpPr>
         <p:spPr>
           <a:xfrm>
-            <a:off x="1371600" y="1143000"/>
-            <a:ext cx="4114800" cy="3086100"/>
+            <a:off x="685800" y="1143000"/>
+            <a:ext cx="5486400" cy="3086100"/>
           </a:xfrm>
         </p:spPr>
       </p:sp>
@@ -1358,7 +1509,7 @@
 </p:notes>
 </file>
 
-<file path=ppt/notesSlides/notesSlide6.xml><?xml version="1.0" encoding="utf-8"?>
+<file path=ppt/notesSlides/notesSlide7.xml><?xml version="1.0" encoding="utf-8"?>
 <p:notes xmlns:a="http://schemas.openxmlformats.org/drawingml/2006/main" xmlns:r="http://schemas.openxmlformats.org/officeDocument/2006/relationships" xmlns:p="http://schemas.openxmlformats.org/presentationml/2006/main">
   <p:cSld>
     <p:spTree>
@@ -1399,8 +1550,8 @@
         </p:nvSpPr>
         <p:spPr>
           <a:xfrm>
-            <a:off x="1371600" y="1143000"/>
-            <a:ext cx="4114800" cy="3086100"/>
+            <a:off x="685800" y="1143000"/>
+            <a:ext cx="5486400" cy="3086100"/>
           </a:xfrm>
         </p:spPr>
       </p:sp>
@@ -1442,7 +1593,7 @@
 </p:notes>
 </file>
 
-<file path=ppt/notesSlides/notesSlide7.xml><?xml version="1.0" encoding="utf-8"?>
+<file path=ppt/notesSlides/notesSlide8.xml><?xml version="1.0" encoding="utf-8"?>
 <p:notes xmlns:a="http://schemas.openxmlformats.org/drawingml/2006/main" xmlns:r="http://schemas.openxmlformats.org/officeDocument/2006/relationships" xmlns:p="http://schemas.openxmlformats.org/presentationml/2006/main">
   <p:cSld>
     <p:spTree>
@@ -1483,8 +1634,8 @@
         </p:nvSpPr>
         <p:spPr>
           <a:xfrm>
-            <a:off x="1371600" y="1143000"/>
-            <a:ext cx="4114800" cy="3086100"/>
+            <a:off x="685800" y="1143000"/>
+            <a:ext cx="5486400" cy="3086100"/>
           </a:xfrm>
         </p:spPr>
       </p:sp>
@@ -1526,7 +1677,7 @@
 </p:notes>
 </file>
 
-<file path=ppt/notesSlides/notesSlide8.xml><?xml version="1.0" encoding="utf-8"?>
+<file path=ppt/notesSlides/notesSlide9.xml><?xml version="1.0" encoding="utf-8"?>
 <p:notes xmlns:a="http://schemas.openxmlformats.org/drawingml/2006/main" xmlns:r="http://schemas.openxmlformats.org/officeDocument/2006/relationships" xmlns:p="http://schemas.openxmlformats.org/presentationml/2006/main">
   <p:cSld>
     <p:spTree>
@@ -1567,8 +1718,8 @@
         </p:nvSpPr>
         <p:spPr>
           <a:xfrm>
-            <a:off x="1371600" y="1143000"/>
-            <a:ext cx="4114800" cy="3086100"/>
+            <a:off x="685800" y="1143000"/>
+            <a:ext cx="5486400" cy="3086100"/>
           </a:xfrm>
         </p:spPr>
       </p:sp>
@@ -1601,72 +1752,6 @@
     <p:extLst>
       <p:ext uri="{BB962C8B-B14F-4D97-AF65-F5344CB8AC3E}">
         <p14:creationId xmlns:p14="http://schemas.microsoft.com/office/powerpoint/2010/main" val="255304620"/>
-      </p:ext>
-    </p:extLst>
-  </p:cSld>
-  <p:clrMapOvr>
-    <a:masterClrMapping/>
-  </p:clrMapOvr>
-</p:notes>
-</file>
-
-<file path=ppt/notesSlides/notesSlide9.xml><?xml version="1.0" encoding="utf-8"?>
-<p:notes xmlns:a="http://schemas.openxmlformats.org/drawingml/2006/main" xmlns:r="http://schemas.openxmlformats.org/officeDocument/2006/relationships" xmlns:p="http://schemas.openxmlformats.org/presentationml/2006/main">
-  <p:cSld>
-    <p:spTree>
-      <p:nvGrpSpPr>
-        <p:cNvPr id="1" name=""/>
-        <p:cNvGrpSpPr/>
-        <p:nvPr/>
-      </p:nvGrpSpPr>
-      <p:grpSpPr>
-        <a:xfrm>
-          <a:off x="0" y="0"/>
-          <a:ext cx="0" cy="0"/>
-          <a:chOff x="0" y="0"/>
-          <a:chExt cx="0" cy="0"/>
-        </a:xfrm>
-      </p:grpSpPr>
-      <p:sp>
-        <p:nvSpPr>
-          <p:cNvPr id="2" name="Slide Image Placeholder 1"/>
-          <p:cNvSpPr>
-            <a:spLocks noGrp="1" noRot="1" noChangeAspect="1"/>
-          </p:cNvSpPr>
-          <p:nvPr>
-            <p:ph type="sldImg"/>
-          </p:nvPr>
-        </p:nvSpPr>
-        <p:spPr>
-          <a:xfrm>
-            <a:off x="1371600" y="1143000"/>
-            <a:ext cx="4114800" cy="3086100"/>
-          </a:xfrm>
-        </p:spPr>
-      </p:sp>
-      <p:sp>
-        <p:nvSpPr>
-          <p:cNvPr id="3" name="Notes Placeholder 2"/>
-          <p:cNvSpPr>
-            <a:spLocks noGrp="1"/>
-          </p:cNvSpPr>
-          <p:nvPr>
-            <p:ph type="body" idx="1"/>
-          </p:nvPr>
-        </p:nvSpPr>
-        <p:spPr/>
-        <p:txBody>
-          <a:bodyPr/>
-          <a:lstStyle/>
-          <a:p>
-            <a:endParaRPr lang="en-RU" dirty="0"/>
-          </a:p>
-        </p:txBody>
-      </p:sp>
-    </p:spTree>
-    <p:extLst>
-      <p:ext uri="{BB962C8B-B14F-4D97-AF65-F5344CB8AC3E}">
-        <p14:creationId xmlns:p14="http://schemas.microsoft.com/office/powerpoint/2010/main" val="2260697061"/>
       </p:ext>
     </p:extLst>
   </p:cSld>
@@ -1705,12 +1790,9 @@
         </p:nvSpPr>
         <p:spPr>
           <a:xfrm>
-            <a:off x="685800" y="1122363"/>
-            <a:ext cx="7772400" cy="2387600"/>
+            <a:off x="1524000" y="1122363"/>
+            <a:ext cx="9144000" cy="2387600"/>
           </a:xfrm>
-          <a:prstGeom prst="rect">
-            <a:avLst/>
-          </a:prstGeom>
         </p:spPr>
         <p:txBody>
           <a:bodyPr anchor="b"/>
@@ -1721,7 +1803,7 @@
           </a:lstStyle>
           <a:p>
             <a:r>
-              <a:rPr lang="en-GB" dirty="0"/>
+              <a:rPr lang="en-GB"/>
               <a:t>Click to edit Master title style</a:t>
             </a:r>
             <a:endParaRPr lang="en-US" dirty="0"/>
@@ -1740,8 +1822,8 @@
         </p:nvSpPr>
         <p:spPr>
           <a:xfrm>
-            <a:off x="1143000" y="3602038"/>
-            <a:ext cx="6858000" cy="1655762"/>
+            <a:off x="1524000" y="3602038"/>
+            <a:ext cx="9144000" cy="1655762"/>
           </a:xfrm>
         </p:spPr>
         <p:txBody>
@@ -1786,7 +1868,7 @@
           </a:lstStyle>
           <a:p>
             <a:r>
-              <a:rPr lang="en-GB" dirty="0"/>
+              <a:rPr lang="en-GB"/>
               <a:t>Click to edit Master subtitle style</a:t>
             </a:r>
             <a:endParaRPr lang="en-US" dirty="0"/>
@@ -1803,15 +1885,7 @@
             <p:ph type="dt" sz="half" idx="10"/>
           </p:nvPr>
         </p:nvSpPr>
-        <p:spPr>
-          <a:xfrm>
-            <a:off x="628650" y="6356351"/>
-            <a:ext cx="2057400" cy="365125"/>
-          </a:xfrm>
-          <a:prstGeom prst="rect">
-            <a:avLst/>
-          </a:prstGeom>
-        </p:spPr>
+        <p:spPr/>
         <p:txBody>
           <a:bodyPr/>
           <a:lstStyle/>
@@ -1834,15 +1908,7 @@
             <p:ph type="ftr" sz="quarter" idx="11"/>
           </p:nvPr>
         </p:nvSpPr>
-        <p:spPr>
-          <a:xfrm>
-            <a:off x="3028950" y="6356351"/>
-            <a:ext cx="3086100" cy="365125"/>
-          </a:xfrm>
-          <a:prstGeom prst="rect">
-            <a:avLst/>
-          </a:prstGeom>
-        </p:spPr>
+        <p:spPr/>
         <p:txBody>
           <a:bodyPr/>
           <a:lstStyle/>
@@ -1861,21 +1927,13 @@
             <p:ph type="sldNum" sz="quarter" idx="12"/>
           </p:nvPr>
         </p:nvSpPr>
-        <p:spPr>
-          <a:xfrm>
-            <a:off x="6457950" y="6356351"/>
-            <a:ext cx="2057400" cy="365125"/>
-          </a:xfrm>
-          <a:prstGeom prst="rect">
-            <a:avLst/>
-          </a:prstGeom>
-        </p:spPr>
+        <p:spPr/>
         <p:txBody>
           <a:bodyPr/>
           <a:lstStyle/>
           <a:p>
             <a:r>
-              <a:rPr lang="en-US" dirty="0" err="1"/>
+              <a:rPr lang="en-US"/>
               <a:t>dsfd</a:t>
             </a:r>
             <a:endParaRPr lang="ru-RU" dirty="0"/>
@@ -1885,7 +1943,7 @@
     </p:spTree>
     <p:extLst>
       <p:ext uri="{BB962C8B-B14F-4D97-AF65-F5344CB8AC3E}">
-        <p14:creationId xmlns:p14="http://schemas.microsoft.com/office/powerpoint/2010/main" val="4270444420"/>
+        <p14:creationId xmlns:p14="http://schemas.microsoft.com/office/powerpoint/2010/main" val="528021929"/>
       </p:ext>
     </p:extLst>
   </p:cSld>
@@ -1922,15 +1980,7 @@
             <p:ph type="title"/>
           </p:nvPr>
         </p:nvSpPr>
-        <p:spPr>
-          <a:xfrm>
-            <a:off x="628650" y="365126"/>
-            <a:ext cx="7886700" cy="1325563"/>
-          </a:xfrm>
-          <a:prstGeom prst="rect">
-            <a:avLst/>
-          </a:prstGeom>
-        </p:spPr>
+        <p:spPr/>
         <p:txBody>
           <a:bodyPr/>
           <a:lstStyle/>
@@ -2005,15 +2055,7 @@
             <p:ph type="dt" sz="half" idx="10"/>
           </p:nvPr>
         </p:nvSpPr>
-        <p:spPr>
-          <a:xfrm>
-            <a:off x="628650" y="6356351"/>
-            <a:ext cx="2057400" cy="365125"/>
-          </a:xfrm>
-          <a:prstGeom prst="rect">
-            <a:avLst/>
-          </a:prstGeom>
-        </p:spPr>
+        <p:spPr/>
         <p:txBody>
           <a:bodyPr/>
           <a:lstStyle/>
@@ -2036,15 +2078,7 @@
             <p:ph type="ftr" sz="quarter" idx="11"/>
           </p:nvPr>
         </p:nvSpPr>
-        <p:spPr>
-          <a:xfrm>
-            <a:off x="3028950" y="6356351"/>
-            <a:ext cx="3086100" cy="365125"/>
-          </a:xfrm>
-          <a:prstGeom prst="rect">
-            <a:avLst/>
-          </a:prstGeom>
-        </p:spPr>
+        <p:spPr/>
         <p:txBody>
           <a:bodyPr/>
           <a:lstStyle/>
@@ -2063,15 +2097,7 @@
             <p:ph type="sldNum" sz="quarter" idx="12"/>
           </p:nvPr>
         </p:nvSpPr>
-        <p:spPr>
-          <a:xfrm>
-            <a:off x="6457950" y="6356351"/>
-            <a:ext cx="2057400" cy="365125"/>
-          </a:xfrm>
-          <a:prstGeom prst="rect">
-            <a:avLst/>
-          </a:prstGeom>
-        </p:spPr>
+        <p:spPr/>
         <p:txBody>
           <a:bodyPr/>
           <a:lstStyle/>
@@ -2083,7 +2109,7 @@
     </p:spTree>
     <p:extLst>
       <p:ext uri="{BB962C8B-B14F-4D97-AF65-F5344CB8AC3E}">
-        <p14:creationId xmlns:p14="http://schemas.microsoft.com/office/powerpoint/2010/main" val="4114469243"/>
+        <p14:creationId xmlns:p14="http://schemas.microsoft.com/office/powerpoint/2010/main" val="852891762"/>
       </p:ext>
     </p:extLst>
   </p:cSld>
@@ -2122,12 +2148,9 @@
         </p:nvSpPr>
         <p:spPr>
           <a:xfrm>
-            <a:off x="6543675" y="365125"/>
-            <a:ext cx="1971675" cy="5811838"/>
+            <a:off x="8724900" y="365125"/>
+            <a:ext cx="2628900" cy="5811838"/>
           </a:xfrm>
-          <a:prstGeom prst="rect">
-            <a:avLst/>
-          </a:prstGeom>
         </p:spPr>
         <p:txBody>
           <a:bodyPr vert="eaVert"/>
@@ -2153,8 +2176,8 @@
         </p:nvSpPr>
         <p:spPr>
           <a:xfrm>
-            <a:off x="628650" y="365125"/>
-            <a:ext cx="5800725" cy="5811838"/>
+            <a:off x="838200" y="365125"/>
+            <a:ext cx="7734300" cy="5811838"/>
           </a:xfrm>
         </p:spPr>
         <p:txBody>
@@ -2208,15 +2231,7 @@
             <p:ph type="dt" sz="half" idx="10"/>
           </p:nvPr>
         </p:nvSpPr>
-        <p:spPr>
-          <a:xfrm>
-            <a:off x="628650" y="6356351"/>
-            <a:ext cx="2057400" cy="365125"/>
-          </a:xfrm>
-          <a:prstGeom prst="rect">
-            <a:avLst/>
-          </a:prstGeom>
-        </p:spPr>
+        <p:spPr/>
         <p:txBody>
           <a:bodyPr/>
           <a:lstStyle/>
@@ -2239,15 +2254,7 @@
             <p:ph type="ftr" sz="quarter" idx="11"/>
           </p:nvPr>
         </p:nvSpPr>
-        <p:spPr>
-          <a:xfrm>
-            <a:off x="3028950" y="6356351"/>
-            <a:ext cx="3086100" cy="365125"/>
-          </a:xfrm>
-          <a:prstGeom prst="rect">
-            <a:avLst/>
-          </a:prstGeom>
-        </p:spPr>
+        <p:spPr/>
         <p:txBody>
           <a:bodyPr/>
           <a:lstStyle/>
@@ -2266,15 +2273,7 @@
             <p:ph type="sldNum" sz="quarter" idx="12"/>
           </p:nvPr>
         </p:nvSpPr>
-        <p:spPr>
-          <a:xfrm>
-            <a:off x="6457950" y="6356351"/>
-            <a:ext cx="2057400" cy="365125"/>
-          </a:xfrm>
-          <a:prstGeom prst="rect">
-            <a:avLst/>
-          </a:prstGeom>
-        </p:spPr>
+        <p:spPr/>
         <p:txBody>
           <a:bodyPr/>
           <a:lstStyle/>
@@ -2286,7 +2285,7 @@
     </p:spTree>
     <p:extLst>
       <p:ext uri="{BB962C8B-B14F-4D97-AF65-F5344CB8AC3E}">
-        <p14:creationId xmlns:p14="http://schemas.microsoft.com/office/powerpoint/2010/main" val="2642833638"/>
+        <p14:creationId xmlns:p14="http://schemas.microsoft.com/office/powerpoint/2010/main" val="1832892780"/>
       </p:ext>
     </p:extLst>
   </p:cSld>
@@ -2331,8 +2330,8 @@
         </p:nvSpPr>
         <p:spPr>
           <a:xfrm>
-            <a:off x="1143000" y="3602038"/>
-            <a:ext cx="6858000" cy="1655762"/>
+            <a:off x="1524000" y="3602038"/>
+            <a:ext cx="9144000" cy="1655762"/>
           </a:xfrm>
         </p:spPr>
         <p:txBody>
@@ -2402,8 +2401,8 @@
         </p:nvSpPr>
         <p:spPr>
           <a:xfrm>
-            <a:off x="628650" y="365126"/>
-            <a:ext cx="7886700" cy="1325563"/>
+            <a:off x="838200" y="365126"/>
+            <a:ext cx="10515600" cy="1325563"/>
           </a:xfrm>
           <a:prstGeom prst="rect">
             <a:avLst/>
@@ -2438,8 +2437,8 @@
         </p:nvSpPr>
         <p:spPr>
           <a:xfrm>
-            <a:off x="628650" y="6356351"/>
-            <a:ext cx="2057400" cy="365125"/>
+            <a:off x="838200" y="6356352"/>
+            <a:ext cx="2743200" cy="365125"/>
           </a:xfrm>
           <a:prstGeom prst="rect">
             <a:avLst/>
@@ -2475,8 +2474,8 @@
         </p:nvSpPr>
         <p:spPr>
           <a:xfrm>
-            <a:off x="3028950" y="6356351"/>
-            <a:ext cx="3086100" cy="365125"/>
+            <a:off x="4038600" y="6356352"/>
+            <a:ext cx="4114800" cy="365125"/>
           </a:xfrm>
           <a:prstGeom prst="rect">
             <a:avLst/>
@@ -2508,8 +2507,8 @@
         </p:nvSpPr>
         <p:spPr>
           <a:xfrm>
-            <a:off x="6457950" y="6356354"/>
-            <a:ext cx="2057400" cy="365125"/>
+            <a:off x="8610600" y="6356355"/>
+            <a:ext cx="2743200" cy="365125"/>
           </a:xfrm>
           <a:prstGeom prst="rect">
             <a:avLst/>
@@ -2563,15 +2562,7 @@
             <p:ph type="title"/>
           </p:nvPr>
         </p:nvSpPr>
-        <p:spPr>
-          <a:xfrm>
-            <a:off x="628650" y="365126"/>
-            <a:ext cx="7886700" cy="1325563"/>
-          </a:xfrm>
-          <a:prstGeom prst="rect">
-            <a:avLst/>
-          </a:prstGeom>
-        </p:spPr>
+        <p:spPr/>
         <p:txBody>
           <a:bodyPr/>
           <a:lstStyle/>
@@ -2646,15 +2637,7 @@
             <p:ph type="dt" sz="half" idx="10"/>
           </p:nvPr>
         </p:nvSpPr>
-        <p:spPr>
-          <a:xfrm>
-            <a:off x="628650" y="6356351"/>
-            <a:ext cx="2057400" cy="365125"/>
-          </a:xfrm>
-          <a:prstGeom prst="rect">
-            <a:avLst/>
-          </a:prstGeom>
-        </p:spPr>
+        <p:spPr/>
         <p:txBody>
           <a:bodyPr/>
           <a:lstStyle/>
@@ -2677,15 +2660,7 @@
             <p:ph type="ftr" sz="quarter" idx="11"/>
           </p:nvPr>
         </p:nvSpPr>
-        <p:spPr>
-          <a:xfrm>
-            <a:off x="3028950" y="6356351"/>
-            <a:ext cx="3086100" cy="365125"/>
-          </a:xfrm>
-          <a:prstGeom prst="rect">
-            <a:avLst/>
-          </a:prstGeom>
-        </p:spPr>
+        <p:spPr/>
         <p:txBody>
           <a:bodyPr/>
           <a:lstStyle/>
@@ -2704,21 +2679,13 @@
             <p:ph type="sldNum" sz="quarter" idx="12"/>
           </p:nvPr>
         </p:nvSpPr>
-        <p:spPr>
-          <a:xfrm>
-            <a:off x="6457950" y="6356351"/>
-            <a:ext cx="2057400" cy="365125"/>
-          </a:xfrm>
-          <a:prstGeom prst="rect">
-            <a:avLst/>
-          </a:prstGeom>
-        </p:spPr>
+        <p:spPr/>
         <p:txBody>
           <a:bodyPr/>
           <a:lstStyle/>
           <a:p>
             <a:r>
-              <a:rPr lang="en-US" dirty="0"/>
+              <a:rPr lang="en-US"/>
               <a:t>a</a:t>
             </a:r>
             <a:endParaRPr lang="ru-RU" dirty="0"/>
@@ -2728,7 +2695,7 @@
     </p:spTree>
     <p:extLst>
       <p:ext uri="{BB962C8B-B14F-4D97-AF65-F5344CB8AC3E}">
-        <p14:creationId xmlns:p14="http://schemas.microsoft.com/office/powerpoint/2010/main" val="4270874806"/>
+        <p14:creationId xmlns:p14="http://schemas.microsoft.com/office/powerpoint/2010/main" val="2906029450"/>
       </p:ext>
     </p:extLst>
   </p:cSld>
@@ -2767,12 +2734,9 @@
         </p:nvSpPr>
         <p:spPr>
           <a:xfrm>
-            <a:off x="623888" y="1709739"/>
-            <a:ext cx="7886700" cy="2852737"/>
+            <a:off x="831850" y="1709738"/>
+            <a:ext cx="10515600" cy="2852737"/>
           </a:xfrm>
-          <a:prstGeom prst="rect">
-            <a:avLst/>
-          </a:prstGeom>
         </p:spPr>
         <p:txBody>
           <a:bodyPr anchor="b"/>
@@ -2802,8 +2766,8 @@
         </p:nvSpPr>
         <p:spPr>
           <a:xfrm>
-            <a:off x="623888" y="4589464"/>
-            <a:ext cx="7886700" cy="1500187"/>
+            <a:off x="831850" y="4589463"/>
+            <a:ext cx="10515600" cy="1500187"/>
           </a:xfrm>
         </p:spPr>
         <p:txBody>
@@ -2813,7 +2777,9 @@
               <a:buNone/>
               <a:defRPr sz="2400">
                 <a:solidFill>
-                  <a:schemeClr val="tx1"/>
+                  <a:schemeClr val="tx1">
+                    <a:tint val="75000"/>
+                  </a:schemeClr>
                 </a:solidFill>
               </a:defRPr>
             </a:lvl1pPr>
@@ -2917,15 +2883,7 @@
             <p:ph type="dt" sz="half" idx="10"/>
           </p:nvPr>
         </p:nvSpPr>
-        <p:spPr>
-          <a:xfrm>
-            <a:off x="628650" y="6356351"/>
-            <a:ext cx="2057400" cy="365125"/>
-          </a:xfrm>
-          <a:prstGeom prst="rect">
-            <a:avLst/>
-          </a:prstGeom>
-        </p:spPr>
+        <p:spPr/>
         <p:txBody>
           <a:bodyPr/>
           <a:lstStyle/>
@@ -2948,15 +2906,7 @@
             <p:ph type="ftr" sz="quarter" idx="11"/>
           </p:nvPr>
         </p:nvSpPr>
-        <p:spPr>
-          <a:xfrm>
-            <a:off x="3028950" y="6356351"/>
-            <a:ext cx="3086100" cy="365125"/>
-          </a:xfrm>
-          <a:prstGeom prst="rect">
-            <a:avLst/>
-          </a:prstGeom>
-        </p:spPr>
+        <p:spPr/>
         <p:txBody>
           <a:bodyPr/>
           <a:lstStyle/>
@@ -2975,21 +2925,13 @@
             <p:ph type="sldNum" sz="quarter" idx="12"/>
           </p:nvPr>
         </p:nvSpPr>
-        <p:spPr>
-          <a:xfrm>
-            <a:off x="6457950" y="6356351"/>
-            <a:ext cx="2057400" cy="365125"/>
-          </a:xfrm>
-          <a:prstGeom prst="rect">
-            <a:avLst/>
-          </a:prstGeom>
-        </p:spPr>
+        <p:spPr/>
         <p:txBody>
           <a:bodyPr/>
           <a:lstStyle/>
           <a:p>
             <a:r>
-              <a:rPr lang="en-US" dirty="0"/>
+              <a:rPr lang="en-US"/>
               <a:t>b</a:t>
             </a:r>
             <a:endParaRPr lang="ru-RU" dirty="0"/>
@@ -2999,7 +2941,7 @@
     </p:spTree>
     <p:extLst>
       <p:ext uri="{BB962C8B-B14F-4D97-AF65-F5344CB8AC3E}">
-        <p14:creationId xmlns:p14="http://schemas.microsoft.com/office/powerpoint/2010/main" val="538159164"/>
+        <p14:creationId xmlns:p14="http://schemas.microsoft.com/office/powerpoint/2010/main" val="1672905745"/>
       </p:ext>
     </p:extLst>
   </p:cSld>
@@ -3036,22 +2978,71 @@
             <p:ph type="title"/>
           </p:nvPr>
         </p:nvSpPr>
+        <p:spPr/>
+        <p:txBody>
+          <a:bodyPr/>
+          <a:lstStyle/>
+          <a:p>
+            <a:r>
+              <a:rPr lang="en-GB"/>
+              <a:t>Click to edit Master title style</a:t>
+            </a:r>
+            <a:endParaRPr lang="en-US" dirty="0"/>
+          </a:p>
+        </p:txBody>
+      </p:sp>
+      <p:sp>
+        <p:nvSpPr>
+          <p:cNvPr id="3" name="Content Placeholder 2"/>
+          <p:cNvSpPr>
+            <a:spLocks noGrp="1"/>
+          </p:cNvSpPr>
+          <p:nvPr>
+            <p:ph sz="half" idx="1"/>
+          </p:nvPr>
+        </p:nvSpPr>
         <p:spPr>
           <a:xfrm>
-            <a:off x="628650" y="365126"/>
-            <a:ext cx="7886700" cy="1325563"/>
+            <a:off x="838200" y="1825625"/>
+            <a:ext cx="5181600" cy="4351338"/>
           </a:xfrm>
-          <a:prstGeom prst="rect">
-            <a:avLst/>
-          </a:prstGeom>
         </p:spPr>
         <p:txBody>
           <a:bodyPr/>
           <a:lstStyle/>
           <a:p>
+            <a:pPr lvl="0"/>
             <a:r>
               <a:rPr lang="en-GB"/>
-              <a:t>Click to edit Master title style</a:t>
+              <a:t>Click to edit Master text styles</a:t>
+            </a:r>
+          </a:p>
+          <a:p>
+            <a:pPr lvl="1"/>
+            <a:r>
+              <a:rPr lang="en-GB"/>
+              <a:t>Second level</a:t>
+            </a:r>
+          </a:p>
+          <a:p>
+            <a:pPr lvl="2"/>
+            <a:r>
+              <a:rPr lang="en-GB"/>
+              <a:t>Third level</a:t>
+            </a:r>
+          </a:p>
+          <a:p>
+            <a:pPr lvl="3"/>
+            <a:r>
+              <a:rPr lang="en-GB"/>
+              <a:t>Fourth level</a:t>
+            </a:r>
+          </a:p>
+          <a:p>
+            <a:pPr lvl="4"/>
+            <a:r>
+              <a:rPr lang="en-GB"/>
+              <a:t>Fifth level</a:t>
             </a:r>
             <a:endParaRPr lang="en-US" dirty="0"/>
           </a:p>
@@ -3059,18 +3050,18 @@
       </p:sp>
       <p:sp>
         <p:nvSpPr>
-          <p:cNvPr id="3" name="Content Placeholder 2"/>
-          <p:cNvSpPr>
-            <a:spLocks noGrp="1"/>
-          </p:cNvSpPr>
-          <p:nvPr>
-            <p:ph sz="half" idx="1"/>
+          <p:cNvPr id="4" name="Content Placeholder 3"/>
+          <p:cNvSpPr>
+            <a:spLocks noGrp="1"/>
+          </p:cNvSpPr>
+          <p:nvPr>
+            <p:ph sz="half" idx="2"/>
           </p:nvPr>
         </p:nvSpPr>
         <p:spPr>
           <a:xfrm>
-            <a:off x="628650" y="1825625"/>
-            <a:ext cx="3886200" cy="4351338"/>
+            <a:off x="6172200" y="1825625"/>
+            <a:ext cx="5181600" cy="4351338"/>
           </a:xfrm>
         </p:spPr>
         <p:txBody>
@@ -3116,63 +3107,6 @@
       </p:sp>
       <p:sp>
         <p:nvSpPr>
-          <p:cNvPr id="4" name="Content Placeholder 3"/>
-          <p:cNvSpPr>
-            <a:spLocks noGrp="1"/>
-          </p:cNvSpPr>
-          <p:nvPr>
-            <p:ph sz="half" idx="2"/>
-          </p:nvPr>
-        </p:nvSpPr>
-        <p:spPr>
-          <a:xfrm>
-            <a:off x="4629150" y="1825625"/>
-            <a:ext cx="3886200" cy="4351338"/>
-          </a:xfrm>
-        </p:spPr>
-        <p:txBody>
-          <a:bodyPr/>
-          <a:lstStyle/>
-          <a:p>
-            <a:pPr lvl="0"/>
-            <a:r>
-              <a:rPr lang="en-GB"/>
-              <a:t>Click to edit Master text styles</a:t>
-            </a:r>
-          </a:p>
-          <a:p>
-            <a:pPr lvl="1"/>
-            <a:r>
-              <a:rPr lang="en-GB"/>
-              <a:t>Second level</a:t>
-            </a:r>
-          </a:p>
-          <a:p>
-            <a:pPr lvl="2"/>
-            <a:r>
-              <a:rPr lang="en-GB"/>
-              <a:t>Third level</a:t>
-            </a:r>
-          </a:p>
-          <a:p>
-            <a:pPr lvl="3"/>
-            <a:r>
-              <a:rPr lang="en-GB"/>
-              <a:t>Fourth level</a:t>
-            </a:r>
-          </a:p>
-          <a:p>
-            <a:pPr lvl="4"/>
-            <a:r>
-              <a:rPr lang="en-GB"/>
-              <a:t>Fifth level</a:t>
-            </a:r>
-            <a:endParaRPr lang="en-US" dirty="0"/>
-          </a:p>
-        </p:txBody>
-      </p:sp>
-      <p:sp>
-        <p:nvSpPr>
           <p:cNvPr id="5" name="Date Placeholder 4"/>
           <p:cNvSpPr>
             <a:spLocks noGrp="1"/>
@@ -3181,15 +3115,7 @@
             <p:ph type="dt" sz="half" idx="10"/>
           </p:nvPr>
         </p:nvSpPr>
-        <p:spPr>
-          <a:xfrm>
-            <a:off x="628650" y="6356351"/>
-            <a:ext cx="2057400" cy="365125"/>
-          </a:xfrm>
-          <a:prstGeom prst="rect">
-            <a:avLst/>
-          </a:prstGeom>
-        </p:spPr>
+        <p:spPr/>
         <p:txBody>
           <a:bodyPr/>
           <a:lstStyle/>
@@ -3212,15 +3138,7 @@
             <p:ph type="ftr" sz="quarter" idx="11"/>
           </p:nvPr>
         </p:nvSpPr>
-        <p:spPr>
-          <a:xfrm>
-            <a:off x="3028950" y="6356351"/>
-            <a:ext cx="3086100" cy="365125"/>
-          </a:xfrm>
-          <a:prstGeom prst="rect">
-            <a:avLst/>
-          </a:prstGeom>
-        </p:spPr>
+        <p:spPr/>
         <p:txBody>
           <a:bodyPr/>
           <a:lstStyle/>
@@ -3239,21 +3157,13 @@
             <p:ph type="sldNum" sz="quarter" idx="12"/>
           </p:nvPr>
         </p:nvSpPr>
-        <p:spPr>
-          <a:xfrm>
-            <a:off x="6457950" y="6356351"/>
-            <a:ext cx="2057400" cy="365125"/>
-          </a:xfrm>
-          <a:prstGeom prst="rect">
-            <a:avLst/>
-          </a:prstGeom>
-        </p:spPr>
+        <p:spPr/>
         <p:txBody>
           <a:bodyPr/>
           <a:lstStyle/>
           <a:p>
             <a:r>
-              <a:rPr lang="en-US" dirty="0"/>
+              <a:rPr lang="en-US"/>
               <a:t>c</a:t>
             </a:r>
             <a:endParaRPr lang="ru-RU" dirty="0"/>
@@ -3263,7 +3173,7 @@
     </p:spTree>
     <p:extLst>
       <p:ext uri="{BB962C8B-B14F-4D97-AF65-F5344CB8AC3E}">
-        <p14:creationId xmlns:p14="http://schemas.microsoft.com/office/powerpoint/2010/main" val="1647831503"/>
+        <p14:creationId xmlns:p14="http://schemas.microsoft.com/office/powerpoint/2010/main" val="698250453"/>
       </p:ext>
     </p:extLst>
   </p:cSld>
@@ -3302,12 +3212,9 @@
         </p:nvSpPr>
         <p:spPr>
           <a:xfrm>
-            <a:off x="629841" y="365126"/>
-            <a:ext cx="7886700" cy="1325563"/>
+            <a:off x="839788" y="365125"/>
+            <a:ext cx="10515600" cy="1325563"/>
           </a:xfrm>
-          <a:prstGeom prst="rect">
-            <a:avLst/>
-          </a:prstGeom>
         </p:spPr>
         <p:txBody>
           <a:bodyPr/>
@@ -3333,8 +3240,8 @@
         </p:nvSpPr>
         <p:spPr>
           <a:xfrm>
-            <a:off x="629842" y="1681163"/>
-            <a:ext cx="3868340" cy="823912"/>
+            <a:off x="839788" y="1681163"/>
+            <a:ext cx="5157787" cy="823912"/>
           </a:xfrm>
         </p:spPr>
         <p:txBody>
@@ -3398,8 +3305,8 @@
         </p:nvSpPr>
         <p:spPr>
           <a:xfrm>
-            <a:off x="629842" y="2505075"/>
-            <a:ext cx="3868340" cy="3684588"/>
+            <a:off x="839788" y="2505075"/>
+            <a:ext cx="5157787" cy="3684588"/>
           </a:xfrm>
         </p:spPr>
         <p:txBody>
@@ -3455,8 +3362,8 @@
         </p:nvSpPr>
         <p:spPr>
           <a:xfrm>
-            <a:off x="4629150" y="1681163"/>
-            <a:ext cx="3887391" cy="823912"/>
+            <a:off x="6172200" y="1681163"/>
+            <a:ext cx="5183188" cy="823912"/>
           </a:xfrm>
         </p:spPr>
         <p:txBody>
@@ -3520,8 +3427,8 @@
         </p:nvSpPr>
         <p:spPr>
           <a:xfrm>
-            <a:off x="4629150" y="2505075"/>
-            <a:ext cx="3887391" cy="3684588"/>
+            <a:off x="6172200" y="2505075"/>
+            <a:ext cx="5183188" cy="3684588"/>
           </a:xfrm>
         </p:spPr>
         <p:txBody>
@@ -3575,15 +3482,7 @@
             <p:ph type="dt" sz="half" idx="10"/>
           </p:nvPr>
         </p:nvSpPr>
-        <p:spPr>
-          <a:xfrm>
-            <a:off x="628650" y="6356351"/>
-            <a:ext cx="2057400" cy="365125"/>
-          </a:xfrm>
-          <a:prstGeom prst="rect">
-            <a:avLst/>
-          </a:prstGeom>
-        </p:spPr>
+        <p:spPr/>
         <p:txBody>
           <a:bodyPr/>
           <a:lstStyle/>
@@ -3606,15 +3505,7 @@
             <p:ph type="ftr" sz="quarter" idx="11"/>
           </p:nvPr>
         </p:nvSpPr>
-        <p:spPr>
-          <a:xfrm>
-            <a:off x="3028950" y="6356351"/>
-            <a:ext cx="3086100" cy="365125"/>
-          </a:xfrm>
-          <a:prstGeom prst="rect">
-            <a:avLst/>
-          </a:prstGeom>
-        </p:spPr>
+        <p:spPr/>
         <p:txBody>
           <a:bodyPr/>
           <a:lstStyle/>
@@ -3633,21 +3524,13 @@
             <p:ph type="sldNum" sz="quarter" idx="12"/>
           </p:nvPr>
         </p:nvSpPr>
-        <p:spPr>
-          <a:xfrm>
-            <a:off x="6457950" y="6356351"/>
-            <a:ext cx="2057400" cy="365125"/>
-          </a:xfrm>
-          <a:prstGeom prst="rect">
-            <a:avLst/>
-          </a:prstGeom>
-        </p:spPr>
+        <p:spPr/>
         <p:txBody>
           <a:bodyPr/>
           <a:lstStyle/>
           <a:p>
             <a:r>
-              <a:rPr lang="en-US" dirty="0"/>
+              <a:rPr lang="en-US"/>
               <a:t>d</a:t>
             </a:r>
             <a:endParaRPr lang="ru-RU" dirty="0"/>
@@ -3657,7 +3540,7 @@
     </p:spTree>
     <p:extLst>
       <p:ext uri="{BB962C8B-B14F-4D97-AF65-F5344CB8AC3E}">
-        <p14:creationId xmlns:p14="http://schemas.microsoft.com/office/powerpoint/2010/main" val="3131158480"/>
+        <p14:creationId xmlns:p14="http://schemas.microsoft.com/office/powerpoint/2010/main" val="3438483099"/>
       </p:ext>
     </p:extLst>
   </p:cSld>
@@ -3694,15 +3577,7 @@
             <p:ph type="title"/>
           </p:nvPr>
         </p:nvSpPr>
-        <p:spPr>
-          <a:xfrm>
-            <a:off x="628650" y="365126"/>
-            <a:ext cx="7886700" cy="1325563"/>
-          </a:xfrm>
-          <a:prstGeom prst="rect">
-            <a:avLst/>
-          </a:prstGeom>
-        </p:spPr>
+        <p:spPr/>
         <p:txBody>
           <a:bodyPr/>
           <a:lstStyle/>
@@ -3725,15 +3600,7 @@
             <p:ph type="dt" sz="half" idx="10"/>
           </p:nvPr>
         </p:nvSpPr>
-        <p:spPr>
-          <a:xfrm>
-            <a:off x="628650" y="6356351"/>
-            <a:ext cx="2057400" cy="365125"/>
-          </a:xfrm>
-          <a:prstGeom prst="rect">
-            <a:avLst/>
-          </a:prstGeom>
-        </p:spPr>
+        <p:spPr/>
         <p:txBody>
           <a:bodyPr/>
           <a:lstStyle/>
@@ -3756,15 +3623,7 @@
             <p:ph type="ftr" sz="quarter" idx="11"/>
           </p:nvPr>
         </p:nvSpPr>
-        <p:spPr>
-          <a:xfrm>
-            <a:off x="3028950" y="6356351"/>
-            <a:ext cx="3086100" cy="365125"/>
-          </a:xfrm>
-          <a:prstGeom prst="rect">
-            <a:avLst/>
-          </a:prstGeom>
-        </p:spPr>
+        <p:spPr/>
         <p:txBody>
           <a:bodyPr/>
           <a:lstStyle/>
@@ -3783,21 +3642,13 @@
             <p:ph type="sldNum" sz="quarter" idx="12"/>
           </p:nvPr>
         </p:nvSpPr>
-        <p:spPr>
-          <a:xfrm>
-            <a:off x="6457950" y="6356351"/>
-            <a:ext cx="2057400" cy="365125"/>
-          </a:xfrm>
-          <a:prstGeom prst="rect">
-            <a:avLst/>
-          </a:prstGeom>
-        </p:spPr>
+        <p:spPr/>
         <p:txBody>
           <a:bodyPr/>
           <a:lstStyle/>
           <a:p>
             <a:r>
-              <a:rPr lang="en-US" dirty="0"/>
+              <a:rPr lang="en-US"/>
               <a:t>e</a:t>
             </a:r>
             <a:endParaRPr lang="ru-RU" dirty="0"/>
@@ -3807,7 +3658,7 @@
     </p:spTree>
     <p:extLst>
       <p:ext uri="{BB962C8B-B14F-4D97-AF65-F5344CB8AC3E}">
-        <p14:creationId xmlns:p14="http://schemas.microsoft.com/office/powerpoint/2010/main" val="1665299470"/>
+        <p14:creationId xmlns:p14="http://schemas.microsoft.com/office/powerpoint/2010/main" val="2371633805"/>
       </p:ext>
     </p:extLst>
   </p:cSld>
@@ -3844,15 +3695,7 @@
             <p:ph type="dt" sz="half" idx="10"/>
           </p:nvPr>
         </p:nvSpPr>
-        <p:spPr>
-          <a:xfrm>
-            <a:off x="628650" y="6356351"/>
-            <a:ext cx="2057400" cy="365125"/>
-          </a:xfrm>
-          <a:prstGeom prst="rect">
-            <a:avLst/>
-          </a:prstGeom>
-        </p:spPr>
+        <p:spPr/>
         <p:txBody>
           <a:bodyPr/>
           <a:lstStyle/>
@@ -3875,15 +3718,7 @@
             <p:ph type="ftr" sz="quarter" idx="11"/>
           </p:nvPr>
         </p:nvSpPr>
-        <p:spPr>
-          <a:xfrm>
-            <a:off x="3028950" y="6356351"/>
-            <a:ext cx="3086100" cy="365125"/>
-          </a:xfrm>
-          <a:prstGeom prst="rect">
-            <a:avLst/>
-          </a:prstGeom>
-        </p:spPr>
+        <p:spPr/>
         <p:txBody>
           <a:bodyPr/>
           <a:lstStyle/>
@@ -3902,21 +3737,13 @@
             <p:ph type="sldNum" sz="quarter" idx="12"/>
           </p:nvPr>
         </p:nvSpPr>
-        <p:spPr>
-          <a:xfrm>
-            <a:off x="6457950" y="6356351"/>
-            <a:ext cx="2057400" cy="365125"/>
-          </a:xfrm>
-          <a:prstGeom prst="rect">
-            <a:avLst/>
-          </a:prstGeom>
-        </p:spPr>
+        <p:spPr/>
         <p:txBody>
           <a:bodyPr/>
           <a:lstStyle/>
           <a:p>
             <a:r>
-              <a:rPr lang="en-US" dirty="0"/>
+              <a:rPr lang="en-US"/>
               <a:t>v</a:t>
             </a:r>
             <a:endParaRPr lang="ru-RU" dirty="0"/>
@@ -3926,7 +3753,7 @@
     </p:spTree>
     <p:extLst>
       <p:ext uri="{BB962C8B-B14F-4D97-AF65-F5344CB8AC3E}">
-        <p14:creationId xmlns:p14="http://schemas.microsoft.com/office/powerpoint/2010/main" val="1967714825"/>
+        <p14:creationId xmlns:p14="http://schemas.microsoft.com/office/powerpoint/2010/main" val="104778490"/>
       </p:ext>
     </p:extLst>
   </p:cSld>
@@ -3965,12 +3792,9 @@
         </p:nvSpPr>
         <p:spPr>
           <a:xfrm>
-            <a:off x="629841" y="457200"/>
-            <a:ext cx="2949178" cy="1600200"/>
+            <a:off x="839788" y="457200"/>
+            <a:ext cx="3932237" cy="1600200"/>
           </a:xfrm>
-          <a:prstGeom prst="rect">
-            <a:avLst/>
-          </a:prstGeom>
         </p:spPr>
         <p:txBody>
           <a:bodyPr anchor="b"/>
@@ -4000,8 +3824,8 @@
         </p:nvSpPr>
         <p:spPr>
           <a:xfrm>
-            <a:off x="3887391" y="987426"/>
-            <a:ext cx="4629150" cy="4873625"/>
+            <a:off x="5183188" y="987425"/>
+            <a:ext cx="6172200" cy="4873625"/>
           </a:xfrm>
         </p:spPr>
         <p:txBody>
@@ -4085,8 +3909,8 @@
         </p:nvSpPr>
         <p:spPr>
           <a:xfrm>
-            <a:off x="629841" y="2057400"/>
-            <a:ext cx="2949178" cy="3811588"/>
+            <a:off x="839788" y="2057400"/>
+            <a:ext cx="3932237" cy="3811588"/>
           </a:xfrm>
         </p:spPr>
         <p:txBody>
@@ -4148,15 +3972,7 @@
             <p:ph type="dt" sz="half" idx="10"/>
           </p:nvPr>
         </p:nvSpPr>
-        <p:spPr>
-          <a:xfrm>
-            <a:off x="628650" y="6356351"/>
-            <a:ext cx="2057400" cy="365125"/>
-          </a:xfrm>
-          <a:prstGeom prst="rect">
-            <a:avLst/>
-          </a:prstGeom>
-        </p:spPr>
+        <p:spPr/>
         <p:txBody>
           <a:bodyPr/>
           <a:lstStyle/>
@@ -4179,15 +3995,7 @@
             <p:ph type="ftr" sz="quarter" idx="11"/>
           </p:nvPr>
         </p:nvSpPr>
-        <p:spPr>
-          <a:xfrm>
-            <a:off x="3028950" y="6356351"/>
-            <a:ext cx="3086100" cy="365125"/>
-          </a:xfrm>
-          <a:prstGeom prst="rect">
-            <a:avLst/>
-          </a:prstGeom>
-        </p:spPr>
+        <p:spPr/>
         <p:txBody>
           <a:bodyPr/>
           <a:lstStyle/>
@@ -4206,21 +4014,13 @@
             <p:ph type="sldNum" sz="quarter" idx="12"/>
           </p:nvPr>
         </p:nvSpPr>
-        <p:spPr>
-          <a:xfrm>
-            <a:off x="6457950" y="6356351"/>
-            <a:ext cx="2057400" cy="365125"/>
-          </a:xfrm>
-          <a:prstGeom prst="rect">
-            <a:avLst/>
-          </a:prstGeom>
-        </p:spPr>
+        <p:spPr/>
         <p:txBody>
           <a:bodyPr/>
           <a:lstStyle/>
           <a:p>
             <a:r>
-              <a:rPr lang="en-US" dirty="0"/>
+              <a:rPr lang="en-US"/>
               <a:t>a</a:t>
             </a:r>
             <a:endParaRPr lang="ru-RU" dirty="0"/>
@@ -4230,7 +4030,7 @@
     </p:spTree>
     <p:extLst>
       <p:ext uri="{BB962C8B-B14F-4D97-AF65-F5344CB8AC3E}">
-        <p14:creationId xmlns:p14="http://schemas.microsoft.com/office/powerpoint/2010/main" val="3291836275"/>
+        <p14:creationId xmlns:p14="http://schemas.microsoft.com/office/powerpoint/2010/main" val="3219118871"/>
       </p:ext>
     </p:extLst>
   </p:cSld>
@@ -4269,12 +4069,9 @@
         </p:nvSpPr>
         <p:spPr>
           <a:xfrm>
-            <a:off x="629841" y="457200"/>
-            <a:ext cx="2949178" cy="1600200"/>
+            <a:off x="839788" y="457200"/>
+            <a:ext cx="3932237" cy="1600200"/>
           </a:xfrm>
-          <a:prstGeom prst="rect">
-            <a:avLst/>
-          </a:prstGeom>
         </p:spPr>
         <p:txBody>
           <a:bodyPr anchor="b"/>
@@ -4304,8 +4101,8 @@
         </p:nvSpPr>
         <p:spPr>
           <a:xfrm>
-            <a:off x="3887391" y="987426"/>
-            <a:ext cx="4629150" cy="4873625"/>
+            <a:off x="5183188" y="987425"/>
+            <a:ext cx="6172200" cy="4873625"/>
           </a:xfrm>
         </p:spPr>
         <p:txBody>
@@ -4369,8 +4166,8 @@
         </p:nvSpPr>
         <p:spPr>
           <a:xfrm>
-            <a:off x="629841" y="2057400"/>
-            <a:ext cx="2949178" cy="3811588"/>
+            <a:off x="839788" y="2057400"/>
+            <a:ext cx="3932237" cy="3811588"/>
           </a:xfrm>
         </p:spPr>
         <p:txBody>
@@ -4432,15 +4229,7 @@
             <p:ph type="dt" sz="half" idx="10"/>
           </p:nvPr>
         </p:nvSpPr>
-        <p:spPr>
-          <a:xfrm>
-            <a:off x="628650" y="6356351"/>
-            <a:ext cx="2057400" cy="365125"/>
-          </a:xfrm>
-          <a:prstGeom prst="rect">
-            <a:avLst/>
-          </a:prstGeom>
-        </p:spPr>
+        <p:spPr/>
         <p:txBody>
           <a:bodyPr/>
           <a:lstStyle/>
@@ -4463,15 +4252,7 @@
             <p:ph type="ftr" sz="quarter" idx="11"/>
           </p:nvPr>
         </p:nvSpPr>
-        <p:spPr>
-          <a:xfrm>
-            <a:off x="3028950" y="6356351"/>
-            <a:ext cx="3086100" cy="365125"/>
-          </a:xfrm>
-          <a:prstGeom prst="rect">
-            <a:avLst/>
-          </a:prstGeom>
-        </p:spPr>
+        <p:spPr/>
         <p:txBody>
           <a:bodyPr/>
           <a:lstStyle/>
@@ -4490,21 +4271,13 @@
             <p:ph type="sldNum" sz="quarter" idx="12"/>
           </p:nvPr>
         </p:nvSpPr>
-        <p:spPr>
-          <a:xfrm>
-            <a:off x="6457950" y="6356351"/>
-            <a:ext cx="2057400" cy="365125"/>
-          </a:xfrm>
-          <a:prstGeom prst="rect">
-            <a:avLst/>
-          </a:prstGeom>
-        </p:spPr>
+        <p:spPr/>
         <p:txBody>
           <a:bodyPr/>
           <a:lstStyle/>
           <a:p>
             <a:r>
-              <a:rPr lang="en-US" dirty="0"/>
+              <a:rPr lang="en-US"/>
               <a:t>f</a:t>
             </a:r>
             <a:endParaRPr lang="ru-RU" dirty="0"/>
@@ -4514,7 +4287,7 @@
     </p:spTree>
     <p:extLst>
       <p:ext uri="{BB962C8B-B14F-4D97-AF65-F5344CB8AC3E}">
-        <p14:creationId xmlns:p14="http://schemas.microsoft.com/office/powerpoint/2010/main" val="270857511"/>
+        <p14:creationId xmlns:p14="http://schemas.microsoft.com/office/powerpoint/2010/main" val="663882188"/>
       </p:ext>
     </p:extLst>
   </p:cSld>
@@ -4548,24 +4321,57 @@
       </p:grpSpPr>
       <p:sp>
         <p:nvSpPr>
-          <p:cNvPr id="3" name="Text Placeholder 2"/>
-          <p:cNvSpPr>
-            <a:spLocks noGrp="1"/>
-          </p:cNvSpPr>
-          <p:nvPr>
-            <p:ph type="body" idx="1"/>
+          <p:cNvPr id="2" name="Title Placeholder 1"/>
+          <p:cNvSpPr>
+            <a:spLocks noGrp="1"/>
+          </p:cNvSpPr>
+          <p:nvPr>
+            <p:ph type="title"/>
           </p:nvPr>
         </p:nvSpPr>
         <p:spPr>
           <a:xfrm>
-            <a:off x="628650" y="1825625"/>
-            <a:ext cx="7886700" cy="4351338"/>
+            <a:off x="838200" y="365125"/>
+            <a:ext cx="10515600" cy="1325563"/>
           </a:xfrm>
           <a:prstGeom prst="rect">
             <a:avLst/>
           </a:prstGeom>
         </p:spPr>
         <p:txBody>
+          <a:bodyPr vert="horz" lIns="91440" tIns="45720" rIns="91440" bIns="45720" rtlCol="0" anchor="ctr">
+            <a:normAutofit/>
+          </a:bodyPr>
+          <a:lstStyle/>
+          <a:p>
+            <a:r>
+              <a:rPr lang="en-GB"/>
+              <a:t>Click to edit Master title style</a:t>
+            </a:r>
+            <a:endParaRPr lang="en-US" dirty="0"/>
+          </a:p>
+        </p:txBody>
+      </p:sp>
+      <p:sp>
+        <p:nvSpPr>
+          <p:cNvPr id="3" name="Text Placeholder 2"/>
+          <p:cNvSpPr>
+            <a:spLocks noGrp="1"/>
+          </p:cNvSpPr>
+          <p:nvPr>
+            <p:ph type="body" idx="1"/>
+          </p:nvPr>
+        </p:nvSpPr>
+        <p:spPr>
+          <a:xfrm>
+            <a:off x="838200" y="1825625"/>
+            <a:ext cx="10515600" cy="4351338"/>
+          </a:xfrm>
+          <a:prstGeom prst="rect">
+            <a:avLst/>
+          </a:prstGeom>
+        </p:spPr>
+        <p:txBody>
           <a:bodyPr vert="horz" lIns="91440" tIns="45720" rIns="91440" bIns="45720" rtlCol="0">
             <a:normAutofit/>
           </a:bodyPr>
@@ -4573,35 +4379,35 @@
           <a:p>
             <a:pPr lvl="0"/>
             <a:r>
-              <a:rPr lang="en-GB" dirty="0"/>
+              <a:rPr lang="en-GB"/>
               <a:t>Click to edit Master text styles</a:t>
             </a:r>
           </a:p>
           <a:p>
             <a:pPr lvl="1"/>
             <a:r>
-              <a:rPr lang="en-GB" dirty="0"/>
+              <a:rPr lang="en-GB"/>
               <a:t>Second level</a:t>
             </a:r>
           </a:p>
           <a:p>
             <a:pPr lvl="2"/>
             <a:r>
-              <a:rPr lang="en-GB" dirty="0"/>
+              <a:rPr lang="en-GB"/>
               <a:t>Third level</a:t>
             </a:r>
           </a:p>
           <a:p>
             <a:pPr lvl="3"/>
             <a:r>
-              <a:rPr lang="en-GB" dirty="0"/>
+              <a:rPr lang="en-GB"/>
               <a:t>Fourth level</a:t>
             </a:r>
           </a:p>
           <a:p>
             <a:pPr lvl="4"/>
             <a:r>
-              <a:rPr lang="en-GB" dirty="0"/>
+              <a:rPr lang="en-GB"/>
               <a:t>Fifth level</a:t>
             </a:r>
             <a:endParaRPr lang="en-US" dirty="0"/>
@@ -4610,24 +4416,96 @@
       </p:sp>
       <p:sp>
         <p:nvSpPr>
-          <p:cNvPr id="16" name="Slide Number Placeholder 15">
-            <a:extLst>
-              <a:ext uri="{FF2B5EF4-FFF2-40B4-BE49-F238E27FC236}">
-                <a16:creationId xmlns:a16="http://schemas.microsoft.com/office/drawing/2014/main" id="{DEDF3873-0F28-5D23-70C4-CAC565E37578}"/>
-              </a:ext>
-            </a:extLst>
-          </p:cNvPr>
-          <p:cNvSpPr>
-            <a:spLocks noGrp="1"/>
-          </p:cNvSpPr>
-          <p:nvPr>
-            <p:ph type="sldNum" sz="quarter" idx="4"/>
+          <p:cNvPr id="4" name="Date Placeholder 3"/>
+          <p:cNvSpPr>
+            <a:spLocks noGrp="1"/>
+          </p:cNvSpPr>
+          <p:nvPr>
+            <p:ph type="dt" sz="half" idx="2"/>
           </p:nvPr>
         </p:nvSpPr>
         <p:spPr>
           <a:xfrm>
-            <a:off x="6457950" y="6356350"/>
-            <a:ext cx="2057400" cy="365125"/>
+            <a:off x="838200" y="6356350"/>
+            <a:ext cx="2743200" cy="365125"/>
+          </a:xfrm>
+          <a:prstGeom prst="rect">
+            <a:avLst/>
+          </a:prstGeom>
+        </p:spPr>
+        <p:txBody>
+          <a:bodyPr vert="horz" lIns="91440" tIns="45720" rIns="91440" bIns="45720" rtlCol="0" anchor="ctr"/>
+          <a:lstStyle>
+            <a:lvl1pPr algn="l">
+              <a:defRPr sz="1200">
+                <a:solidFill>
+                  <a:schemeClr val="tx1">
+                    <a:tint val="75000"/>
+                  </a:schemeClr>
+                </a:solidFill>
+              </a:defRPr>
+            </a:lvl1pPr>
+          </a:lstStyle>
+          <a:p>
+            <a:fld id="{33883747-69F0-854C-B157-B8BEB941B560}" type="datetimeFigureOut">
+              <a:rPr lang="en-RU" smtClean="0"/>
+              <a:t>07.06.2025</a:t>
+            </a:fld>
+            <a:endParaRPr lang="en-RU"/>
+          </a:p>
+        </p:txBody>
+      </p:sp>
+      <p:sp>
+        <p:nvSpPr>
+          <p:cNvPr id="5" name="Footer Placeholder 4"/>
+          <p:cNvSpPr>
+            <a:spLocks noGrp="1"/>
+          </p:cNvSpPr>
+          <p:nvPr>
+            <p:ph type="ftr" sz="quarter" idx="3"/>
+          </p:nvPr>
+        </p:nvSpPr>
+        <p:spPr>
+          <a:xfrm>
+            <a:off x="4038600" y="6356350"/>
+            <a:ext cx="4114800" cy="365125"/>
+          </a:xfrm>
+          <a:prstGeom prst="rect">
+            <a:avLst/>
+          </a:prstGeom>
+        </p:spPr>
+        <p:txBody>
+          <a:bodyPr vert="horz" lIns="91440" tIns="45720" rIns="91440" bIns="45720" rtlCol="0" anchor="ctr"/>
+          <a:lstStyle>
+            <a:lvl1pPr algn="ctr">
+              <a:defRPr sz="1200">
+                <a:solidFill>
+                  <a:schemeClr val="tx1">
+                    <a:tint val="75000"/>
+                  </a:schemeClr>
+                </a:solidFill>
+              </a:defRPr>
+            </a:lvl1pPr>
+          </a:lstStyle>
+          <a:p>
+            <a:endParaRPr lang="en-RU"/>
+          </a:p>
+        </p:txBody>
+      </p:sp>
+      <p:sp>
+        <p:nvSpPr>
+          <p:cNvPr id="6" name="Slide Number Placeholder 5"/>
+          <p:cNvSpPr>
+            <a:spLocks noGrp="1"/>
+          </p:cNvSpPr>
+          <p:nvPr>
+            <p:ph type="sldNum" sz="quarter" idx="4"/>
+          </p:nvPr>
+        </p:nvSpPr>
+        <p:spPr>
+          <a:xfrm>
+            <a:off x="8610600" y="6356350"/>
+            <a:ext cx="2743200" cy="365125"/>
           </a:xfrm>
           <a:prstGeom prst="rect">
             <a:avLst/>
@@ -4640,7 +4518,7 @@
               <a:defRPr sz="1200">
                 <a:solidFill>
                   <a:schemeClr val="tx1">
-                    <a:tint val="82000"/>
+                    <a:tint val="75000"/>
                   </a:schemeClr>
                 </a:solidFill>
               </a:defRPr>
@@ -4655,155 +4533,26 @@
           </a:p>
         </p:txBody>
       </p:sp>
-      <p:sp>
-        <p:nvSpPr>
-          <p:cNvPr id="17" name="Footer Placeholder 16">
-            <a:extLst>
-              <a:ext uri="{FF2B5EF4-FFF2-40B4-BE49-F238E27FC236}">
-                <a16:creationId xmlns:a16="http://schemas.microsoft.com/office/drawing/2014/main" id="{76DAB397-9CAA-19AA-F6CC-34CA40F2008B}"/>
-              </a:ext>
-            </a:extLst>
-          </p:cNvPr>
-          <p:cNvSpPr>
-            <a:spLocks noGrp="1"/>
-          </p:cNvSpPr>
-          <p:nvPr>
-            <p:ph type="ftr" sz="quarter" idx="3"/>
-          </p:nvPr>
-        </p:nvSpPr>
-        <p:spPr>
-          <a:xfrm>
-            <a:off x="3028950" y="6356350"/>
-            <a:ext cx="3086100" cy="365125"/>
-          </a:xfrm>
-          <a:prstGeom prst="rect">
-            <a:avLst/>
-          </a:prstGeom>
-        </p:spPr>
-        <p:txBody>
-          <a:bodyPr vert="horz" lIns="91440" tIns="45720" rIns="91440" bIns="45720" rtlCol="0" anchor="ctr"/>
-          <a:lstStyle>
-            <a:lvl1pPr algn="ctr">
-              <a:defRPr sz="1200">
-                <a:solidFill>
-                  <a:schemeClr val="tx1">
-                    <a:tint val="82000"/>
-                  </a:schemeClr>
-                </a:solidFill>
-              </a:defRPr>
-            </a:lvl1pPr>
-          </a:lstStyle>
-          <a:p>
-            <a:endParaRPr lang="en-RU"/>
-          </a:p>
-        </p:txBody>
-      </p:sp>
-      <p:sp>
-        <p:nvSpPr>
-          <p:cNvPr id="18" name="Title Placeholder 17">
-            <a:extLst>
-              <a:ext uri="{FF2B5EF4-FFF2-40B4-BE49-F238E27FC236}">
-                <a16:creationId xmlns:a16="http://schemas.microsoft.com/office/drawing/2014/main" id="{4AD6E4EB-C5CF-EF78-5642-C21EF39D204D}"/>
-              </a:ext>
-            </a:extLst>
-          </p:cNvPr>
-          <p:cNvSpPr>
-            <a:spLocks noGrp="1"/>
-          </p:cNvSpPr>
-          <p:nvPr>
-            <p:ph type="title"/>
-          </p:nvPr>
-        </p:nvSpPr>
-        <p:spPr>
-          <a:xfrm>
-            <a:off x="628650" y="365125"/>
-            <a:ext cx="7886700" cy="1325563"/>
-          </a:xfrm>
-          <a:prstGeom prst="rect">
-            <a:avLst/>
-          </a:prstGeom>
-        </p:spPr>
-        <p:txBody>
-          <a:bodyPr vert="horz" lIns="91440" tIns="45720" rIns="91440" bIns="45720" rtlCol="0" anchor="ctr">
-            <a:normAutofit/>
-          </a:bodyPr>
-          <a:lstStyle/>
-          <a:p>
-            <a:r>
-              <a:rPr lang="en-GB"/>
-              <a:t>Click to edit Master title style</a:t>
-            </a:r>
-            <a:endParaRPr lang="en-RU"/>
-          </a:p>
-        </p:txBody>
-      </p:sp>
-      <p:sp>
-        <p:nvSpPr>
-          <p:cNvPr id="2" name="Date Placeholder 1">
-            <a:extLst>
-              <a:ext uri="{FF2B5EF4-FFF2-40B4-BE49-F238E27FC236}">
-                <a16:creationId xmlns:a16="http://schemas.microsoft.com/office/drawing/2014/main" id="{D1B1312B-AD1D-CFF4-060C-F69896E34860}"/>
-              </a:ext>
-            </a:extLst>
-          </p:cNvPr>
-          <p:cNvSpPr>
-            <a:spLocks noGrp="1"/>
-          </p:cNvSpPr>
-          <p:nvPr>
-            <p:ph type="dt" sz="half" idx="2"/>
-          </p:nvPr>
-        </p:nvSpPr>
-        <p:spPr>
-          <a:xfrm>
-            <a:off x="628650" y="6356350"/>
-            <a:ext cx="2057400" cy="365125"/>
-          </a:xfrm>
-          <a:prstGeom prst="rect">
-            <a:avLst/>
-          </a:prstGeom>
-        </p:spPr>
-        <p:txBody>
-          <a:bodyPr vert="horz" lIns="91440" tIns="45720" rIns="91440" bIns="45720" rtlCol="0" anchor="ctr"/>
-          <a:lstStyle>
-            <a:lvl1pPr algn="l">
-              <a:defRPr sz="1200">
-                <a:solidFill>
-                  <a:schemeClr val="tx1">
-                    <a:tint val="82000"/>
-                  </a:schemeClr>
-                </a:solidFill>
-              </a:defRPr>
-            </a:lvl1pPr>
-          </a:lstStyle>
-          <a:p>
-            <a:fld id="{33883747-69F0-854C-B157-B8BEB941B560}" type="datetimeFigureOut">
-              <a:rPr lang="en-RU" smtClean="0"/>
-              <a:t>24.05.2025</a:t>
-            </a:fld>
-            <a:endParaRPr lang="en-RU"/>
-          </a:p>
-        </p:txBody>
-      </p:sp>
     </p:spTree>
     <p:extLst>
       <p:ext uri="{BB962C8B-B14F-4D97-AF65-F5344CB8AC3E}">
-        <p14:creationId xmlns:p14="http://schemas.microsoft.com/office/powerpoint/2010/main" val="1731587521"/>
+        <p14:creationId xmlns:p14="http://schemas.microsoft.com/office/powerpoint/2010/main" val="4131979657"/>
       </p:ext>
     </p:extLst>
   </p:cSld>
   <p:clrMap bg1="lt1" tx1="dk1" bg2="lt2" tx2="dk2" accent1="accent1" accent2="accent2" accent3="accent3" accent4="accent4" accent5="accent5" accent6="accent6" hlink="hlink" folHlink="folHlink"/>
   <p:sldLayoutIdLst>
-    <p:sldLayoutId id="2147483771" r:id="rId1"/>
-    <p:sldLayoutId id="2147483772" r:id="rId2"/>
-    <p:sldLayoutId id="2147483773" r:id="rId3"/>
-    <p:sldLayoutId id="2147483774" r:id="rId4"/>
-    <p:sldLayoutId id="2147483775" r:id="rId5"/>
-    <p:sldLayoutId id="2147483776" r:id="rId6"/>
-    <p:sldLayoutId id="2147483777" r:id="rId7"/>
-    <p:sldLayoutId id="2147483778" r:id="rId8"/>
-    <p:sldLayoutId id="2147483779" r:id="rId9"/>
-    <p:sldLayoutId id="2147483780" r:id="rId10"/>
-    <p:sldLayoutId id="2147483781" r:id="rId11"/>
+    <p:sldLayoutId id="2147483783" r:id="rId1"/>
+    <p:sldLayoutId id="2147483784" r:id="rId2"/>
+    <p:sldLayoutId id="2147483785" r:id="rId3"/>
+    <p:sldLayoutId id="2147483786" r:id="rId4"/>
+    <p:sldLayoutId id="2147483787" r:id="rId5"/>
+    <p:sldLayoutId id="2147483788" r:id="rId6"/>
+    <p:sldLayoutId id="2147483789" r:id="rId7"/>
+    <p:sldLayoutId id="2147483790" r:id="rId8"/>
+    <p:sldLayoutId id="2147483791" r:id="rId9"/>
+    <p:sldLayoutId id="2147483792" r:id="rId10"/>
+    <p:sldLayoutId id="2147483793" r:id="rId11"/>
     <p:sldLayoutId id="2147483769" r:id="rId12"/>
   </p:sldLayoutIdLst>
   <p:hf hdr="0" ftr="0" dt="0"/>
@@ -5125,8 +4874,8 @@
         </p:nvSpPr>
         <p:spPr>
           <a:xfrm>
-            <a:off x="1077687" y="2591161"/>
-            <a:ext cx="7380515" cy="1416125"/>
+            <a:off x="1406769" y="2591161"/>
+            <a:ext cx="9964615" cy="1711207"/>
           </a:xfrm>
         </p:spPr>
         <p:txBody>
@@ -5137,14 +4886,14 @@
           <a:p>
             <a:pPr algn="ctr"/>
             <a:r>
-              <a:rPr lang="ru-RU" sz="2200" b="1">
+              <a:rPr lang="ru-RU" sz="2800" b="1" dirty="0">
                 <a:latin typeface="Times New Roman" panose="02020603050405020304" pitchFamily="18" charset="0"/>
                 <a:ea typeface="Times New Roman" panose="02020603050405020304" pitchFamily="18" charset="0"/>
               </a:rPr>
               <a:t>РАЗРАБОТКА КРОСС-ПЛАТФОРМЕННОЙ БИБЛИОТЕКИ ДЛЯ АНАЛИЗА ФИНАНСОВЫХ ДАННЫХ</a:t>
             </a:r>
             <a:br>
-              <a:rPr lang="ru-RU" sz="1350" b="1">
+              <a:rPr lang="ru-RU" sz="1350" b="1" dirty="0">
                 <a:latin typeface="Times New Roman" panose="02020603050405020304" pitchFamily="18" charset="0"/>
                 <a:ea typeface="Times New Roman" panose="02020603050405020304" pitchFamily="18" charset="0"/>
               </a:rPr>
@@ -5171,13 +4920,13 @@
         </p:nvSpPr>
         <p:spPr>
           <a:xfrm>
-            <a:off x="1208313" y="4007286"/>
-            <a:ext cx="6858000" cy="1934319"/>
+            <a:off x="2332891" y="4007287"/>
+            <a:ext cx="7842739" cy="2557636"/>
           </a:xfrm>
         </p:spPr>
         <p:txBody>
           <a:bodyPr>
-            <a:normAutofit fontScale="85000" lnSpcReduction="20000"/>
+            <a:normAutofit/>
           </a:bodyPr>
           <a:lstStyle/>
           <a:p>
@@ -5187,7 +4936,7 @@
               </a:lnSpc>
             </a:pPr>
             <a:r>
-              <a:rPr lang="ru-RU" b="1">
+              <a:rPr lang="ru-RU" b="1" dirty="0">
                 <a:effectLst/>
                 <a:latin typeface="Times New Roman" panose="02020603050405020304" pitchFamily="18" charset="0"/>
                 <a:ea typeface="Times New Roman" panose="02020603050405020304" pitchFamily="18" charset="0"/>
@@ -5202,7 +4951,7 @@
               </a:lnSpc>
             </a:pPr>
             <a:r>
-              <a:rPr lang="ru-RU">
+              <a:rPr lang="ru-RU" dirty="0">
                 <a:effectLst/>
                 <a:latin typeface="Times New Roman" panose="02020603050405020304" pitchFamily="18" charset="0"/>
                 <a:ea typeface="Times New Roman" panose="02020603050405020304" pitchFamily="18" charset="0"/>
@@ -5217,7 +4966,7 @@
               </a:lnSpc>
             </a:pPr>
             <a:r>
-              <a:rPr lang="ru-RU" b="1">
+              <a:rPr lang="ru-RU" b="1" dirty="0">
                 <a:effectLst/>
                 <a:latin typeface="Times New Roman" panose="02020603050405020304" pitchFamily="18" charset="0"/>
                 <a:ea typeface="Times New Roman" panose="02020603050405020304" pitchFamily="18" charset="0"/>
@@ -5225,19 +4974,35 @@
               <a:t>Научный руководитель – </a:t>
             </a:r>
             <a:br>
-              <a:rPr lang="ru-RU">
+              <a:rPr lang="ru-RU" dirty="0">
                 <a:effectLst/>
                 <a:latin typeface="Times New Roman" panose="02020603050405020304" pitchFamily="18" charset="0"/>
                 <a:ea typeface="Times New Roman" panose="02020603050405020304" pitchFamily="18" charset="0"/>
               </a:rPr>
             </a:br>
             <a:r>
-              <a:rPr lang="ru-RU">
+              <a:rPr lang="ru-RU" dirty="0">
                 <a:effectLst/>
                 <a:latin typeface="Times New Roman" panose="02020603050405020304" pitchFamily="18" charset="0"/>
                 <a:ea typeface="Times New Roman" panose="02020603050405020304" pitchFamily="18" charset="0"/>
               </a:rPr>
-              <a:t>доц., к. ф.-м. н. Шабас Ирина Николаевна</a:t>
+              <a:t>доц., к. ф.-м. н. </a:t>
+            </a:r>
+            <a:r>
+              <a:rPr lang="ru-RU" dirty="0" err="1">
+                <a:effectLst/>
+                <a:latin typeface="Times New Roman" panose="02020603050405020304" pitchFamily="18" charset="0"/>
+                <a:ea typeface="Times New Roman" panose="02020603050405020304" pitchFamily="18" charset="0"/>
+              </a:rPr>
+              <a:t>Шабас</a:t>
+            </a:r>
+            <a:r>
+              <a:rPr lang="ru-RU" dirty="0">
+                <a:effectLst/>
+                <a:latin typeface="Times New Roman" panose="02020603050405020304" pitchFamily="18" charset="0"/>
+                <a:ea typeface="Times New Roman" panose="02020603050405020304" pitchFamily="18" charset="0"/>
+              </a:rPr>
+              <a:t> Ирина Николаевна</a:t>
             </a:r>
             <a:endParaRPr lang="ru-RU" dirty="0"/>
           </a:p>
@@ -5257,8 +5022,8 @@
         </p:nvSpPr>
         <p:spPr>
           <a:xfrm>
-            <a:off x="2061275" y="449451"/>
-            <a:ext cx="5486400" cy="1569660"/>
+            <a:off x="2930770" y="449448"/>
+            <a:ext cx="6904892" cy="1323439"/>
           </a:xfrm>
           <a:prstGeom prst="rect">
             <a:avLst/>
@@ -5401,8 +5166,8 @@
         </p:nvSpPr>
         <p:spPr>
           <a:xfrm>
-            <a:off x="805491" y="271665"/>
-            <a:ext cx="7533017" cy="658297"/>
+            <a:off x="1066800" y="271666"/>
+            <a:ext cx="10287000" cy="658297"/>
           </a:xfrm>
           <a:prstGeom prst="rect">
             <a:avLst/>
@@ -5492,8 +5257,8 @@
         </p:nvSpPr>
         <p:spPr>
           <a:xfrm>
-            <a:off x="1033246" y="2886369"/>
-            <a:ext cx="2589534" cy="307777"/>
+            <a:off x="4947875" y="3389266"/>
+            <a:ext cx="2296249" cy="430887"/>
           </a:xfrm>
           <a:prstGeom prst="rect">
             <a:avLst/>
@@ -5506,11 +5271,12 @@
           </a:bodyPr>
           <a:lstStyle/>
           <a:p>
-            <a:r>
-              <a:rPr lang="ru-RU" sz="1400" dirty="0"/>
+            <a:pPr algn="ctr"/>
+            <a:r>
+              <a:rPr lang="ru-RU" sz="2200" dirty="0"/>
               <a:t>Прямоугольник</a:t>
             </a:r>
-            <a:endParaRPr lang="en-RU" sz="1400" dirty="0"/>
+            <a:endParaRPr lang="en-RU" sz="2200" dirty="0"/>
           </a:p>
         </p:txBody>
       </p:sp>
@@ -5528,8 +5294,8 @@
         </p:nvSpPr>
         <p:spPr>
           <a:xfrm>
-            <a:off x="4696954" y="3031961"/>
-            <a:ext cx="2654586" cy="307777"/>
+            <a:off x="8036851" y="3312610"/>
+            <a:ext cx="2296248" cy="430887"/>
           </a:xfrm>
           <a:prstGeom prst="rect">
             <a:avLst/>
@@ -5542,11 +5308,12 @@
           </a:bodyPr>
           <a:lstStyle/>
           <a:p>
-            <a:r>
-              <a:rPr lang="ru-RU" sz="1400" dirty="0"/>
+            <a:pPr algn="ctr"/>
+            <a:r>
+              <a:rPr lang="ru-RU" sz="2200" dirty="0"/>
               <a:t>Треугольник</a:t>
             </a:r>
-            <a:endParaRPr lang="en-RU" sz="1400" dirty="0"/>
+            <a:endParaRPr lang="en-RU" sz="2200" dirty="0"/>
           </a:p>
         </p:txBody>
       </p:sp>
@@ -5564,8 +5331,8 @@
         </p:nvSpPr>
         <p:spPr>
           <a:xfrm>
-            <a:off x="1033246" y="5052870"/>
-            <a:ext cx="2654586" cy="307777"/>
+            <a:off x="5009857" y="5881919"/>
+            <a:ext cx="2296249" cy="430887"/>
           </a:xfrm>
           <a:prstGeom prst="rect">
             <a:avLst/>
@@ -5578,11 +5345,12 @@
           </a:bodyPr>
           <a:lstStyle/>
           <a:p>
-            <a:r>
-              <a:rPr lang="ru-RU" sz="1400" dirty="0"/>
+            <a:pPr algn="ctr"/>
+            <a:r>
+              <a:rPr lang="ru-RU" sz="2200" dirty="0"/>
               <a:t>Кривая</a:t>
             </a:r>
-            <a:endParaRPr lang="en-RU" sz="1400" dirty="0"/>
+            <a:endParaRPr lang="en-RU" sz="2200" dirty="0"/>
           </a:p>
         </p:txBody>
       </p:sp>
@@ -5600,8 +5368,8 @@
         </p:nvSpPr>
         <p:spPr>
           <a:xfrm>
-            <a:off x="4696954" y="5173662"/>
-            <a:ext cx="2654586" cy="307777"/>
+            <a:off x="8036850" y="5810184"/>
+            <a:ext cx="2296249" cy="430887"/>
           </a:xfrm>
           <a:prstGeom prst="rect">
             <a:avLst/>
@@ -5614,11 +5382,12 @@
           </a:bodyPr>
           <a:lstStyle/>
           <a:p>
-            <a:r>
-              <a:rPr lang="ru-RU" sz="1400" dirty="0"/>
+            <a:pPr algn="ctr"/>
+            <a:r>
+              <a:rPr lang="ru-RU" sz="2200" dirty="0"/>
               <a:t>Ломаная</a:t>
             </a:r>
-            <a:endParaRPr lang="en-RU" sz="1400" dirty="0"/>
+            <a:endParaRPr lang="en-RU" sz="2200" dirty="0"/>
           </a:p>
         </p:txBody>
       </p:sp>
@@ -5644,8 +5413,8 @@
         </p:blipFill>
         <p:spPr>
           <a:xfrm>
-            <a:off x="1033246" y="1206520"/>
-            <a:ext cx="1813649" cy="1610395"/>
+            <a:off x="4947875" y="1298936"/>
+            <a:ext cx="2296249" cy="2038910"/>
           </a:xfrm>
           <a:prstGeom prst="rect">
             <a:avLst/>
@@ -5674,8 +5443,8 @@
         </p:blipFill>
         <p:spPr>
           <a:xfrm>
-            <a:off x="4696954" y="1312056"/>
-            <a:ext cx="2046893" cy="1504859"/>
+            <a:off x="7870393" y="1369075"/>
+            <a:ext cx="2410549" cy="1772216"/>
           </a:xfrm>
           <a:prstGeom prst="rect">
             <a:avLst/>
@@ -5704,8 +5473,8 @@
         </p:blipFill>
         <p:spPr>
           <a:xfrm>
-            <a:off x="1033246" y="3352268"/>
-            <a:ext cx="2046893" cy="1542480"/>
+            <a:off x="4947875" y="4079796"/>
+            <a:ext cx="2296249" cy="1730388"/>
           </a:xfrm>
           <a:prstGeom prst="rect">
             <a:avLst/>
@@ -5734,14 +5503,97 @@
         </p:blipFill>
         <p:spPr>
           <a:xfrm>
-            <a:off x="4572000" y="3486644"/>
-            <a:ext cx="1943100" cy="1454150"/>
+            <a:off x="8036850" y="3983425"/>
+            <a:ext cx="2296249" cy="1718435"/>
           </a:xfrm>
           <a:prstGeom prst="rect">
             <a:avLst/>
           </a:prstGeom>
         </p:spPr>
       </p:pic>
+      <p:pic>
+        <p:nvPicPr>
+          <p:cNvPr id="2" name="Picture 1">
+            <a:extLst>
+              <a:ext uri="{FF2B5EF4-FFF2-40B4-BE49-F238E27FC236}">
+                <a16:creationId xmlns:a16="http://schemas.microsoft.com/office/drawing/2014/main" id="{EB3886D6-2ACC-B518-0BDB-C803146C1CD2}"/>
+              </a:ext>
+            </a:extLst>
+          </p:cNvPr>
+          <p:cNvPicPr>
+            <a:picLocks noChangeAspect="1"/>
+          </p:cNvPicPr>
+          <p:nvPr/>
+        </p:nvPicPr>
+        <p:blipFill>
+          <a:blip r:embed="rId7"/>
+          <a:stretch>
+            <a:fillRect/>
+          </a:stretch>
+        </p:blipFill>
+        <p:spPr>
+          <a:xfrm>
+            <a:off x="1439844" y="2349997"/>
+            <a:ext cx="2715304" cy="1582588"/>
+          </a:xfrm>
+          <a:prstGeom prst="rect">
+            <a:avLst/>
+          </a:prstGeom>
+        </p:spPr>
+      </p:pic>
+      <p:sp>
+        <p:nvSpPr>
+          <p:cNvPr id="4" name="TextBox 3">
+            <a:extLst>
+              <a:ext uri="{FF2B5EF4-FFF2-40B4-BE49-F238E27FC236}">
+                <a16:creationId xmlns:a16="http://schemas.microsoft.com/office/drawing/2014/main" id="{BE51D711-319B-F578-624A-A5CF89C0D1D9}"/>
+              </a:ext>
+            </a:extLst>
+          </p:cNvPr>
+          <p:cNvSpPr txBox="1"/>
+          <p:nvPr/>
+        </p:nvSpPr>
+        <p:spPr>
+          <a:xfrm>
+            <a:off x="1375924" y="4146871"/>
+            <a:ext cx="3009342" cy="1107996"/>
+          </a:xfrm>
+          <a:prstGeom prst="rect">
+            <a:avLst/>
+          </a:prstGeom>
+          <a:noFill/>
+        </p:spPr>
+        <p:txBody>
+          <a:bodyPr wrap="square" rtlCol="0">
+            <a:spAutoFit/>
+          </a:bodyPr>
+          <a:lstStyle/>
+          <a:p>
+            <a:pPr algn="ctr"/>
+            <a:r>
+              <a:rPr lang="ru-RU" sz="2200" dirty="0"/>
+              <a:t>Линия Тренда</a:t>
+            </a:r>
+            <a:r>
+              <a:rPr lang="en-US" sz="2200" dirty="0"/>
+              <a:t>, </a:t>
+            </a:r>
+            <a:r>
+              <a:rPr lang="ru-RU" sz="2200" dirty="0"/>
+              <a:t>Горизонтальная линия</a:t>
+            </a:r>
+            <a:r>
+              <a:rPr lang="en-US" sz="2200" dirty="0"/>
+              <a:t>, </a:t>
+            </a:r>
+            <a:r>
+              <a:rPr lang="ru-RU" sz="2200" dirty="0"/>
+              <a:t>Вертикальная линия</a:t>
+            </a:r>
+            <a:endParaRPr lang="en-RU" sz="2200" dirty="0"/>
+          </a:p>
+        </p:txBody>
+      </p:sp>
     </p:spTree>
     <p:extLst>
       <p:ext uri="{BB962C8B-B14F-4D97-AF65-F5344CB8AC3E}">
@@ -5760,13 +5612,7 @@
   <p:cSld>
     <p:spTree>
       <p:nvGrpSpPr>
-        <p:cNvPr id="1" name="">
-          <a:extLst>
-            <a:ext uri="{FF2B5EF4-FFF2-40B4-BE49-F238E27FC236}">
-              <a16:creationId xmlns:a16="http://schemas.microsoft.com/office/drawing/2014/main" id="{70E64637-1F05-CC78-1727-06E248FA7503}"/>
-            </a:ext>
-          </a:extLst>
-        </p:cNvPr>
+        <p:cNvPr id="1" name=""/>
         <p:cNvGrpSpPr/>
         <p:nvPr/>
       </p:nvGrpSpPr>
@@ -5783,7 +5629,7 @@
           <p:cNvPr id="13" name="TextBox 12">
             <a:extLst>
               <a:ext uri="{FF2B5EF4-FFF2-40B4-BE49-F238E27FC236}">
-                <a16:creationId xmlns:a16="http://schemas.microsoft.com/office/drawing/2014/main" id="{D5260124-120D-6EC6-72DE-B15439585AE0}"/>
+                <a16:creationId xmlns:a16="http://schemas.microsoft.com/office/drawing/2014/main" id="{B93B201B-677F-E6B9-7511-87C52882C2FC}"/>
               </a:ext>
             </a:extLst>
           </p:cNvPr>
@@ -5792,8 +5638,8 @@
         </p:nvSpPr>
         <p:spPr>
           <a:xfrm>
-            <a:off x="805491" y="271665"/>
-            <a:ext cx="7533017" cy="658297"/>
+            <a:off x="1055078" y="271666"/>
+            <a:ext cx="10298722" cy="658297"/>
           </a:xfrm>
           <a:prstGeom prst="rect">
             <a:avLst/>
@@ -5828,6 +5674,334 @@
             <a:pPr algn="ctr"/>
             <a:r>
               <a:rPr lang="ru-RU" sz="2400" dirty="0"/>
+              <a:t>Инструменты рисования в библиотеке</a:t>
+            </a:r>
+          </a:p>
+        </p:txBody>
+      </p:sp>
+      <p:sp>
+        <p:nvSpPr>
+          <p:cNvPr id="7" name="Slide Number Placeholder 6">
+            <a:extLst>
+              <a:ext uri="{FF2B5EF4-FFF2-40B4-BE49-F238E27FC236}">
+                <a16:creationId xmlns:a16="http://schemas.microsoft.com/office/drawing/2014/main" id="{C3E577B0-60C9-583B-8A59-946E93078F1E}"/>
+              </a:ext>
+            </a:extLst>
+          </p:cNvPr>
+          <p:cNvSpPr>
+            <a:spLocks noGrp="1"/>
+          </p:cNvSpPr>
+          <p:nvPr>
+            <p:ph type="sldNum" sz="quarter" idx="12"/>
+          </p:nvPr>
+        </p:nvSpPr>
+        <p:spPr/>
+        <p:txBody>
+          <a:bodyPr/>
+          <a:lstStyle/>
+          <a:p>
+            <a:r>
+              <a:rPr lang="ru-RU" dirty="0"/>
+              <a:t>9</a:t>
+            </a:r>
+            <a:r>
+              <a:rPr lang="en-US" dirty="0"/>
+              <a:t> </a:t>
+            </a:r>
+            <a:r>
+              <a:rPr lang="ru-RU" dirty="0"/>
+              <a:t>из 13</a:t>
+            </a:r>
+          </a:p>
+        </p:txBody>
+      </p:sp>
+      <p:pic>
+        <p:nvPicPr>
+          <p:cNvPr id="4" name="Picture 3">
+            <a:extLst>
+              <a:ext uri="{FF2B5EF4-FFF2-40B4-BE49-F238E27FC236}">
+                <a16:creationId xmlns:a16="http://schemas.microsoft.com/office/drawing/2014/main" id="{4D1ADDB0-7125-AC15-C9F8-90D0B4141396}"/>
+              </a:ext>
+            </a:extLst>
+          </p:cNvPr>
+          <p:cNvPicPr>
+            <a:picLocks noChangeAspect="1"/>
+          </p:cNvPicPr>
+          <p:nvPr/>
+        </p:nvPicPr>
+        <p:blipFill>
+          <a:blip r:embed="rId3"/>
+          <a:stretch>
+            <a:fillRect/>
+          </a:stretch>
+        </p:blipFill>
+        <p:spPr>
+          <a:xfrm>
+            <a:off x="6096000" y="1161873"/>
+            <a:ext cx="3482374" cy="1843610"/>
+          </a:xfrm>
+          <a:prstGeom prst="rect">
+            <a:avLst/>
+          </a:prstGeom>
+        </p:spPr>
+      </p:pic>
+      <p:sp>
+        <p:nvSpPr>
+          <p:cNvPr id="5" name="TextBox 4">
+            <a:extLst>
+              <a:ext uri="{FF2B5EF4-FFF2-40B4-BE49-F238E27FC236}">
+                <a16:creationId xmlns:a16="http://schemas.microsoft.com/office/drawing/2014/main" id="{7C53273D-4CCE-A770-360A-B2F2DA039115}"/>
+              </a:ext>
+            </a:extLst>
+          </p:cNvPr>
+          <p:cNvSpPr txBox="1"/>
+          <p:nvPr/>
+        </p:nvSpPr>
+        <p:spPr>
+          <a:xfrm>
+            <a:off x="5885295" y="3069167"/>
+            <a:ext cx="3903784" cy="430887"/>
+          </a:xfrm>
+          <a:prstGeom prst="rect">
+            <a:avLst/>
+          </a:prstGeom>
+          <a:noFill/>
+        </p:spPr>
+        <p:txBody>
+          <a:bodyPr wrap="square" rtlCol="0">
+            <a:spAutoFit/>
+          </a:bodyPr>
+          <a:lstStyle/>
+          <a:p>
+            <a:pPr algn="ctr"/>
+            <a:r>
+              <a:rPr lang="ru-RU" sz="2200" dirty="0"/>
+              <a:t>Коррекция Фибоначчи</a:t>
+            </a:r>
+            <a:endParaRPr lang="en-RU" sz="2200" dirty="0"/>
+          </a:p>
+        </p:txBody>
+      </p:sp>
+      <p:sp>
+        <p:nvSpPr>
+          <p:cNvPr id="8" name="TextBox 7">
+            <a:extLst>
+              <a:ext uri="{FF2B5EF4-FFF2-40B4-BE49-F238E27FC236}">
+                <a16:creationId xmlns:a16="http://schemas.microsoft.com/office/drawing/2014/main" id="{0A0D2390-4739-968A-4468-34EB22287A37}"/>
+              </a:ext>
+            </a:extLst>
+          </p:cNvPr>
+          <p:cNvSpPr txBox="1"/>
+          <p:nvPr/>
+        </p:nvSpPr>
+        <p:spPr>
+          <a:xfrm>
+            <a:off x="1436613" y="4972906"/>
+            <a:ext cx="3961626" cy="430887"/>
+          </a:xfrm>
+          <a:prstGeom prst="rect">
+            <a:avLst/>
+          </a:prstGeom>
+          <a:noFill/>
+        </p:spPr>
+        <p:txBody>
+          <a:bodyPr wrap="square" rtlCol="0">
+            <a:spAutoFit/>
+          </a:bodyPr>
+          <a:lstStyle/>
+          <a:p>
+            <a:pPr algn="ctr"/>
+            <a:r>
+              <a:rPr lang="ru-RU" sz="2200" dirty="0"/>
+              <a:t>Спираль Фибоначчи</a:t>
+            </a:r>
+            <a:endParaRPr lang="en-RU" sz="2200" dirty="0"/>
+          </a:p>
+        </p:txBody>
+      </p:sp>
+      <p:pic>
+        <p:nvPicPr>
+          <p:cNvPr id="10" name="Picture 9">
+            <a:extLst>
+              <a:ext uri="{FF2B5EF4-FFF2-40B4-BE49-F238E27FC236}">
+                <a16:creationId xmlns:a16="http://schemas.microsoft.com/office/drawing/2014/main" id="{9662C8E1-2B3E-B9EB-32F3-1B60AF55705A}"/>
+              </a:ext>
+            </a:extLst>
+          </p:cNvPr>
+          <p:cNvPicPr>
+            <a:picLocks noChangeAspect="1"/>
+          </p:cNvPicPr>
+          <p:nvPr/>
+        </p:nvPicPr>
+        <p:blipFill>
+          <a:blip r:embed="rId4"/>
+          <a:stretch>
+            <a:fillRect/>
+          </a:stretch>
+        </p:blipFill>
+        <p:spPr>
+          <a:xfrm>
+            <a:off x="1789058" y="2083678"/>
+            <a:ext cx="3609181" cy="2654009"/>
+          </a:xfrm>
+          <a:prstGeom prst="rect">
+            <a:avLst/>
+          </a:prstGeom>
+        </p:spPr>
+      </p:pic>
+      <p:pic>
+        <p:nvPicPr>
+          <p:cNvPr id="14" name="Picture 13">
+            <a:extLst>
+              <a:ext uri="{FF2B5EF4-FFF2-40B4-BE49-F238E27FC236}">
+                <a16:creationId xmlns:a16="http://schemas.microsoft.com/office/drawing/2014/main" id="{E7F4565C-6BE6-9040-EA47-F556CF1C032B}"/>
+              </a:ext>
+            </a:extLst>
+          </p:cNvPr>
+          <p:cNvPicPr>
+            <a:picLocks noChangeAspect="1"/>
+          </p:cNvPicPr>
+          <p:nvPr/>
+        </p:nvPicPr>
+        <p:blipFill>
+          <a:blip r:embed="rId5"/>
+          <a:stretch>
+            <a:fillRect/>
+          </a:stretch>
+        </p:blipFill>
+        <p:spPr>
+          <a:xfrm>
+            <a:off x="6175441" y="3500054"/>
+            <a:ext cx="3323492" cy="2266793"/>
+          </a:xfrm>
+          <a:prstGeom prst="rect">
+            <a:avLst/>
+          </a:prstGeom>
+        </p:spPr>
+      </p:pic>
+      <p:sp>
+        <p:nvSpPr>
+          <p:cNvPr id="15" name="TextBox 14">
+            <a:extLst>
+              <a:ext uri="{FF2B5EF4-FFF2-40B4-BE49-F238E27FC236}">
+                <a16:creationId xmlns:a16="http://schemas.microsoft.com/office/drawing/2014/main" id="{F1E89B17-F342-00AF-852C-2A1D34F0CD1D}"/>
+              </a:ext>
+            </a:extLst>
+          </p:cNvPr>
+          <p:cNvSpPr txBox="1"/>
+          <p:nvPr/>
+        </p:nvSpPr>
+        <p:spPr>
+          <a:xfrm>
+            <a:off x="6096001" y="5925463"/>
+            <a:ext cx="3482374" cy="430887"/>
+          </a:xfrm>
+          <a:prstGeom prst="rect">
+            <a:avLst/>
+          </a:prstGeom>
+          <a:noFill/>
+        </p:spPr>
+        <p:txBody>
+          <a:bodyPr wrap="square" rtlCol="0">
+            <a:spAutoFit/>
+          </a:bodyPr>
+          <a:lstStyle/>
+          <a:p>
+            <a:pPr algn="ctr"/>
+            <a:r>
+              <a:rPr lang="ru-RU" sz="2200" dirty="0"/>
+              <a:t>Клин Фибоначчи</a:t>
+            </a:r>
+            <a:endParaRPr lang="en-RU" sz="2200" dirty="0"/>
+          </a:p>
+        </p:txBody>
+      </p:sp>
+    </p:spTree>
+    <p:extLst>
+      <p:ext uri="{BB962C8B-B14F-4D97-AF65-F5344CB8AC3E}">
+        <p14:creationId xmlns:p14="http://schemas.microsoft.com/office/powerpoint/2010/main" val="4027161053"/>
+      </p:ext>
+    </p:extLst>
+  </p:cSld>
+  <p:clrMapOvr>
+    <a:masterClrMapping/>
+  </p:clrMapOvr>
+</p:sld>
+</file>
+
+<file path=ppt/slides/slide12.xml><?xml version="1.0" encoding="utf-8"?>
+<p:sld xmlns:a="http://schemas.openxmlformats.org/drawingml/2006/main" xmlns:r="http://schemas.openxmlformats.org/officeDocument/2006/relationships" xmlns:p="http://schemas.openxmlformats.org/presentationml/2006/main">
+  <p:cSld>
+    <p:spTree>
+      <p:nvGrpSpPr>
+        <p:cNvPr id="1" name="">
+          <a:extLst>
+            <a:ext uri="{FF2B5EF4-FFF2-40B4-BE49-F238E27FC236}">
+              <a16:creationId xmlns:a16="http://schemas.microsoft.com/office/drawing/2014/main" id="{70E64637-1F05-CC78-1727-06E248FA7503}"/>
+            </a:ext>
+          </a:extLst>
+        </p:cNvPr>
+        <p:cNvGrpSpPr/>
+        <p:nvPr/>
+      </p:nvGrpSpPr>
+      <p:grpSpPr>
+        <a:xfrm>
+          <a:off x="0" y="0"/>
+          <a:ext cx="0" cy="0"/>
+          <a:chOff x="0" y="0"/>
+          <a:chExt cx="0" cy="0"/>
+        </a:xfrm>
+      </p:grpSpPr>
+      <p:sp>
+        <p:nvSpPr>
+          <p:cNvPr id="13" name="TextBox 12">
+            <a:extLst>
+              <a:ext uri="{FF2B5EF4-FFF2-40B4-BE49-F238E27FC236}">
+                <a16:creationId xmlns:a16="http://schemas.microsoft.com/office/drawing/2014/main" id="{D5260124-120D-6EC6-72DE-B15439585AE0}"/>
+              </a:ext>
+            </a:extLst>
+          </p:cNvPr>
+          <p:cNvSpPr txBox="1"/>
+          <p:nvPr/>
+        </p:nvSpPr>
+        <p:spPr>
+          <a:xfrm>
+            <a:off x="1019908" y="271666"/>
+            <a:ext cx="10333892" cy="658297"/>
+          </a:xfrm>
+          <a:prstGeom prst="rect">
+            <a:avLst/>
+          </a:prstGeom>
+          <a:solidFill>
+            <a:schemeClr val="accent5"/>
+          </a:solidFill>
+          <a:ln>
+            <a:noFill/>
+          </a:ln>
+        </p:spPr>
+        <p:style>
+          <a:lnRef idx="0">
+            <a:scrgbClr r="0" g="0" b="0"/>
+          </a:lnRef>
+          <a:fillRef idx="0">
+            <a:scrgbClr r="0" g="0" b="0"/>
+          </a:fillRef>
+          <a:effectRef idx="0">
+            <a:scrgbClr r="0" g="0" b="0"/>
+          </a:effectRef>
+          <a:fontRef idx="minor">
+            <a:schemeClr val="lt1"/>
+          </a:fontRef>
+        </p:style>
+        <p:txBody>
+          <a:bodyPr vert="horz" lIns="68580" tIns="34290" rIns="68580" bIns="34290" rtlCol="0" anchor="ctr">
+            <a:normAutofit/>
+          </a:bodyPr>
+          <a:lstStyle/>
+          <a:p>
+            <a:pPr algn="ctr"/>
+            <a:r>
+              <a:rPr lang="ru-RU" sz="2400" dirty="0"/>
               <a:t>Технические индикаторы</a:t>
             </a:r>
           </a:p>
@@ -5883,8 +6057,8 @@
         </p:nvSpPr>
         <p:spPr>
           <a:xfrm>
-            <a:off x="3590830" y="3144000"/>
-            <a:ext cx="1985328" cy="307777"/>
+            <a:off x="1224732" y="4762272"/>
+            <a:ext cx="4708492" cy="430887"/>
           </a:xfrm>
           <a:prstGeom prst="rect">
             <a:avLst/>
@@ -5897,15 +6071,16 @@
           </a:bodyPr>
           <a:lstStyle/>
           <a:p>
-            <a:r>
-              <a:rPr lang="ru-RU" sz="1400" dirty="0"/>
+            <a:pPr algn="ctr"/>
+            <a:r>
+              <a:rPr lang="ru-RU" sz="2200" dirty="0"/>
               <a:t>Линии </a:t>
             </a:r>
             <a:r>
-              <a:rPr lang="ru-RU" sz="1400" dirty="0" err="1"/>
+              <a:rPr lang="ru-RU" sz="2200" dirty="0" err="1"/>
               <a:t>Боллинджера</a:t>
             </a:r>
-            <a:endParaRPr lang="en-RU" sz="1400" dirty="0"/>
+            <a:endParaRPr lang="en-RU" sz="2200" dirty="0"/>
           </a:p>
         </p:txBody>
       </p:sp>
@@ -5931,8 +6106,8 @@
         </p:blipFill>
         <p:spPr>
           <a:xfrm>
-            <a:off x="2823124" y="1260921"/>
-            <a:ext cx="3497752" cy="1782871"/>
+            <a:off x="1224732" y="2096417"/>
+            <a:ext cx="4708493" cy="2400009"/>
           </a:xfrm>
           <a:prstGeom prst="rect">
             <a:avLst/>
@@ -5953,8 +6128,8 @@
         </p:nvSpPr>
         <p:spPr>
           <a:xfrm>
-            <a:off x="3590830" y="5435064"/>
-            <a:ext cx="1985328" cy="307777"/>
+            <a:off x="6638095" y="4762271"/>
+            <a:ext cx="4715705" cy="430887"/>
           </a:xfrm>
           <a:prstGeom prst="rect">
             <a:avLst/>
@@ -5967,11 +6142,12 @@
           </a:bodyPr>
           <a:lstStyle/>
           <a:p>
-            <a:r>
-              <a:rPr lang="ru-RU" sz="1400" dirty="0"/>
+            <a:pPr algn="ctr"/>
+            <a:r>
+              <a:rPr lang="ru-RU" sz="2200" dirty="0"/>
               <a:t>Скользящее среднее</a:t>
             </a:r>
-            <a:endParaRPr lang="en-RU" sz="1400" dirty="0"/>
+            <a:endParaRPr lang="en-RU" sz="2200" dirty="0"/>
           </a:p>
         </p:txBody>
       </p:sp>
@@ -5997,8 +6173,8 @@
         </p:blipFill>
         <p:spPr>
           <a:xfrm>
-            <a:off x="2993861" y="3551985"/>
-            <a:ext cx="3156277" cy="1842320"/>
+            <a:off x="6731853" y="1953543"/>
+            <a:ext cx="4621947" cy="2697832"/>
           </a:xfrm>
           <a:prstGeom prst="rect">
             <a:avLst/>
@@ -6018,7 +6194,7 @@
 </p:sld>
 </file>
 
-<file path=ppt/slides/slide12.xml><?xml version="1.0" encoding="utf-8"?>
+<file path=ppt/slides/slide13.xml><?xml version="1.0" encoding="utf-8"?>
 <p:sld xmlns:a="http://schemas.openxmlformats.org/drawingml/2006/main" xmlns:r="http://schemas.openxmlformats.org/officeDocument/2006/relationships" xmlns:p="http://schemas.openxmlformats.org/presentationml/2006/main">
   <p:cSld>
     <p:spTree>
@@ -6065,7 +6241,7 @@
         </p:blipFill>
         <p:spPr>
           <a:xfrm>
-            <a:off x="4168945" y="1327773"/>
+            <a:off x="6534840" y="1339494"/>
             <a:ext cx="4151519" cy="4202458"/>
           </a:xfrm>
           <a:prstGeom prst="rect">
@@ -6073,6 +6249,42 @@
           </a:prstGeom>
         </p:spPr>
       </p:pic>
+      <p:sp>
+        <p:nvSpPr>
+          <p:cNvPr id="14" name="Slide Number Placeholder 13">
+            <a:extLst>
+              <a:ext uri="{FF2B5EF4-FFF2-40B4-BE49-F238E27FC236}">
+                <a16:creationId xmlns:a16="http://schemas.microsoft.com/office/drawing/2014/main" id="{6C02DD49-38B4-63F6-8568-BAFBABF2692F}"/>
+              </a:ext>
+            </a:extLst>
+          </p:cNvPr>
+          <p:cNvSpPr>
+            <a:spLocks noGrp="1"/>
+          </p:cNvSpPr>
+          <p:nvPr>
+            <p:ph type="sldNum" sz="quarter" idx="12"/>
+          </p:nvPr>
+        </p:nvSpPr>
+        <p:spPr/>
+        <p:txBody>
+          <a:bodyPr/>
+          <a:lstStyle/>
+          <a:p>
+            <a:r>
+              <a:rPr lang="ru-RU" dirty="0"/>
+              <a:t>1</a:t>
+            </a:r>
+            <a:r>
+              <a:rPr lang="en-US" dirty="0"/>
+              <a:t>2 </a:t>
+            </a:r>
+            <a:r>
+              <a:rPr lang="ru-RU" dirty="0"/>
+              <a:t>из 13</a:t>
+            </a:r>
+          </a:p>
+        </p:txBody>
+      </p:sp>
       <p:sp>
         <p:nvSpPr>
           <p:cNvPr id="13" name="TextBox 12">
@@ -6087,8 +6299,8 @@
         </p:nvSpPr>
         <p:spPr>
           <a:xfrm>
-            <a:off x="588925" y="2188317"/>
-            <a:ext cx="2677651" cy="2481366"/>
+            <a:off x="1032559" y="1477108"/>
+            <a:ext cx="4624602" cy="3927230"/>
           </a:xfrm>
           <a:prstGeom prst="rect">
             <a:avLst/>
@@ -6133,42 +6345,6 @@
           </a:p>
         </p:txBody>
       </p:sp>
-      <p:sp>
-        <p:nvSpPr>
-          <p:cNvPr id="14" name="Slide Number Placeholder 13">
-            <a:extLst>
-              <a:ext uri="{FF2B5EF4-FFF2-40B4-BE49-F238E27FC236}">
-                <a16:creationId xmlns:a16="http://schemas.microsoft.com/office/drawing/2014/main" id="{6C02DD49-38B4-63F6-8568-BAFBABF2692F}"/>
-              </a:ext>
-            </a:extLst>
-          </p:cNvPr>
-          <p:cNvSpPr>
-            <a:spLocks noGrp="1"/>
-          </p:cNvSpPr>
-          <p:nvPr>
-            <p:ph type="sldNum" sz="quarter" idx="12"/>
-          </p:nvPr>
-        </p:nvSpPr>
-        <p:spPr/>
-        <p:txBody>
-          <a:bodyPr/>
-          <a:lstStyle/>
-          <a:p>
-            <a:r>
-              <a:rPr lang="ru-RU" dirty="0"/>
-              <a:t>1</a:t>
-            </a:r>
-            <a:r>
-              <a:rPr lang="en-US" dirty="0"/>
-              <a:t>2 </a:t>
-            </a:r>
-            <a:r>
-              <a:rPr lang="ru-RU" dirty="0"/>
-              <a:t>из 13</a:t>
-            </a:r>
-          </a:p>
-        </p:txBody>
-      </p:sp>
     </p:spTree>
     <p:extLst>
       <p:ext uri="{BB962C8B-B14F-4D97-AF65-F5344CB8AC3E}">
@@ -6182,7 +6358,7 @@
 </p:sld>
 </file>
 
-<file path=ppt/slides/slide13.xml><?xml version="1.0" encoding="utf-8"?>
+<file path=ppt/slides/slide14.xml><?xml version="1.0" encoding="utf-8"?>
 <p:sld xmlns:a="http://schemas.openxmlformats.org/drawingml/2006/main" xmlns:r="http://schemas.openxmlformats.org/officeDocument/2006/relationships" xmlns:p="http://schemas.openxmlformats.org/presentationml/2006/main">
   <p:cSld>
     <p:spTree>
@@ -6219,8 +6395,8 @@
         </p:nvSpPr>
         <p:spPr>
           <a:xfrm>
-            <a:off x="805491" y="607643"/>
-            <a:ext cx="7533017" cy="658297"/>
+            <a:off x="937846" y="607644"/>
+            <a:ext cx="10415954" cy="658297"/>
           </a:xfrm>
           <a:prstGeom prst="rect">
             <a:avLst/>
@@ -6274,8 +6450,8 @@
         </p:nvSpPr>
         <p:spPr>
           <a:xfrm>
-            <a:off x="805490" y="1537446"/>
-            <a:ext cx="7533017" cy="4547399"/>
+            <a:off x="937846" y="1537447"/>
+            <a:ext cx="10415953" cy="3439403"/>
           </a:xfrm>
           <a:prstGeom prst="rect">
             <a:avLst/>
@@ -6425,8 +6601,8 @@
         </p:nvSpPr>
         <p:spPr>
           <a:xfrm>
-            <a:off x="805491" y="607643"/>
-            <a:ext cx="7533017" cy="658297"/>
+            <a:off x="879231" y="527589"/>
+            <a:ext cx="10474569" cy="658297"/>
           </a:xfrm>
           <a:prstGeom prst="rect">
             <a:avLst/>
@@ -6480,8 +6656,8 @@
         </p:nvSpPr>
         <p:spPr>
           <a:xfrm>
-            <a:off x="817213" y="1736845"/>
-            <a:ext cx="7533017" cy="4431983"/>
+            <a:off x="879232" y="1736846"/>
+            <a:ext cx="10474568" cy="4131900"/>
           </a:xfrm>
           <a:prstGeom prst="rect">
             <a:avLst/>
@@ -6503,7 +6679,7 @@
               </a:spcAft>
             </a:pPr>
             <a:r>
-              <a:rPr lang="ru-RU" dirty="0">
+              <a:rPr lang="ru-RU" sz="2000" dirty="0">
                 <a:ea typeface="Times New Roman" panose="02020603050405020304" pitchFamily="18" charset="0"/>
               </a:rPr>
               <a:t>Цель работы: Разработать кроссплатформенную библиотеку для анализа финансовых данных. Библиотека должна содержать востребованные инструменты для определения, а также предоставлять возможность построение технических индикаторов. </a:t>
@@ -6519,7 +6695,7 @@
               </a:spcAft>
             </a:pPr>
             <a:r>
-              <a:rPr lang="ru-RU" dirty="0">
+              <a:rPr lang="ru-RU" sz="2000" dirty="0">
                 <a:ea typeface="Times New Roman" panose="02020603050405020304" pitchFamily="18" charset="0"/>
               </a:rPr>
               <a:t>Задачи:</a:t>
@@ -6531,10 +6707,9 @@
               <a:buChar char="•"/>
             </a:pPr>
             <a:r>
-              <a:rPr lang="ru-RU" dirty="0"/>
-              <a:t>Исследовать предметную область, проанализировать существующие кроссплатформенные библиотеки для анализа финансовых данных.</a:t>
-            </a:r>
-            <a:endParaRPr lang="en-RU" dirty="0"/>
+              <a:rPr lang="ru-RU" sz="2000" dirty="0"/>
+              <a:t>Исследовать предметную область финансового анализа, рассмотреть существующие кроссплатформенные библиотеки для анализа финансовых данных, а также определить технологии для создания библиотеки.</a:t>
+            </a:r>
           </a:p>
           <a:p>
             <a:pPr marL="285750" indent="-285750">
@@ -6542,10 +6717,9 @@
               <a:buChar char="•"/>
             </a:pPr>
             <a:r>
-              <a:rPr lang="ru-RU" dirty="0"/>
-              <a:t>Исследовать технологии для создания библиотеки и спроектировать ее архитектуру.</a:t>
-            </a:r>
-            <a:endParaRPr lang="en-RU" dirty="0"/>
+              <a:rPr lang="ru-RU" sz="2000" dirty="0"/>
+              <a:t>Спроектировать архитектуру библиотеки и разработать востребованные сообществом трейдеров инструменты рисования на графиках для анализа финансовых данных, а также реализовать технические индикаторы.</a:t>
+            </a:r>
           </a:p>
           <a:p>
             <a:pPr marL="285750" indent="-285750">
@@ -6553,32 +6727,14 @@
               <a:buChar char="•"/>
             </a:pPr>
             <a:r>
-              <a:rPr lang="ru-RU" dirty="0"/>
-              <a:t>Разработать востребованные сообществом трейдеров инструменты рисования на графиках для анализа финансовых данных.</a:t>
-            </a:r>
-            <a:endParaRPr lang="en-RU" dirty="0"/>
-          </a:p>
-          <a:p>
-            <a:pPr marL="285750" indent="-285750">
-              <a:buFont typeface="Arial" panose="020B0604020202020204" pitchFamily="34" charset="0"/>
-              <a:buChar char="•"/>
-            </a:pPr>
-            <a:r>
-              <a:rPr lang="ru-RU" dirty="0"/>
-              <a:t>Создать приложение для демонстрации функционала библиотеки, а также опубликовать библиотеку в сети интернет.</a:t>
-            </a:r>
-            <a:endParaRPr lang="en-RU" dirty="0"/>
-          </a:p>
-          <a:p>
-            <a:pPr>
-              <a:spcBef>
-                <a:spcPts val="900"/>
-              </a:spcBef>
-              <a:spcAft>
-                <a:spcPts val="900"/>
-              </a:spcAft>
-            </a:pPr>
-            <a:endParaRPr lang="ru-RU" dirty="0">
+              <a:rPr lang="ru-RU" sz="2000" dirty="0"/>
+              <a:t>Разработать приложение для демонстрации функционала библиотеки, а также опубликовать библиотеку в сети Интернет.</a:t>
+            </a:r>
+            <a:r>
+              <a:rPr lang="en-RU" sz="2000" dirty="0"/>
+              <a:t> </a:t>
+            </a:r>
+            <a:endParaRPr lang="ru-RU" sz="2000" dirty="0">
               <a:ea typeface="Times New Roman" panose="02020603050405020304" pitchFamily="18" charset="0"/>
             </a:endParaRPr>
           </a:p>
@@ -6664,8 +6820,8 @@
         </p:nvSpPr>
         <p:spPr>
           <a:xfrm>
-            <a:off x="805490" y="1531301"/>
-            <a:ext cx="7533017" cy="1563313"/>
+            <a:off x="890955" y="1531300"/>
+            <a:ext cx="10785230" cy="1055482"/>
           </a:xfrm>
           <a:prstGeom prst="rect">
             <a:avLst/>
@@ -6703,23 +6859,6 @@
               <a:rPr lang="ru-RU" sz="2200" dirty="0"/>
               <a:t>Построение технических индикаторов</a:t>
             </a:r>
-            <a:endParaRPr lang="en-US" sz="2200" dirty="0"/>
-          </a:p>
-          <a:p>
-            <a:pPr>
-              <a:lnSpc>
-                <a:spcPct val="150000"/>
-              </a:lnSpc>
-            </a:pPr>
-            <a:r>
-              <a:rPr lang="en-US" sz="2200" dirty="0"/>
-              <a:t>3. </a:t>
-            </a:r>
-            <a:r>
-              <a:rPr lang="ru-RU" sz="2200" dirty="0"/>
-              <a:t>Использование торговых стратегий</a:t>
-            </a:r>
-            <a:endParaRPr lang="en-US" sz="2200" dirty="0"/>
           </a:p>
         </p:txBody>
       </p:sp>
@@ -6737,8 +6876,8 @@
         </p:nvSpPr>
         <p:spPr>
           <a:xfrm>
-            <a:off x="805491" y="669636"/>
-            <a:ext cx="7533017" cy="658297"/>
+            <a:off x="890954" y="669637"/>
+            <a:ext cx="10785231" cy="658297"/>
           </a:xfrm>
           <a:prstGeom prst="rect">
             <a:avLst/>
@@ -6773,7 +6912,7 @@
             <a:pPr algn="ctr"/>
             <a:r>
               <a:rPr lang="ru-RU" sz="2400" dirty="0"/>
-              <a:t>Область анализа финансовых данных</a:t>
+              <a:t>Анализа финансовых данных</a:t>
             </a:r>
           </a:p>
         </p:txBody>
@@ -6842,8 +6981,8 @@
         </p:blipFill>
         <p:spPr>
           <a:xfrm>
-            <a:off x="2962019" y="3297982"/>
-            <a:ext cx="3219961" cy="2400612"/>
+            <a:off x="3739662" y="2724380"/>
+            <a:ext cx="4443046" cy="3312471"/>
           </a:xfrm>
           <a:prstGeom prst="rect">
             <a:avLst/>
@@ -6864,7 +7003,7 @@
         </p:nvSpPr>
         <p:spPr>
           <a:xfrm>
-            <a:off x="3343522" y="5819032"/>
+            <a:off x="4732707" y="5987018"/>
             <a:ext cx="2456955" cy="369332"/>
           </a:xfrm>
           <a:prstGeom prst="rect">
@@ -6903,6 +7042,835 @@
 </file>
 
 <file path=ppt/slides/slide4.xml><?xml version="1.0" encoding="utf-8"?>
+<p:sld xmlns:a="http://schemas.openxmlformats.org/drawingml/2006/main" xmlns:r="http://schemas.openxmlformats.org/officeDocument/2006/relationships" xmlns:p="http://schemas.openxmlformats.org/presentationml/2006/main">
+  <p:cSld>
+    <p:spTree>
+      <p:nvGrpSpPr>
+        <p:cNvPr id="1" name="">
+          <a:extLst>
+            <a:ext uri="{FF2B5EF4-FFF2-40B4-BE49-F238E27FC236}">
+              <a16:creationId xmlns:a16="http://schemas.microsoft.com/office/drawing/2014/main" id="{69182C47-6028-1F50-1CC1-F5DAF2CA9E5B}"/>
+            </a:ext>
+          </a:extLst>
+        </p:cNvPr>
+        <p:cNvGrpSpPr/>
+        <p:nvPr/>
+      </p:nvGrpSpPr>
+      <p:grpSpPr>
+        <a:xfrm>
+          <a:off x="0" y="0"/>
+          <a:ext cx="0" cy="0"/>
+          <a:chOff x="0" y="0"/>
+          <a:chExt cx="0" cy="0"/>
+        </a:xfrm>
+      </p:grpSpPr>
+      <p:sp>
+        <p:nvSpPr>
+          <p:cNvPr id="3" name="TextBox 2">
+            <a:extLst>
+              <a:ext uri="{FF2B5EF4-FFF2-40B4-BE49-F238E27FC236}">
+                <a16:creationId xmlns:a16="http://schemas.microsoft.com/office/drawing/2014/main" id="{306938B1-B702-3860-E817-4BDA55C5DA78}"/>
+              </a:ext>
+            </a:extLst>
+          </p:cNvPr>
+          <p:cNvSpPr txBox="1"/>
+          <p:nvPr/>
+        </p:nvSpPr>
+        <p:spPr>
+          <a:xfrm>
+            <a:off x="797170" y="669637"/>
+            <a:ext cx="10556630" cy="658297"/>
+          </a:xfrm>
+          <a:prstGeom prst="rect">
+            <a:avLst/>
+          </a:prstGeom>
+          <a:solidFill>
+            <a:schemeClr val="accent5"/>
+          </a:solidFill>
+          <a:ln>
+            <a:noFill/>
+          </a:ln>
+        </p:spPr>
+        <p:style>
+          <a:lnRef idx="0">
+            <a:scrgbClr r="0" g="0" b="0"/>
+          </a:lnRef>
+          <a:fillRef idx="0">
+            <a:scrgbClr r="0" g="0" b="0"/>
+          </a:fillRef>
+          <a:effectRef idx="0">
+            <a:scrgbClr r="0" g="0" b="0"/>
+          </a:effectRef>
+          <a:fontRef idx="minor">
+            <a:schemeClr val="lt1"/>
+          </a:fontRef>
+        </p:style>
+        <p:txBody>
+          <a:bodyPr vert="horz" lIns="68580" tIns="34290" rIns="68580" bIns="34290" rtlCol="0" anchor="ctr">
+            <a:normAutofit/>
+          </a:bodyPr>
+          <a:lstStyle/>
+          <a:p>
+            <a:pPr algn="ctr"/>
+            <a:r>
+              <a:rPr lang="ru-RU" sz="2400" dirty="0"/>
+              <a:t>Сравнение библиотек</a:t>
+            </a:r>
+          </a:p>
+        </p:txBody>
+      </p:sp>
+      <p:sp>
+        <p:nvSpPr>
+          <p:cNvPr id="9" name="Slide Number Placeholder 8">
+            <a:extLst>
+              <a:ext uri="{FF2B5EF4-FFF2-40B4-BE49-F238E27FC236}">
+                <a16:creationId xmlns:a16="http://schemas.microsoft.com/office/drawing/2014/main" id="{5275A060-CBF6-8097-5274-617CC076B675}"/>
+              </a:ext>
+            </a:extLst>
+          </p:cNvPr>
+          <p:cNvSpPr>
+            <a:spLocks noGrp="1"/>
+          </p:cNvSpPr>
+          <p:nvPr>
+            <p:ph type="sldNum" sz="quarter" idx="12"/>
+          </p:nvPr>
+        </p:nvSpPr>
+        <p:spPr/>
+        <p:txBody>
+          <a:bodyPr/>
+          <a:lstStyle/>
+          <a:p>
+            <a:r>
+              <a:rPr lang="ru-RU" dirty="0"/>
+              <a:t>3</a:t>
+            </a:r>
+            <a:r>
+              <a:rPr lang="en-US" dirty="0"/>
+              <a:t> </a:t>
+            </a:r>
+            <a:r>
+              <a:rPr lang="ru-RU" dirty="0"/>
+              <a:t>из 13</a:t>
+            </a:r>
+          </a:p>
+        </p:txBody>
+      </p:sp>
+      <p:graphicFrame>
+        <p:nvGraphicFramePr>
+          <p:cNvPr id="5" name="Table 4">
+            <a:extLst>
+              <a:ext uri="{FF2B5EF4-FFF2-40B4-BE49-F238E27FC236}">
+                <a16:creationId xmlns:a16="http://schemas.microsoft.com/office/drawing/2014/main" id="{6C813EA8-46FF-7575-1F7B-B28761C4AF86}"/>
+              </a:ext>
+            </a:extLst>
+          </p:cNvPr>
+          <p:cNvGraphicFramePr>
+            <a:graphicFrameLocks noGrp="1"/>
+          </p:cNvGraphicFramePr>
+          <p:nvPr>
+            <p:extLst>
+              <p:ext uri="{D42A27DB-BD31-4B8C-83A1-F6EECF244321}">
+                <p14:modId xmlns:p14="http://schemas.microsoft.com/office/powerpoint/2010/main" val="766723978"/>
+              </p:ext>
+            </p:extLst>
+          </p:nvPr>
+        </p:nvGraphicFramePr>
+        <p:xfrm>
+          <a:off x="797170" y="1509421"/>
+          <a:ext cx="10556630" cy="4530096"/>
+        </p:xfrm>
+        <a:graphic>
+          <a:graphicData uri="http://schemas.openxmlformats.org/drawingml/2006/table">
+            <a:tbl>
+              <a:tblPr firstRow="1" bandRow="1">
+                <a:tableStyleId>{5C22544A-7EE6-4342-B048-85BDC9FD1C3A}</a:tableStyleId>
+              </a:tblPr>
+              <a:tblGrid>
+                <a:gridCol w="2354042">
+                  <a:extLst>
+                    <a:ext uri="{9D8B030D-6E8A-4147-A177-3AD203B41FA5}">
+                      <a16:colId xmlns:a16="http://schemas.microsoft.com/office/drawing/2014/main" val="2850919056"/>
+                    </a:ext>
+                  </a:extLst>
+                </a:gridCol>
+                <a:gridCol w="2710704">
+                  <a:extLst>
+                    <a:ext uri="{9D8B030D-6E8A-4147-A177-3AD203B41FA5}">
+                      <a16:colId xmlns:a16="http://schemas.microsoft.com/office/drawing/2014/main" val="3578404937"/>
+                    </a:ext>
+                  </a:extLst>
+                </a:gridCol>
+                <a:gridCol w="2119278">
+                  <a:extLst>
+                    <a:ext uri="{9D8B030D-6E8A-4147-A177-3AD203B41FA5}">
+                      <a16:colId xmlns:a16="http://schemas.microsoft.com/office/drawing/2014/main" val="806084011"/>
+                    </a:ext>
+                  </a:extLst>
+                </a:gridCol>
+                <a:gridCol w="1350375">
+                  <a:extLst>
+                    <a:ext uri="{9D8B030D-6E8A-4147-A177-3AD203B41FA5}">
+                      <a16:colId xmlns:a16="http://schemas.microsoft.com/office/drawing/2014/main" val="3043741121"/>
+                    </a:ext>
+                  </a:extLst>
+                </a:gridCol>
+                <a:gridCol w="2022231">
+                  <a:extLst>
+                    <a:ext uri="{9D8B030D-6E8A-4147-A177-3AD203B41FA5}">
+                      <a16:colId xmlns:a16="http://schemas.microsoft.com/office/drawing/2014/main" val="466959145"/>
+                    </a:ext>
+                  </a:extLst>
+                </a:gridCol>
+              </a:tblGrid>
+              <a:tr h="1005246">
+                <a:tc>
+                  <a:txBody>
+                    <a:bodyPr/>
+                    <a:lstStyle/>
+                    <a:p>
+                      <a:r>
+                        <a:rPr lang="ru-RU" dirty="0"/>
+                        <a:t>Библиотека</a:t>
+                      </a:r>
+                      <a:endParaRPr lang="en-RU" dirty="0"/>
+                    </a:p>
+                  </a:txBody>
+                  <a:tcPr/>
+                </a:tc>
+                <a:tc>
+                  <a:txBody>
+                    <a:bodyPr/>
+                    <a:lstStyle/>
+                    <a:p>
+                      <a:r>
+                        <a:rPr lang="ru-RU" dirty="0"/>
+                        <a:t>Инструменты визуального анализа</a:t>
+                      </a:r>
+                      <a:r>
+                        <a:rPr lang="en-US" dirty="0"/>
+                        <a:t> </a:t>
+                      </a:r>
+                      <a:r>
+                        <a:rPr lang="ru-RU" dirty="0"/>
+                        <a:t>и индикаторы</a:t>
+                      </a:r>
+                      <a:endParaRPr lang="en-RU" dirty="0"/>
+                    </a:p>
+                  </a:txBody>
+                  <a:tcPr/>
+                </a:tc>
+                <a:tc>
+                  <a:txBody>
+                    <a:bodyPr/>
+                    <a:lstStyle/>
+                    <a:p>
+                      <a:r>
+                        <a:rPr lang="ru-RU" dirty="0"/>
+                        <a:t>Технологии</a:t>
+                      </a:r>
+                      <a:endParaRPr lang="en-RU" dirty="0"/>
+                    </a:p>
+                  </a:txBody>
+                  <a:tcPr/>
+                </a:tc>
+                <a:tc>
+                  <a:txBody>
+                    <a:bodyPr/>
+                    <a:lstStyle/>
+                    <a:p>
+                      <a:r>
+                        <a:rPr lang="ru-RU" dirty="0"/>
+                        <a:t>Поддержка</a:t>
+                      </a:r>
+                      <a:endParaRPr lang="en-RU" dirty="0"/>
+                    </a:p>
+                  </a:txBody>
+                  <a:tcPr/>
+                </a:tc>
+                <a:tc>
+                  <a:txBody>
+                    <a:bodyPr/>
+                    <a:lstStyle/>
+                    <a:p>
+                      <a:r>
+                        <a:rPr lang="ru-RU" dirty="0"/>
+                        <a:t>Лицензия</a:t>
+                      </a:r>
+                      <a:endParaRPr lang="en-RU" dirty="0"/>
+                    </a:p>
+                  </a:txBody>
+                  <a:tcPr/>
+                </a:tc>
+                <a:extLst>
+                  <a:ext uri="{0D108BD9-81ED-4DB2-BD59-A6C34878D82A}">
+                    <a16:rowId xmlns:a16="http://schemas.microsoft.com/office/drawing/2014/main" val="1719039737"/>
+                  </a:ext>
+                </a:extLst>
+              </a:tr>
+              <a:tr h="572187">
+                <a:tc>
+                  <a:txBody>
+                    <a:bodyPr/>
+                    <a:lstStyle/>
+                    <a:p>
+                      <a:r>
+                        <a:rPr lang="en-RU" dirty="0"/>
+                        <a:t>Lightweight Charts</a:t>
+                      </a:r>
+                    </a:p>
+                  </a:txBody>
+                  <a:tcPr/>
+                </a:tc>
+                <a:tc>
+                  <a:txBody>
+                    <a:bodyPr/>
+                    <a:lstStyle/>
+                    <a:p>
+                      <a:r>
+                        <a:rPr lang="ru-RU" dirty="0"/>
+                        <a:t>Нет</a:t>
+                      </a:r>
+                      <a:endParaRPr lang="en-RU" dirty="0"/>
+                    </a:p>
+                  </a:txBody>
+                  <a:tcPr/>
+                </a:tc>
+                <a:tc>
+                  <a:txBody>
+                    <a:bodyPr/>
+                    <a:lstStyle/>
+                    <a:p>
+                      <a:r>
+                        <a:rPr lang="en-RU" dirty="0"/>
+                        <a:t>TypeScript</a:t>
+                      </a:r>
+                    </a:p>
+                  </a:txBody>
+                  <a:tcPr/>
+                </a:tc>
+                <a:tc>
+                  <a:txBody>
+                    <a:bodyPr/>
+                    <a:lstStyle/>
+                    <a:p>
+                      <a:r>
+                        <a:rPr lang="ru-RU" dirty="0"/>
+                        <a:t>Есть</a:t>
+                      </a:r>
+                      <a:endParaRPr lang="en-RU" dirty="0"/>
+                    </a:p>
+                  </a:txBody>
+                  <a:tcPr/>
+                </a:tc>
+                <a:tc>
+                  <a:txBody>
+                    <a:bodyPr/>
+                    <a:lstStyle/>
+                    <a:p>
+                      <a:r>
+                        <a:rPr lang="en-US" sz="1800" kern="1200" dirty="0">
+                          <a:solidFill>
+                            <a:schemeClr val="dk1"/>
+                          </a:solidFill>
+                          <a:effectLst/>
+                          <a:latin typeface="+mn-lt"/>
+                          <a:ea typeface="+mn-ea"/>
+                          <a:cs typeface="+mn-cs"/>
+                        </a:rPr>
+                        <a:t>Apache</a:t>
+                      </a:r>
+                      <a:r>
+                        <a:rPr lang="ru-RU" sz="1800" kern="1200" dirty="0">
+                          <a:solidFill>
+                            <a:schemeClr val="dk1"/>
+                          </a:solidFill>
+                          <a:effectLst/>
+                          <a:latin typeface="+mn-lt"/>
+                          <a:ea typeface="+mn-ea"/>
+                          <a:cs typeface="+mn-cs"/>
+                        </a:rPr>
+                        <a:t> 2.0</a:t>
+                      </a:r>
+                      <a:r>
+                        <a:rPr lang="en-RU" dirty="0">
+                          <a:effectLst/>
+                        </a:rPr>
+                        <a:t> </a:t>
+                      </a:r>
+                      <a:endParaRPr lang="en-RU" dirty="0"/>
+                    </a:p>
+                  </a:txBody>
+                  <a:tcPr/>
+                </a:tc>
+                <a:extLst>
+                  <a:ext uri="{0D108BD9-81ED-4DB2-BD59-A6C34878D82A}">
+                    <a16:rowId xmlns:a16="http://schemas.microsoft.com/office/drawing/2014/main" val="352310687"/>
+                  </a:ext>
+                </a:extLst>
+              </a:tr>
+              <a:tr h="865376">
+                <a:tc>
+                  <a:txBody>
+                    <a:bodyPr/>
+                    <a:lstStyle/>
+                    <a:p>
+                      <a:r>
+                        <a:rPr lang="en-GB" dirty="0"/>
+                        <a:t>Advanced Charts</a:t>
+                      </a:r>
+                    </a:p>
+                  </a:txBody>
+                  <a:tcPr/>
+                </a:tc>
+                <a:tc>
+                  <a:txBody>
+                    <a:bodyPr/>
+                    <a:lstStyle/>
+                    <a:p>
+                      <a:r>
+                        <a:rPr lang="ru-RU" dirty="0"/>
+                        <a:t>Есть</a:t>
+                      </a:r>
+                      <a:endParaRPr lang="en-RU" dirty="0"/>
+                    </a:p>
+                  </a:txBody>
+                  <a:tcPr/>
+                </a:tc>
+                <a:tc>
+                  <a:txBody>
+                    <a:bodyPr/>
+                    <a:lstStyle/>
+                    <a:p>
+                      <a:pPr marL="0" marR="0" lvl="0" indent="0" algn="l" defTabSz="914400" rtl="0" eaLnBrk="1" fontAlgn="auto" latinLnBrk="0" hangingPunct="1">
+                        <a:lnSpc>
+                          <a:spcPct val="100000"/>
+                        </a:lnSpc>
+                        <a:spcBef>
+                          <a:spcPts val="0"/>
+                        </a:spcBef>
+                        <a:spcAft>
+                          <a:spcPts val="0"/>
+                        </a:spcAft>
+                        <a:buClrTx/>
+                        <a:buSzTx/>
+                        <a:buFontTx/>
+                        <a:buNone/>
+                        <a:tabLst/>
+                        <a:defRPr/>
+                      </a:pPr>
+                      <a:r>
+                        <a:rPr lang="en-RU" dirty="0"/>
+                        <a:t>TypeScript</a:t>
+                      </a:r>
+                    </a:p>
+                  </a:txBody>
+                  <a:tcPr/>
+                </a:tc>
+                <a:tc>
+                  <a:txBody>
+                    <a:bodyPr/>
+                    <a:lstStyle/>
+                    <a:p>
+                      <a:r>
+                        <a:rPr lang="ru-RU" dirty="0"/>
+                        <a:t>Есть</a:t>
+                      </a:r>
+                      <a:endParaRPr lang="en-RU" dirty="0"/>
+                    </a:p>
+                  </a:txBody>
+                  <a:tcPr/>
+                </a:tc>
+                <a:tc>
+                  <a:txBody>
+                    <a:bodyPr/>
+                    <a:lstStyle/>
+                    <a:p>
+                      <a:r>
+                        <a:rPr lang="ru-RU" dirty="0"/>
+                        <a:t>Нет данных. Предоставляется по запросу</a:t>
+                      </a:r>
+                      <a:endParaRPr lang="en-US" dirty="0"/>
+                    </a:p>
+                  </a:txBody>
+                  <a:tcPr/>
+                </a:tc>
+                <a:extLst>
+                  <a:ext uri="{0D108BD9-81ED-4DB2-BD59-A6C34878D82A}">
+                    <a16:rowId xmlns:a16="http://schemas.microsoft.com/office/drawing/2014/main" val="2999955969"/>
+                  </a:ext>
+                </a:extLst>
+              </a:tr>
+              <a:tr h="541287">
+                <a:tc>
+                  <a:txBody>
+                    <a:bodyPr/>
+                    <a:lstStyle/>
+                    <a:p>
+                      <a:r>
+                        <a:rPr lang="en-US" sz="1800" kern="1200" dirty="0">
+                          <a:solidFill>
+                            <a:schemeClr val="dk1"/>
+                          </a:solidFill>
+                          <a:effectLst/>
+                          <a:latin typeface="+mn-lt"/>
+                          <a:ea typeface="+mn-ea"/>
+                          <a:cs typeface="+mn-cs"/>
+                        </a:rPr>
+                        <a:t>Plotty </a:t>
+                      </a:r>
+                      <a:endParaRPr lang="en-RU" dirty="0"/>
+                    </a:p>
+                  </a:txBody>
+                  <a:tcPr/>
+                </a:tc>
+                <a:tc>
+                  <a:txBody>
+                    <a:bodyPr/>
+                    <a:lstStyle/>
+                    <a:p>
+                      <a:r>
+                        <a:rPr lang="ru-RU" dirty="0"/>
+                        <a:t>Только индикаторы</a:t>
+                      </a:r>
+                      <a:endParaRPr lang="en-RU" dirty="0"/>
+                    </a:p>
+                  </a:txBody>
+                  <a:tcPr/>
+                </a:tc>
+                <a:tc>
+                  <a:txBody>
+                    <a:bodyPr/>
+                    <a:lstStyle/>
+                    <a:p>
+                      <a:r>
+                        <a:rPr lang="en-US" sz="1800" kern="1200" dirty="0">
+                          <a:solidFill>
+                            <a:schemeClr val="dk1"/>
+                          </a:solidFill>
+                          <a:effectLst/>
+                          <a:latin typeface="+mn-lt"/>
+                          <a:ea typeface="+mn-ea"/>
+                          <a:cs typeface="+mn-cs"/>
+                        </a:rPr>
+                        <a:t>Python</a:t>
+                      </a:r>
+                      <a:r>
+                        <a:rPr lang="ru-RU" sz="1800" kern="1200" dirty="0">
+                          <a:solidFill>
+                            <a:schemeClr val="dk1"/>
+                          </a:solidFill>
+                          <a:effectLst/>
+                          <a:latin typeface="+mn-lt"/>
+                          <a:ea typeface="+mn-ea"/>
+                          <a:cs typeface="+mn-cs"/>
+                        </a:rPr>
+                        <a:t>, </a:t>
+                      </a:r>
+                      <a:r>
+                        <a:rPr lang="en-US" sz="1800" kern="1200" dirty="0">
+                          <a:solidFill>
+                            <a:schemeClr val="dk1"/>
+                          </a:solidFill>
+                          <a:effectLst/>
+                          <a:latin typeface="+mn-lt"/>
+                          <a:ea typeface="+mn-ea"/>
+                          <a:cs typeface="+mn-cs"/>
+                        </a:rPr>
+                        <a:t>R</a:t>
+                      </a:r>
+                      <a:r>
+                        <a:rPr lang="ru-RU" sz="1800" kern="1200" dirty="0">
+                          <a:solidFill>
+                            <a:schemeClr val="dk1"/>
+                          </a:solidFill>
+                          <a:effectLst/>
+                          <a:latin typeface="+mn-lt"/>
+                          <a:ea typeface="+mn-ea"/>
+                          <a:cs typeface="+mn-cs"/>
+                        </a:rPr>
+                        <a:t>, </a:t>
+                      </a:r>
+                      <a:r>
+                        <a:rPr lang="en-US" sz="1800" kern="1200" dirty="0">
+                          <a:solidFill>
+                            <a:schemeClr val="dk1"/>
+                          </a:solidFill>
+                          <a:effectLst/>
+                          <a:latin typeface="+mn-lt"/>
+                          <a:ea typeface="+mn-ea"/>
+                          <a:cs typeface="+mn-cs"/>
+                        </a:rPr>
+                        <a:t>JavaScript</a:t>
+                      </a:r>
+                      <a:r>
+                        <a:rPr lang="en-RU" dirty="0">
+                          <a:effectLst/>
+                        </a:rPr>
+                        <a:t> </a:t>
+                      </a:r>
+                      <a:endParaRPr lang="en-RU" dirty="0"/>
+                    </a:p>
+                  </a:txBody>
+                  <a:tcPr/>
+                </a:tc>
+                <a:tc>
+                  <a:txBody>
+                    <a:bodyPr/>
+                    <a:lstStyle/>
+                    <a:p>
+                      <a:r>
+                        <a:rPr lang="ru-RU" dirty="0"/>
+                        <a:t>Есть</a:t>
+                      </a:r>
+                      <a:endParaRPr lang="en-RU" dirty="0"/>
+                    </a:p>
+                  </a:txBody>
+                  <a:tcPr/>
+                </a:tc>
+                <a:tc>
+                  <a:txBody>
+                    <a:bodyPr/>
+                    <a:lstStyle/>
+                    <a:p>
+                      <a:r>
+                        <a:rPr lang="en-US" dirty="0"/>
+                        <a:t>MIT</a:t>
+                      </a:r>
+                      <a:endParaRPr lang="en-RU" dirty="0"/>
+                    </a:p>
+                  </a:txBody>
+                  <a:tcPr/>
+                </a:tc>
+                <a:extLst>
+                  <a:ext uri="{0D108BD9-81ED-4DB2-BD59-A6C34878D82A}">
+                    <a16:rowId xmlns:a16="http://schemas.microsoft.com/office/drawing/2014/main" val="2667635122"/>
+                  </a:ext>
+                </a:extLst>
+              </a:tr>
+              <a:tr h="541287">
+                <a:tc>
+                  <a:txBody>
+                    <a:bodyPr/>
+                    <a:lstStyle/>
+                    <a:p>
+                      <a:r>
+                        <a:rPr lang="en-US" sz="1800" kern="1200" dirty="0">
+                          <a:solidFill>
+                            <a:schemeClr val="dk1"/>
+                          </a:solidFill>
+                          <a:effectLst/>
+                          <a:latin typeface="+mn-lt"/>
+                          <a:ea typeface="+mn-ea"/>
+                          <a:cs typeface="+mn-cs"/>
+                        </a:rPr>
+                        <a:t>Go-chart </a:t>
+                      </a:r>
+                      <a:endParaRPr lang="en-RU" dirty="0"/>
+                    </a:p>
+                  </a:txBody>
+                  <a:tcPr/>
+                </a:tc>
+                <a:tc>
+                  <a:txBody>
+                    <a:bodyPr/>
+                    <a:lstStyle/>
+                    <a:p>
+                      <a:r>
+                        <a:rPr lang="ru-RU" dirty="0"/>
+                        <a:t>Только индикаторы</a:t>
+                      </a:r>
+                      <a:endParaRPr lang="en-RU" dirty="0"/>
+                    </a:p>
+                  </a:txBody>
+                  <a:tcPr/>
+                </a:tc>
+                <a:tc>
+                  <a:txBody>
+                    <a:bodyPr/>
+                    <a:lstStyle/>
+                    <a:p>
+                      <a:r>
+                        <a:rPr lang="en-RU" dirty="0"/>
+                        <a:t>Go</a:t>
+                      </a:r>
+                    </a:p>
+                  </a:txBody>
+                  <a:tcPr/>
+                </a:tc>
+                <a:tc>
+                  <a:txBody>
+                    <a:bodyPr/>
+                    <a:lstStyle/>
+                    <a:p>
+                      <a:r>
+                        <a:rPr lang="ru-RU" dirty="0"/>
+                        <a:t>Нет</a:t>
+                      </a:r>
+                      <a:endParaRPr lang="en-RU" dirty="0"/>
+                    </a:p>
+                  </a:txBody>
+                  <a:tcPr/>
+                </a:tc>
+                <a:tc>
+                  <a:txBody>
+                    <a:bodyPr/>
+                    <a:lstStyle/>
+                    <a:p>
+                      <a:r>
+                        <a:rPr lang="en-US" dirty="0"/>
+                        <a:t>MIT</a:t>
+                      </a:r>
+                      <a:endParaRPr lang="en-RU" dirty="0"/>
+                    </a:p>
+                  </a:txBody>
+                  <a:tcPr/>
+                </a:tc>
+                <a:extLst>
+                  <a:ext uri="{0D108BD9-81ED-4DB2-BD59-A6C34878D82A}">
+                    <a16:rowId xmlns:a16="http://schemas.microsoft.com/office/drawing/2014/main" val="3313082112"/>
+                  </a:ext>
+                </a:extLst>
+              </a:tr>
+              <a:tr h="955689">
+                <a:tc>
+                  <a:txBody>
+                    <a:bodyPr/>
+                    <a:lstStyle/>
+                    <a:p>
+                      <a:r>
+                        <a:rPr lang="en-US" sz="1800" kern="1200" dirty="0">
+                          <a:solidFill>
+                            <a:schemeClr val="dk1"/>
+                          </a:solidFill>
+                          <a:effectLst/>
+                          <a:latin typeface="+mn-lt"/>
+                          <a:ea typeface="+mn-ea"/>
+                          <a:cs typeface="+mn-cs"/>
+                        </a:rPr>
+                        <a:t>TA</a:t>
+                      </a:r>
+                      <a:r>
+                        <a:rPr lang="ru-RU" sz="1800" kern="1200" dirty="0">
+                          <a:solidFill>
+                            <a:schemeClr val="dk1"/>
+                          </a:solidFill>
+                          <a:effectLst/>
+                          <a:latin typeface="+mn-lt"/>
+                          <a:ea typeface="+mn-ea"/>
+                          <a:cs typeface="+mn-cs"/>
+                        </a:rPr>
+                        <a:t>-</a:t>
+                      </a:r>
+                      <a:r>
+                        <a:rPr lang="en-US" sz="1800" kern="1200" dirty="0">
+                          <a:solidFill>
+                            <a:schemeClr val="dk1"/>
+                          </a:solidFill>
+                          <a:effectLst/>
+                          <a:latin typeface="+mn-lt"/>
+                          <a:ea typeface="+mn-ea"/>
+                          <a:cs typeface="+mn-cs"/>
+                        </a:rPr>
+                        <a:t>Lib </a:t>
+                      </a:r>
+                      <a:endParaRPr lang="en-RU" dirty="0"/>
+                    </a:p>
+                  </a:txBody>
+                  <a:tcPr/>
+                </a:tc>
+                <a:tc>
+                  <a:txBody>
+                    <a:bodyPr/>
+                    <a:lstStyle/>
+                    <a:p>
+                      <a:r>
+                        <a:rPr lang="ru-RU" dirty="0"/>
+                        <a:t>Только индикаторы без визуализации</a:t>
+                      </a:r>
+                      <a:endParaRPr lang="en-RU" dirty="0"/>
+                    </a:p>
+                  </a:txBody>
+                  <a:tcPr/>
+                </a:tc>
+                <a:tc>
+                  <a:txBody>
+                    <a:bodyPr/>
+                    <a:lstStyle/>
+                    <a:p>
+                      <a:r>
+                        <a:rPr lang="en-RU" dirty="0"/>
+                        <a:t>C++, Python</a:t>
+                      </a:r>
+                    </a:p>
+                  </a:txBody>
+                  <a:tcPr/>
+                </a:tc>
+                <a:tc>
+                  <a:txBody>
+                    <a:bodyPr/>
+                    <a:lstStyle/>
+                    <a:p>
+                      <a:r>
+                        <a:rPr lang="ru-RU" dirty="0"/>
+                        <a:t>Есть</a:t>
+                      </a:r>
+                      <a:endParaRPr lang="en-RU" dirty="0"/>
+                    </a:p>
+                  </a:txBody>
+                  <a:tcPr/>
+                </a:tc>
+                <a:tc>
+                  <a:txBody>
+                    <a:bodyPr/>
+                    <a:lstStyle/>
+                    <a:p>
+                      <a:r>
+                        <a:rPr lang="en-US" sz="1800" kern="1200" dirty="0">
+                          <a:solidFill>
+                            <a:schemeClr val="dk1"/>
+                          </a:solidFill>
+                          <a:effectLst/>
+                          <a:latin typeface="+mn-lt"/>
+                          <a:ea typeface="+mn-ea"/>
+                          <a:cs typeface="+mn-cs"/>
+                        </a:rPr>
+                        <a:t>BSD</a:t>
+                      </a:r>
+                      <a:r>
+                        <a:rPr lang="en-RU" dirty="0">
+                          <a:effectLst/>
+                        </a:rPr>
+                        <a:t> </a:t>
+                      </a:r>
+                      <a:endParaRPr lang="en-RU" dirty="0"/>
+                    </a:p>
+                  </a:txBody>
+                  <a:tcPr/>
+                </a:tc>
+                <a:extLst>
+                  <a:ext uri="{0D108BD9-81ED-4DB2-BD59-A6C34878D82A}">
+                    <a16:rowId xmlns:a16="http://schemas.microsoft.com/office/drawing/2014/main" val="3032198076"/>
+                  </a:ext>
+                </a:extLst>
+              </a:tr>
+            </a:tbl>
+          </a:graphicData>
+        </a:graphic>
+      </p:graphicFrame>
+    </p:spTree>
+    <p:extLst>
+      <p:ext uri="{BB962C8B-B14F-4D97-AF65-F5344CB8AC3E}">
+        <p14:creationId xmlns:p14="http://schemas.microsoft.com/office/powerpoint/2010/main" val="2327181798"/>
+      </p:ext>
+    </p:extLst>
+  </p:cSld>
+  <p:clrMapOvr>
+    <a:masterClrMapping/>
+  </p:clrMapOvr>
+</p:sld>
+</file>
+
+<file path=ppt/slides/slide5.xml><?xml version="1.0" encoding="utf-8"?>
 <p:sld xmlns:a="http://schemas.openxmlformats.org/drawingml/2006/main" xmlns:r="http://schemas.openxmlformats.org/officeDocument/2006/relationships" xmlns:p="http://schemas.openxmlformats.org/presentationml/2006/main">
   <p:cSld>
     <p:spTree>
@@ -6939,8 +7907,8 @@
         </p:nvSpPr>
         <p:spPr>
           <a:xfrm>
-            <a:off x="805491" y="654138"/>
-            <a:ext cx="7533017" cy="658297"/>
+            <a:off x="844063" y="654139"/>
+            <a:ext cx="10509738" cy="658297"/>
           </a:xfrm>
           <a:prstGeom prst="rect">
             <a:avLst/>
@@ -7009,7 +7977,7 @@
         </p:blipFill>
         <p:spPr bwMode="auto">
           <a:xfrm>
-            <a:off x="805492" y="3059468"/>
+            <a:off x="2329493" y="3059469"/>
             <a:ext cx="1441095" cy="1441095"/>
           </a:xfrm>
           <a:prstGeom prst="rect">
@@ -7056,7 +8024,7 @@
         </p:blipFill>
         <p:spPr bwMode="auto">
           <a:xfrm>
-            <a:off x="2944829" y="3182899"/>
+            <a:off x="4468830" y="3182900"/>
             <a:ext cx="1377141" cy="1194239"/>
           </a:xfrm>
           <a:prstGeom prst="rect">
@@ -7103,7 +8071,7 @@
         </p:blipFill>
         <p:spPr bwMode="auto">
           <a:xfrm>
-            <a:off x="4668840" y="2752042"/>
+            <a:off x="6192841" y="2752043"/>
             <a:ext cx="1381645" cy="1844567"/>
           </a:xfrm>
           <a:prstGeom prst="rect">
@@ -7149,7 +8117,7 @@
         </p:blipFill>
         <p:spPr>
           <a:xfrm>
-            <a:off x="6397352" y="2589725"/>
+            <a:off x="7921353" y="2589726"/>
             <a:ext cx="2143125" cy="2143125"/>
           </a:xfrm>
           <a:prstGeom prst="rect">
@@ -7206,7 +8174,7 @@
 </p:sld>
 </file>
 
-<file path=ppt/slides/slide5.xml><?xml version="1.0" encoding="utf-8"?>
+<file path=ppt/slides/slide6.xml><?xml version="1.0" encoding="utf-8"?>
 <p:sld xmlns:a="http://schemas.openxmlformats.org/drawingml/2006/main" xmlns:r="http://schemas.openxmlformats.org/officeDocument/2006/relationships" xmlns:p="http://schemas.openxmlformats.org/presentationml/2006/main">
   <p:cSld>
     <p:spTree>
@@ -7243,8 +8211,8 @@
         </p:nvSpPr>
         <p:spPr>
           <a:xfrm>
-            <a:off x="805491" y="623141"/>
-            <a:ext cx="7533017" cy="658297"/>
+            <a:off x="927759" y="623142"/>
+            <a:ext cx="10426041" cy="658297"/>
           </a:xfrm>
           <a:prstGeom prst="rect">
             <a:avLst/>
@@ -7314,8 +8282,8 @@
         </p:blipFill>
         <p:spPr>
           <a:xfrm>
-            <a:off x="805491" y="2350524"/>
-            <a:ext cx="7406590" cy="2156951"/>
+            <a:off x="953343" y="2274277"/>
+            <a:ext cx="10426041" cy="3036277"/>
           </a:xfrm>
           <a:prstGeom prst="rect">
             <a:avLst/>
@@ -7371,7 +8339,7 @@
 </p:sld>
 </file>
 
-<file path=ppt/slides/slide6.xml><?xml version="1.0" encoding="utf-8"?>
+<file path=ppt/slides/slide7.xml><?xml version="1.0" encoding="utf-8"?>
 <p:sld xmlns:a="http://schemas.openxmlformats.org/drawingml/2006/main" xmlns:r="http://schemas.openxmlformats.org/officeDocument/2006/relationships" xmlns:p="http://schemas.openxmlformats.org/presentationml/2006/main">
   <p:cSld>
     <p:spTree>
@@ -7408,8 +8376,8 @@
         </p:nvSpPr>
         <p:spPr>
           <a:xfrm>
-            <a:off x="805491" y="669636"/>
-            <a:ext cx="7533017" cy="658297"/>
+            <a:off x="1031632" y="669637"/>
+            <a:ext cx="10322168" cy="658297"/>
           </a:xfrm>
           <a:prstGeom prst="rect">
             <a:avLst/>
@@ -7479,14 +8447,50 @@
         </p:blipFill>
         <p:spPr>
           <a:xfrm>
-            <a:off x="882920" y="2237531"/>
-            <a:ext cx="4100322" cy="2789827"/>
+            <a:off x="1031632" y="2237532"/>
+            <a:ext cx="5475610" cy="3725562"/>
           </a:xfrm>
           <a:prstGeom prst="rect">
             <a:avLst/>
           </a:prstGeom>
         </p:spPr>
       </p:pic>
+      <p:sp>
+        <p:nvSpPr>
+          <p:cNvPr id="11" name="Slide Number Placeholder 10">
+            <a:extLst>
+              <a:ext uri="{FF2B5EF4-FFF2-40B4-BE49-F238E27FC236}">
+                <a16:creationId xmlns:a16="http://schemas.microsoft.com/office/drawing/2014/main" id="{2B1FCB4A-7493-1AAB-AE97-0985C175FDD1}"/>
+              </a:ext>
+            </a:extLst>
+          </p:cNvPr>
+          <p:cNvSpPr>
+            <a:spLocks noGrp="1"/>
+          </p:cNvSpPr>
+          <p:nvPr>
+            <p:ph type="sldNum" sz="quarter" idx="12"/>
+          </p:nvPr>
+        </p:nvSpPr>
+        <p:spPr/>
+        <p:txBody>
+          <a:bodyPr/>
+          <a:lstStyle/>
+          <a:p>
+            <a:r>
+              <a:rPr lang="ru-RU" dirty="0"/>
+              <a:t>6</a:t>
+            </a:r>
+            <a:r>
+              <a:rPr lang="en-US" dirty="0"/>
+              <a:t> </a:t>
+            </a:r>
+            <a:r>
+              <a:rPr lang="ru-RU" dirty="0"/>
+              <a:t>из 13</a:t>
+            </a:r>
+          </a:p>
+        </p:txBody>
+      </p:sp>
       <p:sp>
         <p:nvSpPr>
           <p:cNvPr id="6" name="Content Placeholder 2">
@@ -7503,7 +8507,7 @@
         </p:nvSpPr>
         <p:spPr>
           <a:xfrm>
-            <a:off x="5154565" y="2237533"/>
+            <a:off x="6678566" y="2237534"/>
             <a:ext cx="3384755" cy="2966807"/>
           </a:xfrm>
           <a:prstGeom prst="rect">
@@ -7734,42 +8738,6 @@
           </a:p>
         </p:txBody>
       </p:sp>
-      <p:sp>
-        <p:nvSpPr>
-          <p:cNvPr id="11" name="Slide Number Placeholder 10">
-            <a:extLst>
-              <a:ext uri="{FF2B5EF4-FFF2-40B4-BE49-F238E27FC236}">
-                <a16:creationId xmlns:a16="http://schemas.microsoft.com/office/drawing/2014/main" id="{2B1FCB4A-7493-1AAB-AE97-0985C175FDD1}"/>
-              </a:ext>
-            </a:extLst>
-          </p:cNvPr>
-          <p:cNvSpPr>
-            <a:spLocks noGrp="1"/>
-          </p:cNvSpPr>
-          <p:nvPr>
-            <p:ph type="sldNum" sz="quarter" idx="12"/>
-          </p:nvPr>
-        </p:nvSpPr>
-        <p:spPr/>
-        <p:txBody>
-          <a:bodyPr/>
-          <a:lstStyle/>
-          <a:p>
-            <a:r>
-              <a:rPr lang="ru-RU" dirty="0"/>
-              <a:t>6</a:t>
-            </a:r>
-            <a:r>
-              <a:rPr lang="en-US" dirty="0"/>
-              <a:t> </a:t>
-            </a:r>
-            <a:r>
-              <a:rPr lang="ru-RU" dirty="0"/>
-              <a:t>из 13</a:t>
-            </a:r>
-          </a:p>
-        </p:txBody>
-      </p:sp>
     </p:spTree>
     <p:extLst>
       <p:ext uri="{BB962C8B-B14F-4D97-AF65-F5344CB8AC3E}">
@@ -7783,7 +8751,7 @@
 </p:sld>
 </file>
 
-<file path=ppt/slides/slide7.xml><?xml version="1.0" encoding="utf-8"?>
+<file path=ppt/slides/slide8.xml><?xml version="1.0" encoding="utf-8"?>
 <p:sld xmlns:a="http://schemas.openxmlformats.org/drawingml/2006/main" xmlns:r="http://schemas.openxmlformats.org/officeDocument/2006/relationships" xmlns:p="http://schemas.openxmlformats.org/presentationml/2006/main">
   <p:cSld>
     <p:spTree>
@@ -7820,8 +8788,8 @@
         </p:nvSpPr>
         <p:spPr>
           <a:xfrm>
-            <a:off x="805491" y="747128"/>
-            <a:ext cx="7533017" cy="658297"/>
+            <a:off x="1031632" y="747129"/>
+            <a:ext cx="10322168" cy="658297"/>
           </a:xfrm>
           <a:prstGeom prst="rect">
             <a:avLst/>
@@ -7877,8 +8845,8 @@
         </p:nvSpPr>
         <p:spPr>
           <a:xfrm>
-            <a:off x="805494" y="2587155"/>
-            <a:ext cx="7733825" cy="1683697"/>
+            <a:off x="1031632" y="2215662"/>
+            <a:ext cx="10322167" cy="3059723"/>
           </a:xfrm>
           <a:prstGeom prst="rect">
             <a:avLst/>
@@ -8163,7 +9131,7 @@
 </p:sld>
 </file>
 
-<file path=ppt/slides/slide8.xml><?xml version="1.0" encoding="utf-8"?>
+<file path=ppt/slides/slide9.xml><?xml version="1.0" encoding="utf-8"?>
 <p:sld xmlns:a="http://schemas.openxmlformats.org/drawingml/2006/main" xmlns:r="http://schemas.openxmlformats.org/officeDocument/2006/relationships" xmlns:p="http://schemas.openxmlformats.org/presentationml/2006/main">
   <p:cSld>
     <p:spTree>
@@ -8200,8 +9168,8 @@
         </p:nvSpPr>
         <p:spPr>
           <a:xfrm>
-            <a:off x="805491" y="654138"/>
-            <a:ext cx="7533017" cy="658297"/>
+            <a:off x="879232" y="654139"/>
+            <a:ext cx="10474568" cy="658297"/>
           </a:xfrm>
           <a:prstGeom prst="rect">
             <a:avLst/>
@@ -8257,8 +9225,8 @@
         </p:nvSpPr>
         <p:spPr>
           <a:xfrm>
-            <a:off x="805494" y="2587151"/>
-            <a:ext cx="7733825" cy="2462328"/>
+            <a:off x="879232" y="1957754"/>
+            <a:ext cx="10474567" cy="3528646"/>
           </a:xfrm>
           <a:prstGeom prst="rect">
             <a:avLst/>
@@ -8515,407 +9483,6 @@
     <p:extLst>
       <p:ext uri="{BB962C8B-B14F-4D97-AF65-F5344CB8AC3E}">
         <p14:creationId xmlns:p14="http://schemas.microsoft.com/office/powerpoint/2010/main" val="874819506"/>
-      </p:ext>
-    </p:extLst>
-  </p:cSld>
-  <p:clrMapOvr>
-    <a:masterClrMapping/>
-  </p:clrMapOvr>
-</p:sld>
-</file>
-
-<file path=ppt/slides/slide9.xml><?xml version="1.0" encoding="utf-8"?>
-<p:sld xmlns:a="http://schemas.openxmlformats.org/drawingml/2006/main" xmlns:r="http://schemas.openxmlformats.org/officeDocument/2006/relationships" xmlns:p="http://schemas.openxmlformats.org/presentationml/2006/main">
-  <p:cSld>
-    <p:spTree>
-      <p:nvGrpSpPr>
-        <p:cNvPr id="1" name=""/>
-        <p:cNvGrpSpPr/>
-        <p:nvPr/>
-      </p:nvGrpSpPr>
-      <p:grpSpPr>
-        <a:xfrm>
-          <a:off x="0" y="0"/>
-          <a:ext cx="0" cy="0"/>
-          <a:chOff x="0" y="0"/>
-          <a:chExt cx="0" cy="0"/>
-        </a:xfrm>
-      </p:grpSpPr>
-      <p:sp>
-        <p:nvSpPr>
-          <p:cNvPr id="13" name="TextBox 12">
-            <a:extLst>
-              <a:ext uri="{FF2B5EF4-FFF2-40B4-BE49-F238E27FC236}">
-                <a16:creationId xmlns:a16="http://schemas.microsoft.com/office/drawing/2014/main" id="{B93B201B-677F-E6B9-7511-87C52882C2FC}"/>
-              </a:ext>
-            </a:extLst>
-          </p:cNvPr>
-          <p:cNvSpPr txBox="1"/>
-          <p:nvPr/>
-        </p:nvSpPr>
-        <p:spPr>
-          <a:xfrm>
-            <a:off x="805491" y="271665"/>
-            <a:ext cx="7533017" cy="658297"/>
-          </a:xfrm>
-          <a:prstGeom prst="rect">
-            <a:avLst/>
-          </a:prstGeom>
-          <a:solidFill>
-            <a:schemeClr val="accent5"/>
-          </a:solidFill>
-          <a:ln>
-            <a:noFill/>
-          </a:ln>
-        </p:spPr>
-        <p:style>
-          <a:lnRef idx="0">
-            <a:scrgbClr r="0" g="0" b="0"/>
-          </a:lnRef>
-          <a:fillRef idx="0">
-            <a:scrgbClr r="0" g="0" b="0"/>
-          </a:fillRef>
-          <a:effectRef idx="0">
-            <a:scrgbClr r="0" g="0" b="0"/>
-          </a:effectRef>
-          <a:fontRef idx="minor">
-            <a:schemeClr val="lt1"/>
-          </a:fontRef>
-        </p:style>
-        <p:txBody>
-          <a:bodyPr vert="horz" lIns="68580" tIns="34290" rIns="68580" bIns="34290" rtlCol="0" anchor="ctr">
-            <a:normAutofit/>
-          </a:bodyPr>
-          <a:lstStyle/>
-          <a:p>
-            <a:pPr algn="ctr"/>
-            <a:r>
-              <a:rPr lang="ru-RU" sz="2400" dirty="0"/>
-              <a:t>Инструменты рисования в библиотеке</a:t>
-            </a:r>
-          </a:p>
-        </p:txBody>
-      </p:sp>
-      <p:sp>
-        <p:nvSpPr>
-          <p:cNvPr id="7" name="Slide Number Placeholder 6">
-            <a:extLst>
-              <a:ext uri="{FF2B5EF4-FFF2-40B4-BE49-F238E27FC236}">
-                <a16:creationId xmlns:a16="http://schemas.microsoft.com/office/drawing/2014/main" id="{C3E577B0-60C9-583B-8A59-946E93078F1E}"/>
-              </a:ext>
-            </a:extLst>
-          </p:cNvPr>
-          <p:cNvSpPr>
-            <a:spLocks noGrp="1"/>
-          </p:cNvSpPr>
-          <p:nvPr>
-            <p:ph type="sldNum" sz="quarter" idx="12"/>
-          </p:nvPr>
-        </p:nvSpPr>
-        <p:spPr/>
-        <p:txBody>
-          <a:bodyPr/>
-          <a:lstStyle/>
-          <a:p>
-            <a:r>
-              <a:rPr lang="ru-RU" dirty="0"/>
-              <a:t>9</a:t>
-            </a:r>
-            <a:r>
-              <a:rPr lang="en-US" dirty="0"/>
-              <a:t> </a:t>
-            </a:r>
-            <a:r>
-              <a:rPr lang="ru-RU" dirty="0"/>
-              <a:t>из 13</a:t>
-            </a:r>
-          </a:p>
-        </p:txBody>
-      </p:sp>
-      <p:pic>
-        <p:nvPicPr>
-          <p:cNvPr id="2" name="Picture 1">
-            <a:extLst>
-              <a:ext uri="{FF2B5EF4-FFF2-40B4-BE49-F238E27FC236}">
-                <a16:creationId xmlns:a16="http://schemas.microsoft.com/office/drawing/2014/main" id="{1681D042-5550-C3BF-F734-4B9B8C7A6D9D}"/>
-              </a:ext>
-            </a:extLst>
-          </p:cNvPr>
-          <p:cNvPicPr>
-            <a:picLocks noChangeAspect="1"/>
-          </p:cNvPicPr>
-          <p:nvPr/>
-        </p:nvPicPr>
-        <p:blipFill>
-          <a:blip r:embed="rId3"/>
-          <a:stretch>
-            <a:fillRect/>
-          </a:stretch>
-        </p:blipFill>
-        <p:spPr>
-          <a:xfrm>
-            <a:off x="1229696" y="1465411"/>
-            <a:ext cx="2240568" cy="1305893"/>
-          </a:xfrm>
-          <a:prstGeom prst="rect">
-            <a:avLst/>
-          </a:prstGeom>
-        </p:spPr>
-      </p:pic>
-      <p:sp>
-        <p:nvSpPr>
-          <p:cNvPr id="3" name="TextBox 2">
-            <a:extLst>
-              <a:ext uri="{FF2B5EF4-FFF2-40B4-BE49-F238E27FC236}">
-                <a16:creationId xmlns:a16="http://schemas.microsoft.com/office/drawing/2014/main" id="{14E6BDC6-A71B-426C-3947-96DB93DD07BD}"/>
-              </a:ext>
-            </a:extLst>
-          </p:cNvPr>
-          <p:cNvSpPr txBox="1"/>
-          <p:nvPr/>
-        </p:nvSpPr>
-        <p:spPr>
-          <a:xfrm>
-            <a:off x="1077493" y="2886369"/>
-            <a:ext cx="2589534" cy="523220"/>
-          </a:xfrm>
-          <a:prstGeom prst="rect">
-            <a:avLst/>
-          </a:prstGeom>
-          <a:noFill/>
-        </p:spPr>
-        <p:txBody>
-          <a:bodyPr wrap="square" rtlCol="0">
-            <a:spAutoFit/>
-          </a:bodyPr>
-          <a:lstStyle/>
-          <a:p>
-            <a:r>
-              <a:rPr lang="ru-RU" sz="1400" dirty="0"/>
-              <a:t>Линия Тренда</a:t>
-            </a:r>
-            <a:r>
-              <a:rPr lang="en-US" sz="1400" dirty="0"/>
-              <a:t>, </a:t>
-            </a:r>
-            <a:r>
-              <a:rPr lang="ru-RU" sz="1400" dirty="0"/>
-              <a:t>Горизонтальная линия</a:t>
-            </a:r>
-            <a:r>
-              <a:rPr lang="en-US" sz="1400" dirty="0"/>
-              <a:t>, </a:t>
-            </a:r>
-            <a:r>
-              <a:rPr lang="ru-RU" sz="1400" dirty="0"/>
-              <a:t>Вертикальная линия</a:t>
-            </a:r>
-            <a:endParaRPr lang="en-RU" sz="1400" dirty="0"/>
-          </a:p>
-        </p:txBody>
-      </p:sp>
-      <p:pic>
-        <p:nvPicPr>
-          <p:cNvPr id="4" name="Picture 3">
-            <a:extLst>
-              <a:ext uri="{FF2B5EF4-FFF2-40B4-BE49-F238E27FC236}">
-                <a16:creationId xmlns:a16="http://schemas.microsoft.com/office/drawing/2014/main" id="{4D1ADDB0-7125-AC15-C9F8-90D0B4141396}"/>
-              </a:ext>
-            </a:extLst>
-          </p:cNvPr>
-          <p:cNvPicPr>
-            <a:picLocks noChangeAspect="1"/>
-          </p:cNvPicPr>
-          <p:nvPr/>
-        </p:nvPicPr>
-        <p:blipFill>
-          <a:blip r:embed="rId4"/>
-          <a:stretch>
-            <a:fillRect/>
-          </a:stretch>
-        </p:blipFill>
-        <p:spPr>
-          <a:xfrm>
-            <a:off x="4728327" y="1465411"/>
-            <a:ext cx="2466685" cy="1305892"/>
-          </a:xfrm>
-          <a:prstGeom prst="rect">
-            <a:avLst/>
-          </a:prstGeom>
-        </p:spPr>
-      </p:pic>
-      <p:sp>
-        <p:nvSpPr>
-          <p:cNvPr id="5" name="TextBox 4">
-            <a:extLst>
-              <a:ext uri="{FF2B5EF4-FFF2-40B4-BE49-F238E27FC236}">
-                <a16:creationId xmlns:a16="http://schemas.microsoft.com/office/drawing/2014/main" id="{7C53273D-4CCE-A770-360A-B2F2DA039115}"/>
-              </a:ext>
-            </a:extLst>
-          </p:cNvPr>
-          <p:cNvSpPr txBox="1"/>
-          <p:nvPr/>
-        </p:nvSpPr>
-        <p:spPr>
-          <a:xfrm>
-            <a:off x="4728327" y="2985915"/>
-            <a:ext cx="2654586" cy="307777"/>
-          </a:xfrm>
-          <a:prstGeom prst="rect">
-            <a:avLst/>
-          </a:prstGeom>
-          <a:noFill/>
-        </p:spPr>
-        <p:txBody>
-          <a:bodyPr wrap="square" rtlCol="0">
-            <a:spAutoFit/>
-          </a:bodyPr>
-          <a:lstStyle/>
-          <a:p>
-            <a:r>
-              <a:rPr lang="ru-RU" sz="1400" dirty="0"/>
-              <a:t>Коррекция Фибоначчи</a:t>
-            </a:r>
-            <a:endParaRPr lang="en-RU" sz="1400" dirty="0"/>
-          </a:p>
-        </p:txBody>
-      </p:sp>
-      <p:sp>
-        <p:nvSpPr>
-          <p:cNvPr id="8" name="TextBox 7">
-            <a:extLst>
-              <a:ext uri="{FF2B5EF4-FFF2-40B4-BE49-F238E27FC236}">
-                <a16:creationId xmlns:a16="http://schemas.microsoft.com/office/drawing/2014/main" id="{0A0D2390-4739-968A-4468-34EB22287A37}"/>
-              </a:ext>
-            </a:extLst>
-          </p:cNvPr>
-          <p:cNvSpPr txBox="1"/>
-          <p:nvPr/>
-        </p:nvSpPr>
-        <p:spPr>
-          <a:xfrm>
-            <a:off x="1077493" y="5081099"/>
-            <a:ext cx="2654586" cy="307777"/>
-          </a:xfrm>
-          <a:prstGeom prst="rect">
-            <a:avLst/>
-          </a:prstGeom>
-          <a:noFill/>
-        </p:spPr>
-        <p:txBody>
-          <a:bodyPr wrap="square" rtlCol="0">
-            <a:spAutoFit/>
-          </a:bodyPr>
-          <a:lstStyle/>
-          <a:p>
-            <a:r>
-              <a:rPr lang="ru-RU" sz="1400" dirty="0"/>
-              <a:t>Спираль Фибоначчи</a:t>
-            </a:r>
-            <a:endParaRPr lang="en-RU" sz="1400" dirty="0"/>
-          </a:p>
-        </p:txBody>
-      </p:sp>
-      <p:pic>
-        <p:nvPicPr>
-          <p:cNvPr id="10" name="Picture 9">
-            <a:extLst>
-              <a:ext uri="{FF2B5EF4-FFF2-40B4-BE49-F238E27FC236}">
-                <a16:creationId xmlns:a16="http://schemas.microsoft.com/office/drawing/2014/main" id="{9662C8E1-2B3E-B9EB-32F3-1B60AF55705A}"/>
-              </a:ext>
-            </a:extLst>
-          </p:cNvPr>
-          <p:cNvPicPr>
-            <a:picLocks noChangeAspect="1"/>
-          </p:cNvPicPr>
-          <p:nvPr/>
-        </p:nvPicPr>
-        <p:blipFill>
-          <a:blip r:embed="rId5"/>
-          <a:stretch>
-            <a:fillRect/>
-          </a:stretch>
-        </p:blipFill>
-        <p:spPr>
-          <a:xfrm>
-            <a:off x="1229696" y="3429000"/>
-            <a:ext cx="2189451" cy="1610012"/>
-          </a:xfrm>
-          <a:prstGeom prst="rect">
-            <a:avLst/>
-          </a:prstGeom>
-        </p:spPr>
-      </p:pic>
-      <p:pic>
-        <p:nvPicPr>
-          <p:cNvPr id="14" name="Picture 13">
-            <a:extLst>
-              <a:ext uri="{FF2B5EF4-FFF2-40B4-BE49-F238E27FC236}">
-                <a16:creationId xmlns:a16="http://schemas.microsoft.com/office/drawing/2014/main" id="{E7F4565C-6BE6-9040-EA47-F556CF1C032B}"/>
-              </a:ext>
-            </a:extLst>
-          </p:cNvPr>
-          <p:cNvPicPr>
-            <a:picLocks noChangeAspect="1"/>
-          </p:cNvPicPr>
-          <p:nvPr/>
-        </p:nvPicPr>
-        <p:blipFill>
-          <a:blip r:embed="rId6"/>
-          <a:stretch>
-            <a:fillRect/>
-          </a:stretch>
-        </p:blipFill>
-        <p:spPr>
-          <a:xfrm>
-            <a:off x="4817182" y="3351904"/>
-            <a:ext cx="2589535" cy="1766196"/>
-          </a:xfrm>
-          <a:prstGeom prst="rect">
-            <a:avLst/>
-          </a:prstGeom>
-        </p:spPr>
-      </p:pic>
-      <p:sp>
-        <p:nvSpPr>
-          <p:cNvPr id="15" name="TextBox 14">
-            <a:extLst>
-              <a:ext uri="{FF2B5EF4-FFF2-40B4-BE49-F238E27FC236}">
-                <a16:creationId xmlns:a16="http://schemas.microsoft.com/office/drawing/2014/main" id="{F1E89B17-F342-00AF-852C-2A1D34F0CD1D}"/>
-              </a:ext>
-            </a:extLst>
-          </p:cNvPr>
-          <p:cNvSpPr txBox="1"/>
-          <p:nvPr/>
-        </p:nvSpPr>
-        <p:spPr>
-          <a:xfrm>
-            <a:off x="4728327" y="5081099"/>
-            <a:ext cx="2654586" cy="307777"/>
-          </a:xfrm>
-          <a:prstGeom prst="rect">
-            <a:avLst/>
-          </a:prstGeom>
-          <a:noFill/>
-        </p:spPr>
-        <p:txBody>
-          <a:bodyPr wrap="square" rtlCol="0">
-            <a:spAutoFit/>
-          </a:bodyPr>
-          <a:lstStyle/>
-          <a:p>
-            <a:r>
-              <a:rPr lang="ru-RU" sz="1400" dirty="0"/>
-              <a:t>Клин Фибоначчи</a:t>
-            </a:r>
-            <a:endParaRPr lang="en-RU" sz="1400" dirty="0"/>
-          </a:p>
-        </p:txBody>
-      </p:sp>
-    </p:spTree>
-    <p:extLst>
-      <p:ext uri="{BB962C8B-B14F-4D97-AF65-F5344CB8AC3E}">
-        <p14:creationId xmlns:p14="http://schemas.microsoft.com/office/powerpoint/2010/main" val="4027161053"/>
       </p:ext>
     </p:extLst>
   </p:cSld>

--- a/src/Презентация диплома.pptx
+++ b/src/Презентация диплома.pptx
@@ -5,10 +5,10 @@
     <p:sldMasterId id="2147483782" r:id="rId1"/>
   </p:sldMasterIdLst>
   <p:notesMasterIdLst>
-    <p:notesMasterId r:id="rId16"/>
+    <p:notesMasterId r:id="rId19"/>
   </p:notesMasterIdLst>
   <p:handoutMasterIdLst>
-    <p:handoutMasterId r:id="rId17"/>
+    <p:handoutMasterId r:id="rId20"/>
   </p:handoutMasterIdLst>
   <p:sldIdLst>
     <p:sldId id="256" r:id="rId2"/>
@@ -24,7 +24,10 @@
     <p:sldId id="278" r:id="rId12"/>
     <p:sldId id="287" r:id="rId13"/>
     <p:sldId id="279" r:id="rId14"/>
-    <p:sldId id="288" r:id="rId15"/>
+    <p:sldId id="291" r:id="rId15"/>
+    <p:sldId id="290" r:id="rId16"/>
+    <p:sldId id="292" r:id="rId17"/>
+    <p:sldId id="288" r:id="rId18"/>
   </p:sldIdLst>
   <p:sldSz cx="12192000" cy="6858000"/>
   <p:notesSz cx="6858000" cy="9144000"/>
@@ -1042,6 +1045,258 @@
 </file>
 
 <file path=ppt/notesSlides/notesSlide14.xml><?xml version="1.0" encoding="utf-8"?>
+<p:notes xmlns:a="http://schemas.openxmlformats.org/drawingml/2006/main" xmlns:r="http://schemas.openxmlformats.org/officeDocument/2006/relationships" xmlns:p="http://schemas.openxmlformats.org/presentationml/2006/main">
+  <p:cSld>
+    <p:spTree>
+      <p:nvGrpSpPr>
+        <p:cNvPr id="1" name="">
+          <a:extLst>
+            <a:ext uri="{FF2B5EF4-FFF2-40B4-BE49-F238E27FC236}">
+              <a16:creationId xmlns:a16="http://schemas.microsoft.com/office/drawing/2014/main" id="{DA3DAD01-3E97-C6CE-9BDC-88FF1E24B3E2}"/>
+            </a:ext>
+          </a:extLst>
+        </p:cNvPr>
+        <p:cNvGrpSpPr/>
+        <p:nvPr/>
+      </p:nvGrpSpPr>
+      <p:grpSpPr>
+        <a:xfrm>
+          <a:off x="0" y="0"/>
+          <a:ext cx="0" cy="0"/>
+          <a:chOff x="0" y="0"/>
+          <a:chExt cx="0" cy="0"/>
+        </a:xfrm>
+      </p:grpSpPr>
+      <p:sp>
+        <p:nvSpPr>
+          <p:cNvPr id="2" name="Slide Image Placeholder 1">
+            <a:extLst>
+              <a:ext uri="{FF2B5EF4-FFF2-40B4-BE49-F238E27FC236}">
+                <a16:creationId xmlns:a16="http://schemas.microsoft.com/office/drawing/2014/main" id="{C27AE80F-4A1F-8E8A-E073-CCF822A6B817}"/>
+              </a:ext>
+            </a:extLst>
+          </p:cNvPr>
+          <p:cNvSpPr>
+            <a:spLocks noGrp="1" noRot="1" noChangeAspect="1"/>
+          </p:cNvSpPr>
+          <p:nvPr>
+            <p:ph type="sldImg"/>
+          </p:nvPr>
+        </p:nvSpPr>
+        <p:spPr>
+          <a:xfrm>
+            <a:off x="685800" y="1143000"/>
+            <a:ext cx="5486400" cy="3086100"/>
+          </a:xfrm>
+        </p:spPr>
+      </p:sp>
+      <p:sp>
+        <p:nvSpPr>
+          <p:cNvPr id="3" name="Notes Placeholder 2">
+            <a:extLst>
+              <a:ext uri="{FF2B5EF4-FFF2-40B4-BE49-F238E27FC236}">
+                <a16:creationId xmlns:a16="http://schemas.microsoft.com/office/drawing/2014/main" id="{B02153A9-A494-461F-2678-87E5ACCD2FF0}"/>
+              </a:ext>
+            </a:extLst>
+          </p:cNvPr>
+          <p:cNvSpPr>
+            <a:spLocks noGrp="1"/>
+          </p:cNvSpPr>
+          <p:nvPr>
+            <p:ph type="body" idx="1"/>
+          </p:nvPr>
+        </p:nvSpPr>
+        <p:spPr/>
+        <p:txBody>
+          <a:bodyPr/>
+          <a:lstStyle/>
+          <a:p>
+            <a:endParaRPr lang="en-RU"/>
+          </a:p>
+        </p:txBody>
+      </p:sp>
+    </p:spTree>
+    <p:extLst>
+      <p:ext uri="{BB962C8B-B14F-4D97-AF65-F5344CB8AC3E}">
+        <p14:creationId xmlns:p14="http://schemas.microsoft.com/office/powerpoint/2010/main" val="1916064858"/>
+      </p:ext>
+    </p:extLst>
+  </p:cSld>
+  <p:clrMapOvr>
+    <a:masterClrMapping/>
+  </p:clrMapOvr>
+</p:notes>
+</file>
+
+<file path=ppt/notesSlides/notesSlide15.xml><?xml version="1.0" encoding="utf-8"?>
+<p:notes xmlns:a="http://schemas.openxmlformats.org/drawingml/2006/main" xmlns:r="http://schemas.openxmlformats.org/officeDocument/2006/relationships" xmlns:p="http://schemas.openxmlformats.org/presentationml/2006/main">
+  <p:cSld>
+    <p:spTree>
+      <p:nvGrpSpPr>
+        <p:cNvPr id="1" name="">
+          <a:extLst>
+            <a:ext uri="{FF2B5EF4-FFF2-40B4-BE49-F238E27FC236}">
+              <a16:creationId xmlns:a16="http://schemas.microsoft.com/office/drawing/2014/main" id="{9E4735CF-8762-59ED-6116-711ACC97D0C0}"/>
+            </a:ext>
+          </a:extLst>
+        </p:cNvPr>
+        <p:cNvGrpSpPr/>
+        <p:nvPr/>
+      </p:nvGrpSpPr>
+      <p:grpSpPr>
+        <a:xfrm>
+          <a:off x="0" y="0"/>
+          <a:ext cx="0" cy="0"/>
+          <a:chOff x="0" y="0"/>
+          <a:chExt cx="0" cy="0"/>
+        </a:xfrm>
+      </p:grpSpPr>
+      <p:sp>
+        <p:nvSpPr>
+          <p:cNvPr id="2" name="Slide Image Placeholder 1">
+            <a:extLst>
+              <a:ext uri="{FF2B5EF4-FFF2-40B4-BE49-F238E27FC236}">
+                <a16:creationId xmlns:a16="http://schemas.microsoft.com/office/drawing/2014/main" id="{7D49050E-A689-B2BB-E185-BDD136B5D573}"/>
+              </a:ext>
+            </a:extLst>
+          </p:cNvPr>
+          <p:cNvSpPr>
+            <a:spLocks noGrp="1" noRot="1" noChangeAspect="1"/>
+          </p:cNvSpPr>
+          <p:nvPr>
+            <p:ph type="sldImg"/>
+          </p:nvPr>
+        </p:nvSpPr>
+        <p:spPr>
+          <a:xfrm>
+            <a:off x="685800" y="1143000"/>
+            <a:ext cx="5486400" cy="3086100"/>
+          </a:xfrm>
+        </p:spPr>
+      </p:sp>
+      <p:sp>
+        <p:nvSpPr>
+          <p:cNvPr id="3" name="Notes Placeholder 2">
+            <a:extLst>
+              <a:ext uri="{FF2B5EF4-FFF2-40B4-BE49-F238E27FC236}">
+                <a16:creationId xmlns:a16="http://schemas.microsoft.com/office/drawing/2014/main" id="{12EE93B9-F2BF-31BE-2A78-4D559FE486CF}"/>
+              </a:ext>
+            </a:extLst>
+          </p:cNvPr>
+          <p:cNvSpPr>
+            <a:spLocks noGrp="1"/>
+          </p:cNvSpPr>
+          <p:nvPr>
+            <p:ph type="body" idx="1"/>
+          </p:nvPr>
+        </p:nvSpPr>
+        <p:spPr/>
+        <p:txBody>
+          <a:bodyPr/>
+          <a:lstStyle/>
+          <a:p>
+            <a:endParaRPr lang="en-RU"/>
+          </a:p>
+        </p:txBody>
+      </p:sp>
+    </p:spTree>
+    <p:extLst>
+      <p:ext uri="{BB962C8B-B14F-4D97-AF65-F5344CB8AC3E}">
+        <p14:creationId xmlns:p14="http://schemas.microsoft.com/office/powerpoint/2010/main" val="4182103627"/>
+      </p:ext>
+    </p:extLst>
+  </p:cSld>
+  <p:clrMapOvr>
+    <a:masterClrMapping/>
+  </p:clrMapOvr>
+</p:notes>
+</file>
+
+<file path=ppt/notesSlides/notesSlide16.xml><?xml version="1.0" encoding="utf-8"?>
+<p:notes xmlns:a="http://schemas.openxmlformats.org/drawingml/2006/main" xmlns:r="http://schemas.openxmlformats.org/officeDocument/2006/relationships" xmlns:p="http://schemas.openxmlformats.org/presentationml/2006/main">
+  <p:cSld>
+    <p:spTree>
+      <p:nvGrpSpPr>
+        <p:cNvPr id="1" name="">
+          <a:extLst>
+            <a:ext uri="{FF2B5EF4-FFF2-40B4-BE49-F238E27FC236}">
+              <a16:creationId xmlns:a16="http://schemas.microsoft.com/office/drawing/2014/main" id="{72D0297F-F2A5-FE7A-2F63-BB8F03FC7D90}"/>
+            </a:ext>
+          </a:extLst>
+        </p:cNvPr>
+        <p:cNvGrpSpPr/>
+        <p:nvPr/>
+      </p:nvGrpSpPr>
+      <p:grpSpPr>
+        <a:xfrm>
+          <a:off x="0" y="0"/>
+          <a:ext cx="0" cy="0"/>
+          <a:chOff x="0" y="0"/>
+          <a:chExt cx="0" cy="0"/>
+        </a:xfrm>
+      </p:grpSpPr>
+      <p:sp>
+        <p:nvSpPr>
+          <p:cNvPr id="2" name="Slide Image Placeholder 1">
+            <a:extLst>
+              <a:ext uri="{FF2B5EF4-FFF2-40B4-BE49-F238E27FC236}">
+                <a16:creationId xmlns:a16="http://schemas.microsoft.com/office/drawing/2014/main" id="{204207B1-207B-14E3-9471-399ECB877D7B}"/>
+              </a:ext>
+            </a:extLst>
+          </p:cNvPr>
+          <p:cNvSpPr>
+            <a:spLocks noGrp="1" noRot="1" noChangeAspect="1"/>
+          </p:cNvSpPr>
+          <p:nvPr>
+            <p:ph type="sldImg"/>
+          </p:nvPr>
+        </p:nvSpPr>
+        <p:spPr>
+          <a:xfrm>
+            <a:off x="685800" y="1143000"/>
+            <a:ext cx="5486400" cy="3086100"/>
+          </a:xfrm>
+        </p:spPr>
+      </p:sp>
+      <p:sp>
+        <p:nvSpPr>
+          <p:cNvPr id="3" name="Notes Placeholder 2">
+            <a:extLst>
+              <a:ext uri="{FF2B5EF4-FFF2-40B4-BE49-F238E27FC236}">
+                <a16:creationId xmlns:a16="http://schemas.microsoft.com/office/drawing/2014/main" id="{F4E3CF49-5A12-5DB4-8F3D-06AF3B7775F7}"/>
+              </a:ext>
+            </a:extLst>
+          </p:cNvPr>
+          <p:cNvSpPr>
+            <a:spLocks noGrp="1"/>
+          </p:cNvSpPr>
+          <p:nvPr>
+            <p:ph type="body" idx="1"/>
+          </p:nvPr>
+        </p:nvSpPr>
+        <p:spPr/>
+        <p:txBody>
+          <a:bodyPr/>
+          <a:lstStyle/>
+          <a:p>
+            <a:endParaRPr lang="en-RU"/>
+          </a:p>
+        </p:txBody>
+      </p:sp>
+    </p:spTree>
+    <p:extLst>
+      <p:ext uri="{BB962C8B-B14F-4D97-AF65-F5344CB8AC3E}">
+        <p14:creationId xmlns:p14="http://schemas.microsoft.com/office/powerpoint/2010/main" val="1804276640"/>
+      </p:ext>
+    </p:extLst>
+  </p:cSld>
+  <p:clrMapOvr>
+    <a:masterClrMapping/>
+  </p:clrMapOvr>
+</p:notes>
+</file>
+
+<file path=ppt/notesSlides/notesSlide17.xml><?xml version="1.0" encoding="utf-8"?>
 <p:notes xmlns:a="http://schemas.openxmlformats.org/drawingml/2006/main" xmlns:r="http://schemas.openxmlformats.org/officeDocument/2006/relationships" xmlns:p="http://schemas.openxmlformats.org/presentationml/2006/main">
   <p:cSld>
     <p:spTree>
@@ -5759,8 +6014,8 @@
         </p:nvSpPr>
         <p:spPr>
           <a:xfrm>
-            <a:off x="5885295" y="3069167"/>
-            <a:ext cx="3903784" cy="430887"/>
+            <a:off x="6096000" y="3069167"/>
+            <a:ext cx="3482374" cy="430887"/>
           </a:xfrm>
           <a:prstGeom prst="rect">
             <a:avLst/>
@@ -5796,8 +6051,8 @@
         </p:nvSpPr>
         <p:spPr>
           <a:xfrm>
-            <a:off x="1436613" y="4972906"/>
-            <a:ext cx="3961626" cy="430887"/>
+            <a:off x="1789057" y="4972906"/>
+            <a:ext cx="3609182" cy="430887"/>
           </a:xfrm>
           <a:prstGeom prst="rect">
             <a:avLst/>
@@ -6217,38 +6472,6 @@
           <a:chExt cx="0" cy="0"/>
         </a:xfrm>
       </p:grpSpPr>
-      <p:pic>
-        <p:nvPicPr>
-          <p:cNvPr id="2" name="Content Placeholder 1">
-            <a:extLst>
-              <a:ext uri="{FF2B5EF4-FFF2-40B4-BE49-F238E27FC236}">
-                <a16:creationId xmlns:a16="http://schemas.microsoft.com/office/drawing/2014/main" id="{AC9F0FA8-1316-5418-A783-777EA62B4F89}"/>
-              </a:ext>
-            </a:extLst>
-          </p:cNvPr>
-          <p:cNvPicPr>
-            <a:picLocks noGrp="1" noChangeAspect="1"/>
-          </p:cNvPicPr>
-          <p:nvPr>
-            <p:ph idx="1"/>
-          </p:nvPr>
-        </p:nvPicPr>
-        <p:blipFill>
-          <a:blip r:embed="rId3"/>
-          <a:stretch>
-            <a:fillRect/>
-          </a:stretch>
-        </p:blipFill>
-        <p:spPr>
-          <a:xfrm>
-            <a:off x="6534840" y="1339494"/>
-            <a:ext cx="4151519" cy="4202458"/>
-          </a:xfrm>
-          <a:prstGeom prst="rect">
-            <a:avLst/>
-          </a:prstGeom>
-        </p:spPr>
-      </p:pic>
       <p:sp>
         <p:nvSpPr>
           <p:cNvPr id="14" name="Slide Number Placeholder 13">
@@ -6299,7 +6522,7 @@
         </p:nvSpPr>
         <p:spPr>
           <a:xfrm>
-            <a:off x="1032559" y="1477108"/>
+            <a:off x="1302441" y="1465385"/>
             <a:ext cx="4624602" cy="3927230"/>
           </a:xfrm>
           <a:prstGeom prst="rect">
@@ -6334,17 +6557,65 @@
           <a:p>
             <a:pPr algn="ctr"/>
             <a:r>
-              <a:rPr lang="ru-RU" sz="2400" dirty="0"/>
-              <a:t>Исходный код проекта с библиотекой на </a:t>
-            </a:r>
-            <a:r>
-              <a:rPr lang="en-US" sz="2400" dirty="0"/>
-              <a:t>GitHub</a:t>
-            </a:r>
-            <a:endParaRPr lang="ru-RU" sz="2400" dirty="0"/>
-          </a:p>
-        </p:txBody>
-      </p:sp>
+              <a:rPr lang="ru-RU" sz="3000" dirty="0"/>
+              <a:t>Исходный код библиотеки</a:t>
+            </a:r>
+            <a:endParaRPr lang="en-US" sz="3000" dirty="0"/>
+          </a:p>
+          <a:p>
+            <a:pPr algn="ctr"/>
+            <a:r>
+              <a:rPr lang="en-GB" sz="3000" b="1" dirty="0"/>
+              <a:t>interactive-</a:t>
+            </a:r>
+            <a:r>
+              <a:rPr lang="en-GB" sz="3000" b="1" dirty="0" err="1"/>
+              <a:t>lw</a:t>
+            </a:r>
+            <a:r>
+              <a:rPr lang="en-GB" sz="3000" b="1" dirty="0"/>
+              <a:t>-charts-tools</a:t>
+            </a:r>
+            <a:endParaRPr lang="ru-RU" sz="3000" b="1" dirty="0"/>
+          </a:p>
+        </p:txBody>
+      </p:sp>
+      <p:pic>
+        <p:nvPicPr>
+          <p:cNvPr id="9" name="Picture 8" descr="A qr code with a white background&#10;&#10;AI-generated content may be incorrect.">
+            <a:extLst>
+              <a:ext uri="{FF2B5EF4-FFF2-40B4-BE49-F238E27FC236}">
+                <a16:creationId xmlns:a16="http://schemas.microsoft.com/office/drawing/2014/main" id="{B99355C3-5516-255A-6B6B-223A714E2663}"/>
+              </a:ext>
+            </a:extLst>
+          </p:cNvPr>
+          <p:cNvPicPr>
+            <a:picLocks noChangeAspect="1"/>
+          </p:cNvPicPr>
+          <p:nvPr/>
+        </p:nvPicPr>
+        <p:blipFill>
+          <a:blip r:embed="rId3">
+            <a:extLst>
+              <a:ext uri="{28A0092B-C50C-407E-A947-70E740481C1C}">
+                <a14:useLocalDpi xmlns:a14="http://schemas.microsoft.com/office/drawing/2010/main" val="0"/>
+              </a:ext>
+            </a:extLst>
+          </a:blip>
+          <a:stretch>
+            <a:fillRect/>
+          </a:stretch>
+        </p:blipFill>
+        <p:spPr>
+          <a:xfrm>
+            <a:off x="6544140" y="981534"/>
+            <a:ext cx="4894931" cy="4894931"/>
+          </a:xfrm>
+          <a:prstGeom prst="rect">
+            <a:avLst/>
+          </a:prstGeom>
+        </p:spPr>
+      </p:pic>
     </p:spTree>
     <p:extLst>
       <p:ext uri="{BB962C8B-B14F-4D97-AF65-F5344CB8AC3E}">
@@ -6359,6 +6630,511 @@
 </file>
 
 <file path=ppt/slides/slide14.xml><?xml version="1.0" encoding="utf-8"?>
+<p:sld xmlns:a="http://schemas.openxmlformats.org/drawingml/2006/main" xmlns:r="http://schemas.openxmlformats.org/officeDocument/2006/relationships" xmlns:p="http://schemas.openxmlformats.org/presentationml/2006/main">
+  <p:cSld>
+    <p:spTree>
+      <p:nvGrpSpPr>
+        <p:cNvPr id="1" name="">
+          <a:extLst>
+            <a:ext uri="{FF2B5EF4-FFF2-40B4-BE49-F238E27FC236}">
+              <a16:creationId xmlns:a16="http://schemas.microsoft.com/office/drawing/2014/main" id="{69A38E02-639D-63EE-7304-F87EDDFCC3CE}"/>
+            </a:ext>
+          </a:extLst>
+        </p:cNvPr>
+        <p:cNvGrpSpPr/>
+        <p:nvPr/>
+      </p:nvGrpSpPr>
+      <p:grpSpPr>
+        <a:xfrm>
+          <a:off x="0" y="0"/>
+          <a:ext cx="0" cy="0"/>
+          <a:chOff x="0" y="0"/>
+          <a:chExt cx="0" cy="0"/>
+        </a:xfrm>
+      </p:grpSpPr>
+      <p:sp>
+        <p:nvSpPr>
+          <p:cNvPr id="14" name="Slide Number Placeholder 13">
+            <a:extLst>
+              <a:ext uri="{FF2B5EF4-FFF2-40B4-BE49-F238E27FC236}">
+                <a16:creationId xmlns:a16="http://schemas.microsoft.com/office/drawing/2014/main" id="{709EBD39-1AB4-F749-6C93-B8C4B50787C2}"/>
+              </a:ext>
+            </a:extLst>
+          </p:cNvPr>
+          <p:cNvSpPr>
+            <a:spLocks noGrp="1"/>
+          </p:cNvSpPr>
+          <p:nvPr>
+            <p:ph type="sldNum" sz="quarter" idx="12"/>
+          </p:nvPr>
+        </p:nvSpPr>
+        <p:spPr/>
+        <p:txBody>
+          <a:bodyPr/>
+          <a:lstStyle/>
+          <a:p>
+            <a:r>
+              <a:rPr lang="ru-RU" dirty="0"/>
+              <a:t>1</a:t>
+            </a:r>
+            <a:r>
+              <a:rPr lang="en-US" dirty="0"/>
+              <a:t>2 </a:t>
+            </a:r>
+            <a:r>
+              <a:rPr lang="ru-RU" dirty="0"/>
+              <a:t>из 13</a:t>
+            </a:r>
+          </a:p>
+        </p:txBody>
+      </p:sp>
+      <p:pic>
+        <p:nvPicPr>
+          <p:cNvPr id="11" name="Picture 10">
+            <a:extLst>
+              <a:ext uri="{FF2B5EF4-FFF2-40B4-BE49-F238E27FC236}">
+                <a16:creationId xmlns:a16="http://schemas.microsoft.com/office/drawing/2014/main" id="{13C45E43-C574-DA43-E35A-B05080A74378}"/>
+              </a:ext>
+            </a:extLst>
+          </p:cNvPr>
+          <p:cNvPicPr>
+            <a:picLocks noChangeAspect="1"/>
+          </p:cNvPicPr>
+          <p:nvPr/>
+        </p:nvPicPr>
+        <p:blipFill>
+          <a:blip r:embed="rId3"/>
+          <a:stretch>
+            <a:fillRect/>
+          </a:stretch>
+        </p:blipFill>
+        <p:spPr>
+          <a:xfrm>
+            <a:off x="896368" y="2490407"/>
+            <a:ext cx="10399264" cy="2670628"/>
+          </a:xfrm>
+          <a:prstGeom prst="rect">
+            <a:avLst/>
+          </a:prstGeom>
+        </p:spPr>
+      </p:pic>
+      <p:sp>
+        <p:nvSpPr>
+          <p:cNvPr id="12" name="TextBox 11">
+            <a:extLst>
+              <a:ext uri="{FF2B5EF4-FFF2-40B4-BE49-F238E27FC236}">
+                <a16:creationId xmlns:a16="http://schemas.microsoft.com/office/drawing/2014/main" id="{A9436B04-E493-35E6-3083-103EF411362A}"/>
+              </a:ext>
+            </a:extLst>
+          </p:cNvPr>
+          <p:cNvSpPr txBox="1"/>
+          <p:nvPr/>
+        </p:nvSpPr>
+        <p:spPr>
+          <a:xfrm>
+            <a:off x="1019908" y="513423"/>
+            <a:ext cx="10333892" cy="658297"/>
+          </a:xfrm>
+          <a:prstGeom prst="rect">
+            <a:avLst/>
+          </a:prstGeom>
+          <a:solidFill>
+            <a:schemeClr val="accent5"/>
+          </a:solidFill>
+          <a:ln>
+            <a:noFill/>
+          </a:ln>
+        </p:spPr>
+        <p:style>
+          <a:lnRef idx="0">
+            <a:scrgbClr r="0" g="0" b="0"/>
+          </a:lnRef>
+          <a:fillRef idx="0">
+            <a:scrgbClr r="0" g="0" b="0"/>
+          </a:fillRef>
+          <a:effectRef idx="0">
+            <a:scrgbClr r="0" g="0" b="0"/>
+          </a:effectRef>
+          <a:fontRef idx="minor">
+            <a:schemeClr val="lt1"/>
+          </a:fontRef>
+        </p:style>
+        <p:txBody>
+          <a:bodyPr vert="horz" lIns="68580" tIns="34290" rIns="68580" bIns="34290" rtlCol="0" anchor="ctr">
+            <a:normAutofit/>
+          </a:bodyPr>
+          <a:lstStyle/>
+          <a:p>
+            <a:pPr algn="ctr"/>
+            <a:r>
+              <a:rPr lang="en-US" sz="2400" dirty="0"/>
+              <a:t>NPM </a:t>
+            </a:r>
+            <a:r>
+              <a:rPr lang="ru-RU" sz="2400" dirty="0"/>
+              <a:t>пакет</a:t>
+            </a:r>
+          </a:p>
+        </p:txBody>
+      </p:sp>
+    </p:spTree>
+    <p:extLst>
+      <p:ext uri="{BB962C8B-B14F-4D97-AF65-F5344CB8AC3E}">
+        <p14:creationId xmlns:p14="http://schemas.microsoft.com/office/powerpoint/2010/main" val="2524193081"/>
+      </p:ext>
+    </p:extLst>
+  </p:cSld>
+  <p:clrMapOvr>
+    <a:masterClrMapping/>
+  </p:clrMapOvr>
+</p:sld>
+</file>
+
+<file path=ppt/slides/slide15.xml><?xml version="1.0" encoding="utf-8"?>
+<p:sld xmlns:a="http://schemas.openxmlformats.org/drawingml/2006/main" xmlns:r="http://schemas.openxmlformats.org/officeDocument/2006/relationships" xmlns:p="http://schemas.openxmlformats.org/presentationml/2006/main">
+  <p:cSld>
+    <p:spTree>
+      <p:nvGrpSpPr>
+        <p:cNvPr id="1" name="">
+          <a:extLst>
+            <a:ext uri="{FF2B5EF4-FFF2-40B4-BE49-F238E27FC236}">
+              <a16:creationId xmlns:a16="http://schemas.microsoft.com/office/drawing/2014/main" id="{389A1E7A-5C97-19DE-F20B-114FB08DAD9C}"/>
+            </a:ext>
+          </a:extLst>
+        </p:cNvPr>
+        <p:cNvGrpSpPr/>
+        <p:nvPr/>
+      </p:nvGrpSpPr>
+      <p:grpSpPr>
+        <a:xfrm>
+          <a:off x="0" y="0"/>
+          <a:ext cx="0" cy="0"/>
+          <a:chOff x="0" y="0"/>
+          <a:chExt cx="0" cy="0"/>
+        </a:xfrm>
+      </p:grpSpPr>
+      <p:sp>
+        <p:nvSpPr>
+          <p:cNvPr id="14" name="Slide Number Placeholder 13">
+            <a:extLst>
+              <a:ext uri="{FF2B5EF4-FFF2-40B4-BE49-F238E27FC236}">
+                <a16:creationId xmlns:a16="http://schemas.microsoft.com/office/drawing/2014/main" id="{DF6DDEE8-4244-25C7-8A09-B917E2D3A0AD}"/>
+              </a:ext>
+            </a:extLst>
+          </p:cNvPr>
+          <p:cNvSpPr>
+            <a:spLocks noGrp="1"/>
+          </p:cNvSpPr>
+          <p:nvPr>
+            <p:ph type="sldNum" sz="quarter" idx="12"/>
+          </p:nvPr>
+        </p:nvSpPr>
+        <p:spPr/>
+        <p:txBody>
+          <a:bodyPr/>
+          <a:lstStyle/>
+          <a:p>
+            <a:r>
+              <a:rPr lang="ru-RU" dirty="0"/>
+              <a:t>1</a:t>
+            </a:r>
+            <a:r>
+              <a:rPr lang="en-US" dirty="0"/>
+              <a:t>2 </a:t>
+            </a:r>
+            <a:r>
+              <a:rPr lang="ru-RU" dirty="0"/>
+              <a:t>из 13</a:t>
+            </a:r>
+          </a:p>
+        </p:txBody>
+      </p:sp>
+      <p:sp>
+        <p:nvSpPr>
+          <p:cNvPr id="13" name="TextBox 12">
+            <a:extLst>
+              <a:ext uri="{FF2B5EF4-FFF2-40B4-BE49-F238E27FC236}">
+                <a16:creationId xmlns:a16="http://schemas.microsoft.com/office/drawing/2014/main" id="{33A5396E-3C10-DD13-DC8D-E69B56091EE2}"/>
+              </a:ext>
+            </a:extLst>
+          </p:cNvPr>
+          <p:cNvSpPr txBox="1"/>
+          <p:nvPr/>
+        </p:nvSpPr>
+        <p:spPr>
+          <a:xfrm>
+            <a:off x="1032559" y="1477108"/>
+            <a:ext cx="4624602" cy="3927230"/>
+          </a:xfrm>
+          <a:prstGeom prst="rect">
+            <a:avLst/>
+          </a:prstGeom>
+          <a:solidFill>
+            <a:schemeClr val="accent5"/>
+          </a:solidFill>
+          <a:ln>
+            <a:noFill/>
+          </a:ln>
+        </p:spPr>
+        <p:style>
+          <a:lnRef idx="0">
+            <a:scrgbClr r="0" g="0" b="0"/>
+          </a:lnRef>
+          <a:fillRef idx="0">
+            <a:scrgbClr r="0" g="0" b="0"/>
+          </a:fillRef>
+          <a:effectRef idx="0">
+            <a:scrgbClr r="0" g="0" b="0"/>
+          </a:effectRef>
+          <a:fontRef idx="minor">
+            <a:schemeClr val="lt1"/>
+          </a:fontRef>
+        </p:style>
+        <p:txBody>
+          <a:bodyPr vert="horz" lIns="68580" tIns="34290" rIns="68580" bIns="34290" rtlCol="0" anchor="ctr">
+            <a:normAutofit/>
+          </a:bodyPr>
+          <a:lstStyle/>
+          <a:p>
+            <a:pPr algn="ctr"/>
+            <a:r>
+              <a:rPr lang="ru-RU" sz="3000" dirty="0"/>
+              <a:t>Исходный код приложения</a:t>
+            </a:r>
+            <a:endParaRPr lang="en-US" sz="3000" dirty="0"/>
+          </a:p>
+          <a:p>
+            <a:pPr algn="ctr"/>
+            <a:r>
+              <a:rPr lang="en-US" sz="3000" b="1" dirty="0"/>
+              <a:t>Witte</a:t>
+            </a:r>
+            <a:endParaRPr lang="ru-RU" sz="3000" b="1" dirty="0"/>
+          </a:p>
+        </p:txBody>
+      </p:sp>
+      <p:pic>
+        <p:nvPicPr>
+          <p:cNvPr id="6" name="Picture 5" descr="A qr code with a white background&#10;&#10;AI-generated content may be incorrect.">
+            <a:extLst>
+              <a:ext uri="{FF2B5EF4-FFF2-40B4-BE49-F238E27FC236}">
+                <a16:creationId xmlns:a16="http://schemas.microsoft.com/office/drawing/2014/main" id="{90A7DE20-E7D0-B93B-C909-0F87E111FFB9}"/>
+              </a:ext>
+            </a:extLst>
+          </p:cNvPr>
+          <p:cNvPicPr>
+            <a:picLocks noChangeAspect="1"/>
+          </p:cNvPicPr>
+          <p:nvPr/>
+        </p:nvPicPr>
+        <p:blipFill>
+          <a:blip r:embed="rId3">
+            <a:extLst>
+              <a:ext uri="{28A0092B-C50C-407E-A947-70E740481C1C}">
+                <a14:useLocalDpi xmlns:a14="http://schemas.microsoft.com/office/drawing/2010/main" val="0"/>
+              </a:ext>
+            </a:extLst>
+          </a:blip>
+          <a:stretch>
+            <a:fillRect/>
+          </a:stretch>
+        </p:blipFill>
+        <p:spPr>
+          <a:xfrm>
+            <a:off x="6534841" y="961464"/>
+            <a:ext cx="4935072" cy="4935072"/>
+          </a:xfrm>
+          <a:prstGeom prst="rect">
+            <a:avLst/>
+          </a:prstGeom>
+        </p:spPr>
+      </p:pic>
+    </p:spTree>
+    <p:extLst>
+      <p:ext uri="{BB962C8B-B14F-4D97-AF65-F5344CB8AC3E}">
+        <p14:creationId xmlns:p14="http://schemas.microsoft.com/office/powerpoint/2010/main" val="1548520935"/>
+      </p:ext>
+    </p:extLst>
+  </p:cSld>
+  <p:clrMapOvr>
+    <a:masterClrMapping/>
+  </p:clrMapOvr>
+</p:sld>
+</file>
+
+<file path=ppt/slides/slide16.xml><?xml version="1.0" encoding="utf-8"?>
+<p:sld xmlns:a="http://schemas.openxmlformats.org/drawingml/2006/main" xmlns:r="http://schemas.openxmlformats.org/officeDocument/2006/relationships" xmlns:p="http://schemas.openxmlformats.org/presentationml/2006/main">
+  <p:cSld>
+    <p:spTree>
+      <p:nvGrpSpPr>
+        <p:cNvPr id="1" name="">
+          <a:extLst>
+            <a:ext uri="{FF2B5EF4-FFF2-40B4-BE49-F238E27FC236}">
+              <a16:creationId xmlns:a16="http://schemas.microsoft.com/office/drawing/2014/main" id="{1F7A00E4-00E6-EA43-3ACE-B4AF64AE98E3}"/>
+            </a:ext>
+          </a:extLst>
+        </p:cNvPr>
+        <p:cNvGrpSpPr/>
+        <p:nvPr/>
+      </p:nvGrpSpPr>
+      <p:grpSpPr>
+        <a:xfrm>
+          <a:off x="0" y="0"/>
+          <a:ext cx="0" cy="0"/>
+          <a:chOff x="0" y="0"/>
+          <a:chExt cx="0" cy="0"/>
+        </a:xfrm>
+      </p:grpSpPr>
+      <p:sp>
+        <p:nvSpPr>
+          <p:cNvPr id="14" name="Slide Number Placeholder 13">
+            <a:extLst>
+              <a:ext uri="{FF2B5EF4-FFF2-40B4-BE49-F238E27FC236}">
+                <a16:creationId xmlns:a16="http://schemas.microsoft.com/office/drawing/2014/main" id="{A1A44B27-E25E-B3F9-8A2A-98B3D7C01793}"/>
+              </a:ext>
+            </a:extLst>
+          </p:cNvPr>
+          <p:cNvSpPr>
+            <a:spLocks noGrp="1"/>
+          </p:cNvSpPr>
+          <p:nvPr>
+            <p:ph type="sldNum" sz="quarter" idx="12"/>
+          </p:nvPr>
+        </p:nvSpPr>
+        <p:spPr/>
+        <p:txBody>
+          <a:bodyPr/>
+          <a:lstStyle/>
+          <a:p>
+            <a:r>
+              <a:rPr lang="ru-RU" dirty="0"/>
+              <a:t>1</a:t>
+            </a:r>
+            <a:r>
+              <a:rPr lang="en-US" dirty="0"/>
+              <a:t>2 </a:t>
+            </a:r>
+            <a:r>
+              <a:rPr lang="ru-RU" dirty="0"/>
+              <a:t>из 13</a:t>
+            </a:r>
+          </a:p>
+        </p:txBody>
+      </p:sp>
+      <p:sp>
+        <p:nvSpPr>
+          <p:cNvPr id="13" name="TextBox 12">
+            <a:extLst>
+              <a:ext uri="{FF2B5EF4-FFF2-40B4-BE49-F238E27FC236}">
+                <a16:creationId xmlns:a16="http://schemas.microsoft.com/office/drawing/2014/main" id="{6A5724A3-BF01-117F-7944-FDE455C35371}"/>
+              </a:ext>
+            </a:extLst>
+          </p:cNvPr>
+          <p:cNvSpPr txBox="1"/>
+          <p:nvPr/>
+        </p:nvSpPr>
+        <p:spPr>
+          <a:xfrm>
+            <a:off x="1032559" y="1477108"/>
+            <a:ext cx="4624602" cy="3927230"/>
+          </a:xfrm>
+          <a:prstGeom prst="rect">
+            <a:avLst/>
+          </a:prstGeom>
+          <a:solidFill>
+            <a:schemeClr val="accent5"/>
+          </a:solidFill>
+          <a:ln>
+            <a:noFill/>
+          </a:ln>
+        </p:spPr>
+        <p:style>
+          <a:lnRef idx="0">
+            <a:scrgbClr r="0" g="0" b="0"/>
+          </a:lnRef>
+          <a:fillRef idx="0">
+            <a:scrgbClr r="0" g="0" b="0"/>
+          </a:fillRef>
+          <a:effectRef idx="0">
+            <a:scrgbClr r="0" g="0" b="0"/>
+          </a:effectRef>
+          <a:fontRef idx="minor">
+            <a:schemeClr val="lt1"/>
+          </a:fontRef>
+        </p:style>
+        <p:txBody>
+          <a:bodyPr vert="horz" lIns="68580" tIns="34290" rIns="68580" bIns="34290" rtlCol="0" anchor="ctr">
+            <a:normAutofit/>
+          </a:bodyPr>
+          <a:lstStyle/>
+          <a:p>
+            <a:pPr algn="ctr"/>
+            <a:r>
+              <a:rPr lang="ru-RU" sz="3000" dirty="0"/>
+              <a:t>Приложение</a:t>
+            </a:r>
+            <a:r>
+              <a:rPr lang="en-US" sz="3000" dirty="0"/>
+              <a:t> </a:t>
+            </a:r>
+            <a:r>
+              <a:rPr lang="en-US" sz="3000" b="1" dirty="0"/>
+              <a:t>Witte</a:t>
+            </a:r>
+            <a:endParaRPr lang="ru-RU" sz="3000" b="1" dirty="0"/>
+          </a:p>
+        </p:txBody>
+      </p:sp>
+      <p:pic>
+        <p:nvPicPr>
+          <p:cNvPr id="6" name="Picture 5" descr="A qr code with a white background&#10;&#10;AI-generated content may be incorrect.">
+            <a:extLst>
+              <a:ext uri="{FF2B5EF4-FFF2-40B4-BE49-F238E27FC236}">
+                <a16:creationId xmlns:a16="http://schemas.microsoft.com/office/drawing/2014/main" id="{9A13A107-2B8A-9024-F08C-C24EDEE767F6}"/>
+              </a:ext>
+            </a:extLst>
+          </p:cNvPr>
+          <p:cNvPicPr>
+            <a:picLocks noChangeAspect="1"/>
+          </p:cNvPicPr>
+          <p:nvPr/>
+        </p:nvPicPr>
+        <p:blipFill>
+          <a:blip r:embed="rId3">
+            <a:extLst>
+              <a:ext uri="{28A0092B-C50C-407E-A947-70E740481C1C}">
+                <a14:useLocalDpi xmlns:a14="http://schemas.microsoft.com/office/drawing/2010/main" val="0"/>
+              </a:ext>
+            </a:extLst>
+          </a:blip>
+          <a:stretch>
+            <a:fillRect/>
+          </a:stretch>
+        </p:blipFill>
+        <p:spPr>
+          <a:xfrm>
+            <a:off x="6534841" y="961571"/>
+            <a:ext cx="4934857" cy="4934857"/>
+          </a:xfrm>
+          <a:prstGeom prst="rect">
+            <a:avLst/>
+          </a:prstGeom>
+        </p:spPr>
+      </p:pic>
+    </p:spTree>
+    <p:extLst>
+      <p:ext uri="{BB962C8B-B14F-4D97-AF65-F5344CB8AC3E}">
+        <p14:creationId xmlns:p14="http://schemas.microsoft.com/office/powerpoint/2010/main" val="865210959"/>
+      </p:ext>
+    </p:extLst>
+  </p:cSld>
+  <p:clrMapOvr>
+    <a:masterClrMapping/>
+  </p:clrMapOvr>
+</p:sld>
+</file>
+
+<file path=ppt/slides/slide17.xml><?xml version="1.0" encoding="utf-8"?>
 <p:sld xmlns:a="http://schemas.openxmlformats.org/drawingml/2006/main" xmlns:r="http://schemas.openxmlformats.org/officeDocument/2006/relationships" xmlns:p="http://schemas.openxmlformats.org/presentationml/2006/main">
   <p:cSld>
     <p:spTree>
@@ -6821,7 +7597,7 @@
         <p:spPr>
           <a:xfrm>
             <a:off x="890955" y="1531300"/>
-            <a:ext cx="10785230" cy="1055482"/>
+            <a:ext cx="10785230" cy="1318181"/>
           </a:xfrm>
           <a:prstGeom prst="rect">
             <a:avLst/>
@@ -6840,10 +7616,10 @@
               </a:lnSpc>
             </a:pPr>
             <a:r>
-              <a:rPr lang="ru-RU" sz="2200" dirty="0"/>
+              <a:rPr lang="ru-RU" sz="2800" dirty="0"/>
               <a:t>1. Определение паттернов технического анализа</a:t>
             </a:r>
-            <a:endParaRPr lang="en-US" sz="2200" dirty="0"/>
+            <a:endParaRPr lang="en-US" sz="2800" dirty="0"/>
           </a:p>
           <a:p>
             <a:pPr>
@@ -6852,11 +7628,11 @@
               </a:lnSpc>
             </a:pPr>
             <a:r>
-              <a:rPr lang="en-US" sz="2200" dirty="0"/>
+              <a:rPr lang="en-US" sz="2800" dirty="0"/>
               <a:t>2. </a:t>
             </a:r>
             <a:r>
-              <a:rPr lang="ru-RU" sz="2200" dirty="0"/>
+              <a:rPr lang="ru-RU" sz="2800" dirty="0"/>
               <a:t>Построение технических индикаторов</a:t>
             </a:r>
           </a:p>
@@ -6981,8 +7757,8 @@
         </p:blipFill>
         <p:spPr>
           <a:xfrm>
-            <a:off x="3739662" y="2724380"/>
-            <a:ext cx="4443046" cy="3312471"/>
+            <a:off x="4278431" y="3052847"/>
+            <a:ext cx="3890108" cy="2900233"/>
           </a:xfrm>
           <a:prstGeom prst="rect">
             <a:avLst/>
@@ -7003,7 +7779,7 @@
         </p:nvSpPr>
         <p:spPr>
           <a:xfrm>
-            <a:off x="4732707" y="5987018"/>
+            <a:off x="5275876" y="5953080"/>
             <a:ext cx="2456955" cy="369332"/>
           </a:xfrm>
           <a:prstGeom prst="rect">
@@ -8417,44 +9193,6 @@
           </a:p>
         </p:txBody>
       </p:sp>
-      <p:pic>
-        <p:nvPicPr>
-          <p:cNvPr id="5" name="Content Placeholder 4" descr="A diagram of a diagram&#10;&#10;AI-generated content may be incorrect.">
-            <a:extLst>
-              <a:ext uri="{FF2B5EF4-FFF2-40B4-BE49-F238E27FC236}">
-                <a16:creationId xmlns:a16="http://schemas.microsoft.com/office/drawing/2014/main" id="{B1B74B4D-0973-DFF5-51FA-9DB394E9F6A9}"/>
-              </a:ext>
-            </a:extLst>
-          </p:cNvPr>
-          <p:cNvPicPr>
-            <a:picLocks noGrp="1" noChangeAspect="1"/>
-          </p:cNvPicPr>
-          <p:nvPr>
-            <p:ph idx="1"/>
-          </p:nvPr>
-        </p:nvPicPr>
-        <p:blipFill>
-          <a:blip r:embed="rId3">
-            <a:extLst>
-              <a:ext uri="{28A0092B-C50C-407E-A947-70E740481C1C}">
-                <a14:useLocalDpi xmlns:a14="http://schemas.microsoft.com/office/drawing/2010/main" val="0"/>
-              </a:ext>
-            </a:extLst>
-          </a:blip>
-          <a:stretch>
-            <a:fillRect/>
-          </a:stretch>
-        </p:blipFill>
-        <p:spPr>
-          <a:xfrm>
-            <a:off x="1031632" y="2237532"/>
-            <a:ext cx="5475610" cy="3725562"/>
-          </a:xfrm>
-          <a:prstGeom prst="rect">
-            <a:avLst/>
-          </a:prstGeom>
-        </p:spPr>
-      </p:pic>
       <p:sp>
         <p:nvSpPr>
           <p:cNvPr id="11" name="Slide Number Placeholder 10">
@@ -8507,346 +9245,8 @@
         </p:nvSpPr>
         <p:spPr>
           <a:xfrm>
-            <a:off x="6678566" y="2237534"/>
-            <a:ext cx="3384755" cy="2966807"/>
-          </a:xfrm>
-          <a:prstGeom prst="rect">
-            <a:avLst/>
-          </a:prstGeom>
-        </p:spPr>
-        <p:txBody>
-          <a:bodyPr vert="horz" lIns="68580" tIns="34290" rIns="68580" bIns="34290" rtlCol="0">
-            <a:normAutofit fontScale="92500"/>
-          </a:bodyPr>
-          <a:lstStyle>
-            <a:lvl1pPr marL="228600" indent="-228600" algn="l" defTabSz="914400" rtl="0" eaLnBrk="1" latinLnBrk="0" hangingPunct="1">
-              <a:lnSpc>
-                <a:spcPct val="90000"/>
-              </a:lnSpc>
-              <a:spcBef>
-                <a:spcPts val="1000"/>
-              </a:spcBef>
-              <a:buFont typeface="Arial" panose="020B0604020202020204" pitchFamily="34" charset="0"/>
-              <a:buChar char="•"/>
-              <a:defRPr sz="2800" kern="1200">
-                <a:solidFill>
-                  <a:schemeClr val="tx1"/>
-                </a:solidFill>
-                <a:latin typeface="+mn-lt"/>
-                <a:ea typeface="+mn-ea"/>
-                <a:cs typeface="+mn-cs"/>
-              </a:defRPr>
-            </a:lvl1pPr>
-            <a:lvl2pPr marL="685800" indent="-228600" algn="l" defTabSz="914400" rtl="0" eaLnBrk="1" latinLnBrk="0" hangingPunct="1">
-              <a:lnSpc>
-                <a:spcPct val="90000"/>
-              </a:lnSpc>
-              <a:spcBef>
-                <a:spcPts val="500"/>
-              </a:spcBef>
-              <a:buFont typeface="Arial" panose="020B0604020202020204" pitchFamily="34" charset="0"/>
-              <a:buChar char="•"/>
-              <a:defRPr sz="2400" kern="1200">
-                <a:solidFill>
-                  <a:schemeClr val="tx1"/>
-                </a:solidFill>
-                <a:latin typeface="+mn-lt"/>
-                <a:ea typeface="+mn-ea"/>
-                <a:cs typeface="+mn-cs"/>
-              </a:defRPr>
-            </a:lvl2pPr>
-            <a:lvl3pPr marL="1143000" indent="-228600" algn="l" defTabSz="914400" rtl="0" eaLnBrk="1" latinLnBrk="0" hangingPunct="1">
-              <a:lnSpc>
-                <a:spcPct val="90000"/>
-              </a:lnSpc>
-              <a:spcBef>
-                <a:spcPts val="500"/>
-              </a:spcBef>
-              <a:buFont typeface="Arial" panose="020B0604020202020204" pitchFamily="34" charset="0"/>
-              <a:buChar char="•"/>
-              <a:defRPr sz="2000" kern="1200">
-                <a:solidFill>
-                  <a:schemeClr val="tx1"/>
-                </a:solidFill>
-                <a:latin typeface="+mn-lt"/>
-                <a:ea typeface="+mn-ea"/>
-                <a:cs typeface="+mn-cs"/>
-              </a:defRPr>
-            </a:lvl3pPr>
-            <a:lvl4pPr marL="1600200" indent="-228600" algn="l" defTabSz="914400" rtl="0" eaLnBrk="1" latinLnBrk="0" hangingPunct="1">
-              <a:lnSpc>
-                <a:spcPct val="90000"/>
-              </a:lnSpc>
-              <a:spcBef>
-                <a:spcPts val="500"/>
-              </a:spcBef>
-              <a:buFont typeface="Arial" panose="020B0604020202020204" pitchFamily="34" charset="0"/>
-              <a:buChar char="•"/>
-              <a:defRPr sz="1800" kern="1200">
-                <a:solidFill>
-                  <a:schemeClr val="tx1"/>
-                </a:solidFill>
-                <a:latin typeface="+mn-lt"/>
-                <a:ea typeface="+mn-ea"/>
-                <a:cs typeface="+mn-cs"/>
-              </a:defRPr>
-            </a:lvl4pPr>
-            <a:lvl5pPr marL="2057400" indent="-228600" algn="l" defTabSz="914400" rtl="0" eaLnBrk="1" latinLnBrk="0" hangingPunct="1">
-              <a:lnSpc>
-                <a:spcPct val="90000"/>
-              </a:lnSpc>
-              <a:spcBef>
-                <a:spcPts val="500"/>
-              </a:spcBef>
-              <a:buFont typeface="Arial" panose="020B0604020202020204" pitchFamily="34" charset="0"/>
-              <a:buChar char="•"/>
-              <a:defRPr sz="1800" kern="1200">
-                <a:solidFill>
-                  <a:schemeClr val="tx1"/>
-                </a:solidFill>
-                <a:latin typeface="+mn-lt"/>
-                <a:ea typeface="+mn-ea"/>
-                <a:cs typeface="+mn-cs"/>
-              </a:defRPr>
-            </a:lvl5pPr>
-            <a:lvl6pPr marL="2514600" indent="-228600" algn="l" defTabSz="914400" rtl="0" eaLnBrk="1" latinLnBrk="0" hangingPunct="1">
-              <a:lnSpc>
-                <a:spcPct val="90000"/>
-              </a:lnSpc>
-              <a:spcBef>
-                <a:spcPts val="500"/>
-              </a:spcBef>
-              <a:buFont typeface="Arial" panose="020B0604020202020204" pitchFamily="34" charset="0"/>
-              <a:buChar char="•"/>
-              <a:defRPr sz="1800" kern="1200">
-                <a:solidFill>
-                  <a:schemeClr val="tx1"/>
-                </a:solidFill>
-                <a:latin typeface="+mn-lt"/>
-                <a:ea typeface="+mn-ea"/>
-                <a:cs typeface="+mn-cs"/>
-              </a:defRPr>
-            </a:lvl6pPr>
-            <a:lvl7pPr marL="2971800" indent="-228600" algn="l" defTabSz="914400" rtl="0" eaLnBrk="1" latinLnBrk="0" hangingPunct="1">
-              <a:lnSpc>
-                <a:spcPct val="90000"/>
-              </a:lnSpc>
-              <a:spcBef>
-                <a:spcPts val="500"/>
-              </a:spcBef>
-              <a:buFont typeface="Arial" panose="020B0604020202020204" pitchFamily="34" charset="0"/>
-              <a:buChar char="•"/>
-              <a:defRPr sz="1800" kern="1200">
-                <a:solidFill>
-                  <a:schemeClr val="tx1"/>
-                </a:solidFill>
-                <a:latin typeface="+mn-lt"/>
-                <a:ea typeface="+mn-ea"/>
-                <a:cs typeface="+mn-cs"/>
-              </a:defRPr>
-            </a:lvl7pPr>
-            <a:lvl8pPr marL="3429000" indent="-228600" algn="l" defTabSz="914400" rtl="0" eaLnBrk="1" latinLnBrk="0" hangingPunct="1">
-              <a:lnSpc>
-                <a:spcPct val="90000"/>
-              </a:lnSpc>
-              <a:spcBef>
-                <a:spcPts val="500"/>
-              </a:spcBef>
-              <a:buFont typeface="Arial" panose="020B0604020202020204" pitchFamily="34" charset="0"/>
-              <a:buChar char="•"/>
-              <a:defRPr sz="1800" kern="1200">
-                <a:solidFill>
-                  <a:schemeClr val="tx1"/>
-                </a:solidFill>
-                <a:latin typeface="+mn-lt"/>
-                <a:ea typeface="+mn-ea"/>
-                <a:cs typeface="+mn-cs"/>
-              </a:defRPr>
-            </a:lvl8pPr>
-            <a:lvl9pPr marL="3886200" indent="-228600" algn="l" defTabSz="914400" rtl="0" eaLnBrk="1" latinLnBrk="0" hangingPunct="1">
-              <a:lnSpc>
-                <a:spcPct val="90000"/>
-              </a:lnSpc>
-              <a:spcBef>
-                <a:spcPts val="500"/>
-              </a:spcBef>
-              <a:buFont typeface="Arial" panose="020B0604020202020204" pitchFamily="34" charset="0"/>
-              <a:buChar char="•"/>
-              <a:defRPr sz="1800" kern="1200">
-                <a:solidFill>
-                  <a:schemeClr val="tx1"/>
-                </a:solidFill>
-                <a:latin typeface="+mn-lt"/>
-                <a:ea typeface="+mn-ea"/>
-                <a:cs typeface="+mn-cs"/>
-              </a:defRPr>
-            </a:lvl9pPr>
-          </a:lstStyle>
-          <a:p>
-            <a:pPr lvl="0"/>
-            <a:r>
-              <a:rPr lang="en-US" sz="2100" dirty="0"/>
-              <a:t>S0 – </a:t>
-            </a:r>
-            <a:r>
-              <a:rPr lang="en-US" sz="2100" dirty="0" err="1"/>
-              <a:t>неактивное</a:t>
-            </a:r>
-            <a:r>
-              <a:rPr lang="en-US" sz="2100" dirty="0"/>
-              <a:t> </a:t>
-            </a:r>
-            <a:r>
-              <a:rPr lang="en-US" sz="2100" dirty="0" err="1"/>
-              <a:t>состояние</a:t>
-            </a:r>
-            <a:r>
-              <a:rPr lang="en-US" sz="2100" dirty="0"/>
-              <a:t>.</a:t>
-            </a:r>
-            <a:endParaRPr lang="en-RU" sz="2100" dirty="0"/>
-          </a:p>
-          <a:p>
-            <a:pPr lvl="0"/>
-            <a:r>
-              <a:rPr lang="en-US" sz="2100" dirty="0"/>
-              <a:t>S</a:t>
-            </a:r>
-            <a:r>
-              <a:rPr lang="ru-RU" sz="2100" dirty="0"/>
-              <a:t>1 – добавление нового геометрического примитива.</a:t>
-            </a:r>
-            <a:endParaRPr lang="en-RU" sz="2100" dirty="0"/>
-          </a:p>
-          <a:p>
-            <a:pPr lvl="0"/>
-            <a:r>
-              <a:rPr lang="en-US" sz="2100" dirty="0"/>
-              <a:t>S</a:t>
-            </a:r>
-            <a:r>
-              <a:rPr lang="ru-RU" sz="2100" dirty="0"/>
-              <a:t>2 – перемещение на графике одного из существующих геометрических примитивов, относящихся к данному инструменту.</a:t>
-            </a:r>
-            <a:endParaRPr lang="en-RU" sz="2100" dirty="0"/>
-          </a:p>
-          <a:p>
-            <a:pPr marL="0" indent="0" algn="just">
-              <a:buNone/>
-            </a:pPr>
-            <a:endParaRPr lang="ru-RU" sz="2250" dirty="0"/>
-          </a:p>
-        </p:txBody>
-      </p:sp>
-    </p:spTree>
-    <p:extLst>
-      <p:ext uri="{BB962C8B-B14F-4D97-AF65-F5344CB8AC3E}">
-        <p14:creationId xmlns:p14="http://schemas.microsoft.com/office/powerpoint/2010/main" val="3562866227"/>
-      </p:ext>
-    </p:extLst>
-  </p:cSld>
-  <p:clrMapOvr>
-    <a:masterClrMapping/>
-  </p:clrMapOvr>
-</p:sld>
-</file>
-
-<file path=ppt/slides/slide8.xml><?xml version="1.0" encoding="utf-8"?>
-<p:sld xmlns:a="http://schemas.openxmlformats.org/drawingml/2006/main" xmlns:r="http://schemas.openxmlformats.org/officeDocument/2006/relationships" xmlns:p="http://schemas.openxmlformats.org/presentationml/2006/main">
-  <p:cSld>
-    <p:spTree>
-      <p:nvGrpSpPr>
-        <p:cNvPr id="1" name="">
-          <a:extLst>
-            <a:ext uri="{FF2B5EF4-FFF2-40B4-BE49-F238E27FC236}">
-              <a16:creationId xmlns:a16="http://schemas.microsoft.com/office/drawing/2014/main" id="{B2673FFB-E80D-94A2-3D3C-A1C04C83D041}"/>
-            </a:ext>
-          </a:extLst>
-        </p:cNvPr>
-        <p:cNvGrpSpPr/>
-        <p:nvPr/>
-      </p:nvGrpSpPr>
-      <p:grpSpPr>
-        <a:xfrm>
-          <a:off x="0" y="0"/>
-          <a:ext cx="0" cy="0"/>
-          <a:chOff x="0" y="0"/>
-          <a:chExt cx="0" cy="0"/>
-        </a:xfrm>
-      </p:grpSpPr>
-      <p:sp>
-        <p:nvSpPr>
-          <p:cNvPr id="13" name="TextBox 12">
-            <a:extLst>
-              <a:ext uri="{FF2B5EF4-FFF2-40B4-BE49-F238E27FC236}">
-                <a16:creationId xmlns:a16="http://schemas.microsoft.com/office/drawing/2014/main" id="{D88395EB-C05A-3642-38A6-5FCC516D7D1C}"/>
-              </a:ext>
-            </a:extLst>
-          </p:cNvPr>
-          <p:cNvSpPr txBox="1"/>
-          <p:nvPr/>
-        </p:nvSpPr>
-        <p:spPr>
-          <a:xfrm>
-            <a:off x="1031632" y="747129"/>
-            <a:ext cx="10322168" cy="658297"/>
-          </a:xfrm>
-          <a:prstGeom prst="rect">
-            <a:avLst/>
-          </a:prstGeom>
-          <a:solidFill>
-            <a:schemeClr val="accent5"/>
-          </a:solidFill>
-          <a:ln>
-            <a:noFill/>
-          </a:ln>
-        </p:spPr>
-        <p:style>
-          <a:lnRef idx="0">
-            <a:scrgbClr r="0" g="0" b="0"/>
-          </a:lnRef>
-          <a:fillRef idx="0">
-            <a:scrgbClr r="0" g="0" b="0"/>
-          </a:fillRef>
-          <a:effectRef idx="0">
-            <a:scrgbClr r="0" g="0" b="0"/>
-          </a:effectRef>
-          <a:fontRef idx="minor">
-            <a:schemeClr val="lt1"/>
-          </a:fontRef>
-        </p:style>
-        <p:txBody>
-          <a:bodyPr vert="horz" lIns="68580" tIns="34290" rIns="68580" bIns="34290" rtlCol="0" anchor="ctr">
-            <a:normAutofit/>
-          </a:bodyPr>
-          <a:lstStyle/>
-          <a:p>
-            <a:pPr algn="ctr"/>
-            <a:r>
-              <a:rPr lang="ru-RU" sz="2400" dirty="0"/>
-              <a:t>Функционал реализованный в инструментах рисования</a:t>
-            </a:r>
-          </a:p>
-        </p:txBody>
-      </p:sp>
-      <p:sp>
-        <p:nvSpPr>
-          <p:cNvPr id="6" name="Content Placeholder 2">
-            <a:extLst>
-              <a:ext uri="{FF2B5EF4-FFF2-40B4-BE49-F238E27FC236}">
-                <a16:creationId xmlns:a16="http://schemas.microsoft.com/office/drawing/2014/main" id="{B09E0858-F7C3-A341-2365-5E8F53D59E5E}"/>
-              </a:ext>
-            </a:extLst>
-          </p:cNvPr>
-          <p:cNvSpPr txBox="1">
-            <a:spLocks/>
-          </p:cNvSpPr>
-          <p:nvPr/>
-        </p:nvSpPr>
-        <p:spPr>
-          <a:xfrm>
-            <a:off x="1031632" y="2215662"/>
-            <a:ext cx="10322167" cy="3059723"/>
+            <a:off x="5767904" y="2095892"/>
+            <a:ext cx="5067300" cy="3492500"/>
           </a:xfrm>
           <a:prstGeom prst="rect">
             <a:avLst/>
@@ -9021,66 +9421,48 @@
             </a:lvl9pPr>
           </a:lstStyle>
           <a:p>
-            <a:pPr marL="0" indent="0" algn="just">
-              <a:buNone/>
-            </a:pPr>
-            <a:r>
-              <a:rPr lang="ru-RU" sz="2400" dirty="0"/>
-              <a:t>1</a:t>
-            </a:r>
-            <a:r>
-              <a:rPr lang="en-US" sz="2400" dirty="0"/>
-              <a:t>. </a:t>
-            </a:r>
-            <a:r>
-              <a:rPr lang="ru-RU" sz="2400" dirty="0"/>
-              <a:t>Подготовка данных для визуализация</a:t>
-            </a:r>
-            <a:endParaRPr lang="en-US" sz="2400" dirty="0"/>
-          </a:p>
-          <a:p>
-            <a:pPr marL="0" indent="0" algn="just">
-              <a:buNone/>
-            </a:pPr>
-            <a:r>
-              <a:rPr lang="en-US" sz="2400" dirty="0"/>
-              <a:t>2.</a:t>
-            </a:r>
-            <a:r>
-              <a:rPr lang="ru-RU" sz="2400" dirty="0"/>
-              <a:t> Визуализация на </a:t>
-            </a:r>
-            <a:r>
-              <a:rPr lang="en-US" sz="2400" b="1" i="1" dirty="0" err="1"/>
-              <a:t>CanvasRenderingContext</a:t>
-            </a:r>
-            <a:r>
-              <a:rPr lang="ru-RU" sz="2400" b="1" i="1" dirty="0"/>
-              <a:t>2</a:t>
-            </a:r>
-            <a:r>
-              <a:rPr lang="en-US" sz="2400" b="1" i="1" dirty="0"/>
-              <a:t>D</a:t>
-            </a:r>
-            <a:endParaRPr lang="ru-RU" sz="2400" b="1" i="1" dirty="0"/>
-          </a:p>
-          <a:p>
-            <a:pPr marL="0" indent="0" algn="just">
-              <a:buNone/>
-            </a:pPr>
-            <a:r>
-              <a:rPr lang="ru-RU" sz="2400" dirty="0"/>
-              <a:t>3.</a:t>
-            </a:r>
-            <a:r>
-              <a:rPr lang="en-US" sz="2400" dirty="0"/>
+            <a:pPr lvl="0"/>
+            <a:r>
+              <a:rPr lang="en-US" dirty="0"/>
+              <a:t>S0 – </a:t>
+            </a:r>
+            <a:r>
+              <a:rPr lang="en-US" dirty="0" err="1"/>
+              <a:t>неактивное</a:t>
+            </a:r>
+            <a:r>
+              <a:rPr lang="en-US" dirty="0"/>
               <a:t> </a:t>
             </a:r>
             <a:r>
-              <a:rPr lang="ru-RU" sz="2400" dirty="0"/>
-              <a:t>Проверка на коллизию всех геометрических примитивов с точкой координаты мыши на графике</a:t>
-            </a:r>
-            <a:endParaRPr lang="en-US" sz="2400" dirty="0"/>
+              <a:rPr lang="en-US" dirty="0" err="1"/>
+              <a:t>состояние</a:t>
+            </a:r>
+            <a:endParaRPr lang="en-RU" dirty="0"/>
+          </a:p>
+          <a:p>
+            <a:pPr lvl="0"/>
+            <a:r>
+              <a:rPr lang="en-US" dirty="0"/>
+              <a:t>S</a:t>
+            </a:r>
+            <a:r>
+              <a:rPr lang="ru-RU" dirty="0"/>
+              <a:t>1 – добавление нового геометрического примитива</a:t>
+            </a:r>
+            <a:endParaRPr lang="en-RU" dirty="0"/>
+          </a:p>
+          <a:p>
+            <a:pPr lvl="0"/>
+            <a:r>
+              <a:rPr lang="en-US" dirty="0"/>
+              <a:t>S</a:t>
+            </a:r>
+            <a:r>
+              <a:rPr lang="ru-RU" dirty="0"/>
+              <a:t>2 – перемещение на графике одного из существующих геометрических примитивов, относящихся к данному инструменту</a:t>
+            </a:r>
+            <a:endParaRPr lang="en-RU" dirty="0"/>
           </a:p>
           <a:p>
             <a:pPr marL="0" indent="0" algn="just">
@@ -9090,38 +9472,46 @@
           </a:p>
         </p:txBody>
       </p:sp>
-      <p:sp>
-        <p:nvSpPr>
-          <p:cNvPr id="11" name="Slide Number Placeholder 10">
+      <p:pic>
+        <p:nvPicPr>
+          <p:cNvPr id="4" name="Picture 3">
             <a:extLst>
               <a:ext uri="{FF2B5EF4-FFF2-40B4-BE49-F238E27FC236}">
-                <a16:creationId xmlns:a16="http://schemas.microsoft.com/office/drawing/2014/main" id="{525E808E-1F6F-3E35-BC3D-73BAAEB0AB6D}"/>
+                <a16:creationId xmlns:a16="http://schemas.microsoft.com/office/drawing/2014/main" id="{C1C1B1F2-B552-A912-A293-3CA7EF126A7B}"/>
               </a:ext>
             </a:extLst>
           </p:cNvPr>
-          <p:cNvSpPr>
-            <a:spLocks noGrp="1"/>
-          </p:cNvSpPr>
-          <p:nvPr>
-            <p:ph type="sldNum" sz="quarter" idx="12"/>
-          </p:nvPr>
-        </p:nvSpPr>
-        <p:spPr/>
-        <p:txBody>
-          <a:bodyPr/>
-          <a:lstStyle/>
-          <a:p>
-            <a:r>
-              <a:rPr lang="ru-RU" dirty="0"/>
-              <a:t>7 из 13</a:t>
-            </a:r>
-          </a:p>
-        </p:txBody>
-      </p:sp>
+          <p:cNvPicPr>
+            <a:picLocks noChangeAspect="1"/>
+          </p:cNvPicPr>
+          <p:nvPr/>
+        </p:nvPicPr>
+        <p:blipFill>
+          <a:blip r:embed="rId3" cstate="print">
+            <a:extLst>
+              <a:ext uri="{28A0092B-C50C-407E-A947-70E740481C1C}">
+                <a14:useLocalDpi xmlns:a14="http://schemas.microsoft.com/office/drawing/2010/main" val="0"/>
+              </a:ext>
+            </a:extLst>
+          </a:blip>
+          <a:stretch>
+            <a:fillRect/>
+          </a:stretch>
+        </p:blipFill>
+        <p:spPr>
+          <a:xfrm>
+            <a:off x="1356796" y="1767634"/>
+            <a:ext cx="4156639" cy="3995358"/>
+          </a:xfrm>
+          <a:prstGeom prst="rect">
+            <a:avLst/>
+          </a:prstGeom>
+        </p:spPr>
+      </p:pic>
     </p:spTree>
     <p:extLst>
       <p:ext uri="{BB962C8B-B14F-4D97-AF65-F5344CB8AC3E}">
-        <p14:creationId xmlns:p14="http://schemas.microsoft.com/office/powerpoint/2010/main" val="913263969"/>
+        <p14:creationId xmlns:p14="http://schemas.microsoft.com/office/powerpoint/2010/main" val="3562866227"/>
       </p:ext>
     </p:extLst>
   </p:cSld>
@@ -9131,7 +9521,7 @@
 </p:sld>
 </file>
 
-<file path=ppt/slides/slide9.xml><?xml version="1.0" encoding="utf-8"?>
+<file path=ppt/slides/slide8.xml><?xml version="1.0" encoding="utf-8"?>
 <p:sld xmlns:a="http://schemas.openxmlformats.org/drawingml/2006/main" xmlns:r="http://schemas.openxmlformats.org/officeDocument/2006/relationships" xmlns:p="http://schemas.openxmlformats.org/presentationml/2006/main">
   <p:cSld>
     <p:spTree>
@@ -9139,7 +9529,7 @@
         <p:cNvPr id="1" name="">
           <a:extLst>
             <a:ext uri="{FF2B5EF4-FFF2-40B4-BE49-F238E27FC236}">
-              <a16:creationId xmlns:a16="http://schemas.microsoft.com/office/drawing/2014/main" id="{8D740296-C6ED-F67D-CA33-7DB0BB91F237}"/>
+              <a16:creationId xmlns:a16="http://schemas.microsoft.com/office/drawing/2014/main" id="{B2673FFB-E80D-94A2-3D3C-A1C04C83D041}"/>
             </a:ext>
           </a:extLst>
         </p:cNvPr>
@@ -9159,7 +9549,7 @@
           <p:cNvPr id="13" name="TextBox 12">
             <a:extLst>
               <a:ext uri="{FF2B5EF4-FFF2-40B4-BE49-F238E27FC236}">
-                <a16:creationId xmlns:a16="http://schemas.microsoft.com/office/drawing/2014/main" id="{6C9FE423-92BE-4645-E8C2-6CF4A7E5C687}"/>
+                <a16:creationId xmlns:a16="http://schemas.microsoft.com/office/drawing/2014/main" id="{D88395EB-C05A-3642-38A6-5FCC516D7D1C}"/>
               </a:ext>
             </a:extLst>
           </p:cNvPr>
@@ -9168,8 +9558,8 @@
         </p:nvSpPr>
         <p:spPr>
           <a:xfrm>
-            <a:off x="879232" y="654139"/>
-            <a:ext cx="10474568" cy="658297"/>
+            <a:off x="1031632" y="747129"/>
+            <a:ext cx="10322168" cy="658297"/>
           </a:xfrm>
           <a:prstGeom prst="rect">
             <a:avLst/>
@@ -9204,7 +9594,7 @@
             <a:pPr algn="ctr"/>
             <a:r>
               <a:rPr lang="ru-RU" sz="2400" dirty="0"/>
-              <a:t>Вспомогательные классы библиотеки</a:t>
+              <a:t>Функционал реализованный в инструментах рисования</a:t>
             </a:r>
           </a:p>
         </p:txBody>
@@ -9214,7 +9604,7 @@
           <p:cNvPr id="6" name="Content Placeholder 2">
             <a:extLst>
               <a:ext uri="{FF2B5EF4-FFF2-40B4-BE49-F238E27FC236}">
-                <a16:creationId xmlns:a16="http://schemas.microsoft.com/office/drawing/2014/main" id="{E48D26E2-6AFD-899F-99FF-3A721924E490}"/>
+                <a16:creationId xmlns:a16="http://schemas.microsoft.com/office/drawing/2014/main" id="{B09E0858-F7C3-A341-2365-5E8F53D59E5E}"/>
               </a:ext>
             </a:extLst>
           </p:cNvPr>
@@ -9225,8 +9615,8 @@
         </p:nvSpPr>
         <p:spPr>
           <a:xfrm>
-            <a:off x="879232" y="1957754"/>
-            <a:ext cx="10474567" cy="3528646"/>
+            <a:off x="1031632" y="2215662"/>
+            <a:ext cx="10322167" cy="2419837"/>
           </a:xfrm>
           <a:prstGeom prst="rect">
             <a:avLst/>
@@ -9401,6 +9791,380 @@
             </a:lvl9pPr>
           </a:lstStyle>
           <a:p>
+            <a:pPr marL="0" indent="0" algn="just">
+              <a:buNone/>
+            </a:pPr>
+            <a:r>
+              <a:rPr lang="ru-RU" dirty="0"/>
+              <a:t>1</a:t>
+            </a:r>
+            <a:r>
+              <a:rPr lang="en-US" dirty="0"/>
+              <a:t>. </a:t>
+            </a:r>
+            <a:r>
+              <a:rPr lang="ru-RU" dirty="0"/>
+              <a:t>Подготовка данных для визуализация</a:t>
+            </a:r>
+            <a:endParaRPr lang="en-US" dirty="0"/>
+          </a:p>
+          <a:p>
+            <a:pPr marL="0" indent="0" algn="just">
+              <a:buNone/>
+            </a:pPr>
+            <a:r>
+              <a:rPr lang="en-US" dirty="0"/>
+              <a:t>2.</a:t>
+            </a:r>
+            <a:r>
+              <a:rPr lang="ru-RU" dirty="0"/>
+              <a:t> Визуализация на </a:t>
+            </a:r>
+            <a:r>
+              <a:rPr lang="en-US" b="1" i="1" dirty="0" err="1"/>
+              <a:t>CanvasRenderingContext</a:t>
+            </a:r>
+            <a:r>
+              <a:rPr lang="ru-RU" b="1" i="1" dirty="0"/>
+              <a:t>2</a:t>
+            </a:r>
+            <a:r>
+              <a:rPr lang="en-US" b="1" i="1" dirty="0"/>
+              <a:t>D</a:t>
+            </a:r>
+            <a:endParaRPr lang="ru-RU" b="1" i="1" dirty="0"/>
+          </a:p>
+          <a:p>
+            <a:pPr marL="0" indent="0" algn="just">
+              <a:buNone/>
+            </a:pPr>
+            <a:r>
+              <a:rPr lang="ru-RU" dirty="0"/>
+              <a:t>3.</a:t>
+            </a:r>
+            <a:r>
+              <a:rPr lang="en-US" dirty="0"/>
+              <a:t> </a:t>
+            </a:r>
+            <a:r>
+              <a:rPr lang="ru-RU" dirty="0"/>
+              <a:t>Проверка на коллизию всех геометрических примитивов с точкой координаты мыши на графике</a:t>
+            </a:r>
+            <a:endParaRPr lang="en-US" dirty="0"/>
+          </a:p>
+        </p:txBody>
+      </p:sp>
+      <p:sp>
+        <p:nvSpPr>
+          <p:cNvPr id="11" name="Slide Number Placeholder 10">
+            <a:extLst>
+              <a:ext uri="{FF2B5EF4-FFF2-40B4-BE49-F238E27FC236}">
+                <a16:creationId xmlns:a16="http://schemas.microsoft.com/office/drawing/2014/main" id="{525E808E-1F6F-3E35-BC3D-73BAAEB0AB6D}"/>
+              </a:ext>
+            </a:extLst>
+          </p:cNvPr>
+          <p:cNvSpPr>
+            <a:spLocks noGrp="1"/>
+          </p:cNvSpPr>
+          <p:nvPr>
+            <p:ph type="sldNum" sz="quarter" idx="12"/>
+          </p:nvPr>
+        </p:nvSpPr>
+        <p:spPr/>
+        <p:txBody>
+          <a:bodyPr/>
+          <a:lstStyle/>
+          <a:p>
+            <a:r>
+              <a:rPr lang="ru-RU" dirty="0"/>
+              <a:t>7 из 13</a:t>
+            </a:r>
+          </a:p>
+        </p:txBody>
+      </p:sp>
+    </p:spTree>
+    <p:extLst>
+      <p:ext uri="{BB962C8B-B14F-4D97-AF65-F5344CB8AC3E}">
+        <p14:creationId xmlns:p14="http://schemas.microsoft.com/office/powerpoint/2010/main" val="913263969"/>
+      </p:ext>
+    </p:extLst>
+  </p:cSld>
+  <p:clrMapOvr>
+    <a:masterClrMapping/>
+  </p:clrMapOvr>
+</p:sld>
+</file>
+
+<file path=ppt/slides/slide9.xml><?xml version="1.0" encoding="utf-8"?>
+<p:sld xmlns:a="http://schemas.openxmlformats.org/drawingml/2006/main" xmlns:r="http://schemas.openxmlformats.org/officeDocument/2006/relationships" xmlns:p="http://schemas.openxmlformats.org/presentationml/2006/main">
+  <p:cSld>
+    <p:spTree>
+      <p:nvGrpSpPr>
+        <p:cNvPr id="1" name="">
+          <a:extLst>
+            <a:ext uri="{FF2B5EF4-FFF2-40B4-BE49-F238E27FC236}">
+              <a16:creationId xmlns:a16="http://schemas.microsoft.com/office/drawing/2014/main" id="{8D740296-C6ED-F67D-CA33-7DB0BB91F237}"/>
+            </a:ext>
+          </a:extLst>
+        </p:cNvPr>
+        <p:cNvGrpSpPr/>
+        <p:nvPr/>
+      </p:nvGrpSpPr>
+      <p:grpSpPr>
+        <a:xfrm>
+          <a:off x="0" y="0"/>
+          <a:ext cx="0" cy="0"/>
+          <a:chOff x="0" y="0"/>
+          <a:chExt cx="0" cy="0"/>
+        </a:xfrm>
+      </p:grpSpPr>
+      <p:sp>
+        <p:nvSpPr>
+          <p:cNvPr id="13" name="TextBox 12">
+            <a:extLst>
+              <a:ext uri="{FF2B5EF4-FFF2-40B4-BE49-F238E27FC236}">
+                <a16:creationId xmlns:a16="http://schemas.microsoft.com/office/drawing/2014/main" id="{6C9FE423-92BE-4645-E8C2-6CF4A7E5C687}"/>
+              </a:ext>
+            </a:extLst>
+          </p:cNvPr>
+          <p:cNvSpPr txBox="1"/>
+          <p:nvPr/>
+        </p:nvSpPr>
+        <p:spPr>
+          <a:xfrm>
+            <a:off x="879232" y="654139"/>
+            <a:ext cx="10474568" cy="658297"/>
+          </a:xfrm>
+          <a:prstGeom prst="rect">
+            <a:avLst/>
+          </a:prstGeom>
+          <a:solidFill>
+            <a:schemeClr val="accent5"/>
+          </a:solidFill>
+          <a:ln>
+            <a:noFill/>
+          </a:ln>
+        </p:spPr>
+        <p:style>
+          <a:lnRef idx="0">
+            <a:scrgbClr r="0" g="0" b="0"/>
+          </a:lnRef>
+          <a:fillRef idx="0">
+            <a:scrgbClr r="0" g="0" b="0"/>
+          </a:fillRef>
+          <a:effectRef idx="0">
+            <a:scrgbClr r="0" g="0" b="0"/>
+          </a:effectRef>
+          <a:fontRef idx="minor">
+            <a:schemeClr val="lt1"/>
+          </a:fontRef>
+        </p:style>
+        <p:txBody>
+          <a:bodyPr vert="horz" lIns="68580" tIns="34290" rIns="68580" bIns="34290" rtlCol="0" anchor="ctr">
+            <a:normAutofit/>
+          </a:bodyPr>
+          <a:lstStyle/>
+          <a:p>
+            <a:pPr algn="ctr"/>
+            <a:r>
+              <a:rPr lang="ru-RU" sz="2400" dirty="0"/>
+              <a:t>Вспомогательные классы библиотеки</a:t>
+            </a:r>
+          </a:p>
+        </p:txBody>
+      </p:sp>
+      <p:sp>
+        <p:nvSpPr>
+          <p:cNvPr id="6" name="Content Placeholder 2">
+            <a:extLst>
+              <a:ext uri="{FF2B5EF4-FFF2-40B4-BE49-F238E27FC236}">
+                <a16:creationId xmlns:a16="http://schemas.microsoft.com/office/drawing/2014/main" id="{E48D26E2-6AFD-899F-99FF-3A721924E490}"/>
+              </a:ext>
+            </a:extLst>
+          </p:cNvPr>
+          <p:cNvSpPr txBox="1">
+            <a:spLocks/>
+          </p:cNvSpPr>
+          <p:nvPr/>
+        </p:nvSpPr>
+        <p:spPr>
+          <a:xfrm>
+            <a:off x="879232" y="1957754"/>
+            <a:ext cx="10474567" cy="3528646"/>
+          </a:xfrm>
+          <a:prstGeom prst="rect">
+            <a:avLst/>
+          </a:prstGeom>
+        </p:spPr>
+        <p:txBody>
+          <a:bodyPr vert="horz" lIns="68580" tIns="34290" rIns="68580" bIns="34290" rtlCol="0">
+            <a:normAutofit/>
+          </a:bodyPr>
+          <a:lstStyle>
+            <a:lvl1pPr marL="228600" indent="-228600" algn="l" defTabSz="914400" rtl="0" eaLnBrk="1" latinLnBrk="0" hangingPunct="1">
+              <a:lnSpc>
+                <a:spcPct val="90000"/>
+              </a:lnSpc>
+              <a:spcBef>
+                <a:spcPts val="1000"/>
+              </a:spcBef>
+              <a:buFont typeface="Arial" panose="020B0604020202020204" pitchFamily="34" charset="0"/>
+              <a:buChar char="•"/>
+              <a:defRPr sz="2800" kern="1200">
+                <a:solidFill>
+                  <a:schemeClr val="tx1"/>
+                </a:solidFill>
+                <a:latin typeface="+mn-lt"/>
+                <a:ea typeface="+mn-ea"/>
+                <a:cs typeface="+mn-cs"/>
+              </a:defRPr>
+            </a:lvl1pPr>
+            <a:lvl2pPr marL="685800" indent="-228600" algn="l" defTabSz="914400" rtl="0" eaLnBrk="1" latinLnBrk="0" hangingPunct="1">
+              <a:lnSpc>
+                <a:spcPct val="90000"/>
+              </a:lnSpc>
+              <a:spcBef>
+                <a:spcPts val="500"/>
+              </a:spcBef>
+              <a:buFont typeface="Arial" panose="020B0604020202020204" pitchFamily="34" charset="0"/>
+              <a:buChar char="•"/>
+              <a:defRPr sz="2400" kern="1200">
+                <a:solidFill>
+                  <a:schemeClr val="tx1"/>
+                </a:solidFill>
+                <a:latin typeface="+mn-lt"/>
+                <a:ea typeface="+mn-ea"/>
+                <a:cs typeface="+mn-cs"/>
+              </a:defRPr>
+            </a:lvl2pPr>
+            <a:lvl3pPr marL="1143000" indent="-228600" algn="l" defTabSz="914400" rtl="0" eaLnBrk="1" latinLnBrk="0" hangingPunct="1">
+              <a:lnSpc>
+                <a:spcPct val="90000"/>
+              </a:lnSpc>
+              <a:spcBef>
+                <a:spcPts val="500"/>
+              </a:spcBef>
+              <a:buFont typeface="Arial" panose="020B0604020202020204" pitchFamily="34" charset="0"/>
+              <a:buChar char="•"/>
+              <a:defRPr sz="2000" kern="1200">
+                <a:solidFill>
+                  <a:schemeClr val="tx1"/>
+                </a:solidFill>
+                <a:latin typeface="+mn-lt"/>
+                <a:ea typeface="+mn-ea"/>
+                <a:cs typeface="+mn-cs"/>
+              </a:defRPr>
+            </a:lvl3pPr>
+            <a:lvl4pPr marL="1600200" indent="-228600" algn="l" defTabSz="914400" rtl="0" eaLnBrk="1" latinLnBrk="0" hangingPunct="1">
+              <a:lnSpc>
+                <a:spcPct val="90000"/>
+              </a:lnSpc>
+              <a:spcBef>
+                <a:spcPts val="500"/>
+              </a:spcBef>
+              <a:buFont typeface="Arial" panose="020B0604020202020204" pitchFamily="34" charset="0"/>
+              <a:buChar char="•"/>
+              <a:defRPr sz="1800" kern="1200">
+                <a:solidFill>
+                  <a:schemeClr val="tx1"/>
+                </a:solidFill>
+                <a:latin typeface="+mn-lt"/>
+                <a:ea typeface="+mn-ea"/>
+                <a:cs typeface="+mn-cs"/>
+              </a:defRPr>
+            </a:lvl4pPr>
+            <a:lvl5pPr marL="2057400" indent="-228600" algn="l" defTabSz="914400" rtl="0" eaLnBrk="1" latinLnBrk="0" hangingPunct="1">
+              <a:lnSpc>
+                <a:spcPct val="90000"/>
+              </a:lnSpc>
+              <a:spcBef>
+                <a:spcPts val="500"/>
+              </a:spcBef>
+              <a:buFont typeface="Arial" panose="020B0604020202020204" pitchFamily="34" charset="0"/>
+              <a:buChar char="•"/>
+              <a:defRPr sz="1800" kern="1200">
+                <a:solidFill>
+                  <a:schemeClr val="tx1"/>
+                </a:solidFill>
+                <a:latin typeface="+mn-lt"/>
+                <a:ea typeface="+mn-ea"/>
+                <a:cs typeface="+mn-cs"/>
+              </a:defRPr>
+            </a:lvl5pPr>
+            <a:lvl6pPr marL="2514600" indent="-228600" algn="l" defTabSz="914400" rtl="0" eaLnBrk="1" latinLnBrk="0" hangingPunct="1">
+              <a:lnSpc>
+                <a:spcPct val="90000"/>
+              </a:lnSpc>
+              <a:spcBef>
+                <a:spcPts val="500"/>
+              </a:spcBef>
+              <a:buFont typeface="Arial" panose="020B0604020202020204" pitchFamily="34" charset="0"/>
+              <a:buChar char="•"/>
+              <a:defRPr sz="1800" kern="1200">
+                <a:solidFill>
+                  <a:schemeClr val="tx1"/>
+                </a:solidFill>
+                <a:latin typeface="+mn-lt"/>
+                <a:ea typeface="+mn-ea"/>
+                <a:cs typeface="+mn-cs"/>
+              </a:defRPr>
+            </a:lvl6pPr>
+            <a:lvl7pPr marL="2971800" indent="-228600" algn="l" defTabSz="914400" rtl="0" eaLnBrk="1" latinLnBrk="0" hangingPunct="1">
+              <a:lnSpc>
+                <a:spcPct val="90000"/>
+              </a:lnSpc>
+              <a:spcBef>
+                <a:spcPts val="500"/>
+              </a:spcBef>
+              <a:buFont typeface="Arial" panose="020B0604020202020204" pitchFamily="34" charset="0"/>
+              <a:buChar char="•"/>
+              <a:defRPr sz="1800" kern="1200">
+                <a:solidFill>
+                  <a:schemeClr val="tx1"/>
+                </a:solidFill>
+                <a:latin typeface="+mn-lt"/>
+                <a:ea typeface="+mn-ea"/>
+                <a:cs typeface="+mn-cs"/>
+              </a:defRPr>
+            </a:lvl7pPr>
+            <a:lvl8pPr marL="3429000" indent="-228600" algn="l" defTabSz="914400" rtl="0" eaLnBrk="1" latinLnBrk="0" hangingPunct="1">
+              <a:lnSpc>
+                <a:spcPct val="90000"/>
+              </a:lnSpc>
+              <a:spcBef>
+                <a:spcPts val="500"/>
+              </a:spcBef>
+              <a:buFont typeface="Arial" panose="020B0604020202020204" pitchFamily="34" charset="0"/>
+              <a:buChar char="•"/>
+              <a:defRPr sz="1800" kern="1200">
+                <a:solidFill>
+                  <a:schemeClr val="tx1"/>
+                </a:solidFill>
+                <a:latin typeface="+mn-lt"/>
+                <a:ea typeface="+mn-ea"/>
+                <a:cs typeface="+mn-cs"/>
+              </a:defRPr>
+            </a:lvl8pPr>
+            <a:lvl9pPr marL="3886200" indent="-228600" algn="l" defTabSz="914400" rtl="0" eaLnBrk="1" latinLnBrk="0" hangingPunct="1">
+              <a:lnSpc>
+                <a:spcPct val="90000"/>
+              </a:lnSpc>
+              <a:spcBef>
+                <a:spcPts val="500"/>
+              </a:spcBef>
+              <a:buFont typeface="Arial" panose="020B0604020202020204" pitchFamily="34" charset="0"/>
+              <a:buChar char="•"/>
+              <a:defRPr sz="1800" kern="1200">
+                <a:solidFill>
+                  <a:schemeClr val="tx1"/>
+                </a:solidFill>
+                <a:latin typeface="+mn-lt"/>
+                <a:ea typeface="+mn-ea"/>
+                <a:cs typeface="+mn-cs"/>
+              </a:defRPr>
+            </a:lvl9pPr>
+          </a:lstStyle>
+          <a:p>
             <a:r>
               <a:rPr lang="en-GB" sz="2700" b="1" dirty="0" err="1"/>
               <a:t>CollisionHelper</a:t>
@@ -9427,12 +10191,6 @@
               <a:rPr lang="ru-RU" sz="2700" dirty="0"/>
               <a:t>функции линейной алгебры, преобразования и аппроксимации</a:t>
             </a:r>
-            <a:endParaRPr lang="en-GB" sz="2700" dirty="0"/>
-          </a:p>
-          <a:p>
-            <a:endParaRPr lang="ru-RU" sz="2700" dirty="0"/>
-          </a:p>
-          <a:p>
             <a:endParaRPr lang="en-GB" sz="2700" dirty="0"/>
           </a:p>
           <a:p>

--- a/src/Презентация диплома.pptx
+++ b/src/Презентация диплома.pptx
@@ -5,29 +5,31 @@
     <p:sldMasterId id="2147483782" r:id="rId1"/>
   </p:sldMasterIdLst>
   <p:notesMasterIdLst>
-    <p:notesMasterId r:id="rId19"/>
+    <p:notesMasterId r:id="rId21"/>
   </p:notesMasterIdLst>
   <p:handoutMasterIdLst>
-    <p:handoutMasterId r:id="rId20"/>
+    <p:handoutMasterId r:id="rId22"/>
   </p:handoutMasterIdLst>
   <p:sldIdLst>
     <p:sldId id="256" r:id="rId2"/>
     <p:sldId id="270" r:id="rId3"/>
     <p:sldId id="267" r:id="rId4"/>
-    <p:sldId id="289" r:id="rId5"/>
-    <p:sldId id="280" r:id="rId6"/>
-    <p:sldId id="282" r:id="rId7"/>
-    <p:sldId id="283" r:id="rId8"/>
-    <p:sldId id="284" r:id="rId9"/>
-    <p:sldId id="285" r:id="rId10"/>
-    <p:sldId id="286" r:id="rId11"/>
-    <p:sldId id="278" r:id="rId12"/>
-    <p:sldId id="287" r:id="rId13"/>
-    <p:sldId id="279" r:id="rId14"/>
-    <p:sldId id="291" r:id="rId15"/>
-    <p:sldId id="290" r:id="rId16"/>
-    <p:sldId id="292" r:id="rId17"/>
-    <p:sldId id="288" r:id="rId18"/>
+    <p:sldId id="294" r:id="rId5"/>
+    <p:sldId id="289" r:id="rId6"/>
+    <p:sldId id="293" r:id="rId7"/>
+    <p:sldId id="295" r:id="rId8"/>
+    <p:sldId id="282" r:id="rId9"/>
+    <p:sldId id="283" r:id="rId10"/>
+    <p:sldId id="284" r:id="rId11"/>
+    <p:sldId id="285" r:id="rId12"/>
+    <p:sldId id="286" r:id="rId13"/>
+    <p:sldId id="278" r:id="rId14"/>
+    <p:sldId id="287" r:id="rId15"/>
+    <p:sldId id="279" r:id="rId16"/>
+    <p:sldId id="291" r:id="rId17"/>
+    <p:sldId id="290" r:id="rId18"/>
+    <p:sldId id="292" r:id="rId19"/>
+    <p:sldId id="288" r:id="rId20"/>
   </p:sldIdLst>
   <p:sldSz cx="12192000" cy="6858000"/>
   <p:notesSz cx="6858000" cy="9144000"/>
@@ -752,7 +754,7 @@
         <p:cNvPr id="1" name="">
           <a:extLst>
             <a:ext uri="{FF2B5EF4-FFF2-40B4-BE49-F238E27FC236}">
-              <a16:creationId xmlns:a16="http://schemas.microsoft.com/office/drawing/2014/main" id="{93A3B268-F4BB-93CA-AEF4-D2B8F2841BA4}"/>
+              <a16:creationId xmlns:a16="http://schemas.microsoft.com/office/drawing/2014/main" id="{0C83FD92-5563-B9BA-D89D-DF39D8DCF18C}"/>
             </a:ext>
           </a:extLst>
         </p:cNvPr>
@@ -772,7 +774,7 @@
           <p:cNvPr id="2" name="Slide Image Placeholder 1">
             <a:extLst>
               <a:ext uri="{FF2B5EF4-FFF2-40B4-BE49-F238E27FC236}">
-                <a16:creationId xmlns:a16="http://schemas.microsoft.com/office/drawing/2014/main" id="{42B8CF6D-09DF-EEB2-EA78-950A6A7A6663}"/>
+                <a16:creationId xmlns:a16="http://schemas.microsoft.com/office/drawing/2014/main" id="{45F2027B-36B5-32EE-B9F6-30EE96F56F7E}"/>
               </a:ext>
             </a:extLst>
           </p:cNvPr>
@@ -795,7 +797,7 @@
           <p:cNvPr id="3" name="Notes Placeholder 2">
             <a:extLst>
               <a:ext uri="{FF2B5EF4-FFF2-40B4-BE49-F238E27FC236}">
-                <a16:creationId xmlns:a16="http://schemas.microsoft.com/office/drawing/2014/main" id="{ACF971B9-DB1F-5A7C-8259-040CA59C2A8C}"/>
+                <a16:creationId xmlns:a16="http://schemas.microsoft.com/office/drawing/2014/main" id="{A17D1695-7288-20ED-3A0E-80A767E04952}"/>
               </a:ext>
             </a:extLst>
           </p:cNvPr>
@@ -818,7 +820,7 @@
     </p:spTree>
     <p:extLst>
       <p:ext uri="{BB962C8B-B14F-4D97-AF65-F5344CB8AC3E}">
-        <p14:creationId xmlns:p14="http://schemas.microsoft.com/office/powerpoint/2010/main" val="3130025656"/>
+        <p14:creationId xmlns:p14="http://schemas.microsoft.com/office/powerpoint/2010/main" val="1391009701"/>
       </p:ext>
     </p:extLst>
   </p:cSld>
@@ -833,7 +835,13 @@
   <p:cSld>
     <p:spTree>
       <p:nvGrpSpPr>
-        <p:cNvPr id="1" name=""/>
+        <p:cNvPr id="1" name="">
+          <a:extLst>
+            <a:ext uri="{FF2B5EF4-FFF2-40B4-BE49-F238E27FC236}">
+              <a16:creationId xmlns:a16="http://schemas.microsoft.com/office/drawing/2014/main" id="{52F194C9-8460-B0ED-3FA6-1B52DEB1AF45}"/>
+            </a:ext>
+          </a:extLst>
+        </p:cNvPr>
         <p:cNvGrpSpPr/>
         <p:nvPr/>
       </p:nvGrpSpPr>
@@ -847,7 +855,13 @@
       </p:grpSpPr>
       <p:sp>
         <p:nvSpPr>
-          <p:cNvPr id="2" name="Slide Image Placeholder 1"/>
+          <p:cNvPr id="2" name="Slide Image Placeholder 1">
+            <a:extLst>
+              <a:ext uri="{FF2B5EF4-FFF2-40B4-BE49-F238E27FC236}">
+                <a16:creationId xmlns:a16="http://schemas.microsoft.com/office/drawing/2014/main" id="{2400497B-847D-934B-8184-374A5C7C4D8B}"/>
+              </a:ext>
+            </a:extLst>
+          </p:cNvPr>
           <p:cNvSpPr>
             <a:spLocks noGrp="1" noRot="1" noChangeAspect="1"/>
           </p:cNvSpPr>
@@ -864,7 +878,13 @@
       </p:sp>
       <p:sp>
         <p:nvSpPr>
-          <p:cNvPr id="3" name="Notes Placeholder 2"/>
+          <p:cNvPr id="3" name="Notes Placeholder 2">
+            <a:extLst>
+              <a:ext uri="{FF2B5EF4-FFF2-40B4-BE49-F238E27FC236}">
+                <a16:creationId xmlns:a16="http://schemas.microsoft.com/office/drawing/2014/main" id="{3E842757-7EDB-FFB3-FC75-59622B22364D}"/>
+              </a:ext>
+            </a:extLst>
+          </p:cNvPr>
           <p:cNvSpPr>
             <a:spLocks noGrp="1"/>
           </p:cNvSpPr>
@@ -884,7 +904,7 @@
     </p:spTree>
     <p:extLst>
       <p:ext uri="{BB962C8B-B14F-4D97-AF65-F5344CB8AC3E}">
-        <p14:creationId xmlns:p14="http://schemas.microsoft.com/office/powerpoint/2010/main" val="2260697061"/>
+        <p14:creationId xmlns:p14="http://schemas.microsoft.com/office/powerpoint/2010/main" val="255304620"/>
       </p:ext>
     </p:extLst>
   </p:cSld>
@@ -902,7 +922,7 @@
         <p:cNvPr id="1" name="">
           <a:extLst>
             <a:ext uri="{FF2B5EF4-FFF2-40B4-BE49-F238E27FC236}">
-              <a16:creationId xmlns:a16="http://schemas.microsoft.com/office/drawing/2014/main" id="{EF3EAA20-F89A-2EA6-2A97-17D78BCDE23D}"/>
+              <a16:creationId xmlns:a16="http://schemas.microsoft.com/office/drawing/2014/main" id="{93A3B268-F4BB-93CA-AEF4-D2B8F2841BA4}"/>
             </a:ext>
           </a:extLst>
         </p:cNvPr>
@@ -922,7 +942,7 @@
           <p:cNvPr id="2" name="Slide Image Placeholder 1">
             <a:extLst>
               <a:ext uri="{FF2B5EF4-FFF2-40B4-BE49-F238E27FC236}">
-                <a16:creationId xmlns:a16="http://schemas.microsoft.com/office/drawing/2014/main" id="{AB147D29-A323-18FE-9F78-3449AB24857B}"/>
+                <a16:creationId xmlns:a16="http://schemas.microsoft.com/office/drawing/2014/main" id="{42B8CF6D-09DF-EEB2-EA78-950A6A7A6663}"/>
               </a:ext>
             </a:extLst>
           </p:cNvPr>
@@ -945,7 +965,7 @@
           <p:cNvPr id="3" name="Notes Placeholder 2">
             <a:extLst>
               <a:ext uri="{FF2B5EF4-FFF2-40B4-BE49-F238E27FC236}">
-                <a16:creationId xmlns:a16="http://schemas.microsoft.com/office/drawing/2014/main" id="{1DB22318-CAAB-4475-A580-55AD8D864BD3}"/>
+                <a16:creationId xmlns:a16="http://schemas.microsoft.com/office/drawing/2014/main" id="{ACF971B9-DB1F-5A7C-8259-040CA59C2A8C}"/>
               </a:ext>
             </a:extLst>
           </p:cNvPr>
@@ -968,7 +988,7 @@
     </p:spTree>
     <p:extLst>
       <p:ext uri="{BB962C8B-B14F-4D97-AF65-F5344CB8AC3E}">
-        <p14:creationId xmlns:p14="http://schemas.microsoft.com/office/powerpoint/2010/main" val="2921865165"/>
+        <p14:creationId xmlns:p14="http://schemas.microsoft.com/office/powerpoint/2010/main" val="3130025656"/>
       </p:ext>
     </p:extLst>
   </p:cSld>
@@ -1027,6 +1047,156 @@
           <a:bodyPr/>
           <a:lstStyle/>
           <a:p>
+            <a:endParaRPr lang="en-RU" dirty="0"/>
+          </a:p>
+        </p:txBody>
+      </p:sp>
+    </p:spTree>
+    <p:extLst>
+      <p:ext uri="{BB962C8B-B14F-4D97-AF65-F5344CB8AC3E}">
+        <p14:creationId xmlns:p14="http://schemas.microsoft.com/office/powerpoint/2010/main" val="2260697061"/>
+      </p:ext>
+    </p:extLst>
+  </p:cSld>
+  <p:clrMapOvr>
+    <a:masterClrMapping/>
+  </p:clrMapOvr>
+</p:notes>
+</file>
+
+<file path=ppt/notesSlides/notesSlide14.xml><?xml version="1.0" encoding="utf-8"?>
+<p:notes xmlns:a="http://schemas.openxmlformats.org/drawingml/2006/main" xmlns:r="http://schemas.openxmlformats.org/officeDocument/2006/relationships" xmlns:p="http://schemas.openxmlformats.org/presentationml/2006/main">
+  <p:cSld>
+    <p:spTree>
+      <p:nvGrpSpPr>
+        <p:cNvPr id="1" name="">
+          <a:extLst>
+            <a:ext uri="{FF2B5EF4-FFF2-40B4-BE49-F238E27FC236}">
+              <a16:creationId xmlns:a16="http://schemas.microsoft.com/office/drawing/2014/main" id="{EF3EAA20-F89A-2EA6-2A97-17D78BCDE23D}"/>
+            </a:ext>
+          </a:extLst>
+        </p:cNvPr>
+        <p:cNvGrpSpPr/>
+        <p:nvPr/>
+      </p:nvGrpSpPr>
+      <p:grpSpPr>
+        <a:xfrm>
+          <a:off x="0" y="0"/>
+          <a:ext cx="0" cy="0"/>
+          <a:chOff x="0" y="0"/>
+          <a:chExt cx="0" cy="0"/>
+        </a:xfrm>
+      </p:grpSpPr>
+      <p:sp>
+        <p:nvSpPr>
+          <p:cNvPr id="2" name="Slide Image Placeholder 1">
+            <a:extLst>
+              <a:ext uri="{FF2B5EF4-FFF2-40B4-BE49-F238E27FC236}">
+                <a16:creationId xmlns:a16="http://schemas.microsoft.com/office/drawing/2014/main" id="{AB147D29-A323-18FE-9F78-3449AB24857B}"/>
+              </a:ext>
+            </a:extLst>
+          </p:cNvPr>
+          <p:cNvSpPr>
+            <a:spLocks noGrp="1" noRot="1" noChangeAspect="1"/>
+          </p:cNvSpPr>
+          <p:nvPr>
+            <p:ph type="sldImg"/>
+          </p:nvPr>
+        </p:nvSpPr>
+        <p:spPr>
+          <a:xfrm>
+            <a:off x="685800" y="1143000"/>
+            <a:ext cx="5486400" cy="3086100"/>
+          </a:xfrm>
+        </p:spPr>
+      </p:sp>
+      <p:sp>
+        <p:nvSpPr>
+          <p:cNvPr id="3" name="Notes Placeholder 2">
+            <a:extLst>
+              <a:ext uri="{FF2B5EF4-FFF2-40B4-BE49-F238E27FC236}">
+                <a16:creationId xmlns:a16="http://schemas.microsoft.com/office/drawing/2014/main" id="{1DB22318-CAAB-4475-A580-55AD8D864BD3}"/>
+              </a:ext>
+            </a:extLst>
+          </p:cNvPr>
+          <p:cNvSpPr>
+            <a:spLocks noGrp="1"/>
+          </p:cNvSpPr>
+          <p:nvPr>
+            <p:ph type="body" idx="1"/>
+          </p:nvPr>
+        </p:nvSpPr>
+        <p:spPr/>
+        <p:txBody>
+          <a:bodyPr/>
+          <a:lstStyle/>
+          <a:p>
+            <a:endParaRPr lang="en-RU" dirty="0"/>
+          </a:p>
+        </p:txBody>
+      </p:sp>
+    </p:spTree>
+    <p:extLst>
+      <p:ext uri="{BB962C8B-B14F-4D97-AF65-F5344CB8AC3E}">
+        <p14:creationId xmlns:p14="http://schemas.microsoft.com/office/powerpoint/2010/main" val="2921865165"/>
+      </p:ext>
+    </p:extLst>
+  </p:cSld>
+  <p:clrMapOvr>
+    <a:masterClrMapping/>
+  </p:clrMapOvr>
+</p:notes>
+</file>
+
+<file path=ppt/notesSlides/notesSlide15.xml><?xml version="1.0" encoding="utf-8"?>
+<p:notes xmlns:a="http://schemas.openxmlformats.org/drawingml/2006/main" xmlns:r="http://schemas.openxmlformats.org/officeDocument/2006/relationships" xmlns:p="http://schemas.openxmlformats.org/presentationml/2006/main">
+  <p:cSld>
+    <p:spTree>
+      <p:nvGrpSpPr>
+        <p:cNvPr id="1" name=""/>
+        <p:cNvGrpSpPr/>
+        <p:nvPr/>
+      </p:nvGrpSpPr>
+      <p:grpSpPr>
+        <a:xfrm>
+          <a:off x="0" y="0"/>
+          <a:ext cx="0" cy="0"/>
+          <a:chOff x="0" y="0"/>
+          <a:chExt cx="0" cy="0"/>
+        </a:xfrm>
+      </p:grpSpPr>
+      <p:sp>
+        <p:nvSpPr>
+          <p:cNvPr id="2" name="Slide Image Placeholder 1"/>
+          <p:cNvSpPr>
+            <a:spLocks noGrp="1" noRot="1" noChangeAspect="1"/>
+          </p:cNvSpPr>
+          <p:nvPr>
+            <p:ph type="sldImg"/>
+          </p:nvPr>
+        </p:nvSpPr>
+        <p:spPr>
+          <a:xfrm>
+            <a:off x="685800" y="1143000"/>
+            <a:ext cx="5486400" cy="3086100"/>
+          </a:xfrm>
+        </p:spPr>
+      </p:sp>
+      <p:sp>
+        <p:nvSpPr>
+          <p:cNvPr id="3" name="Notes Placeholder 2"/>
+          <p:cNvSpPr>
+            <a:spLocks noGrp="1"/>
+          </p:cNvSpPr>
+          <p:nvPr>
+            <p:ph type="body" idx="1"/>
+          </p:nvPr>
+        </p:nvSpPr>
+        <p:spPr/>
+        <p:txBody>
+          <a:bodyPr/>
+          <a:lstStyle/>
+          <a:p>
             <a:endParaRPr lang="en-RU"/>
           </a:p>
         </p:txBody>
@@ -1044,7 +1214,7 @@
 </p:notes>
 </file>
 
-<file path=ppt/notesSlides/notesSlide14.xml><?xml version="1.0" encoding="utf-8"?>
+<file path=ppt/notesSlides/notesSlide16.xml><?xml version="1.0" encoding="utf-8"?>
 <p:notes xmlns:a="http://schemas.openxmlformats.org/drawingml/2006/main" xmlns:r="http://schemas.openxmlformats.org/officeDocument/2006/relationships" xmlns:p="http://schemas.openxmlformats.org/presentationml/2006/main">
   <p:cSld>
     <p:spTree>
@@ -1128,7 +1298,7 @@
 </p:notes>
 </file>
 
-<file path=ppt/notesSlides/notesSlide15.xml><?xml version="1.0" encoding="utf-8"?>
+<file path=ppt/notesSlides/notesSlide17.xml><?xml version="1.0" encoding="utf-8"?>
 <p:notes xmlns:a="http://schemas.openxmlformats.org/drawingml/2006/main" xmlns:r="http://schemas.openxmlformats.org/officeDocument/2006/relationships" xmlns:p="http://schemas.openxmlformats.org/presentationml/2006/main">
   <p:cSld>
     <p:spTree>
@@ -1212,7 +1382,7 @@
 </p:notes>
 </file>
 
-<file path=ppt/notesSlides/notesSlide16.xml><?xml version="1.0" encoding="utf-8"?>
+<file path=ppt/notesSlides/notesSlide18.xml><?xml version="1.0" encoding="utf-8"?>
 <p:notes xmlns:a="http://schemas.openxmlformats.org/drawingml/2006/main" xmlns:r="http://schemas.openxmlformats.org/officeDocument/2006/relationships" xmlns:p="http://schemas.openxmlformats.org/presentationml/2006/main">
   <p:cSld>
     <p:spTree>
@@ -1296,7 +1466,7 @@
 </p:notes>
 </file>
 
-<file path=ppt/notesSlides/notesSlide17.xml><?xml version="1.0" encoding="utf-8"?>
+<file path=ppt/notesSlides/notesSlide19.xml><?xml version="1.0" encoding="utf-8"?>
 <p:notes xmlns:a="http://schemas.openxmlformats.org/drawingml/2006/main" xmlns:r="http://schemas.openxmlformats.org/officeDocument/2006/relationships" xmlns:p="http://schemas.openxmlformats.org/presentationml/2006/main">
   <p:cSld>
     <p:spTree>
@@ -1520,7 +1690,7 @@
         <p:cNvPr id="1" name="">
           <a:extLst>
             <a:ext uri="{FF2B5EF4-FFF2-40B4-BE49-F238E27FC236}">
-              <a16:creationId xmlns:a16="http://schemas.microsoft.com/office/drawing/2014/main" id="{5713BE22-C22E-8B73-E2A0-1E4E02BE8462}"/>
+              <a16:creationId xmlns:a16="http://schemas.microsoft.com/office/drawing/2014/main" id="{2BF7A133-E4FD-9B33-7811-BC7FF55C0B7A}"/>
             </a:ext>
           </a:extLst>
         </p:cNvPr>
@@ -1540,7 +1710,7 @@
           <p:cNvPr id="2" name="Образ слайда 1">
             <a:extLst>
               <a:ext uri="{FF2B5EF4-FFF2-40B4-BE49-F238E27FC236}">
-                <a16:creationId xmlns:a16="http://schemas.microsoft.com/office/drawing/2014/main" id="{EDE5ADE1-E701-D5AF-3A58-88947444352C}"/>
+                <a16:creationId xmlns:a16="http://schemas.microsoft.com/office/drawing/2014/main" id="{768BFB64-7978-4F8D-51AD-12130AEE0C53}"/>
               </a:ext>
             </a:extLst>
           </p:cNvPr>
@@ -1563,7 +1733,7 @@
           <p:cNvPr id="3" name="Заметки 2">
             <a:extLst>
               <a:ext uri="{FF2B5EF4-FFF2-40B4-BE49-F238E27FC236}">
-                <a16:creationId xmlns:a16="http://schemas.microsoft.com/office/drawing/2014/main" id="{3FD53E17-75FE-A68A-72B9-F66D20F336AA}"/>
+                <a16:creationId xmlns:a16="http://schemas.microsoft.com/office/drawing/2014/main" id="{406C15EB-D56E-2DED-8AB8-788F340240F5}"/>
               </a:ext>
             </a:extLst>
           </p:cNvPr>
@@ -1586,7 +1756,7 @@
     </p:spTree>
     <p:extLst>
       <p:ext uri="{BB962C8B-B14F-4D97-AF65-F5344CB8AC3E}">
-        <p14:creationId xmlns:p14="http://schemas.microsoft.com/office/powerpoint/2010/main" val="792504796"/>
+        <p14:creationId xmlns:p14="http://schemas.microsoft.com/office/powerpoint/2010/main" val="2392399640"/>
       </p:ext>
     </p:extLst>
   </p:cSld>
@@ -1604,7 +1774,7 @@
         <p:cNvPr id="1" name="">
           <a:extLst>
             <a:ext uri="{FF2B5EF4-FFF2-40B4-BE49-F238E27FC236}">
-              <a16:creationId xmlns:a16="http://schemas.microsoft.com/office/drawing/2014/main" id="{7A692722-ED2E-E613-F017-E197BB442114}"/>
+              <a16:creationId xmlns:a16="http://schemas.microsoft.com/office/drawing/2014/main" id="{5713BE22-C22E-8B73-E2A0-1E4E02BE8462}"/>
             </a:ext>
           </a:extLst>
         </p:cNvPr>
@@ -1624,7 +1794,7 @@
           <p:cNvPr id="2" name="Образ слайда 1">
             <a:extLst>
               <a:ext uri="{FF2B5EF4-FFF2-40B4-BE49-F238E27FC236}">
-                <a16:creationId xmlns:a16="http://schemas.microsoft.com/office/drawing/2014/main" id="{2D32F3A0-004C-71E6-7BC1-3200266874FC}"/>
+                <a16:creationId xmlns:a16="http://schemas.microsoft.com/office/drawing/2014/main" id="{EDE5ADE1-E701-D5AF-3A58-88947444352C}"/>
               </a:ext>
             </a:extLst>
           </p:cNvPr>
@@ -1647,7 +1817,7 @@
           <p:cNvPr id="3" name="Заметки 2">
             <a:extLst>
               <a:ext uri="{FF2B5EF4-FFF2-40B4-BE49-F238E27FC236}">
-                <a16:creationId xmlns:a16="http://schemas.microsoft.com/office/drawing/2014/main" id="{BED7D7CD-7210-B2A6-0A9D-E73D1137EA75}"/>
+                <a16:creationId xmlns:a16="http://schemas.microsoft.com/office/drawing/2014/main" id="{3FD53E17-75FE-A68A-72B9-F66D20F336AA}"/>
               </a:ext>
             </a:extLst>
           </p:cNvPr>
@@ -1670,7 +1840,7 @@
     </p:spTree>
     <p:extLst>
       <p:ext uri="{BB962C8B-B14F-4D97-AF65-F5344CB8AC3E}">
-        <p14:creationId xmlns:p14="http://schemas.microsoft.com/office/powerpoint/2010/main" val="702408159"/>
+        <p14:creationId xmlns:p14="http://schemas.microsoft.com/office/powerpoint/2010/main" val="792504796"/>
       </p:ext>
     </p:extLst>
   </p:cSld>
@@ -1681,6 +1851,174 @@
 </file>
 
 <file path=ppt/notesSlides/notesSlide6.xml><?xml version="1.0" encoding="utf-8"?>
+<p:notes xmlns:a="http://schemas.openxmlformats.org/drawingml/2006/main" xmlns:r="http://schemas.openxmlformats.org/officeDocument/2006/relationships" xmlns:p="http://schemas.openxmlformats.org/presentationml/2006/main">
+  <p:cSld>
+    <p:spTree>
+      <p:nvGrpSpPr>
+        <p:cNvPr id="1" name="">
+          <a:extLst>
+            <a:ext uri="{FF2B5EF4-FFF2-40B4-BE49-F238E27FC236}">
+              <a16:creationId xmlns:a16="http://schemas.microsoft.com/office/drawing/2014/main" id="{C2365949-7FCD-F5A2-9664-4C4A0A0B0760}"/>
+            </a:ext>
+          </a:extLst>
+        </p:cNvPr>
+        <p:cNvGrpSpPr/>
+        <p:nvPr/>
+      </p:nvGrpSpPr>
+      <p:grpSpPr>
+        <a:xfrm>
+          <a:off x="0" y="0"/>
+          <a:ext cx="0" cy="0"/>
+          <a:chOff x="0" y="0"/>
+          <a:chExt cx="0" cy="0"/>
+        </a:xfrm>
+      </p:grpSpPr>
+      <p:sp>
+        <p:nvSpPr>
+          <p:cNvPr id="2" name="Образ слайда 1">
+            <a:extLst>
+              <a:ext uri="{FF2B5EF4-FFF2-40B4-BE49-F238E27FC236}">
+                <a16:creationId xmlns:a16="http://schemas.microsoft.com/office/drawing/2014/main" id="{221ACE63-D0A6-DCA9-8A59-D80EF2FF1638}"/>
+              </a:ext>
+            </a:extLst>
+          </p:cNvPr>
+          <p:cNvSpPr>
+            <a:spLocks noGrp="1" noRot="1" noChangeAspect="1"/>
+          </p:cNvSpPr>
+          <p:nvPr>
+            <p:ph type="sldImg"/>
+          </p:nvPr>
+        </p:nvSpPr>
+        <p:spPr>
+          <a:xfrm>
+            <a:off x="685800" y="1143000"/>
+            <a:ext cx="5486400" cy="3086100"/>
+          </a:xfrm>
+        </p:spPr>
+      </p:sp>
+      <p:sp>
+        <p:nvSpPr>
+          <p:cNvPr id="3" name="Заметки 2">
+            <a:extLst>
+              <a:ext uri="{FF2B5EF4-FFF2-40B4-BE49-F238E27FC236}">
+                <a16:creationId xmlns:a16="http://schemas.microsoft.com/office/drawing/2014/main" id="{10260B63-0DD3-5ED9-E006-054D2994CB6C}"/>
+              </a:ext>
+            </a:extLst>
+          </p:cNvPr>
+          <p:cNvSpPr>
+            <a:spLocks noGrp="1"/>
+          </p:cNvSpPr>
+          <p:nvPr>
+            <p:ph type="body" idx="1"/>
+          </p:nvPr>
+        </p:nvSpPr>
+        <p:spPr/>
+        <p:txBody>
+          <a:bodyPr/>
+          <a:lstStyle/>
+          <a:p>
+            <a:endParaRPr lang="ru-RU"/>
+          </a:p>
+        </p:txBody>
+      </p:sp>
+    </p:spTree>
+    <p:extLst>
+      <p:ext uri="{BB962C8B-B14F-4D97-AF65-F5344CB8AC3E}">
+        <p14:creationId xmlns:p14="http://schemas.microsoft.com/office/powerpoint/2010/main" val="3599155790"/>
+      </p:ext>
+    </p:extLst>
+  </p:cSld>
+  <p:clrMapOvr>
+    <a:masterClrMapping/>
+  </p:clrMapOvr>
+</p:notes>
+</file>
+
+<file path=ppt/notesSlides/notesSlide7.xml><?xml version="1.0" encoding="utf-8"?>
+<p:notes xmlns:a="http://schemas.openxmlformats.org/drawingml/2006/main" xmlns:r="http://schemas.openxmlformats.org/officeDocument/2006/relationships" xmlns:p="http://schemas.openxmlformats.org/presentationml/2006/main">
+  <p:cSld>
+    <p:spTree>
+      <p:nvGrpSpPr>
+        <p:cNvPr id="1" name="">
+          <a:extLst>
+            <a:ext uri="{FF2B5EF4-FFF2-40B4-BE49-F238E27FC236}">
+              <a16:creationId xmlns:a16="http://schemas.microsoft.com/office/drawing/2014/main" id="{45736D2B-A9B8-45F5-A187-EF0B456CC493}"/>
+            </a:ext>
+          </a:extLst>
+        </p:cNvPr>
+        <p:cNvGrpSpPr/>
+        <p:nvPr/>
+      </p:nvGrpSpPr>
+      <p:grpSpPr>
+        <a:xfrm>
+          <a:off x="0" y="0"/>
+          <a:ext cx="0" cy="0"/>
+          <a:chOff x="0" y="0"/>
+          <a:chExt cx="0" cy="0"/>
+        </a:xfrm>
+      </p:grpSpPr>
+      <p:sp>
+        <p:nvSpPr>
+          <p:cNvPr id="2" name="Образ слайда 1">
+            <a:extLst>
+              <a:ext uri="{FF2B5EF4-FFF2-40B4-BE49-F238E27FC236}">
+                <a16:creationId xmlns:a16="http://schemas.microsoft.com/office/drawing/2014/main" id="{31620646-071D-6EAA-6C05-9E56D73AA441}"/>
+              </a:ext>
+            </a:extLst>
+          </p:cNvPr>
+          <p:cNvSpPr>
+            <a:spLocks noGrp="1" noRot="1" noChangeAspect="1"/>
+          </p:cNvSpPr>
+          <p:nvPr>
+            <p:ph type="sldImg"/>
+          </p:nvPr>
+        </p:nvSpPr>
+        <p:spPr>
+          <a:xfrm>
+            <a:off x="685800" y="1143000"/>
+            <a:ext cx="5486400" cy="3086100"/>
+          </a:xfrm>
+        </p:spPr>
+      </p:sp>
+      <p:sp>
+        <p:nvSpPr>
+          <p:cNvPr id="3" name="Заметки 2">
+            <a:extLst>
+              <a:ext uri="{FF2B5EF4-FFF2-40B4-BE49-F238E27FC236}">
+                <a16:creationId xmlns:a16="http://schemas.microsoft.com/office/drawing/2014/main" id="{1D0A6D37-88D9-420E-B09D-5182CEFFD3A0}"/>
+              </a:ext>
+            </a:extLst>
+          </p:cNvPr>
+          <p:cNvSpPr>
+            <a:spLocks noGrp="1"/>
+          </p:cNvSpPr>
+          <p:nvPr>
+            <p:ph type="body" idx="1"/>
+          </p:nvPr>
+        </p:nvSpPr>
+        <p:spPr/>
+        <p:txBody>
+          <a:bodyPr/>
+          <a:lstStyle/>
+          <a:p>
+            <a:endParaRPr lang="ru-RU"/>
+          </a:p>
+        </p:txBody>
+      </p:sp>
+    </p:spTree>
+    <p:extLst>
+      <p:ext uri="{BB962C8B-B14F-4D97-AF65-F5344CB8AC3E}">
+        <p14:creationId xmlns:p14="http://schemas.microsoft.com/office/powerpoint/2010/main" val="298930153"/>
+      </p:ext>
+    </p:extLst>
+  </p:cSld>
+  <p:clrMapOvr>
+    <a:masterClrMapping/>
+  </p:clrMapOvr>
+</p:notes>
+</file>
+
+<file path=ppt/notesSlides/notesSlide8.xml><?xml version="1.0" encoding="utf-8"?>
 <p:notes xmlns:a="http://schemas.openxmlformats.org/drawingml/2006/main" xmlns:r="http://schemas.openxmlformats.org/officeDocument/2006/relationships" xmlns:p="http://schemas.openxmlformats.org/presentationml/2006/main">
   <p:cSld>
     <p:spTree>
@@ -1764,7 +2102,7 @@
 </p:notes>
 </file>
 
-<file path=ppt/notesSlides/notesSlide7.xml><?xml version="1.0" encoding="utf-8"?>
+<file path=ppt/notesSlides/notesSlide9.xml><?xml version="1.0" encoding="utf-8"?>
 <p:notes xmlns:a="http://schemas.openxmlformats.org/drawingml/2006/main" xmlns:r="http://schemas.openxmlformats.org/officeDocument/2006/relationships" xmlns:p="http://schemas.openxmlformats.org/presentationml/2006/main">
   <p:cSld>
     <p:spTree>
@@ -1839,174 +2177,6 @@
     <p:extLst>
       <p:ext uri="{BB962C8B-B14F-4D97-AF65-F5344CB8AC3E}">
         <p14:creationId xmlns:p14="http://schemas.microsoft.com/office/powerpoint/2010/main" val="348835309"/>
-      </p:ext>
-    </p:extLst>
-  </p:cSld>
-  <p:clrMapOvr>
-    <a:masterClrMapping/>
-  </p:clrMapOvr>
-</p:notes>
-</file>
-
-<file path=ppt/notesSlides/notesSlide8.xml><?xml version="1.0" encoding="utf-8"?>
-<p:notes xmlns:a="http://schemas.openxmlformats.org/drawingml/2006/main" xmlns:r="http://schemas.openxmlformats.org/officeDocument/2006/relationships" xmlns:p="http://schemas.openxmlformats.org/presentationml/2006/main">
-  <p:cSld>
-    <p:spTree>
-      <p:nvGrpSpPr>
-        <p:cNvPr id="1" name="">
-          <a:extLst>
-            <a:ext uri="{FF2B5EF4-FFF2-40B4-BE49-F238E27FC236}">
-              <a16:creationId xmlns:a16="http://schemas.microsoft.com/office/drawing/2014/main" id="{0C83FD92-5563-B9BA-D89D-DF39D8DCF18C}"/>
-            </a:ext>
-          </a:extLst>
-        </p:cNvPr>
-        <p:cNvGrpSpPr/>
-        <p:nvPr/>
-      </p:nvGrpSpPr>
-      <p:grpSpPr>
-        <a:xfrm>
-          <a:off x="0" y="0"/>
-          <a:ext cx="0" cy="0"/>
-          <a:chOff x="0" y="0"/>
-          <a:chExt cx="0" cy="0"/>
-        </a:xfrm>
-      </p:grpSpPr>
-      <p:sp>
-        <p:nvSpPr>
-          <p:cNvPr id="2" name="Slide Image Placeholder 1">
-            <a:extLst>
-              <a:ext uri="{FF2B5EF4-FFF2-40B4-BE49-F238E27FC236}">
-                <a16:creationId xmlns:a16="http://schemas.microsoft.com/office/drawing/2014/main" id="{45F2027B-36B5-32EE-B9F6-30EE96F56F7E}"/>
-              </a:ext>
-            </a:extLst>
-          </p:cNvPr>
-          <p:cNvSpPr>
-            <a:spLocks noGrp="1" noRot="1" noChangeAspect="1"/>
-          </p:cNvSpPr>
-          <p:nvPr>
-            <p:ph type="sldImg"/>
-          </p:nvPr>
-        </p:nvSpPr>
-        <p:spPr>
-          <a:xfrm>
-            <a:off x="685800" y="1143000"/>
-            <a:ext cx="5486400" cy="3086100"/>
-          </a:xfrm>
-        </p:spPr>
-      </p:sp>
-      <p:sp>
-        <p:nvSpPr>
-          <p:cNvPr id="3" name="Notes Placeholder 2">
-            <a:extLst>
-              <a:ext uri="{FF2B5EF4-FFF2-40B4-BE49-F238E27FC236}">
-                <a16:creationId xmlns:a16="http://schemas.microsoft.com/office/drawing/2014/main" id="{A17D1695-7288-20ED-3A0E-80A767E04952}"/>
-              </a:ext>
-            </a:extLst>
-          </p:cNvPr>
-          <p:cNvSpPr>
-            <a:spLocks noGrp="1"/>
-          </p:cNvSpPr>
-          <p:nvPr>
-            <p:ph type="body" idx="1"/>
-          </p:nvPr>
-        </p:nvSpPr>
-        <p:spPr/>
-        <p:txBody>
-          <a:bodyPr/>
-          <a:lstStyle/>
-          <a:p>
-            <a:endParaRPr lang="en-RU" dirty="0"/>
-          </a:p>
-        </p:txBody>
-      </p:sp>
-    </p:spTree>
-    <p:extLst>
-      <p:ext uri="{BB962C8B-B14F-4D97-AF65-F5344CB8AC3E}">
-        <p14:creationId xmlns:p14="http://schemas.microsoft.com/office/powerpoint/2010/main" val="1391009701"/>
-      </p:ext>
-    </p:extLst>
-  </p:cSld>
-  <p:clrMapOvr>
-    <a:masterClrMapping/>
-  </p:clrMapOvr>
-</p:notes>
-</file>
-
-<file path=ppt/notesSlides/notesSlide9.xml><?xml version="1.0" encoding="utf-8"?>
-<p:notes xmlns:a="http://schemas.openxmlformats.org/drawingml/2006/main" xmlns:r="http://schemas.openxmlformats.org/officeDocument/2006/relationships" xmlns:p="http://schemas.openxmlformats.org/presentationml/2006/main">
-  <p:cSld>
-    <p:spTree>
-      <p:nvGrpSpPr>
-        <p:cNvPr id="1" name="">
-          <a:extLst>
-            <a:ext uri="{FF2B5EF4-FFF2-40B4-BE49-F238E27FC236}">
-              <a16:creationId xmlns:a16="http://schemas.microsoft.com/office/drawing/2014/main" id="{52F194C9-8460-B0ED-3FA6-1B52DEB1AF45}"/>
-            </a:ext>
-          </a:extLst>
-        </p:cNvPr>
-        <p:cNvGrpSpPr/>
-        <p:nvPr/>
-      </p:nvGrpSpPr>
-      <p:grpSpPr>
-        <a:xfrm>
-          <a:off x="0" y="0"/>
-          <a:ext cx="0" cy="0"/>
-          <a:chOff x="0" y="0"/>
-          <a:chExt cx="0" cy="0"/>
-        </a:xfrm>
-      </p:grpSpPr>
-      <p:sp>
-        <p:nvSpPr>
-          <p:cNvPr id="2" name="Slide Image Placeholder 1">
-            <a:extLst>
-              <a:ext uri="{FF2B5EF4-FFF2-40B4-BE49-F238E27FC236}">
-                <a16:creationId xmlns:a16="http://schemas.microsoft.com/office/drawing/2014/main" id="{2400497B-847D-934B-8184-374A5C7C4D8B}"/>
-              </a:ext>
-            </a:extLst>
-          </p:cNvPr>
-          <p:cNvSpPr>
-            <a:spLocks noGrp="1" noRot="1" noChangeAspect="1"/>
-          </p:cNvSpPr>
-          <p:nvPr>
-            <p:ph type="sldImg"/>
-          </p:nvPr>
-        </p:nvSpPr>
-        <p:spPr>
-          <a:xfrm>
-            <a:off x="685800" y="1143000"/>
-            <a:ext cx="5486400" cy="3086100"/>
-          </a:xfrm>
-        </p:spPr>
-      </p:sp>
-      <p:sp>
-        <p:nvSpPr>
-          <p:cNvPr id="3" name="Notes Placeholder 2">
-            <a:extLst>
-              <a:ext uri="{FF2B5EF4-FFF2-40B4-BE49-F238E27FC236}">
-                <a16:creationId xmlns:a16="http://schemas.microsoft.com/office/drawing/2014/main" id="{3E842757-7EDB-FFB3-FC75-59622B22364D}"/>
-              </a:ext>
-            </a:extLst>
-          </p:cNvPr>
-          <p:cNvSpPr>
-            <a:spLocks noGrp="1"/>
-          </p:cNvSpPr>
-          <p:nvPr>
-            <p:ph type="body" idx="1"/>
-          </p:nvPr>
-        </p:nvSpPr>
-        <p:spPr/>
-        <p:txBody>
-          <a:bodyPr/>
-          <a:lstStyle/>
-          <a:p>
-            <a:endParaRPr lang="en-RU" dirty="0"/>
-          </a:p>
-        </p:txBody>
-      </p:sp>
-    </p:spTree>
-    <p:extLst>
-      <p:ext uri="{BB962C8B-B14F-4D97-AF65-F5344CB8AC3E}">
-        <p14:creationId xmlns:p14="http://schemas.microsoft.com/office/powerpoint/2010/main" val="255304620"/>
       </p:ext>
     </p:extLst>
   </p:cSld>
@@ -5392,6 +5562,709 @@
         <p:cNvPr id="1" name="">
           <a:extLst>
             <a:ext uri="{FF2B5EF4-FFF2-40B4-BE49-F238E27FC236}">
+              <a16:creationId xmlns:a16="http://schemas.microsoft.com/office/drawing/2014/main" id="{B2673FFB-E80D-94A2-3D3C-A1C04C83D041}"/>
+            </a:ext>
+          </a:extLst>
+        </p:cNvPr>
+        <p:cNvGrpSpPr/>
+        <p:nvPr/>
+      </p:nvGrpSpPr>
+      <p:grpSpPr>
+        <a:xfrm>
+          <a:off x="0" y="0"/>
+          <a:ext cx="0" cy="0"/>
+          <a:chOff x="0" y="0"/>
+          <a:chExt cx="0" cy="0"/>
+        </a:xfrm>
+      </p:grpSpPr>
+      <p:sp>
+        <p:nvSpPr>
+          <p:cNvPr id="13" name="TextBox 12">
+            <a:extLst>
+              <a:ext uri="{FF2B5EF4-FFF2-40B4-BE49-F238E27FC236}">
+                <a16:creationId xmlns:a16="http://schemas.microsoft.com/office/drawing/2014/main" id="{D88395EB-C05A-3642-38A6-5FCC516D7D1C}"/>
+              </a:ext>
+            </a:extLst>
+          </p:cNvPr>
+          <p:cNvSpPr txBox="1"/>
+          <p:nvPr/>
+        </p:nvSpPr>
+        <p:spPr>
+          <a:xfrm>
+            <a:off x="1031632" y="747129"/>
+            <a:ext cx="10322168" cy="658297"/>
+          </a:xfrm>
+          <a:prstGeom prst="rect">
+            <a:avLst/>
+          </a:prstGeom>
+          <a:solidFill>
+            <a:schemeClr val="accent5"/>
+          </a:solidFill>
+          <a:ln>
+            <a:noFill/>
+          </a:ln>
+        </p:spPr>
+        <p:style>
+          <a:lnRef idx="0">
+            <a:scrgbClr r="0" g="0" b="0"/>
+          </a:lnRef>
+          <a:fillRef idx="0">
+            <a:scrgbClr r="0" g="0" b="0"/>
+          </a:fillRef>
+          <a:effectRef idx="0">
+            <a:scrgbClr r="0" g="0" b="0"/>
+          </a:effectRef>
+          <a:fontRef idx="minor">
+            <a:schemeClr val="lt1"/>
+          </a:fontRef>
+        </p:style>
+        <p:txBody>
+          <a:bodyPr vert="horz" lIns="68580" tIns="34290" rIns="68580" bIns="34290" rtlCol="0" anchor="ctr">
+            <a:normAutofit/>
+          </a:bodyPr>
+          <a:lstStyle/>
+          <a:p>
+            <a:pPr algn="ctr"/>
+            <a:r>
+              <a:rPr lang="ru-RU" sz="2400" dirty="0"/>
+              <a:t>Функционал реализованный в инструментах рисования</a:t>
+            </a:r>
+          </a:p>
+        </p:txBody>
+      </p:sp>
+      <p:sp>
+        <p:nvSpPr>
+          <p:cNvPr id="6" name="Content Placeholder 2">
+            <a:extLst>
+              <a:ext uri="{FF2B5EF4-FFF2-40B4-BE49-F238E27FC236}">
+                <a16:creationId xmlns:a16="http://schemas.microsoft.com/office/drawing/2014/main" id="{B09E0858-F7C3-A341-2365-5E8F53D59E5E}"/>
+              </a:ext>
+            </a:extLst>
+          </p:cNvPr>
+          <p:cNvSpPr txBox="1">
+            <a:spLocks/>
+          </p:cNvSpPr>
+          <p:nvPr/>
+        </p:nvSpPr>
+        <p:spPr>
+          <a:xfrm>
+            <a:off x="1031632" y="2036288"/>
+            <a:ext cx="10322168" cy="2177044"/>
+          </a:xfrm>
+          <a:prstGeom prst="rect">
+            <a:avLst/>
+          </a:prstGeom>
+        </p:spPr>
+        <p:txBody>
+          <a:bodyPr vert="horz" lIns="68580" tIns="34290" rIns="68580" bIns="34290" rtlCol="0">
+            <a:normAutofit/>
+          </a:bodyPr>
+          <a:lstStyle>
+            <a:lvl1pPr marL="228600" indent="-228600" algn="l" defTabSz="914400" rtl="0" eaLnBrk="1" latinLnBrk="0" hangingPunct="1">
+              <a:lnSpc>
+                <a:spcPct val="90000"/>
+              </a:lnSpc>
+              <a:spcBef>
+                <a:spcPts val="1000"/>
+              </a:spcBef>
+              <a:buFont typeface="Arial" panose="020B0604020202020204" pitchFamily="34" charset="0"/>
+              <a:buChar char="•"/>
+              <a:defRPr sz="2800" kern="1200">
+                <a:solidFill>
+                  <a:schemeClr val="tx1"/>
+                </a:solidFill>
+                <a:latin typeface="+mn-lt"/>
+                <a:ea typeface="+mn-ea"/>
+                <a:cs typeface="+mn-cs"/>
+              </a:defRPr>
+            </a:lvl1pPr>
+            <a:lvl2pPr marL="685800" indent="-228600" algn="l" defTabSz="914400" rtl="0" eaLnBrk="1" latinLnBrk="0" hangingPunct="1">
+              <a:lnSpc>
+                <a:spcPct val="90000"/>
+              </a:lnSpc>
+              <a:spcBef>
+                <a:spcPts val="500"/>
+              </a:spcBef>
+              <a:buFont typeface="Arial" panose="020B0604020202020204" pitchFamily="34" charset="0"/>
+              <a:buChar char="•"/>
+              <a:defRPr sz="2400" kern="1200">
+                <a:solidFill>
+                  <a:schemeClr val="tx1"/>
+                </a:solidFill>
+                <a:latin typeface="+mn-lt"/>
+                <a:ea typeface="+mn-ea"/>
+                <a:cs typeface="+mn-cs"/>
+              </a:defRPr>
+            </a:lvl2pPr>
+            <a:lvl3pPr marL="1143000" indent="-228600" algn="l" defTabSz="914400" rtl="0" eaLnBrk="1" latinLnBrk="0" hangingPunct="1">
+              <a:lnSpc>
+                <a:spcPct val="90000"/>
+              </a:lnSpc>
+              <a:spcBef>
+                <a:spcPts val="500"/>
+              </a:spcBef>
+              <a:buFont typeface="Arial" panose="020B0604020202020204" pitchFamily="34" charset="0"/>
+              <a:buChar char="•"/>
+              <a:defRPr sz="2000" kern="1200">
+                <a:solidFill>
+                  <a:schemeClr val="tx1"/>
+                </a:solidFill>
+                <a:latin typeface="+mn-lt"/>
+                <a:ea typeface="+mn-ea"/>
+                <a:cs typeface="+mn-cs"/>
+              </a:defRPr>
+            </a:lvl3pPr>
+            <a:lvl4pPr marL="1600200" indent="-228600" algn="l" defTabSz="914400" rtl="0" eaLnBrk="1" latinLnBrk="0" hangingPunct="1">
+              <a:lnSpc>
+                <a:spcPct val="90000"/>
+              </a:lnSpc>
+              <a:spcBef>
+                <a:spcPts val="500"/>
+              </a:spcBef>
+              <a:buFont typeface="Arial" panose="020B0604020202020204" pitchFamily="34" charset="0"/>
+              <a:buChar char="•"/>
+              <a:defRPr sz="1800" kern="1200">
+                <a:solidFill>
+                  <a:schemeClr val="tx1"/>
+                </a:solidFill>
+                <a:latin typeface="+mn-lt"/>
+                <a:ea typeface="+mn-ea"/>
+                <a:cs typeface="+mn-cs"/>
+              </a:defRPr>
+            </a:lvl4pPr>
+            <a:lvl5pPr marL="2057400" indent="-228600" algn="l" defTabSz="914400" rtl="0" eaLnBrk="1" latinLnBrk="0" hangingPunct="1">
+              <a:lnSpc>
+                <a:spcPct val="90000"/>
+              </a:lnSpc>
+              <a:spcBef>
+                <a:spcPts val="500"/>
+              </a:spcBef>
+              <a:buFont typeface="Arial" panose="020B0604020202020204" pitchFamily="34" charset="0"/>
+              <a:buChar char="•"/>
+              <a:defRPr sz="1800" kern="1200">
+                <a:solidFill>
+                  <a:schemeClr val="tx1"/>
+                </a:solidFill>
+                <a:latin typeface="+mn-lt"/>
+                <a:ea typeface="+mn-ea"/>
+                <a:cs typeface="+mn-cs"/>
+              </a:defRPr>
+            </a:lvl5pPr>
+            <a:lvl6pPr marL="2514600" indent="-228600" algn="l" defTabSz="914400" rtl="0" eaLnBrk="1" latinLnBrk="0" hangingPunct="1">
+              <a:lnSpc>
+                <a:spcPct val="90000"/>
+              </a:lnSpc>
+              <a:spcBef>
+                <a:spcPts val="500"/>
+              </a:spcBef>
+              <a:buFont typeface="Arial" panose="020B0604020202020204" pitchFamily="34" charset="0"/>
+              <a:buChar char="•"/>
+              <a:defRPr sz="1800" kern="1200">
+                <a:solidFill>
+                  <a:schemeClr val="tx1"/>
+                </a:solidFill>
+                <a:latin typeface="+mn-lt"/>
+                <a:ea typeface="+mn-ea"/>
+                <a:cs typeface="+mn-cs"/>
+              </a:defRPr>
+            </a:lvl6pPr>
+            <a:lvl7pPr marL="2971800" indent="-228600" algn="l" defTabSz="914400" rtl="0" eaLnBrk="1" latinLnBrk="0" hangingPunct="1">
+              <a:lnSpc>
+                <a:spcPct val="90000"/>
+              </a:lnSpc>
+              <a:spcBef>
+                <a:spcPts val="500"/>
+              </a:spcBef>
+              <a:buFont typeface="Arial" panose="020B0604020202020204" pitchFamily="34" charset="0"/>
+              <a:buChar char="•"/>
+              <a:defRPr sz="1800" kern="1200">
+                <a:solidFill>
+                  <a:schemeClr val="tx1"/>
+                </a:solidFill>
+                <a:latin typeface="+mn-lt"/>
+                <a:ea typeface="+mn-ea"/>
+                <a:cs typeface="+mn-cs"/>
+              </a:defRPr>
+            </a:lvl7pPr>
+            <a:lvl8pPr marL="3429000" indent="-228600" algn="l" defTabSz="914400" rtl="0" eaLnBrk="1" latinLnBrk="0" hangingPunct="1">
+              <a:lnSpc>
+                <a:spcPct val="90000"/>
+              </a:lnSpc>
+              <a:spcBef>
+                <a:spcPts val="500"/>
+              </a:spcBef>
+              <a:buFont typeface="Arial" panose="020B0604020202020204" pitchFamily="34" charset="0"/>
+              <a:buChar char="•"/>
+              <a:defRPr sz="1800" kern="1200">
+                <a:solidFill>
+                  <a:schemeClr val="tx1"/>
+                </a:solidFill>
+                <a:latin typeface="+mn-lt"/>
+                <a:ea typeface="+mn-ea"/>
+                <a:cs typeface="+mn-cs"/>
+              </a:defRPr>
+            </a:lvl8pPr>
+            <a:lvl9pPr marL="3886200" indent="-228600" algn="l" defTabSz="914400" rtl="0" eaLnBrk="1" latinLnBrk="0" hangingPunct="1">
+              <a:lnSpc>
+                <a:spcPct val="90000"/>
+              </a:lnSpc>
+              <a:spcBef>
+                <a:spcPts val="500"/>
+              </a:spcBef>
+              <a:buFont typeface="Arial" panose="020B0604020202020204" pitchFamily="34" charset="0"/>
+              <a:buChar char="•"/>
+              <a:defRPr sz="1800" kern="1200">
+                <a:solidFill>
+                  <a:schemeClr val="tx1"/>
+                </a:solidFill>
+                <a:latin typeface="+mn-lt"/>
+                <a:ea typeface="+mn-ea"/>
+                <a:cs typeface="+mn-cs"/>
+              </a:defRPr>
+            </a:lvl9pPr>
+          </a:lstStyle>
+          <a:p>
+            <a:pPr algn="just"/>
+            <a:r>
+              <a:rPr lang="ru-RU" dirty="0"/>
+              <a:t>Подготовка данных для визуализация</a:t>
+            </a:r>
+            <a:endParaRPr lang="en-US" dirty="0"/>
+          </a:p>
+          <a:p>
+            <a:pPr algn="just"/>
+            <a:r>
+              <a:rPr lang="ru-RU" dirty="0"/>
+              <a:t>Визуализация на </a:t>
+            </a:r>
+            <a:r>
+              <a:rPr lang="en-US" b="1" i="1" dirty="0" err="1"/>
+              <a:t>CanvasRenderingContext</a:t>
+            </a:r>
+            <a:r>
+              <a:rPr lang="ru-RU" b="1" i="1" dirty="0"/>
+              <a:t>2</a:t>
+            </a:r>
+            <a:r>
+              <a:rPr lang="en-US" b="1" i="1" dirty="0"/>
+              <a:t>D</a:t>
+            </a:r>
+            <a:endParaRPr lang="ru-RU" b="1" i="1" dirty="0"/>
+          </a:p>
+          <a:p>
+            <a:pPr algn="just"/>
+            <a:r>
+              <a:rPr lang="ru-RU" dirty="0"/>
+              <a:t>Проверка на коллизию всех геометрических примитивов с точкой координаты мыши на графике</a:t>
+            </a:r>
+            <a:endParaRPr lang="en-US" dirty="0"/>
+          </a:p>
+        </p:txBody>
+      </p:sp>
+      <p:sp>
+        <p:nvSpPr>
+          <p:cNvPr id="11" name="Slide Number Placeholder 10">
+            <a:extLst>
+              <a:ext uri="{FF2B5EF4-FFF2-40B4-BE49-F238E27FC236}">
+                <a16:creationId xmlns:a16="http://schemas.microsoft.com/office/drawing/2014/main" id="{525E808E-1F6F-3E35-BC3D-73BAAEB0AB6D}"/>
+              </a:ext>
+            </a:extLst>
+          </p:cNvPr>
+          <p:cNvSpPr>
+            <a:spLocks noGrp="1"/>
+          </p:cNvSpPr>
+          <p:nvPr>
+            <p:ph type="sldNum" sz="quarter" idx="12"/>
+          </p:nvPr>
+        </p:nvSpPr>
+        <p:spPr/>
+        <p:txBody>
+          <a:bodyPr/>
+          <a:lstStyle/>
+          <a:p>
+            <a:r>
+              <a:rPr lang="ru-RU" dirty="0"/>
+              <a:t>10 из 19</a:t>
+            </a:r>
+          </a:p>
+        </p:txBody>
+      </p:sp>
+    </p:spTree>
+    <p:extLst>
+      <p:ext uri="{BB962C8B-B14F-4D97-AF65-F5344CB8AC3E}">
+        <p14:creationId xmlns:p14="http://schemas.microsoft.com/office/powerpoint/2010/main" val="913263969"/>
+      </p:ext>
+    </p:extLst>
+  </p:cSld>
+  <p:clrMapOvr>
+    <a:masterClrMapping/>
+  </p:clrMapOvr>
+</p:sld>
+</file>
+
+<file path=ppt/slides/slide11.xml><?xml version="1.0" encoding="utf-8"?>
+<p:sld xmlns:a="http://schemas.openxmlformats.org/drawingml/2006/main" xmlns:r="http://schemas.openxmlformats.org/officeDocument/2006/relationships" xmlns:p="http://schemas.openxmlformats.org/presentationml/2006/main">
+  <p:cSld>
+    <p:spTree>
+      <p:nvGrpSpPr>
+        <p:cNvPr id="1" name="">
+          <a:extLst>
+            <a:ext uri="{FF2B5EF4-FFF2-40B4-BE49-F238E27FC236}">
+              <a16:creationId xmlns:a16="http://schemas.microsoft.com/office/drawing/2014/main" id="{8D740296-C6ED-F67D-CA33-7DB0BB91F237}"/>
+            </a:ext>
+          </a:extLst>
+        </p:cNvPr>
+        <p:cNvGrpSpPr/>
+        <p:nvPr/>
+      </p:nvGrpSpPr>
+      <p:grpSpPr>
+        <a:xfrm>
+          <a:off x="0" y="0"/>
+          <a:ext cx="0" cy="0"/>
+          <a:chOff x="0" y="0"/>
+          <a:chExt cx="0" cy="0"/>
+        </a:xfrm>
+      </p:grpSpPr>
+      <p:sp>
+        <p:nvSpPr>
+          <p:cNvPr id="13" name="TextBox 12">
+            <a:extLst>
+              <a:ext uri="{FF2B5EF4-FFF2-40B4-BE49-F238E27FC236}">
+                <a16:creationId xmlns:a16="http://schemas.microsoft.com/office/drawing/2014/main" id="{6C9FE423-92BE-4645-E8C2-6CF4A7E5C687}"/>
+              </a:ext>
+            </a:extLst>
+          </p:cNvPr>
+          <p:cNvSpPr txBox="1"/>
+          <p:nvPr/>
+        </p:nvSpPr>
+        <p:spPr>
+          <a:xfrm>
+            <a:off x="879232" y="654139"/>
+            <a:ext cx="10474568" cy="658297"/>
+          </a:xfrm>
+          <a:prstGeom prst="rect">
+            <a:avLst/>
+          </a:prstGeom>
+          <a:solidFill>
+            <a:schemeClr val="accent5"/>
+          </a:solidFill>
+          <a:ln>
+            <a:noFill/>
+          </a:ln>
+        </p:spPr>
+        <p:style>
+          <a:lnRef idx="0">
+            <a:scrgbClr r="0" g="0" b="0"/>
+          </a:lnRef>
+          <a:fillRef idx="0">
+            <a:scrgbClr r="0" g="0" b="0"/>
+          </a:fillRef>
+          <a:effectRef idx="0">
+            <a:scrgbClr r="0" g="0" b="0"/>
+          </a:effectRef>
+          <a:fontRef idx="minor">
+            <a:schemeClr val="lt1"/>
+          </a:fontRef>
+        </p:style>
+        <p:txBody>
+          <a:bodyPr vert="horz" lIns="68580" tIns="34290" rIns="68580" bIns="34290" rtlCol="0" anchor="ctr">
+            <a:normAutofit/>
+          </a:bodyPr>
+          <a:lstStyle/>
+          <a:p>
+            <a:pPr algn="ctr"/>
+            <a:r>
+              <a:rPr lang="ru-RU" sz="2400" dirty="0"/>
+              <a:t>Вспомогательные классы библиотеки</a:t>
+            </a:r>
+          </a:p>
+        </p:txBody>
+      </p:sp>
+      <p:sp>
+        <p:nvSpPr>
+          <p:cNvPr id="6" name="Content Placeholder 2">
+            <a:extLst>
+              <a:ext uri="{FF2B5EF4-FFF2-40B4-BE49-F238E27FC236}">
+                <a16:creationId xmlns:a16="http://schemas.microsoft.com/office/drawing/2014/main" id="{E48D26E2-6AFD-899F-99FF-3A721924E490}"/>
+              </a:ext>
+            </a:extLst>
+          </p:cNvPr>
+          <p:cNvSpPr txBox="1">
+            <a:spLocks/>
+          </p:cNvSpPr>
+          <p:nvPr/>
+        </p:nvSpPr>
+        <p:spPr>
+          <a:xfrm>
+            <a:off x="879232" y="1957754"/>
+            <a:ext cx="10474567" cy="1807422"/>
+          </a:xfrm>
+          <a:prstGeom prst="rect">
+            <a:avLst/>
+          </a:prstGeom>
+        </p:spPr>
+        <p:txBody>
+          <a:bodyPr vert="horz" lIns="68580" tIns="34290" rIns="68580" bIns="34290" rtlCol="0">
+            <a:normAutofit/>
+          </a:bodyPr>
+          <a:lstStyle>
+            <a:lvl1pPr marL="228600" indent="-228600" algn="l" defTabSz="914400" rtl="0" eaLnBrk="1" latinLnBrk="0" hangingPunct="1">
+              <a:lnSpc>
+                <a:spcPct val="90000"/>
+              </a:lnSpc>
+              <a:spcBef>
+                <a:spcPts val="1000"/>
+              </a:spcBef>
+              <a:buFont typeface="Arial" panose="020B0604020202020204" pitchFamily="34" charset="0"/>
+              <a:buChar char="•"/>
+              <a:defRPr sz="2800" kern="1200">
+                <a:solidFill>
+                  <a:schemeClr val="tx1"/>
+                </a:solidFill>
+                <a:latin typeface="+mn-lt"/>
+                <a:ea typeface="+mn-ea"/>
+                <a:cs typeface="+mn-cs"/>
+              </a:defRPr>
+            </a:lvl1pPr>
+            <a:lvl2pPr marL="685800" indent="-228600" algn="l" defTabSz="914400" rtl="0" eaLnBrk="1" latinLnBrk="0" hangingPunct="1">
+              <a:lnSpc>
+                <a:spcPct val="90000"/>
+              </a:lnSpc>
+              <a:spcBef>
+                <a:spcPts val="500"/>
+              </a:spcBef>
+              <a:buFont typeface="Arial" panose="020B0604020202020204" pitchFamily="34" charset="0"/>
+              <a:buChar char="•"/>
+              <a:defRPr sz="2400" kern="1200">
+                <a:solidFill>
+                  <a:schemeClr val="tx1"/>
+                </a:solidFill>
+                <a:latin typeface="+mn-lt"/>
+                <a:ea typeface="+mn-ea"/>
+                <a:cs typeface="+mn-cs"/>
+              </a:defRPr>
+            </a:lvl2pPr>
+            <a:lvl3pPr marL="1143000" indent="-228600" algn="l" defTabSz="914400" rtl="0" eaLnBrk="1" latinLnBrk="0" hangingPunct="1">
+              <a:lnSpc>
+                <a:spcPct val="90000"/>
+              </a:lnSpc>
+              <a:spcBef>
+                <a:spcPts val="500"/>
+              </a:spcBef>
+              <a:buFont typeface="Arial" panose="020B0604020202020204" pitchFamily="34" charset="0"/>
+              <a:buChar char="•"/>
+              <a:defRPr sz="2000" kern="1200">
+                <a:solidFill>
+                  <a:schemeClr val="tx1"/>
+                </a:solidFill>
+                <a:latin typeface="+mn-lt"/>
+                <a:ea typeface="+mn-ea"/>
+                <a:cs typeface="+mn-cs"/>
+              </a:defRPr>
+            </a:lvl3pPr>
+            <a:lvl4pPr marL="1600200" indent="-228600" algn="l" defTabSz="914400" rtl="0" eaLnBrk="1" latinLnBrk="0" hangingPunct="1">
+              <a:lnSpc>
+                <a:spcPct val="90000"/>
+              </a:lnSpc>
+              <a:spcBef>
+                <a:spcPts val="500"/>
+              </a:spcBef>
+              <a:buFont typeface="Arial" panose="020B0604020202020204" pitchFamily="34" charset="0"/>
+              <a:buChar char="•"/>
+              <a:defRPr sz="1800" kern="1200">
+                <a:solidFill>
+                  <a:schemeClr val="tx1"/>
+                </a:solidFill>
+                <a:latin typeface="+mn-lt"/>
+                <a:ea typeface="+mn-ea"/>
+                <a:cs typeface="+mn-cs"/>
+              </a:defRPr>
+            </a:lvl4pPr>
+            <a:lvl5pPr marL="2057400" indent="-228600" algn="l" defTabSz="914400" rtl="0" eaLnBrk="1" latinLnBrk="0" hangingPunct="1">
+              <a:lnSpc>
+                <a:spcPct val="90000"/>
+              </a:lnSpc>
+              <a:spcBef>
+                <a:spcPts val="500"/>
+              </a:spcBef>
+              <a:buFont typeface="Arial" panose="020B0604020202020204" pitchFamily="34" charset="0"/>
+              <a:buChar char="•"/>
+              <a:defRPr sz="1800" kern="1200">
+                <a:solidFill>
+                  <a:schemeClr val="tx1"/>
+                </a:solidFill>
+                <a:latin typeface="+mn-lt"/>
+                <a:ea typeface="+mn-ea"/>
+                <a:cs typeface="+mn-cs"/>
+              </a:defRPr>
+            </a:lvl5pPr>
+            <a:lvl6pPr marL="2514600" indent="-228600" algn="l" defTabSz="914400" rtl="0" eaLnBrk="1" latinLnBrk="0" hangingPunct="1">
+              <a:lnSpc>
+                <a:spcPct val="90000"/>
+              </a:lnSpc>
+              <a:spcBef>
+                <a:spcPts val="500"/>
+              </a:spcBef>
+              <a:buFont typeface="Arial" panose="020B0604020202020204" pitchFamily="34" charset="0"/>
+              <a:buChar char="•"/>
+              <a:defRPr sz="1800" kern="1200">
+                <a:solidFill>
+                  <a:schemeClr val="tx1"/>
+                </a:solidFill>
+                <a:latin typeface="+mn-lt"/>
+                <a:ea typeface="+mn-ea"/>
+                <a:cs typeface="+mn-cs"/>
+              </a:defRPr>
+            </a:lvl6pPr>
+            <a:lvl7pPr marL="2971800" indent="-228600" algn="l" defTabSz="914400" rtl="0" eaLnBrk="1" latinLnBrk="0" hangingPunct="1">
+              <a:lnSpc>
+                <a:spcPct val="90000"/>
+              </a:lnSpc>
+              <a:spcBef>
+                <a:spcPts val="500"/>
+              </a:spcBef>
+              <a:buFont typeface="Arial" panose="020B0604020202020204" pitchFamily="34" charset="0"/>
+              <a:buChar char="•"/>
+              <a:defRPr sz="1800" kern="1200">
+                <a:solidFill>
+                  <a:schemeClr val="tx1"/>
+                </a:solidFill>
+                <a:latin typeface="+mn-lt"/>
+                <a:ea typeface="+mn-ea"/>
+                <a:cs typeface="+mn-cs"/>
+              </a:defRPr>
+            </a:lvl7pPr>
+            <a:lvl8pPr marL="3429000" indent="-228600" algn="l" defTabSz="914400" rtl="0" eaLnBrk="1" latinLnBrk="0" hangingPunct="1">
+              <a:lnSpc>
+                <a:spcPct val="90000"/>
+              </a:lnSpc>
+              <a:spcBef>
+                <a:spcPts val="500"/>
+              </a:spcBef>
+              <a:buFont typeface="Arial" panose="020B0604020202020204" pitchFamily="34" charset="0"/>
+              <a:buChar char="•"/>
+              <a:defRPr sz="1800" kern="1200">
+                <a:solidFill>
+                  <a:schemeClr val="tx1"/>
+                </a:solidFill>
+                <a:latin typeface="+mn-lt"/>
+                <a:ea typeface="+mn-ea"/>
+                <a:cs typeface="+mn-cs"/>
+              </a:defRPr>
+            </a:lvl8pPr>
+            <a:lvl9pPr marL="3886200" indent="-228600" algn="l" defTabSz="914400" rtl="0" eaLnBrk="1" latinLnBrk="0" hangingPunct="1">
+              <a:lnSpc>
+                <a:spcPct val="90000"/>
+              </a:lnSpc>
+              <a:spcBef>
+                <a:spcPts val="500"/>
+              </a:spcBef>
+              <a:buFont typeface="Arial" panose="020B0604020202020204" pitchFamily="34" charset="0"/>
+              <a:buChar char="•"/>
+              <a:defRPr sz="1800" kern="1200">
+                <a:solidFill>
+                  <a:schemeClr val="tx1"/>
+                </a:solidFill>
+                <a:latin typeface="+mn-lt"/>
+                <a:ea typeface="+mn-ea"/>
+                <a:cs typeface="+mn-cs"/>
+              </a:defRPr>
+            </a:lvl9pPr>
+          </a:lstStyle>
+          <a:p>
+            <a:r>
+              <a:rPr lang="en-GB" sz="2700" b="1" dirty="0" err="1"/>
+              <a:t>CollisionHelper</a:t>
+            </a:r>
+            <a:r>
+              <a:rPr lang="ru-RU" sz="2700" dirty="0"/>
+              <a:t> – функции для проверки коллизий для некоторых сложных геометрических примитивов</a:t>
+            </a:r>
+          </a:p>
+          <a:p>
+            <a:r>
+              <a:rPr lang="en-GB" sz="2700" b="1" dirty="0" err="1"/>
+              <a:t>MathHelper</a:t>
+            </a:r>
+            <a:r>
+              <a:rPr lang="ru-RU" sz="2700" dirty="0"/>
+              <a:t> –</a:t>
+            </a:r>
+            <a:r>
+              <a:rPr lang="en-US" sz="2700" dirty="0"/>
+              <a:t> </a:t>
+            </a:r>
+            <a:r>
+              <a:rPr lang="ru-RU" sz="2700" dirty="0"/>
+              <a:t>функции линейной алгебры, преобразования и аппроксимации</a:t>
+            </a:r>
+            <a:endParaRPr lang="en-GB" sz="2700" dirty="0"/>
+          </a:p>
+          <a:p>
+            <a:pPr marL="0" indent="0" algn="just">
+              <a:buNone/>
+            </a:pPr>
+            <a:endParaRPr lang="ru-RU" sz="2700" dirty="0"/>
+          </a:p>
+        </p:txBody>
+      </p:sp>
+      <p:sp>
+        <p:nvSpPr>
+          <p:cNvPr id="7" name="Slide Number Placeholder 6">
+            <a:extLst>
+              <a:ext uri="{FF2B5EF4-FFF2-40B4-BE49-F238E27FC236}">
+                <a16:creationId xmlns:a16="http://schemas.microsoft.com/office/drawing/2014/main" id="{382CD600-B61D-1819-E930-45C37FC6435E}"/>
+              </a:ext>
+            </a:extLst>
+          </p:cNvPr>
+          <p:cNvSpPr>
+            <a:spLocks noGrp="1"/>
+          </p:cNvSpPr>
+          <p:nvPr>
+            <p:ph type="sldNum" sz="quarter" idx="12"/>
+          </p:nvPr>
+        </p:nvSpPr>
+        <p:spPr/>
+        <p:txBody>
+          <a:bodyPr/>
+          <a:lstStyle/>
+          <a:p>
+            <a:r>
+              <a:rPr lang="ru-RU" dirty="0"/>
+              <a:t>11</a:t>
+            </a:r>
+            <a:r>
+              <a:rPr lang="en-US" dirty="0"/>
+              <a:t> </a:t>
+            </a:r>
+            <a:r>
+              <a:rPr lang="ru-RU" dirty="0"/>
+              <a:t>из 19</a:t>
+            </a:r>
+          </a:p>
+        </p:txBody>
+      </p:sp>
+    </p:spTree>
+    <p:extLst>
+      <p:ext uri="{BB962C8B-B14F-4D97-AF65-F5344CB8AC3E}">
+        <p14:creationId xmlns:p14="http://schemas.microsoft.com/office/powerpoint/2010/main" val="874819506"/>
+      </p:ext>
+    </p:extLst>
+  </p:cSld>
+  <p:clrMapOvr>
+    <a:masterClrMapping/>
+  </p:clrMapOvr>
+</p:sld>
+</file>
+
+<file path=ppt/slides/slide12.xml><?xml version="1.0" encoding="utf-8"?>
+<p:sld xmlns:a="http://schemas.openxmlformats.org/drawingml/2006/main" xmlns:r="http://schemas.openxmlformats.org/officeDocument/2006/relationships" xmlns:p="http://schemas.openxmlformats.org/presentationml/2006/main">
+  <p:cSld>
+    <p:spTree>
+      <p:nvGrpSpPr>
+        <p:cNvPr id="1" name="">
+          <a:extLst>
+            <a:ext uri="{FF2B5EF4-FFF2-40B4-BE49-F238E27FC236}">
               <a16:creationId xmlns:a16="http://schemas.microsoft.com/office/drawing/2014/main" id="{02A31213-0A19-1E21-0B30-E1CF82EF3CF9}"/>
             </a:ext>
           </a:extLst>
@@ -5485,7 +6358,7 @@
           <a:p>
             <a:r>
               <a:rPr lang="ru-RU" dirty="0"/>
-              <a:t>10</a:t>
+              <a:t>12</a:t>
             </a:r>
             <a:r>
               <a:rPr lang="en-US" dirty="0"/>
@@ -5493,7 +6366,7 @@
             </a:r>
             <a:r>
               <a:rPr lang="ru-RU" dirty="0"/>
-              <a:t>из 13</a:t>
+              <a:t>из 19</a:t>
             </a:r>
           </a:p>
         </p:txBody>
@@ -5862,7 +6735,7 @@
 </p:sld>
 </file>
 
-<file path=ppt/slides/slide11.xml><?xml version="1.0" encoding="utf-8"?>
+<file path=ppt/slides/slide13.xml><?xml version="1.0" encoding="utf-8"?>
 <p:sld xmlns:a="http://schemas.openxmlformats.org/drawingml/2006/main" xmlns:r="http://schemas.openxmlformats.org/officeDocument/2006/relationships" xmlns:p="http://schemas.openxmlformats.org/presentationml/2006/main">
   <p:cSld>
     <p:spTree>
@@ -5957,7 +6830,7 @@
           <a:p>
             <a:r>
               <a:rPr lang="ru-RU" dirty="0"/>
-              <a:t>9</a:t>
+              <a:t>13</a:t>
             </a:r>
             <a:r>
               <a:rPr lang="en-US" dirty="0"/>
@@ -5965,7 +6838,7 @@
             </a:r>
             <a:r>
               <a:rPr lang="ru-RU" dirty="0"/>
-              <a:t>из 13</a:t>
+              <a:t>из 19</a:t>
             </a:r>
           </a:p>
         </p:txBody>
@@ -6184,7 +7057,7 @@
 </p:sld>
 </file>
 
-<file path=ppt/slides/slide12.xml><?xml version="1.0" encoding="utf-8"?>
+<file path=ppt/slides/slide14.xml><?xml version="1.0" encoding="utf-8"?>
 <p:sld xmlns:a="http://schemas.openxmlformats.org/drawingml/2006/main" xmlns:r="http://schemas.openxmlformats.org/officeDocument/2006/relationships" xmlns:p="http://schemas.openxmlformats.org/presentationml/2006/main">
   <p:cSld>
     <p:spTree>
@@ -6285,15 +7158,15 @@
           <a:p>
             <a:r>
               <a:rPr lang="ru-RU" dirty="0"/>
-              <a:t>1</a:t>
+              <a:t>14</a:t>
             </a:r>
             <a:r>
               <a:rPr lang="en-US" dirty="0"/>
-              <a:t>1 </a:t>
+              <a:t> </a:t>
             </a:r>
             <a:r>
               <a:rPr lang="ru-RU" dirty="0"/>
-              <a:t>из 13</a:t>
+              <a:t>из 19</a:t>
             </a:r>
           </a:p>
         </p:txBody>
@@ -6449,7 +7322,7 @@
 </p:sld>
 </file>
 
-<file path=ppt/slides/slide13.xml><?xml version="1.0" encoding="utf-8"?>
+<file path=ppt/slides/slide15.xml><?xml version="1.0" encoding="utf-8"?>
 <p:sld xmlns:a="http://schemas.openxmlformats.org/drawingml/2006/main" xmlns:r="http://schemas.openxmlformats.org/officeDocument/2006/relationships" xmlns:p="http://schemas.openxmlformats.org/presentationml/2006/main">
   <p:cSld>
     <p:spTree>
@@ -6495,15 +7368,15 @@
           <a:p>
             <a:r>
               <a:rPr lang="ru-RU" dirty="0"/>
-              <a:t>1</a:t>
+              <a:t>15</a:t>
             </a:r>
             <a:r>
               <a:rPr lang="en-US" dirty="0"/>
-              <a:t>2 </a:t>
+              <a:t> </a:t>
             </a:r>
             <a:r>
               <a:rPr lang="ru-RU" dirty="0"/>
-              <a:t>из 13</a:t>
+              <a:t>из 19</a:t>
             </a:r>
           </a:p>
         </p:txBody>
@@ -6629,7 +7502,7 @@
 </p:sld>
 </file>
 
-<file path=ppt/slides/slide14.xml><?xml version="1.0" encoding="utf-8"?>
+<file path=ppt/slides/slide16.xml><?xml version="1.0" encoding="utf-8"?>
 <p:sld xmlns:a="http://schemas.openxmlformats.org/drawingml/2006/main" xmlns:r="http://schemas.openxmlformats.org/officeDocument/2006/relationships" xmlns:p="http://schemas.openxmlformats.org/presentationml/2006/main">
   <p:cSld>
     <p:spTree>
@@ -6675,15 +7548,15 @@
           <a:p>
             <a:r>
               <a:rPr lang="ru-RU" dirty="0"/>
-              <a:t>1</a:t>
+              <a:t>16</a:t>
             </a:r>
             <a:r>
               <a:rPr lang="en-US" dirty="0"/>
-              <a:t>2 </a:t>
+              <a:t> </a:t>
             </a:r>
             <a:r>
               <a:rPr lang="ru-RU" dirty="0"/>
-              <a:t>из 13</a:t>
+              <a:t>из 19</a:t>
             </a:r>
           </a:p>
         </p:txBody>
@@ -6790,7 +7663,7 @@
 </p:sld>
 </file>
 
-<file path=ppt/slides/slide15.xml><?xml version="1.0" encoding="utf-8"?>
+<file path=ppt/slides/slide17.xml><?xml version="1.0" encoding="utf-8"?>
 <p:sld xmlns:a="http://schemas.openxmlformats.org/drawingml/2006/main" xmlns:r="http://schemas.openxmlformats.org/officeDocument/2006/relationships" xmlns:p="http://schemas.openxmlformats.org/presentationml/2006/main">
   <p:cSld>
     <p:spTree>
@@ -6836,15 +7709,15 @@
           <a:p>
             <a:r>
               <a:rPr lang="ru-RU" dirty="0"/>
-              <a:t>1</a:t>
+              <a:t>17</a:t>
             </a:r>
             <a:r>
               <a:rPr lang="en-US" dirty="0"/>
-              <a:t>2 </a:t>
+              <a:t> </a:t>
             </a:r>
             <a:r>
               <a:rPr lang="ru-RU" dirty="0"/>
-              <a:t>из 13</a:t>
+              <a:t>из 19</a:t>
             </a:r>
           </a:p>
         </p:txBody>
@@ -6962,7 +7835,7 @@
 </p:sld>
 </file>
 
-<file path=ppt/slides/slide16.xml><?xml version="1.0" encoding="utf-8"?>
+<file path=ppt/slides/slide18.xml><?xml version="1.0" encoding="utf-8"?>
 <p:sld xmlns:a="http://schemas.openxmlformats.org/drawingml/2006/main" xmlns:r="http://schemas.openxmlformats.org/officeDocument/2006/relationships" xmlns:p="http://schemas.openxmlformats.org/presentationml/2006/main">
   <p:cSld>
     <p:spTree>
@@ -7008,15 +7881,15 @@
           <a:p>
             <a:r>
               <a:rPr lang="ru-RU" dirty="0"/>
-              <a:t>1</a:t>
+              <a:t>18</a:t>
             </a:r>
             <a:r>
               <a:rPr lang="en-US" dirty="0"/>
-              <a:t>2 </a:t>
+              <a:t> </a:t>
             </a:r>
             <a:r>
               <a:rPr lang="ru-RU" dirty="0"/>
-              <a:t>из 13</a:t>
+              <a:t>из 19</a:t>
             </a:r>
           </a:p>
         </p:txBody>
@@ -7134,7 +8007,7 @@
 </p:sld>
 </file>
 
-<file path=ppt/slides/slide17.xml><?xml version="1.0" encoding="utf-8"?>
+<file path=ppt/slides/slide19.xml><?xml version="1.0" encoding="utf-8"?>
 <p:sld xmlns:a="http://schemas.openxmlformats.org/drawingml/2006/main" xmlns:r="http://schemas.openxmlformats.org/officeDocument/2006/relationships" xmlns:p="http://schemas.openxmlformats.org/presentationml/2006/main">
   <p:cSld>
     <p:spTree>
@@ -7227,7 +8100,7 @@
         <p:spPr>
           <a:xfrm>
             <a:off x="937846" y="1537447"/>
-            <a:ext cx="10415953" cy="3439403"/>
+            <a:ext cx="10415953" cy="2700739"/>
           </a:xfrm>
           <a:prstGeom prst="rect">
             <a:avLst/>
@@ -7269,7 +8142,15 @@
             </a:pPr>
             <a:r>
               <a:rPr lang="ru-RU" sz="2400" dirty="0"/>
-              <a:t>Исследованы современные технологии для создания кросс-платформенной библиотеки и реализована архитектура библиотеки</a:t>
+              <a:t>Спроектирована и разработана библиотеки, содержащая графические инструменты</a:t>
+            </a:r>
+            <a:r>
+              <a:rPr lang="en-US" sz="2400" dirty="0"/>
+              <a:t> </a:t>
+            </a:r>
+            <a:r>
+              <a:rPr lang="ru-RU" sz="2400" dirty="0"/>
+              <a:t>и индикаторы, востребованные трейдерским сообществом.</a:t>
             </a:r>
           </a:p>
           <a:p>
@@ -7279,17 +8160,11 @@
             </a:pPr>
             <a:r>
               <a:rPr lang="ru-RU" sz="2400" dirty="0"/>
-              <a:t>Разработаны графические инструменты, востребованные трейдерским сообществом</a:t>
-            </a:r>
-          </a:p>
-          <a:p>
-            <a:pPr marL="285750" indent="-285750">
-              <a:buFont typeface="Arial" panose="020B0604020202020204" pitchFamily="34" charset="0"/>
-              <a:buChar char="•"/>
-            </a:pPr>
-            <a:r>
-              <a:rPr lang="ru-RU" sz="2400" dirty="0"/>
-              <a:t>Создано демонстрационное приложение и осуществлена публикация библиотеки в открытом доступе</a:t>
+              <a:t>Создано демонстрационное приложение и осуществлена публикация библиотеки в </a:t>
+            </a:r>
+            <a:r>
+              <a:rPr lang="en-US" sz="2400" dirty="0"/>
+              <a:t>NPM</a:t>
             </a:r>
             <a:endParaRPr lang="ru-RU" sz="2400" dirty="0">
               <a:ea typeface="Times New Roman" panose="02020603050405020304" pitchFamily="18" charset="0"/>
@@ -7320,15 +8195,15 @@
           <a:p>
             <a:r>
               <a:rPr lang="ru-RU" dirty="0"/>
-              <a:t>1</a:t>
-            </a:r>
-            <a:r>
-              <a:rPr lang="en-US"/>
-              <a:t>3 </a:t>
+              <a:t>19</a:t>
+            </a:r>
+            <a:r>
+              <a:rPr lang="en-US" dirty="0"/>
+              <a:t> </a:t>
             </a:r>
             <a:r>
               <a:rPr lang="ru-RU" dirty="0"/>
-              <a:t>из 13</a:t>
+              <a:t>из 19</a:t>
             </a:r>
           </a:p>
         </p:txBody>
@@ -7547,7 +8422,7 @@
             </a:r>
             <a:r>
               <a:rPr lang="ru-RU" dirty="0"/>
-              <a:t>из 13</a:t>
+              <a:t>из 19</a:t>
             </a:r>
           </a:p>
         </p:txBody>
@@ -7596,8 +8471,8 @@
         </p:nvSpPr>
         <p:spPr>
           <a:xfrm>
-            <a:off x="890955" y="1531300"/>
-            <a:ext cx="10785230" cy="1318181"/>
+            <a:off x="890954" y="2582614"/>
+            <a:ext cx="10785230" cy="1692771"/>
           </a:xfrm>
           <a:prstGeom prst="rect">
             <a:avLst/>
@@ -7610,30 +8485,55 @@
           </a:bodyPr>
           <a:lstStyle/>
           <a:p>
-            <a:pPr>
-              <a:lnSpc>
-                <a:spcPct val="150000"/>
-              </a:lnSpc>
+            <a:pPr marL="285750" lvl="0" indent="-285750">
+              <a:buFont typeface="Arial" panose="020B0604020202020204" pitchFamily="34" charset="0"/>
+              <a:buChar char="•"/>
             </a:pPr>
             <a:r>
-              <a:rPr lang="ru-RU" sz="2800" dirty="0"/>
-              <a:t>1. Определение паттернов технического анализа</a:t>
-            </a:r>
-            <a:endParaRPr lang="en-US" sz="2800" dirty="0"/>
-          </a:p>
-          <a:p>
-            <a:pPr>
-              <a:lnSpc>
-                <a:spcPct val="150000"/>
-              </a:lnSpc>
+              <a:rPr lang="ru-RU" sz="2600" dirty="0">
+                <a:solidFill>
+                  <a:srgbClr val="92D050"/>
+                </a:solidFill>
+              </a:rPr>
+              <a:t>Визуальный анализ с помощью добавления на график актива инструментов рисования для выявления паттернов.</a:t>
+            </a:r>
+            <a:endParaRPr lang="en-RU" sz="2600" dirty="0">
+              <a:solidFill>
+                <a:srgbClr val="92D050"/>
+              </a:solidFill>
+            </a:endParaRPr>
+          </a:p>
+          <a:p>
+            <a:pPr marL="285750" lvl="0" indent="-285750">
+              <a:buFont typeface="Arial" panose="020B0604020202020204" pitchFamily="34" charset="0"/>
+              <a:buChar char="•"/>
             </a:pPr>
             <a:r>
-              <a:rPr lang="en-US" sz="2800" dirty="0"/>
-              <a:t>2. </a:t>
-            </a:r>
-            <a:r>
-              <a:rPr lang="ru-RU" sz="2800" dirty="0"/>
-              <a:t>Построение технических индикаторов</a:t>
+              <a:rPr lang="ru-RU" sz="2600" dirty="0">
+                <a:solidFill>
+                  <a:srgbClr val="92D050"/>
+                </a:solidFill>
+              </a:rPr>
+              <a:t>Визуальный анализ с использованием технических индикаторов.</a:t>
+            </a:r>
+            <a:endParaRPr lang="en-RU" sz="2600" dirty="0">
+              <a:solidFill>
+                <a:srgbClr val="92D050"/>
+              </a:solidFill>
+            </a:endParaRPr>
+          </a:p>
+          <a:p>
+            <a:pPr marL="285750" lvl="0" indent="-285750">
+              <a:buFont typeface="Arial" panose="020B0604020202020204" pitchFamily="34" charset="0"/>
+              <a:buChar char="•"/>
+            </a:pPr>
+            <a:r>
+              <a:rPr lang="ru-RU" sz="2600" dirty="0"/>
+              <a:t>Создание и тестирование торговых стратегий на исторических данных</a:t>
+            </a:r>
+            <a:r>
+              <a:rPr lang="en-US" sz="2600" dirty="0"/>
+              <a:t>.</a:t>
             </a:r>
           </a:p>
         </p:txBody>
@@ -7688,7 +8588,7 @@
             <a:pPr algn="ctr"/>
             <a:r>
               <a:rPr lang="ru-RU" sz="2400" dirty="0"/>
-              <a:t>Анализа финансовых данных</a:t>
+              <a:t>Анализ финансовых данных</a:t>
             </a:r>
           </a:p>
         </p:txBody>
@@ -7724,82 +8624,7 @@
             </a:r>
             <a:r>
               <a:rPr lang="ru-RU" dirty="0"/>
-              <a:t>из 13</a:t>
-            </a:r>
-          </a:p>
-        </p:txBody>
-      </p:sp>
-      <p:pic>
-        <p:nvPicPr>
-          <p:cNvPr id="2" name="Picture 1">
-            <a:extLst>
-              <a:ext uri="{FF2B5EF4-FFF2-40B4-BE49-F238E27FC236}">
-                <a16:creationId xmlns:a16="http://schemas.microsoft.com/office/drawing/2014/main" id="{D84A7DE0-C80B-4DE9-275B-5ACB807BD11A}"/>
-              </a:ext>
-            </a:extLst>
-          </p:cNvPr>
-          <p:cNvPicPr>
-            <a:picLocks noChangeAspect="1"/>
-          </p:cNvPicPr>
-          <p:nvPr/>
-        </p:nvPicPr>
-        <p:blipFill>
-          <a:blip r:embed="rId3" cstate="print">
-            <a:extLst>
-              <a:ext uri="{28A0092B-C50C-407E-A947-70E740481C1C}">
-                <a14:useLocalDpi xmlns:a14="http://schemas.microsoft.com/office/drawing/2010/main" val="0"/>
-              </a:ext>
-            </a:extLst>
-          </a:blip>
-          <a:stretch>
-            <a:fillRect/>
-          </a:stretch>
-        </p:blipFill>
-        <p:spPr>
-          <a:xfrm>
-            <a:off x="4278431" y="3052847"/>
-            <a:ext cx="3890108" cy="2900233"/>
-          </a:xfrm>
-          <a:prstGeom prst="rect">
-            <a:avLst/>
-          </a:prstGeom>
-        </p:spPr>
-      </p:pic>
-      <p:sp>
-        <p:nvSpPr>
-          <p:cNvPr id="4" name="TextBox 3">
-            <a:extLst>
-              <a:ext uri="{FF2B5EF4-FFF2-40B4-BE49-F238E27FC236}">
-                <a16:creationId xmlns:a16="http://schemas.microsoft.com/office/drawing/2014/main" id="{4A620466-D655-8CE7-603B-8BF920BBC633}"/>
-              </a:ext>
-            </a:extLst>
-          </p:cNvPr>
-          <p:cNvSpPr txBox="1"/>
-          <p:nvPr/>
-        </p:nvSpPr>
-        <p:spPr>
-          <a:xfrm>
-            <a:off x="5275876" y="5953080"/>
-            <a:ext cx="2456955" cy="369332"/>
-          </a:xfrm>
-          <a:prstGeom prst="rect">
-            <a:avLst/>
-          </a:prstGeom>
-          <a:noFill/>
-        </p:spPr>
-        <p:txBody>
-          <a:bodyPr wrap="none" rtlCol="0">
-            <a:spAutoFit/>
-          </a:bodyPr>
-          <a:lstStyle/>
-          <a:p>
-            <a:r>
-              <a:rPr lang="ru-RU" dirty="0"/>
-              <a:t>Паттерн «Бычий флаг»</a:t>
-            </a:r>
-            <a:r>
-              <a:rPr lang="en-RU" dirty="0"/>
-              <a:t> </a:t>
+              <a:t>из 19</a:t>
             </a:r>
           </a:p>
         </p:txBody>
@@ -7818,6 +8643,209 @@
 </file>
 
 <file path=ppt/slides/slide4.xml><?xml version="1.0" encoding="utf-8"?>
+<p:sld xmlns:a="http://schemas.openxmlformats.org/drawingml/2006/main" xmlns:r="http://schemas.openxmlformats.org/officeDocument/2006/relationships" xmlns:p="http://schemas.openxmlformats.org/presentationml/2006/main">
+  <p:cSld>
+    <p:spTree>
+      <p:nvGrpSpPr>
+        <p:cNvPr id="1" name="">
+          <a:extLst>
+            <a:ext uri="{FF2B5EF4-FFF2-40B4-BE49-F238E27FC236}">
+              <a16:creationId xmlns:a16="http://schemas.microsoft.com/office/drawing/2014/main" id="{30B4F9DE-0F46-6FE1-3C1F-8FE918C6682A}"/>
+            </a:ext>
+          </a:extLst>
+        </p:cNvPr>
+        <p:cNvGrpSpPr/>
+        <p:nvPr/>
+      </p:nvGrpSpPr>
+      <p:grpSpPr>
+        <a:xfrm>
+          <a:off x="0" y="0"/>
+          <a:ext cx="0" cy="0"/>
+          <a:chOff x="0" y="0"/>
+          <a:chExt cx="0" cy="0"/>
+        </a:xfrm>
+      </p:grpSpPr>
+      <p:sp>
+        <p:nvSpPr>
+          <p:cNvPr id="3" name="TextBox 2">
+            <a:extLst>
+              <a:ext uri="{FF2B5EF4-FFF2-40B4-BE49-F238E27FC236}">
+                <a16:creationId xmlns:a16="http://schemas.microsoft.com/office/drawing/2014/main" id="{564F95FD-0963-C9B4-0564-23B425B8247B}"/>
+              </a:ext>
+            </a:extLst>
+          </p:cNvPr>
+          <p:cNvSpPr txBox="1"/>
+          <p:nvPr/>
+        </p:nvSpPr>
+        <p:spPr>
+          <a:xfrm>
+            <a:off x="890954" y="669637"/>
+            <a:ext cx="10785231" cy="658297"/>
+          </a:xfrm>
+          <a:prstGeom prst="rect">
+            <a:avLst/>
+          </a:prstGeom>
+          <a:solidFill>
+            <a:schemeClr val="accent5"/>
+          </a:solidFill>
+          <a:ln>
+            <a:noFill/>
+          </a:ln>
+        </p:spPr>
+        <p:style>
+          <a:lnRef idx="0">
+            <a:scrgbClr r="0" g="0" b="0"/>
+          </a:lnRef>
+          <a:fillRef idx="0">
+            <a:scrgbClr r="0" g="0" b="0"/>
+          </a:fillRef>
+          <a:effectRef idx="0">
+            <a:scrgbClr r="0" g="0" b="0"/>
+          </a:effectRef>
+          <a:fontRef idx="minor">
+            <a:schemeClr val="lt1"/>
+          </a:fontRef>
+        </p:style>
+        <p:txBody>
+          <a:bodyPr vert="horz" lIns="68580" tIns="34290" rIns="68580" bIns="34290" rtlCol="0" anchor="ctr">
+            <a:normAutofit/>
+          </a:bodyPr>
+          <a:lstStyle/>
+          <a:p>
+            <a:pPr algn="ctr"/>
+            <a:r>
+              <a:rPr lang="ru-RU" sz="2400" dirty="0"/>
+              <a:t>Пример паттерна технического анализа</a:t>
+            </a:r>
+          </a:p>
+        </p:txBody>
+      </p:sp>
+      <p:sp>
+        <p:nvSpPr>
+          <p:cNvPr id="9" name="Slide Number Placeholder 8">
+            <a:extLst>
+              <a:ext uri="{FF2B5EF4-FFF2-40B4-BE49-F238E27FC236}">
+                <a16:creationId xmlns:a16="http://schemas.microsoft.com/office/drawing/2014/main" id="{438A3402-2B57-C17C-C939-B80BAEE0F413}"/>
+              </a:ext>
+            </a:extLst>
+          </p:cNvPr>
+          <p:cNvSpPr>
+            <a:spLocks noGrp="1"/>
+          </p:cNvSpPr>
+          <p:nvPr>
+            <p:ph type="sldNum" sz="quarter" idx="12"/>
+          </p:nvPr>
+        </p:nvSpPr>
+        <p:spPr/>
+        <p:txBody>
+          <a:bodyPr/>
+          <a:lstStyle/>
+          <a:p>
+            <a:r>
+              <a:rPr lang="ru-RU" dirty="0"/>
+              <a:t>4</a:t>
+            </a:r>
+            <a:r>
+              <a:rPr lang="en-US" dirty="0"/>
+              <a:t> </a:t>
+            </a:r>
+            <a:r>
+              <a:rPr lang="ru-RU" dirty="0"/>
+              <a:t>из 19</a:t>
+            </a:r>
+          </a:p>
+        </p:txBody>
+      </p:sp>
+      <p:pic>
+        <p:nvPicPr>
+          <p:cNvPr id="2" name="Picture 1">
+            <a:extLst>
+              <a:ext uri="{FF2B5EF4-FFF2-40B4-BE49-F238E27FC236}">
+                <a16:creationId xmlns:a16="http://schemas.microsoft.com/office/drawing/2014/main" id="{BCBC7B01-48CD-A4F4-EE88-873F48D7E641}"/>
+              </a:ext>
+            </a:extLst>
+          </p:cNvPr>
+          <p:cNvPicPr>
+            <a:picLocks noChangeAspect="1"/>
+          </p:cNvPicPr>
+          <p:nvPr/>
+        </p:nvPicPr>
+        <p:blipFill>
+          <a:blip r:embed="rId3" cstate="print">
+            <a:extLst>
+              <a:ext uri="{28A0092B-C50C-407E-A947-70E740481C1C}">
+                <a14:useLocalDpi xmlns:a14="http://schemas.microsoft.com/office/drawing/2010/main" val="0"/>
+              </a:ext>
+            </a:extLst>
+          </a:blip>
+          <a:stretch>
+            <a:fillRect/>
+          </a:stretch>
+        </p:blipFill>
+        <p:spPr>
+          <a:xfrm>
+            <a:off x="3146847" y="1441794"/>
+            <a:ext cx="5898305" cy="4397425"/>
+          </a:xfrm>
+          <a:prstGeom prst="rect">
+            <a:avLst/>
+          </a:prstGeom>
+        </p:spPr>
+      </p:pic>
+      <p:sp>
+        <p:nvSpPr>
+          <p:cNvPr id="4" name="TextBox 3">
+            <a:extLst>
+              <a:ext uri="{FF2B5EF4-FFF2-40B4-BE49-F238E27FC236}">
+                <a16:creationId xmlns:a16="http://schemas.microsoft.com/office/drawing/2014/main" id="{6319191C-331E-9DA2-2131-70DD0D3F39FF}"/>
+              </a:ext>
+            </a:extLst>
+          </p:cNvPr>
+          <p:cNvSpPr txBox="1"/>
+          <p:nvPr/>
+        </p:nvSpPr>
+        <p:spPr>
+          <a:xfrm>
+            <a:off x="3194146" y="5953080"/>
+            <a:ext cx="6012918" cy="461665"/>
+          </a:xfrm>
+          <a:prstGeom prst="rect">
+            <a:avLst/>
+          </a:prstGeom>
+          <a:noFill/>
+        </p:spPr>
+        <p:txBody>
+          <a:bodyPr wrap="square" rtlCol="0">
+            <a:spAutoFit/>
+          </a:bodyPr>
+          <a:lstStyle/>
+          <a:p>
+            <a:pPr algn="ctr"/>
+            <a:r>
+              <a:rPr lang="ru-RU" sz="2400" dirty="0"/>
+              <a:t>Паттерн «Бычий флаг»</a:t>
+            </a:r>
+            <a:r>
+              <a:rPr lang="en-RU" sz="2400" dirty="0"/>
+              <a:t> </a:t>
+            </a:r>
+          </a:p>
+        </p:txBody>
+      </p:sp>
+    </p:spTree>
+    <p:extLst>
+      <p:ext uri="{BB962C8B-B14F-4D97-AF65-F5344CB8AC3E}">
+        <p14:creationId xmlns:p14="http://schemas.microsoft.com/office/powerpoint/2010/main" val="3862766717"/>
+      </p:ext>
+    </p:extLst>
+  </p:cSld>
+  <p:clrMapOvr>
+    <a:masterClrMapping/>
+  </p:clrMapOvr>
+</p:sld>
+</file>
+
+<file path=ppt/slides/slide5.xml><?xml version="1.0" encoding="utf-8"?>
 <p:sld xmlns:a="http://schemas.openxmlformats.org/drawingml/2006/main" xmlns:r="http://schemas.openxmlformats.org/officeDocument/2006/relationships" xmlns:p="http://schemas.openxmlformats.org/presentationml/2006/main">
   <p:cSld>
     <p:spTree>
@@ -7918,7 +8946,7 @@
           <a:p>
             <a:r>
               <a:rPr lang="ru-RU" dirty="0"/>
-              <a:t>3</a:t>
+              <a:t>5</a:t>
             </a:r>
             <a:r>
               <a:rPr lang="en-US" dirty="0"/>
@@ -7926,7 +8954,7 @@
             </a:r>
             <a:r>
               <a:rPr lang="ru-RU" dirty="0"/>
-              <a:t>из 13</a:t>
+              <a:t>из 19</a:t>
             </a:r>
           </a:p>
         </p:txBody>
@@ -8646,7 +9674,7 @@
 </p:sld>
 </file>
 
-<file path=ppt/slides/slide5.xml><?xml version="1.0" encoding="utf-8"?>
+<file path=ppt/slides/slide6.xml><?xml version="1.0" encoding="utf-8"?>
 <p:sld xmlns:a="http://schemas.openxmlformats.org/drawingml/2006/main" xmlns:r="http://schemas.openxmlformats.org/officeDocument/2006/relationships" xmlns:p="http://schemas.openxmlformats.org/presentationml/2006/main">
   <p:cSld>
     <p:spTree>
@@ -8654,7 +9682,7 @@
         <p:cNvPr id="1" name="">
           <a:extLst>
             <a:ext uri="{FF2B5EF4-FFF2-40B4-BE49-F238E27FC236}">
-              <a16:creationId xmlns:a16="http://schemas.microsoft.com/office/drawing/2014/main" id="{D7D5961B-ABA1-7DAB-FCCA-A37D35C90820}"/>
+              <a16:creationId xmlns:a16="http://schemas.microsoft.com/office/drawing/2014/main" id="{68294F7C-E1E1-E895-3636-5BB44CBD19B2}"/>
             </a:ext>
           </a:extLst>
         </p:cNvPr>
@@ -8671,10 +9699,76 @@
       </p:grpSpPr>
       <p:sp>
         <p:nvSpPr>
-          <p:cNvPr id="3" name="TextBox 2">
+          <p:cNvPr id="16" name="Slide Number Placeholder 15">
             <a:extLst>
               <a:ext uri="{FF2B5EF4-FFF2-40B4-BE49-F238E27FC236}">
-                <a16:creationId xmlns:a16="http://schemas.microsoft.com/office/drawing/2014/main" id="{3591385C-D190-1C89-7BA2-8F255037AFF3}"/>
+                <a16:creationId xmlns:a16="http://schemas.microsoft.com/office/drawing/2014/main" id="{399E4127-D01B-D274-5AC7-3920BAA1CC91}"/>
+              </a:ext>
+            </a:extLst>
+          </p:cNvPr>
+          <p:cNvSpPr>
+            <a:spLocks noGrp="1"/>
+          </p:cNvSpPr>
+          <p:nvPr>
+            <p:ph type="sldNum" sz="quarter" idx="12"/>
+          </p:nvPr>
+        </p:nvSpPr>
+        <p:spPr/>
+        <p:txBody>
+          <a:bodyPr/>
+          <a:lstStyle/>
+          <a:p>
+            <a:r>
+              <a:rPr lang="ru-RU" dirty="0"/>
+              <a:t>6</a:t>
+            </a:r>
+            <a:r>
+              <a:rPr lang="en-US" dirty="0"/>
+              <a:t> </a:t>
+            </a:r>
+            <a:r>
+              <a:rPr lang="ru-RU" dirty="0"/>
+              <a:t>из 19</a:t>
+            </a:r>
+          </a:p>
+        </p:txBody>
+      </p:sp>
+      <p:pic>
+        <p:nvPicPr>
+          <p:cNvPr id="2" name="Picture 1">
+            <a:extLst>
+              <a:ext uri="{FF2B5EF4-FFF2-40B4-BE49-F238E27FC236}">
+                <a16:creationId xmlns:a16="http://schemas.microsoft.com/office/drawing/2014/main" id="{5D342E8F-F2B4-6F48-F6A6-9365DC4B3F5B}"/>
+              </a:ext>
+            </a:extLst>
+          </p:cNvPr>
+          <p:cNvPicPr>
+            <a:picLocks noChangeAspect="1"/>
+          </p:cNvPicPr>
+          <p:nvPr/>
+        </p:nvPicPr>
+        <p:blipFill>
+          <a:blip r:embed="rId3"/>
+          <a:stretch>
+            <a:fillRect/>
+          </a:stretch>
+        </p:blipFill>
+        <p:spPr>
+          <a:xfrm>
+            <a:off x="844062" y="1109656"/>
+            <a:ext cx="10509738" cy="5246694"/>
+          </a:xfrm>
+          <a:prstGeom prst="rect">
+            <a:avLst/>
+          </a:prstGeom>
+        </p:spPr>
+      </p:pic>
+      <p:sp>
+        <p:nvSpPr>
+          <p:cNvPr id="4" name="TextBox 3">
+            <a:extLst>
+              <a:ext uri="{FF2B5EF4-FFF2-40B4-BE49-F238E27FC236}">
+                <a16:creationId xmlns:a16="http://schemas.microsoft.com/office/drawing/2014/main" id="{448BB818-8B2F-9299-D6E1-FC1EDE2DF306}"/>
               </a:ext>
             </a:extLst>
           </p:cNvPr>
@@ -8683,7 +9777,7 @@
         </p:nvSpPr>
         <p:spPr>
           <a:xfrm>
-            <a:off x="844063" y="654139"/>
+            <a:off x="844062" y="308047"/>
             <a:ext cx="10509738" cy="658297"/>
           </a:xfrm>
           <a:prstGeom prst="rect">
@@ -8719,17 +9813,187 @@
             <a:pPr algn="ctr"/>
             <a:r>
               <a:rPr lang="ru-RU" sz="2400" dirty="0"/>
-              <a:t>Используемые технологии</a:t>
+              <a:t>Библиотека </a:t>
+            </a:r>
+            <a:r>
+              <a:rPr lang="en-GB" sz="2400" b="1" dirty="0"/>
+              <a:t>interactive-</a:t>
+            </a:r>
+            <a:r>
+              <a:rPr lang="en-GB" sz="2400" b="1" dirty="0" err="1"/>
+              <a:t>lw</a:t>
+            </a:r>
+            <a:r>
+              <a:rPr lang="en-GB" sz="2400" b="1" dirty="0"/>
+              <a:t>-charts-tools</a:t>
+            </a:r>
+            <a:endParaRPr lang="ru-RU" sz="2400" b="1" dirty="0"/>
+          </a:p>
+        </p:txBody>
+      </p:sp>
+    </p:spTree>
+    <p:extLst>
+      <p:ext uri="{BB962C8B-B14F-4D97-AF65-F5344CB8AC3E}">
+        <p14:creationId xmlns:p14="http://schemas.microsoft.com/office/powerpoint/2010/main" val="1859555486"/>
+      </p:ext>
+    </p:extLst>
+  </p:cSld>
+  <p:clrMapOvr>
+    <a:masterClrMapping/>
+  </p:clrMapOvr>
+</p:sld>
+</file>
+
+<file path=ppt/slides/slide7.xml><?xml version="1.0" encoding="utf-8"?>
+<p:sld xmlns:a="http://schemas.openxmlformats.org/drawingml/2006/main" xmlns:r="http://schemas.openxmlformats.org/officeDocument/2006/relationships" xmlns:p="http://schemas.openxmlformats.org/presentationml/2006/main">
+  <p:cSld>
+    <p:spTree>
+      <p:nvGrpSpPr>
+        <p:cNvPr id="1" name="">
+          <a:extLst>
+            <a:ext uri="{FF2B5EF4-FFF2-40B4-BE49-F238E27FC236}">
+              <a16:creationId xmlns:a16="http://schemas.microsoft.com/office/drawing/2014/main" id="{321A9118-7EA7-FE01-8C21-07FC0AD3F7EE}"/>
+            </a:ext>
+          </a:extLst>
+        </p:cNvPr>
+        <p:cNvGrpSpPr/>
+        <p:nvPr/>
+      </p:nvGrpSpPr>
+      <p:grpSpPr>
+        <a:xfrm>
+          <a:off x="0" y="0"/>
+          <a:ext cx="0" cy="0"/>
+          <a:chOff x="0" y="0"/>
+          <a:chExt cx="0" cy="0"/>
+        </a:xfrm>
+      </p:grpSpPr>
+      <p:sp>
+        <p:nvSpPr>
+          <p:cNvPr id="16" name="Slide Number Placeholder 15">
+            <a:extLst>
+              <a:ext uri="{FF2B5EF4-FFF2-40B4-BE49-F238E27FC236}">
+                <a16:creationId xmlns:a16="http://schemas.microsoft.com/office/drawing/2014/main" id="{D560AF58-37AA-2ED3-723F-B7A20F6698A2}"/>
+              </a:ext>
+            </a:extLst>
+          </p:cNvPr>
+          <p:cNvSpPr>
+            <a:spLocks noGrp="1"/>
+          </p:cNvSpPr>
+          <p:nvPr>
+            <p:ph type="sldNum" sz="quarter" idx="12"/>
+          </p:nvPr>
+        </p:nvSpPr>
+        <p:spPr/>
+        <p:txBody>
+          <a:bodyPr/>
+          <a:lstStyle/>
+          <a:p>
+            <a:r>
+              <a:rPr lang="ru-RU" dirty="0"/>
+              <a:t>7</a:t>
+            </a:r>
+            <a:r>
+              <a:rPr lang="en-US" dirty="0"/>
+              <a:t> </a:t>
+            </a:r>
+            <a:r>
+              <a:rPr lang="ru-RU" dirty="0"/>
+              <a:t>из 19</a:t>
+            </a:r>
+          </a:p>
+        </p:txBody>
+      </p:sp>
+      <p:sp>
+        <p:nvSpPr>
+          <p:cNvPr id="4" name="TextBox 3">
+            <a:extLst>
+              <a:ext uri="{FF2B5EF4-FFF2-40B4-BE49-F238E27FC236}">
+                <a16:creationId xmlns:a16="http://schemas.microsoft.com/office/drawing/2014/main" id="{7D69ED89-1BA4-028B-BC6D-4FBCEF9C4EFD}"/>
+              </a:ext>
+            </a:extLst>
+          </p:cNvPr>
+          <p:cNvSpPr txBox="1"/>
+          <p:nvPr/>
+        </p:nvSpPr>
+        <p:spPr>
+          <a:xfrm>
+            <a:off x="844062" y="308047"/>
+            <a:ext cx="10509738" cy="658297"/>
+          </a:xfrm>
+          <a:prstGeom prst="rect">
+            <a:avLst/>
+          </a:prstGeom>
+          <a:solidFill>
+            <a:schemeClr val="accent5"/>
+          </a:solidFill>
+          <a:ln>
+            <a:noFill/>
+          </a:ln>
+        </p:spPr>
+        <p:style>
+          <a:lnRef idx="0">
+            <a:scrgbClr r="0" g="0" b="0"/>
+          </a:lnRef>
+          <a:fillRef idx="0">
+            <a:scrgbClr r="0" g="0" b="0"/>
+          </a:fillRef>
+          <a:effectRef idx="0">
+            <a:scrgbClr r="0" g="0" b="0"/>
+          </a:effectRef>
+          <a:fontRef idx="minor">
+            <a:schemeClr val="lt1"/>
+          </a:fontRef>
+        </p:style>
+        <p:txBody>
+          <a:bodyPr vert="horz" lIns="68580" tIns="34290" rIns="68580" bIns="34290" rtlCol="0" anchor="ctr">
+            <a:normAutofit/>
+          </a:bodyPr>
+          <a:lstStyle/>
+          <a:p>
+            <a:pPr algn="ctr"/>
+            <a:r>
+              <a:rPr lang="ru-RU" sz="2400" b="1" dirty="0"/>
+              <a:t>Архитектура</a:t>
             </a:r>
           </a:p>
         </p:txBody>
       </p:sp>
       <p:pic>
         <p:nvPicPr>
-          <p:cNvPr id="1026" name="Picture 2" descr="TypeScript - Wikipedia">
+          <p:cNvPr id="5" name="Picture 4">
             <a:extLst>
               <a:ext uri="{FF2B5EF4-FFF2-40B4-BE49-F238E27FC236}">
-                <a16:creationId xmlns:a16="http://schemas.microsoft.com/office/drawing/2014/main" id="{771732E6-4F13-4E94-1490-377BF4B5220D}"/>
+                <a16:creationId xmlns:a16="http://schemas.microsoft.com/office/drawing/2014/main" id="{15175558-1510-3B9A-7FF8-D9240E9B1662}"/>
+              </a:ext>
+            </a:extLst>
+          </p:cNvPr>
+          <p:cNvPicPr>
+            <a:picLocks noChangeAspect="1"/>
+          </p:cNvPicPr>
+          <p:nvPr/>
+        </p:nvPicPr>
+        <p:blipFill>
+          <a:blip r:embed="rId3"/>
+          <a:stretch>
+            <a:fillRect/>
+          </a:stretch>
+        </p:blipFill>
+        <p:spPr>
+          <a:xfrm>
+            <a:off x="838199" y="1102417"/>
+            <a:ext cx="9058835" cy="5436495"/>
+          </a:xfrm>
+          <a:prstGeom prst="rect">
+            <a:avLst/>
+          </a:prstGeom>
+        </p:spPr>
+      </p:pic>
+      <p:pic>
+        <p:nvPicPr>
+          <p:cNvPr id="6" name="Picture 2" descr="TypeScript - Wikipedia">
+            <a:extLst>
+              <a:ext uri="{FF2B5EF4-FFF2-40B4-BE49-F238E27FC236}">
+                <a16:creationId xmlns:a16="http://schemas.microsoft.com/office/drawing/2014/main" id="{5467E809-E6CF-B503-0B89-76393031E891}"/>
               </a:ext>
             </a:extLst>
           </p:cNvPr>
@@ -8739,7 +10003,7 @@
           <p:nvPr/>
         </p:nvPicPr>
         <p:blipFill>
-          <a:blip r:embed="rId3">
+          <a:blip r:embed="rId4">
             <a:extLst>
               <a:ext uri="{28A0092B-C50C-407E-A947-70E740481C1C}">
                 <a14:useLocalDpi xmlns:a14="http://schemas.microsoft.com/office/drawing/2010/main" val="0"/>
@@ -8753,8 +10017,8 @@
         </p:blipFill>
         <p:spPr bwMode="auto">
           <a:xfrm>
-            <a:off x="2329493" y="3059469"/>
-            <a:ext cx="1441095" cy="1441095"/>
+            <a:off x="10268161" y="1188439"/>
+            <a:ext cx="986326" cy="986326"/>
           </a:xfrm>
           <a:prstGeom prst="rect">
             <a:avLst/>
@@ -8773,10 +10037,10 @@
       </p:pic>
       <p:pic>
         <p:nvPicPr>
-          <p:cNvPr id="1028" name="Picture 4">
+          <p:cNvPr id="7" name="Picture 4">
             <a:extLst>
               <a:ext uri="{FF2B5EF4-FFF2-40B4-BE49-F238E27FC236}">
-                <a16:creationId xmlns:a16="http://schemas.microsoft.com/office/drawing/2014/main" id="{54187B95-6F28-D91A-900C-8B5E1CF4F052}"/>
+                <a16:creationId xmlns:a16="http://schemas.microsoft.com/office/drawing/2014/main" id="{DE9FCEED-60B8-EDCB-A152-3C7BBE33ADA3}"/>
               </a:ext>
             </a:extLst>
           </p:cNvPr>
@@ -8786,7 +10050,7 @@
           <p:nvPr/>
         </p:nvPicPr>
         <p:blipFill>
-          <a:blip r:embed="rId4">
+          <a:blip r:embed="rId5">
             <a:extLst>
               <a:ext uri="{28A0092B-C50C-407E-A947-70E740481C1C}">
                 <a14:useLocalDpi xmlns:a14="http://schemas.microsoft.com/office/drawing/2010/main" val="0"/>
@@ -8800,8 +10064,8 @@
         </p:blipFill>
         <p:spPr bwMode="auto">
           <a:xfrm>
-            <a:off x="4468830" y="3182900"/>
-            <a:ext cx="1377141" cy="1194239"/>
+            <a:off x="10169901" y="2420178"/>
+            <a:ext cx="1097123" cy="951411"/>
           </a:xfrm>
           <a:prstGeom prst="rect">
             <a:avLst/>
@@ -8820,10 +10084,10 @@
       </p:pic>
       <p:pic>
         <p:nvPicPr>
-          <p:cNvPr id="1038" name="Picture 14" descr="Leading Trainers of HTML5 Canvas Course| Expert Training Program in HTML5  Canvas | SpringPeople">
+          <p:cNvPr id="8" name="Picture 14" descr="Leading Trainers of HTML5 Canvas Course| Expert Training Program in HTML5  Canvas | SpringPeople">
             <a:extLst>
               <a:ext uri="{FF2B5EF4-FFF2-40B4-BE49-F238E27FC236}">
-                <a16:creationId xmlns:a16="http://schemas.microsoft.com/office/drawing/2014/main" id="{752AB99A-B5FF-F436-335C-D8C0FAC27E0E}"/>
+                <a16:creationId xmlns:a16="http://schemas.microsoft.com/office/drawing/2014/main" id="{8F3FACDD-A5F0-971D-C92C-D53B5228746F}"/>
               </a:ext>
             </a:extLst>
           </p:cNvPr>
@@ -8833,7 +10097,7 @@
           <p:nvPr/>
         </p:nvPicPr>
         <p:blipFill>
-          <a:blip r:embed="rId5">
+          <a:blip r:embed="rId6">
             <a:extLst>
               <a:ext uri="{28A0092B-C50C-407E-A947-70E740481C1C}">
                 <a14:useLocalDpi xmlns:a14="http://schemas.microsoft.com/office/drawing/2010/main" val="0"/>
@@ -8847,8 +10111,8 @@
         </p:blipFill>
         <p:spPr bwMode="auto">
           <a:xfrm>
-            <a:off x="6192841" y="2752043"/>
-            <a:ext cx="1381645" cy="1844567"/>
+            <a:off x="10256507" y="4699801"/>
+            <a:ext cx="892742" cy="1191856"/>
           </a:xfrm>
           <a:prstGeom prst="rect">
             <a:avLst/>
@@ -8870,7 +10134,7 @@
           <p:cNvPr id="9" name="Graphic 8">
             <a:extLst>
               <a:ext uri="{FF2B5EF4-FFF2-40B4-BE49-F238E27FC236}">
-                <a16:creationId xmlns:a16="http://schemas.microsoft.com/office/drawing/2014/main" id="{28FCD673-B8D4-5BBC-DB05-0C39078918CA}"/>
+                <a16:creationId xmlns:a16="http://schemas.microsoft.com/office/drawing/2014/main" id="{1964603D-458E-9CA1-7A7F-8676A61E3901}"/>
               </a:ext>
             </a:extLst>
           </p:cNvPr>
@@ -8880,10 +10144,10 @@
           <p:nvPr/>
         </p:nvPicPr>
         <p:blipFill>
-          <a:blip r:embed="rId6">
+          <a:blip r:embed="rId7">
             <a:extLst>
               <a:ext uri="{96DAC541-7B7A-43D3-8B79-37D633B846F1}">
-                <asvg:svgBlip xmlns:asvg="http://schemas.microsoft.com/office/drawing/2016/SVG/main" r:embed="rId7"/>
+                <asvg:svgBlip xmlns:asvg="http://schemas.microsoft.com/office/drawing/2016/SVG/main" r:embed="rId8"/>
               </a:ext>
             </a:extLst>
           </a:blip>
@@ -8893,54 +10157,18 @@
         </p:blipFill>
         <p:spPr>
           <a:xfrm>
-            <a:off x="7921353" y="2589726"/>
-            <a:ext cx="2143125" cy="2143125"/>
+            <a:off x="10118464" y="3486412"/>
+            <a:ext cx="1199996" cy="1199996"/>
           </a:xfrm>
           <a:prstGeom prst="rect">
             <a:avLst/>
           </a:prstGeom>
         </p:spPr>
       </p:pic>
-      <p:sp>
-        <p:nvSpPr>
-          <p:cNvPr id="16" name="Slide Number Placeholder 15">
-            <a:extLst>
-              <a:ext uri="{FF2B5EF4-FFF2-40B4-BE49-F238E27FC236}">
-                <a16:creationId xmlns:a16="http://schemas.microsoft.com/office/drawing/2014/main" id="{B71D6D26-74E1-4A92-99ED-1DCBAC6906EE}"/>
-              </a:ext>
-            </a:extLst>
-          </p:cNvPr>
-          <p:cNvSpPr>
-            <a:spLocks noGrp="1"/>
-          </p:cNvSpPr>
-          <p:nvPr>
-            <p:ph type="sldNum" sz="quarter" idx="12"/>
-          </p:nvPr>
-        </p:nvSpPr>
-        <p:spPr/>
-        <p:txBody>
-          <a:bodyPr/>
-          <a:lstStyle/>
-          <a:p>
-            <a:r>
-              <a:rPr lang="ru-RU" dirty="0"/>
-              <a:t>4</a:t>
-            </a:r>
-            <a:r>
-              <a:rPr lang="en-US" dirty="0"/>
-              <a:t> </a:t>
-            </a:r>
-            <a:r>
-              <a:rPr lang="ru-RU" dirty="0"/>
-              <a:t>из 13</a:t>
-            </a:r>
-          </a:p>
-        </p:txBody>
-      </p:sp>
     </p:spTree>
     <p:extLst>
       <p:ext uri="{BB962C8B-B14F-4D97-AF65-F5344CB8AC3E}">
-        <p14:creationId xmlns:p14="http://schemas.microsoft.com/office/powerpoint/2010/main" val="2922075514"/>
+        <p14:creationId xmlns:p14="http://schemas.microsoft.com/office/powerpoint/2010/main" val="1266664032"/>
       </p:ext>
     </p:extLst>
   </p:cSld>
@@ -8950,7 +10178,7 @@
 </p:sld>
 </file>
 
-<file path=ppt/slides/slide6.xml><?xml version="1.0" encoding="utf-8"?>
+<file path=ppt/slides/slide8.xml><?xml version="1.0" encoding="utf-8"?>
 <p:sld xmlns:a="http://schemas.openxmlformats.org/drawingml/2006/main" xmlns:r="http://schemas.openxmlformats.org/officeDocument/2006/relationships" xmlns:p="http://schemas.openxmlformats.org/presentationml/2006/main">
   <p:cSld>
     <p:spTree>
@@ -9058,7 +10286,7 @@
         </p:blipFill>
         <p:spPr>
           <a:xfrm>
-            <a:off x="953343" y="2274277"/>
+            <a:off x="927759" y="1910861"/>
             <a:ext cx="10426041" cy="3036277"/>
           </a:xfrm>
           <a:prstGeom prst="rect">
@@ -9089,7 +10317,7 @@
           <a:p>
             <a:r>
               <a:rPr lang="ru-RU" dirty="0"/>
-              <a:t>5</a:t>
+              <a:t>8</a:t>
             </a:r>
             <a:r>
               <a:rPr lang="en-US" dirty="0"/>
@@ -9097,7 +10325,7 @@
             </a:r>
             <a:r>
               <a:rPr lang="ru-RU" dirty="0"/>
-              <a:t>из 13</a:t>
+              <a:t>из 19</a:t>
             </a:r>
           </a:p>
         </p:txBody>
@@ -9115,7 +10343,7 @@
 </p:sld>
 </file>
 
-<file path=ppt/slides/slide7.xml><?xml version="1.0" encoding="utf-8"?>
+<file path=ppt/slides/slide9.xml><?xml version="1.0" encoding="utf-8"?>
 <p:sld xmlns:a="http://schemas.openxmlformats.org/drawingml/2006/main" xmlns:r="http://schemas.openxmlformats.org/officeDocument/2006/relationships" xmlns:p="http://schemas.openxmlformats.org/presentationml/2006/main">
   <p:cSld>
     <p:spTree>
@@ -9216,7 +10444,7 @@
           <a:p>
             <a:r>
               <a:rPr lang="ru-RU" dirty="0"/>
-              <a:t>6</a:t>
+              <a:t>9</a:t>
             </a:r>
             <a:r>
               <a:rPr lang="en-US" dirty="0"/>
@@ -9224,7 +10452,7 @@
             </a:r>
             <a:r>
               <a:rPr lang="ru-RU" dirty="0"/>
-              <a:t>из 13</a:t>
+              <a:t>из 19</a:t>
             </a:r>
           </a:p>
         </p:txBody>
@@ -9500,7 +10728,7 @@
         </p:blipFill>
         <p:spPr>
           <a:xfrm>
-            <a:off x="1356796" y="1767634"/>
+            <a:off x="1031632" y="1844463"/>
             <a:ext cx="4156639" cy="3995358"/>
           </a:xfrm>
           <a:prstGeom prst="rect">
@@ -9512,735 +10740,6 @@
     <p:extLst>
       <p:ext uri="{BB962C8B-B14F-4D97-AF65-F5344CB8AC3E}">
         <p14:creationId xmlns:p14="http://schemas.microsoft.com/office/powerpoint/2010/main" val="3562866227"/>
-      </p:ext>
-    </p:extLst>
-  </p:cSld>
-  <p:clrMapOvr>
-    <a:masterClrMapping/>
-  </p:clrMapOvr>
-</p:sld>
-</file>
-
-<file path=ppt/slides/slide8.xml><?xml version="1.0" encoding="utf-8"?>
-<p:sld xmlns:a="http://schemas.openxmlformats.org/drawingml/2006/main" xmlns:r="http://schemas.openxmlformats.org/officeDocument/2006/relationships" xmlns:p="http://schemas.openxmlformats.org/presentationml/2006/main">
-  <p:cSld>
-    <p:spTree>
-      <p:nvGrpSpPr>
-        <p:cNvPr id="1" name="">
-          <a:extLst>
-            <a:ext uri="{FF2B5EF4-FFF2-40B4-BE49-F238E27FC236}">
-              <a16:creationId xmlns:a16="http://schemas.microsoft.com/office/drawing/2014/main" id="{B2673FFB-E80D-94A2-3D3C-A1C04C83D041}"/>
-            </a:ext>
-          </a:extLst>
-        </p:cNvPr>
-        <p:cNvGrpSpPr/>
-        <p:nvPr/>
-      </p:nvGrpSpPr>
-      <p:grpSpPr>
-        <a:xfrm>
-          <a:off x="0" y="0"/>
-          <a:ext cx="0" cy="0"/>
-          <a:chOff x="0" y="0"/>
-          <a:chExt cx="0" cy="0"/>
-        </a:xfrm>
-      </p:grpSpPr>
-      <p:sp>
-        <p:nvSpPr>
-          <p:cNvPr id="13" name="TextBox 12">
-            <a:extLst>
-              <a:ext uri="{FF2B5EF4-FFF2-40B4-BE49-F238E27FC236}">
-                <a16:creationId xmlns:a16="http://schemas.microsoft.com/office/drawing/2014/main" id="{D88395EB-C05A-3642-38A6-5FCC516D7D1C}"/>
-              </a:ext>
-            </a:extLst>
-          </p:cNvPr>
-          <p:cNvSpPr txBox="1"/>
-          <p:nvPr/>
-        </p:nvSpPr>
-        <p:spPr>
-          <a:xfrm>
-            <a:off x="1031632" y="747129"/>
-            <a:ext cx="10322168" cy="658297"/>
-          </a:xfrm>
-          <a:prstGeom prst="rect">
-            <a:avLst/>
-          </a:prstGeom>
-          <a:solidFill>
-            <a:schemeClr val="accent5"/>
-          </a:solidFill>
-          <a:ln>
-            <a:noFill/>
-          </a:ln>
-        </p:spPr>
-        <p:style>
-          <a:lnRef idx="0">
-            <a:scrgbClr r="0" g="0" b="0"/>
-          </a:lnRef>
-          <a:fillRef idx="0">
-            <a:scrgbClr r="0" g="0" b="0"/>
-          </a:fillRef>
-          <a:effectRef idx="0">
-            <a:scrgbClr r="0" g="0" b="0"/>
-          </a:effectRef>
-          <a:fontRef idx="minor">
-            <a:schemeClr val="lt1"/>
-          </a:fontRef>
-        </p:style>
-        <p:txBody>
-          <a:bodyPr vert="horz" lIns="68580" tIns="34290" rIns="68580" bIns="34290" rtlCol="0" anchor="ctr">
-            <a:normAutofit/>
-          </a:bodyPr>
-          <a:lstStyle/>
-          <a:p>
-            <a:pPr algn="ctr"/>
-            <a:r>
-              <a:rPr lang="ru-RU" sz="2400" dirty="0"/>
-              <a:t>Функционал реализованный в инструментах рисования</a:t>
-            </a:r>
-          </a:p>
-        </p:txBody>
-      </p:sp>
-      <p:sp>
-        <p:nvSpPr>
-          <p:cNvPr id="6" name="Content Placeholder 2">
-            <a:extLst>
-              <a:ext uri="{FF2B5EF4-FFF2-40B4-BE49-F238E27FC236}">
-                <a16:creationId xmlns:a16="http://schemas.microsoft.com/office/drawing/2014/main" id="{B09E0858-F7C3-A341-2365-5E8F53D59E5E}"/>
-              </a:ext>
-            </a:extLst>
-          </p:cNvPr>
-          <p:cNvSpPr txBox="1">
-            <a:spLocks/>
-          </p:cNvSpPr>
-          <p:nvPr/>
-        </p:nvSpPr>
-        <p:spPr>
-          <a:xfrm>
-            <a:off x="1031632" y="2215662"/>
-            <a:ext cx="10322167" cy="2419837"/>
-          </a:xfrm>
-          <a:prstGeom prst="rect">
-            <a:avLst/>
-          </a:prstGeom>
-        </p:spPr>
-        <p:txBody>
-          <a:bodyPr vert="horz" lIns="68580" tIns="34290" rIns="68580" bIns="34290" rtlCol="0">
-            <a:normAutofit/>
-          </a:bodyPr>
-          <a:lstStyle>
-            <a:lvl1pPr marL="228600" indent="-228600" algn="l" defTabSz="914400" rtl="0" eaLnBrk="1" latinLnBrk="0" hangingPunct="1">
-              <a:lnSpc>
-                <a:spcPct val="90000"/>
-              </a:lnSpc>
-              <a:spcBef>
-                <a:spcPts val="1000"/>
-              </a:spcBef>
-              <a:buFont typeface="Arial" panose="020B0604020202020204" pitchFamily="34" charset="0"/>
-              <a:buChar char="•"/>
-              <a:defRPr sz="2800" kern="1200">
-                <a:solidFill>
-                  <a:schemeClr val="tx1"/>
-                </a:solidFill>
-                <a:latin typeface="+mn-lt"/>
-                <a:ea typeface="+mn-ea"/>
-                <a:cs typeface="+mn-cs"/>
-              </a:defRPr>
-            </a:lvl1pPr>
-            <a:lvl2pPr marL="685800" indent="-228600" algn="l" defTabSz="914400" rtl="0" eaLnBrk="1" latinLnBrk="0" hangingPunct="1">
-              <a:lnSpc>
-                <a:spcPct val="90000"/>
-              </a:lnSpc>
-              <a:spcBef>
-                <a:spcPts val="500"/>
-              </a:spcBef>
-              <a:buFont typeface="Arial" panose="020B0604020202020204" pitchFamily="34" charset="0"/>
-              <a:buChar char="•"/>
-              <a:defRPr sz="2400" kern="1200">
-                <a:solidFill>
-                  <a:schemeClr val="tx1"/>
-                </a:solidFill>
-                <a:latin typeface="+mn-lt"/>
-                <a:ea typeface="+mn-ea"/>
-                <a:cs typeface="+mn-cs"/>
-              </a:defRPr>
-            </a:lvl2pPr>
-            <a:lvl3pPr marL="1143000" indent="-228600" algn="l" defTabSz="914400" rtl="0" eaLnBrk="1" latinLnBrk="0" hangingPunct="1">
-              <a:lnSpc>
-                <a:spcPct val="90000"/>
-              </a:lnSpc>
-              <a:spcBef>
-                <a:spcPts val="500"/>
-              </a:spcBef>
-              <a:buFont typeface="Arial" panose="020B0604020202020204" pitchFamily="34" charset="0"/>
-              <a:buChar char="•"/>
-              <a:defRPr sz="2000" kern="1200">
-                <a:solidFill>
-                  <a:schemeClr val="tx1"/>
-                </a:solidFill>
-                <a:latin typeface="+mn-lt"/>
-                <a:ea typeface="+mn-ea"/>
-                <a:cs typeface="+mn-cs"/>
-              </a:defRPr>
-            </a:lvl3pPr>
-            <a:lvl4pPr marL="1600200" indent="-228600" algn="l" defTabSz="914400" rtl="0" eaLnBrk="1" latinLnBrk="0" hangingPunct="1">
-              <a:lnSpc>
-                <a:spcPct val="90000"/>
-              </a:lnSpc>
-              <a:spcBef>
-                <a:spcPts val="500"/>
-              </a:spcBef>
-              <a:buFont typeface="Arial" panose="020B0604020202020204" pitchFamily="34" charset="0"/>
-              <a:buChar char="•"/>
-              <a:defRPr sz="1800" kern="1200">
-                <a:solidFill>
-                  <a:schemeClr val="tx1"/>
-                </a:solidFill>
-                <a:latin typeface="+mn-lt"/>
-                <a:ea typeface="+mn-ea"/>
-                <a:cs typeface="+mn-cs"/>
-              </a:defRPr>
-            </a:lvl4pPr>
-            <a:lvl5pPr marL="2057400" indent="-228600" algn="l" defTabSz="914400" rtl="0" eaLnBrk="1" latinLnBrk="0" hangingPunct="1">
-              <a:lnSpc>
-                <a:spcPct val="90000"/>
-              </a:lnSpc>
-              <a:spcBef>
-                <a:spcPts val="500"/>
-              </a:spcBef>
-              <a:buFont typeface="Arial" panose="020B0604020202020204" pitchFamily="34" charset="0"/>
-              <a:buChar char="•"/>
-              <a:defRPr sz="1800" kern="1200">
-                <a:solidFill>
-                  <a:schemeClr val="tx1"/>
-                </a:solidFill>
-                <a:latin typeface="+mn-lt"/>
-                <a:ea typeface="+mn-ea"/>
-                <a:cs typeface="+mn-cs"/>
-              </a:defRPr>
-            </a:lvl5pPr>
-            <a:lvl6pPr marL="2514600" indent="-228600" algn="l" defTabSz="914400" rtl="0" eaLnBrk="1" latinLnBrk="0" hangingPunct="1">
-              <a:lnSpc>
-                <a:spcPct val="90000"/>
-              </a:lnSpc>
-              <a:spcBef>
-                <a:spcPts val="500"/>
-              </a:spcBef>
-              <a:buFont typeface="Arial" panose="020B0604020202020204" pitchFamily="34" charset="0"/>
-              <a:buChar char="•"/>
-              <a:defRPr sz="1800" kern="1200">
-                <a:solidFill>
-                  <a:schemeClr val="tx1"/>
-                </a:solidFill>
-                <a:latin typeface="+mn-lt"/>
-                <a:ea typeface="+mn-ea"/>
-                <a:cs typeface="+mn-cs"/>
-              </a:defRPr>
-            </a:lvl6pPr>
-            <a:lvl7pPr marL="2971800" indent="-228600" algn="l" defTabSz="914400" rtl="0" eaLnBrk="1" latinLnBrk="0" hangingPunct="1">
-              <a:lnSpc>
-                <a:spcPct val="90000"/>
-              </a:lnSpc>
-              <a:spcBef>
-                <a:spcPts val="500"/>
-              </a:spcBef>
-              <a:buFont typeface="Arial" panose="020B0604020202020204" pitchFamily="34" charset="0"/>
-              <a:buChar char="•"/>
-              <a:defRPr sz="1800" kern="1200">
-                <a:solidFill>
-                  <a:schemeClr val="tx1"/>
-                </a:solidFill>
-                <a:latin typeface="+mn-lt"/>
-                <a:ea typeface="+mn-ea"/>
-                <a:cs typeface="+mn-cs"/>
-              </a:defRPr>
-            </a:lvl7pPr>
-            <a:lvl8pPr marL="3429000" indent="-228600" algn="l" defTabSz="914400" rtl="0" eaLnBrk="1" latinLnBrk="0" hangingPunct="1">
-              <a:lnSpc>
-                <a:spcPct val="90000"/>
-              </a:lnSpc>
-              <a:spcBef>
-                <a:spcPts val="500"/>
-              </a:spcBef>
-              <a:buFont typeface="Arial" panose="020B0604020202020204" pitchFamily="34" charset="0"/>
-              <a:buChar char="•"/>
-              <a:defRPr sz="1800" kern="1200">
-                <a:solidFill>
-                  <a:schemeClr val="tx1"/>
-                </a:solidFill>
-                <a:latin typeface="+mn-lt"/>
-                <a:ea typeface="+mn-ea"/>
-                <a:cs typeface="+mn-cs"/>
-              </a:defRPr>
-            </a:lvl8pPr>
-            <a:lvl9pPr marL="3886200" indent="-228600" algn="l" defTabSz="914400" rtl="0" eaLnBrk="1" latinLnBrk="0" hangingPunct="1">
-              <a:lnSpc>
-                <a:spcPct val="90000"/>
-              </a:lnSpc>
-              <a:spcBef>
-                <a:spcPts val="500"/>
-              </a:spcBef>
-              <a:buFont typeface="Arial" panose="020B0604020202020204" pitchFamily="34" charset="0"/>
-              <a:buChar char="•"/>
-              <a:defRPr sz="1800" kern="1200">
-                <a:solidFill>
-                  <a:schemeClr val="tx1"/>
-                </a:solidFill>
-                <a:latin typeface="+mn-lt"/>
-                <a:ea typeface="+mn-ea"/>
-                <a:cs typeface="+mn-cs"/>
-              </a:defRPr>
-            </a:lvl9pPr>
-          </a:lstStyle>
-          <a:p>
-            <a:pPr marL="0" indent="0" algn="just">
-              <a:buNone/>
-            </a:pPr>
-            <a:r>
-              <a:rPr lang="ru-RU" dirty="0"/>
-              <a:t>1</a:t>
-            </a:r>
-            <a:r>
-              <a:rPr lang="en-US" dirty="0"/>
-              <a:t>. </a:t>
-            </a:r>
-            <a:r>
-              <a:rPr lang="ru-RU" dirty="0"/>
-              <a:t>Подготовка данных для визуализация</a:t>
-            </a:r>
-            <a:endParaRPr lang="en-US" dirty="0"/>
-          </a:p>
-          <a:p>
-            <a:pPr marL="0" indent="0" algn="just">
-              <a:buNone/>
-            </a:pPr>
-            <a:r>
-              <a:rPr lang="en-US" dirty="0"/>
-              <a:t>2.</a:t>
-            </a:r>
-            <a:r>
-              <a:rPr lang="ru-RU" dirty="0"/>
-              <a:t> Визуализация на </a:t>
-            </a:r>
-            <a:r>
-              <a:rPr lang="en-US" b="1" i="1" dirty="0" err="1"/>
-              <a:t>CanvasRenderingContext</a:t>
-            </a:r>
-            <a:r>
-              <a:rPr lang="ru-RU" b="1" i="1" dirty="0"/>
-              <a:t>2</a:t>
-            </a:r>
-            <a:r>
-              <a:rPr lang="en-US" b="1" i="1" dirty="0"/>
-              <a:t>D</a:t>
-            </a:r>
-            <a:endParaRPr lang="ru-RU" b="1" i="1" dirty="0"/>
-          </a:p>
-          <a:p>
-            <a:pPr marL="0" indent="0" algn="just">
-              <a:buNone/>
-            </a:pPr>
-            <a:r>
-              <a:rPr lang="ru-RU" dirty="0"/>
-              <a:t>3.</a:t>
-            </a:r>
-            <a:r>
-              <a:rPr lang="en-US" dirty="0"/>
-              <a:t> </a:t>
-            </a:r>
-            <a:r>
-              <a:rPr lang="ru-RU" dirty="0"/>
-              <a:t>Проверка на коллизию всех геометрических примитивов с точкой координаты мыши на графике</a:t>
-            </a:r>
-            <a:endParaRPr lang="en-US" dirty="0"/>
-          </a:p>
-        </p:txBody>
-      </p:sp>
-      <p:sp>
-        <p:nvSpPr>
-          <p:cNvPr id="11" name="Slide Number Placeholder 10">
-            <a:extLst>
-              <a:ext uri="{FF2B5EF4-FFF2-40B4-BE49-F238E27FC236}">
-                <a16:creationId xmlns:a16="http://schemas.microsoft.com/office/drawing/2014/main" id="{525E808E-1F6F-3E35-BC3D-73BAAEB0AB6D}"/>
-              </a:ext>
-            </a:extLst>
-          </p:cNvPr>
-          <p:cNvSpPr>
-            <a:spLocks noGrp="1"/>
-          </p:cNvSpPr>
-          <p:nvPr>
-            <p:ph type="sldNum" sz="quarter" idx="12"/>
-          </p:nvPr>
-        </p:nvSpPr>
-        <p:spPr/>
-        <p:txBody>
-          <a:bodyPr/>
-          <a:lstStyle/>
-          <a:p>
-            <a:r>
-              <a:rPr lang="ru-RU" dirty="0"/>
-              <a:t>7 из 13</a:t>
-            </a:r>
-          </a:p>
-        </p:txBody>
-      </p:sp>
-    </p:spTree>
-    <p:extLst>
-      <p:ext uri="{BB962C8B-B14F-4D97-AF65-F5344CB8AC3E}">
-        <p14:creationId xmlns:p14="http://schemas.microsoft.com/office/powerpoint/2010/main" val="913263969"/>
-      </p:ext>
-    </p:extLst>
-  </p:cSld>
-  <p:clrMapOvr>
-    <a:masterClrMapping/>
-  </p:clrMapOvr>
-</p:sld>
-</file>
-
-<file path=ppt/slides/slide9.xml><?xml version="1.0" encoding="utf-8"?>
-<p:sld xmlns:a="http://schemas.openxmlformats.org/drawingml/2006/main" xmlns:r="http://schemas.openxmlformats.org/officeDocument/2006/relationships" xmlns:p="http://schemas.openxmlformats.org/presentationml/2006/main">
-  <p:cSld>
-    <p:spTree>
-      <p:nvGrpSpPr>
-        <p:cNvPr id="1" name="">
-          <a:extLst>
-            <a:ext uri="{FF2B5EF4-FFF2-40B4-BE49-F238E27FC236}">
-              <a16:creationId xmlns:a16="http://schemas.microsoft.com/office/drawing/2014/main" id="{8D740296-C6ED-F67D-CA33-7DB0BB91F237}"/>
-            </a:ext>
-          </a:extLst>
-        </p:cNvPr>
-        <p:cNvGrpSpPr/>
-        <p:nvPr/>
-      </p:nvGrpSpPr>
-      <p:grpSpPr>
-        <a:xfrm>
-          <a:off x="0" y="0"/>
-          <a:ext cx="0" cy="0"/>
-          <a:chOff x="0" y="0"/>
-          <a:chExt cx="0" cy="0"/>
-        </a:xfrm>
-      </p:grpSpPr>
-      <p:sp>
-        <p:nvSpPr>
-          <p:cNvPr id="13" name="TextBox 12">
-            <a:extLst>
-              <a:ext uri="{FF2B5EF4-FFF2-40B4-BE49-F238E27FC236}">
-                <a16:creationId xmlns:a16="http://schemas.microsoft.com/office/drawing/2014/main" id="{6C9FE423-92BE-4645-E8C2-6CF4A7E5C687}"/>
-              </a:ext>
-            </a:extLst>
-          </p:cNvPr>
-          <p:cNvSpPr txBox="1"/>
-          <p:nvPr/>
-        </p:nvSpPr>
-        <p:spPr>
-          <a:xfrm>
-            <a:off x="879232" y="654139"/>
-            <a:ext cx="10474568" cy="658297"/>
-          </a:xfrm>
-          <a:prstGeom prst="rect">
-            <a:avLst/>
-          </a:prstGeom>
-          <a:solidFill>
-            <a:schemeClr val="accent5"/>
-          </a:solidFill>
-          <a:ln>
-            <a:noFill/>
-          </a:ln>
-        </p:spPr>
-        <p:style>
-          <a:lnRef idx="0">
-            <a:scrgbClr r="0" g="0" b="0"/>
-          </a:lnRef>
-          <a:fillRef idx="0">
-            <a:scrgbClr r="0" g="0" b="0"/>
-          </a:fillRef>
-          <a:effectRef idx="0">
-            <a:scrgbClr r="0" g="0" b="0"/>
-          </a:effectRef>
-          <a:fontRef idx="minor">
-            <a:schemeClr val="lt1"/>
-          </a:fontRef>
-        </p:style>
-        <p:txBody>
-          <a:bodyPr vert="horz" lIns="68580" tIns="34290" rIns="68580" bIns="34290" rtlCol="0" anchor="ctr">
-            <a:normAutofit/>
-          </a:bodyPr>
-          <a:lstStyle/>
-          <a:p>
-            <a:pPr algn="ctr"/>
-            <a:r>
-              <a:rPr lang="ru-RU" sz="2400" dirty="0"/>
-              <a:t>Вспомогательные классы библиотеки</a:t>
-            </a:r>
-          </a:p>
-        </p:txBody>
-      </p:sp>
-      <p:sp>
-        <p:nvSpPr>
-          <p:cNvPr id="6" name="Content Placeholder 2">
-            <a:extLst>
-              <a:ext uri="{FF2B5EF4-FFF2-40B4-BE49-F238E27FC236}">
-                <a16:creationId xmlns:a16="http://schemas.microsoft.com/office/drawing/2014/main" id="{E48D26E2-6AFD-899F-99FF-3A721924E490}"/>
-              </a:ext>
-            </a:extLst>
-          </p:cNvPr>
-          <p:cNvSpPr txBox="1">
-            <a:spLocks/>
-          </p:cNvSpPr>
-          <p:nvPr/>
-        </p:nvSpPr>
-        <p:spPr>
-          <a:xfrm>
-            <a:off x="879232" y="1957754"/>
-            <a:ext cx="10474567" cy="3528646"/>
-          </a:xfrm>
-          <a:prstGeom prst="rect">
-            <a:avLst/>
-          </a:prstGeom>
-        </p:spPr>
-        <p:txBody>
-          <a:bodyPr vert="horz" lIns="68580" tIns="34290" rIns="68580" bIns="34290" rtlCol="0">
-            <a:normAutofit/>
-          </a:bodyPr>
-          <a:lstStyle>
-            <a:lvl1pPr marL="228600" indent="-228600" algn="l" defTabSz="914400" rtl="0" eaLnBrk="1" latinLnBrk="0" hangingPunct="1">
-              <a:lnSpc>
-                <a:spcPct val="90000"/>
-              </a:lnSpc>
-              <a:spcBef>
-                <a:spcPts val="1000"/>
-              </a:spcBef>
-              <a:buFont typeface="Arial" panose="020B0604020202020204" pitchFamily="34" charset="0"/>
-              <a:buChar char="•"/>
-              <a:defRPr sz="2800" kern="1200">
-                <a:solidFill>
-                  <a:schemeClr val="tx1"/>
-                </a:solidFill>
-                <a:latin typeface="+mn-lt"/>
-                <a:ea typeface="+mn-ea"/>
-                <a:cs typeface="+mn-cs"/>
-              </a:defRPr>
-            </a:lvl1pPr>
-            <a:lvl2pPr marL="685800" indent="-228600" algn="l" defTabSz="914400" rtl="0" eaLnBrk="1" latinLnBrk="0" hangingPunct="1">
-              <a:lnSpc>
-                <a:spcPct val="90000"/>
-              </a:lnSpc>
-              <a:spcBef>
-                <a:spcPts val="500"/>
-              </a:spcBef>
-              <a:buFont typeface="Arial" panose="020B0604020202020204" pitchFamily="34" charset="0"/>
-              <a:buChar char="•"/>
-              <a:defRPr sz="2400" kern="1200">
-                <a:solidFill>
-                  <a:schemeClr val="tx1"/>
-                </a:solidFill>
-                <a:latin typeface="+mn-lt"/>
-                <a:ea typeface="+mn-ea"/>
-                <a:cs typeface="+mn-cs"/>
-              </a:defRPr>
-            </a:lvl2pPr>
-            <a:lvl3pPr marL="1143000" indent="-228600" algn="l" defTabSz="914400" rtl="0" eaLnBrk="1" latinLnBrk="0" hangingPunct="1">
-              <a:lnSpc>
-                <a:spcPct val="90000"/>
-              </a:lnSpc>
-              <a:spcBef>
-                <a:spcPts val="500"/>
-              </a:spcBef>
-              <a:buFont typeface="Arial" panose="020B0604020202020204" pitchFamily="34" charset="0"/>
-              <a:buChar char="•"/>
-              <a:defRPr sz="2000" kern="1200">
-                <a:solidFill>
-                  <a:schemeClr val="tx1"/>
-                </a:solidFill>
-                <a:latin typeface="+mn-lt"/>
-                <a:ea typeface="+mn-ea"/>
-                <a:cs typeface="+mn-cs"/>
-              </a:defRPr>
-            </a:lvl3pPr>
-            <a:lvl4pPr marL="1600200" indent="-228600" algn="l" defTabSz="914400" rtl="0" eaLnBrk="1" latinLnBrk="0" hangingPunct="1">
-              <a:lnSpc>
-                <a:spcPct val="90000"/>
-              </a:lnSpc>
-              <a:spcBef>
-                <a:spcPts val="500"/>
-              </a:spcBef>
-              <a:buFont typeface="Arial" panose="020B0604020202020204" pitchFamily="34" charset="0"/>
-              <a:buChar char="•"/>
-              <a:defRPr sz="1800" kern="1200">
-                <a:solidFill>
-                  <a:schemeClr val="tx1"/>
-                </a:solidFill>
-                <a:latin typeface="+mn-lt"/>
-                <a:ea typeface="+mn-ea"/>
-                <a:cs typeface="+mn-cs"/>
-              </a:defRPr>
-            </a:lvl4pPr>
-            <a:lvl5pPr marL="2057400" indent="-228600" algn="l" defTabSz="914400" rtl="0" eaLnBrk="1" latinLnBrk="0" hangingPunct="1">
-              <a:lnSpc>
-                <a:spcPct val="90000"/>
-              </a:lnSpc>
-              <a:spcBef>
-                <a:spcPts val="500"/>
-              </a:spcBef>
-              <a:buFont typeface="Arial" panose="020B0604020202020204" pitchFamily="34" charset="0"/>
-              <a:buChar char="•"/>
-              <a:defRPr sz="1800" kern="1200">
-                <a:solidFill>
-                  <a:schemeClr val="tx1"/>
-                </a:solidFill>
-                <a:latin typeface="+mn-lt"/>
-                <a:ea typeface="+mn-ea"/>
-                <a:cs typeface="+mn-cs"/>
-              </a:defRPr>
-            </a:lvl5pPr>
-            <a:lvl6pPr marL="2514600" indent="-228600" algn="l" defTabSz="914400" rtl="0" eaLnBrk="1" latinLnBrk="0" hangingPunct="1">
-              <a:lnSpc>
-                <a:spcPct val="90000"/>
-              </a:lnSpc>
-              <a:spcBef>
-                <a:spcPts val="500"/>
-              </a:spcBef>
-              <a:buFont typeface="Arial" panose="020B0604020202020204" pitchFamily="34" charset="0"/>
-              <a:buChar char="•"/>
-              <a:defRPr sz="1800" kern="1200">
-                <a:solidFill>
-                  <a:schemeClr val="tx1"/>
-                </a:solidFill>
-                <a:latin typeface="+mn-lt"/>
-                <a:ea typeface="+mn-ea"/>
-                <a:cs typeface="+mn-cs"/>
-              </a:defRPr>
-            </a:lvl6pPr>
-            <a:lvl7pPr marL="2971800" indent="-228600" algn="l" defTabSz="914400" rtl="0" eaLnBrk="1" latinLnBrk="0" hangingPunct="1">
-              <a:lnSpc>
-                <a:spcPct val="90000"/>
-              </a:lnSpc>
-              <a:spcBef>
-                <a:spcPts val="500"/>
-              </a:spcBef>
-              <a:buFont typeface="Arial" panose="020B0604020202020204" pitchFamily="34" charset="0"/>
-              <a:buChar char="•"/>
-              <a:defRPr sz="1800" kern="1200">
-                <a:solidFill>
-                  <a:schemeClr val="tx1"/>
-                </a:solidFill>
-                <a:latin typeface="+mn-lt"/>
-                <a:ea typeface="+mn-ea"/>
-                <a:cs typeface="+mn-cs"/>
-              </a:defRPr>
-            </a:lvl7pPr>
-            <a:lvl8pPr marL="3429000" indent="-228600" algn="l" defTabSz="914400" rtl="0" eaLnBrk="1" latinLnBrk="0" hangingPunct="1">
-              <a:lnSpc>
-                <a:spcPct val="90000"/>
-              </a:lnSpc>
-              <a:spcBef>
-                <a:spcPts val="500"/>
-              </a:spcBef>
-              <a:buFont typeface="Arial" panose="020B0604020202020204" pitchFamily="34" charset="0"/>
-              <a:buChar char="•"/>
-              <a:defRPr sz="1800" kern="1200">
-                <a:solidFill>
-                  <a:schemeClr val="tx1"/>
-                </a:solidFill>
-                <a:latin typeface="+mn-lt"/>
-                <a:ea typeface="+mn-ea"/>
-                <a:cs typeface="+mn-cs"/>
-              </a:defRPr>
-            </a:lvl8pPr>
-            <a:lvl9pPr marL="3886200" indent="-228600" algn="l" defTabSz="914400" rtl="0" eaLnBrk="1" latinLnBrk="0" hangingPunct="1">
-              <a:lnSpc>
-                <a:spcPct val="90000"/>
-              </a:lnSpc>
-              <a:spcBef>
-                <a:spcPts val="500"/>
-              </a:spcBef>
-              <a:buFont typeface="Arial" panose="020B0604020202020204" pitchFamily="34" charset="0"/>
-              <a:buChar char="•"/>
-              <a:defRPr sz="1800" kern="1200">
-                <a:solidFill>
-                  <a:schemeClr val="tx1"/>
-                </a:solidFill>
-                <a:latin typeface="+mn-lt"/>
-                <a:ea typeface="+mn-ea"/>
-                <a:cs typeface="+mn-cs"/>
-              </a:defRPr>
-            </a:lvl9pPr>
-          </a:lstStyle>
-          <a:p>
-            <a:r>
-              <a:rPr lang="en-GB" sz="2700" b="1" dirty="0" err="1"/>
-              <a:t>CollisionHelper</a:t>
-            </a:r>
-            <a:r>
-              <a:rPr lang="ru-RU" sz="2700" dirty="0"/>
-              <a:t> – функции для проверки коллизий для некоторых сложных геометрических примитивов</a:t>
-            </a:r>
-          </a:p>
-          <a:p>
-            <a:r>
-              <a:rPr lang="en-GB" sz="2700" b="1" dirty="0" err="1"/>
-              <a:t>MathHelper</a:t>
-            </a:r>
-            <a:r>
-              <a:rPr lang="ru-RU" sz="2700" dirty="0"/>
-              <a:t> –</a:t>
-            </a:r>
-            <a:r>
-              <a:rPr lang="en-US" sz="2700" dirty="0"/>
-              <a:t> </a:t>
-            </a:r>
-            <a:r>
-              <a:rPr lang="ru-RU" sz="2700" dirty="0"/>
-              <a:t>функции линейной алгебры, преобразования и аппроксимации</a:t>
-            </a:r>
-            <a:endParaRPr lang="en-GB" sz="2700" dirty="0"/>
-          </a:p>
-          <a:p>
-            <a:pPr marL="0" indent="0" algn="just">
-              <a:buNone/>
-            </a:pPr>
-            <a:endParaRPr lang="ru-RU" sz="2700" dirty="0"/>
-          </a:p>
-        </p:txBody>
-      </p:sp>
-      <p:sp>
-        <p:nvSpPr>
-          <p:cNvPr id="7" name="Slide Number Placeholder 6">
-            <a:extLst>
-              <a:ext uri="{FF2B5EF4-FFF2-40B4-BE49-F238E27FC236}">
-                <a16:creationId xmlns:a16="http://schemas.microsoft.com/office/drawing/2014/main" id="{382CD600-B61D-1819-E930-45C37FC6435E}"/>
-              </a:ext>
-            </a:extLst>
-          </p:cNvPr>
-          <p:cNvSpPr>
-            <a:spLocks noGrp="1"/>
-          </p:cNvSpPr>
-          <p:nvPr>
-            <p:ph type="sldNum" sz="quarter" idx="12"/>
-          </p:nvPr>
-        </p:nvSpPr>
-        <p:spPr/>
-        <p:txBody>
-          <a:bodyPr/>
-          <a:lstStyle/>
-          <a:p>
-            <a:r>
-              <a:rPr lang="ru-RU" dirty="0"/>
-              <a:t>8</a:t>
-            </a:r>
-            <a:r>
-              <a:rPr lang="en-US" dirty="0"/>
-              <a:t> </a:t>
-            </a:r>
-            <a:r>
-              <a:rPr lang="ru-RU" dirty="0"/>
-              <a:t>из 13</a:t>
-            </a:r>
-          </a:p>
-        </p:txBody>
-      </p:sp>
-    </p:spTree>
-    <p:extLst>
-      <p:ext uri="{BB962C8B-B14F-4D97-AF65-F5344CB8AC3E}">
-        <p14:creationId xmlns:p14="http://schemas.microsoft.com/office/powerpoint/2010/main" val="874819506"/>
       </p:ext>
     </p:extLst>
   </p:cSld>

--- a/src/Презентация диплома.pptx
+++ b/src/Презентация диплома.pptx
@@ -5,31 +5,26 @@
     <p:sldMasterId id="2147483782" r:id="rId1"/>
   </p:sldMasterIdLst>
   <p:notesMasterIdLst>
-    <p:notesMasterId r:id="rId21"/>
+    <p:notesMasterId r:id="rId16"/>
   </p:notesMasterIdLst>
   <p:handoutMasterIdLst>
-    <p:handoutMasterId r:id="rId22"/>
+    <p:handoutMasterId r:id="rId17"/>
   </p:handoutMasterIdLst>
   <p:sldIdLst>
     <p:sldId id="256" r:id="rId2"/>
     <p:sldId id="270" r:id="rId3"/>
     <p:sldId id="267" r:id="rId4"/>
-    <p:sldId id="294" r:id="rId5"/>
-    <p:sldId id="289" r:id="rId6"/>
-    <p:sldId id="293" r:id="rId7"/>
-    <p:sldId id="295" r:id="rId8"/>
-    <p:sldId id="282" r:id="rId9"/>
-    <p:sldId id="283" r:id="rId10"/>
-    <p:sldId id="284" r:id="rId11"/>
-    <p:sldId id="285" r:id="rId12"/>
-    <p:sldId id="286" r:id="rId13"/>
-    <p:sldId id="278" r:id="rId14"/>
-    <p:sldId id="287" r:id="rId15"/>
-    <p:sldId id="279" r:id="rId16"/>
-    <p:sldId id="291" r:id="rId17"/>
-    <p:sldId id="290" r:id="rId18"/>
-    <p:sldId id="292" r:id="rId19"/>
-    <p:sldId id="288" r:id="rId20"/>
+    <p:sldId id="289" r:id="rId5"/>
+    <p:sldId id="293" r:id="rId6"/>
+    <p:sldId id="295" r:id="rId7"/>
+    <p:sldId id="283" r:id="rId8"/>
+    <p:sldId id="284" r:id="rId9"/>
+    <p:sldId id="285" r:id="rId10"/>
+    <p:sldId id="286" r:id="rId11"/>
+    <p:sldId id="278" r:id="rId12"/>
+    <p:sldId id="287" r:id="rId13"/>
+    <p:sldId id="279" r:id="rId14"/>
+    <p:sldId id="288" r:id="rId15"/>
   </p:sldIdLst>
   <p:sldSz cx="12192000" cy="6858000"/>
   <p:notesSz cx="6858000" cy="9144000"/>
@@ -754,7 +749,7 @@
         <p:cNvPr id="1" name="">
           <a:extLst>
             <a:ext uri="{FF2B5EF4-FFF2-40B4-BE49-F238E27FC236}">
-              <a16:creationId xmlns:a16="http://schemas.microsoft.com/office/drawing/2014/main" id="{0C83FD92-5563-B9BA-D89D-DF39D8DCF18C}"/>
+              <a16:creationId xmlns:a16="http://schemas.microsoft.com/office/drawing/2014/main" id="{93A3B268-F4BB-93CA-AEF4-D2B8F2841BA4}"/>
             </a:ext>
           </a:extLst>
         </p:cNvPr>
@@ -774,7 +769,7 @@
           <p:cNvPr id="2" name="Slide Image Placeholder 1">
             <a:extLst>
               <a:ext uri="{FF2B5EF4-FFF2-40B4-BE49-F238E27FC236}">
-                <a16:creationId xmlns:a16="http://schemas.microsoft.com/office/drawing/2014/main" id="{45F2027B-36B5-32EE-B9F6-30EE96F56F7E}"/>
+                <a16:creationId xmlns:a16="http://schemas.microsoft.com/office/drawing/2014/main" id="{42B8CF6D-09DF-EEB2-EA78-950A6A7A6663}"/>
               </a:ext>
             </a:extLst>
           </p:cNvPr>
@@ -797,7 +792,7 @@
           <p:cNvPr id="3" name="Notes Placeholder 2">
             <a:extLst>
               <a:ext uri="{FF2B5EF4-FFF2-40B4-BE49-F238E27FC236}">
-                <a16:creationId xmlns:a16="http://schemas.microsoft.com/office/drawing/2014/main" id="{A17D1695-7288-20ED-3A0E-80A767E04952}"/>
+                <a16:creationId xmlns:a16="http://schemas.microsoft.com/office/drawing/2014/main" id="{ACF971B9-DB1F-5A7C-8259-040CA59C2A8C}"/>
               </a:ext>
             </a:extLst>
           </p:cNvPr>
@@ -820,7 +815,7 @@
     </p:spTree>
     <p:extLst>
       <p:ext uri="{BB962C8B-B14F-4D97-AF65-F5344CB8AC3E}">
-        <p14:creationId xmlns:p14="http://schemas.microsoft.com/office/powerpoint/2010/main" val="1391009701"/>
+        <p14:creationId xmlns:p14="http://schemas.microsoft.com/office/powerpoint/2010/main" val="3130025656"/>
       </p:ext>
     </p:extLst>
   </p:cSld>
@@ -835,13 +830,7 @@
   <p:cSld>
     <p:spTree>
       <p:nvGrpSpPr>
-        <p:cNvPr id="1" name="">
-          <a:extLst>
-            <a:ext uri="{FF2B5EF4-FFF2-40B4-BE49-F238E27FC236}">
-              <a16:creationId xmlns:a16="http://schemas.microsoft.com/office/drawing/2014/main" id="{52F194C9-8460-B0ED-3FA6-1B52DEB1AF45}"/>
-            </a:ext>
-          </a:extLst>
-        </p:cNvPr>
+        <p:cNvPr id="1" name=""/>
         <p:cNvGrpSpPr/>
         <p:nvPr/>
       </p:nvGrpSpPr>
@@ -855,13 +844,7 @@
       </p:grpSpPr>
       <p:sp>
         <p:nvSpPr>
-          <p:cNvPr id="2" name="Slide Image Placeholder 1">
-            <a:extLst>
-              <a:ext uri="{FF2B5EF4-FFF2-40B4-BE49-F238E27FC236}">
-                <a16:creationId xmlns:a16="http://schemas.microsoft.com/office/drawing/2014/main" id="{2400497B-847D-934B-8184-374A5C7C4D8B}"/>
-              </a:ext>
-            </a:extLst>
-          </p:cNvPr>
+          <p:cNvPr id="2" name="Slide Image Placeholder 1"/>
           <p:cNvSpPr>
             <a:spLocks noGrp="1" noRot="1" noChangeAspect="1"/>
           </p:cNvSpPr>
@@ -878,13 +861,7 @@
       </p:sp>
       <p:sp>
         <p:nvSpPr>
-          <p:cNvPr id="3" name="Notes Placeholder 2">
-            <a:extLst>
-              <a:ext uri="{FF2B5EF4-FFF2-40B4-BE49-F238E27FC236}">
-                <a16:creationId xmlns:a16="http://schemas.microsoft.com/office/drawing/2014/main" id="{3E842757-7EDB-FFB3-FC75-59622B22364D}"/>
-              </a:ext>
-            </a:extLst>
-          </p:cNvPr>
+          <p:cNvPr id="3" name="Notes Placeholder 2"/>
           <p:cNvSpPr>
             <a:spLocks noGrp="1"/>
           </p:cNvSpPr>
@@ -904,7 +881,7 @@
     </p:spTree>
     <p:extLst>
       <p:ext uri="{BB962C8B-B14F-4D97-AF65-F5344CB8AC3E}">
-        <p14:creationId xmlns:p14="http://schemas.microsoft.com/office/powerpoint/2010/main" val="255304620"/>
+        <p14:creationId xmlns:p14="http://schemas.microsoft.com/office/powerpoint/2010/main" val="2260697061"/>
       </p:ext>
     </p:extLst>
   </p:cSld>
@@ -922,7 +899,7 @@
         <p:cNvPr id="1" name="">
           <a:extLst>
             <a:ext uri="{FF2B5EF4-FFF2-40B4-BE49-F238E27FC236}">
-              <a16:creationId xmlns:a16="http://schemas.microsoft.com/office/drawing/2014/main" id="{93A3B268-F4BB-93CA-AEF4-D2B8F2841BA4}"/>
+              <a16:creationId xmlns:a16="http://schemas.microsoft.com/office/drawing/2014/main" id="{EF3EAA20-F89A-2EA6-2A97-17D78BCDE23D}"/>
             </a:ext>
           </a:extLst>
         </p:cNvPr>
@@ -942,7 +919,7 @@
           <p:cNvPr id="2" name="Slide Image Placeholder 1">
             <a:extLst>
               <a:ext uri="{FF2B5EF4-FFF2-40B4-BE49-F238E27FC236}">
-                <a16:creationId xmlns:a16="http://schemas.microsoft.com/office/drawing/2014/main" id="{42B8CF6D-09DF-EEB2-EA78-950A6A7A6663}"/>
+                <a16:creationId xmlns:a16="http://schemas.microsoft.com/office/drawing/2014/main" id="{AB147D29-A323-18FE-9F78-3449AB24857B}"/>
               </a:ext>
             </a:extLst>
           </p:cNvPr>
@@ -965,7 +942,7 @@
           <p:cNvPr id="3" name="Notes Placeholder 2">
             <a:extLst>
               <a:ext uri="{FF2B5EF4-FFF2-40B4-BE49-F238E27FC236}">
-                <a16:creationId xmlns:a16="http://schemas.microsoft.com/office/drawing/2014/main" id="{ACF971B9-DB1F-5A7C-8259-040CA59C2A8C}"/>
+                <a16:creationId xmlns:a16="http://schemas.microsoft.com/office/drawing/2014/main" id="{1DB22318-CAAB-4475-A580-55AD8D864BD3}"/>
               </a:ext>
             </a:extLst>
           </p:cNvPr>
@@ -988,7 +965,7 @@
     </p:spTree>
     <p:extLst>
       <p:ext uri="{BB962C8B-B14F-4D97-AF65-F5344CB8AC3E}">
-        <p14:creationId xmlns:p14="http://schemas.microsoft.com/office/powerpoint/2010/main" val="3130025656"/>
+        <p14:creationId xmlns:p14="http://schemas.microsoft.com/office/powerpoint/2010/main" val="2921865165"/>
       </p:ext>
     </p:extLst>
   </p:cSld>
@@ -1047,156 +1024,6 @@
           <a:bodyPr/>
           <a:lstStyle/>
           <a:p>
-            <a:endParaRPr lang="en-RU" dirty="0"/>
-          </a:p>
-        </p:txBody>
-      </p:sp>
-    </p:spTree>
-    <p:extLst>
-      <p:ext uri="{BB962C8B-B14F-4D97-AF65-F5344CB8AC3E}">
-        <p14:creationId xmlns:p14="http://schemas.microsoft.com/office/powerpoint/2010/main" val="2260697061"/>
-      </p:ext>
-    </p:extLst>
-  </p:cSld>
-  <p:clrMapOvr>
-    <a:masterClrMapping/>
-  </p:clrMapOvr>
-</p:notes>
-</file>
-
-<file path=ppt/notesSlides/notesSlide14.xml><?xml version="1.0" encoding="utf-8"?>
-<p:notes xmlns:a="http://schemas.openxmlformats.org/drawingml/2006/main" xmlns:r="http://schemas.openxmlformats.org/officeDocument/2006/relationships" xmlns:p="http://schemas.openxmlformats.org/presentationml/2006/main">
-  <p:cSld>
-    <p:spTree>
-      <p:nvGrpSpPr>
-        <p:cNvPr id="1" name="">
-          <a:extLst>
-            <a:ext uri="{FF2B5EF4-FFF2-40B4-BE49-F238E27FC236}">
-              <a16:creationId xmlns:a16="http://schemas.microsoft.com/office/drawing/2014/main" id="{EF3EAA20-F89A-2EA6-2A97-17D78BCDE23D}"/>
-            </a:ext>
-          </a:extLst>
-        </p:cNvPr>
-        <p:cNvGrpSpPr/>
-        <p:nvPr/>
-      </p:nvGrpSpPr>
-      <p:grpSpPr>
-        <a:xfrm>
-          <a:off x="0" y="0"/>
-          <a:ext cx="0" cy="0"/>
-          <a:chOff x="0" y="0"/>
-          <a:chExt cx="0" cy="0"/>
-        </a:xfrm>
-      </p:grpSpPr>
-      <p:sp>
-        <p:nvSpPr>
-          <p:cNvPr id="2" name="Slide Image Placeholder 1">
-            <a:extLst>
-              <a:ext uri="{FF2B5EF4-FFF2-40B4-BE49-F238E27FC236}">
-                <a16:creationId xmlns:a16="http://schemas.microsoft.com/office/drawing/2014/main" id="{AB147D29-A323-18FE-9F78-3449AB24857B}"/>
-              </a:ext>
-            </a:extLst>
-          </p:cNvPr>
-          <p:cNvSpPr>
-            <a:spLocks noGrp="1" noRot="1" noChangeAspect="1"/>
-          </p:cNvSpPr>
-          <p:nvPr>
-            <p:ph type="sldImg"/>
-          </p:nvPr>
-        </p:nvSpPr>
-        <p:spPr>
-          <a:xfrm>
-            <a:off x="685800" y="1143000"/>
-            <a:ext cx="5486400" cy="3086100"/>
-          </a:xfrm>
-        </p:spPr>
-      </p:sp>
-      <p:sp>
-        <p:nvSpPr>
-          <p:cNvPr id="3" name="Notes Placeholder 2">
-            <a:extLst>
-              <a:ext uri="{FF2B5EF4-FFF2-40B4-BE49-F238E27FC236}">
-                <a16:creationId xmlns:a16="http://schemas.microsoft.com/office/drawing/2014/main" id="{1DB22318-CAAB-4475-A580-55AD8D864BD3}"/>
-              </a:ext>
-            </a:extLst>
-          </p:cNvPr>
-          <p:cNvSpPr>
-            <a:spLocks noGrp="1"/>
-          </p:cNvSpPr>
-          <p:nvPr>
-            <p:ph type="body" idx="1"/>
-          </p:nvPr>
-        </p:nvSpPr>
-        <p:spPr/>
-        <p:txBody>
-          <a:bodyPr/>
-          <a:lstStyle/>
-          <a:p>
-            <a:endParaRPr lang="en-RU" dirty="0"/>
-          </a:p>
-        </p:txBody>
-      </p:sp>
-    </p:spTree>
-    <p:extLst>
-      <p:ext uri="{BB962C8B-B14F-4D97-AF65-F5344CB8AC3E}">
-        <p14:creationId xmlns:p14="http://schemas.microsoft.com/office/powerpoint/2010/main" val="2921865165"/>
-      </p:ext>
-    </p:extLst>
-  </p:cSld>
-  <p:clrMapOvr>
-    <a:masterClrMapping/>
-  </p:clrMapOvr>
-</p:notes>
-</file>
-
-<file path=ppt/notesSlides/notesSlide15.xml><?xml version="1.0" encoding="utf-8"?>
-<p:notes xmlns:a="http://schemas.openxmlformats.org/drawingml/2006/main" xmlns:r="http://schemas.openxmlformats.org/officeDocument/2006/relationships" xmlns:p="http://schemas.openxmlformats.org/presentationml/2006/main">
-  <p:cSld>
-    <p:spTree>
-      <p:nvGrpSpPr>
-        <p:cNvPr id="1" name=""/>
-        <p:cNvGrpSpPr/>
-        <p:nvPr/>
-      </p:nvGrpSpPr>
-      <p:grpSpPr>
-        <a:xfrm>
-          <a:off x="0" y="0"/>
-          <a:ext cx="0" cy="0"/>
-          <a:chOff x="0" y="0"/>
-          <a:chExt cx="0" cy="0"/>
-        </a:xfrm>
-      </p:grpSpPr>
-      <p:sp>
-        <p:nvSpPr>
-          <p:cNvPr id="2" name="Slide Image Placeholder 1"/>
-          <p:cNvSpPr>
-            <a:spLocks noGrp="1" noRot="1" noChangeAspect="1"/>
-          </p:cNvSpPr>
-          <p:nvPr>
-            <p:ph type="sldImg"/>
-          </p:nvPr>
-        </p:nvSpPr>
-        <p:spPr>
-          <a:xfrm>
-            <a:off x="685800" y="1143000"/>
-            <a:ext cx="5486400" cy="3086100"/>
-          </a:xfrm>
-        </p:spPr>
-      </p:sp>
-      <p:sp>
-        <p:nvSpPr>
-          <p:cNvPr id="3" name="Notes Placeholder 2"/>
-          <p:cNvSpPr>
-            <a:spLocks noGrp="1"/>
-          </p:cNvSpPr>
-          <p:nvPr>
-            <p:ph type="body" idx="1"/>
-          </p:nvPr>
-        </p:nvSpPr>
-        <p:spPr/>
-        <p:txBody>
-          <a:bodyPr/>
-          <a:lstStyle/>
-          <a:p>
             <a:endParaRPr lang="en-RU"/>
           </a:p>
         </p:txBody>
@@ -1214,259 +1041,7 @@
 </p:notes>
 </file>
 
-<file path=ppt/notesSlides/notesSlide16.xml><?xml version="1.0" encoding="utf-8"?>
-<p:notes xmlns:a="http://schemas.openxmlformats.org/drawingml/2006/main" xmlns:r="http://schemas.openxmlformats.org/officeDocument/2006/relationships" xmlns:p="http://schemas.openxmlformats.org/presentationml/2006/main">
-  <p:cSld>
-    <p:spTree>
-      <p:nvGrpSpPr>
-        <p:cNvPr id="1" name="">
-          <a:extLst>
-            <a:ext uri="{FF2B5EF4-FFF2-40B4-BE49-F238E27FC236}">
-              <a16:creationId xmlns:a16="http://schemas.microsoft.com/office/drawing/2014/main" id="{DA3DAD01-3E97-C6CE-9BDC-88FF1E24B3E2}"/>
-            </a:ext>
-          </a:extLst>
-        </p:cNvPr>
-        <p:cNvGrpSpPr/>
-        <p:nvPr/>
-      </p:nvGrpSpPr>
-      <p:grpSpPr>
-        <a:xfrm>
-          <a:off x="0" y="0"/>
-          <a:ext cx="0" cy="0"/>
-          <a:chOff x="0" y="0"/>
-          <a:chExt cx="0" cy="0"/>
-        </a:xfrm>
-      </p:grpSpPr>
-      <p:sp>
-        <p:nvSpPr>
-          <p:cNvPr id="2" name="Slide Image Placeholder 1">
-            <a:extLst>
-              <a:ext uri="{FF2B5EF4-FFF2-40B4-BE49-F238E27FC236}">
-                <a16:creationId xmlns:a16="http://schemas.microsoft.com/office/drawing/2014/main" id="{C27AE80F-4A1F-8E8A-E073-CCF822A6B817}"/>
-              </a:ext>
-            </a:extLst>
-          </p:cNvPr>
-          <p:cNvSpPr>
-            <a:spLocks noGrp="1" noRot="1" noChangeAspect="1"/>
-          </p:cNvSpPr>
-          <p:nvPr>
-            <p:ph type="sldImg"/>
-          </p:nvPr>
-        </p:nvSpPr>
-        <p:spPr>
-          <a:xfrm>
-            <a:off x="685800" y="1143000"/>
-            <a:ext cx="5486400" cy="3086100"/>
-          </a:xfrm>
-        </p:spPr>
-      </p:sp>
-      <p:sp>
-        <p:nvSpPr>
-          <p:cNvPr id="3" name="Notes Placeholder 2">
-            <a:extLst>
-              <a:ext uri="{FF2B5EF4-FFF2-40B4-BE49-F238E27FC236}">
-                <a16:creationId xmlns:a16="http://schemas.microsoft.com/office/drawing/2014/main" id="{B02153A9-A494-461F-2678-87E5ACCD2FF0}"/>
-              </a:ext>
-            </a:extLst>
-          </p:cNvPr>
-          <p:cNvSpPr>
-            <a:spLocks noGrp="1"/>
-          </p:cNvSpPr>
-          <p:nvPr>
-            <p:ph type="body" idx="1"/>
-          </p:nvPr>
-        </p:nvSpPr>
-        <p:spPr/>
-        <p:txBody>
-          <a:bodyPr/>
-          <a:lstStyle/>
-          <a:p>
-            <a:endParaRPr lang="en-RU"/>
-          </a:p>
-        </p:txBody>
-      </p:sp>
-    </p:spTree>
-    <p:extLst>
-      <p:ext uri="{BB962C8B-B14F-4D97-AF65-F5344CB8AC3E}">
-        <p14:creationId xmlns:p14="http://schemas.microsoft.com/office/powerpoint/2010/main" val="1916064858"/>
-      </p:ext>
-    </p:extLst>
-  </p:cSld>
-  <p:clrMapOvr>
-    <a:masterClrMapping/>
-  </p:clrMapOvr>
-</p:notes>
-</file>
-
-<file path=ppt/notesSlides/notesSlide17.xml><?xml version="1.0" encoding="utf-8"?>
-<p:notes xmlns:a="http://schemas.openxmlformats.org/drawingml/2006/main" xmlns:r="http://schemas.openxmlformats.org/officeDocument/2006/relationships" xmlns:p="http://schemas.openxmlformats.org/presentationml/2006/main">
-  <p:cSld>
-    <p:spTree>
-      <p:nvGrpSpPr>
-        <p:cNvPr id="1" name="">
-          <a:extLst>
-            <a:ext uri="{FF2B5EF4-FFF2-40B4-BE49-F238E27FC236}">
-              <a16:creationId xmlns:a16="http://schemas.microsoft.com/office/drawing/2014/main" id="{9E4735CF-8762-59ED-6116-711ACC97D0C0}"/>
-            </a:ext>
-          </a:extLst>
-        </p:cNvPr>
-        <p:cNvGrpSpPr/>
-        <p:nvPr/>
-      </p:nvGrpSpPr>
-      <p:grpSpPr>
-        <a:xfrm>
-          <a:off x="0" y="0"/>
-          <a:ext cx="0" cy="0"/>
-          <a:chOff x="0" y="0"/>
-          <a:chExt cx="0" cy="0"/>
-        </a:xfrm>
-      </p:grpSpPr>
-      <p:sp>
-        <p:nvSpPr>
-          <p:cNvPr id="2" name="Slide Image Placeholder 1">
-            <a:extLst>
-              <a:ext uri="{FF2B5EF4-FFF2-40B4-BE49-F238E27FC236}">
-                <a16:creationId xmlns:a16="http://schemas.microsoft.com/office/drawing/2014/main" id="{7D49050E-A689-B2BB-E185-BDD136B5D573}"/>
-              </a:ext>
-            </a:extLst>
-          </p:cNvPr>
-          <p:cNvSpPr>
-            <a:spLocks noGrp="1" noRot="1" noChangeAspect="1"/>
-          </p:cNvSpPr>
-          <p:nvPr>
-            <p:ph type="sldImg"/>
-          </p:nvPr>
-        </p:nvSpPr>
-        <p:spPr>
-          <a:xfrm>
-            <a:off x="685800" y="1143000"/>
-            <a:ext cx="5486400" cy="3086100"/>
-          </a:xfrm>
-        </p:spPr>
-      </p:sp>
-      <p:sp>
-        <p:nvSpPr>
-          <p:cNvPr id="3" name="Notes Placeholder 2">
-            <a:extLst>
-              <a:ext uri="{FF2B5EF4-FFF2-40B4-BE49-F238E27FC236}">
-                <a16:creationId xmlns:a16="http://schemas.microsoft.com/office/drawing/2014/main" id="{12EE93B9-F2BF-31BE-2A78-4D559FE486CF}"/>
-              </a:ext>
-            </a:extLst>
-          </p:cNvPr>
-          <p:cNvSpPr>
-            <a:spLocks noGrp="1"/>
-          </p:cNvSpPr>
-          <p:nvPr>
-            <p:ph type="body" idx="1"/>
-          </p:nvPr>
-        </p:nvSpPr>
-        <p:spPr/>
-        <p:txBody>
-          <a:bodyPr/>
-          <a:lstStyle/>
-          <a:p>
-            <a:endParaRPr lang="en-RU"/>
-          </a:p>
-        </p:txBody>
-      </p:sp>
-    </p:spTree>
-    <p:extLst>
-      <p:ext uri="{BB962C8B-B14F-4D97-AF65-F5344CB8AC3E}">
-        <p14:creationId xmlns:p14="http://schemas.microsoft.com/office/powerpoint/2010/main" val="4182103627"/>
-      </p:ext>
-    </p:extLst>
-  </p:cSld>
-  <p:clrMapOvr>
-    <a:masterClrMapping/>
-  </p:clrMapOvr>
-</p:notes>
-</file>
-
-<file path=ppt/notesSlides/notesSlide18.xml><?xml version="1.0" encoding="utf-8"?>
-<p:notes xmlns:a="http://schemas.openxmlformats.org/drawingml/2006/main" xmlns:r="http://schemas.openxmlformats.org/officeDocument/2006/relationships" xmlns:p="http://schemas.openxmlformats.org/presentationml/2006/main">
-  <p:cSld>
-    <p:spTree>
-      <p:nvGrpSpPr>
-        <p:cNvPr id="1" name="">
-          <a:extLst>
-            <a:ext uri="{FF2B5EF4-FFF2-40B4-BE49-F238E27FC236}">
-              <a16:creationId xmlns:a16="http://schemas.microsoft.com/office/drawing/2014/main" id="{72D0297F-F2A5-FE7A-2F63-BB8F03FC7D90}"/>
-            </a:ext>
-          </a:extLst>
-        </p:cNvPr>
-        <p:cNvGrpSpPr/>
-        <p:nvPr/>
-      </p:nvGrpSpPr>
-      <p:grpSpPr>
-        <a:xfrm>
-          <a:off x="0" y="0"/>
-          <a:ext cx="0" cy="0"/>
-          <a:chOff x="0" y="0"/>
-          <a:chExt cx="0" cy="0"/>
-        </a:xfrm>
-      </p:grpSpPr>
-      <p:sp>
-        <p:nvSpPr>
-          <p:cNvPr id="2" name="Slide Image Placeholder 1">
-            <a:extLst>
-              <a:ext uri="{FF2B5EF4-FFF2-40B4-BE49-F238E27FC236}">
-                <a16:creationId xmlns:a16="http://schemas.microsoft.com/office/drawing/2014/main" id="{204207B1-207B-14E3-9471-399ECB877D7B}"/>
-              </a:ext>
-            </a:extLst>
-          </p:cNvPr>
-          <p:cNvSpPr>
-            <a:spLocks noGrp="1" noRot="1" noChangeAspect="1"/>
-          </p:cNvSpPr>
-          <p:nvPr>
-            <p:ph type="sldImg"/>
-          </p:nvPr>
-        </p:nvSpPr>
-        <p:spPr>
-          <a:xfrm>
-            <a:off x="685800" y="1143000"/>
-            <a:ext cx="5486400" cy="3086100"/>
-          </a:xfrm>
-        </p:spPr>
-      </p:sp>
-      <p:sp>
-        <p:nvSpPr>
-          <p:cNvPr id="3" name="Notes Placeholder 2">
-            <a:extLst>
-              <a:ext uri="{FF2B5EF4-FFF2-40B4-BE49-F238E27FC236}">
-                <a16:creationId xmlns:a16="http://schemas.microsoft.com/office/drawing/2014/main" id="{F4E3CF49-5A12-5DB4-8F3D-06AF3B7775F7}"/>
-              </a:ext>
-            </a:extLst>
-          </p:cNvPr>
-          <p:cNvSpPr>
-            <a:spLocks noGrp="1"/>
-          </p:cNvSpPr>
-          <p:nvPr>
-            <p:ph type="body" idx="1"/>
-          </p:nvPr>
-        </p:nvSpPr>
-        <p:spPr/>
-        <p:txBody>
-          <a:bodyPr/>
-          <a:lstStyle/>
-          <a:p>
-            <a:endParaRPr lang="en-RU"/>
-          </a:p>
-        </p:txBody>
-      </p:sp>
-    </p:spTree>
-    <p:extLst>
-      <p:ext uri="{BB962C8B-B14F-4D97-AF65-F5344CB8AC3E}">
-        <p14:creationId xmlns:p14="http://schemas.microsoft.com/office/powerpoint/2010/main" val="1804276640"/>
-      </p:ext>
-    </p:extLst>
-  </p:cSld>
-  <p:clrMapOvr>
-    <a:masterClrMapping/>
-  </p:clrMapOvr>
-</p:notes>
-</file>
-
-<file path=ppt/notesSlides/notesSlide19.xml><?xml version="1.0" encoding="utf-8"?>
+<file path=ppt/notesSlides/notesSlide14.xml><?xml version="1.0" encoding="utf-8"?>
 <p:notes xmlns:a="http://schemas.openxmlformats.org/drawingml/2006/main" xmlns:r="http://schemas.openxmlformats.org/officeDocument/2006/relationships" xmlns:p="http://schemas.openxmlformats.org/presentationml/2006/main">
   <p:cSld>
     <p:spTree>
@@ -1690,90 +1265,6 @@
         <p:cNvPr id="1" name="">
           <a:extLst>
             <a:ext uri="{FF2B5EF4-FFF2-40B4-BE49-F238E27FC236}">
-              <a16:creationId xmlns:a16="http://schemas.microsoft.com/office/drawing/2014/main" id="{2BF7A133-E4FD-9B33-7811-BC7FF55C0B7A}"/>
-            </a:ext>
-          </a:extLst>
-        </p:cNvPr>
-        <p:cNvGrpSpPr/>
-        <p:nvPr/>
-      </p:nvGrpSpPr>
-      <p:grpSpPr>
-        <a:xfrm>
-          <a:off x="0" y="0"/>
-          <a:ext cx="0" cy="0"/>
-          <a:chOff x="0" y="0"/>
-          <a:chExt cx="0" cy="0"/>
-        </a:xfrm>
-      </p:grpSpPr>
-      <p:sp>
-        <p:nvSpPr>
-          <p:cNvPr id="2" name="Образ слайда 1">
-            <a:extLst>
-              <a:ext uri="{FF2B5EF4-FFF2-40B4-BE49-F238E27FC236}">
-                <a16:creationId xmlns:a16="http://schemas.microsoft.com/office/drawing/2014/main" id="{768BFB64-7978-4F8D-51AD-12130AEE0C53}"/>
-              </a:ext>
-            </a:extLst>
-          </p:cNvPr>
-          <p:cNvSpPr>
-            <a:spLocks noGrp="1" noRot="1" noChangeAspect="1"/>
-          </p:cNvSpPr>
-          <p:nvPr>
-            <p:ph type="sldImg"/>
-          </p:nvPr>
-        </p:nvSpPr>
-        <p:spPr>
-          <a:xfrm>
-            <a:off x="685800" y="1143000"/>
-            <a:ext cx="5486400" cy="3086100"/>
-          </a:xfrm>
-        </p:spPr>
-      </p:sp>
-      <p:sp>
-        <p:nvSpPr>
-          <p:cNvPr id="3" name="Заметки 2">
-            <a:extLst>
-              <a:ext uri="{FF2B5EF4-FFF2-40B4-BE49-F238E27FC236}">
-                <a16:creationId xmlns:a16="http://schemas.microsoft.com/office/drawing/2014/main" id="{406C15EB-D56E-2DED-8AB8-788F340240F5}"/>
-              </a:ext>
-            </a:extLst>
-          </p:cNvPr>
-          <p:cNvSpPr>
-            <a:spLocks noGrp="1"/>
-          </p:cNvSpPr>
-          <p:nvPr>
-            <p:ph type="body" idx="1"/>
-          </p:nvPr>
-        </p:nvSpPr>
-        <p:spPr/>
-        <p:txBody>
-          <a:bodyPr/>
-          <a:lstStyle/>
-          <a:p>
-            <a:endParaRPr lang="ru-RU"/>
-          </a:p>
-        </p:txBody>
-      </p:sp>
-    </p:spTree>
-    <p:extLst>
-      <p:ext uri="{BB962C8B-B14F-4D97-AF65-F5344CB8AC3E}">
-        <p14:creationId xmlns:p14="http://schemas.microsoft.com/office/powerpoint/2010/main" val="2392399640"/>
-      </p:ext>
-    </p:extLst>
-  </p:cSld>
-  <p:clrMapOvr>
-    <a:masterClrMapping/>
-  </p:clrMapOvr>
-</p:notes>
-</file>
-
-<file path=ppt/notesSlides/notesSlide5.xml><?xml version="1.0" encoding="utf-8"?>
-<p:notes xmlns:a="http://schemas.openxmlformats.org/drawingml/2006/main" xmlns:r="http://schemas.openxmlformats.org/officeDocument/2006/relationships" xmlns:p="http://schemas.openxmlformats.org/presentationml/2006/main">
-  <p:cSld>
-    <p:spTree>
-      <p:nvGrpSpPr>
-        <p:cNvPr id="1" name="">
-          <a:extLst>
-            <a:ext uri="{FF2B5EF4-FFF2-40B4-BE49-F238E27FC236}">
               <a16:creationId xmlns:a16="http://schemas.microsoft.com/office/drawing/2014/main" id="{5713BE22-C22E-8B73-E2A0-1E4E02BE8462}"/>
             </a:ext>
           </a:extLst>
@@ -1850,7 +1341,7 @@
 </p:notes>
 </file>
 
-<file path=ppt/notesSlides/notesSlide6.xml><?xml version="1.0" encoding="utf-8"?>
+<file path=ppt/notesSlides/notesSlide5.xml><?xml version="1.0" encoding="utf-8"?>
 <p:notes xmlns:a="http://schemas.openxmlformats.org/drawingml/2006/main" xmlns:r="http://schemas.openxmlformats.org/officeDocument/2006/relationships" xmlns:p="http://schemas.openxmlformats.org/presentationml/2006/main">
   <p:cSld>
     <p:spTree>
@@ -1934,7 +1425,7 @@
 </p:notes>
 </file>
 
-<file path=ppt/notesSlides/notesSlide7.xml><?xml version="1.0" encoding="utf-8"?>
+<file path=ppt/notesSlides/notesSlide6.xml><?xml version="1.0" encoding="utf-8"?>
 <p:notes xmlns:a="http://schemas.openxmlformats.org/drawingml/2006/main" xmlns:r="http://schemas.openxmlformats.org/officeDocument/2006/relationships" xmlns:p="http://schemas.openxmlformats.org/presentationml/2006/main">
   <p:cSld>
     <p:spTree>
@@ -2018,91 +1509,7 @@
 </p:notes>
 </file>
 
-<file path=ppt/notesSlides/notesSlide8.xml><?xml version="1.0" encoding="utf-8"?>
-<p:notes xmlns:a="http://schemas.openxmlformats.org/drawingml/2006/main" xmlns:r="http://schemas.openxmlformats.org/officeDocument/2006/relationships" xmlns:p="http://schemas.openxmlformats.org/presentationml/2006/main">
-  <p:cSld>
-    <p:spTree>
-      <p:nvGrpSpPr>
-        <p:cNvPr id="1" name="">
-          <a:extLst>
-            <a:ext uri="{FF2B5EF4-FFF2-40B4-BE49-F238E27FC236}">
-              <a16:creationId xmlns:a16="http://schemas.microsoft.com/office/drawing/2014/main" id="{8AB16F6D-642D-CCBE-E427-0B515906867D}"/>
-            </a:ext>
-          </a:extLst>
-        </p:cNvPr>
-        <p:cNvGrpSpPr/>
-        <p:nvPr/>
-      </p:nvGrpSpPr>
-      <p:grpSpPr>
-        <a:xfrm>
-          <a:off x="0" y="0"/>
-          <a:ext cx="0" cy="0"/>
-          <a:chOff x="0" y="0"/>
-          <a:chExt cx="0" cy="0"/>
-        </a:xfrm>
-      </p:grpSpPr>
-      <p:sp>
-        <p:nvSpPr>
-          <p:cNvPr id="2" name="Slide Image Placeholder 1">
-            <a:extLst>
-              <a:ext uri="{FF2B5EF4-FFF2-40B4-BE49-F238E27FC236}">
-                <a16:creationId xmlns:a16="http://schemas.microsoft.com/office/drawing/2014/main" id="{D4F1AD30-4461-AFD6-1217-1F5C1FFCC934}"/>
-              </a:ext>
-            </a:extLst>
-          </p:cNvPr>
-          <p:cNvSpPr>
-            <a:spLocks noGrp="1" noRot="1" noChangeAspect="1"/>
-          </p:cNvSpPr>
-          <p:nvPr>
-            <p:ph type="sldImg"/>
-          </p:nvPr>
-        </p:nvSpPr>
-        <p:spPr>
-          <a:xfrm>
-            <a:off x="685800" y="1143000"/>
-            <a:ext cx="5486400" cy="3086100"/>
-          </a:xfrm>
-        </p:spPr>
-      </p:sp>
-      <p:sp>
-        <p:nvSpPr>
-          <p:cNvPr id="3" name="Notes Placeholder 2">
-            <a:extLst>
-              <a:ext uri="{FF2B5EF4-FFF2-40B4-BE49-F238E27FC236}">
-                <a16:creationId xmlns:a16="http://schemas.microsoft.com/office/drawing/2014/main" id="{93E92C8D-95FC-7FC0-E9E1-E97CDA5AB256}"/>
-              </a:ext>
-            </a:extLst>
-          </p:cNvPr>
-          <p:cNvSpPr>
-            <a:spLocks noGrp="1"/>
-          </p:cNvSpPr>
-          <p:nvPr>
-            <p:ph type="body" idx="1"/>
-          </p:nvPr>
-        </p:nvSpPr>
-        <p:spPr/>
-        <p:txBody>
-          <a:bodyPr/>
-          <a:lstStyle/>
-          <a:p>
-            <a:endParaRPr lang="en-RU" dirty="0"/>
-          </a:p>
-        </p:txBody>
-      </p:sp>
-    </p:spTree>
-    <p:extLst>
-      <p:ext uri="{BB962C8B-B14F-4D97-AF65-F5344CB8AC3E}">
-        <p14:creationId xmlns:p14="http://schemas.microsoft.com/office/powerpoint/2010/main" val="3656054629"/>
-      </p:ext>
-    </p:extLst>
-  </p:cSld>
-  <p:clrMapOvr>
-    <a:masterClrMapping/>
-  </p:clrMapOvr>
-</p:notes>
-</file>
-
-<file path=ppt/notesSlides/notesSlide9.xml><?xml version="1.0" encoding="utf-8"?>
+<file path=ppt/notesSlides/notesSlide7.xml><?xml version="1.0" encoding="utf-8"?>
 <p:notes xmlns:a="http://schemas.openxmlformats.org/drawingml/2006/main" xmlns:r="http://schemas.openxmlformats.org/officeDocument/2006/relationships" xmlns:p="http://schemas.openxmlformats.org/presentationml/2006/main">
   <p:cSld>
     <p:spTree>
@@ -2177,6 +1584,174 @@
     <p:extLst>
       <p:ext uri="{BB962C8B-B14F-4D97-AF65-F5344CB8AC3E}">
         <p14:creationId xmlns:p14="http://schemas.microsoft.com/office/powerpoint/2010/main" val="348835309"/>
+      </p:ext>
+    </p:extLst>
+  </p:cSld>
+  <p:clrMapOvr>
+    <a:masterClrMapping/>
+  </p:clrMapOvr>
+</p:notes>
+</file>
+
+<file path=ppt/notesSlides/notesSlide8.xml><?xml version="1.0" encoding="utf-8"?>
+<p:notes xmlns:a="http://schemas.openxmlformats.org/drawingml/2006/main" xmlns:r="http://schemas.openxmlformats.org/officeDocument/2006/relationships" xmlns:p="http://schemas.openxmlformats.org/presentationml/2006/main">
+  <p:cSld>
+    <p:spTree>
+      <p:nvGrpSpPr>
+        <p:cNvPr id="1" name="">
+          <a:extLst>
+            <a:ext uri="{FF2B5EF4-FFF2-40B4-BE49-F238E27FC236}">
+              <a16:creationId xmlns:a16="http://schemas.microsoft.com/office/drawing/2014/main" id="{0C83FD92-5563-B9BA-D89D-DF39D8DCF18C}"/>
+            </a:ext>
+          </a:extLst>
+        </p:cNvPr>
+        <p:cNvGrpSpPr/>
+        <p:nvPr/>
+      </p:nvGrpSpPr>
+      <p:grpSpPr>
+        <a:xfrm>
+          <a:off x="0" y="0"/>
+          <a:ext cx="0" cy="0"/>
+          <a:chOff x="0" y="0"/>
+          <a:chExt cx="0" cy="0"/>
+        </a:xfrm>
+      </p:grpSpPr>
+      <p:sp>
+        <p:nvSpPr>
+          <p:cNvPr id="2" name="Slide Image Placeholder 1">
+            <a:extLst>
+              <a:ext uri="{FF2B5EF4-FFF2-40B4-BE49-F238E27FC236}">
+                <a16:creationId xmlns:a16="http://schemas.microsoft.com/office/drawing/2014/main" id="{45F2027B-36B5-32EE-B9F6-30EE96F56F7E}"/>
+              </a:ext>
+            </a:extLst>
+          </p:cNvPr>
+          <p:cNvSpPr>
+            <a:spLocks noGrp="1" noRot="1" noChangeAspect="1"/>
+          </p:cNvSpPr>
+          <p:nvPr>
+            <p:ph type="sldImg"/>
+          </p:nvPr>
+        </p:nvSpPr>
+        <p:spPr>
+          <a:xfrm>
+            <a:off x="685800" y="1143000"/>
+            <a:ext cx="5486400" cy="3086100"/>
+          </a:xfrm>
+        </p:spPr>
+      </p:sp>
+      <p:sp>
+        <p:nvSpPr>
+          <p:cNvPr id="3" name="Notes Placeholder 2">
+            <a:extLst>
+              <a:ext uri="{FF2B5EF4-FFF2-40B4-BE49-F238E27FC236}">
+                <a16:creationId xmlns:a16="http://schemas.microsoft.com/office/drawing/2014/main" id="{A17D1695-7288-20ED-3A0E-80A767E04952}"/>
+              </a:ext>
+            </a:extLst>
+          </p:cNvPr>
+          <p:cNvSpPr>
+            <a:spLocks noGrp="1"/>
+          </p:cNvSpPr>
+          <p:nvPr>
+            <p:ph type="body" idx="1"/>
+          </p:nvPr>
+        </p:nvSpPr>
+        <p:spPr/>
+        <p:txBody>
+          <a:bodyPr/>
+          <a:lstStyle/>
+          <a:p>
+            <a:endParaRPr lang="en-RU" dirty="0"/>
+          </a:p>
+        </p:txBody>
+      </p:sp>
+    </p:spTree>
+    <p:extLst>
+      <p:ext uri="{BB962C8B-B14F-4D97-AF65-F5344CB8AC3E}">
+        <p14:creationId xmlns:p14="http://schemas.microsoft.com/office/powerpoint/2010/main" val="1391009701"/>
+      </p:ext>
+    </p:extLst>
+  </p:cSld>
+  <p:clrMapOvr>
+    <a:masterClrMapping/>
+  </p:clrMapOvr>
+</p:notes>
+</file>
+
+<file path=ppt/notesSlides/notesSlide9.xml><?xml version="1.0" encoding="utf-8"?>
+<p:notes xmlns:a="http://schemas.openxmlformats.org/drawingml/2006/main" xmlns:r="http://schemas.openxmlformats.org/officeDocument/2006/relationships" xmlns:p="http://schemas.openxmlformats.org/presentationml/2006/main">
+  <p:cSld>
+    <p:spTree>
+      <p:nvGrpSpPr>
+        <p:cNvPr id="1" name="">
+          <a:extLst>
+            <a:ext uri="{FF2B5EF4-FFF2-40B4-BE49-F238E27FC236}">
+              <a16:creationId xmlns:a16="http://schemas.microsoft.com/office/drawing/2014/main" id="{52F194C9-8460-B0ED-3FA6-1B52DEB1AF45}"/>
+            </a:ext>
+          </a:extLst>
+        </p:cNvPr>
+        <p:cNvGrpSpPr/>
+        <p:nvPr/>
+      </p:nvGrpSpPr>
+      <p:grpSpPr>
+        <a:xfrm>
+          <a:off x="0" y="0"/>
+          <a:ext cx="0" cy="0"/>
+          <a:chOff x="0" y="0"/>
+          <a:chExt cx="0" cy="0"/>
+        </a:xfrm>
+      </p:grpSpPr>
+      <p:sp>
+        <p:nvSpPr>
+          <p:cNvPr id="2" name="Slide Image Placeholder 1">
+            <a:extLst>
+              <a:ext uri="{FF2B5EF4-FFF2-40B4-BE49-F238E27FC236}">
+                <a16:creationId xmlns:a16="http://schemas.microsoft.com/office/drawing/2014/main" id="{2400497B-847D-934B-8184-374A5C7C4D8B}"/>
+              </a:ext>
+            </a:extLst>
+          </p:cNvPr>
+          <p:cNvSpPr>
+            <a:spLocks noGrp="1" noRot="1" noChangeAspect="1"/>
+          </p:cNvSpPr>
+          <p:nvPr>
+            <p:ph type="sldImg"/>
+          </p:nvPr>
+        </p:nvSpPr>
+        <p:spPr>
+          <a:xfrm>
+            <a:off x="685800" y="1143000"/>
+            <a:ext cx="5486400" cy="3086100"/>
+          </a:xfrm>
+        </p:spPr>
+      </p:sp>
+      <p:sp>
+        <p:nvSpPr>
+          <p:cNvPr id="3" name="Notes Placeholder 2">
+            <a:extLst>
+              <a:ext uri="{FF2B5EF4-FFF2-40B4-BE49-F238E27FC236}">
+                <a16:creationId xmlns:a16="http://schemas.microsoft.com/office/drawing/2014/main" id="{3E842757-7EDB-FFB3-FC75-59622B22364D}"/>
+              </a:ext>
+            </a:extLst>
+          </p:cNvPr>
+          <p:cNvSpPr>
+            <a:spLocks noGrp="1"/>
+          </p:cNvSpPr>
+          <p:nvPr>
+            <p:ph type="body" idx="1"/>
+          </p:nvPr>
+        </p:nvSpPr>
+        <p:spPr/>
+        <p:txBody>
+          <a:bodyPr/>
+          <a:lstStyle/>
+          <a:p>
+            <a:endParaRPr lang="en-RU" dirty="0"/>
+          </a:p>
+        </p:txBody>
+      </p:sp>
+    </p:spTree>
+    <p:extLst>
+      <p:ext uri="{BB962C8B-B14F-4D97-AF65-F5344CB8AC3E}">
+        <p14:creationId xmlns:p14="http://schemas.microsoft.com/office/powerpoint/2010/main" val="255304620"/>
       </p:ext>
     </p:extLst>
   </p:cSld>
@@ -5562,709 +5137,6 @@
         <p:cNvPr id="1" name="">
           <a:extLst>
             <a:ext uri="{FF2B5EF4-FFF2-40B4-BE49-F238E27FC236}">
-              <a16:creationId xmlns:a16="http://schemas.microsoft.com/office/drawing/2014/main" id="{B2673FFB-E80D-94A2-3D3C-A1C04C83D041}"/>
-            </a:ext>
-          </a:extLst>
-        </p:cNvPr>
-        <p:cNvGrpSpPr/>
-        <p:nvPr/>
-      </p:nvGrpSpPr>
-      <p:grpSpPr>
-        <a:xfrm>
-          <a:off x="0" y="0"/>
-          <a:ext cx="0" cy="0"/>
-          <a:chOff x="0" y="0"/>
-          <a:chExt cx="0" cy="0"/>
-        </a:xfrm>
-      </p:grpSpPr>
-      <p:sp>
-        <p:nvSpPr>
-          <p:cNvPr id="13" name="TextBox 12">
-            <a:extLst>
-              <a:ext uri="{FF2B5EF4-FFF2-40B4-BE49-F238E27FC236}">
-                <a16:creationId xmlns:a16="http://schemas.microsoft.com/office/drawing/2014/main" id="{D88395EB-C05A-3642-38A6-5FCC516D7D1C}"/>
-              </a:ext>
-            </a:extLst>
-          </p:cNvPr>
-          <p:cNvSpPr txBox="1"/>
-          <p:nvPr/>
-        </p:nvSpPr>
-        <p:spPr>
-          <a:xfrm>
-            <a:off x="1031632" y="747129"/>
-            <a:ext cx="10322168" cy="658297"/>
-          </a:xfrm>
-          <a:prstGeom prst="rect">
-            <a:avLst/>
-          </a:prstGeom>
-          <a:solidFill>
-            <a:schemeClr val="accent5"/>
-          </a:solidFill>
-          <a:ln>
-            <a:noFill/>
-          </a:ln>
-        </p:spPr>
-        <p:style>
-          <a:lnRef idx="0">
-            <a:scrgbClr r="0" g="0" b="0"/>
-          </a:lnRef>
-          <a:fillRef idx="0">
-            <a:scrgbClr r="0" g="0" b="0"/>
-          </a:fillRef>
-          <a:effectRef idx="0">
-            <a:scrgbClr r="0" g="0" b="0"/>
-          </a:effectRef>
-          <a:fontRef idx="minor">
-            <a:schemeClr val="lt1"/>
-          </a:fontRef>
-        </p:style>
-        <p:txBody>
-          <a:bodyPr vert="horz" lIns="68580" tIns="34290" rIns="68580" bIns="34290" rtlCol="0" anchor="ctr">
-            <a:normAutofit/>
-          </a:bodyPr>
-          <a:lstStyle/>
-          <a:p>
-            <a:pPr algn="ctr"/>
-            <a:r>
-              <a:rPr lang="ru-RU" sz="2400" dirty="0"/>
-              <a:t>Функционал реализованный в инструментах рисования</a:t>
-            </a:r>
-          </a:p>
-        </p:txBody>
-      </p:sp>
-      <p:sp>
-        <p:nvSpPr>
-          <p:cNvPr id="6" name="Content Placeholder 2">
-            <a:extLst>
-              <a:ext uri="{FF2B5EF4-FFF2-40B4-BE49-F238E27FC236}">
-                <a16:creationId xmlns:a16="http://schemas.microsoft.com/office/drawing/2014/main" id="{B09E0858-F7C3-A341-2365-5E8F53D59E5E}"/>
-              </a:ext>
-            </a:extLst>
-          </p:cNvPr>
-          <p:cNvSpPr txBox="1">
-            <a:spLocks/>
-          </p:cNvSpPr>
-          <p:nvPr/>
-        </p:nvSpPr>
-        <p:spPr>
-          <a:xfrm>
-            <a:off x="1031632" y="2036288"/>
-            <a:ext cx="10322168" cy="2177044"/>
-          </a:xfrm>
-          <a:prstGeom prst="rect">
-            <a:avLst/>
-          </a:prstGeom>
-        </p:spPr>
-        <p:txBody>
-          <a:bodyPr vert="horz" lIns="68580" tIns="34290" rIns="68580" bIns="34290" rtlCol="0">
-            <a:normAutofit/>
-          </a:bodyPr>
-          <a:lstStyle>
-            <a:lvl1pPr marL="228600" indent="-228600" algn="l" defTabSz="914400" rtl="0" eaLnBrk="1" latinLnBrk="0" hangingPunct="1">
-              <a:lnSpc>
-                <a:spcPct val="90000"/>
-              </a:lnSpc>
-              <a:spcBef>
-                <a:spcPts val="1000"/>
-              </a:spcBef>
-              <a:buFont typeface="Arial" panose="020B0604020202020204" pitchFamily="34" charset="0"/>
-              <a:buChar char="•"/>
-              <a:defRPr sz="2800" kern="1200">
-                <a:solidFill>
-                  <a:schemeClr val="tx1"/>
-                </a:solidFill>
-                <a:latin typeface="+mn-lt"/>
-                <a:ea typeface="+mn-ea"/>
-                <a:cs typeface="+mn-cs"/>
-              </a:defRPr>
-            </a:lvl1pPr>
-            <a:lvl2pPr marL="685800" indent="-228600" algn="l" defTabSz="914400" rtl="0" eaLnBrk="1" latinLnBrk="0" hangingPunct="1">
-              <a:lnSpc>
-                <a:spcPct val="90000"/>
-              </a:lnSpc>
-              <a:spcBef>
-                <a:spcPts val="500"/>
-              </a:spcBef>
-              <a:buFont typeface="Arial" panose="020B0604020202020204" pitchFamily="34" charset="0"/>
-              <a:buChar char="•"/>
-              <a:defRPr sz="2400" kern="1200">
-                <a:solidFill>
-                  <a:schemeClr val="tx1"/>
-                </a:solidFill>
-                <a:latin typeface="+mn-lt"/>
-                <a:ea typeface="+mn-ea"/>
-                <a:cs typeface="+mn-cs"/>
-              </a:defRPr>
-            </a:lvl2pPr>
-            <a:lvl3pPr marL="1143000" indent="-228600" algn="l" defTabSz="914400" rtl="0" eaLnBrk="1" latinLnBrk="0" hangingPunct="1">
-              <a:lnSpc>
-                <a:spcPct val="90000"/>
-              </a:lnSpc>
-              <a:spcBef>
-                <a:spcPts val="500"/>
-              </a:spcBef>
-              <a:buFont typeface="Arial" panose="020B0604020202020204" pitchFamily="34" charset="0"/>
-              <a:buChar char="•"/>
-              <a:defRPr sz="2000" kern="1200">
-                <a:solidFill>
-                  <a:schemeClr val="tx1"/>
-                </a:solidFill>
-                <a:latin typeface="+mn-lt"/>
-                <a:ea typeface="+mn-ea"/>
-                <a:cs typeface="+mn-cs"/>
-              </a:defRPr>
-            </a:lvl3pPr>
-            <a:lvl4pPr marL="1600200" indent="-228600" algn="l" defTabSz="914400" rtl="0" eaLnBrk="1" latinLnBrk="0" hangingPunct="1">
-              <a:lnSpc>
-                <a:spcPct val="90000"/>
-              </a:lnSpc>
-              <a:spcBef>
-                <a:spcPts val="500"/>
-              </a:spcBef>
-              <a:buFont typeface="Arial" panose="020B0604020202020204" pitchFamily="34" charset="0"/>
-              <a:buChar char="•"/>
-              <a:defRPr sz="1800" kern="1200">
-                <a:solidFill>
-                  <a:schemeClr val="tx1"/>
-                </a:solidFill>
-                <a:latin typeface="+mn-lt"/>
-                <a:ea typeface="+mn-ea"/>
-                <a:cs typeface="+mn-cs"/>
-              </a:defRPr>
-            </a:lvl4pPr>
-            <a:lvl5pPr marL="2057400" indent="-228600" algn="l" defTabSz="914400" rtl="0" eaLnBrk="1" latinLnBrk="0" hangingPunct="1">
-              <a:lnSpc>
-                <a:spcPct val="90000"/>
-              </a:lnSpc>
-              <a:spcBef>
-                <a:spcPts val="500"/>
-              </a:spcBef>
-              <a:buFont typeface="Arial" panose="020B0604020202020204" pitchFamily="34" charset="0"/>
-              <a:buChar char="•"/>
-              <a:defRPr sz="1800" kern="1200">
-                <a:solidFill>
-                  <a:schemeClr val="tx1"/>
-                </a:solidFill>
-                <a:latin typeface="+mn-lt"/>
-                <a:ea typeface="+mn-ea"/>
-                <a:cs typeface="+mn-cs"/>
-              </a:defRPr>
-            </a:lvl5pPr>
-            <a:lvl6pPr marL="2514600" indent="-228600" algn="l" defTabSz="914400" rtl="0" eaLnBrk="1" latinLnBrk="0" hangingPunct="1">
-              <a:lnSpc>
-                <a:spcPct val="90000"/>
-              </a:lnSpc>
-              <a:spcBef>
-                <a:spcPts val="500"/>
-              </a:spcBef>
-              <a:buFont typeface="Arial" panose="020B0604020202020204" pitchFamily="34" charset="0"/>
-              <a:buChar char="•"/>
-              <a:defRPr sz="1800" kern="1200">
-                <a:solidFill>
-                  <a:schemeClr val="tx1"/>
-                </a:solidFill>
-                <a:latin typeface="+mn-lt"/>
-                <a:ea typeface="+mn-ea"/>
-                <a:cs typeface="+mn-cs"/>
-              </a:defRPr>
-            </a:lvl6pPr>
-            <a:lvl7pPr marL="2971800" indent="-228600" algn="l" defTabSz="914400" rtl="0" eaLnBrk="1" latinLnBrk="0" hangingPunct="1">
-              <a:lnSpc>
-                <a:spcPct val="90000"/>
-              </a:lnSpc>
-              <a:spcBef>
-                <a:spcPts val="500"/>
-              </a:spcBef>
-              <a:buFont typeface="Arial" panose="020B0604020202020204" pitchFamily="34" charset="0"/>
-              <a:buChar char="•"/>
-              <a:defRPr sz="1800" kern="1200">
-                <a:solidFill>
-                  <a:schemeClr val="tx1"/>
-                </a:solidFill>
-                <a:latin typeface="+mn-lt"/>
-                <a:ea typeface="+mn-ea"/>
-                <a:cs typeface="+mn-cs"/>
-              </a:defRPr>
-            </a:lvl7pPr>
-            <a:lvl8pPr marL="3429000" indent="-228600" algn="l" defTabSz="914400" rtl="0" eaLnBrk="1" latinLnBrk="0" hangingPunct="1">
-              <a:lnSpc>
-                <a:spcPct val="90000"/>
-              </a:lnSpc>
-              <a:spcBef>
-                <a:spcPts val="500"/>
-              </a:spcBef>
-              <a:buFont typeface="Arial" panose="020B0604020202020204" pitchFamily="34" charset="0"/>
-              <a:buChar char="•"/>
-              <a:defRPr sz="1800" kern="1200">
-                <a:solidFill>
-                  <a:schemeClr val="tx1"/>
-                </a:solidFill>
-                <a:latin typeface="+mn-lt"/>
-                <a:ea typeface="+mn-ea"/>
-                <a:cs typeface="+mn-cs"/>
-              </a:defRPr>
-            </a:lvl8pPr>
-            <a:lvl9pPr marL="3886200" indent="-228600" algn="l" defTabSz="914400" rtl="0" eaLnBrk="1" latinLnBrk="0" hangingPunct="1">
-              <a:lnSpc>
-                <a:spcPct val="90000"/>
-              </a:lnSpc>
-              <a:spcBef>
-                <a:spcPts val="500"/>
-              </a:spcBef>
-              <a:buFont typeface="Arial" panose="020B0604020202020204" pitchFamily="34" charset="0"/>
-              <a:buChar char="•"/>
-              <a:defRPr sz="1800" kern="1200">
-                <a:solidFill>
-                  <a:schemeClr val="tx1"/>
-                </a:solidFill>
-                <a:latin typeface="+mn-lt"/>
-                <a:ea typeface="+mn-ea"/>
-                <a:cs typeface="+mn-cs"/>
-              </a:defRPr>
-            </a:lvl9pPr>
-          </a:lstStyle>
-          <a:p>
-            <a:pPr algn="just"/>
-            <a:r>
-              <a:rPr lang="ru-RU" dirty="0"/>
-              <a:t>Подготовка данных для визуализация</a:t>
-            </a:r>
-            <a:endParaRPr lang="en-US" dirty="0"/>
-          </a:p>
-          <a:p>
-            <a:pPr algn="just"/>
-            <a:r>
-              <a:rPr lang="ru-RU" dirty="0"/>
-              <a:t>Визуализация на </a:t>
-            </a:r>
-            <a:r>
-              <a:rPr lang="en-US" b="1" i="1" dirty="0" err="1"/>
-              <a:t>CanvasRenderingContext</a:t>
-            </a:r>
-            <a:r>
-              <a:rPr lang="ru-RU" b="1" i="1" dirty="0"/>
-              <a:t>2</a:t>
-            </a:r>
-            <a:r>
-              <a:rPr lang="en-US" b="1" i="1" dirty="0"/>
-              <a:t>D</a:t>
-            </a:r>
-            <a:endParaRPr lang="ru-RU" b="1" i="1" dirty="0"/>
-          </a:p>
-          <a:p>
-            <a:pPr algn="just"/>
-            <a:r>
-              <a:rPr lang="ru-RU" dirty="0"/>
-              <a:t>Проверка на коллизию всех геометрических примитивов с точкой координаты мыши на графике</a:t>
-            </a:r>
-            <a:endParaRPr lang="en-US" dirty="0"/>
-          </a:p>
-        </p:txBody>
-      </p:sp>
-      <p:sp>
-        <p:nvSpPr>
-          <p:cNvPr id="11" name="Slide Number Placeholder 10">
-            <a:extLst>
-              <a:ext uri="{FF2B5EF4-FFF2-40B4-BE49-F238E27FC236}">
-                <a16:creationId xmlns:a16="http://schemas.microsoft.com/office/drawing/2014/main" id="{525E808E-1F6F-3E35-BC3D-73BAAEB0AB6D}"/>
-              </a:ext>
-            </a:extLst>
-          </p:cNvPr>
-          <p:cNvSpPr>
-            <a:spLocks noGrp="1"/>
-          </p:cNvSpPr>
-          <p:nvPr>
-            <p:ph type="sldNum" sz="quarter" idx="12"/>
-          </p:nvPr>
-        </p:nvSpPr>
-        <p:spPr/>
-        <p:txBody>
-          <a:bodyPr/>
-          <a:lstStyle/>
-          <a:p>
-            <a:r>
-              <a:rPr lang="ru-RU" dirty="0"/>
-              <a:t>10 из 19</a:t>
-            </a:r>
-          </a:p>
-        </p:txBody>
-      </p:sp>
-    </p:spTree>
-    <p:extLst>
-      <p:ext uri="{BB962C8B-B14F-4D97-AF65-F5344CB8AC3E}">
-        <p14:creationId xmlns:p14="http://schemas.microsoft.com/office/powerpoint/2010/main" val="913263969"/>
-      </p:ext>
-    </p:extLst>
-  </p:cSld>
-  <p:clrMapOvr>
-    <a:masterClrMapping/>
-  </p:clrMapOvr>
-</p:sld>
-</file>
-
-<file path=ppt/slides/slide11.xml><?xml version="1.0" encoding="utf-8"?>
-<p:sld xmlns:a="http://schemas.openxmlformats.org/drawingml/2006/main" xmlns:r="http://schemas.openxmlformats.org/officeDocument/2006/relationships" xmlns:p="http://schemas.openxmlformats.org/presentationml/2006/main">
-  <p:cSld>
-    <p:spTree>
-      <p:nvGrpSpPr>
-        <p:cNvPr id="1" name="">
-          <a:extLst>
-            <a:ext uri="{FF2B5EF4-FFF2-40B4-BE49-F238E27FC236}">
-              <a16:creationId xmlns:a16="http://schemas.microsoft.com/office/drawing/2014/main" id="{8D740296-C6ED-F67D-CA33-7DB0BB91F237}"/>
-            </a:ext>
-          </a:extLst>
-        </p:cNvPr>
-        <p:cNvGrpSpPr/>
-        <p:nvPr/>
-      </p:nvGrpSpPr>
-      <p:grpSpPr>
-        <a:xfrm>
-          <a:off x="0" y="0"/>
-          <a:ext cx="0" cy="0"/>
-          <a:chOff x="0" y="0"/>
-          <a:chExt cx="0" cy="0"/>
-        </a:xfrm>
-      </p:grpSpPr>
-      <p:sp>
-        <p:nvSpPr>
-          <p:cNvPr id="13" name="TextBox 12">
-            <a:extLst>
-              <a:ext uri="{FF2B5EF4-FFF2-40B4-BE49-F238E27FC236}">
-                <a16:creationId xmlns:a16="http://schemas.microsoft.com/office/drawing/2014/main" id="{6C9FE423-92BE-4645-E8C2-6CF4A7E5C687}"/>
-              </a:ext>
-            </a:extLst>
-          </p:cNvPr>
-          <p:cNvSpPr txBox="1"/>
-          <p:nvPr/>
-        </p:nvSpPr>
-        <p:spPr>
-          <a:xfrm>
-            <a:off x="879232" y="654139"/>
-            <a:ext cx="10474568" cy="658297"/>
-          </a:xfrm>
-          <a:prstGeom prst="rect">
-            <a:avLst/>
-          </a:prstGeom>
-          <a:solidFill>
-            <a:schemeClr val="accent5"/>
-          </a:solidFill>
-          <a:ln>
-            <a:noFill/>
-          </a:ln>
-        </p:spPr>
-        <p:style>
-          <a:lnRef idx="0">
-            <a:scrgbClr r="0" g="0" b="0"/>
-          </a:lnRef>
-          <a:fillRef idx="0">
-            <a:scrgbClr r="0" g="0" b="0"/>
-          </a:fillRef>
-          <a:effectRef idx="0">
-            <a:scrgbClr r="0" g="0" b="0"/>
-          </a:effectRef>
-          <a:fontRef idx="minor">
-            <a:schemeClr val="lt1"/>
-          </a:fontRef>
-        </p:style>
-        <p:txBody>
-          <a:bodyPr vert="horz" lIns="68580" tIns="34290" rIns="68580" bIns="34290" rtlCol="0" anchor="ctr">
-            <a:normAutofit/>
-          </a:bodyPr>
-          <a:lstStyle/>
-          <a:p>
-            <a:pPr algn="ctr"/>
-            <a:r>
-              <a:rPr lang="ru-RU" sz="2400" dirty="0"/>
-              <a:t>Вспомогательные классы библиотеки</a:t>
-            </a:r>
-          </a:p>
-        </p:txBody>
-      </p:sp>
-      <p:sp>
-        <p:nvSpPr>
-          <p:cNvPr id="6" name="Content Placeholder 2">
-            <a:extLst>
-              <a:ext uri="{FF2B5EF4-FFF2-40B4-BE49-F238E27FC236}">
-                <a16:creationId xmlns:a16="http://schemas.microsoft.com/office/drawing/2014/main" id="{E48D26E2-6AFD-899F-99FF-3A721924E490}"/>
-              </a:ext>
-            </a:extLst>
-          </p:cNvPr>
-          <p:cNvSpPr txBox="1">
-            <a:spLocks/>
-          </p:cNvSpPr>
-          <p:nvPr/>
-        </p:nvSpPr>
-        <p:spPr>
-          <a:xfrm>
-            <a:off x="879232" y="1957754"/>
-            <a:ext cx="10474567" cy="1807422"/>
-          </a:xfrm>
-          <a:prstGeom prst="rect">
-            <a:avLst/>
-          </a:prstGeom>
-        </p:spPr>
-        <p:txBody>
-          <a:bodyPr vert="horz" lIns="68580" tIns="34290" rIns="68580" bIns="34290" rtlCol="0">
-            <a:normAutofit/>
-          </a:bodyPr>
-          <a:lstStyle>
-            <a:lvl1pPr marL="228600" indent="-228600" algn="l" defTabSz="914400" rtl="0" eaLnBrk="1" latinLnBrk="0" hangingPunct="1">
-              <a:lnSpc>
-                <a:spcPct val="90000"/>
-              </a:lnSpc>
-              <a:spcBef>
-                <a:spcPts val="1000"/>
-              </a:spcBef>
-              <a:buFont typeface="Arial" panose="020B0604020202020204" pitchFamily="34" charset="0"/>
-              <a:buChar char="•"/>
-              <a:defRPr sz="2800" kern="1200">
-                <a:solidFill>
-                  <a:schemeClr val="tx1"/>
-                </a:solidFill>
-                <a:latin typeface="+mn-lt"/>
-                <a:ea typeface="+mn-ea"/>
-                <a:cs typeface="+mn-cs"/>
-              </a:defRPr>
-            </a:lvl1pPr>
-            <a:lvl2pPr marL="685800" indent="-228600" algn="l" defTabSz="914400" rtl="0" eaLnBrk="1" latinLnBrk="0" hangingPunct="1">
-              <a:lnSpc>
-                <a:spcPct val="90000"/>
-              </a:lnSpc>
-              <a:spcBef>
-                <a:spcPts val="500"/>
-              </a:spcBef>
-              <a:buFont typeface="Arial" panose="020B0604020202020204" pitchFamily="34" charset="0"/>
-              <a:buChar char="•"/>
-              <a:defRPr sz="2400" kern="1200">
-                <a:solidFill>
-                  <a:schemeClr val="tx1"/>
-                </a:solidFill>
-                <a:latin typeface="+mn-lt"/>
-                <a:ea typeface="+mn-ea"/>
-                <a:cs typeface="+mn-cs"/>
-              </a:defRPr>
-            </a:lvl2pPr>
-            <a:lvl3pPr marL="1143000" indent="-228600" algn="l" defTabSz="914400" rtl="0" eaLnBrk="1" latinLnBrk="0" hangingPunct="1">
-              <a:lnSpc>
-                <a:spcPct val="90000"/>
-              </a:lnSpc>
-              <a:spcBef>
-                <a:spcPts val="500"/>
-              </a:spcBef>
-              <a:buFont typeface="Arial" panose="020B0604020202020204" pitchFamily="34" charset="0"/>
-              <a:buChar char="•"/>
-              <a:defRPr sz="2000" kern="1200">
-                <a:solidFill>
-                  <a:schemeClr val="tx1"/>
-                </a:solidFill>
-                <a:latin typeface="+mn-lt"/>
-                <a:ea typeface="+mn-ea"/>
-                <a:cs typeface="+mn-cs"/>
-              </a:defRPr>
-            </a:lvl3pPr>
-            <a:lvl4pPr marL="1600200" indent="-228600" algn="l" defTabSz="914400" rtl="0" eaLnBrk="1" latinLnBrk="0" hangingPunct="1">
-              <a:lnSpc>
-                <a:spcPct val="90000"/>
-              </a:lnSpc>
-              <a:spcBef>
-                <a:spcPts val="500"/>
-              </a:spcBef>
-              <a:buFont typeface="Arial" panose="020B0604020202020204" pitchFamily="34" charset="0"/>
-              <a:buChar char="•"/>
-              <a:defRPr sz="1800" kern="1200">
-                <a:solidFill>
-                  <a:schemeClr val="tx1"/>
-                </a:solidFill>
-                <a:latin typeface="+mn-lt"/>
-                <a:ea typeface="+mn-ea"/>
-                <a:cs typeface="+mn-cs"/>
-              </a:defRPr>
-            </a:lvl4pPr>
-            <a:lvl5pPr marL="2057400" indent="-228600" algn="l" defTabSz="914400" rtl="0" eaLnBrk="1" latinLnBrk="0" hangingPunct="1">
-              <a:lnSpc>
-                <a:spcPct val="90000"/>
-              </a:lnSpc>
-              <a:spcBef>
-                <a:spcPts val="500"/>
-              </a:spcBef>
-              <a:buFont typeface="Arial" panose="020B0604020202020204" pitchFamily="34" charset="0"/>
-              <a:buChar char="•"/>
-              <a:defRPr sz="1800" kern="1200">
-                <a:solidFill>
-                  <a:schemeClr val="tx1"/>
-                </a:solidFill>
-                <a:latin typeface="+mn-lt"/>
-                <a:ea typeface="+mn-ea"/>
-                <a:cs typeface="+mn-cs"/>
-              </a:defRPr>
-            </a:lvl5pPr>
-            <a:lvl6pPr marL="2514600" indent="-228600" algn="l" defTabSz="914400" rtl="0" eaLnBrk="1" latinLnBrk="0" hangingPunct="1">
-              <a:lnSpc>
-                <a:spcPct val="90000"/>
-              </a:lnSpc>
-              <a:spcBef>
-                <a:spcPts val="500"/>
-              </a:spcBef>
-              <a:buFont typeface="Arial" panose="020B0604020202020204" pitchFamily="34" charset="0"/>
-              <a:buChar char="•"/>
-              <a:defRPr sz="1800" kern="1200">
-                <a:solidFill>
-                  <a:schemeClr val="tx1"/>
-                </a:solidFill>
-                <a:latin typeface="+mn-lt"/>
-                <a:ea typeface="+mn-ea"/>
-                <a:cs typeface="+mn-cs"/>
-              </a:defRPr>
-            </a:lvl6pPr>
-            <a:lvl7pPr marL="2971800" indent="-228600" algn="l" defTabSz="914400" rtl="0" eaLnBrk="1" latinLnBrk="0" hangingPunct="1">
-              <a:lnSpc>
-                <a:spcPct val="90000"/>
-              </a:lnSpc>
-              <a:spcBef>
-                <a:spcPts val="500"/>
-              </a:spcBef>
-              <a:buFont typeface="Arial" panose="020B0604020202020204" pitchFamily="34" charset="0"/>
-              <a:buChar char="•"/>
-              <a:defRPr sz="1800" kern="1200">
-                <a:solidFill>
-                  <a:schemeClr val="tx1"/>
-                </a:solidFill>
-                <a:latin typeface="+mn-lt"/>
-                <a:ea typeface="+mn-ea"/>
-                <a:cs typeface="+mn-cs"/>
-              </a:defRPr>
-            </a:lvl7pPr>
-            <a:lvl8pPr marL="3429000" indent="-228600" algn="l" defTabSz="914400" rtl="0" eaLnBrk="1" latinLnBrk="0" hangingPunct="1">
-              <a:lnSpc>
-                <a:spcPct val="90000"/>
-              </a:lnSpc>
-              <a:spcBef>
-                <a:spcPts val="500"/>
-              </a:spcBef>
-              <a:buFont typeface="Arial" panose="020B0604020202020204" pitchFamily="34" charset="0"/>
-              <a:buChar char="•"/>
-              <a:defRPr sz="1800" kern="1200">
-                <a:solidFill>
-                  <a:schemeClr val="tx1"/>
-                </a:solidFill>
-                <a:latin typeface="+mn-lt"/>
-                <a:ea typeface="+mn-ea"/>
-                <a:cs typeface="+mn-cs"/>
-              </a:defRPr>
-            </a:lvl8pPr>
-            <a:lvl9pPr marL="3886200" indent="-228600" algn="l" defTabSz="914400" rtl="0" eaLnBrk="1" latinLnBrk="0" hangingPunct="1">
-              <a:lnSpc>
-                <a:spcPct val="90000"/>
-              </a:lnSpc>
-              <a:spcBef>
-                <a:spcPts val="500"/>
-              </a:spcBef>
-              <a:buFont typeface="Arial" panose="020B0604020202020204" pitchFamily="34" charset="0"/>
-              <a:buChar char="•"/>
-              <a:defRPr sz="1800" kern="1200">
-                <a:solidFill>
-                  <a:schemeClr val="tx1"/>
-                </a:solidFill>
-                <a:latin typeface="+mn-lt"/>
-                <a:ea typeface="+mn-ea"/>
-                <a:cs typeface="+mn-cs"/>
-              </a:defRPr>
-            </a:lvl9pPr>
-          </a:lstStyle>
-          <a:p>
-            <a:r>
-              <a:rPr lang="en-GB" sz="2700" b="1" dirty="0" err="1"/>
-              <a:t>CollisionHelper</a:t>
-            </a:r>
-            <a:r>
-              <a:rPr lang="ru-RU" sz="2700" dirty="0"/>
-              <a:t> – функции для проверки коллизий для некоторых сложных геометрических примитивов</a:t>
-            </a:r>
-          </a:p>
-          <a:p>
-            <a:r>
-              <a:rPr lang="en-GB" sz="2700" b="1" dirty="0" err="1"/>
-              <a:t>MathHelper</a:t>
-            </a:r>
-            <a:r>
-              <a:rPr lang="ru-RU" sz="2700" dirty="0"/>
-              <a:t> –</a:t>
-            </a:r>
-            <a:r>
-              <a:rPr lang="en-US" sz="2700" dirty="0"/>
-              <a:t> </a:t>
-            </a:r>
-            <a:r>
-              <a:rPr lang="ru-RU" sz="2700" dirty="0"/>
-              <a:t>функции линейной алгебры, преобразования и аппроксимации</a:t>
-            </a:r>
-            <a:endParaRPr lang="en-GB" sz="2700" dirty="0"/>
-          </a:p>
-          <a:p>
-            <a:pPr marL="0" indent="0" algn="just">
-              <a:buNone/>
-            </a:pPr>
-            <a:endParaRPr lang="ru-RU" sz="2700" dirty="0"/>
-          </a:p>
-        </p:txBody>
-      </p:sp>
-      <p:sp>
-        <p:nvSpPr>
-          <p:cNvPr id="7" name="Slide Number Placeholder 6">
-            <a:extLst>
-              <a:ext uri="{FF2B5EF4-FFF2-40B4-BE49-F238E27FC236}">
-                <a16:creationId xmlns:a16="http://schemas.microsoft.com/office/drawing/2014/main" id="{382CD600-B61D-1819-E930-45C37FC6435E}"/>
-              </a:ext>
-            </a:extLst>
-          </p:cNvPr>
-          <p:cNvSpPr>
-            <a:spLocks noGrp="1"/>
-          </p:cNvSpPr>
-          <p:nvPr>
-            <p:ph type="sldNum" sz="quarter" idx="12"/>
-          </p:nvPr>
-        </p:nvSpPr>
-        <p:spPr/>
-        <p:txBody>
-          <a:bodyPr/>
-          <a:lstStyle/>
-          <a:p>
-            <a:r>
-              <a:rPr lang="ru-RU" dirty="0"/>
-              <a:t>11</a:t>
-            </a:r>
-            <a:r>
-              <a:rPr lang="en-US" dirty="0"/>
-              <a:t> </a:t>
-            </a:r>
-            <a:r>
-              <a:rPr lang="ru-RU" dirty="0"/>
-              <a:t>из 19</a:t>
-            </a:r>
-          </a:p>
-        </p:txBody>
-      </p:sp>
-    </p:spTree>
-    <p:extLst>
-      <p:ext uri="{BB962C8B-B14F-4D97-AF65-F5344CB8AC3E}">
-        <p14:creationId xmlns:p14="http://schemas.microsoft.com/office/powerpoint/2010/main" val="874819506"/>
-      </p:ext>
-    </p:extLst>
-  </p:cSld>
-  <p:clrMapOvr>
-    <a:masterClrMapping/>
-  </p:clrMapOvr>
-</p:sld>
-</file>
-
-<file path=ppt/slides/slide12.xml><?xml version="1.0" encoding="utf-8"?>
-<p:sld xmlns:a="http://schemas.openxmlformats.org/drawingml/2006/main" xmlns:r="http://schemas.openxmlformats.org/officeDocument/2006/relationships" xmlns:p="http://schemas.openxmlformats.org/presentationml/2006/main">
-  <p:cSld>
-    <p:spTree>
-      <p:nvGrpSpPr>
-        <p:cNvPr id="1" name="">
-          <a:extLst>
-            <a:ext uri="{FF2B5EF4-FFF2-40B4-BE49-F238E27FC236}">
               <a16:creationId xmlns:a16="http://schemas.microsoft.com/office/drawing/2014/main" id="{02A31213-0A19-1E21-0B30-E1CF82EF3CF9}"/>
             </a:ext>
           </a:extLst>
@@ -6358,7 +5230,7 @@
           <a:p>
             <a:r>
               <a:rPr lang="ru-RU" dirty="0"/>
-              <a:t>12</a:t>
+              <a:t>10</a:t>
             </a:r>
             <a:r>
               <a:rPr lang="en-US" dirty="0"/>
@@ -6366,7 +5238,7 @@
             </a:r>
             <a:r>
               <a:rPr lang="ru-RU" dirty="0"/>
-              <a:t>из 19</a:t>
+              <a:t>из 14</a:t>
             </a:r>
           </a:p>
         </p:txBody>
@@ -6735,7 +5607,7 @@
 </p:sld>
 </file>
 
-<file path=ppt/slides/slide13.xml><?xml version="1.0" encoding="utf-8"?>
+<file path=ppt/slides/slide11.xml><?xml version="1.0" encoding="utf-8"?>
 <p:sld xmlns:a="http://schemas.openxmlformats.org/drawingml/2006/main" xmlns:r="http://schemas.openxmlformats.org/officeDocument/2006/relationships" xmlns:p="http://schemas.openxmlformats.org/presentationml/2006/main">
   <p:cSld>
     <p:spTree>
@@ -6830,7 +5702,7 @@
           <a:p>
             <a:r>
               <a:rPr lang="ru-RU" dirty="0"/>
-              <a:t>13</a:t>
+              <a:t>11</a:t>
             </a:r>
             <a:r>
               <a:rPr lang="en-US" dirty="0"/>
@@ -6838,7 +5710,7 @@
             </a:r>
             <a:r>
               <a:rPr lang="ru-RU" dirty="0"/>
-              <a:t>из 19</a:t>
+              <a:t>из 14</a:t>
             </a:r>
           </a:p>
         </p:txBody>
@@ -7057,7 +5929,7 @@
 </p:sld>
 </file>
 
-<file path=ppt/slides/slide14.xml><?xml version="1.0" encoding="utf-8"?>
+<file path=ppt/slides/slide12.xml><?xml version="1.0" encoding="utf-8"?>
 <p:sld xmlns:a="http://schemas.openxmlformats.org/drawingml/2006/main" xmlns:r="http://schemas.openxmlformats.org/officeDocument/2006/relationships" xmlns:p="http://schemas.openxmlformats.org/presentationml/2006/main">
   <p:cSld>
     <p:spTree>
@@ -7158,7 +6030,7 @@
           <a:p>
             <a:r>
               <a:rPr lang="ru-RU" dirty="0"/>
-              <a:t>14</a:t>
+              <a:t>12</a:t>
             </a:r>
             <a:r>
               <a:rPr lang="en-US" dirty="0"/>
@@ -7166,7 +6038,7 @@
             </a:r>
             <a:r>
               <a:rPr lang="ru-RU" dirty="0"/>
-              <a:t>из 19</a:t>
+              <a:t>из 14</a:t>
             </a:r>
           </a:p>
         </p:txBody>
@@ -7322,7 +6194,7 @@
 </p:sld>
 </file>
 
-<file path=ppt/slides/slide15.xml><?xml version="1.0" encoding="utf-8"?>
+<file path=ppt/slides/slide13.xml><?xml version="1.0" encoding="utf-8"?>
 <p:sld xmlns:a="http://schemas.openxmlformats.org/drawingml/2006/main" xmlns:r="http://schemas.openxmlformats.org/officeDocument/2006/relationships" xmlns:p="http://schemas.openxmlformats.org/presentationml/2006/main">
   <p:cSld>
     <p:spTree>
@@ -7368,7 +6240,7 @@
           <a:p>
             <a:r>
               <a:rPr lang="ru-RU" dirty="0"/>
-              <a:t>15</a:t>
+              <a:t>13</a:t>
             </a:r>
             <a:r>
               <a:rPr lang="en-US" dirty="0"/>
@@ -7376,7 +6248,7 @@
             </a:r>
             <a:r>
               <a:rPr lang="ru-RU" dirty="0"/>
-              <a:t>из 19</a:t>
+              <a:t>из 14</a:t>
             </a:r>
           </a:p>
         </p:txBody>
@@ -7395,8 +6267,8 @@
         </p:nvSpPr>
         <p:spPr>
           <a:xfrm>
-            <a:off x="1302441" y="1465385"/>
-            <a:ext cx="4624602" cy="3927230"/>
+            <a:off x="6606919" y="341933"/>
+            <a:ext cx="4495173" cy="1843503"/>
           </a:xfrm>
           <a:prstGeom prst="rect">
             <a:avLst/>
@@ -7481,92 +6353,20 @@
         </p:blipFill>
         <p:spPr>
           <a:xfrm>
-            <a:off x="6544140" y="981534"/>
-            <a:ext cx="4894931" cy="4894931"/>
+            <a:off x="6820962" y="2185436"/>
+            <a:ext cx="3936395" cy="3936395"/>
           </a:xfrm>
           <a:prstGeom prst="rect">
             <a:avLst/>
           </a:prstGeom>
         </p:spPr>
       </p:pic>
-    </p:spTree>
-    <p:extLst>
-      <p:ext uri="{BB962C8B-B14F-4D97-AF65-F5344CB8AC3E}">
-        <p14:creationId xmlns:p14="http://schemas.microsoft.com/office/powerpoint/2010/main" val="368553912"/>
-      </p:ext>
-    </p:extLst>
-  </p:cSld>
-  <p:clrMapOvr>
-    <a:masterClrMapping/>
-  </p:clrMapOvr>
-</p:sld>
-</file>
-
-<file path=ppt/slides/slide16.xml><?xml version="1.0" encoding="utf-8"?>
-<p:sld xmlns:a="http://schemas.openxmlformats.org/drawingml/2006/main" xmlns:r="http://schemas.openxmlformats.org/officeDocument/2006/relationships" xmlns:p="http://schemas.openxmlformats.org/presentationml/2006/main">
-  <p:cSld>
-    <p:spTree>
-      <p:nvGrpSpPr>
-        <p:cNvPr id="1" name="">
-          <a:extLst>
-            <a:ext uri="{FF2B5EF4-FFF2-40B4-BE49-F238E27FC236}">
-              <a16:creationId xmlns:a16="http://schemas.microsoft.com/office/drawing/2014/main" id="{69A38E02-639D-63EE-7304-F87EDDFCC3CE}"/>
-            </a:ext>
-          </a:extLst>
-        </p:cNvPr>
-        <p:cNvGrpSpPr/>
-        <p:nvPr/>
-      </p:nvGrpSpPr>
-      <p:grpSpPr>
-        <a:xfrm>
-          <a:off x="0" y="0"/>
-          <a:ext cx="0" cy="0"/>
-          <a:chOff x="0" y="0"/>
-          <a:chExt cx="0" cy="0"/>
-        </a:xfrm>
-      </p:grpSpPr>
-      <p:sp>
-        <p:nvSpPr>
-          <p:cNvPr id="14" name="Slide Number Placeholder 13">
+      <p:pic>
+        <p:nvPicPr>
+          <p:cNvPr id="10" name="Picture 9" descr="A qr code with a white background&#10;&#10;AI-generated content may be incorrect.">
             <a:extLst>
               <a:ext uri="{FF2B5EF4-FFF2-40B4-BE49-F238E27FC236}">
-                <a16:creationId xmlns:a16="http://schemas.microsoft.com/office/drawing/2014/main" id="{709EBD39-1AB4-F749-6C93-B8C4B50787C2}"/>
-              </a:ext>
-            </a:extLst>
-          </p:cNvPr>
-          <p:cNvSpPr>
-            <a:spLocks noGrp="1"/>
-          </p:cNvSpPr>
-          <p:nvPr>
-            <p:ph type="sldNum" sz="quarter" idx="12"/>
-          </p:nvPr>
-        </p:nvSpPr>
-        <p:spPr/>
-        <p:txBody>
-          <a:bodyPr/>
-          <a:lstStyle/>
-          <a:p>
-            <a:r>
-              <a:rPr lang="ru-RU" dirty="0"/>
-              <a:t>16</a:t>
-            </a:r>
-            <a:r>
-              <a:rPr lang="en-US" dirty="0"/>
-              <a:t> </a:t>
-            </a:r>
-            <a:r>
-              <a:rPr lang="ru-RU" dirty="0"/>
-              <a:t>из 19</a:t>
-            </a:r>
-          </a:p>
-        </p:txBody>
-      </p:sp>
-      <p:pic>
-        <p:nvPicPr>
-          <p:cNvPr id="11" name="Picture 10">
-            <a:extLst>
-              <a:ext uri="{FF2B5EF4-FFF2-40B4-BE49-F238E27FC236}">
-                <a16:creationId xmlns:a16="http://schemas.microsoft.com/office/drawing/2014/main" id="{13C45E43-C574-DA43-E35A-B05080A74378}"/>
+                <a16:creationId xmlns:a16="http://schemas.microsoft.com/office/drawing/2014/main" id="{17342288-D852-4068-C9E7-2B2E0D1D5B6E}"/>
               </a:ext>
             </a:extLst>
           </p:cNvPr>
@@ -7576,15 +6376,21 @@
           <p:nvPr/>
         </p:nvPicPr>
         <p:blipFill>
-          <a:blip r:embed="rId3"/>
+          <a:blip r:embed="rId4">
+            <a:extLst>
+              <a:ext uri="{28A0092B-C50C-407E-A947-70E740481C1C}">
+                <a14:useLocalDpi xmlns:a14="http://schemas.microsoft.com/office/drawing/2010/main" val="0"/>
+              </a:ext>
+            </a:extLst>
+          </a:blip>
           <a:stretch>
             <a:fillRect/>
           </a:stretch>
         </p:blipFill>
         <p:spPr>
           <a:xfrm>
-            <a:off x="896368" y="2490407"/>
-            <a:ext cx="10399264" cy="2670628"/>
+            <a:off x="1434643" y="2185436"/>
+            <a:ext cx="3936395" cy="3936395"/>
           </a:xfrm>
           <a:prstGeom prst="rect">
             <a:avLst/>
@@ -7593,10 +6399,10 @@
       </p:pic>
       <p:sp>
         <p:nvSpPr>
-          <p:cNvPr id="12" name="TextBox 11">
+          <p:cNvPr id="11" name="TextBox 10">
             <a:extLst>
               <a:ext uri="{FF2B5EF4-FFF2-40B4-BE49-F238E27FC236}">
-                <a16:creationId xmlns:a16="http://schemas.microsoft.com/office/drawing/2014/main" id="{A9436B04-E493-35E6-3083-103EF411362A}"/>
+                <a16:creationId xmlns:a16="http://schemas.microsoft.com/office/drawing/2014/main" id="{8C3A1BA4-A91A-3838-DAD8-C646994EB969}"/>
               </a:ext>
             </a:extLst>
           </p:cNvPr>
@@ -7605,8 +6411,8 @@
         </p:nvSpPr>
         <p:spPr>
           <a:xfrm>
-            <a:off x="1019908" y="513423"/>
-            <a:ext cx="10333892" cy="658297"/>
+            <a:off x="1240496" y="341933"/>
+            <a:ext cx="4495173" cy="1843503"/>
           </a:xfrm>
           <a:prstGeom prst="rect">
             <a:avLst/>
@@ -7640,20 +6446,25 @@
           <a:p>
             <a:pPr algn="ctr"/>
             <a:r>
-              <a:rPr lang="en-US" sz="2400" dirty="0"/>
-              <a:t>NPM </a:t>
-            </a:r>
-            <a:r>
-              <a:rPr lang="ru-RU" sz="2400" dirty="0"/>
-              <a:t>пакет</a:t>
-            </a:r>
+              <a:rPr lang="ru-RU" sz="3000" dirty="0"/>
+              <a:t>Приложение</a:t>
+            </a:r>
+            <a:r>
+              <a:rPr lang="en-US" sz="3000" dirty="0"/>
+              <a:t> </a:t>
+            </a:r>
+            <a:r>
+              <a:rPr lang="en-US" sz="3000" b="1" dirty="0"/>
+              <a:t>Witte</a:t>
+            </a:r>
+            <a:endParaRPr lang="ru-RU" sz="3000" b="1" dirty="0"/>
           </a:p>
         </p:txBody>
       </p:sp>
     </p:spTree>
     <p:extLst>
       <p:ext uri="{BB962C8B-B14F-4D97-AF65-F5344CB8AC3E}">
-        <p14:creationId xmlns:p14="http://schemas.microsoft.com/office/powerpoint/2010/main" val="2524193081"/>
+        <p14:creationId xmlns:p14="http://schemas.microsoft.com/office/powerpoint/2010/main" val="368553912"/>
       </p:ext>
     </p:extLst>
   </p:cSld>
@@ -7663,351 +6474,7 @@
 </p:sld>
 </file>
 
-<file path=ppt/slides/slide17.xml><?xml version="1.0" encoding="utf-8"?>
-<p:sld xmlns:a="http://schemas.openxmlformats.org/drawingml/2006/main" xmlns:r="http://schemas.openxmlformats.org/officeDocument/2006/relationships" xmlns:p="http://schemas.openxmlformats.org/presentationml/2006/main">
-  <p:cSld>
-    <p:spTree>
-      <p:nvGrpSpPr>
-        <p:cNvPr id="1" name="">
-          <a:extLst>
-            <a:ext uri="{FF2B5EF4-FFF2-40B4-BE49-F238E27FC236}">
-              <a16:creationId xmlns:a16="http://schemas.microsoft.com/office/drawing/2014/main" id="{389A1E7A-5C97-19DE-F20B-114FB08DAD9C}"/>
-            </a:ext>
-          </a:extLst>
-        </p:cNvPr>
-        <p:cNvGrpSpPr/>
-        <p:nvPr/>
-      </p:nvGrpSpPr>
-      <p:grpSpPr>
-        <a:xfrm>
-          <a:off x="0" y="0"/>
-          <a:ext cx="0" cy="0"/>
-          <a:chOff x="0" y="0"/>
-          <a:chExt cx="0" cy="0"/>
-        </a:xfrm>
-      </p:grpSpPr>
-      <p:sp>
-        <p:nvSpPr>
-          <p:cNvPr id="14" name="Slide Number Placeholder 13">
-            <a:extLst>
-              <a:ext uri="{FF2B5EF4-FFF2-40B4-BE49-F238E27FC236}">
-                <a16:creationId xmlns:a16="http://schemas.microsoft.com/office/drawing/2014/main" id="{DF6DDEE8-4244-25C7-8A09-B917E2D3A0AD}"/>
-              </a:ext>
-            </a:extLst>
-          </p:cNvPr>
-          <p:cNvSpPr>
-            <a:spLocks noGrp="1"/>
-          </p:cNvSpPr>
-          <p:nvPr>
-            <p:ph type="sldNum" sz="quarter" idx="12"/>
-          </p:nvPr>
-        </p:nvSpPr>
-        <p:spPr/>
-        <p:txBody>
-          <a:bodyPr/>
-          <a:lstStyle/>
-          <a:p>
-            <a:r>
-              <a:rPr lang="ru-RU" dirty="0"/>
-              <a:t>17</a:t>
-            </a:r>
-            <a:r>
-              <a:rPr lang="en-US" dirty="0"/>
-              <a:t> </a:t>
-            </a:r>
-            <a:r>
-              <a:rPr lang="ru-RU" dirty="0"/>
-              <a:t>из 19</a:t>
-            </a:r>
-          </a:p>
-        </p:txBody>
-      </p:sp>
-      <p:sp>
-        <p:nvSpPr>
-          <p:cNvPr id="13" name="TextBox 12">
-            <a:extLst>
-              <a:ext uri="{FF2B5EF4-FFF2-40B4-BE49-F238E27FC236}">
-                <a16:creationId xmlns:a16="http://schemas.microsoft.com/office/drawing/2014/main" id="{33A5396E-3C10-DD13-DC8D-E69B56091EE2}"/>
-              </a:ext>
-            </a:extLst>
-          </p:cNvPr>
-          <p:cNvSpPr txBox="1"/>
-          <p:nvPr/>
-        </p:nvSpPr>
-        <p:spPr>
-          <a:xfrm>
-            <a:off x="1032559" y="1477108"/>
-            <a:ext cx="4624602" cy="3927230"/>
-          </a:xfrm>
-          <a:prstGeom prst="rect">
-            <a:avLst/>
-          </a:prstGeom>
-          <a:solidFill>
-            <a:schemeClr val="accent5"/>
-          </a:solidFill>
-          <a:ln>
-            <a:noFill/>
-          </a:ln>
-        </p:spPr>
-        <p:style>
-          <a:lnRef idx="0">
-            <a:scrgbClr r="0" g="0" b="0"/>
-          </a:lnRef>
-          <a:fillRef idx="0">
-            <a:scrgbClr r="0" g="0" b="0"/>
-          </a:fillRef>
-          <a:effectRef idx="0">
-            <a:scrgbClr r="0" g="0" b="0"/>
-          </a:effectRef>
-          <a:fontRef idx="minor">
-            <a:schemeClr val="lt1"/>
-          </a:fontRef>
-        </p:style>
-        <p:txBody>
-          <a:bodyPr vert="horz" lIns="68580" tIns="34290" rIns="68580" bIns="34290" rtlCol="0" anchor="ctr">
-            <a:normAutofit/>
-          </a:bodyPr>
-          <a:lstStyle/>
-          <a:p>
-            <a:pPr algn="ctr"/>
-            <a:r>
-              <a:rPr lang="ru-RU" sz="3000" dirty="0"/>
-              <a:t>Исходный код приложения</a:t>
-            </a:r>
-            <a:endParaRPr lang="en-US" sz="3000" dirty="0"/>
-          </a:p>
-          <a:p>
-            <a:pPr algn="ctr"/>
-            <a:r>
-              <a:rPr lang="en-US" sz="3000" b="1" dirty="0"/>
-              <a:t>Witte</a:t>
-            </a:r>
-            <a:endParaRPr lang="ru-RU" sz="3000" b="1" dirty="0"/>
-          </a:p>
-        </p:txBody>
-      </p:sp>
-      <p:pic>
-        <p:nvPicPr>
-          <p:cNvPr id="6" name="Picture 5" descr="A qr code with a white background&#10;&#10;AI-generated content may be incorrect.">
-            <a:extLst>
-              <a:ext uri="{FF2B5EF4-FFF2-40B4-BE49-F238E27FC236}">
-                <a16:creationId xmlns:a16="http://schemas.microsoft.com/office/drawing/2014/main" id="{90A7DE20-E7D0-B93B-C909-0F87E111FFB9}"/>
-              </a:ext>
-            </a:extLst>
-          </p:cNvPr>
-          <p:cNvPicPr>
-            <a:picLocks noChangeAspect="1"/>
-          </p:cNvPicPr>
-          <p:nvPr/>
-        </p:nvPicPr>
-        <p:blipFill>
-          <a:blip r:embed="rId3">
-            <a:extLst>
-              <a:ext uri="{28A0092B-C50C-407E-A947-70E740481C1C}">
-                <a14:useLocalDpi xmlns:a14="http://schemas.microsoft.com/office/drawing/2010/main" val="0"/>
-              </a:ext>
-            </a:extLst>
-          </a:blip>
-          <a:stretch>
-            <a:fillRect/>
-          </a:stretch>
-        </p:blipFill>
-        <p:spPr>
-          <a:xfrm>
-            <a:off x="6534841" y="961464"/>
-            <a:ext cx="4935072" cy="4935072"/>
-          </a:xfrm>
-          <a:prstGeom prst="rect">
-            <a:avLst/>
-          </a:prstGeom>
-        </p:spPr>
-      </p:pic>
-    </p:spTree>
-    <p:extLst>
-      <p:ext uri="{BB962C8B-B14F-4D97-AF65-F5344CB8AC3E}">
-        <p14:creationId xmlns:p14="http://schemas.microsoft.com/office/powerpoint/2010/main" val="1548520935"/>
-      </p:ext>
-    </p:extLst>
-  </p:cSld>
-  <p:clrMapOvr>
-    <a:masterClrMapping/>
-  </p:clrMapOvr>
-</p:sld>
-</file>
-
-<file path=ppt/slides/slide18.xml><?xml version="1.0" encoding="utf-8"?>
-<p:sld xmlns:a="http://schemas.openxmlformats.org/drawingml/2006/main" xmlns:r="http://schemas.openxmlformats.org/officeDocument/2006/relationships" xmlns:p="http://schemas.openxmlformats.org/presentationml/2006/main">
-  <p:cSld>
-    <p:spTree>
-      <p:nvGrpSpPr>
-        <p:cNvPr id="1" name="">
-          <a:extLst>
-            <a:ext uri="{FF2B5EF4-FFF2-40B4-BE49-F238E27FC236}">
-              <a16:creationId xmlns:a16="http://schemas.microsoft.com/office/drawing/2014/main" id="{1F7A00E4-00E6-EA43-3ACE-B4AF64AE98E3}"/>
-            </a:ext>
-          </a:extLst>
-        </p:cNvPr>
-        <p:cNvGrpSpPr/>
-        <p:nvPr/>
-      </p:nvGrpSpPr>
-      <p:grpSpPr>
-        <a:xfrm>
-          <a:off x="0" y="0"/>
-          <a:ext cx="0" cy="0"/>
-          <a:chOff x="0" y="0"/>
-          <a:chExt cx="0" cy="0"/>
-        </a:xfrm>
-      </p:grpSpPr>
-      <p:sp>
-        <p:nvSpPr>
-          <p:cNvPr id="14" name="Slide Number Placeholder 13">
-            <a:extLst>
-              <a:ext uri="{FF2B5EF4-FFF2-40B4-BE49-F238E27FC236}">
-                <a16:creationId xmlns:a16="http://schemas.microsoft.com/office/drawing/2014/main" id="{A1A44B27-E25E-B3F9-8A2A-98B3D7C01793}"/>
-              </a:ext>
-            </a:extLst>
-          </p:cNvPr>
-          <p:cNvSpPr>
-            <a:spLocks noGrp="1"/>
-          </p:cNvSpPr>
-          <p:nvPr>
-            <p:ph type="sldNum" sz="quarter" idx="12"/>
-          </p:nvPr>
-        </p:nvSpPr>
-        <p:spPr/>
-        <p:txBody>
-          <a:bodyPr/>
-          <a:lstStyle/>
-          <a:p>
-            <a:r>
-              <a:rPr lang="ru-RU" dirty="0"/>
-              <a:t>18</a:t>
-            </a:r>
-            <a:r>
-              <a:rPr lang="en-US" dirty="0"/>
-              <a:t> </a:t>
-            </a:r>
-            <a:r>
-              <a:rPr lang="ru-RU" dirty="0"/>
-              <a:t>из 19</a:t>
-            </a:r>
-          </a:p>
-        </p:txBody>
-      </p:sp>
-      <p:sp>
-        <p:nvSpPr>
-          <p:cNvPr id="13" name="TextBox 12">
-            <a:extLst>
-              <a:ext uri="{FF2B5EF4-FFF2-40B4-BE49-F238E27FC236}">
-                <a16:creationId xmlns:a16="http://schemas.microsoft.com/office/drawing/2014/main" id="{6A5724A3-BF01-117F-7944-FDE455C35371}"/>
-              </a:ext>
-            </a:extLst>
-          </p:cNvPr>
-          <p:cNvSpPr txBox="1"/>
-          <p:nvPr/>
-        </p:nvSpPr>
-        <p:spPr>
-          <a:xfrm>
-            <a:off x="1032559" y="1477108"/>
-            <a:ext cx="4624602" cy="3927230"/>
-          </a:xfrm>
-          <a:prstGeom prst="rect">
-            <a:avLst/>
-          </a:prstGeom>
-          <a:solidFill>
-            <a:schemeClr val="accent5"/>
-          </a:solidFill>
-          <a:ln>
-            <a:noFill/>
-          </a:ln>
-        </p:spPr>
-        <p:style>
-          <a:lnRef idx="0">
-            <a:scrgbClr r="0" g="0" b="0"/>
-          </a:lnRef>
-          <a:fillRef idx="0">
-            <a:scrgbClr r="0" g="0" b="0"/>
-          </a:fillRef>
-          <a:effectRef idx="0">
-            <a:scrgbClr r="0" g="0" b="0"/>
-          </a:effectRef>
-          <a:fontRef idx="minor">
-            <a:schemeClr val="lt1"/>
-          </a:fontRef>
-        </p:style>
-        <p:txBody>
-          <a:bodyPr vert="horz" lIns="68580" tIns="34290" rIns="68580" bIns="34290" rtlCol="0" anchor="ctr">
-            <a:normAutofit/>
-          </a:bodyPr>
-          <a:lstStyle/>
-          <a:p>
-            <a:pPr algn="ctr"/>
-            <a:r>
-              <a:rPr lang="ru-RU" sz="3000" dirty="0"/>
-              <a:t>Приложение</a:t>
-            </a:r>
-            <a:r>
-              <a:rPr lang="en-US" sz="3000" dirty="0"/>
-              <a:t> </a:t>
-            </a:r>
-            <a:r>
-              <a:rPr lang="en-US" sz="3000" b="1" dirty="0"/>
-              <a:t>Witte</a:t>
-            </a:r>
-            <a:endParaRPr lang="ru-RU" sz="3000" b="1" dirty="0"/>
-          </a:p>
-        </p:txBody>
-      </p:sp>
-      <p:pic>
-        <p:nvPicPr>
-          <p:cNvPr id="6" name="Picture 5" descr="A qr code with a white background&#10;&#10;AI-generated content may be incorrect.">
-            <a:extLst>
-              <a:ext uri="{FF2B5EF4-FFF2-40B4-BE49-F238E27FC236}">
-                <a16:creationId xmlns:a16="http://schemas.microsoft.com/office/drawing/2014/main" id="{9A13A107-2B8A-9024-F08C-C24EDEE767F6}"/>
-              </a:ext>
-            </a:extLst>
-          </p:cNvPr>
-          <p:cNvPicPr>
-            <a:picLocks noChangeAspect="1"/>
-          </p:cNvPicPr>
-          <p:nvPr/>
-        </p:nvPicPr>
-        <p:blipFill>
-          <a:blip r:embed="rId3">
-            <a:extLst>
-              <a:ext uri="{28A0092B-C50C-407E-A947-70E740481C1C}">
-                <a14:useLocalDpi xmlns:a14="http://schemas.microsoft.com/office/drawing/2010/main" val="0"/>
-              </a:ext>
-            </a:extLst>
-          </a:blip>
-          <a:stretch>
-            <a:fillRect/>
-          </a:stretch>
-        </p:blipFill>
-        <p:spPr>
-          <a:xfrm>
-            <a:off x="6534841" y="961571"/>
-            <a:ext cx="4934857" cy="4934857"/>
-          </a:xfrm>
-          <a:prstGeom prst="rect">
-            <a:avLst/>
-          </a:prstGeom>
-        </p:spPr>
-      </p:pic>
-    </p:spTree>
-    <p:extLst>
-      <p:ext uri="{BB962C8B-B14F-4D97-AF65-F5344CB8AC3E}">
-        <p14:creationId xmlns:p14="http://schemas.microsoft.com/office/powerpoint/2010/main" val="865210959"/>
-      </p:ext>
-    </p:extLst>
-  </p:cSld>
-  <p:clrMapOvr>
-    <a:masterClrMapping/>
-  </p:clrMapOvr>
-</p:sld>
-</file>
-
-<file path=ppt/slides/slide19.xml><?xml version="1.0" encoding="utf-8"?>
+<file path=ppt/slides/slide14.xml><?xml version="1.0" encoding="utf-8"?>
 <p:sld xmlns:a="http://schemas.openxmlformats.org/drawingml/2006/main" xmlns:r="http://schemas.openxmlformats.org/officeDocument/2006/relationships" xmlns:p="http://schemas.openxmlformats.org/presentationml/2006/main">
   <p:cSld>
     <p:spTree>
@@ -8099,7 +6566,7 @@
         </p:nvSpPr>
         <p:spPr>
           <a:xfrm>
-            <a:off x="937846" y="1537447"/>
+            <a:off x="937846" y="1413461"/>
             <a:ext cx="10415953" cy="2700739"/>
           </a:xfrm>
           <a:prstGeom prst="rect">
@@ -8195,7 +6662,7 @@
           <a:p>
             <a:r>
               <a:rPr lang="ru-RU" dirty="0"/>
-              <a:t>19</a:t>
+              <a:t>14</a:t>
             </a:r>
             <a:r>
               <a:rPr lang="en-US" dirty="0"/>
@@ -8203,7 +6670,7 @@
             </a:r>
             <a:r>
               <a:rPr lang="ru-RU" dirty="0"/>
-              <a:t>из 19</a:t>
+              <a:t>из 14</a:t>
             </a:r>
           </a:p>
         </p:txBody>
@@ -8422,7 +6889,7 @@
             </a:r>
             <a:r>
               <a:rPr lang="ru-RU" dirty="0"/>
-              <a:t>из 19</a:t>
+              <a:t>из 14</a:t>
             </a:r>
           </a:p>
         </p:txBody>
@@ -8459,87 +6926,6 @@
       </p:grpSpPr>
       <p:sp>
         <p:nvSpPr>
-          <p:cNvPr id="27" name="TextBox 26">
-            <a:extLst>
-              <a:ext uri="{FF2B5EF4-FFF2-40B4-BE49-F238E27FC236}">
-                <a16:creationId xmlns:a16="http://schemas.microsoft.com/office/drawing/2014/main" id="{82D7805E-50A7-033C-4239-EC55080F6C80}"/>
-              </a:ext>
-            </a:extLst>
-          </p:cNvPr>
-          <p:cNvSpPr txBox="1"/>
-          <p:nvPr/>
-        </p:nvSpPr>
-        <p:spPr>
-          <a:xfrm>
-            <a:off x="890954" y="2582614"/>
-            <a:ext cx="10785230" cy="1692771"/>
-          </a:xfrm>
-          <a:prstGeom prst="rect">
-            <a:avLst/>
-          </a:prstGeom>
-          <a:noFill/>
-        </p:spPr>
-        <p:txBody>
-          <a:bodyPr wrap="square">
-            <a:spAutoFit/>
-          </a:bodyPr>
-          <a:lstStyle/>
-          <a:p>
-            <a:pPr marL="285750" lvl="0" indent="-285750">
-              <a:buFont typeface="Arial" panose="020B0604020202020204" pitchFamily="34" charset="0"/>
-              <a:buChar char="•"/>
-            </a:pPr>
-            <a:r>
-              <a:rPr lang="ru-RU" sz="2600" dirty="0">
-                <a:solidFill>
-                  <a:srgbClr val="92D050"/>
-                </a:solidFill>
-              </a:rPr>
-              <a:t>Визуальный анализ с помощью добавления на график актива инструментов рисования для выявления паттернов.</a:t>
-            </a:r>
-            <a:endParaRPr lang="en-RU" sz="2600" dirty="0">
-              <a:solidFill>
-                <a:srgbClr val="92D050"/>
-              </a:solidFill>
-            </a:endParaRPr>
-          </a:p>
-          <a:p>
-            <a:pPr marL="285750" lvl="0" indent="-285750">
-              <a:buFont typeface="Arial" panose="020B0604020202020204" pitchFamily="34" charset="0"/>
-              <a:buChar char="•"/>
-            </a:pPr>
-            <a:r>
-              <a:rPr lang="ru-RU" sz="2600" dirty="0">
-                <a:solidFill>
-                  <a:srgbClr val="92D050"/>
-                </a:solidFill>
-              </a:rPr>
-              <a:t>Визуальный анализ с использованием технических индикаторов.</a:t>
-            </a:r>
-            <a:endParaRPr lang="en-RU" sz="2600" dirty="0">
-              <a:solidFill>
-                <a:srgbClr val="92D050"/>
-              </a:solidFill>
-            </a:endParaRPr>
-          </a:p>
-          <a:p>
-            <a:pPr marL="285750" lvl="0" indent="-285750">
-              <a:buFont typeface="Arial" panose="020B0604020202020204" pitchFamily="34" charset="0"/>
-              <a:buChar char="•"/>
-            </a:pPr>
-            <a:r>
-              <a:rPr lang="ru-RU" sz="2600" dirty="0"/>
-              <a:t>Создание и тестирование торговых стратегий на исторических данных</a:t>
-            </a:r>
-            <a:r>
-              <a:rPr lang="en-US" sz="2600" dirty="0"/>
-              <a:t>.</a:t>
-            </a:r>
-          </a:p>
-        </p:txBody>
-      </p:sp>
-      <p:sp>
-        <p:nvSpPr>
           <p:cNvPr id="3" name="TextBox 2">
             <a:extLst>
               <a:ext uri="{FF2B5EF4-FFF2-40B4-BE49-F238E27FC236}">
@@ -8624,53 +7010,17 @@
             </a:r>
             <a:r>
               <a:rPr lang="ru-RU" dirty="0"/>
-              <a:t>из 19</a:t>
-            </a:r>
-          </a:p>
-        </p:txBody>
-      </p:sp>
-    </p:spTree>
-    <p:extLst>
-      <p:ext uri="{BB962C8B-B14F-4D97-AF65-F5344CB8AC3E}">
-        <p14:creationId xmlns:p14="http://schemas.microsoft.com/office/powerpoint/2010/main" val="1545489799"/>
-      </p:ext>
-    </p:extLst>
-  </p:cSld>
-  <p:clrMapOvr>
-    <a:masterClrMapping/>
-  </p:clrMapOvr>
-</p:sld>
-</file>
-
-<file path=ppt/slides/slide4.xml><?xml version="1.0" encoding="utf-8"?>
-<p:sld xmlns:a="http://schemas.openxmlformats.org/drawingml/2006/main" xmlns:r="http://schemas.openxmlformats.org/officeDocument/2006/relationships" xmlns:p="http://schemas.openxmlformats.org/presentationml/2006/main">
-  <p:cSld>
-    <p:spTree>
-      <p:nvGrpSpPr>
-        <p:cNvPr id="1" name="">
-          <a:extLst>
-            <a:ext uri="{FF2B5EF4-FFF2-40B4-BE49-F238E27FC236}">
-              <a16:creationId xmlns:a16="http://schemas.microsoft.com/office/drawing/2014/main" id="{30B4F9DE-0F46-6FE1-3C1F-8FE918C6682A}"/>
-            </a:ext>
-          </a:extLst>
-        </p:cNvPr>
-        <p:cNvGrpSpPr/>
-        <p:nvPr/>
-      </p:nvGrpSpPr>
-      <p:grpSpPr>
-        <a:xfrm>
-          <a:off x="0" y="0"/>
-          <a:ext cx="0" cy="0"/>
-          <a:chOff x="0" y="0"/>
-          <a:chExt cx="0" cy="0"/>
-        </a:xfrm>
-      </p:grpSpPr>
-      <p:sp>
-        <p:nvSpPr>
-          <p:cNvPr id="3" name="TextBox 2">
+              <a:t>из 14</a:t>
+            </a:r>
+          </a:p>
+        </p:txBody>
+      </p:sp>
+      <p:sp>
+        <p:nvSpPr>
+          <p:cNvPr id="27" name="TextBox 26">
             <a:extLst>
               <a:ext uri="{FF2B5EF4-FFF2-40B4-BE49-F238E27FC236}">
-                <a16:creationId xmlns:a16="http://schemas.microsoft.com/office/drawing/2014/main" id="{564F95FD-0963-C9B4-0564-23B425B8247B}"/>
+                <a16:creationId xmlns:a16="http://schemas.microsoft.com/office/drawing/2014/main" id="{82D7805E-50A7-033C-4239-EC55080F6C80}"/>
               </a:ext>
             </a:extLst>
           </p:cNvPr>
@@ -8679,89 +7029,79 @@
         </p:nvSpPr>
         <p:spPr>
           <a:xfrm>
-            <a:off x="890954" y="669637"/>
-            <a:ext cx="10785231" cy="658297"/>
+            <a:off x="890954" y="1795428"/>
+            <a:ext cx="5016070" cy="4093428"/>
           </a:xfrm>
           <a:prstGeom prst="rect">
             <a:avLst/>
           </a:prstGeom>
-          <a:solidFill>
-            <a:schemeClr val="accent5"/>
-          </a:solidFill>
-          <a:ln>
-            <a:noFill/>
-          </a:ln>
-        </p:spPr>
-        <p:style>
-          <a:lnRef idx="0">
-            <a:scrgbClr r="0" g="0" b="0"/>
-          </a:lnRef>
-          <a:fillRef idx="0">
-            <a:scrgbClr r="0" g="0" b="0"/>
-          </a:fillRef>
-          <a:effectRef idx="0">
-            <a:scrgbClr r="0" g="0" b="0"/>
-          </a:effectRef>
-          <a:fontRef idx="minor">
-            <a:schemeClr val="lt1"/>
-          </a:fontRef>
-        </p:style>
-        <p:txBody>
-          <a:bodyPr vert="horz" lIns="68580" tIns="34290" rIns="68580" bIns="34290" rtlCol="0" anchor="ctr">
-            <a:normAutofit/>
+          <a:noFill/>
+        </p:spPr>
+        <p:txBody>
+          <a:bodyPr wrap="square">
+            <a:spAutoFit/>
           </a:bodyPr>
           <a:lstStyle/>
           <a:p>
-            <a:pPr algn="ctr"/>
-            <a:r>
-              <a:rPr lang="ru-RU" sz="2400" dirty="0"/>
-              <a:t>Пример паттерна технического анализа</a:t>
-            </a:r>
-          </a:p>
-        </p:txBody>
-      </p:sp>
-      <p:sp>
-        <p:nvSpPr>
-          <p:cNvPr id="9" name="Slide Number Placeholder 8">
+            <a:pPr marL="285750" lvl="0" indent="-285750">
+              <a:buFont typeface="Arial" panose="020B0604020202020204" pitchFamily="34" charset="0"/>
+              <a:buChar char="•"/>
+            </a:pPr>
+            <a:r>
+              <a:rPr lang="ru-RU" sz="2600" dirty="0">
+                <a:solidFill>
+                  <a:srgbClr val="92D050"/>
+                </a:solidFill>
+              </a:rPr>
+              <a:t>Визуальный анализ с помощью добавления на график актива инструментов рисования для выявления паттернов.</a:t>
+            </a:r>
+            <a:endParaRPr lang="en-RU" sz="2600" dirty="0">
+              <a:solidFill>
+                <a:srgbClr val="92D050"/>
+              </a:solidFill>
+            </a:endParaRPr>
+          </a:p>
+          <a:p>
+            <a:pPr marL="285750" lvl="0" indent="-285750">
+              <a:buFont typeface="Arial" panose="020B0604020202020204" pitchFamily="34" charset="0"/>
+              <a:buChar char="•"/>
+            </a:pPr>
+            <a:r>
+              <a:rPr lang="ru-RU" sz="2600" dirty="0">
+                <a:solidFill>
+                  <a:srgbClr val="92D050"/>
+                </a:solidFill>
+              </a:rPr>
+              <a:t>Визуальный анализ с использованием технических индикаторов.</a:t>
+            </a:r>
+            <a:endParaRPr lang="en-RU" sz="2600" dirty="0">
+              <a:solidFill>
+                <a:srgbClr val="92D050"/>
+              </a:solidFill>
+            </a:endParaRPr>
+          </a:p>
+          <a:p>
+            <a:pPr marL="285750" lvl="0" indent="-285750">
+              <a:buFont typeface="Arial" panose="020B0604020202020204" pitchFamily="34" charset="0"/>
+              <a:buChar char="•"/>
+            </a:pPr>
+            <a:r>
+              <a:rPr lang="ru-RU" sz="2600" dirty="0"/>
+              <a:t>Создание и тестирование торговых стратегий на исторических данных</a:t>
+            </a:r>
+            <a:r>
+              <a:rPr lang="en-US" sz="2600" dirty="0"/>
+              <a:t>.</a:t>
+            </a:r>
+          </a:p>
+        </p:txBody>
+      </p:sp>
+      <p:pic>
+        <p:nvPicPr>
+          <p:cNvPr id="6" name="Picture 5">
             <a:extLst>
               <a:ext uri="{FF2B5EF4-FFF2-40B4-BE49-F238E27FC236}">
-                <a16:creationId xmlns:a16="http://schemas.microsoft.com/office/drawing/2014/main" id="{438A3402-2B57-C17C-C939-B80BAEE0F413}"/>
-              </a:ext>
-            </a:extLst>
-          </p:cNvPr>
-          <p:cNvSpPr>
-            <a:spLocks noGrp="1"/>
-          </p:cNvSpPr>
-          <p:nvPr>
-            <p:ph type="sldNum" sz="quarter" idx="12"/>
-          </p:nvPr>
-        </p:nvSpPr>
-        <p:spPr/>
-        <p:txBody>
-          <a:bodyPr/>
-          <a:lstStyle/>
-          <a:p>
-            <a:r>
-              <a:rPr lang="ru-RU" dirty="0"/>
-              <a:t>4</a:t>
-            </a:r>
-            <a:r>
-              <a:rPr lang="en-US" dirty="0"/>
-              <a:t> </a:t>
-            </a:r>
-            <a:r>
-              <a:rPr lang="ru-RU" dirty="0"/>
-              <a:t>из 19</a:t>
-            </a:r>
-          </a:p>
-        </p:txBody>
-      </p:sp>
-      <p:pic>
-        <p:nvPicPr>
-          <p:cNvPr id="2" name="Picture 1">
-            <a:extLst>
-              <a:ext uri="{FF2B5EF4-FFF2-40B4-BE49-F238E27FC236}">
-                <a16:creationId xmlns:a16="http://schemas.microsoft.com/office/drawing/2014/main" id="{BCBC7B01-48CD-A4F4-EE88-873F48D7E641}"/>
+                <a16:creationId xmlns:a16="http://schemas.microsoft.com/office/drawing/2014/main" id="{640A17A6-D0CB-FF4E-020C-998C858DAC56}"/>
               </a:ext>
             </a:extLst>
           </p:cNvPr>
@@ -8784,8 +7124,8 @@
         </p:blipFill>
         <p:spPr>
           <a:xfrm>
-            <a:off x="3146847" y="1441794"/>
-            <a:ext cx="5898305" cy="4397425"/>
+            <a:off x="6617908" y="1663600"/>
+            <a:ext cx="4735892" cy="3530799"/>
           </a:xfrm>
           <a:prstGeom prst="rect">
             <a:avLst/>
@@ -8794,10 +7134,10 @@
       </p:pic>
       <p:sp>
         <p:nvSpPr>
-          <p:cNvPr id="4" name="TextBox 3">
+          <p:cNvPr id="7" name="TextBox 6">
             <a:extLst>
               <a:ext uri="{FF2B5EF4-FFF2-40B4-BE49-F238E27FC236}">
-                <a16:creationId xmlns:a16="http://schemas.microsoft.com/office/drawing/2014/main" id="{6319191C-331E-9DA2-2131-70DD0D3F39FF}"/>
+                <a16:creationId xmlns:a16="http://schemas.microsoft.com/office/drawing/2014/main" id="{7B62AF03-62A6-0A4B-F3FA-E5B47AD0F10D}"/>
               </a:ext>
             </a:extLst>
           </p:cNvPr>
@@ -8806,7 +7146,7 @@
         </p:nvSpPr>
         <p:spPr>
           <a:xfrm>
-            <a:off x="3194146" y="5953080"/>
+            <a:off x="5954661" y="5427114"/>
             <a:ext cx="6012918" cy="461665"/>
           </a:xfrm>
           <a:prstGeom prst="rect">
@@ -8835,7 +7175,7 @@
     </p:spTree>
     <p:extLst>
       <p:ext uri="{BB962C8B-B14F-4D97-AF65-F5344CB8AC3E}">
-        <p14:creationId xmlns:p14="http://schemas.microsoft.com/office/powerpoint/2010/main" val="3862766717"/>
+        <p14:creationId xmlns:p14="http://schemas.microsoft.com/office/powerpoint/2010/main" val="1545489799"/>
       </p:ext>
     </p:extLst>
   </p:cSld>
@@ -8845,7 +7185,7 @@
 </p:sld>
 </file>
 
-<file path=ppt/slides/slide5.xml><?xml version="1.0" encoding="utf-8"?>
+<file path=ppt/slides/slide4.xml><?xml version="1.0" encoding="utf-8"?>
 <p:sld xmlns:a="http://schemas.openxmlformats.org/drawingml/2006/main" xmlns:r="http://schemas.openxmlformats.org/officeDocument/2006/relationships" xmlns:p="http://schemas.openxmlformats.org/presentationml/2006/main">
   <p:cSld>
     <p:spTree>
@@ -8946,7 +7286,7 @@
           <a:p>
             <a:r>
               <a:rPr lang="ru-RU" dirty="0"/>
-              <a:t>5</a:t>
+              <a:t>4</a:t>
             </a:r>
             <a:r>
               <a:rPr lang="en-US" dirty="0"/>
@@ -8954,7 +7294,7 @@
             </a:r>
             <a:r>
               <a:rPr lang="ru-RU" dirty="0"/>
-              <a:t>из 19</a:t>
+              <a:t>из 14</a:t>
             </a:r>
           </a:p>
         </p:txBody>
@@ -9674,7 +8014,7 @@
 </p:sld>
 </file>
 
-<file path=ppt/slides/slide6.xml><?xml version="1.0" encoding="utf-8"?>
+<file path=ppt/slides/slide5.xml><?xml version="1.0" encoding="utf-8"?>
 <p:sld xmlns:a="http://schemas.openxmlformats.org/drawingml/2006/main" xmlns:r="http://schemas.openxmlformats.org/officeDocument/2006/relationships" xmlns:p="http://schemas.openxmlformats.org/presentationml/2006/main">
   <p:cSld>
     <p:spTree>
@@ -9720,7 +8060,7 @@
           <a:p>
             <a:r>
               <a:rPr lang="ru-RU" dirty="0"/>
-              <a:t>6</a:t>
+              <a:t>5</a:t>
             </a:r>
             <a:r>
               <a:rPr lang="en-US" dirty="0"/>
@@ -9728,7 +8068,7 @@
             </a:r>
             <a:r>
               <a:rPr lang="ru-RU" dirty="0"/>
-              <a:t>из 19</a:t>
+              <a:t>из 14</a:t>
             </a:r>
           </a:p>
         </p:txBody>
@@ -9844,7 +8184,7 @@
 </p:sld>
 </file>
 
-<file path=ppt/slides/slide7.xml><?xml version="1.0" encoding="utf-8"?>
+<file path=ppt/slides/slide6.xml><?xml version="1.0" encoding="utf-8"?>
 <p:sld xmlns:a="http://schemas.openxmlformats.org/drawingml/2006/main" xmlns:r="http://schemas.openxmlformats.org/officeDocument/2006/relationships" xmlns:p="http://schemas.openxmlformats.org/presentationml/2006/main">
   <p:cSld>
     <p:spTree>
@@ -9890,7 +8230,7 @@
           <a:p>
             <a:r>
               <a:rPr lang="ru-RU" dirty="0"/>
-              <a:t>7</a:t>
+              <a:t>6</a:t>
             </a:r>
             <a:r>
               <a:rPr lang="en-US" dirty="0"/>
@@ -9898,7 +8238,7 @@
             </a:r>
             <a:r>
               <a:rPr lang="ru-RU" dirty="0"/>
-              <a:t>из 19</a:t>
+              <a:t>из 14</a:t>
             </a:r>
           </a:p>
         </p:txBody>
@@ -10178,172 +8518,7 @@
 </p:sld>
 </file>
 
-<file path=ppt/slides/slide8.xml><?xml version="1.0" encoding="utf-8"?>
-<p:sld xmlns:a="http://schemas.openxmlformats.org/drawingml/2006/main" xmlns:r="http://schemas.openxmlformats.org/officeDocument/2006/relationships" xmlns:p="http://schemas.openxmlformats.org/presentationml/2006/main">
-  <p:cSld>
-    <p:spTree>
-      <p:nvGrpSpPr>
-        <p:cNvPr id="1" name="">
-          <a:extLst>
-            <a:ext uri="{FF2B5EF4-FFF2-40B4-BE49-F238E27FC236}">
-              <a16:creationId xmlns:a16="http://schemas.microsoft.com/office/drawing/2014/main" id="{B549963D-68C9-86FC-2135-D044F7F4DB94}"/>
-            </a:ext>
-          </a:extLst>
-        </p:cNvPr>
-        <p:cNvGrpSpPr/>
-        <p:nvPr/>
-      </p:nvGrpSpPr>
-      <p:grpSpPr>
-        <a:xfrm>
-          <a:off x="0" y="0"/>
-          <a:ext cx="0" cy="0"/>
-          <a:chOff x="0" y="0"/>
-          <a:chExt cx="0" cy="0"/>
-        </a:xfrm>
-      </p:grpSpPr>
-      <p:sp>
-        <p:nvSpPr>
-          <p:cNvPr id="13" name="TextBox 12">
-            <a:extLst>
-              <a:ext uri="{FF2B5EF4-FFF2-40B4-BE49-F238E27FC236}">
-                <a16:creationId xmlns:a16="http://schemas.microsoft.com/office/drawing/2014/main" id="{EB0E8BC8-A2B7-1B71-4C91-8994C19AFB01}"/>
-              </a:ext>
-            </a:extLst>
-          </p:cNvPr>
-          <p:cNvSpPr txBox="1"/>
-          <p:nvPr/>
-        </p:nvSpPr>
-        <p:spPr>
-          <a:xfrm>
-            <a:off x="927759" y="623142"/>
-            <a:ext cx="10426041" cy="658297"/>
-          </a:xfrm>
-          <a:prstGeom prst="rect">
-            <a:avLst/>
-          </a:prstGeom>
-          <a:solidFill>
-            <a:schemeClr val="accent5"/>
-          </a:solidFill>
-          <a:ln>
-            <a:noFill/>
-          </a:ln>
-        </p:spPr>
-        <p:style>
-          <a:lnRef idx="0">
-            <a:scrgbClr r="0" g="0" b="0"/>
-          </a:lnRef>
-          <a:fillRef idx="0">
-            <a:scrgbClr r="0" g="0" b="0"/>
-          </a:fillRef>
-          <a:effectRef idx="0">
-            <a:scrgbClr r="0" g="0" b="0"/>
-          </a:effectRef>
-          <a:fontRef idx="minor">
-            <a:schemeClr val="lt1"/>
-          </a:fontRef>
-        </p:style>
-        <p:txBody>
-          <a:bodyPr vert="horz" lIns="68580" tIns="34290" rIns="68580" bIns="34290" rtlCol="0" anchor="ctr">
-            <a:normAutofit/>
-          </a:bodyPr>
-          <a:lstStyle/>
-          <a:p>
-            <a:pPr algn="ctr"/>
-            <a:r>
-              <a:rPr lang="ru-RU" sz="2400" dirty="0"/>
-              <a:t>Области рисования на графике</a:t>
-            </a:r>
-          </a:p>
-        </p:txBody>
-      </p:sp>
-      <p:pic>
-        <p:nvPicPr>
-          <p:cNvPr id="2" name="Content Placeholder 1" descr="A graph with a line&#10;&#10;AI-generated content may be incorrect.">
-            <a:extLst>
-              <a:ext uri="{FF2B5EF4-FFF2-40B4-BE49-F238E27FC236}">
-                <a16:creationId xmlns:a16="http://schemas.microsoft.com/office/drawing/2014/main" id="{FD912CB9-E73E-30BE-8244-4EDF9F84FB44}"/>
-              </a:ext>
-            </a:extLst>
-          </p:cNvPr>
-          <p:cNvPicPr>
-            <a:picLocks noGrp="1" noChangeAspect="1"/>
-          </p:cNvPicPr>
-          <p:nvPr>
-            <p:ph idx="1"/>
-          </p:nvPr>
-        </p:nvPicPr>
-        <p:blipFill>
-          <a:blip r:embed="rId3" cstate="print">
-            <a:extLst>
-              <a:ext uri="{28A0092B-C50C-407E-A947-70E740481C1C}">
-                <a14:useLocalDpi xmlns:a14="http://schemas.microsoft.com/office/drawing/2010/main" val="0"/>
-              </a:ext>
-            </a:extLst>
-          </a:blip>
-          <a:stretch>
-            <a:fillRect/>
-          </a:stretch>
-        </p:blipFill>
-        <p:spPr>
-          <a:xfrm>
-            <a:off x="927759" y="1910861"/>
-            <a:ext cx="10426041" cy="3036277"/>
-          </a:xfrm>
-          <a:prstGeom prst="rect">
-            <a:avLst/>
-          </a:prstGeom>
-        </p:spPr>
-      </p:pic>
-      <p:sp>
-        <p:nvSpPr>
-          <p:cNvPr id="7" name="Slide Number Placeholder 6">
-            <a:extLst>
-              <a:ext uri="{FF2B5EF4-FFF2-40B4-BE49-F238E27FC236}">
-                <a16:creationId xmlns:a16="http://schemas.microsoft.com/office/drawing/2014/main" id="{AE00619F-8141-9110-EEFE-761B656667C1}"/>
-              </a:ext>
-            </a:extLst>
-          </p:cNvPr>
-          <p:cNvSpPr>
-            <a:spLocks noGrp="1"/>
-          </p:cNvSpPr>
-          <p:nvPr>
-            <p:ph type="sldNum" sz="quarter" idx="12"/>
-          </p:nvPr>
-        </p:nvSpPr>
-        <p:spPr/>
-        <p:txBody>
-          <a:bodyPr/>
-          <a:lstStyle/>
-          <a:p>
-            <a:r>
-              <a:rPr lang="ru-RU" dirty="0"/>
-              <a:t>8</a:t>
-            </a:r>
-            <a:r>
-              <a:rPr lang="en-US" dirty="0"/>
-              <a:t> </a:t>
-            </a:r>
-            <a:r>
-              <a:rPr lang="ru-RU" dirty="0"/>
-              <a:t>из 19</a:t>
-            </a:r>
-          </a:p>
-        </p:txBody>
-      </p:sp>
-    </p:spTree>
-    <p:extLst>
-      <p:ext uri="{BB962C8B-B14F-4D97-AF65-F5344CB8AC3E}">
-        <p14:creationId xmlns:p14="http://schemas.microsoft.com/office/powerpoint/2010/main" val="2862473160"/>
-      </p:ext>
-    </p:extLst>
-  </p:cSld>
-  <p:clrMapOvr>
-    <a:masterClrMapping/>
-  </p:clrMapOvr>
-</p:sld>
-</file>
-
-<file path=ppt/slides/slide9.xml><?xml version="1.0" encoding="utf-8"?>
+<file path=ppt/slides/slide7.xml><?xml version="1.0" encoding="utf-8"?>
 <p:sld xmlns:a="http://schemas.openxmlformats.org/drawingml/2006/main" xmlns:r="http://schemas.openxmlformats.org/officeDocument/2006/relationships" xmlns:p="http://schemas.openxmlformats.org/presentationml/2006/main">
   <p:cSld>
     <p:spTree>
@@ -10444,7 +8619,7 @@
           <a:p>
             <a:r>
               <a:rPr lang="ru-RU" dirty="0"/>
-              <a:t>9</a:t>
+              <a:t>7</a:t>
             </a:r>
             <a:r>
               <a:rPr lang="en-US" dirty="0"/>
@@ -10452,7 +8627,7 @@
             </a:r>
             <a:r>
               <a:rPr lang="ru-RU" dirty="0"/>
-              <a:t>из 19</a:t>
+              <a:t>из 14</a:t>
             </a:r>
           </a:p>
         </p:txBody>
@@ -10475,6 +8650,376 @@
           <a:xfrm>
             <a:off x="5767904" y="2095892"/>
             <a:ext cx="5067300" cy="3492500"/>
+          </a:xfrm>
+          <a:prstGeom prst="rect">
+            <a:avLst/>
+          </a:prstGeom>
+        </p:spPr>
+        <p:txBody>
+          <a:bodyPr vert="horz" lIns="68580" tIns="34290" rIns="68580" bIns="34290" rtlCol="0">
+            <a:normAutofit lnSpcReduction="10000"/>
+          </a:bodyPr>
+          <a:lstStyle>
+            <a:lvl1pPr marL="228600" indent="-228600" algn="l" defTabSz="914400" rtl="0" eaLnBrk="1" latinLnBrk="0" hangingPunct="1">
+              <a:lnSpc>
+                <a:spcPct val="90000"/>
+              </a:lnSpc>
+              <a:spcBef>
+                <a:spcPts val="1000"/>
+              </a:spcBef>
+              <a:buFont typeface="Arial" panose="020B0604020202020204" pitchFamily="34" charset="0"/>
+              <a:buChar char="•"/>
+              <a:defRPr sz="2800" kern="1200">
+                <a:solidFill>
+                  <a:schemeClr val="tx1"/>
+                </a:solidFill>
+                <a:latin typeface="+mn-lt"/>
+                <a:ea typeface="+mn-ea"/>
+                <a:cs typeface="+mn-cs"/>
+              </a:defRPr>
+            </a:lvl1pPr>
+            <a:lvl2pPr marL="685800" indent="-228600" algn="l" defTabSz="914400" rtl="0" eaLnBrk="1" latinLnBrk="0" hangingPunct="1">
+              <a:lnSpc>
+                <a:spcPct val="90000"/>
+              </a:lnSpc>
+              <a:spcBef>
+                <a:spcPts val="500"/>
+              </a:spcBef>
+              <a:buFont typeface="Arial" panose="020B0604020202020204" pitchFamily="34" charset="0"/>
+              <a:buChar char="•"/>
+              <a:defRPr sz="2400" kern="1200">
+                <a:solidFill>
+                  <a:schemeClr val="tx1"/>
+                </a:solidFill>
+                <a:latin typeface="+mn-lt"/>
+                <a:ea typeface="+mn-ea"/>
+                <a:cs typeface="+mn-cs"/>
+              </a:defRPr>
+            </a:lvl2pPr>
+            <a:lvl3pPr marL="1143000" indent="-228600" algn="l" defTabSz="914400" rtl="0" eaLnBrk="1" latinLnBrk="0" hangingPunct="1">
+              <a:lnSpc>
+                <a:spcPct val="90000"/>
+              </a:lnSpc>
+              <a:spcBef>
+                <a:spcPts val="500"/>
+              </a:spcBef>
+              <a:buFont typeface="Arial" panose="020B0604020202020204" pitchFamily="34" charset="0"/>
+              <a:buChar char="•"/>
+              <a:defRPr sz="2000" kern="1200">
+                <a:solidFill>
+                  <a:schemeClr val="tx1"/>
+                </a:solidFill>
+                <a:latin typeface="+mn-lt"/>
+                <a:ea typeface="+mn-ea"/>
+                <a:cs typeface="+mn-cs"/>
+              </a:defRPr>
+            </a:lvl3pPr>
+            <a:lvl4pPr marL="1600200" indent="-228600" algn="l" defTabSz="914400" rtl="0" eaLnBrk="1" latinLnBrk="0" hangingPunct="1">
+              <a:lnSpc>
+                <a:spcPct val="90000"/>
+              </a:lnSpc>
+              <a:spcBef>
+                <a:spcPts val="500"/>
+              </a:spcBef>
+              <a:buFont typeface="Arial" panose="020B0604020202020204" pitchFamily="34" charset="0"/>
+              <a:buChar char="•"/>
+              <a:defRPr sz="1800" kern="1200">
+                <a:solidFill>
+                  <a:schemeClr val="tx1"/>
+                </a:solidFill>
+                <a:latin typeface="+mn-lt"/>
+                <a:ea typeface="+mn-ea"/>
+                <a:cs typeface="+mn-cs"/>
+              </a:defRPr>
+            </a:lvl4pPr>
+            <a:lvl5pPr marL="2057400" indent="-228600" algn="l" defTabSz="914400" rtl="0" eaLnBrk="1" latinLnBrk="0" hangingPunct="1">
+              <a:lnSpc>
+                <a:spcPct val="90000"/>
+              </a:lnSpc>
+              <a:spcBef>
+                <a:spcPts val="500"/>
+              </a:spcBef>
+              <a:buFont typeface="Arial" panose="020B0604020202020204" pitchFamily="34" charset="0"/>
+              <a:buChar char="•"/>
+              <a:defRPr sz="1800" kern="1200">
+                <a:solidFill>
+                  <a:schemeClr val="tx1"/>
+                </a:solidFill>
+                <a:latin typeface="+mn-lt"/>
+                <a:ea typeface="+mn-ea"/>
+                <a:cs typeface="+mn-cs"/>
+              </a:defRPr>
+            </a:lvl5pPr>
+            <a:lvl6pPr marL="2514600" indent="-228600" algn="l" defTabSz="914400" rtl="0" eaLnBrk="1" latinLnBrk="0" hangingPunct="1">
+              <a:lnSpc>
+                <a:spcPct val="90000"/>
+              </a:lnSpc>
+              <a:spcBef>
+                <a:spcPts val="500"/>
+              </a:spcBef>
+              <a:buFont typeface="Arial" panose="020B0604020202020204" pitchFamily="34" charset="0"/>
+              <a:buChar char="•"/>
+              <a:defRPr sz="1800" kern="1200">
+                <a:solidFill>
+                  <a:schemeClr val="tx1"/>
+                </a:solidFill>
+                <a:latin typeface="+mn-lt"/>
+                <a:ea typeface="+mn-ea"/>
+                <a:cs typeface="+mn-cs"/>
+              </a:defRPr>
+            </a:lvl6pPr>
+            <a:lvl7pPr marL="2971800" indent="-228600" algn="l" defTabSz="914400" rtl="0" eaLnBrk="1" latinLnBrk="0" hangingPunct="1">
+              <a:lnSpc>
+                <a:spcPct val="90000"/>
+              </a:lnSpc>
+              <a:spcBef>
+                <a:spcPts val="500"/>
+              </a:spcBef>
+              <a:buFont typeface="Arial" panose="020B0604020202020204" pitchFamily="34" charset="0"/>
+              <a:buChar char="•"/>
+              <a:defRPr sz="1800" kern="1200">
+                <a:solidFill>
+                  <a:schemeClr val="tx1"/>
+                </a:solidFill>
+                <a:latin typeface="+mn-lt"/>
+                <a:ea typeface="+mn-ea"/>
+                <a:cs typeface="+mn-cs"/>
+              </a:defRPr>
+            </a:lvl7pPr>
+            <a:lvl8pPr marL="3429000" indent="-228600" algn="l" defTabSz="914400" rtl="0" eaLnBrk="1" latinLnBrk="0" hangingPunct="1">
+              <a:lnSpc>
+                <a:spcPct val="90000"/>
+              </a:lnSpc>
+              <a:spcBef>
+                <a:spcPts val="500"/>
+              </a:spcBef>
+              <a:buFont typeface="Arial" panose="020B0604020202020204" pitchFamily="34" charset="0"/>
+              <a:buChar char="•"/>
+              <a:defRPr sz="1800" kern="1200">
+                <a:solidFill>
+                  <a:schemeClr val="tx1"/>
+                </a:solidFill>
+                <a:latin typeface="+mn-lt"/>
+                <a:ea typeface="+mn-ea"/>
+                <a:cs typeface="+mn-cs"/>
+              </a:defRPr>
+            </a:lvl8pPr>
+            <a:lvl9pPr marL="3886200" indent="-228600" algn="l" defTabSz="914400" rtl="0" eaLnBrk="1" latinLnBrk="0" hangingPunct="1">
+              <a:lnSpc>
+                <a:spcPct val="90000"/>
+              </a:lnSpc>
+              <a:spcBef>
+                <a:spcPts val="500"/>
+              </a:spcBef>
+              <a:buFont typeface="Arial" panose="020B0604020202020204" pitchFamily="34" charset="0"/>
+              <a:buChar char="•"/>
+              <a:defRPr sz="1800" kern="1200">
+                <a:solidFill>
+                  <a:schemeClr val="tx1"/>
+                </a:solidFill>
+                <a:latin typeface="+mn-lt"/>
+                <a:ea typeface="+mn-ea"/>
+                <a:cs typeface="+mn-cs"/>
+              </a:defRPr>
+            </a:lvl9pPr>
+          </a:lstStyle>
+          <a:p>
+            <a:pPr lvl="0"/>
+            <a:r>
+              <a:rPr lang="en-US" dirty="0"/>
+              <a:t>IDLE – </a:t>
+            </a:r>
+            <a:r>
+              <a:rPr lang="en-US" dirty="0" err="1"/>
+              <a:t>неактивное</a:t>
+            </a:r>
+            <a:r>
+              <a:rPr lang="en-US" dirty="0"/>
+              <a:t> </a:t>
+            </a:r>
+            <a:r>
+              <a:rPr lang="en-US" dirty="0" err="1"/>
+              <a:t>состояние</a:t>
+            </a:r>
+            <a:endParaRPr lang="en-RU" dirty="0"/>
+          </a:p>
+          <a:p>
+            <a:pPr lvl="0"/>
+            <a:r>
+              <a:rPr lang="en-US" dirty="0"/>
+              <a:t>ADD</a:t>
+            </a:r>
+            <a:r>
+              <a:rPr lang="ru-RU" dirty="0"/>
+              <a:t> – добавление нового геометрического примитива</a:t>
+            </a:r>
+            <a:endParaRPr lang="en-RU" dirty="0"/>
+          </a:p>
+          <a:p>
+            <a:pPr lvl="0"/>
+            <a:r>
+              <a:rPr lang="en-US" dirty="0"/>
+              <a:t>MOVE</a:t>
+            </a:r>
+            <a:r>
+              <a:rPr lang="ru-RU" dirty="0"/>
+              <a:t> – перемещение на графике одного из существующих геометрических примитивов, относящихся к данному инструменту</a:t>
+            </a:r>
+            <a:endParaRPr lang="en-RU" dirty="0"/>
+          </a:p>
+          <a:p>
+            <a:pPr marL="0" indent="0" algn="just">
+              <a:buNone/>
+            </a:pPr>
+            <a:endParaRPr lang="ru-RU" sz="2250" dirty="0"/>
+          </a:p>
+        </p:txBody>
+      </p:sp>
+      <p:pic>
+        <p:nvPicPr>
+          <p:cNvPr id="4" name="Picture 3">
+            <a:extLst>
+              <a:ext uri="{FF2B5EF4-FFF2-40B4-BE49-F238E27FC236}">
+                <a16:creationId xmlns:a16="http://schemas.microsoft.com/office/drawing/2014/main" id="{C1C1B1F2-B552-A912-A293-3CA7EF126A7B}"/>
+              </a:ext>
+            </a:extLst>
+          </p:cNvPr>
+          <p:cNvPicPr>
+            <a:picLocks noChangeAspect="1"/>
+          </p:cNvPicPr>
+          <p:nvPr/>
+        </p:nvPicPr>
+        <p:blipFill>
+          <a:blip r:embed="rId3" cstate="print">
+            <a:extLst>
+              <a:ext uri="{28A0092B-C50C-407E-A947-70E740481C1C}">
+                <a14:useLocalDpi xmlns:a14="http://schemas.microsoft.com/office/drawing/2010/main" val="0"/>
+              </a:ext>
+            </a:extLst>
+          </a:blip>
+          <a:stretch>
+            <a:fillRect/>
+          </a:stretch>
+        </p:blipFill>
+        <p:spPr>
+          <a:xfrm>
+            <a:off x="1031632" y="1844463"/>
+            <a:ext cx="4156639" cy="3995358"/>
+          </a:xfrm>
+          <a:prstGeom prst="rect">
+            <a:avLst/>
+          </a:prstGeom>
+        </p:spPr>
+      </p:pic>
+    </p:spTree>
+    <p:extLst>
+      <p:ext uri="{BB962C8B-B14F-4D97-AF65-F5344CB8AC3E}">
+        <p14:creationId xmlns:p14="http://schemas.microsoft.com/office/powerpoint/2010/main" val="3562866227"/>
+      </p:ext>
+    </p:extLst>
+  </p:cSld>
+  <p:clrMapOvr>
+    <a:masterClrMapping/>
+  </p:clrMapOvr>
+</p:sld>
+</file>
+
+<file path=ppt/slides/slide8.xml><?xml version="1.0" encoding="utf-8"?>
+<p:sld xmlns:a="http://schemas.openxmlformats.org/drawingml/2006/main" xmlns:r="http://schemas.openxmlformats.org/officeDocument/2006/relationships" xmlns:p="http://schemas.openxmlformats.org/presentationml/2006/main">
+  <p:cSld>
+    <p:spTree>
+      <p:nvGrpSpPr>
+        <p:cNvPr id="1" name="">
+          <a:extLst>
+            <a:ext uri="{FF2B5EF4-FFF2-40B4-BE49-F238E27FC236}">
+              <a16:creationId xmlns:a16="http://schemas.microsoft.com/office/drawing/2014/main" id="{B2673FFB-E80D-94A2-3D3C-A1C04C83D041}"/>
+            </a:ext>
+          </a:extLst>
+        </p:cNvPr>
+        <p:cNvGrpSpPr/>
+        <p:nvPr/>
+      </p:nvGrpSpPr>
+      <p:grpSpPr>
+        <a:xfrm>
+          <a:off x="0" y="0"/>
+          <a:ext cx="0" cy="0"/>
+          <a:chOff x="0" y="0"/>
+          <a:chExt cx="0" cy="0"/>
+        </a:xfrm>
+      </p:grpSpPr>
+      <p:sp>
+        <p:nvSpPr>
+          <p:cNvPr id="13" name="TextBox 12">
+            <a:extLst>
+              <a:ext uri="{FF2B5EF4-FFF2-40B4-BE49-F238E27FC236}">
+                <a16:creationId xmlns:a16="http://schemas.microsoft.com/office/drawing/2014/main" id="{D88395EB-C05A-3642-38A6-5FCC516D7D1C}"/>
+              </a:ext>
+            </a:extLst>
+          </p:cNvPr>
+          <p:cNvSpPr txBox="1"/>
+          <p:nvPr/>
+        </p:nvSpPr>
+        <p:spPr>
+          <a:xfrm>
+            <a:off x="1031632" y="747129"/>
+            <a:ext cx="10322168" cy="658297"/>
+          </a:xfrm>
+          <a:prstGeom prst="rect">
+            <a:avLst/>
+          </a:prstGeom>
+          <a:solidFill>
+            <a:schemeClr val="accent5"/>
+          </a:solidFill>
+          <a:ln>
+            <a:noFill/>
+          </a:ln>
+        </p:spPr>
+        <p:style>
+          <a:lnRef idx="0">
+            <a:scrgbClr r="0" g="0" b="0"/>
+          </a:lnRef>
+          <a:fillRef idx="0">
+            <a:scrgbClr r="0" g="0" b="0"/>
+          </a:fillRef>
+          <a:effectRef idx="0">
+            <a:scrgbClr r="0" g="0" b="0"/>
+          </a:effectRef>
+          <a:fontRef idx="minor">
+            <a:schemeClr val="lt1"/>
+          </a:fontRef>
+        </p:style>
+        <p:txBody>
+          <a:bodyPr vert="horz" lIns="68580" tIns="34290" rIns="68580" bIns="34290" rtlCol="0" anchor="ctr">
+            <a:normAutofit/>
+          </a:bodyPr>
+          <a:lstStyle/>
+          <a:p>
+            <a:pPr algn="ctr"/>
+            <a:r>
+              <a:rPr lang="ru-RU" sz="2400" dirty="0"/>
+              <a:t>Функционал реализованный в инструментах рисования</a:t>
+            </a:r>
+          </a:p>
+        </p:txBody>
+      </p:sp>
+      <p:sp>
+        <p:nvSpPr>
+          <p:cNvPr id="6" name="Content Placeholder 2">
+            <a:extLst>
+              <a:ext uri="{FF2B5EF4-FFF2-40B4-BE49-F238E27FC236}">
+                <a16:creationId xmlns:a16="http://schemas.microsoft.com/office/drawing/2014/main" id="{B09E0858-F7C3-A341-2365-5E8F53D59E5E}"/>
+              </a:ext>
+            </a:extLst>
+          </p:cNvPr>
+          <p:cNvSpPr txBox="1">
+            <a:spLocks/>
+          </p:cNvSpPr>
+          <p:nvPr/>
+        </p:nvSpPr>
+        <p:spPr>
+          <a:xfrm>
+            <a:off x="1031632" y="2036288"/>
+            <a:ext cx="10322168" cy="2177044"/>
           </a:xfrm>
           <a:prstGeom prst="rect">
             <a:avLst/>
@@ -10649,97 +9194,430 @@
             </a:lvl9pPr>
           </a:lstStyle>
           <a:p>
-            <a:pPr lvl="0"/>
-            <a:r>
-              <a:rPr lang="en-US" dirty="0"/>
-              <a:t>S0 – </a:t>
-            </a:r>
-            <a:r>
-              <a:rPr lang="en-US" dirty="0" err="1"/>
-              <a:t>неактивное</a:t>
-            </a:r>
-            <a:r>
-              <a:rPr lang="en-US" dirty="0"/>
+            <a:pPr algn="just"/>
+            <a:r>
+              <a:rPr lang="ru-RU" dirty="0"/>
+              <a:t>Подготовка данных для визуализация</a:t>
+            </a:r>
+            <a:endParaRPr lang="en-US" dirty="0"/>
+          </a:p>
+          <a:p>
+            <a:pPr algn="just"/>
+            <a:r>
+              <a:rPr lang="ru-RU" dirty="0"/>
+              <a:t>Визуализация на </a:t>
+            </a:r>
+            <a:r>
+              <a:rPr lang="en-US" b="1" i="1" dirty="0" err="1"/>
+              <a:t>CanvasRenderingContext</a:t>
+            </a:r>
+            <a:r>
+              <a:rPr lang="ru-RU" b="1" i="1" dirty="0"/>
+              <a:t>2</a:t>
+            </a:r>
+            <a:r>
+              <a:rPr lang="en-US" b="1" i="1" dirty="0"/>
+              <a:t>D</a:t>
+            </a:r>
+            <a:endParaRPr lang="ru-RU" b="1" i="1" dirty="0"/>
+          </a:p>
+          <a:p>
+            <a:pPr algn="just"/>
+            <a:r>
+              <a:rPr lang="ru-RU" dirty="0"/>
+              <a:t>Проверка на коллизию всех геометрических примитивов с точкой координаты мыши на графике</a:t>
+            </a:r>
+            <a:endParaRPr lang="en-US" dirty="0"/>
+          </a:p>
+        </p:txBody>
+      </p:sp>
+      <p:sp>
+        <p:nvSpPr>
+          <p:cNvPr id="11" name="Slide Number Placeholder 10">
+            <a:extLst>
+              <a:ext uri="{FF2B5EF4-FFF2-40B4-BE49-F238E27FC236}">
+                <a16:creationId xmlns:a16="http://schemas.microsoft.com/office/drawing/2014/main" id="{525E808E-1F6F-3E35-BC3D-73BAAEB0AB6D}"/>
+              </a:ext>
+            </a:extLst>
+          </p:cNvPr>
+          <p:cNvSpPr>
+            <a:spLocks noGrp="1"/>
+          </p:cNvSpPr>
+          <p:nvPr>
+            <p:ph type="sldNum" sz="quarter" idx="12"/>
+          </p:nvPr>
+        </p:nvSpPr>
+        <p:spPr/>
+        <p:txBody>
+          <a:bodyPr/>
+          <a:lstStyle/>
+          <a:p>
+            <a:r>
+              <a:rPr lang="ru-RU" dirty="0"/>
+              <a:t>8 из 14</a:t>
+            </a:r>
+          </a:p>
+        </p:txBody>
+      </p:sp>
+    </p:spTree>
+    <p:extLst>
+      <p:ext uri="{BB962C8B-B14F-4D97-AF65-F5344CB8AC3E}">
+        <p14:creationId xmlns:p14="http://schemas.microsoft.com/office/powerpoint/2010/main" val="913263969"/>
+      </p:ext>
+    </p:extLst>
+  </p:cSld>
+  <p:clrMapOvr>
+    <a:masterClrMapping/>
+  </p:clrMapOvr>
+</p:sld>
+</file>
+
+<file path=ppt/slides/slide9.xml><?xml version="1.0" encoding="utf-8"?>
+<p:sld xmlns:a="http://schemas.openxmlformats.org/drawingml/2006/main" xmlns:r="http://schemas.openxmlformats.org/officeDocument/2006/relationships" xmlns:p="http://schemas.openxmlformats.org/presentationml/2006/main">
+  <p:cSld>
+    <p:spTree>
+      <p:nvGrpSpPr>
+        <p:cNvPr id="1" name="">
+          <a:extLst>
+            <a:ext uri="{FF2B5EF4-FFF2-40B4-BE49-F238E27FC236}">
+              <a16:creationId xmlns:a16="http://schemas.microsoft.com/office/drawing/2014/main" id="{8D740296-C6ED-F67D-CA33-7DB0BB91F237}"/>
+            </a:ext>
+          </a:extLst>
+        </p:cNvPr>
+        <p:cNvGrpSpPr/>
+        <p:nvPr/>
+      </p:nvGrpSpPr>
+      <p:grpSpPr>
+        <a:xfrm>
+          <a:off x="0" y="0"/>
+          <a:ext cx="0" cy="0"/>
+          <a:chOff x="0" y="0"/>
+          <a:chExt cx="0" cy="0"/>
+        </a:xfrm>
+      </p:grpSpPr>
+      <p:sp>
+        <p:nvSpPr>
+          <p:cNvPr id="13" name="TextBox 12">
+            <a:extLst>
+              <a:ext uri="{FF2B5EF4-FFF2-40B4-BE49-F238E27FC236}">
+                <a16:creationId xmlns:a16="http://schemas.microsoft.com/office/drawing/2014/main" id="{6C9FE423-92BE-4645-E8C2-6CF4A7E5C687}"/>
+              </a:ext>
+            </a:extLst>
+          </p:cNvPr>
+          <p:cNvSpPr txBox="1"/>
+          <p:nvPr/>
+        </p:nvSpPr>
+        <p:spPr>
+          <a:xfrm>
+            <a:off x="879232" y="654139"/>
+            <a:ext cx="10474568" cy="658297"/>
+          </a:xfrm>
+          <a:prstGeom prst="rect">
+            <a:avLst/>
+          </a:prstGeom>
+          <a:solidFill>
+            <a:schemeClr val="accent5"/>
+          </a:solidFill>
+          <a:ln>
+            <a:noFill/>
+          </a:ln>
+        </p:spPr>
+        <p:style>
+          <a:lnRef idx="0">
+            <a:scrgbClr r="0" g="0" b="0"/>
+          </a:lnRef>
+          <a:fillRef idx="0">
+            <a:scrgbClr r="0" g="0" b="0"/>
+          </a:fillRef>
+          <a:effectRef idx="0">
+            <a:scrgbClr r="0" g="0" b="0"/>
+          </a:effectRef>
+          <a:fontRef idx="minor">
+            <a:schemeClr val="lt1"/>
+          </a:fontRef>
+        </p:style>
+        <p:txBody>
+          <a:bodyPr vert="horz" lIns="68580" tIns="34290" rIns="68580" bIns="34290" rtlCol="0" anchor="ctr">
+            <a:normAutofit/>
+          </a:bodyPr>
+          <a:lstStyle/>
+          <a:p>
+            <a:pPr algn="ctr"/>
+            <a:r>
+              <a:rPr lang="ru-RU" sz="2400" dirty="0"/>
+              <a:t>Вспомогательные классы библиотеки</a:t>
+            </a:r>
+          </a:p>
+        </p:txBody>
+      </p:sp>
+      <p:sp>
+        <p:nvSpPr>
+          <p:cNvPr id="6" name="Content Placeholder 2">
+            <a:extLst>
+              <a:ext uri="{FF2B5EF4-FFF2-40B4-BE49-F238E27FC236}">
+                <a16:creationId xmlns:a16="http://schemas.microsoft.com/office/drawing/2014/main" id="{E48D26E2-6AFD-899F-99FF-3A721924E490}"/>
+              </a:ext>
+            </a:extLst>
+          </p:cNvPr>
+          <p:cNvSpPr txBox="1">
+            <a:spLocks/>
+          </p:cNvSpPr>
+          <p:nvPr/>
+        </p:nvSpPr>
+        <p:spPr>
+          <a:xfrm>
+            <a:off x="879232" y="1957754"/>
+            <a:ext cx="10474567" cy="1807422"/>
+          </a:xfrm>
+          <a:prstGeom prst="rect">
+            <a:avLst/>
+          </a:prstGeom>
+        </p:spPr>
+        <p:txBody>
+          <a:bodyPr vert="horz" lIns="68580" tIns="34290" rIns="68580" bIns="34290" rtlCol="0">
+            <a:normAutofit/>
+          </a:bodyPr>
+          <a:lstStyle>
+            <a:lvl1pPr marL="228600" indent="-228600" algn="l" defTabSz="914400" rtl="0" eaLnBrk="1" latinLnBrk="0" hangingPunct="1">
+              <a:lnSpc>
+                <a:spcPct val="90000"/>
+              </a:lnSpc>
+              <a:spcBef>
+                <a:spcPts val="1000"/>
+              </a:spcBef>
+              <a:buFont typeface="Arial" panose="020B0604020202020204" pitchFamily="34" charset="0"/>
+              <a:buChar char="•"/>
+              <a:defRPr sz="2800" kern="1200">
+                <a:solidFill>
+                  <a:schemeClr val="tx1"/>
+                </a:solidFill>
+                <a:latin typeface="+mn-lt"/>
+                <a:ea typeface="+mn-ea"/>
+                <a:cs typeface="+mn-cs"/>
+              </a:defRPr>
+            </a:lvl1pPr>
+            <a:lvl2pPr marL="685800" indent="-228600" algn="l" defTabSz="914400" rtl="0" eaLnBrk="1" latinLnBrk="0" hangingPunct="1">
+              <a:lnSpc>
+                <a:spcPct val="90000"/>
+              </a:lnSpc>
+              <a:spcBef>
+                <a:spcPts val="500"/>
+              </a:spcBef>
+              <a:buFont typeface="Arial" panose="020B0604020202020204" pitchFamily="34" charset="0"/>
+              <a:buChar char="•"/>
+              <a:defRPr sz="2400" kern="1200">
+                <a:solidFill>
+                  <a:schemeClr val="tx1"/>
+                </a:solidFill>
+                <a:latin typeface="+mn-lt"/>
+                <a:ea typeface="+mn-ea"/>
+                <a:cs typeface="+mn-cs"/>
+              </a:defRPr>
+            </a:lvl2pPr>
+            <a:lvl3pPr marL="1143000" indent="-228600" algn="l" defTabSz="914400" rtl="0" eaLnBrk="1" latinLnBrk="0" hangingPunct="1">
+              <a:lnSpc>
+                <a:spcPct val="90000"/>
+              </a:lnSpc>
+              <a:spcBef>
+                <a:spcPts val="500"/>
+              </a:spcBef>
+              <a:buFont typeface="Arial" panose="020B0604020202020204" pitchFamily="34" charset="0"/>
+              <a:buChar char="•"/>
+              <a:defRPr sz="2000" kern="1200">
+                <a:solidFill>
+                  <a:schemeClr val="tx1"/>
+                </a:solidFill>
+                <a:latin typeface="+mn-lt"/>
+                <a:ea typeface="+mn-ea"/>
+                <a:cs typeface="+mn-cs"/>
+              </a:defRPr>
+            </a:lvl3pPr>
+            <a:lvl4pPr marL="1600200" indent="-228600" algn="l" defTabSz="914400" rtl="0" eaLnBrk="1" latinLnBrk="0" hangingPunct="1">
+              <a:lnSpc>
+                <a:spcPct val="90000"/>
+              </a:lnSpc>
+              <a:spcBef>
+                <a:spcPts val="500"/>
+              </a:spcBef>
+              <a:buFont typeface="Arial" panose="020B0604020202020204" pitchFamily="34" charset="0"/>
+              <a:buChar char="•"/>
+              <a:defRPr sz="1800" kern="1200">
+                <a:solidFill>
+                  <a:schemeClr val="tx1"/>
+                </a:solidFill>
+                <a:latin typeface="+mn-lt"/>
+                <a:ea typeface="+mn-ea"/>
+                <a:cs typeface="+mn-cs"/>
+              </a:defRPr>
+            </a:lvl4pPr>
+            <a:lvl5pPr marL="2057400" indent="-228600" algn="l" defTabSz="914400" rtl="0" eaLnBrk="1" latinLnBrk="0" hangingPunct="1">
+              <a:lnSpc>
+                <a:spcPct val="90000"/>
+              </a:lnSpc>
+              <a:spcBef>
+                <a:spcPts val="500"/>
+              </a:spcBef>
+              <a:buFont typeface="Arial" panose="020B0604020202020204" pitchFamily="34" charset="0"/>
+              <a:buChar char="•"/>
+              <a:defRPr sz="1800" kern="1200">
+                <a:solidFill>
+                  <a:schemeClr val="tx1"/>
+                </a:solidFill>
+                <a:latin typeface="+mn-lt"/>
+                <a:ea typeface="+mn-ea"/>
+                <a:cs typeface="+mn-cs"/>
+              </a:defRPr>
+            </a:lvl5pPr>
+            <a:lvl6pPr marL="2514600" indent="-228600" algn="l" defTabSz="914400" rtl="0" eaLnBrk="1" latinLnBrk="0" hangingPunct="1">
+              <a:lnSpc>
+                <a:spcPct val="90000"/>
+              </a:lnSpc>
+              <a:spcBef>
+                <a:spcPts val="500"/>
+              </a:spcBef>
+              <a:buFont typeface="Arial" panose="020B0604020202020204" pitchFamily="34" charset="0"/>
+              <a:buChar char="•"/>
+              <a:defRPr sz="1800" kern="1200">
+                <a:solidFill>
+                  <a:schemeClr val="tx1"/>
+                </a:solidFill>
+                <a:latin typeface="+mn-lt"/>
+                <a:ea typeface="+mn-ea"/>
+                <a:cs typeface="+mn-cs"/>
+              </a:defRPr>
+            </a:lvl6pPr>
+            <a:lvl7pPr marL="2971800" indent="-228600" algn="l" defTabSz="914400" rtl="0" eaLnBrk="1" latinLnBrk="0" hangingPunct="1">
+              <a:lnSpc>
+                <a:spcPct val="90000"/>
+              </a:lnSpc>
+              <a:spcBef>
+                <a:spcPts val="500"/>
+              </a:spcBef>
+              <a:buFont typeface="Arial" panose="020B0604020202020204" pitchFamily="34" charset="0"/>
+              <a:buChar char="•"/>
+              <a:defRPr sz="1800" kern="1200">
+                <a:solidFill>
+                  <a:schemeClr val="tx1"/>
+                </a:solidFill>
+                <a:latin typeface="+mn-lt"/>
+                <a:ea typeface="+mn-ea"/>
+                <a:cs typeface="+mn-cs"/>
+              </a:defRPr>
+            </a:lvl7pPr>
+            <a:lvl8pPr marL="3429000" indent="-228600" algn="l" defTabSz="914400" rtl="0" eaLnBrk="1" latinLnBrk="0" hangingPunct="1">
+              <a:lnSpc>
+                <a:spcPct val="90000"/>
+              </a:lnSpc>
+              <a:spcBef>
+                <a:spcPts val="500"/>
+              </a:spcBef>
+              <a:buFont typeface="Arial" panose="020B0604020202020204" pitchFamily="34" charset="0"/>
+              <a:buChar char="•"/>
+              <a:defRPr sz="1800" kern="1200">
+                <a:solidFill>
+                  <a:schemeClr val="tx1"/>
+                </a:solidFill>
+                <a:latin typeface="+mn-lt"/>
+                <a:ea typeface="+mn-ea"/>
+                <a:cs typeface="+mn-cs"/>
+              </a:defRPr>
+            </a:lvl8pPr>
+            <a:lvl9pPr marL="3886200" indent="-228600" algn="l" defTabSz="914400" rtl="0" eaLnBrk="1" latinLnBrk="0" hangingPunct="1">
+              <a:lnSpc>
+                <a:spcPct val="90000"/>
+              </a:lnSpc>
+              <a:spcBef>
+                <a:spcPts val="500"/>
+              </a:spcBef>
+              <a:buFont typeface="Arial" panose="020B0604020202020204" pitchFamily="34" charset="0"/>
+              <a:buChar char="•"/>
+              <a:defRPr sz="1800" kern="1200">
+                <a:solidFill>
+                  <a:schemeClr val="tx1"/>
+                </a:solidFill>
+                <a:latin typeface="+mn-lt"/>
+                <a:ea typeface="+mn-ea"/>
+                <a:cs typeface="+mn-cs"/>
+              </a:defRPr>
+            </a:lvl9pPr>
+          </a:lstStyle>
+          <a:p>
+            <a:r>
+              <a:rPr lang="en-GB" sz="2700" b="1" dirty="0" err="1"/>
+              <a:t>CollisionHelper</a:t>
+            </a:r>
+            <a:r>
+              <a:rPr lang="ru-RU" sz="2700" dirty="0"/>
+              <a:t> – функции для проверки коллизий для некоторых сложных геометрических примитивов</a:t>
+            </a:r>
+          </a:p>
+          <a:p>
+            <a:r>
+              <a:rPr lang="en-GB" sz="2700" b="1" dirty="0" err="1"/>
+              <a:t>MathHelper</a:t>
+            </a:r>
+            <a:r>
+              <a:rPr lang="ru-RU" sz="2700" dirty="0"/>
+              <a:t> –</a:t>
+            </a:r>
+            <a:r>
+              <a:rPr lang="en-US" sz="2700" dirty="0"/>
               <a:t> </a:t>
             </a:r>
             <a:r>
-              <a:rPr lang="en-US" dirty="0" err="1"/>
-              <a:t>состояние</a:t>
-            </a:r>
-            <a:endParaRPr lang="en-RU" dirty="0"/>
-          </a:p>
-          <a:p>
-            <a:pPr lvl="0"/>
-            <a:r>
-              <a:rPr lang="en-US" dirty="0"/>
-              <a:t>S</a:t>
-            </a:r>
-            <a:r>
-              <a:rPr lang="ru-RU" dirty="0"/>
-              <a:t>1 – добавление нового геометрического примитива</a:t>
-            </a:r>
-            <a:endParaRPr lang="en-RU" dirty="0"/>
-          </a:p>
-          <a:p>
-            <a:pPr lvl="0"/>
-            <a:r>
-              <a:rPr lang="en-US" dirty="0"/>
-              <a:t>S</a:t>
-            </a:r>
-            <a:r>
-              <a:rPr lang="ru-RU" dirty="0"/>
-              <a:t>2 – перемещение на графике одного из существующих геометрических примитивов, относящихся к данному инструменту</a:t>
-            </a:r>
-            <a:endParaRPr lang="en-RU" dirty="0"/>
+              <a:rPr lang="ru-RU" sz="2700" dirty="0"/>
+              <a:t>функции линейной алгебры, преобразования и аппроксимации</a:t>
+            </a:r>
+            <a:endParaRPr lang="en-GB" sz="2700" dirty="0"/>
           </a:p>
           <a:p>
             <a:pPr marL="0" indent="0" algn="just">
               <a:buNone/>
             </a:pPr>
-            <a:endParaRPr lang="ru-RU" sz="2250" dirty="0"/>
-          </a:p>
-        </p:txBody>
-      </p:sp>
-      <p:pic>
-        <p:nvPicPr>
-          <p:cNvPr id="4" name="Picture 3">
+            <a:endParaRPr lang="ru-RU" sz="2700" dirty="0"/>
+          </a:p>
+        </p:txBody>
+      </p:sp>
+      <p:sp>
+        <p:nvSpPr>
+          <p:cNvPr id="7" name="Slide Number Placeholder 6">
             <a:extLst>
               <a:ext uri="{FF2B5EF4-FFF2-40B4-BE49-F238E27FC236}">
-                <a16:creationId xmlns:a16="http://schemas.microsoft.com/office/drawing/2014/main" id="{C1C1B1F2-B552-A912-A293-3CA7EF126A7B}"/>
+                <a16:creationId xmlns:a16="http://schemas.microsoft.com/office/drawing/2014/main" id="{382CD600-B61D-1819-E930-45C37FC6435E}"/>
               </a:ext>
             </a:extLst>
           </p:cNvPr>
-          <p:cNvPicPr>
-            <a:picLocks noChangeAspect="1"/>
-          </p:cNvPicPr>
-          <p:nvPr/>
-        </p:nvPicPr>
-        <p:blipFill>
-          <a:blip r:embed="rId3" cstate="print">
-            <a:extLst>
-              <a:ext uri="{28A0092B-C50C-407E-A947-70E740481C1C}">
-                <a14:useLocalDpi xmlns:a14="http://schemas.microsoft.com/office/drawing/2010/main" val="0"/>
-              </a:ext>
-            </a:extLst>
-          </a:blip>
-          <a:stretch>
-            <a:fillRect/>
-          </a:stretch>
-        </p:blipFill>
-        <p:spPr>
-          <a:xfrm>
-            <a:off x="1031632" y="1844463"/>
-            <a:ext cx="4156639" cy="3995358"/>
-          </a:xfrm>
-          <a:prstGeom prst="rect">
-            <a:avLst/>
-          </a:prstGeom>
-        </p:spPr>
-      </p:pic>
+          <p:cNvSpPr>
+            <a:spLocks noGrp="1"/>
+          </p:cNvSpPr>
+          <p:nvPr>
+            <p:ph type="sldNum" sz="quarter" idx="12"/>
+          </p:nvPr>
+        </p:nvSpPr>
+        <p:spPr/>
+        <p:txBody>
+          <a:bodyPr/>
+          <a:lstStyle/>
+          <a:p>
+            <a:r>
+              <a:rPr lang="ru-RU" dirty="0"/>
+              <a:t>9</a:t>
+            </a:r>
+            <a:r>
+              <a:rPr lang="en-US" dirty="0"/>
+              <a:t> </a:t>
+            </a:r>
+            <a:r>
+              <a:rPr lang="ru-RU" dirty="0"/>
+              <a:t>из 14</a:t>
+            </a:r>
+          </a:p>
+        </p:txBody>
+      </p:sp>
     </p:spTree>
     <p:extLst>
       <p:ext uri="{BB962C8B-B14F-4D97-AF65-F5344CB8AC3E}">
-        <p14:creationId xmlns:p14="http://schemas.microsoft.com/office/powerpoint/2010/main" val="3562866227"/>
+        <p14:creationId xmlns:p14="http://schemas.microsoft.com/office/powerpoint/2010/main" val="874819506"/>
       </p:ext>
     </p:extLst>
   </p:cSld>

--- a/src/Презентация диплома.pptx
+++ b/src/Презентация диплома.pptx
@@ -7030,7 +7030,7 @@
         <p:spPr>
           <a:xfrm>
             <a:off x="890954" y="1795428"/>
-            <a:ext cx="5016070" cy="4093428"/>
+            <a:ext cx="5016070" cy="4493538"/>
           </a:xfrm>
           <a:prstGeom prst="rect">
             <a:avLst/>
@@ -7048,18 +7048,10 @@
               <a:buChar char="•"/>
             </a:pPr>
             <a:r>
-              <a:rPr lang="ru-RU" sz="2600" dirty="0">
-                <a:solidFill>
-                  <a:srgbClr val="92D050"/>
-                </a:solidFill>
-              </a:rPr>
+              <a:rPr lang="ru-RU" sz="2600" b="1" dirty="0"/>
               <a:t>Визуальный анализ с помощью добавления на график актива инструментов рисования для выявления паттернов.</a:t>
             </a:r>
-            <a:endParaRPr lang="en-RU" sz="2600" dirty="0">
-              <a:solidFill>
-                <a:srgbClr val="92D050"/>
-              </a:solidFill>
-            </a:endParaRPr>
+            <a:endParaRPr lang="en-RU" sz="2600" b="1" dirty="0"/>
           </a:p>
           <a:p>
             <a:pPr marL="285750" lvl="0" indent="-285750">
@@ -7067,18 +7059,10 @@
               <a:buChar char="•"/>
             </a:pPr>
             <a:r>
-              <a:rPr lang="ru-RU" sz="2600" dirty="0">
-                <a:solidFill>
-                  <a:srgbClr val="92D050"/>
-                </a:solidFill>
-              </a:rPr>
+              <a:rPr lang="ru-RU" sz="2600" b="1" dirty="0"/>
               <a:t>Визуальный анализ с использованием технических индикаторов.</a:t>
             </a:r>
-            <a:endParaRPr lang="en-RU" sz="2600" dirty="0">
-              <a:solidFill>
-                <a:srgbClr val="92D050"/>
-              </a:solidFill>
-            </a:endParaRPr>
+            <a:endParaRPr lang="en-RU" sz="2600" b="1" dirty="0"/>
           </a:p>
           <a:p>
             <a:pPr marL="285750" lvl="0" indent="-285750">

--- a/src/Презентация диплома.pptx
+++ b/src/Презентация диплома.pptx
@@ -5,10 +5,10 @@
     <p:sldMasterId id="2147483782" r:id="rId1"/>
   </p:sldMasterIdLst>
   <p:notesMasterIdLst>
-    <p:notesMasterId r:id="rId16"/>
+    <p:notesMasterId r:id="rId15"/>
   </p:notesMasterIdLst>
   <p:handoutMasterIdLst>
-    <p:handoutMasterId r:id="rId17"/>
+    <p:handoutMasterId r:id="rId16"/>
   </p:handoutMasterIdLst>
   <p:sldIdLst>
     <p:sldId id="256" r:id="rId2"/>
@@ -19,12 +19,11 @@
     <p:sldId id="295" r:id="rId7"/>
     <p:sldId id="283" r:id="rId8"/>
     <p:sldId id="284" r:id="rId9"/>
-    <p:sldId id="285" r:id="rId10"/>
-    <p:sldId id="286" r:id="rId11"/>
-    <p:sldId id="278" r:id="rId12"/>
-    <p:sldId id="287" r:id="rId13"/>
-    <p:sldId id="279" r:id="rId14"/>
-    <p:sldId id="288" r:id="rId15"/>
+    <p:sldId id="286" r:id="rId10"/>
+    <p:sldId id="278" r:id="rId11"/>
+    <p:sldId id="287" r:id="rId12"/>
+    <p:sldId id="279" r:id="rId13"/>
+    <p:sldId id="288" r:id="rId14"/>
   </p:sldIdLst>
   <p:sldSz cx="12192000" cy="6858000"/>
   <p:notesSz cx="6858000" cy="9144000"/>
@@ -228,7 +227,7 @@
           <a:p>
             <a:fld id="{F7732DAD-22E1-40A6-951B-2F654080880B}" type="datetimeFigureOut">
               <a:rPr lang="ru-RU" smtClean="0"/>
-              <a:t>07.06.2025</a:t>
+              <a:t>08.06.2025</a:t>
             </a:fld>
             <a:endParaRPr lang="ru-RU"/>
           </a:p>
@@ -406,7 +405,7 @@
           <a:p>
             <a:fld id="{9B62E7DF-B96E-43FC-A212-C04A366A9C15}" type="datetimeFigureOut">
               <a:rPr lang="ru-RU" smtClean="0"/>
-              <a:t>07.06.2025</a:t>
+              <a:t>08.06.2025</a:t>
             </a:fld>
             <a:endParaRPr lang="ru-RU"/>
           </a:p>
@@ -746,90 +745,6 @@
   <p:cSld>
     <p:spTree>
       <p:nvGrpSpPr>
-        <p:cNvPr id="1" name="">
-          <a:extLst>
-            <a:ext uri="{FF2B5EF4-FFF2-40B4-BE49-F238E27FC236}">
-              <a16:creationId xmlns:a16="http://schemas.microsoft.com/office/drawing/2014/main" id="{93A3B268-F4BB-93CA-AEF4-D2B8F2841BA4}"/>
-            </a:ext>
-          </a:extLst>
-        </p:cNvPr>
-        <p:cNvGrpSpPr/>
-        <p:nvPr/>
-      </p:nvGrpSpPr>
-      <p:grpSpPr>
-        <a:xfrm>
-          <a:off x="0" y="0"/>
-          <a:ext cx="0" cy="0"/>
-          <a:chOff x="0" y="0"/>
-          <a:chExt cx="0" cy="0"/>
-        </a:xfrm>
-      </p:grpSpPr>
-      <p:sp>
-        <p:nvSpPr>
-          <p:cNvPr id="2" name="Slide Image Placeholder 1">
-            <a:extLst>
-              <a:ext uri="{FF2B5EF4-FFF2-40B4-BE49-F238E27FC236}">
-                <a16:creationId xmlns:a16="http://schemas.microsoft.com/office/drawing/2014/main" id="{42B8CF6D-09DF-EEB2-EA78-950A6A7A6663}"/>
-              </a:ext>
-            </a:extLst>
-          </p:cNvPr>
-          <p:cNvSpPr>
-            <a:spLocks noGrp="1" noRot="1" noChangeAspect="1"/>
-          </p:cNvSpPr>
-          <p:nvPr>
-            <p:ph type="sldImg"/>
-          </p:nvPr>
-        </p:nvSpPr>
-        <p:spPr>
-          <a:xfrm>
-            <a:off x="685800" y="1143000"/>
-            <a:ext cx="5486400" cy="3086100"/>
-          </a:xfrm>
-        </p:spPr>
-      </p:sp>
-      <p:sp>
-        <p:nvSpPr>
-          <p:cNvPr id="3" name="Notes Placeholder 2">
-            <a:extLst>
-              <a:ext uri="{FF2B5EF4-FFF2-40B4-BE49-F238E27FC236}">
-                <a16:creationId xmlns:a16="http://schemas.microsoft.com/office/drawing/2014/main" id="{ACF971B9-DB1F-5A7C-8259-040CA59C2A8C}"/>
-              </a:ext>
-            </a:extLst>
-          </p:cNvPr>
-          <p:cNvSpPr>
-            <a:spLocks noGrp="1"/>
-          </p:cNvSpPr>
-          <p:nvPr>
-            <p:ph type="body" idx="1"/>
-          </p:nvPr>
-        </p:nvSpPr>
-        <p:spPr/>
-        <p:txBody>
-          <a:bodyPr/>
-          <a:lstStyle/>
-          <a:p>
-            <a:endParaRPr lang="en-RU" dirty="0"/>
-          </a:p>
-        </p:txBody>
-      </p:sp>
-    </p:spTree>
-    <p:extLst>
-      <p:ext uri="{BB962C8B-B14F-4D97-AF65-F5344CB8AC3E}">
-        <p14:creationId xmlns:p14="http://schemas.microsoft.com/office/powerpoint/2010/main" val="3130025656"/>
-      </p:ext>
-    </p:extLst>
-  </p:cSld>
-  <p:clrMapOvr>
-    <a:masterClrMapping/>
-  </p:clrMapOvr>
-</p:notes>
-</file>
-
-<file path=ppt/notesSlides/notesSlide11.xml><?xml version="1.0" encoding="utf-8"?>
-<p:notes xmlns:a="http://schemas.openxmlformats.org/drawingml/2006/main" xmlns:r="http://schemas.openxmlformats.org/officeDocument/2006/relationships" xmlns:p="http://schemas.openxmlformats.org/presentationml/2006/main">
-  <p:cSld>
-    <p:spTree>
-      <p:nvGrpSpPr>
         <p:cNvPr id="1" name=""/>
         <p:cNvGrpSpPr/>
         <p:nvPr/>
@@ -891,7 +806,7 @@
 </p:notes>
 </file>
 
-<file path=ppt/notesSlides/notesSlide12.xml><?xml version="1.0" encoding="utf-8"?>
+<file path=ppt/notesSlides/notesSlide11.xml><?xml version="1.0" encoding="utf-8"?>
 <p:notes xmlns:a="http://schemas.openxmlformats.org/drawingml/2006/main" xmlns:r="http://schemas.openxmlformats.org/officeDocument/2006/relationships" xmlns:p="http://schemas.openxmlformats.org/presentationml/2006/main">
   <p:cSld>
     <p:spTree>
@@ -975,7 +890,7 @@
 </p:notes>
 </file>
 
-<file path=ppt/notesSlides/notesSlide13.xml><?xml version="1.0" encoding="utf-8"?>
+<file path=ppt/notesSlides/notesSlide12.xml><?xml version="1.0" encoding="utf-8"?>
 <p:notes xmlns:a="http://schemas.openxmlformats.org/drawingml/2006/main" xmlns:r="http://schemas.openxmlformats.org/officeDocument/2006/relationships" xmlns:p="http://schemas.openxmlformats.org/presentationml/2006/main">
   <p:cSld>
     <p:spTree>
@@ -1041,7 +956,7 @@
 </p:notes>
 </file>
 
-<file path=ppt/notesSlides/notesSlide14.xml><?xml version="1.0" encoding="utf-8"?>
+<file path=ppt/notesSlides/notesSlide13.xml><?xml version="1.0" encoding="utf-8"?>
 <p:notes xmlns:a="http://schemas.openxmlformats.org/drawingml/2006/main" xmlns:r="http://schemas.openxmlformats.org/officeDocument/2006/relationships" xmlns:p="http://schemas.openxmlformats.org/presentationml/2006/main">
   <p:cSld>
     <p:spTree>
@@ -1685,7 +1600,7 @@
         <p:cNvPr id="1" name="">
           <a:extLst>
             <a:ext uri="{FF2B5EF4-FFF2-40B4-BE49-F238E27FC236}">
-              <a16:creationId xmlns:a16="http://schemas.microsoft.com/office/drawing/2014/main" id="{52F194C9-8460-B0ED-3FA6-1B52DEB1AF45}"/>
+              <a16:creationId xmlns:a16="http://schemas.microsoft.com/office/drawing/2014/main" id="{93A3B268-F4BB-93CA-AEF4-D2B8F2841BA4}"/>
             </a:ext>
           </a:extLst>
         </p:cNvPr>
@@ -1705,7 +1620,7 @@
           <p:cNvPr id="2" name="Slide Image Placeholder 1">
             <a:extLst>
               <a:ext uri="{FF2B5EF4-FFF2-40B4-BE49-F238E27FC236}">
-                <a16:creationId xmlns:a16="http://schemas.microsoft.com/office/drawing/2014/main" id="{2400497B-847D-934B-8184-374A5C7C4D8B}"/>
+                <a16:creationId xmlns:a16="http://schemas.microsoft.com/office/drawing/2014/main" id="{42B8CF6D-09DF-EEB2-EA78-950A6A7A6663}"/>
               </a:ext>
             </a:extLst>
           </p:cNvPr>
@@ -1728,7 +1643,7 @@
           <p:cNvPr id="3" name="Notes Placeholder 2">
             <a:extLst>
               <a:ext uri="{FF2B5EF4-FFF2-40B4-BE49-F238E27FC236}">
-                <a16:creationId xmlns:a16="http://schemas.microsoft.com/office/drawing/2014/main" id="{3E842757-7EDB-FFB3-FC75-59622B22364D}"/>
+                <a16:creationId xmlns:a16="http://schemas.microsoft.com/office/drawing/2014/main" id="{ACF971B9-DB1F-5A7C-8259-040CA59C2A8C}"/>
               </a:ext>
             </a:extLst>
           </p:cNvPr>
@@ -1751,7 +1666,7 @@
     </p:spTree>
     <p:extLst>
       <p:ext uri="{BB962C8B-B14F-4D97-AF65-F5344CB8AC3E}">
-        <p14:creationId xmlns:p14="http://schemas.microsoft.com/office/powerpoint/2010/main" val="255304620"/>
+        <p14:creationId xmlns:p14="http://schemas.microsoft.com/office/powerpoint/2010/main" val="3130025656"/>
       </p:ext>
     </p:extLst>
   </p:cSld>
@@ -4449,7 +4364,7 @@
           <a:p>
             <a:fld id="{33883747-69F0-854C-B157-B8BEB941B560}" type="datetimeFigureOut">
               <a:rPr lang="en-RU" smtClean="0"/>
-              <a:t>07.06.2025</a:t>
+              <a:t>08.06.2025</a:t>
             </a:fld>
             <a:endParaRPr lang="en-RU"/>
           </a:p>
@@ -4880,25 +4795,30 @@
         </p:spPr>
         <p:txBody>
           <a:bodyPr>
-            <a:normAutofit fontScale="90000"/>
+            <a:normAutofit/>
           </a:bodyPr>
           <a:lstStyle/>
           <a:p>
             <a:pPr algn="ctr"/>
             <a:r>
               <a:rPr lang="ru-RU" sz="2800" b="1" dirty="0">
-                <a:latin typeface="Times New Roman" panose="02020603050405020304" pitchFamily="18" charset="0"/>
+                <a:latin typeface="Segoe UI" panose="020B0502040204020203" pitchFamily="34" charset="0"/>
                 <a:ea typeface="Times New Roman" panose="02020603050405020304" pitchFamily="18" charset="0"/>
+                <a:cs typeface="Segoe UI" panose="020B0502040204020203" pitchFamily="34" charset="0"/>
               </a:rPr>
               <a:t>РАЗРАБОТКА КРОСС-ПЛАТФОРМЕННОЙ БИБЛИОТЕКИ ДЛЯ АНАЛИЗА ФИНАНСОВЫХ ДАННЫХ</a:t>
             </a:r>
             <a:br>
               <a:rPr lang="ru-RU" sz="1350" b="1" dirty="0">
-                <a:latin typeface="Times New Roman" panose="02020603050405020304" pitchFamily="18" charset="0"/>
+                <a:latin typeface="Segoe UI" panose="020B0502040204020203" pitchFamily="34" charset="0"/>
                 <a:ea typeface="Times New Roman" panose="02020603050405020304" pitchFamily="18" charset="0"/>
+                <a:cs typeface="Segoe UI" panose="020B0502040204020203" pitchFamily="34" charset="0"/>
               </a:rPr>
             </a:br>
-            <a:endParaRPr lang="ru-RU" dirty="0"/>
+            <a:endParaRPr lang="ru-RU" dirty="0">
+              <a:latin typeface="Segoe UI" panose="020B0502040204020203" pitchFamily="34" charset="0"/>
+              <a:cs typeface="Segoe UI" panose="020B0502040204020203" pitchFamily="34" charset="0"/>
+            </a:endParaRPr>
           </a:p>
         </p:txBody>
       </p:sp>
@@ -4938,8 +4858,9 @@
             <a:r>
               <a:rPr lang="ru-RU" b="1" dirty="0">
                 <a:effectLst/>
-                <a:latin typeface="Times New Roman" panose="02020603050405020304" pitchFamily="18" charset="0"/>
+                <a:latin typeface="Segoe UI" panose="020B0502040204020203" pitchFamily="34" charset="0"/>
                 <a:ea typeface="Times New Roman" panose="02020603050405020304" pitchFamily="18" charset="0"/>
+                <a:cs typeface="Segoe UI" panose="020B0502040204020203" pitchFamily="34" charset="0"/>
               </a:rPr>
               <a:t>Студент</a:t>
             </a:r>
@@ -4953,8 +4874,9 @@
             <a:r>
               <a:rPr lang="ru-RU" dirty="0">
                 <a:effectLst/>
-                <a:latin typeface="Times New Roman" panose="02020603050405020304" pitchFamily="18" charset="0"/>
+                <a:latin typeface="Segoe UI" panose="020B0502040204020203" pitchFamily="34" charset="0"/>
                 <a:ea typeface="Times New Roman" panose="02020603050405020304" pitchFamily="18" charset="0"/>
+                <a:cs typeface="Segoe UI" panose="020B0502040204020203" pitchFamily="34" charset="0"/>
               </a:rPr>
               <a:t>Денисов Илия Игоревич</a:t>
             </a:r>
@@ -4968,43 +4890,51 @@
             <a:r>
               <a:rPr lang="ru-RU" b="1" dirty="0">
                 <a:effectLst/>
-                <a:latin typeface="Times New Roman" panose="02020603050405020304" pitchFamily="18" charset="0"/>
+                <a:latin typeface="Segoe UI" panose="020B0502040204020203" pitchFamily="34" charset="0"/>
                 <a:ea typeface="Times New Roman" panose="02020603050405020304" pitchFamily="18" charset="0"/>
+                <a:cs typeface="Segoe UI" panose="020B0502040204020203" pitchFamily="34" charset="0"/>
               </a:rPr>
               <a:t>Научный руководитель – </a:t>
             </a:r>
             <a:br>
               <a:rPr lang="ru-RU" dirty="0">
                 <a:effectLst/>
-                <a:latin typeface="Times New Roman" panose="02020603050405020304" pitchFamily="18" charset="0"/>
+                <a:latin typeface="Segoe UI" panose="020B0502040204020203" pitchFamily="34" charset="0"/>
                 <a:ea typeface="Times New Roman" panose="02020603050405020304" pitchFamily="18" charset="0"/>
+                <a:cs typeface="Segoe UI" panose="020B0502040204020203" pitchFamily="34" charset="0"/>
               </a:rPr>
             </a:br>
             <a:r>
               <a:rPr lang="ru-RU" dirty="0">
                 <a:effectLst/>
-                <a:latin typeface="Times New Roman" panose="02020603050405020304" pitchFamily="18" charset="0"/>
+                <a:latin typeface="Segoe UI" panose="020B0502040204020203" pitchFamily="34" charset="0"/>
                 <a:ea typeface="Times New Roman" panose="02020603050405020304" pitchFamily="18" charset="0"/>
+                <a:cs typeface="Segoe UI" panose="020B0502040204020203" pitchFamily="34" charset="0"/>
               </a:rPr>
               <a:t>доц., к. ф.-м. н. </a:t>
             </a:r>
             <a:r>
               <a:rPr lang="ru-RU" dirty="0" err="1">
                 <a:effectLst/>
-                <a:latin typeface="Times New Roman" panose="02020603050405020304" pitchFamily="18" charset="0"/>
+                <a:latin typeface="Segoe UI" panose="020B0502040204020203" pitchFamily="34" charset="0"/>
                 <a:ea typeface="Times New Roman" panose="02020603050405020304" pitchFamily="18" charset="0"/>
+                <a:cs typeface="Segoe UI" panose="020B0502040204020203" pitchFamily="34" charset="0"/>
               </a:rPr>
               <a:t>Шабас</a:t>
             </a:r>
             <a:r>
               <a:rPr lang="ru-RU" dirty="0">
                 <a:effectLst/>
-                <a:latin typeface="Times New Roman" panose="02020603050405020304" pitchFamily="18" charset="0"/>
+                <a:latin typeface="Segoe UI" panose="020B0502040204020203" pitchFamily="34" charset="0"/>
                 <a:ea typeface="Times New Roman" panose="02020603050405020304" pitchFamily="18" charset="0"/>
+                <a:cs typeface="Segoe UI" panose="020B0502040204020203" pitchFamily="34" charset="0"/>
               </a:rPr>
               <a:t> Ирина Николаевна</a:t>
             </a:r>
-            <a:endParaRPr lang="ru-RU" dirty="0"/>
+            <a:endParaRPr lang="ru-RU" dirty="0">
+              <a:latin typeface="Segoe UI" panose="020B0502040204020203" pitchFamily="34" charset="0"/>
+              <a:cs typeface="Segoe UI" panose="020B0502040204020203" pitchFamily="34" charset="0"/>
+            </a:endParaRPr>
           </a:p>
         </p:txBody>
       </p:sp>
@@ -5023,7 +4953,7 @@
         <p:spPr>
           <a:xfrm>
             <a:off x="2930770" y="449448"/>
-            <a:ext cx="6904892" cy="1323439"/>
+            <a:ext cx="6904892" cy="1569660"/>
           </a:xfrm>
           <a:prstGeom prst="rect">
             <a:avLst/>
@@ -5049,8 +4979,9 @@
                 <a:solidFill>
                   <a:srgbClr val="000000"/>
                 </a:solidFill>
-                <a:latin typeface="Times New Roman" panose="02020603050405020304" pitchFamily="18" charset="0"/>
+                <a:latin typeface="Segoe UI" panose="020B0502040204020203" pitchFamily="34" charset="0"/>
                 <a:ea typeface="Times New Roman" panose="02020603050405020304" pitchFamily="18" charset="0"/>
+                <a:cs typeface="Segoe UI" panose="020B0502040204020203" pitchFamily="34" charset="0"/>
               </a:rPr>
               <a:t>ВЫПУСКНАЯ КВАЛИФИКАЦИОННАЯ РАБОТА</a:t>
             </a:r>
@@ -5059,59 +4990,68 @@
                 <a:solidFill>
                   <a:srgbClr val="000000"/>
                 </a:solidFill>
-                <a:latin typeface="Times New Roman" panose="02020603050405020304" pitchFamily="18" charset="0"/>
+                <a:latin typeface="Segoe UI" panose="020B0502040204020203" pitchFamily="34" charset="0"/>
                 <a:ea typeface="Times New Roman" panose="02020603050405020304" pitchFamily="18" charset="0"/>
+                <a:cs typeface="Segoe UI" panose="020B0502040204020203" pitchFamily="34" charset="0"/>
               </a:rPr>
             </a:br>
             <a:r>
               <a:rPr lang="ru-RU" sz="1600" dirty="0">
-                <a:latin typeface="Times New Roman" panose="02020603050405020304" pitchFamily="18" charset="0"/>
+                <a:latin typeface="Segoe UI" panose="020B0502040204020203" pitchFamily="34" charset="0"/>
                 <a:ea typeface="Times New Roman" panose="02020603050405020304" pitchFamily="18" charset="0"/>
+                <a:cs typeface="Segoe UI" panose="020B0502040204020203" pitchFamily="34" charset="0"/>
               </a:rPr>
               <a:t>по направлению подготовки</a:t>
             </a:r>
             <a:br>
               <a:rPr lang="ru-RU" sz="1600" dirty="0">
-                <a:latin typeface="Times New Roman" panose="02020603050405020304" pitchFamily="18" charset="0"/>
+                <a:latin typeface="Segoe UI" panose="020B0502040204020203" pitchFamily="34" charset="0"/>
                 <a:ea typeface="Times New Roman" panose="02020603050405020304" pitchFamily="18" charset="0"/>
+                <a:cs typeface="Segoe UI" panose="020B0502040204020203" pitchFamily="34" charset="0"/>
               </a:rPr>
             </a:br>
             <a:r>
               <a:rPr lang="ru-RU" sz="1600" dirty="0">
-                <a:latin typeface="Times New Roman" panose="02020603050405020304" pitchFamily="18" charset="0"/>
+                <a:latin typeface="Segoe UI" panose="020B0502040204020203" pitchFamily="34" charset="0"/>
                 <a:ea typeface="Times New Roman" panose="02020603050405020304" pitchFamily="18" charset="0"/>
+                <a:cs typeface="Segoe UI" panose="020B0502040204020203" pitchFamily="34" charset="0"/>
               </a:rPr>
               <a:t>02.04.02 – Фундаментальная информатика и информационные технологии, </a:t>
             </a:r>
             <a:br>
               <a:rPr lang="ru-RU" sz="1600" dirty="0">
-                <a:latin typeface="Times New Roman" panose="02020603050405020304" pitchFamily="18" charset="0"/>
+                <a:latin typeface="Segoe UI" panose="020B0502040204020203" pitchFamily="34" charset="0"/>
                 <a:ea typeface="Times New Roman" panose="02020603050405020304" pitchFamily="18" charset="0"/>
+                <a:cs typeface="Segoe UI" panose="020B0502040204020203" pitchFamily="34" charset="0"/>
               </a:rPr>
             </a:br>
             <a:r>
               <a:rPr lang="ru-RU" sz="1600" dirty="0">
-                <a:latin typeface="Times New Roman" panose="02020603050405020304" pitchFamily="18" charset="0"/>
+                <a:latin typeface="Segoe UI" panose="020B0502040204020203" pitchFamily="34" charset="0"/>
                 <a:ea typeface="Times New Roman" panose="02020603050405020304" pitchFamily="18" charset="0"/>
+                <a:cs typeface="Segoe UI" panose="020B0502040204020203" pitchFamily="34" charset="0"/>
               </a:rPr>
               <a:t>направленность программы</a:t>
             </a:r>
             <a:br>
               <a:rPr lang="ru-RU" sz="1600" dirty="0">
-                <a:latin typeface="Times New Roman" panose="02020603050405020304" pitchFamily="18" charset="0"/>
+                <a:latin typeface="Segoe UI" panose="020B0502040204020203" pitchFamily="34" charset="0"/>
                 <a:ea typeface="Times New Roman" panose="02020603050405020304" pitchFamily="18" charset="0"/>
+                <a:cs typeface="Segoe UI" panose="020B0502040204020203" pitchFamily="34" charset="0"/>
               </a:rPr>
             </a:br>
             <a:r>
               <a:rPr lang="ru-RU" sz="1600" dirty="0">
-                <a:latin typeface="Times New Roman" panose="02020603050405020304" pitchFamily="18" charset="0"/>
+                <a:latin typeface="Segoe UI" panose="020B0502040204020203" pitchFamily="34" charset="0"/>
                 <a:ea typeface="Times New Roman" panose="02020603050405020304" pitchFamily="18" charset="0"/>
+                <a:cs typeface="Segoe UI" panose="020B0502040204020203" pitchFamily="34" charset="0"/>
               </a:rPr>
               <a:t>«Разработка мобильных приложений и компьютерных игр»</a:t>
             </a:r>
             <a:endParaRPr lang="en-US" sz="1600" dirty="0">
-              <a:latin typeface="Times New Roman" panose="02020603050405020304" pitchFamily="18" charset="0"/>
+              <a:latin typeface="Segoe UI" panose="020B0502040204020203" pitchFamily="34" charset="0"/>
               <a:ea typeface="Times New Roman" panose="02020603050405020304" pitchFamily="18" charset="0"/>
+              <a:cs typeface="Segoe UI" panose="020B0502040204020203" pitchFamily="34" charset="0"/>
             </a:endParaRPr>
           </a:p>
         </p:txBody>
@@ -5130,484 +5070,6 @@
 </file>
 
 <file path=ppt/slides/slide10.xml><?xml version="1.0" encoding="utf-8"?>
-<p:sld xmlns:a="http://schemas.openxmlformats.org/drawingml/2006/main" xmlns:r="http://schemas.openxmlformats.org/officeDocument/2006/relationships" xmlns:p="http://schemas.openxmlformats.org/presentationml/2006/main">
-  <p:cSld>
-    <p:spTree>
-      <p:nvGrpSpPr>
-        <p:cNvPr id="1" name="">
-          <a:extLst>
-            <a:ext uri="{FF2B5EF4-FFF2-40B4-BE49-F238E27FC236}">
-              <a16:creationId xmlns:a16="http://schemas.microsoft.com/office/drawing/2014/main" id="{02A31213-0A19-1E21-0B30-E1CF82EF3CF9}"/>
-            </a:ext>
-          </a:extLst>
-        </p:cNvPr>
-        <p:cNvGrpSpPr/>
-        <p:nvPr/>
-      </p:nvGrpSpPr>
-      <p:grpSpPr>
-        <a:xfrm>
-          <a:off x="0" y="0"/>
-          <a:ext cx="0" cy="0"/>
-          <a:chOff x="0" y="0"/>
-          <a:chExt cx="0" cy="0"/>
-        </a:xfrm>
-      </p:grpSpPr>
-      <p:sp>
-        <p:nvSpPr>
-          <p:cNvPr id="13" name="TextBox 12">
-            <a:extLst>
-              <a:ext uri="{FF2B5EF4-FFF2-40B4-BE49-F238E27FC236}">
-                <a16:creationId xmlns:a16="http://schemas.microsoft.com/office/drawing/2014/main" id="{AED85588-76E1-D810-A1DA-78A8333C8DD0}"/>
-              </a:ext>
-            </a:extLst>
-          </p:cNvPr>
-          <p:cNvSpPr txBox="1"/>
-          <p:nvPr/>
-        </p:nvSpPr>
-        <p:spPr>
-          <a:xfrm>
-            <a:off x="1066800" y="271666"/>
-            <a:ext cx="10287000" cy="658297"/>
-          </a:xfrm>
-          <a:prstGeom prst="rect">
-            <a:avLst/>
-          </a:prstGeom>
-          <a:solidFill>
-            <a:schemeClr val="accent5"/>
-          </a:solidFill>
-          <a:ln>
-            <a:noFill/>
-          </a:ln>
-        </p:spPr>
-        <p:style>
-          <a:lnRef idx="0">
-            <a:scrgbClr r="0" g="0" b="0"/>
-          </a:lnRef>
-          <a:fillRef idx="0">
-            <a:scrgbClr r="0" g="0" b="0"/>
-          </a:fillRef>
-          <a:effectRef idx="0">
-            <a:scrgbClr r="0" g="0" b="0"/>
-          </a:effectRef>
-          <a:fontRef idx="minor">
-            <a:schemeClr val="lt1"/>
-          </a:fontRef>
-        </p:style>
-        <p:txBody>
-          <a:bodyPr vert="horz" lIns="68580" tIns="34290" rIns="68580" bIns="34290" rtlCol="0" anchor="ctr">
-            <a:normAutofit/>
-          </a:bodyPr>
-          <a:lstStyle/>
-          <a:p>
-            <a:pPr algn="ctr"/>
-            <a:r>
-              <a:rPr lang="ru-RU" sz="2400" dirty="0"/>
-              <a:t>Инструменты рисования в библиотеке</a:t>
-            </a:r>
-          </a:p>
-        </p:txBody>
-      </p:sp>
-      <p:sp>
-        <p:nvSpPr>
-          <p:cNvPr id="7" name="Slide Number Placeholder 6">
-            <a:extLst>
-              <a:ext uri="{FF2B5EF4-FFF2-40B4-BE49-F238E27FC236}">
-                <a16:creationId xmlns:a16="http://schemas.microsoft.com/office/drawing/2014/main" id="{BDF68D98-30F5-6C5C-E376-8BEF10CA6CCF}"/>
-              </a:ext>
-            </a:extLst>
-          </p:cNvPr>
-          <p:cNvSpPr>
-            <a:spLocks noGrp="1"/>
-          </p:cNvSpPr>
-          <p:nvPr>
-            <p:ph type="sldNum" sz="quarter" idx="12"/>
-          </p:nvPr>
-        </p:nvSpPr>
-        <p:spPr/>
-        <p:txBody>
-          <a:bodyPr/>
-          <a:lstStyle/>
-          <a:p>
-            <a:r>
-              <a:rPr lang="ru-RU" dirty="0"/>
-              <a:t>10</a:t>
-            </a:r>
-            <a:r>
-              <a:rPr lang="en-US" dirty="0"/>
-              <a:t> </a:t>
-            </a:r>
-            <a:r>
-              <a:rPr lang="ru-RU" dirty="0"/>
-              <a:t>из 14</a:t>
-            </a:r>
-          </a:p>
-        </p:txBody>
-      </p:sp>
-      <p:sp>
-        <p:nvSpPr>
-          <p:cNvPr id="3" name="TextBox 2">
-            <a:extLst>
-              <a:ext uri="{FF2B5EF4-FFF2-40B4-BE49-F238E27FC236}">
-                <a16:creationId xmlns:a16="http://schemas.microsoft.com/office/drawing/2014/main" id="{44B2A1D0-6DAA-C347-B6D8-941BB2847F68}"/>
-              </a:ext>
-            </a:extLst>
-          </p:cNvPr>
-          <p:cNvSpPr txBox="1"/>
-          <p:nvPr/>
-        </p:nvSpPr>
-        <p:spPr>
-          <a:xfrm>
-            <a:off x="4947875" y="3389266"/>
-            <a:ext cx="2296249" cy="430887"/>
-          </a:xfrm>
-          <a:prstGeom prst="rect">
-            <a:avLst/>
-          </a:prstGeom>
-          <a:noFill/>
-        </p:spPr>
-        <p:txBody>
-          <a:bodyPr wrap="square" rtlCol="0">
-            <a:spAutoFit/>
-          </a:bodyPr>
-          <a:lstStyle/>
-          <a:p>
-            <a:pPr algn="ctr"/>
-            <a:r>
-              <a:rPr lang="ru-RU" sz="2200" dirty="0"/>
-              <a:t>Прямоугольник</a:t>
-            </a:r>
-            <a:endParaRPr lang="en-RU" sz="2200" dirty="0"/>
-          </a:p>
-        </p:txBody>
-      </p:sp>
-      <p:sp>
-        <p:nvSpPr>
-          <p:cNvPr id="5" name="TextBox 4">
-            <a:extLst>
-              <a:ext uri="{FF2B5EF4-FFF2-40B4-BE49-F238E27FC236}">
-                <a16:creationId xmlns:a16="http://schemas.microsoft.com/office/drawing/2014/main" id="{519AA535-18C7-35D1-0FD8-03F7DA7F3C2D}"/>
-              </a:ext>
-            </a:extLst>
-          </p:cNvPr>
-          <p:cNvSpPr txBox="1"/>
-          <p:nvPr/>
-        </p:nvSpPr>
-        <p:spPr>
-          <a:xfrm>
-            <a:off x="8036851" y="3312610"/>
-            <a:ext cx="2296248" cy="430887"/>
-          </a:xfrm>
-          <a:prstGeom prst="rect">
-            <a:avLst/>
-          </a:prstGeom>
-          <a:noFill/>
-        </p:spPr>
-        <p:txBody>
-          <a:bodyPr wrap="square" rtlCol="0">
-            <a:spAutoFit/>
-          </a:bodyPr>
-          <a:lstStyle/>
-          <a:p>
-            <a:pPr algn="ctr"/>
-            <a:r>
-              <a:rPr lang="ru-RU" sz="2200" dirty="0"/>
-              <a:t>Треугольник</a:t>
-            </a:r>
-            <a:endParaRPr lang="en-RU" sz="2200" dirty="0"/>
-          </a:p>
-        </p:txBody>
-      </p:sp>
-      <p:sp>
-        <p:nvSpPr>
-          <p:cNvPr id="8" name="TextBox 7">
-            <a:extLst>
-              <a:ext uri="{FF2B5EF4-FFF2-40B4-BE49-F238E27FC236}">
-                <a16:creationId xmlns:a16="http://schemas.microsoft.com/office/drawing/2014/main" id="{DB404271-9D9C-1639-30F3-0928B8068C67}"/>
-              </a:ext>
-            </a:extLst>
-          </p:cNvPr>
-          <p:cNvSpPr txBox="1"/>
-          <p:nvPr/>
-        </p:nvSpPr>
-        <p:spPr>
-          <a:xfrm>
-            <a:off x="5009857" y="5881919"/>
-            <a:ext cx="2296249" cy="430887"/>
-          </a:xfrm>
-          <a:prstGeom prst="rect">
-            <a:avLst/>
-          </a:prstGeom>
-          <a:noFill/>
-        </p:spPr>
-        <p:txBody>
-          <a:bodyPr wrap="square" rtlCol="0">
-            <a:spAutoFit/>
-          </a:bodyPr>
-          <a:lstStyle/>
-          <a:p>
-            <a:pPr algn="ctr"/>
-            <a:r>
-              <a:rPr lang="ru-RU" sz="2200" dirty="0"/>
-              <a:t>Кривая</a:t>
-            </a:r>
-            <a:endParaRPr lang="en-RU" sz="2200" dirty="0"/>
-          </a:p>
-        </p:txBody>
-      </p:sp>
-      <p:sp>
-        <p:nvSpPr>
-          <p:cNvPr id="15" name="TextBox 14">
-            <a:extLst>
-              <a:ext uri="{FF2B5EF4-FFF2-40B4-BE49-F238E27FC236}">
-                <a16:creationId xmlns:a16="http://schemas.microsoft.com/office/drawing/2014/main" id="{190E9B06-471A-7292-80FB-7725040421AA}"/>
-              </a:ext>
-            </a:extLst>
-          </p:cNvPr>
-          <p:cNvSpPr txBox="1"/>
-          <p:nvPr/>
-        </p:nvSpPr>
-        <p:spPr>
-          <a:xfrm>
-            <a:off x="8036850" y="5810184"/>
-            <a:ext cx="2296249" cy="430887"/>
-          </a:xfrm>
-          <a:prstGeom prst="rect">
-            <a:avLst/>
-          </a:prstGeom>
-          <a:noFill/>
-        </p:spPr>
-        <p:txBody>
-          <a:bodyPr wrap="square" rtlCol="0">
-            <a:spAutoFit/>
-          </a:bodyPr>
-          <a:lstStyle/>
-          <a:p>
-            <a:pPr algn="ctr"/>
-            <a:r>
-              <a:rPr lang="ru-RU" sz="2200" dirty="0"/>
-              <a:t>Ломаная</a:t>
-            </a:r>
-            <a:endParaRPr lang="en-RU" sz="2200" dirty="0"/>
-          </a:p>
-        </p:txBody>
-      </p:sp>
-      <p:pic>
-        <p:nvPicPr>
-          <p:cNvPr id="9" name="Picture 8">
-            <a:extLst>
-              <a:ext uri="{FF2B5EF4-FFF2-40B4-BE49-F238E27FC236}">
-                <a16:creationId xmlns:a16="http://schemas.microsoft.com/office/drawing/2014/main" id="{0E1F758F-4072-D1DD-731A-4C16F5DDECFC}"/>
-              </a:ext>
-            </a:extLst>
-          </p:cNvPr>
-          <p:cNvPicPr>
-            <a:picLocks noChangeAspect="1"/>
-          </p:cNvPicPr>
-          <p:nvPr/>
-        </p:nvPicPr>
-        <p:blipFill>
-          <a:blip r:embed="rId3"/>
-          <a:stretch>
-            <a:fillRect/>
-          </a:stretch>
-        </p:blipFill>
-        <p:spPr>
-          <a:xfrm>
-            <a:off x="4947875" y="1298936"/>
-            <a:ext cx="2296249" cy="2038910"/>
-          </a:xfrm>
-          <a:prstGeom prst="rect">
-            <a:avLst/>
-          </a:prstGeom>
-        </p:spPr>
-      </p:pic>
-      <p:pic>
-        <p:nvPicPr>
-          <p:cNvPr id="11" name="Picture 10">
-            <a:extLst>
-              <a:ext uri="{FF2B5EF4-FFF2-40B4-BE49-F238E27FC236}">
-                <a16:creationId xmlns:a16="http://schemas.microsoft.com/office/drawing/2014/main" id="{03BA0494-505C-272C-A0F8-41F8EBAD4CA3}"/>
-              </a:ext>
-            </a:extLst>
-          </p:cNvPr>
-          <p:cNvPicPr>
-            <a:picLocks noChangeAspect="1"/>
-          </p:cNvPicPr>
-          <p:nvPr/>
-        </p:nvPicPr>
-        <p:blipFill>
-          <a:blip r:embed="rId4"/>
-          <a:stretch>
-            <a:fillRect/>
-          </a:stretch>
-        </p:blipFill>
-        <p:spPr>
-          <a:xfrm>
-            <a:off x="7870393" y="1369075"/>
-            <a:ext cx="2410549" cy="1772216"/>
-          </a:xfrm>
-          <a:prstGeom prst="rect">
-            <a:avLst/>
-          </a:prstGeom>
-        </p:spPr>
-      </p:pic>
-      <p:pic>
-        <p:nvPicPr>
-          <p:cNvPr id="12" name="Picture 11">
-            <a:extLst>
-              <a:ext uri="{FF2B5EF4-FFF2-40B4-BE49-F238E27FC236}">
-                <a16:creationId xmlns:a16="http://schemas.microsoft.com/office/drawing/2014/main" id="{D1F3D1A6-0D40-87D7-8811-47252E9D70AC}"/>
-              </a:ext>
-            </a:extLst>
-          </p:cNvPr>
-          <p:cNvPicPr>
-            <a:picLocks noChangeAspect="1"/>
-          </p:cNvPicPr>
-          <p:nvPr/>
-        </p:nvPicPr>
-        <p:blipFill>
-          <a:blip r:embed="rId5"/>
-          <a:stretch>
-            <a:fillRect/>
-          </a:stretch>
-        </p:blipFill>
-        <p:spPr>
-          <a:xfrm>
-            <a:off x="4947875" y="4079796"/>
-            <a:ext cx="2296249" cy="1730388"/>
-          </a:xfrm>
-          <a:prstGeom prst="rect">
-            <a:avLst/>
-          </a:prstGeom>
-        </p:spPr>
-      </p:pic>
-      <p:pic>
-        <p:nvPicPr>
-          <p:cNvPr id="16" name="Picture 15">
-            <a:extLst>
-              <a:ext uri="{FF2B5EF4-FFF2-40B4-BE49-F238E27FC236}">
-                <a16:creationId xmlns:a16="http://schemas.microsoft.com/office/drawing/2014/main" id="{1C1830CF-05F9-038A-90F1-737BC8957C7B}"/>
-              </a:ext>
-            </a:extLst>
-          </p:cNvPr>
-          <p:cNvPicPr>
-            <a:picLocks noChangeAspect="1"/>
-          </p:cNvPicPr>
-          <p:nvPr/>
-        </p:nvPicPr>
-        <p:blipFill>
-          <a:blip r:embed="rId6"/>
-          <a:stretch>
-            <a:fillRect/>
-          </a:stretch>
-        </p:blipFill>
-        <p:spPr>
-          <a:xfrm>
-            <a:off x="8036850" y="3983425"/>
-            <a:ext cx="2296249" cy="1718435"/>
-          </a:xfrm>
-          <a:prstGeom prst="rect">
-            <a:avLst/>
-          </a:prstGeom>
-        </p:spPr>
-      </p:pic>
-      <p:pic>
-        <p:nvPicPr>
-          <p:cNvPr id="2" name="Picture 1">
-            <a:extLst>
-              <a:ext uri="{FF2B5EF4-FFF2-40B4-BE49-F238E27FC236}">
-                <a16:creationId xmlns:a16="http://schemas.microsoft.com/office/drawing/2014/main" id="{EB3886D6-2ACC-B518-0BDB-C803146C1CD2}"/>
-              </a:ext>
-            </a:extLst>
-          </p:cNvPr>
-          <p:cNvPicPr>
-            <a:picLocks noChangeAspect="1"/>
-          </p:cNvPicPr>
-          <p:nvPr/>
-        </p:nvPicPr>
-        <p:blipFill>
-          <a:blip r:embed="rId7"/>
-          <a:stretch>
-            <a:fillRect/>
-          </a:stretch>
-        </p:blipFill>
-        <p:spPr>
-          <a:xfrm>
-            <a:off x="1439844" y="2349997"/>
-            <a:ext cx="2715304" cy="1582588"/>
-          </a:xfrm>
-          <a:prstGeom prst="rect">
-            <a:avLst/>
-          </a:prstGeom>
-        </p:spPr>
-      </p:pic>
-      <p:sp>
-        <p:nvSpPr>
-          <p:cNvPr id="4" name="TextBox 3">
-            <a:extLst>
-              <a:ext uri="{FF2B5EF4-FFF2-40B4-BE49-F238E27FC236}">
-                <a16:creationId xmlns:a16="http://schemas.microsoft.com/office/drawing/2014/main" id="{BE51D711-319B-F578-624A-A5CF89C0D1D9}"/>
-              </a:ext>
-            </a:extLst>
-          </p:cNvPr>
-          <p:cNvSpPr txBox="1"/>
-          <p:nvPr/>
-        </p:nvSpPr>
-        <p:spPr>
-          <a:xfrm>
-            <a:off x="1375924" y="4146871"/>
-            <a:ext cx="3009342" cy="1107996"/>
-          </a:xfrm>
-          <a:prstGeom prst="rect">
-            <a:avLst/>
-          </a:prstGeom>
-          <a:noFill/>
-        </p:spPr>
-        <p:txBody>
-          <a:bodyPr wrap="square" rtlCol="0">
-            <a:spAutoFit/>
-          </a:bodyPr>
-          <a:lstStyle/>
-          <a:p>
-            <a:pPr algn="ctr"/>
-            <a:r>
-              <a:rPr lang="ru-RU" sz="2200" dirty="0"/>
-              <a:t>Линия Тренда</a:t>
-            </a:r>
-            <a:r>
-              <a:rPr lang="en-US" sz="2200" dirty="0"/>
-              <a:t>, </a:t>
-            </a:r>
-            <a:r>
-              <a:rPr lang="ru-RU" sz="2200" dirty="0"/>
-              <a:t>Горизонтальная линия</a:t>
-            </a:r>
-            <a:r>
-              <a:rPr lang="en-US" sz="2200" dirty="0"/>
-              <a:t>, </a:t>
-            </a:r>
-            <a:r>
-              <a:rPr lang="ru-RU" sz="2200" dirty="0"/>
-              <a:t>Вертикальная линия</a:t>
-            </a:r>
-            <a:endParaRPr lang="en-RU" sz="2200" dirty="0"/>
-          </a:p>
-        </p:txBody>
-      </p:sp>
-    </p:spTree>
-    <p:extLst>
-      <p:ext uri="{BB962C8B-B14F-4D97-AF65-F5344CB8AC3E}">
-        <p14:creationId xmlns:p14="http://schemas.microsoft.com/office/powerpoint/2010/main" val="1208771640"/>
-      </p:ext>
-    </p:extLst>
-  </p:cSld>
-  <p:clrMapOvr>
-    <a:masterClrMapping/>
-  </p:clrMapOvr>
-</p:sld>
-</file>
-
-<file path=ppt/slides/slide11.xml><?xml version="1.0" encoding="utf-8"?>
 <p:sld xmlns:a="http://schemas.openxmlformats.org/drawingml/2006/main" xmlns:r="http://schemas.openxmlformats.org/officeDocument/2006/relationships" xmlns:p="http://schemas.openxmlformats.org/presentationml/2006/main">
   <p:cSld>
     <p:spTree>
@@ -5673,7 +5135,10 @@
           <a:p>
             <a:pPr algn="ctr"/>
             <a:r>
-              <a:rPr lang="ru-RU" sz="2400" dirty="0"/>
+              <a:rPr lang="ru-RU" sz="2800" dirty="0">
+                <a:latin typeface="Segoe UI" panose="020B0502040204020203" pitchFamily="34" charset="0"/>
+                <a:cs typeface="Segoe UI" panose="020B0502040204020203" pitchFamily="34" charset="0"/>
+              </a:rPr>
               <a:t>Инструменты рисования в библиотеке</a:t>
             </a:r>
           </a:p>
@@ -5701,15 +5166,24 @@
           <a:lstStyle/>
           <a:p>
             <a:r>
-              <a:rPr lang="ru-RU" dirty="0"/>
+              <a:rPr lang="ru-RU" dirty="0">
+                <a:latin typeface="Segoe UI" panose="020B0502040204020203" pitchFamily="34" charset="0"/>
+                <a:cs typeface="Segoe UI" panose="020B0502040204020203" pitchFamily="34" charset="0"/>
+              </a:rPr>
               <a:t>11</a:t>
             </a:r>
             <a:r>
-              <a:rPr lang="en-US" dirty="0"/>
+              <a:rPr lang="en-US" dirty="0">
+                <a:latin typeface="Segoe UI" panose="020B0502040204020203" pitchFamily="34" charset="0"/>
+                <a:cs typeface="Segoe UI" panose="020B0502040204020203" pitchFamily="34" charset="0"/>
+              </a:rPr>
               <a:t> </a:t>
             </a:r>
             <a:r>
-              <a:rPr lang="ru-RU" dirty="0"/>
+              <a:rPr lang="ru-RU" dirty="0">
+                <a:latin typeface="Segoe UI" panose="020B0502040204020203" pitchFamily="34" charset="0"/>
+                <a:cs typeface="Segoe UI" panose="020B0502040204020203" pitchFamily="34" charset="0"/>
+              </a:rPr>
               <a:t>из 14</a:t>
             </a:r>
           </a:p>
@@ -5775,10 +5249,16 @@
           <a:p>
             <a:pPr algn="ctr"/>
             <a:r>
-              <a:rPr lang="ru-RU" sz="2200" dirty="0"/>
+              <a:rPr lang="ru-RU" sz="2200" dirty="0">
+                <a:latin typeface="Segoe UI" panose="020B0502040204020203" pitchFamily="34" charset="0"/>
+                <a:cs typeface="Segoe UI" panose="020B0502040204020203" pitchFamily="34" charset="0"/>
+              </a:rPr>
               <a:t>Коррекция Фибоначчи</a:t>
             </a:r>
-            <a:endParaRPr lang="en-RU" sz="2200" dirty="0"/>
+            <a:endParaRPr lang="en-RU" sz="2200" dirty="0">
+              <a:latin typeface="Segoe UI" panose="020B0502040204020203" pitchFamily="34" charset="0"/>
+              <a:cs typeface="Segoe UI" panose="020B0502040204020203" pitchFamily="34" charset="0"/>
+            </a:endParaRPr>
           </a:p>
         </p:txBody>
       </p:sp>
@@ -5812,10 +5292,16 @@
           <a:p>
             <a:pPr algn="ctr"/>
             <a:r>
-              <a:rPr lang="ru-RU" sz="2200" dirty="0"/>
+              <a:rPr lang="ru-RU" sz="2200" dirty="0">
+                <a:latin typeface="Segoe UI" panose="020B0502040204020203" pitchFamily="34" charset="0"/>
+                <a:cs typeface="Segoe UI" panose="020B0502040204020203" pitchFamily="34" charset="0"/>
+              </a:rPr>
               <a:t>Спираль Фибоначчи</a:t>
             </a:r>
-            <a:endParaRPr lang="en-RU" sz="2200" dirty="0"/>
+            <a:endParaRPr lang="en-RU" sz="2200" dirty="0">
+              <a:latin typeface="Segoe UI" panose="020B0502040204020203" pitchFamily="34" charset="0"/>
+              <a:cs typeface="Segoe UI" panose="020B0502040204020203" pitchFamily="34" charset="0"/>
+            </a:endParaRPr>
           </a:p>
         </p:txBody>
       </p:sp>
@@ -5909,10 +5395,16 @@
           <a:p>
             <a:pPr algn="ctr"/>
             <a:r>
-              <a:rPr lang="ru-RU" sz="2200" dirty="0"/>
+              <a:rPr lang="ru-RU" sz="2200" dirty="0">
+                <a:latin typeface="Segoe UI" panose="020B0502040204020203" pitchFamily="34" charset="0"/>
+                <a:cs typeface="Segoe UI" panose="020B0502040204020203" pitchFamily="34" charset="0"/>
+              </a:rPr>
               <a:t>Клин Фибоначчи</a:t>
             </a:r>
-            <a:endParaRPr lang="en-RU" sz="2200" dirty="0"/>
+            <a:endParaRPr lang="en-RU" sz="2200" dirty="0">
+              <a:latin typeface="Segoe UI" panose="020B0502040204020203" pitchFamily="34" charset="0"/>
+              <a:cs typeface="Segoe UI" panose="020B0502040204020203" pitchFamily="34" charset="0"/>
+            </a:endParaRPr>
           </a:p>
         </p:txBody>
       </p:sp>
@@ -5929,7 +5421,7 @@
 </p:sld>
 </file>
 
-<file path=ppt/slides/slide12.xml><?xml version="1.0" encoding="utf-8"?>
+<file path=ppt/slides/slide11.xml><?xml version="1.0" encoding="utf-8"?>
 <p:sld xmlns:a="http://schemas.openxmlformats.org/drawingml/2006/main" xmlns:r="http://schemas.openxmlformats.org/officeDocument/2006/relationships" xmlns:p="http://schemas.openxmlformats.org/presentationml/2006/main">
   <p:cSld>
     <p:spTree>
@@ -6001,7 +5493,10 @@
           <a:p>
             <a:pPr algn="ctr"/>
             <a:r>
-              <a:rPr lang="ru-RU" sz="2400" dirty="0"/>
+              <a:rPr lang="ru-RU" sz="2800" dirty="0">
+                <a:latin typeface="Segoe UI" panose="020B0502040204020203" pitchFamily="34" charset="0"/>
+                <a:cs typeface="Segoe UI" panose="020B0502040204020203" pitchFamily="34" charset="0"/>
+              </a:rPr>
               <a:t>Технические индикаторы</a:t>
             </a:r>
           </a:p>
@@ -6029,15 +5524,24 @@
           <a:lstStyle/>
           <a:p>
             <a:r>
-              <a:rPr lang="ru-RU" dirty="0"/>
+              <a:rPr lang="ru-RU" dirty="0">
+                <a:latin typeface="Segoe UI" panose="020B0502040204020203" pitchFamily="34" charset="0"/>
+                <a:cs typeface="Segoe UI" panose="020B0502040204020203" pitchFamily="34" charset="0"/>
+              </a:rPr>
               <a:t>12</a:t>
             </a:r>
             <a:r>
-              <a:rPr lang="en-US" dirty="0"/>
+              <a:rPr lang="en-US" dirty="0">
+                <a:latin typeface="Segoe UI" panose="020B0502040204020203" pitchFamily="34" charset="0"/>
+                <a:cs typeface="Segoe UI" panose="020B0502040204020203" pitchFamily="34" charset="0"/>
+              </a:rPr>
               <a:t> </a:t>
             </a:r>
             <a:r>
-              <a:rPr lang="ru-RU" dirty="0"/>
+              <a:rPr lang="ru-RU" dirty="0">
+                <a:latin typeface="Segoe UI" panose="020B0502040204020203" pitchFamily="34" charset="0"/>
+                <a:cs typeface="Segoe UI" panose="020B0502040204020203" pitchFamily="34" charset="0"/>
+              </a:rPr>
               <a:t>из 14</a:t>
             </a:r>
           </a:p>
@@ -6073,14 +5577,23 @@
           <a:p>
             <a:pPr algn="ctr"/>
             <a:r>
-              <a:rPr lang="ru-RU" sz="2200" dirty="0"/>
+              <a:rPr lang="ru-RU" sz="2200" dirty="0">
+                <a:latin typeface="Segoe UI" panose="020B0502040204020203" pitchFamily="34" charset="0"/>
+                <a:cs typeface="Segoe UI" panose="020B0502040204020203" pitchFamily="34" charset="0"/>
+              </a:rPr>
               <a:t>Линии </a:t>
             </a:r>
             <a:r>
-              <a:rPr lang="ru-RU" sz="2200" dirty="0" err="1"/>
+              <a:rPr lang="ru-RU" sz="2200" dirty="0" err="1">
+                <a:latin typeface="Segoe UI" panose="020B0502040204020203" pitchFamily="34" charset="0"/>
+                <a:cs typeface="Segoe UI" panose="020B0502040204020203" pitchFamily="34" charset="0"/>
+              </a:rPr>
               <a:t>Боллинджера</a:t>
             </a:r>
-            <a:endParaRPr lang="en-RU" sz="2200" dirty="0"/>
+            <a:endParaRPr lang="en-RU" sz="2200" dirty="0">
+              <a:latin typeface="Segoe UI" panose="020B0502040204020203" pitchFamily="34" charset="0"/>
+              <a:cs typeface="Segoe UI" panose="020B0502040204020203" pitchFamily="34" charset="0"/>
+            </a:endParaRPr>
           </a:p>
         </p:txBody>
       </p:sp>
@@ -6144,10 +5657,16 @@
           <a:p>
             <a:pPr algn="ctr"/>
             <a:r>
-              <a:rPr lang="ru-RU" sz="2200" dirty="0"/>
+              <a:rPr lang="ru-RU" sz="2200" dirty="0">
+                <a:latin typeface="Segoe UI" panose="020B0502040204020203" pitchFamily="34" charset="0"/>
+                <a:cs typeface="Segoe UI" panose="020B0502040204020203" pitchFamily="34" charset="0"/>
+              </a:rPr>
               <a:t>Скользящее среднее</a:t>
             </a:r>
-            <a:endParaRPr lang="en-RU" sz="2200" dirty="0"/>
+            <a:endParaRPr lang="en-RU" sz="2200" dirty="0">
+              <a:latin typeface="Segoe UI" panose="020B0502040204020203" pitchFamily="34" charset="0"/>
+              <a:cs typeface="Segoe UI" panose="020B0502040204020203" pitchFamily="34" charset="0"/>
+            </a:endParaRPr>
           </a:p>
         </p:txBody>
       </p:sp>
@@ -6194,7 +5713,7 @@
 </p:sld>
 </file>
 
-<file path=ppt/slides/slide13.xml><?xml version="1.0" encoding="utf-8"?>
+<file path=ppt/slides/slide12.xml><?xml version="1.0" encoding="utf-8"?>
 <p:sld xmlns:a="http://schemas.openxmlformats.org/drawingml/2006/main" xmlns:r="http://schemas.openxmlformats.org/officeDocument/2006/relationships" xmlns:p="http://schemas.openxmlformats.org/presentationml/2006/main">
   <p:cSld>
     <p:spTree>
@@ -6239,15 +5758,24 @@
           <a:lstStyle/>
           <a:p>
             <a:r>
-              <a:rPr lang="ru-RU" dirty="0"/>
+              <a:rPr lang="ru-RU" dirty="0">
+                <a:latin typeface="Segoe UI" panose="020B0502040204020203" pitchFamily="34" charset="0"/>
+                <a:cs typeface="Segoe UI" panose="020B0502040204020203" pitchFamily="34" charset="0"/>
+              </a:rPr>
               <a:t>13</a:t>
             </a:r>
             <a:r>
-              <a:rPr lang="en-US" dirty="0"/>
+              <a:rPr lang="en-US" dirty="0">
+                <a:latin typeface="Segoe UI" panose="020B0502040204020203" pitchFamily="34" charset="0"/>
+                <a:cs typeface="Segoe UI" panose="020B0502040204020203" pitchFamily="34" charset="0"/>
+              </a:rPr>
               <a:t> </a:t>
             </a:r>
             <a:r>
-              <a:rPr lang="ru-RU" dirty="0"/>
+              <a:rPr lang="ru-RU" dirty="0">
+                <a:latin typeface="Segoe UI" panose="020B0502040204020203" pitchFamily="34" charset="0"/>
+                <a:cs typeface="Segoe UI" panose="020B0502040204020203" pitchFamily="34" charset="0"/>
+              </a:rPr>
               <a:t>из 14</a:t>
             </a:r>
           </a:p>
@@ -6302,101 +5830,26 @@
           <a:p>
             <a:pPr algn="ctr"/>
             <a:r>
-              <a:rPr lang="ru-RU" sz="3000" dirty="0"/>
-              <a:t>Исходный код библиотеки</a:t>
-            </a:r>
-            <a:endParaRPr lang="en-US" sz="3000" dirty="0"/>
-          </a:p>
-          <a:p>
-            <a:pPr algn="ctr"/>
-            <a:r>
-              <a:rPr lang="en-GB" sz="3000" b="1" dirty="0"/>
-              <a:t>interactive-</a:t>
-            </a:r>
-            <a:r>
-              <a:rPr lang="en-GB" sz="3000" b="1" dirty="0" err="1"/>
-              <a:t>lw</a:t>
-            </a:r>
-            <a:r>
-              <a:rPr lang="en-GB" sz="3000" b="1" dirty="0"/>
-              <a:t>-charts-tools</a:t>
-            </a:r>
-            <a:endParaRPr lang="ru-RU" sz="3000" b="1" dirty="0"/>
-          </a:p>
-        </p:txBody>
-      </p:sp>
-      <p:pic>
-        <p:nvPicPr>
-          <p:cNvPr id="9" name="Picture 8" descr="A qr code with a white background&#10;&#10;AI-generated content may be incorrect.">
-            <a:extLst>
-              <a:ext uri="{FF2B5EF4-FFF2-40B4-BE49-F238E27FC236}">
-                <a16:creationId xmlns:a16="http://schemas.microsoft.com/office/drawing/2014/main" id="{B99355C3-5516-255A-6B6B-223A714E2663}"/>
-              </a:ext>
-            </a:extLst>
-          </p:cNvPr>
-          <p:cNvPicPr>
-            <a:picLocks noChangeAspect="1"/>
-          </p:cNvPicPr>
-          <p:nvPr/>
-        </p:nvPicPr>
-        <p:blipFill>
-          <a:blip r:embed="rId3">
-            <a:extLst>
-              <a:ext uri="{28A0092B-C50C-407E-A947-70E740481C1C}">
-                <a14:useLocalDpi xmlns:a14="http://schemas.microsoft.com/office/drawing/2010/main" val="0"/>
-              </a:ext>
-            </a:extLst>
-          </a:blip>
-          <a:stretch>
-            <a:fillRect/>
-          </a:stretch>
-        </p:blipFill>
-        <p:spPr>
-          <a:xfrm>
-            <a:off x="6820962" y="2185436"/>
-            <a:ext cx="3936395" cy="3936395"/>
-          </a:xfrm>
-          <a:prstGeom prst="rect">
-            <a:avLst/>
-          </a:prstGeom>
-        </p:spPr>
-      </p:pic>
-      <p:pic>
-        <p:nvPicPr>
-          <p:cNvPr id="10" name="Picture 9" descr="A qr code with a white background&#10;&#10;AI-generated content may be incorrect.">
-            <a:extLst>
-              <a:ext uri="{FF2B5EF4-FFF2-40B4-BE49-F238E27FC236}">
-                <a16:creationId xmlns:a16="http://schemas.microsoft.com/office/drawing/2014/main" id="{17342288-D852-4068-C9E7-2B2E0D1D5B6E}"/>
-              </a:ext>
-            </a:extLst>
-          </p:cNvPr>
-          <p:cNvPicPr>
-            <a:picLocks noChangeAspect="1"/>
-          </p:cNvPicPr>
-          <p:nvPr/>
-        </p:nvPicPr>
-        <p:blipFill>
-          <a:blip r:embed="rId4">
-            <a:extLst>
-              <a:ext uri="{28A0092B-C50C-407E-A947-70E740481C1C}">
-                <a14:useLocalDpi xmlns:a14="http://schemas.microsoft.com/office/drawing/2010/main" val="0"/>
-              </a:ext>
-            </a:extLst>
-          </a:blip>
-          <a:stretch>
-            <a:fillRect/>
-          </a:stretch>
-        </p:blipFill>
-        <p:spPr>
-          <a:xfrm>
-            <a:off x="1434643" y="2185436"/>
-            <a:ext cx="3936395" cy="3936395"/>
-          </a:xfrm>
-          <a:prstGeom prst="rect">
-            <a:avLst/>
-          </a:prstGeom>
-        </p:spPr>
-      </p:pic>
+              <a:rPr lang="ru-RU" sz="3000" dirty="0">
+                <a:latin typeface="Segoe UI" panose="020B0502040204020203" pitchFamily="34" charset="0"/>
+                <a:cs typeface="Segoe UI" panose="020B0502040204020203" pitchFamily="34" charset="0"/>
+              </a:rPr>
+              <a:t>Исходный код приложения</a:t>
+            </a:r>
+            <a:r>
+              <a:rPr lang="en-US" sz="3000" dirty="0">
+                <a:latin typeface="Segoe UI" panose="020B0502040204020203" pitchFamily="34" charset="0"/>
+                <a:cs typeface="Segoe UI" panose="020B0502040204020203" pitchFamily="34" charset="0"/>
+              </a:rPr>
+              <a:t> Witte</a:t>
+            </a:r>
+            <a:endParaRPr lang="ru-RU" sz="3000" dirty="0">
+              <a:latin typeface="Segoe UI" panose="020B0502040204020203" pitchFamily="34" charset="0"/>
+              <a:cs typeface="Segoe UI" panose="020B0502040204020203" pitchFamily="34" charset="0"/>
+            </a:endParaRPr>
+          </a:p>
+        </p:txBody>
+      </p:sp>
       <p:sp>
         <p:nvSpPr>
           <p:cNvPr id="11" name="TextBox 10">
@@ -6446,21 +5899,98 @@
           <a:p>
             <a:pPr algn="ctr"/>
             <a:r>
-              <a:rPr lang="ru-RU" sz="3000" dirty="0"/>
+              <a:rPr lang="ru-RU" sz="3000" dirty="0">
+                <a:latin typeface="Segoe UI" panose="020B0502040204020203" pitchFamily="34" charset="0"/>
+                <a:cs typeface="Segoe UI" panose="020B0502040204020203" pitchFamily="34" charset="0"/>
+              </a:rPr>
               <a:t>Приложение</a:t>
             </a:r>
             <a:r>
-              <a:rPr lang="en-US" sz="3000" dirty="0"/>
-              <a:t> </a:t>
-            </a:r>
-            <a:r>
-              <a:rPr lang="en-US" sz="3000" b="1" dirty="0"/>
-              <a:t>Witte</a:t>
-            </a:r>
-            <a:endParaRPr lang="ru-RU" sz="3000" b="1" dirty="0"/>
-          </a:p>
-        </p:txBody>
-      </p:sp>
+              <a:rPr lang="en-US" sz="3000" dirty="0">
+                <a:latin typeface="Segoe UI" panose="020B0502040204020203" pitchFamily="34" charset="0"/>
+                <a:cs typeface="Segoe UI" panose="020B0502040204020203" pitchFamily="34" charset="0"/>
+              </a:rPr>
+              <a:t> Witte</a:t>
+            </a:r>
+            <a:endParaRPr lang="ru-RU" sz="3000" dirty="0">
+              <a:latin typeface="Segoe UI" panose="020B0502040204020203" pitchFamily="34" charset="0"/>
+              <a:cs typeface="Segoe UI" panose="020B0502040204020203" pitchFamily="34" charset="0"/>
+            </a:endParaRPr>
+          </a:p>
+        </p:txBody>
+      </p:sp>
+      <p:pic>
+        <p:nvPicPr>
+          <p:cNvPr id="3" name="Picture 2" descr="A qr code with a black background&#10;&#10;AI-generated content may be incorrect.">
+            <a:extLst>
+              <a:ext uri="{FF2B5EF4-FFF2-40B4-BE49-F238E27FC236}">
+                <a16:creationId xmlns:a16="http://schemas.microsoft.com/office/drawing/2014/main" id="{BB052464-D2FF-4760-C30B-491DA537BFA6}"/>
+              </a:ext>
+            </a:extLst>
+          </p:cNvPr>
+          <p:cNvPicPr>
+            <a:picLocks noChangeAspect="1"/>
+          </p:cNvPicPr>
+          <p:nvPr/>
+        </p:nvPicPr>
+        <p:blipFill>
+          <a:blip r:embed="rId3">
+            <a:extLst>
+              <a:ext uri="{28A0092B-C50C-407E-A947-70E740481C1C}">
+                <a14:useLocalDpi xmlns:a14="http://schemas.microsoft.com/office/drawing/2010/main" val="0"/>
+              </a:ext>
+            </a:extLst>
+          </a:blip>
+          <a:stretch>
+            <a:fillRect/>
+          </a:stretch>
+        </p:blipFill>
+        <p:spPr>
+          <a:xfrm>
+            <a:off x="7140005" y="2385303"/>
+            <a:ext cx="3617352" cy="3617352"/>
+          </a:xfrm>
+          <a:prstGeom prst="rect">
+            <a:avLst/>
+          </a:prstGeom>
+        </p:spPr>
+      </p:pic>
+      <p:pic>
+        <p:nvPicPr>
+          <p:cNvPr id="5" name="Picture 4" descr="A qr code with a black background&#10;&#10;AI-generated content may be incorrect.">
+            <a:extLst>
+              <a:ext uri="{FF2B5EF4-FFF2-40B4-BE49-F238E27FC236}">
+                <a16:creationId xmlns:a16="http://schemas.microsoft.com/office/drawing/2014/main" id="{121F5CAA-76B7-1B7B-7EE7-261C6811A551}"/>
+              </a:ext>
+            </a:extLst>
+          </p:cNvPr>
+          <p:cNvPicPr>
+            <a:picLocks noChangeAspect="1"/>
+          </p:cNvPicPr>
+          <p:nvPr/>
+        </p:nvPicPr>
+        <p:blipFill>
+          <a:blip r:embed="rId4">
+            <a:extLst>
+              <a:ext uri="{28A0092B-C50C-407E-A947-70E740481C1C}">
+                <a14:useLocalDpi xmlns:a14="http://schemas.microsoft.com/office/drawing/2010/main" val="0"/>
+              </a:ext>
+            </a:extLst>
+          </a:blip>
+          <a:stretch>
+            <a:fillRect/>
+          </a:stretch>
+        </p:blipFill>
+        <p:spPr>
+          <a:xfrm>
+            <a:off x="1679406" y="2385303"/>
+            <a:ext cx="3617352" cy="3617352"/>
+          </a:xfrm>
+          <a:prstGeom prst="rect">
+            <a:avLst/>
+          </a:prstGeom>
+        </p:spPr>
+      </p:pic>
     </p:spTree>
     <p:extLst>
       <p:ext uri="{BB962C8B-B14F-4D97-AF65-F5344CB8AC3E}">
@@ -6474,7 +6004,7 @@
 </p:sld>
 </file>
 
-<file path=ppt/slides/slide14.xml><?xml version="1.0" encoding="utf-8"?>
+<file path=ppt/slides/slide13.xml><?xml version="1.0" encoding="utf-8"?>
 <p:sld xmlns:a="http://schemas.openxmlformats.org/drawingml/2006/main" xmlns:r="http://schemas.openxmlformats.org/officeDocument/2006/relationships" xmlns:p="http://schemas.openxmlformats.org/presentationml/2006/main">
   <p:cSld>
     <p:spTree>
@@ -6546,7 +6076,10 @@
           <a:p>
             <a:pPr algn="ctr"/>
             <a:r>
-              <a:rPr lang="ru-RU" sz="2400" dirty="0"/>
+              <a:rPr lang="ru-RU" sz="2800" dirty="0">
+                <a:latin typeface="Segoe UI" panose="020B0502040204020203" pitchFamily="34" charset="0"/>
+                <a:cs typeface="Segoe UI" panose="020B0502040204020203" pitchFamily="34" charset="0"/>
+              </a:rPr>
               <a:t>Полученные результаты</a:t>
             </a:r>
           </a:p>
@@ -6566,8 +6099,8 @@
         </p:nvSpPr>
         <p:spPr>
           <a:xfrm>
-            <a:off x="937846" y="1413461"/>
-            <a:ext cx="10415953" cy="2700739"/>
+            <a:off x="937847" y="1413461"/>
+            <a:ext cx="5838091" cy="4916731"/>
           </a:xfrm>
           <a:prstGeom prst="rect">
             <a:avLst/>
@@ -6589,7 +6122,9 @@
               </a:spcAft>
             </a:pPr>
             <a:endParaRPr lang="ru-RU" dirty="0">
+              <a:latin typeface="Segoe UI" panose="020B0502040204020203" pitchFamily="34" charset="0"/>
               <a:ea typeface="Times New Roman" panose="02020603050405020304" pitchFamily="18" charset="0"/>
+              <a:cs typeface="Segoe UI" panose="020B0502040204020203" pitchFamily="34" charset="0"/>
             </a:endParaRPr>
           </a:p>
           <a:p>
@@ -6598,7 +6133,10 @@
               <a:buChar char="•"/>
             </a:pPr>
             <a:r>
-              <a:rPr lang="ru-RU" sz="2400" dirty="0"/>
+              <a:rPr lang="ru-RU" sz="2400" dirty="0">
+                <a:latin typeface="Segoe UI" panose="020B0502040204020203" pitchFamily="34" charset="0"/>
+                <a:cs typeface="Segoe UI" panose="020B0502040204020203" pitchFamily="34" charset="0"/>
+              </a:rPr>
               <a:t>Проведено исследование предметной области и анализ существующих кроссплатформенных библиотек для финансового анализа</a:t>
             </a:r>
           </a:p>
@@ -6608,15 +6146,24 @@
               <a:buChar char="•"/>
             </a:pPr>
             <a:r>
-              <a:rPr lang="ru-RU" sz="2400" dirty="0"/>
+              <a:rPr lang="ru-RU" sz="2400" dirty="0">
+                <a:latin typeface="Segoe UI" panose="020B0502040204020203" pitchFamily="34" charset="0"/>
+                <a:cs typeface="Segoe UI" panose="020B0502040204020203" pitchFamily="34" charset="0"/>
+              </a:rPr>
               <a:t>Спроектирована и разработана библиотеки, содержащая графические инструменты</a:t>
             </a:r>
             <a:r>
-              <a:rPr lang="en-US" sz="2400" dirty="0"/>
+              <a:rPr lang="en-US" sz="2400" dirty="0">
+                <a:latin typeface="Segoe UI" panose="020B0502040204020203" pitchFamily="34" charset="0"/>
+                <a:cs typeface="Segoe UI" panose="020B0502040204020203" pitchFamily="34" charset="0"/>
+              </a:rPr>
               <a:t> </a:t>
             </a:r>
             <a:r>
-              <a:rPr lang="ru-RU" sz="2400" dirty="0"/>
+              <a:rPr lang="ru-RU" sz="2400" dirty="0">
+                <a:latin typeface="Segoe UI" panose="020B0502040204020203" pitchFamily="34" charset="0"/>
+                <a:cs typeface="Segoe UI" panose="020B0502040204020203" pitchFamily="34" charset="0"/>
+              </a:rPr>
               <a:t>и индикаторы, востребованные трейдерским сообществом.</a:t>
             </a:r>
           </a:p>
@@ -6626,15 +6173,23 @@
               <a:buChar char="•"/>
             </a:pPr>
             <a:r>
-              <a:rPr lang="ru-RU" sz="2400" dirty="0"/>
+              <a:rPr lang="ru-RU" sz="2400" dirty="0">
+                <a:latin typeface="Segoe UI" panose="020B0502040204020203" pitchFamily="34" charset="0"/>
+                <a:cs typeface="Segoe UI" panose="020B0502040204020203" pitchFamily="34" charset="0"/>
+              </a:rPr>
               <a:t>Создано демонстрационное приложение и осуществлена публикация библиотеки в </a:t>
             </a:r>
             <a:r>
-              <a:rPr lang="en-US" sz="2400" dirty="0"/>
+              <a:rPr lang="en-US" sz="2400" dirty="0">
+                <a:latin typeface="Segoe UI" panose="020B0502040204020203" pitchFamily="34" charset="0"/>
+                <a:cs typeface="Segoe UI" panose="020B0502040204020203" pitchFamily="34" charset="0"/>
+              </a:rPr>
               <a:t>NPM</a:t>
             </a:r>
             <a:endParaRPr lang="ru-RU" sz="2400" dirty="0">
+              <a:latin typeface="Segoe UI" panose="020B0502040204020203" pitchFamily="34" charset="0"/>
               <a:ea typeface="Times New Roman" panose="02020603050405020304" pitchFamily="18" charset="0"/>
+              <a:cs typeface="Segoe UI" panose="020B0502040204020203" pitchFamily="34" charset="0"/>
             </a:endParaRPr>
           </a:p>
         </p:txBody>
@@ -6675,6 +6230,132 @@
           </a:p>
         </p:txBody>
       </p:sp>
+      <p:sp>
+        <p:nvSpPr>
+          <p:cNvPr id="2" name="TextBox 1">
+            <a:extLst>
+              <a:ext uri="{FF2B5EF4-FFF2-40B4-BE49-F238E27FC236}">
+                <a16:creationId xmlns:a16="http://schemas.microsoft.com/office/drawing/2014/main" id="{20366B3D-1EAA-071B-A904-213561D9DC37}"/>
+              </a:ext>
+            </a:extLst>
+          </p:cNvPr>
+          <p:cNvSpPr txBox="1"/>
+          <p:nvPr/>
+        </p:nvSpPr>
+        <p:spPr>
+          <a:xfrm>
+            <a:off x="8277854" y="1783886"/>
+            <a:ext cx="2856184" cy="877198"/>
+          </a:xfrm>
+          <a:prstGeom prst="rect">
+            <a:avLst/>
+          </a:prstGeom>
+          <a:solidFill>
+            <a:schemeClr val="accent5"/>
+          </a:solidFill>
+          <a:ln>
+            <a:noFill/>
+          </a:ln>
+        </p:spPr>
+        <p:style>
+          <a:lnRef idx="0">
+            <a:scrgbClr r="0" g="0" b="0"/>
+          </a:lnRef>
+          <a:fillRef idx="0">
+            <a:scrgbClr r="0" g="0" b="0"/>
+          </a:fillRef>
+          <a:effectRef idx="0">
+            <a:scrgbClr r="0" g="0" b="0"/>
+          </a:effectRef>
+          <a:fontRef idx="minor">
+            <a:schemeClr val="lt1"/>
+          </a:fontRef>
+        </p:style>
+        <p:txBody>
+          <a:bodyPr vert="horz" lIns="68580" tIns="34290" rIns="68580" bIns="34290" rtlCol="0" anchor="ctr">
+            <a:normAutofit fontScale="55000" lnSpcReduction="20000"/>
+          </a:bodyPr>
+          <a:lstStyle/>
+          <a:p>
+            <a:pPr algn="ctr"/>
+            <a:r>
+              <a:rPr lang="ru-RU" sz="3000" dirty="0">
+                <a:latin typeface="Segoe UI" panose="020B0502040204020203" pitchFamily="34" charset="0"/>
+                <a:cs typeface="Segoe UI" panose="020B0502040204020203" pitchFamily="34" charset="0"/>
+              </a:rPr>
+              <a:t>Исходный код библиотеки</a:t>
+            </a:r>
+            <a:endParaRPr lang="en-US" sz="3000" dirty="0">
+              <a:latin typeface="Segoe UI" panose="020B0502040204020203" pitchFamily="34" charset="0"/>
+              <a:cs typeface="Segoe UI" panose="020B0502040204020203" pitchFamily="34" charset="0"/>
+            </a:endParaRPr>
+          </a:p>
+          <a:p>
+            <a:pPr algn="ctr"/>
+            <a:r>
+              <a:rPr lang="en-GB" sz="3000" dirty="0">
+                <a:latin typeface="Segoe UI" panose="020B0502040204020203" pitchFamily="34" charset="0"/>
+                <a:cs typeface="Segoe UI" panose="020B0502040204020203" pitchFamily="34" charset="0"/>
+              </a:rPr>
+              <a:t>interactive-</a:t>
+            </a:r>
+            <a:r>
+              <a:rPr lang="en-GB" sz="3000" dirty="0" err="1">
+                <a:latin typeface="Segoe UI" panose="020B0502040204020203" pitchFamily="34" charset="0"/>
+                <a:cs typeface="Segoe UI" panose="020B0502040204020203" pitchFamily="34" charset="0"/>
+              </a:rPr>
+              <a:t>lw</a:t>
+            </a:r>
+            <a:r>
+              <a:rPr lang="en-GB" sz="3000" dirty="0">
+                <a:latin typeface="Segoe UI" panose="020B0502040204020203" pitchFamily="34" charset="0"/>
+                <a:cs typeface="Segoe UI" panose="020B0502040204020203" pitchFamily="34" charset="0"/>
+              </a:rPr>
+              <a:t>-charts-tools</a:t>
+            </a:r>
+            <a:endParaRPr lang="ru-RU" sz="3000" dirty="0">
+              <a:latin typeface="Segoe UI" panose="020B0502040204020203" pitchFamily="34" charset="0"/>
+              <a:cs typeface="Segoe UI" panose="020B0502040204020203" pitchFamily="34" charset="0"/>
+            </a:endParaRPr>
+          </a:p>
+        </p:txBody>
+      </p:sp>
+      <p:pic>
+        <p:nvPicPr>
+          <p:cNvPr id="4" name="Picture 3" descr="A qr code with a white background&#10;&#10;AI-generated content may be incorrect.">
+            <a:extLst>
+              <a:ext uri="{FF2B5EF4-FFF2-40B4-BE49-F238E27FC236}">
+                <a16:creationId xmlns:a16="http://schemas.microsoft.com/office/drawing/2014/main" id="{5972CE97-456F-6F21-EDA7-A9E71754E48A}"/>
+              </a:ext>
+            </a:extLst>
+          </p:cNvPr>
+          <p:cNvPicPr>
+            <a:picLocks noChangeAspect="1"/>
+          </p:cNvPicPr>
+          <p:nvPr/>
+        </p:nvPicPr>
+        <p:blipFill>
+          <a:blip r:embed="rId3">
+            <a:extLst>
+              <a:ext uri="{28A0092B-C50C-407E-A947-70E740481C1C}">
+                <a14:useLocalDpi xmlns:a14="http://schemas.microsoft.com/office/drawing/2010/main" val="0"/>
+              </a:ext>
+            </a:extLst>
+          </a:blip>
+          <a:stretch>
+            <a:fillRect/>
+          </a:stretch>
+        </p:blipFill>
+        <p:spPr>
+          <a:xfrm>
+            <a:off x="7964307" y="2767078"/>
+            <a:ext cx="3483278" cy="3483278"/>
+          </a:xfrm>
+          <a:prstGeom prst="rect">
+            <a:avLst/>
+          </a:prstGeom>
+        </p:spPr>
+      </p:pic>
     </p:spTree>
     <p:extLst>
       <p:ext uri="{BB962C8B-B14F-4D97-AF65-F5344CB8AC3E}">
@@ -6754,7 +6435,10 @@
           <a:p>
             <a:pPr algn="ctr"/>
             <a:r>
-              <a:rPr lang="ru-RU" sz="2400" dirty="0"/>
+              <a:rPr lang="ru-RU" sz="2800" dirty="0">
+                <a:latin typeface="Segoe UI" panose="020B0502040204020203" pitchFamily="34" charset="0"/>
+                <a:cs typeface="Segoe UI" panose="020B0502040204020203" pitchFamily="34" charset="0"/>
+              </a:rPr>
               <a:t>Постановка задачи</a:t>
             </a:r>
           </a:p>
@@ -6775,7 +6459,7 @@
         <p:spPr>
           <a:xfrm>
             <a:off x="879232" y="1736846"/>
-            <a:ext cx="10474568" cy="4131900"/>
+            <a:ext cx="10474568" cy="4439677"/>
           </a:xfrm>
           <a:prstGeom prst="rect">
             <a:avLst/>
@@ -6798,7 +6482,9 @@
             </a:pPr>
             <a:r>
               <a:rPr lang="ru-RU" sz="2000" dirty="0">
+                <a:latin typeface="Segoe UI" panose="020B0502040204020203" pitchFamily="34" charset="0"/>
                 <a:ea typeface="Times New Roman" panose="02020603050405020304" pitchFamily="18" charset="0"/>
+                <a:cs typeface="Segoe UI" panose="020B0502040204020203" pitchFamily="34" charset="0"/>
               </a:rPr>
               <a:t>Цель работы: Разработать кроссплатформенную библиотеку для анализа финансовых данных. Библиотека должна содержать востребованные инструменты для определения, а также предоставлять возможность построение технических индикаторов. </a:t>
             </a:r>
@@ -6814,7 +6500,9 @@
             </a:pPr>
             <a:r>
               <a:rPr lang="ru-RU" sz="2000" dirty="0">
+                <a:latin typeface="Segoe UI" panose="020B0502040204020203" pitchFamily="34" charset="0"/>
                 <a:ea typeface="Times New Roman" panose="02020603050405020304" pitchFamily="18" charset="0"/>
+                <a:cs typeface="Segoe UI" panose="020B0502040204020203" pitchFamily="34" charset="0"/>
               </a:rPr>
               <a:t>Задачи:</a:t>
             </a:r>
@@ -6825,7 +6513,10 @@
               <a:buChar char="•"/>
             </a:pPr>
             <a:r>
-              <a:rPr lang="ru-RU" sz="2000" dirty="0"/>
+              <a:rPr lang="ru-RU" sz="2000" dirty="0">
+                <a:latin typeface="Segoe UI" panose="020B0502040204020203" pitchFamily="34" charset="0"/>
+                <a:cs typeface="Segoe UI" panose="020B0502040204020203" pitchFamily="34" charset="0"/>
+              </a:rPr>
               <a:t>Исследовать предметную область финансового анализа, рассмотреть существующие кроссплатформенные библиотеки для анализа финансовых данных, а также определить технологии для создания библиотеки.</a:t>
             </a:r>
           </a:p>
@@ -6835,7 +6526,10 @@
               <a:buChar char="•"/>
             </a:pPr>
             <a:r>
-              <a:rPr lang="ru-RU" sz="2000" dirty="0"/>
+              <a:rPr lang="ru-RU" sz="2000" dirty="0">
+                <a:latin typeface="Segoe UI" panose="020B0502040204020203" pitchFamily="34" charset="0"/>
+                <a:cs typeface="Segoe UI" panose="020B0502040204020203" pitchFamily="34" charset="0"/>
+              </a:rPr>
               <a:t>Спроектировать архитектуру библиотеки и разработать востребованные сообществом трейдеров инструменты рисования на графиках для анализа финансовых данных, а также реализовать технические индикаторы.</a:t>
             </a:r>
           </a:p>
@@ -6845,15 +6539,23 @@
               <a:buChar char="•"/>
             </a:pPr>
             <a:r>
-              <a:rPr lang="ru-RU" sz="2000" dirty="0"/>
+              <a:rPr lang="ru-RU" sz="2000" dirty="0">
+                <a:latin typeface="Segoe UI" panose="020B0502040204020203" pitchFamily="34" charset="0"/>
+                <a:cs typeface="Segoe UI" panose="020B0502040204020203" pitchFamily="34" charset="0"/>
+              </a:rPr>
               <a:t>Разработать приложение для демонстрации функционала библиотеки, а также опубликовать библиотеку в сети Интернет.</a:t>
             </a:r>
             <a:r>
-              <a:rPr lang="en-RU" sz="2000" dirty="0"/>
+              <a:rPr lang="en-RU" sz="2000" dirty="0">
+                <a:latin typeface="Segoe UI" panose="020B0502040204020203" pitchFamily="34" charset="0"/>
+                <a:cs typeface="Segoe UI" panose="020B0502040204020203" pitchFamily="34" charset="0"/>
+              </a:rPr>
               <a:t> </a:t>
             </a:r>
             <a:endParaRPr lang="ru-RU" sz="2000" dirty="0">
+              <a:latin typeface="Segoe UI" panose="020B0502040204020203" pitchFamily="34" charset="0"/>
               <a:ea typeface="Times New Roman" panose="02020603050405020304" pitchFamily="18" charset="0"/>
+              <a:cs typeface="Segoe UI" panose="020B0502040204020203" pitchFamily="34" charset="0"/>
             </a:endParaRPr>
           </a:p>
         </p:txBody>
@@ -6973,7 +6675,10 @@
           <a:p>
             <a:pPr algn="ctr"/>
             <a:r>
-              <a:rPr lang="ru-RU" sz="2400" dirty="0"/>
+              <a:rPr lang="ru-RU" sz="2800" dirty="0">
+                <a:latin typeface="Segoe UI" panose="020B0502040204020203" pitchFamily="34" charset="0"/>
+                <a:cs typeface="Segoe UI" panose="020B0502040204020203" pitchFamily="34" charset="0"/>
+              </a:rPr>
               <a:t>Анализ финансовых данных</a:t>
             </a:r>
           </a:p>
@@ -7029,8 +6734,8 @@
         </p:nvSpPr>
         <p:spPr>
           <a:xfrm>
-            <a:off x="890954" y="1795428"/>
-            <a:ext cx="5016070" cy="4493538"/>
+            <a:off x="938591" y="2133905"/>
+            <a:ext cx="5016070" cy="3293209"/>
           </a:xfrm>
           <a:prstGeom prst="rect">
             <a:avLst/>
@@ -7048,10 +6753,16 @@
               <a:buChar char="•"/>
             </a:pPr>
             <a:r>
-              <a:rPr lang="ru-RU" sz="2600" b="1" dirty="0"/>
+              <a:rPr lang="ru-RU" sz="2600" dirty="0">
+                <a:latin typeface="Segoe UI" panose="020B0502040204020203" pitchFamily="34" charset="0"/>
+                <a:cs typeface="Segoe UI" panose="020B0502040204020203" pitchFamily="34" charset="0"/>
+              </a:rPr>
               <a:t>Визуальный анализ с помощью добавления на график актива инструментов рисования для выявления паттернов.</a:t>
             </a:r>
-            <a:endParaRPr lang="en-RU" sz="2600" b="1" dirty="0"/>
+            <a:endParaRPr lang="en-RU" sz="2600" dirty="0">
+              <a:latin typeface="Segoe UI" panose="020B0502040204020203" pitchFamily="34" charset="0"/>
+              <a:cs typeface="Segoe UI" panose="020B0502040204020203" pitchFamily="34" charset="0"/>
+            </a:endParaRPr>
           </a:p>
           <a:p>
             <a:pPr marL="285750" lvl="0" indent="-285750">
@@ -7059,24 +6770,16 @@
               <a:buChar char="•"/>
             </a:pPr>
             <a:r>
-              <a:rPr lang="ru-RU" sz="2600" b="1" dirty="0"/>
+              <a:rPr lang="ru-RU" sz="2600" dirty="0">
+                <a:latin typeface="Segoe UI" panose="020B0502040204020203" pitchFamily="34" charset="0"/>
+                <a:cs typeface="Segoe UI" panose="020B0502040204020203" pitchFamily="34" charset="0"/>
+              </a:rPr>
               <a:t>Визуальный анализ с использованием технических индикаторов.</a:t>
             </a:r>
-            <a:endParaRPr lang="en-RU" sz="2600" b="1" dirty="0"/>
-          </a:p>
-          <a:p>
-            <a:pPr marL="285750" lvl="0" indent="-285750">
-              <a:buFont typeface="Arial" panose="020B0604020202020204" pitchFamily="34" charset="0"/>
-              <a:buChar char="•"/>
-            </a:pPr>
-            <a:r>
-              <a:rPr lang="ru-RU" sz="2600" dirty="0"/>
-              <a:t>Создание и тестирование торговых стратегий на исторических данных</a:t>
-            </a:r>
-            <a:r>
-              <a:rPr lang="en-US" sz="2600" dirty="0"/>
-              <a:t>.</a:t>
-            </a:r>
+            <a:endParaRPr lang="en-RU" sz="2600" dirty="0">
+              <a:latin typeface="Segoe UI" panose="020B0502040204020203" pitchFamily="34" charset="0"/>
+              <a:cs typeface="Segoe UI" panose="020B0502040204020203" pitchFamily="34" charset="0"/>
+            </a:endParaRPr>
           </a:p>
         </p:txBody>
       </p:sp>
@@ -7146,11 +6849,17 @@
           <a:p>
             <a:pPr algn="ctr"/>
             <a:r>
-              <a:rPr lang="ru-RU" sz="2400" dirty="0"/>
+              <a:rPr lang="ru-RU" sz="2400" dirty="0">
+                <a:latin typeface="Segoe UI" panose="020B0502040204020203" pitchFamily="34" charset="0"/>
+                <a:cs typeface="Segoe UI" panose="020B0502040204020203" pitchFamily="34" charset="0"/>
+              </a:rPr>
               <a:t>Паттерн «Бычий флаг»</a:t>
             </a:r>
             <a:r>
-              <a:rPr lang="en-RU" sz="2400" dirty="0"/>
+              <a:rPr lang="en-RU" sz="2400" dirty="0">
+                <a:latin typeface="Segoe UI" panose="020B0502040204020203" pitchFamily="34" charset="0"/>
+                <a:cs typeface="Segoe UI" panose="020B0502040204020203" pitchFamily="34" charset="0"/>
+              </a:rPr>
               <a:t> </a:t>
             </a:r>
           </a:p>
@@ -7241,7 +6950,10 @@
           <a:p>
             <a:pPr algn="ctr"/>
             <a:r>
-              <a:rPr lang="ru-RU" sz="2400" dirty="0"/>
+              <a:rPr lang="ru-RU" sz="2800" dirty="0">
+                <a:latin typeface="Segoe UI" panose="020B0502040204020203" pitchFamily="34" charset="0"/>
+                <a:cs typeface="Segoe UI" panose="020B0502040204020203" pitchFamily="34" charset="0"/>
+              </a:rPr>
               <a:t>Сравнение библиотек</a:t>
             </a:r>
           </a:p>
@@ -7298,14 +7010,14 @@
           <p:nvPr>
             <p:extLst>
               <p:ext uri="{D42A27DB-BD31-4B8C-83A1-F6EECF244321}">
-                <p14:modId xmlns:p14="http://schemas.microsoft.com/office/powerpoint/2010/main" val="766723978"/>
+                <p14:modId xmlns:p14="http://schemas.microsoft.com/office/powerpoint/2010/main" val="1421849494"/>
               </p:ext>
             </p:extLst>
           </p:nvPr>
         </p:nvGraphicFramePr>
         <p:xfrm>
           <a:off x="797170" y="1509421"/>
-          <a:ext cx="10556630" cy="4530096"/>
+          <a:ext cx="10556630" cy="4628889"/>
         </p:xfrm>
         <a:graphic>
           <a:graphicData uri="http://schemas.openxmlformats.org/drawingml/2006/table">
@@ -7357,10 +7069,16 @@
                     <a:lstStyle/>
                     <a:p>
                       <a:r>
-                        <a:rPr lang="ru-RU" dirty="0"/>
+                        <a:rPr lang="ru-RU" dirty="0">
+                          <a:latin typeface="Segoe UI" panose="020B0502040204020203" pitchFamily="34" charset="0"/>
+                          <a:cs typeface="Segoe UI" panose="020B0502040204020203" pitchFamily="34" charset="0"/>
+                        </a:rPr>
                         <a:t>Библиотека</a:t>
                       </a:r>
-                      <a:endParaRPr lang="en-RU" dirty="0"/>
+                      <a:endParaRPr lang="en-RU" dirty="0">
+                        <a:latin typeface="Segoe UI" panose="020B0502040204020203" pitchFamily="34" charset="0"/>
+                        <a:cs typeface="Segoe UI" panose="020B0502040204020203" pitchFamily="34" charset="0"/>
+                      </a:endParaRPr>
                     </a:p>
                   </a:txBody>
                   <a:tcPr/>
@@ -7371,18 +7089,30 @@
                     <a:lstStyle/>
                     <a:p>
                       <a:r>
-                        <a:rPr lang="ru-RU" dirty="0"/>
+                        <a:rPr lang="ru-RU" dirty="0">
+                          <a:latin typeface="Segoe UI" panose="020B0502040204020203" pitchFamily="34" charset="0"/>
+                          <a:cs typeface="Segoe UI" panose="020B0502040204020203" pitchFamily="34" charset="0"/>
+                        </a:rPr>
                         <a:t>Инструменты визуального анализа</a:t>
                       </a:r>
                       <a:r>
-                        <a:rPr lang="en-US" dirty="0"/>
+                        <a:rPr lang="en-US" dirty="0">
+                          <a:latin typeface="Segoe UI" panose="020B0502040204020203" pitchFamily="34" charset="0"/>
+                          <a:cs typeface="Segoe UI" panose="020B0502040204020203" pitchFamily="34" charset="0"/>
+                        </a:rPr>
                         <a:t> </a:t>
                       </a:r>
                       <a:r>
-                        <a:rPr lang="ru-RU" dirty="0"/>
+                        <a:rPr lang="ru-RU" dirty="0">
+                          <a:latin typeface="Segoe UI" panose="020B0502040204020203" pitchFamily="34" charset="0"/>
+                          <a:cs typeface="Segoe UI" panose="020B0502040204020203" pitchFamily="34" charset="0"/>
+                        </a:rPr>
                         <a:t>и индикаторы</a:t>
                       </a:r>
-                      <a:endParaRPr lang="en-RU" dirty="0"/>
+                      <a:endParaRPr lang="en-RU" dirty="0">
+                        <a:latin typeface="Segoe UI" panose="020B0502040204020203" pitchFamily="34" charset="0"/>
+                        <a:cs typeface="Segoe UI" panose="020B0502040204020203" pitchFamily="34" charset="0"/>
+                      </a:endParaRPr>
                     </a:p>
                   </a:txBody>
                   <a:tcPr/>
@@ -7393,10 +7123,16 @@
                     <a:lstStyle/>
                     <a:p>
                       <a:r>
-                        <a:rPr lang="ru-RU" dirty="0"/>
+                        <a:rPr lang="ru-RU" dirty="0">
+                          <a:latin typeface="Segoe UI" panose="020B0502040204020203" pitchFamily="34" charset="0"/>
+                          <a:cs typeface="Segoe UI" panose="020B0502040204020203" pitchFamily="34" charset="0"/>
+                        </a:rPr>
                         <a:t>Технологии</a:t>
                       </a:r>
-                      <a:endParaRPr lang="en-RU" dirty="0"/>
+                      <a:endParaRPr lang="en-RU" dirty="0">
+                        <a:latin typeface="Segoe UI" panose="020B0502040204020203" pitchFamily="34" charset="0"/>
+                        <a:cs typeface="Segoe UI" panose="020B0502040204020203" pitchFamily="34" charset="0"/>
+                      </a:endParaRPr>
                     </a:p>
                   </a:txBody>
                   <a:tcPr/>
@@ -7407,10 +7143,16 @@
                     <a:lstStyle/>
                     <a:p>
                       <a:r>
-                        <a:rPr lang="ru-RU" dirty="0"/>
+                        <a:rPr lang="ru-RU" dirty="0">
+                          <a:latin typeface="Segoe UI" panose="020B0502040204020203" pitchFamily="34" charset="0"/>
+                          <a:cs typeface="Segoe UI" panose="020B0502040204020203" pitchFamily="34" charset="0"/>
+                        </a:rPr>
                         <a:t>Поддержка</a:t>
                       </a:r>
-                      <a:endParaRPr lang="en-RU" dirty="0"/>
+                      <a:endParaRPr lang="en-RU" dirty="0">
+                        <a:latin typeface="Segoe UI" panose="020B0502040204020203" pitchFamily="34" charset="0"/>
+                        <a:cs typeface="Segoe UI" panose="020B0502040204020203" pitchFamily="34" charset="0"/>
+                      </a:endParaRPr>
                     </a:p>
                   </a:txBody>
                   <a:tcPr/>
@@ -7421,10 +7163,16 @@
                     <a:lstStyle/>
                     <a:p>
                       <a:r>
-                        <a:rPr lang="ru-RU" dirty="0"/>
+                        <a:rPr lang="ru-RU" dirty="0">
+                          <a:latin typeface="Segoe UI" panose="020B0502040204020203" pitchFamily="34" charset="0"/>
+                          <a:cs typeface="Segoe UI" panose="020B0502040204020203" pitchFamily="34" charset="0"/>
+                        </a:rPr>
                         <a:t>Лицензия</a:t>
                       </a:r>
-                      <a:endParaRPr lang="en-RU" dirty="0"/>
+                      <a:endParaRPr lang="en-RU" dirty="0">
+                        <a:latin typeface="Segoe UI" panose="020B0502040204020203" pitchFamily="34" charset="0"/>
+                        <a:cs typeface="Segoe UI" panose="020B0502040204020203" pitchFamily="34" charset="0"/>
+                      </a:endParaRPr>
                     </a:p>
                   </a:txBody>
                   <a:tcPr/>
@@ -7442,7 +7190,10 @@
                     <a:lstStyle/>
                     <a:p>
                       <a:r>
-                        <a:rPr lang="en-RU" dirty="0"/>
+                        <a:rPr lang="en-RU" dirty="0">
+                          <a:latin typeface="Segoe UI" panose="020B0502040204020203" pitchFamily="34" charset="0"/>
+                          <a:cs typeface="Segoe UI" panose="020B0502040204020203" pitchFamily="34" charset="0"/>
+                        </a:rPr>
                         <a:t>Lightweight Charts</a:t>
                       </a:r>
                     </a:p>
@@ -7455,10 +7206,16 @@
                     <a:lstStyle/>
                     <a:p>
                       <a:r>
-                        <a:rPr lang="ru-RU" dirty="0"/>
+                        <a:rPr lang="ru-RU" b="1" dirty="0">
+                          <a:latin typeface="Segoe UI" panose="020B0502040204020203" pitchFamily="34" charset="0"/>
+                          <a:cs typeface="Segoe UI" panose="020B0502040204020203" pitchFamily="34" charset="0"/>
+                        </a:rPr>
                         <a:t>Нет</a:t>
                       </a:r>
-                      <a:endParaRPr lang="en-RU" dirty="0"/>
+                      <a:endParaRPr lang="en-RU" b="1" dirty="0">
+                        <a:latin typeface="Segoe UI" panose="020B0502040204020203" pitchFamily="34" charset="0"/>
+                        <a:cs typeface="Segoe UI" panose="020B0502040204020203" pitchFamily="34" charset="0"/>
+                      </a:endParaRPr>
                     </a:p>
                   </a:txBody>
                   <a:tcPr/>
@@ -7469,7 +7226,10 @@
                     <a:lstStyle/>
                     <a:p>
                       <a:r>
-                        <a:rPr lang="en-RU" dirty="0"/>
+                        <a:rPr lang="en-RU" dirty="0">
+                          <a:latin typeface="Segoe UI" panose="020B0502040204020203" pitchFamily="34" charset="0"/>
+                          <a:cs typeface="Segoe UI" panose="020B0502040204020203" pitchFamily="34" charset="0"/>
+                        </a:rPr>
                         <a:t>TypeScript</a:t>
                       </a:r>
                     </a:p>
@@ -7482,10 +7242,16 @@
                     <a:lstStyle/>
                     <a:p>
                       <a:r>
-                        <a:rPr lang="ru-RU" dirty="0"/>
+                        <a:rPr lang="ru-RU" dirty="0">
+                          <a:latin typeface="Segoe UI" panose="020B0502040204020203" pitchFamily="34" charset="0"/>
+                          <a:cs typeface="Segoe UI" panose="020B0502040204020203" pitchFamily="34" charset="0"/>
+                        </a:rPr>
                         <a:t>Есть</a:t>
                       </a:r>
-                      <a:endParaRPr lang="en-RU" dirty="0"/>
+                      <a:endParaRPr lang="en-RU" dirty="0">
+                        <a:latin typeface="Segoe UI" panose="020B0502040204020203" pitchFamily="34" charset="0"/>
+                        <a:cs typeface="Segoe UI" panose="020B0502040204020203" pitchFamily="34" charset="0"/>
+                      </a:endParaRPr>
                     </a:p>
                   </a:txBody>
                   <a:tcPr/>
@@ -7501,9 +7267,9 @@
                             <a:schemeClr val="dk1"/>
                           </a:solidFill>
                           <a:effectLst/>
-                          <a:latin typeface="+mn-lt"/>
+                          <a:latin typeface="Segoe UI" panose="020B0502040204020203" pitchFamily="34" charset="0"/>
                           <a:ea typeface="+mn-ea"/>
-                          <a:cs typeface="+mn-cs"/>
+                          <a:cs typeface="Segoe UI" panose="020B0502040204020203" pitchFamily="34" charset="0"/>
                         </a:rPr>
                         <a:t>Apache</a:t>
                       </a:r>
@@ -7513,19 +7279,24 @@
                             <a:schemeClr val="dk1"/>
                           </a:solidFill>
                           <a:effectLst/>
-                          <a:latin typeface="+mn-lt"/>
+                          <a:latin typeface="Segoe UI" panose="020B0502040204020203" pitchFamily="34" charset="0"/>
                           <a:ea typeface="+mn-ea"/>
-                          <a:cs typeface="+mn-cs"/>
+                          <a:cs typeface="Segoe UI" panose="020B0502040204020203" pitchFamily="34" charset="0"/>
                         </a:rPr>
                         <a:t> 2.0</a:t>
                       </a:r>
                       <a:r>
                         <a:rPr lang="en-RU" dirty="0">
                           <a:effectLst/>
+                          <a:latin typeface="Segoe UI" panose="020B0502040204020203" pitchFamily="34" charset="0"/>
+                          <a:cs typeface="Segoe UI" panose="020B0502040204020203" pitchFamily="34" charset="0"/>
                         </a:rPr>
                         <a:t> </a:t>
                       </a:r>
-                      <a:endParaRPr lang="en-RU" dirty="0"/>
+                      <a:endParaRPr lang="en-RU" dirty="0">
+                        <a:latin typeface="Segoe UI" panose="020B0502040204020203" pitchFamily="34" charset="0"/>
+                        <a:cs typeface="Segoe UI" panose="020B0502040204020203" pitchFamily="34" charset="0"/>
+                      </a:endParaRPr>
                     </a:p>
                   </a:txBody>
                   <a:tcPr/>
@@ -7543,7 +7314,10 @@
                     <a:lstStyle/>
                     <a:p>
                       <a:r>
-                        <a:rPr lang="en-GB" dirty="0"/>
+                        <a:rPr lang="en-GB" dirty="0">
+                          <a:latin typeface="Segoe UI" panose="020B0502040204020203" pitchFamily="34" charset="0"/>
+                          <a:cs typeface="Segoe UI" panose="020B0502040204020203" pitchFamily="34" charset="0"/>
+                        </a:rPr>
                         <a:t>Advanced Charts</a:t>
                       </a:r>
                     </a:p>
@@ -7556,10 +7330,16 @@
                     <a:lstStyle/>
                     <a:p>
                       <a:r>
-                        <a:rPr lang="ru-RU" dirty="0"/>
+                        <a:rPr lang="ru-RU" dirty="0">
+                          <a:latin typeface="Segoe UI" panose="020B0502040204020203" pitchFamily="34" charset="0"/>
+                          <a:cs typeface="Segoe UI" panose="020B0502040204020203" pitchFamily="34" charset="0"/>
+                        </a:rPr>
                         <a:t>Есть</a:t>
                       </a:r>
-                      <a:endParaRPr lang="en-RU" dirty="0"/>
+                      <a:endParaRPr lang="en-RU" dirty="0">
+                        <a:latin typeface="Segoe UI" panose="020B0502040204020203" pitchFamily="34" charset="0"/>
+                        <a:cs typeface="Segoe UI" panose="020B0502040204020203" pitchFamily="34" charset="0"/>
+                      </a:endParaRPr>
                     </a:p>
                   </a:txBody>
                   <a:tcPr/>
@@ -7587,7 +7367,10 @@
                         <a:defRPr/>
                       </a:pPr>
                       <a:r>
-                        <a:rPr lang="en-RU" dirty="0"/>
+                        <a:rPr lang="en-RU" dirty="0">
+                          <a:latin typeface="Segoe UI" panose="020B0502040204020203" pitchFamily="34" charset="0"/>
+                          <a:cs typeface="Segoe UI" panose="020B0502040204020203" pitchFamily="34" charset="0"/>
+                        </a:rPr>
                         <a:t>TypeScript</a:t>
                       </a:r>
                     </a:p>
@@ -7600,10 +7383,16 @@
                     <a:lstStyle/>
                     <a:p>
                       <a:r>
-                        <a:rPr lang="ru-RU" dirty="0"/>
+                        <a:rPr lang="ru-RU" dirty="0">
+                          <a:latin typeface="Segoe UI" panose="020B0502040204020203" pitchFamily="34" charset="0"/>
+                          <a:cs typeface="Segoe UI" panose="020B0502040204020203" pitchFamily="34" charset="0"/>
+                        </a:rPr>
                         <a:t>Есть</a:t>
                       </a:r>
-                      <a:endParaRPr lang="en-RU" dirty="0"/>
+                      <a:endParaRPr lang="en-RU" dirty="0">
+                        <a:latin typeface="Segoe UI" panose="020B0502040204020203" pitchFamily="34" charset="0"/>
+                        <a:cs typeface="Segoe UI" panose="020B0502040204020203" pitchFamily="34" charset="0"/>
+                      </a:endParaRPr>
                     </a:p>
                   </a:txBody>
                   <a:tcPr/>
@@ -7614,10 +7403,16 @@
                     <a:lstStyle/>
                     <a:p>
                       <a:r>
-                        <a:rPr lang="ru-RU" dirty="0"/>
+                        <a:rPr lang="ru-RU" b="1" dirty="0">
+                          <a:latin typeface="Segoe UI" panose="020B0502040204020203" pitchFamily="34" charset="0"/>
+                          <a:cs typeface="Segoe UI" panose="020B0502040204020203" pitchFamily="34" charset="0"/>
+                        </a:rPr>
                         <a:t>Нет данных. Предоставляется по запросу</a:t>
                       </a:r>
-                      <a:endParaRPr lang="en-US" dirty="0"/>
+                      <a:endParaRPr lang="en-US" b="1" dirty="0">
+                        <a:latin typeface="Segoe UI" panose="020B0502040204020203" pitchFamily="34" charset="0"/>
+                        <a:cs typeface="Segoe UI" panose="020B0502040204020203" pitchFamily="34" charset="0"/>
+                      </a:endParaRPr>
                     </a:p>
                   </a:txBody>
                   <a:tcPr/>
@@ -7640,13 +7435,16 @@
                             <a:schemeClr val="dk1"/>
                           </a:solidFill>
                           <a:effectLst/>
-                          <a:latin typeface="+mn-lt"/>
+                          <a:latin typeface="Segoe UI" panose="020B0502040204020203" pitchFamily="34" charset="0"/>
                           <a:ea typeface="+mn-ea"/>
-                          <a:cs typeface="+mn-cs"/>
+                          <a:cs typeface="Segoe UI" panose="020B0502040204020203" pitchFamily="34" charset="0"/>
                         </a:rPr>
                         <a:t>Plotty </a:t>
                       </a:r>
-                      <a:endParaRPr lang="en-RU" dirty="0"/>
+                      <a:endParaRPr lang="en-RU" dirty="0">
+                        <a:latin typeface="Segoe UI" panose="020B0502040204020203" pitchFamily="34" charset="0"/>
+                        <a:cs typeface="Segoe UI" panose="020B0502040204020203" pitchFamily="34" charset="0"/>
+                      </a:endParaRPr>
                     </a:p>
                   </a:txBody>
                   <a:tcPr/>
@@ -7657,10 +7455,16 @@
                     <a:lstStyle/>
                     <a:p>
                       <a:r>
-                        <a:rPr lang="ru-RU" dirty="0"/>
+                        <a:rPr lang="ru-RU" b="1" dirty="0">
+                          <a:latin typeface="Segoe UI" panose="020B0502040204020203" pitchFamily="34" charset="0"/>
+                          <a:cs typeface="Segoe UI" panose="020B0502040204020203" pitchFamily="34" charset="0"/>
+                        </a:rPr>
                         <a:t>Только индикаторы</a:t>
                       </a:r>
-                      <a:endParaRPr lang="en-RU" dirty="0"/>
+                      <a:endParaRPr lang="en-RU" b="1" dirty="0">
+                        <a:latin typeface="Segoe UI" panose="020B0502040204020203" pitchFamily="34" charset="0"/>
+                        <a:cs typeface="Segoe UI" panose="020B0502040204020203" pitchFamily="34" charset="0"/>
+                      </a:endParaRPr>
                     </a:p>
                   </a:txBody>
                   <a:tcPr/>
@@ -7676,9 +7480,9 @@
                             <a:schemeClr val="dk1"/>
                           </a:solidFill>
                           <a:effectLst/>
-                          <a:latin typeface="+mn-lt"/>
+                          <a:latin typeface="Segoe UI" panose="020B0502040204020203" pitchFamily="34" charset="0"/>
                           <a:ea typeface="+mn-ea"/>
-                          <a:cs typeface="+mn-cs"/>
+                          <a:cs typeface="Segoe UI" panose="020B0502040204020203" pitchFamily="34" charset="0"/>
                         </a:rPr>
                         <a:t>Python</a:t>
                       </a:r>
@@ -7688,9 +7492,9 @@
                             <a:schemeClr val="dk1"/>
                           </a:solidFill>
                           <a:effectLst/>
-                          <a:latin typeface="+mn-lt"/>
+                          <a:latin typeface="Segoe UI" panose="020B0502040204020203" pitchFamily="34" charset="0"/>
                           <a:ea typeface="+mn-ea"/>
-                          <a:cs typeface="+mn-cs"/>
+                          <a:cs typeface="Segoe UI" panose="020B0502040204020203" pitchFamily="34" charset="0"/>
                         </a:rPr>
                         <a:t>, </a:t>
                       </a:r>
@@ -7700,9 +7504,9 @@
                             <a:schemeClr val="dk1"/>
                           </a:solidFill>
                           <a:effectLst/>
-                          <a:latin typeface="+mn-lt"/>
+                          <a:latin typeface="Segoe UI" panose="020B0502040204020203" pitchFamily="34" charset="0"/>
                           <a:ea typeface="+mn-ea"/>
-                          <a:cs typeface="+mn-cs"/>
+                          <a:cs typeface="Segoe UI" panose="020B0502040204020203" pitchFamily="34" charset="0"/>
                         </a:rPr>
                         <a:t>R</a:t>
                       </a:r>
@@ -7712,9 +7516,9 @@
                             <a:schemeClr val="dk1"/>
                           </a:solidFill>
                           <a:effectLst/>
-                          <a:latin typeface="+mn-lt"/>
+                          <a:latin typeface="Segoe UI" panose="020B0502040204020203" pitchFamily="34" charset="0"/>
                           <a:ea typeface="+mn-ea"/>
-                          <a:cs typeface="+mn-cs"/>
+                          <a:cs typeface="Segoe UI" panose="020B0502040204020203" pitchFamily="34" charset="0"/>
                         </a:rPr>
                         <a:t>, </a:t>
                       </a:r>
@@ -7724,19 +7528,24 @@
                             <a:schemeClr val="dk1"/>
                           </a:solidFill>
                           <a:effectLst/>
-                          <a:latin typeface="+mn-lt"/>
+                          <a:latin typeface="Segoe UI" panose="020B0502040204020203" pitchFamily="34" charset="0"/>
                           <a:ea typeface="+mn-ea"/>
-                          <a:cs typeface="+mn-cs"/>
+                          <a:cs typeface="Segoe UI" panose="020B0502040204020203" pitchFamily="34" charset="0"/>
                         </a:rPr>
                         <a:t>JavaScript</a:t>
                       </a:r>
                       <a:r>
                         <a:rPr lang="en-RU" dirty="0">
                           <a:effectLst/>
+                          <a:latin typeface="Segoe UI" panose="020B0502040204020203" pitchFamily="34" charset="0"/>
+                          <a:cs typeface="Segoe UI" panose="020B0502040204020203" pitchFamily="34" charset="0"/>
                         </a:rPr>
                         <a:t> </a:t>
                       </a:r>
-                      <a:endParaRPr lang="en-RU" dirty="0"/>
+                      <a:endParaRPr lang="en-RU" dirty="0">
+                        <a:latin typeface="Segoe UI" panose="020B0502040204020203" pitchFamily="34" charset="0"/>
+                        <a:cs typeface="Segoe UI" panose="020B0502040204020203" pitchFamily="34" charset="0"/>
+                      </a:endParaRPr>
                     </a:p>
                   </a:txBody>
                   <a:tcPr/>
@@ -7747,10 +7556,16 @@
                     <a:lstStyle/>
                     <a:p>
                       <a:r>
-                        <a:rPr lang="ru-RU" dirty="0"/>
+                        <a:rPr lang="ru-RU" dirty="0">
+                          <a:latin typeface="Segoe UI" panose="020B0502040204020203" pitchFamily="34" charset="0"/>
+                          <a:cs typeface="Segoe UI" panose="020B0502040204020203" pitchFamily="34" charset="0"/>
+                        </a:rPr>
                         <a:t>Есть</a:t>
                       </a:r>
-                      <a:endParaRPr lang="en-RU" dirty="0"/>
+                      <a:endParaRPr lang="en-RU" dirty="0">
+                        <a:latin typeface="Segoe UI" panose="020B0502040204020203" pitchFamily="34" charset="0"/>
+                        <a:cs typeface="Segoe UI" panose="020B0502040204020203" pitchFamily="34" charset="0"/>
+                      </a:endParaRPr>
                     </a:p>
                   </a:txBody>
                   <a:tcPr/>
@@ -7761,10 +7576,16 @@
                     <a:lstStyle/>
                     <a:p>
                       <a:r>
-                        <a:rPr lang="en-US" dirty="0"/>
+                        <a:rPr lang="en-US" dirty="0">
+                          <a:latin typeface="Segoe UI" panose="020B0502040204020203" pitchFamily="34" charset="0"/>
+                          <a:cs typeface="Segoe UI" panose="020B0502040204020203" pitchFamily="34" charset="0"/>
+                        </a:rPr>
                         <a:t>MIT</a:t>
                       </a:r>
-                      <a:endParaRPr lang="en-RU" dirty="0"/>
+                      <a:endParaRPr lang="en-RU" dirty="0">
+                        <a:latin typeface="Segoe UI" panose="020B0502040204020203" pitchFamily="34" charset="0"/>
+                        <a:cs typeface="Segoe UI" panose="020B0502040204020203" pitchFamily="34" charset="0"/>
+                      </a:endParaRPr>
                     </a:p>
                   </a:txBody>
                   <a:tcPr/>
@@ -7787,13 +7608,16 @@
                             <a:schemeClr val="dk1"/>
                           </a:solidFill>
                           <a:effectLst/>
-                          <a:latin typeface="+mn-lt"/>
+                          <a:latin typeface="Segoe UI" panose="020B0502040204020203" pitchFamily="34" charset="0"/>
                           <a:ea typeface="+mn-ea"/>
-                          <a:cs typeface="+mn-cs"/>
+                          <a:cs typeface="Segoe UI" panose="020B0502040204020203" pitchFamily="34" charset="0"/>
                         </a:rPr>
                         <a:t>Go-chart </a:t>
                       </a:r>
-                      <a:endParaRPr lang="en-RU" dirty="0"/>
+                      <a:endParaRPr lang="en-RU" dirty="0">
+                        <a:latin typeface="Segoe UI" panose="020B0502040204020203" pitchFamily="34" charset="0"/>
+                        <a:cs typeface="Segoe UI" panose="020B0502040204020203" pitchFamily="34" charset="0"/>
+                      </a:endParaRPr>
                     </a:p>
                   </a:txBody>
                   <a:tcPr/>
@@ -7804,10 +7628,16 @@
                     <a:lstStyle/>
                     <a:p>
                       <a:r>
-                        <a:rPr lang="ru-RU" dirty="0"/>
+                        <a:rPr lang="ru-RU" b="1" dirty="0">
+                          <a:latin typeface="Segoe UI" panose="020B0502040204020203" pitchFamily="34" charset="0"/>
+                          <a:cs typeface="Segoe UI" panose="020B0502040204020203" pitchFamily="34" charset="0"/>
+                        </a:rPr>
                         <a:t>Только индикаторы</a:t>
                       </a:r>
-                      <a:endParaRPr lang="en-RU" dirty="0"/>
+                      <a:endParaRPr lang="en-RU" b="1" dirty="0">
+                        <a:latin typeface="Segoe UI" panose="020B0502040204020203" pitchFamily="34" charset="0"/>
+                        <a:cs typeface="Segoe UI" panose="020B0502040204020203" pitchFamily="34" charset="0"/>
+                      </a:endParaRPr>
                     </a:p>
                   </a:txBody>
                   <a:tcPr/>
@@ -7818,7 +7648,10 @@
                     <a:lstStyle/>
                     <a:p>
                       <a:r>
-                        <a:rPr lang="en-RU" dirty="0"/>
+                        <a:rPr lang="en-RU" dirty="0">
+                          <a:latin typeface="Segoe UI" panose="020B0502040204020203" pitchFamily="34" charset="0"/>
+                          <a:cs typeface="Segoe UI" panose="020B0502040204020203" pitchFamily="34" charset="0"/>
+                        </a:rPr>
                         <a:t>Go</a:t>
                       </a:r>
                     </a:p>
@@ -7831,10 +7664,16 @@
                     <a:lstStyle/>
                     <a:p>
                       <a:r>
-                        <a:rPr lang="ru-RU" dirty="0"/>
+                        <a:rPr lang="ru-RU" b="1" dirty="0">
+                          <a:latin typeface="Segoe UI" panose="020B0502040204020203" pitchFamily="34" charset="0"/>
+                          <a:cs typeface="Segoe UI" panose="020B0502040204020203" pitchFamily="34" charset="0"/>
+                        </a:rPr>
                         <a:t>Нет</a:t>
                       </a:r>
-                      <a:endParaRPr lang="en-RU" dirty="0"/>
+                      <a:endParaRPr lang="en-RU" b="1" dirty="0">
+                        <a:latin typeface="Segoe UI" panose="020B0502040204020203" pitchFamily="34" charset="0"/>
+                        <a:cs typeface="Segoe UI" panose="020B0502040204020203" pitchFamily="34" charset="0"/>
+                      </a:endParaRPr>
                     </a:p>
                   </a:txBody>
                   <a:tcPr/>
@@ -7845,10 +7684,16 @@
                     <a:lstStyle/>
                     <a:p>
                       <a:r>
-                        <a:rPr lang="en-US" dirty="0"/>
+                        <a:rPr lang="en-US" dirty="0">
+                          <a:latin typeface="Segoe UI" panose="020B0502040204020203" pitchFamily="34" charset="0"/>
+                          <a:cs typeface="Segoe UI" panose="020B0502040204020203" pitchFamily="34" charset="0"/>
+                        </a:rPr>
                         <a:t>MIT</a:t>
                       </a:r>
-                      <a:endParaRPr lang="en-RU" dirty="0"/>
+                      <a:endParaRPr lang="en-RU" dirty="0">
+                        <a:latin typeface="Segoe UI" panose="020B0502040204020203" pitchFamily="34" charset="0"/>
+                        <a:cs typeface="Segoe UI" panose="020B0502040204020203" pitchFamily="34" charset="0"/>
+                      </a:endParaRPr>
                     </a:p>
                   </a:txBody>
                   <a:tcPr/>
@@ -7871,9 +7716,9 @@
                             <a:schemeClr val="dk1"/>
                           </a:solidFill>
                           <a:effectLst/>
-                          <a:latin typeface="+mn-lt"/>
+                          <a:latin typeface="Segoe UI" panose="020B0502040204020203" pitchFamily="34" charset="0"/>
                           <a:ea typeface="+mn-ea"/>
-                          <a:cs typeface="+mn-cs"/>
+                          <a:cs typeface="Segoe UI" panose="020B0502040204020203" pitchFamily="34" charset="0"/>
                         </a:rPr>
                         <a:t>TA</a:t>
                       </a:r>
@@ -7883,9 +7728,9 @@
                             <a:schemeClr val="dk1"/>
                           </a:solidFill>
                           <a:effectLst/>
-                          <a:latin typeface="+mn-lt"/>
+                          <a:latin typeface="Segoe UI" panose="020B0502040204020203" pitchFamily="34" charset="0"/>
                           <a:ea typeface="+mn-ea"/>
-                          <a:cs typeface="+mn-cs"/>
+                          <a:cs typeface="Segoe UI" panose="020B0502040204020203" pitchFamily="34" charset="0"/>
                         </a:rPr>
                         <a:t>-</a:t>
                       </a:r>
@@ -7895,13 +7740,16 @@
                             <a:schemeClr val="dk1"/>
                           </a:solidFill>
                           <a:effectLst/>
-                          <a:latin typeface="+mn-lt"/>
+                          <a:latin typeface="Segoe UI" panose="020B0502040204020203" pitchFamily="34" charset="0"/>
                           <a:ea typeface="+mn-ea"/>
-                          <a:cs typeface="+mn-cs"/>
+                          <a:cs typeface="Segoe UI" panose="020B0502040204020203" pitchFamily="34" charset="0"/>
                         </a:rPr>
                         <a:t>Lib </a:t>
                       </a:r>
-                      <a:endParaRPr lang="en-RU" dirty="0"/>
+                      <a:endParaRPr lang="en-RU" dirty="0">
+                        <a:latin typeface="Segoe UI" panose="020B0502040204020203" pitchFamily="34" charset="0"/>
+                        <a:cs typeface="Segoe UI" panose="020B0502040204020203" pitchFamily="34" charset="0"/>
+                      </a:endParaRPr>
                     </a:p>
                   </a:txBody>
                   <a:tcPr/>
@@ -7912,10 +7760,16 @@
                     <a:lstStyle/>
                     <a:p>
                       <a:r>
-                        <a:rPr lang="ru-RU" dirty="0"/>
+                        <a:rPr lang="ru-RU" b="1" dirty="0">
+                          <a:latin typeface="Segoe UI" panose="020B0502040204020203" pitchFamily="34" charset="0"/>
+                          <a:cs typeface="Segoe UI" panose="020B0502040204020203" pitchFamily="34" charset="0"/>
+                        </a:rPr>
                         <a:t>Только индикаторы без визуализации</a:t>
                       </a:r>
-                      <a:endParaRPr lang="en-RU" dirty="0"/>
+                      <a:endParaRPr lang="en-RU" b="1" dirty="0">
+                        <a:latin typeface="Segoe UI" panose="020B0502040204020203" pitchFamily="34" charset="0"/>
+                        <a:cs typeface="Segoe UI" panose="020B0502040204020203" pitchFamily="34" charset="0"/>
+                      </a:endParaRPr>
                     </a:p>
                   </a:txBody>
                   <a:tcPr/>
@@ -7926,7 +7780,10 @@
                     <a:lstStyle/>
                     <a:p>
                       <a:r>
-                        <a:rPr lang="en-RU" dirty="0"/>
+                        <a:rPr lang="en-RU" dirty="0">
+                          <a:latin typeface="Segoe UI" panose="020B0502040204020203" pitchFamily="34" charset="0"/>
+                          <a:cs typeface="Segoe UI" panose="020B0502040204020203" pitchFamily="34" charset="0"/>
+                        </a:rPr>
                         <a:t>C++, Python</a:t>
                       </a:r>
                     </a:p>
@@ -7939,10 +7796,16 @@
                     <a:lstStyle/>
                     <a:p>
                       <a:r>
-                        <a:rPr lang="ru-RU" dirty="0"/>
+                        <a:rPr lang="ru-RU" dirty="0">
+                          <a:latin typeface="Segoe UI" panose="020B0502040204020203" pitchFamily="34" charset="0"/>
+                          <a:cs typeface="Segoe UI" panose="020B0502040204020203" pitchFamily="34" charset="0"/>
+                        </a:rPr>
                         <a:t>Есть</a:t>
                       </a:r>
-                      <a:endParaRPr lang="en-RU" dirty="0"/>
+                      <a:endParaRPr lang="en-RU" dirty="0">
+                        <a:latin typeface="Segoe UI" panose="020B0502040204020203" pitchFamily="34" charset="0"/>
+                        <a:cs typeface="Segoe UI" panose="020B0502040204020203" pitchFamily="34" charset="0"/>
+                      </a:endParaRPr>
                     </a:p>
                   </a:txBody>
                   <a:tcPr/>
@@ -7958,19 +7821,24 @@
                             <a:schemeClr val="dk1"/>
                           </a:solidFill>
                           <a:effectLst/>
-                          <a:latin typeface="+mn-lt"/>
+                          <a:latin typeface="Segoe UI" panose="020B0502040204020203" pitchFamily="34" charset="0"/>
                           <a:ea typeface="+mn-ea"/>
-                          <a:cs typeface="+mn-cs"/>
+                          <a:cs typeface="Segoe UI" panose="020B0502040204020203" pitchFamily="34" charset="0"/>
                         </a:rPr>
                         <a:t>BSD</a:t>
                       </a:r>
                       <a:r>
                         <a:rPr lang="en-RU" dirty="0">
                           <a:effectLst/>
+                          <a:latin typeface="Segoe UI" panose="020B0502040204020203" pitchFamily="34" charset="0"/>
+                          <a:cs typeface="Segoe UI" panose="020B0502040204020203" pitchFamily="34" charset="0"/>
                         </a:rPr>
                         <a:t> </a:t>
                       </a:r>
-                      <a:endParaRPr lang="en-RU" dirty="0"/>
+                      <a:endParaRPr lang="en-RU" dirty="0">
+                        <a:latin typeface="Segoe UI" panose="020B0502040204020203" pitchFamily="34" charset="0"/>
+                        <a:cs typeface="Segoe UI" panose="020B0502040204020203" pitchFamily="34" charset="0"/>
+                      </a:endParaRPr>
                     </a:p>
                   </a:txBody>
                   <a:tcPr/>
@@ -8136,22 +8004,37 @@
           <a:p>
             <a:pPr algn="ctr"/>
             <a:r>
-              <a:rPr lang="ru-RU" sz="2400" dirty="0"/>
+              <a:rPr lang="ru-RU" sz="2800" dirty="0">
+                <a:latin typeface="Segoe UI" panose="020B0502040204020203" pitchFamily="34" charset="0"/>
+                <a:cs typeface="Segoe UI" panose="020B0502040204020203" pitchFamily="34" charset="0"/>
+              </a:rPr>
               <a:t>Библиотека </a:t>
             </a:r>
             <a:r>
-              <a:rPr lang="en-GB" sz="2400" b="1" dirty="0"/>
+              <a:rPr lang="en-GB" sz="2800" dirty="0">
+                <a:latin typeface="Segoe UI" panose="020B0502040204020203" pitchFamily="34" charset="0"/>
+                <a:cs typeface="Segoe UI" panose="020B0502040204020203" pitchFamily="34" charset="0"/>
+              </a:rPr>
               <a:t>interactive-</a:t>
             </a:r>
             <a:r>
-              <a:rPr lang="en-GB" sz="2400" b="1" dirty="0" err="1"/>
+              <a:rPr lang="en-GB" sz="2800" dirty="0" err="1">
+                <a:latin typeface="Segoe UI" panose="020B0502040204020203" pitchFamily="34" charset="0"/>
+                <a:cs typeface="Segoe UI" panose="020B0502040204020203" pitchFamily="34" charset="0"/>
+              </a:rPr>
               <a:t>lw</a:t>
             </a:r>
             <a:r>
-              <a:rPr lang="en-GB" sz="2400" b="1" dirty="0"/>
+              <a:rPr lang="en-GB" sz="2800" dirty="0">
+                <a:latin typeface="Segoe UI" panose="020B0502040204020203" pitchFamily="34" charset="0"/>
+                <a:cs typeface="Segoe UI" panose="020B0502040204020203" pitchFamily="34" charset="0"/>
+              </a:rPr>
               <a:t>-charts-tools</a:t>
             </a:r>
-            <a:endParaRPr lang="ru-RU" sz="2400" b="1" dirty="0"/>
+            <a:endParaRPr lang="ru-RU" sz="2800" dirty="0">
+              <a:latin typeface="Segoe UI" panose="020B0502040204020203" pitchFamily="34" charset="0"/>
+              <a:cs typeface="Segoe UI" panose="020B0502040204020203" pitchFamily="34" charset="0"/>
+            </a:endParaRPr>
           </a:p>
         </p:txBody>
       </p:sp>
@@ -8276,7 +8159,10 @@
           <a:p>
             <a:pPr algn="ctr"/>
             <a:r>
-              <a:rPr lang="ru-RU" sz="2400" b="1" dirty="0"/>
+              <a:rPr lang="ru-RU" sz="2800" dirty="0">
+                <a:latin typeface="Segoe UI" panose="020B0502040204020203" pitchFamily="34" charset="0"/>
+                <a:cs typeface="Segoe UI" panose="020B0502040204020203" pitchFamily="34" charset="0"/>
+              </a:rPr>
               <a:t>Архитектура</a:t>
             </a:r>
           </a:p>
@@ -8574,7 +8460,10 @@
           <a:p>
             <a:pPr algn="ctr"/>
             <a:r>
-              <a:rPr lang="ru-RU" sz="2400" dirty="0"/>
+              <a:rPr lang="ru-RU" sz="2800" dirty="0">
+                <a:latin typeface="Segoe UI" panose="020B0502040204020203" pitchFamily="34" charset="0"/>
+                <a:cs typeface="Segoe UI" panose="020B0502040204020203" pitchFamily="34" charset="0"/>
+              </a:rPr>
               <a:t>Инструмент рисования как конечный автомат</a:t>
             </a:r>
           </a:p>
@@ -8641,7 +8530,7 @@
         </p:spPr>
         <p:txBody>
           <a:bodyPr vert="horz" lIns="68580" tIns="34290" rIns="68580" bIns="34290" rtlCol="0">
-            <a:normAutofit lnSpcReduction="10000"/>
+            <a:normAutofit fontScale="92500" lnSpcReduction="10000"/>
           </a:bodyPr>
           <a:lstStyle>
             <a:lvl1pPr marL="228600" indent="-228600" algn="l" defTabSz="914400" rtl="0" eaLnBrk="1" latinLnBrk="0" hangingPunct="1">
@@ -8810,52 +8699,79 @@
           <a:p>
             <a:pPr lvl="0"/>
             <a:r>
-              <a:rPr lang="en-US" dirty="0"/>
+              <a:rPr lang="en-US" dirty="0">
+                <a:latin typeface="Segoe UI" panose="020B0502040204020203" pitchFamily="34" charset="0"/>
+                <a:cs typeface="Segoe UI" panose="020B0502040204020203" pitchFamily="34" charset="0"/>
+              </a:rPr>
               <a:t>IDLE – </a:t>
             </a:r>
             <a:r>
-              <a:rPr lang="en-US" dirty="0" err="1"/>
+              <a:rPr lang="en-US" dirty="0" err="1">
+                <a:latin typeface="Segoe UI" panose="020B0502040204020203" pitchFamily="34" charset="0"/>
+                <a:cs typeface="Segoe UI" panose="020B0502040204020203" pitchFamily="34" charset="0"/>
+              </a:rPr>
               <a:t>неактивное</a:t>
             </a:r>
             <a:r>
-              <a:rPr lang="en-US" dirty="0"/>
+              <a:rPr lang="en-US" dirty="0">
+                <a:latin typeface="Segoe UI" panose="020B0502040204020203" pitchFamily="34" charset="0"/>
+                <a:cs typeface="Segoe UI" panose="020B0502040204020203" pitchFamily="34" charset="0"/>
+              </a:rPr>
               <a:t> </a:t>
             </a:r>
             <a:r>
-              <a:rPr lang="en-US" dirty="0" err="1"/>
+              <a:rPr lang="en-US" dirty="0" err="1">
+                <a:latin typeface="Segoe UI" panose="020B0502040204020203" pitchFamily="34" charset="0"/>
+                <a:cs typeface="Segoe UI" panose="020B0502040204020203" pitchFamily="34" charset="0"/>
+              </a:rPr>
               <a:t>состояние</a:t>
             </a:r>
-            <a:endParaRPr lang="en-RU" dirty="0"/>
+            <a:endParaRPr lang="en-RU" dirty="0">
+              <a:latin typeface="Segoe UI" panose="020B0502040204020203" pitchFamily="34" charset="0"/>
+              <a:cs typeface="Segoe UI" panose="020B0502040204020203" pitchFamily="34" charset="0"/>
+            </a:endParaRPr>
           </a:p>
           <a:p>
             <a:pPr lvl="0"/>
             <a:r>
-              <a:rPr lang="en-US" dirty="0"/>
+              <a:rPr lang="en-US" dirty="0">
+                <a:latin typeface="Segoe UI" panose="020B0502040204020203" pitchFamily="34" charset="0"/>
+                <a:cs typeface="Segoe UI" panose="020B0502040204020203" pitchFamily="34" charset="0"/>
+              </a:rPr>
               <a:t>ADD</a:t>
             </a:r>
             <a:r>
-              <a:rPr lang="ru-RU" dirty="0"/>
+              <a:rPr lang="ru-RU" dirty="0">
+                <a:latin typeface="Segoe UI" panose="020B0502040204020203" pitchFamily="34" charset="0"/>
+                <a:cs typeface="Segoe UI" panose="020B0502040204020203" pitchFamily="34" charset="0"/>
+              </a:rPr>
               <a:t> – добавление нового геометрического примитива</a:t>
             </a:r>
-            <a:endParaRPr lang="en-RU" dirty="0"/>
+            <a:endParaRPr lang="en-RU" dirty="0">
+              <a:latin typeface="Segoe UI" panose="020B0502040204020203" pitchFamily="34" charset="0"/>
+              <a:cs typeface="Segoe UI" panose="020B0502040204020203" pitchFamily="34" charset="0"/>
+            </a:endParaRPr>
           </a:p>
           <a:p>
             <a:pPr lvl="0"/>
             <a:r>
-              <a:rPr lang="en-US" dirty="0"/>
+              <a:rPr lang="en-US" dirty="0">
+                <a:latin typeface="Segoe UI" panose="020B0502040204020203" pitchFamily="34" charset="0"/>
+                <a:cs typeface="Segoe UI" panose="020B0502040204020203" pitchFamily="34" charset="0"/>
+              </a:rPr>
               <a:t>MOVE</a:t>
             </a:r>
             <a:r>
-              <a:rPr lang="ru-RU" dirty="0"/>
+              <a:rPr lang="ru-RU" dirty="0">
+                <a:latin typeface="Segoe UI" panose="020B0502040204020203" pitchFamily="34" charset="0"/>
+                <a:cs typeface="Segoe UI" panose="020B0502040204020203" pitchFamily="34" charset="0"/>
+              </a:rPr>
               <a:t> – перемещение на графике одного из существующих геометрических примитивов, относящихся к данному инструменту</a:t>
             </a:r>
-            <a:endParaRPr lang="en-RU" dirty="0"/>
-          </a:p>
-          <a:p>
-            <a:pPr marL="0" indent="0" algn="just">
-              <a:buNone/>
-            </a:pPr>
-            <a:endParaRPr lang="ru-RU" sz="2250" dirty="0"/>
+            <a:endParaRPr lang="en-RU" dirty="0">
+              <a:latin typeface="Segoe UI" panose="020B0502040204020203" pitchFamily="34" charset="0"/>
+              <a:cs typeface="Segoe UI" panose="020B0502040204020203" pitchFamily="34" charset="0"/>
+            </a:endParaRPr>
           </a:p>
         </p:txBody>
       </p:sp>
@@ -8980,7 +8896,10 @@
           <a:p>
             <a:pPr algn="ctr"/>
             <a:r>
-              <a:rPr lang="ru-RU" sz="2400" dirty="0"/>
+              <a:rPr lang="ru-RU" sz="2800" dirty="0">
+                <a:latin typeface="Segoe UI" panose="020B0502040204020203" pitchFamily="34" charset="0"/>
+                <a:cs typeface="Segoe UI" panose="020B0502040204020203" pitchFamily="34" charset="0"/>
+              </a:rPr>
               <a:t>Функционал реализованный в инструментах рисования</a:t>
             </a:r>
           </a:p>
@@ -9180,38 +9099,72 @@
           <a:p>
             <a:pPr algn="just"/>
             <a:r>
-              <a:rPr lang="ru-RU" dirty="0"/>
+              <a:rPr lang="ru-RU" dirty="0">
+                <a:latin typeface="Segoe UI" panose="020B0502040204020203" pitchFamily="34" charset="0"/>
+                <a:cs typeface="Segoe UI" panose="020B0502040204020203" pitchFamily="34" charset="0"/>
+              </a:rPr>
               <a:t>Подготовка данных для визуализация</a:t>
             </a:r>
-            <a:endParaRPr lang="en-US" dirty="0"/>
+            <a:endParaRPr lang="en-US" dirty="0">
+              <a:latin typeface="Segoe UI" panose="020B0502040204020203" pitchFamily="34" charset="0"/>
+              <a:cs typeface="Segoe UI" panose="020B0502040204020203" pitchFamily="34" charset="0"/>
+            </a:endParaRPr>
           </a:p>
           <a:p>
             <a:pPr algn="just"/>
             <a:r>
-              <a:rPr lang="ru-RU" dirty="0"/>
-              <a:t>Визуализация на </a:t>
-            </a:r>
-            <a:r>
-              <a:rPr lang="en-US" b="1" i="1" dirty="0" err="1"/>
+              <a:rPr lang="ru-RU" dirty="0">
+                <a:latin typeface="Segoe UI" panose="020B0502040204020203" pitchFamily="34" charset="0"/>
+                <a:cs typeface="Segoe UI" panose="020B0502040204020203" pitchFamily="34" charset="0"/>
+              </a:rPr>
+              <a:t>Визуализация на</a:t>
+            </a:r>
+            <a:r>
+              <a:rPr lang="ru-RU" b="1" dirty="0">
+                <a:latin typeface="Segoe UI" panose="020B0502040204020203" pitchFamily="34" charset="0"/>
+                <a:cs typeface="Segoe UI" panose="020B0502040204020203" pitchFamily="34" charset="0"/>
+              </a:rPr>
+              <a:t> </a:t>
+            </a:r>
+            <a:r>
+              <a:rPr lang="en-US" i="1" dirty="0" err="1">
+                <a:latin typeface="Segoe UI" panose="020B0502040204020203" pitchFamily="34" charset="0"/>
+                <a:cs typeface="Segoe UI" panose="020B0502040204020203" pitchFamily="34" charset="0"/>
+              </a:rPr>
               <a:t>CanvasRenderingContext</a:t>
             </a:r>
             <a:r>
-              <a:rPr lang="ru-RU" b="1" i="1" dirty="0"/>
+              <a:rPr lang="ru-RU" i="1" dirty="0">
+                <a:latin typeface="Segoe UI" panose="020B0502040204020203" pitchFamily="34" charset="0"/>
+                <a:cs typeface="Segoe UI" panose="020B0502040204020203" pitchFamily="34" charset="0"/>
+              </a:rPr>
               <a:t>2</a:t>
             </a:r>
             <a:r>
-              <a:rPr lang="en-US" b="1" i="1" dirty="0"/>
+              <a:rPr lang="en-US" i="1" dirty="0">
+                <a:latin typeface="Segoe UI" panose="020B0502040204020203" pitchFamily="34" charset="0"/>
+                <a:cs typeface="Segoe UI" panose="020B0502040204020203" pitchFamily="34" charset="0"/>
+              </a:rPr>
               <a:t>D</a:t>
             </a:r>
-            <a:endParaRPr lang="ru-RU" b="1" i="1" dirty="0"/>
+            <a:endParaRPr lang="ru-RU" i="1" dirty="0">
+              <a:latin typeface="Segoe UI" panose="020B0502040204020203" pitchFamily="34" charset="0"/>
+              <a:cs typeface="Segoe UI" panose="020B0502040204020203" pitchFamily="34" charset="0"/>
+            </a:endParaRPr>
           </a:p>
           <a:p>
             <a:pPr algn="just"/>
             <a:r>
-              <a:rPr lang="ru-RU" dirty="0"/>
+              <a:rPr lang="ru-RU" dirty="0">
+                <a:latin typeface="Segoe UI" panose="020B0502040204020203" pitchFamily="34" charset="0"/>
+                <a:cs typeface="Segoe UI" panose="020B0502040204020203" pitchFamily="34" charset="0"/>
+              </a:rPr>
               <a:t>Проверка на коллизию всех геометрических примитивов с точкой координаты мыши на графике</a:t>
             </a:r>
-            <a:endParaRPr lang="en-US" dirty="0"/>
+            <a:endParaRPr lang="en-US" dirty="0">
+              <a:latin typeface="Segoe UI" panose="020B0502040204020203" pitchFamily="34" charset="0"/>
+              <a:cs typeface="Segoe UI" panose="020B0502040204020203" pitchFamily="34" charset="0"/>
+            </a:endParaRPr>
           </a:p>
         </p:txBody>
       </p:sp>
@@ -9264,7 +9217,7 @@
         <p:cNvPr id="1" name="">
           <a:extLst>
             <a:ext uri="{FF2B5EF4-FFF2-40B4-BE49-F238E27FC236}">
-              <a16:creationId xmlns:a16="http://schemas.microsoft.com/office/drawing/2014/main" id="{8D740296-C6ED-F67D-CA33-7DB0BB91F237}"/>
+              <a16:creationId xmlns:a16="http://schemas.microsoft.com/office/drawing/2014/main" id="{02A31213-0A19-1E21-0B30-E1CF82EF3CF9}"/>
             </a:ext>
           </a:extLst>
         </p:cNvPr>
@@ -9284,7 +9237,7 @@
           <p:cNvPr id="13" name="TextBox 12">
             <a:extLst>
               <a:ext uri="{FF2B5EF4-FFF2-40B4-BE49-F238E27FC236}">
-                <a16:creationId xmlns:a16="http://schemas.microsoft.com/office/drawing/2014/main" id="{6C9FE423-92BE-4645-E8C2-6CF4A7E5C687}"/>
+                <a16:creationId xmlns:a16="http://schemas.microsoft.com/office/drawing/2014/main" id="{AED85588-76E1-D810-A1DA-78A8333C8DD0}"/>
               </a:ext>
             </a:extLst>
           </p:cNvPr>
@@ -9293,8 +9246,8 @@
         </p:nvSpPr>
         <p:spPr>
           <a:xfrm>
-            <a:off x="879232" y="654139"/>
-            <a:ext cx="10474568" cy="658297"/>
+            <a:off x="1066800" y="271666"/>
+            <a:ext cx="10287000" cy="658297"/>
           </a:xfrm>
           <a:prstGeom prst="rect">
             <a:avLst/>
@@ -9328,280 +9281,457 @@
           <a:p>
             <a:pPr algn="ctr"/>
             <a:r>
-              <a:rPr lang="ru-RU" sz="2400" dirty="0"/>
-              <a:t>Вспомогательные классы библиотеки</a:t>
-            </a:r>
-          </a:p>
-        </p:txBody>
-      </p:sp>
-      <p:sp>
-        <p:nvSpPr>
-          <p:cNvPr id="6" name="Content Placeholder 2">
+              <a:rPr lang="ru-RU" sz="2800" dirty="0">
+                <a:latin typeface="Segoe UI" panose="020B0502040204020203" pitchFamily="34" charset="0"/>
+                <a:cs typeface="Segoe UI" panose="020B0502040204020203" pitchFamily="34" charset="0"/>
+              </a:rPr>
+              <a:t>Инструменты рисования в библиотеке</a:t>
+            </a:r>
+          </a:p>
+        </p:txBody>
+      </p:sp>
+      <p:sp>
+        <p:nvSpPr>
+          <p:cNvPr id="7" name="Slide Number Placeholder 6">
             <a:extLst>
               <a:ext uri="{FF2B5EF4-FFF2-40B4-BE49-F238E27FC236}">
-                <a16:creationId xmlns:a16="http://schemas.microsoft.com/office/drawing/2014/main" id="{E48D26E2-6AFD-899F-99FF-3A721924E490}"/>
+                <a16:creationId xmlns:a16="http://schemas.microsoft.com/office/drawing/2014/main" id="{BDF68D98-30F5-6C5C-E376-8BEF10CA6CCF}"/>
               </a:ext>
             </a:extLst>
           </p:cNvPr>
-          <p:cNvSpPr txBox="1">
-            <a:spLocks/>
-          </p:cNvSpPr>
+          <p:cNvSpPr>
+            <a:spLocks noGrp="1"/>
+          </p:cNvSpPr>
+          <p:nvPr>
+            <p:ph type="sldNum" sz="quarter" idx="12"/>
+          </p:nvPr>
+        </p:nvSpPr>
+        <p:spPr/>
+        <p:txBody>
+          <a:bodyPr/>
+          <a:lstStyle/>
+          <a:p>
+            <a:r>
+              <a:rPr lang="ru-RU" dirty="0">
+                <a:latin typeface="Segoe UI" panose="020B0502040204020203" pitchFamily="34" charset="0"/>
+                <a:cs typeface="Segoe UI" panose="020B0502040204020203" pitchFamily="34" charset="0"/>
+              </a:rPr>
+              <a:t>10</a:t>
+            </a:r>
+            <a:r>
+              <a:rPr lang="en-US" dirty="0">
+                <a:latin typeface="Segoe UI" panose="020B0502040204020203" pitchFamily="34" charset="0"/>
+                <a:cs typeface="Segoe UI" panose="020B0502040204020203" pitchFamily="34" charset="0"/>
+              </a:rPr>
+              <a:t> </a:t>
+            </a:r>
+            <a:r>
+              <a:rPr lang="ru-RU" dirty="0">
+                <a:latin typeface="Segoe UI" panose="020B0502040204020203" pitchFamily="34" charset="0"/>
+                <a:cs typeface="Segoe UI" panose="020B0502040204020203" pitchFamily="34" charset="0"/>
+              </a:rPr>
+              <a:t>из 14</a:t>
+            </a:r>
+          </a:p>
+        </p:txBody>
+      </p:sp>
+      <p:sp>
+        <p:nvSpPr>
+          <p:cNvPr id="3" name="TextBox 2">
+            <a:extLst>
+              <a:ext uri="{FF2B5EF4-FFF2-40B4-BE49-F238E27FC236}">
+                <a16:creationId xmlns:a16="http://schemas.microsoft.com/office/drawing/2014/main" id="{44B2A1D0-6DAA-C347-B6D8-941BB2847F68}"/>
+              </a:ext>
+            </a:extLst>
+          </p:cNvPr>
+          <p:cNvSpPr txBox="1"/>
           <p:nvPr/>
         </p:nvSpPr>
         <p:spPr>
           <a:xfrm>
-            <a:off x="879232" y="1957754"/>
-            <a:ext cx="10474567" cy="1807422"/>
+            <a:off x="4947875" y="3389266"/>
+            <a:ext cx="2296249" cy="430887"/>
+          </a:xfrm>
+          <a:prstGeom prst="rect">
+            <a:avLst/>
+          </a:prstGeom>
+          <a:noFill/>
+        </p:spPr>
+        <p:txBody>
+          <a:bodyPr wrap="square" rtlCol="0">
+            <a:spAutoFit/>
+          </a:bodyPr>
+          <a:lstStyle/>
+          <a:p>
+            <a:pPr algn="ctr"/>
+            <a:r>
+              <a:rPr lang="ru-RU" sz="2200" dirty="0">
+                <a:latin typeface="Segoe UI" panose="020B0502040204020203" pitchFamily="34" charset="0"/>
+                <a:cs typeface="Segoe UI" panose="020B0502040204020203" pitchFamily="34" charset="0"/>
+              </a:rPr>
+              <a:t>Прямоугольник</a:t>
+            </a:r>
+            <a:endParaRPr lang="en-RU" sz="2200" dirty="0">
+              <a:latin typeface="Segoe UI" panose="020B0502040204020203" pitchFamily="34" charset="0"/>
+              <a:cs typeface="Segoe UI" panose="020B0502040204020203" pitchFamily="34" charset="0"/>
+            </a:endParaRPr>
+          </a:p>
+        </p:txBody>
+      </p:sp>
+      <p:sp>
+        <p:nvSpPr>
+          <p:cNvPr id="5" name="TextBox 4">
+            <a:extLst>
+              <a:ext uri="{FF2B5EF4-FFF2-40B4-BE49-F238E27FC236}">
+                <a16:creationId xmlns:a16="http://schemas.microsoft.com/office/drawing/2014/main" id="{519AA535-18C7-35D1-0FD8-03F7DA7F3C2D}"/>
+              </a:ext>
+            </a:extLst>
+          </p:cNvPr>
+          <p:cNvSpPr txBox="1"/>
+          <p:nvPr/>
+        </p:nvSpPr>
+        <p:spPr>
+          <a:xfrm>
+            <a:off x="8036851" y="3312610"/>
+            <a:ext cx="2296248" cy="430887"/>
+          </a:xfrm>
+          <a:prstGeom prst="rect">
+            <a:avLst/>
+          </a:prstGeom>
+          <a:noFill/>
+        </p:spPr>
+        <p:txBody>
+          <a:bodyPr wrap="square" rtlCol="0">
+            <a:spAutoFit/>
+          </a:bodyPr>
+          <a:lstStyle/>
+          <a:p>
+            <a:pPr algn="ctr"/>
+            <a:r>
+              <a:rPr lang="ru-RU" sz="2200" dirty="0">
+                <a:latin typeface="Segoe UI" panose="020B0502040204020203" pitchFamily="34" charset="0"/>
+                <a:cs typeface="Segoe UI" panose="020B0502040204020203" pitchFamily="34" charset="0"/>
+              </a:rPr>
+              <a:t>Треугольник</a:t>
+            </a:r>
+            <a:endParaRPr lang="en-RU" sz="2200" dirty="0">
+              <a:latin typeface="Segoe UI" panose="020B0502040204020203" pitchFamily="34" charset="0"/>
+              <a:cs typeface="Segoe UI" panose="020B0502040204020203" pitchFamily="34" charset="0"/>
+            </a:endParaRPr>
+          </a:p>
+        </p:txBody>
+      </p:sp>
+      <p:sp>
+        <p:nvSpPr>
+          <p:cNvPr id="8" name="TextBox 7">
+            <a:extLst>
+              <a:ext uri="{FF2B5EF4-FFF2-40B4-BE49-F238E27FC236}">
+                <a16:creationId xmlns:a16="http://schemas.microsoft.com/office/drawing/2014/main" id="{DB404271-9D9C-1639-30F3-0928B8068C67}"/>
+              </a:ext>
+            </a:extLst>
+          </p:cNvPr>
+          <p:cNvSpPr txBox="1"/>
+          <p:nvPr/>
+        </p:nvSpPr>
+        <p:spPr>
+          <a:xfrm>
+            <a:off x="5009857" y="5881919"/>
+            <a:ext cx="2296249" cy="430887"/>
+          </a:xfrm>
+          <a:prstGeom prst="rect">
+            <a:avLst/>
+          </a:prstGeom>
+          <a:noFill/>
+        </p:spPr>
+        <p:txBody>
+          <a:bodyPr wrap="square" rtlCol="0">
+            <a:spAutoFit/>
+          </a:bodyPr>
+          <a:lstStyle/>
+          <a:p>
+            <a:pPr algn="ctr"/>
+            <a:r>
+              <a:rPr lang="ru-RU" sz="2200" dirty="0">
+                <a:latin typeface="Segoe UI" panose="020B0502040204020203" pitchFamily="34" charset="0"/>
+                <a:cs typeface="Segoe UI" panose="020B0502040204020203" pitchFamily="34" charset="0"/>
+              </a:rPr>
+              <a:t>Кривая</a:t>
+            </a:r>
+            <a:endParaRPr lang="en-RU" sz="2200" dirty="0">
+              <a:latin typeface="Segoe UI" panose="020B0502040204020203" pitchFamily="34" charset="0"/>
+              <a:cs typeface="Segoe UI" panose="020B0502040204020203" pitchFamily="34" charset="0"/>
+            </a:endParaRPr>
+          </a:p>
+        </p:txBody>
+      </p:sp>
+      <p:sp>
+        <p:nvSpPr>
+          <p:cNvPr id="15" name="TextBox 14">
+            <a:extLst>
+              <a:ext uri="{FF2B5EF4-FFF2-40B4-BE49-F238E27FC236}">
+                <a16:creationId xmlns:a16="http://schemas.microsoft.com/office/drawing/2014/main" id="{190E9B06-471A-7292-80FB-7725040421AA}"/>
+              </a:ext>
+            </a:extLst>
+          </p:cNvPr>
+          <p:cNvSpPr txBox="1"/>
+          <p:nvPr/>
+        </p:nvSpPr>
+        <p:spPr>
+          <a:xfrm>
+            <a:off x="8036850" y="5810184"/>
+            <a:ext cx="2296249" cy="430887"/>
+          </a:xfrm>
+          <a:prstGeom prst="rect">
+            <a:avLst/>
+          </a:prstGeom>
+          <a:noFill/>
+        </p:spPr>
+        <p:txBody>
+          <a:bodyPr wrap="square" rtlCol="0">
+            <a:spAutoFit/>
+          </a:bodyPr>
+          <a:lstStyle/>
+          <a:p>
+            <a:pPr algn="ctr"/>
+            <a:r>
+              <a:rPr lang="ru-RU" sz="2200" dirty="0">
+                <a:latin typeface="Segoe UI" panose="020B0502040204020203" pitchFamily="34" charset="0"/>
+                <a:cs typeface="Segoe UI" panose="020B0502040204020203" pitchFamily="34" charset="0"/>
+              </a:rPr>
+              <a:t>Ломаная</a:t>
+            </a:r>
+            <a:endParaRPr lang="en-RU" sz="2200" dirty="0">
+              <a:latin typeface="Segoe UI" panose="020B0502040204020203" pitchFamily="34" charset="0"/>
+              <a:cs typeface="Segoe UI" panose="020B0502040204020203" pitchFamily="34" charset="0"/>
+            </a:endParaRPr>
+          </a:p>
+        </p:txBody>
+      </p:sp>
+      <p:pic>
+        <p:nvPicPr>
+          <p:cNvPr id="9" name="Picture 8">
+            <a:extLst>
+              <a:ext uri="{FF2B5EF4-FFF2-40B4-BE49-F238E27FC236}">
+                <a16:creationId xmlns:a16="http://schemas.microsoft.com/office/drawing/2014/main" id="{0E1F758F-4072-D1DD-731A-4C16F5DDECFC}"/>
+              </a:ext>
+            </a:extLst>
+          </p:cNvPr>
+          <p:cNvPicPr>
+            <a:picLocks noChangeAspect="1"/>
+          </p:cNvPicPr>
+          <p:nvPr/>
+        </p:nvPicPr>
+        <p:blipFill>
+          <a:blip r:embed="rId3"/>
+          <a:stretch>
+            <a:fillRect/>
+          </a:stretch>
+        </p:blipFill>
+        <p:spPr>
+          <a:xfrm>
+            <a:off x="4947875" y="1298936"/>
+            <a:ext cx="2296249" cy="2038910"/>
           </a:xfrm>
           <a:prstGeom prst="rect">
             <a:avLst/>
           </a:prstGeom>
         </p:spPr>
-        <p:txBody>
-          <a:bodyPr vert="horz" lIns="68580" tIns="34290" rIns="68580" bIns="34290" rtlCol="0">
-            <a:normAutofit/>
-          </a:bodyPr>
-          <a:lstStyle>
-            <a:lvl1pPr marL="228600" indent="-228600" algn="l" defTabSz="914400" rtl="0" eaLnBrk="1" latinLnBrk="0" hangingPunct="1">
-              <a:lnSpc>
-                <a:spcPct val="90000"/>
-              </a:lnSpc>
-              <a:spcBef>
-                <a:spcPts val="1000"/>
-              </a:spcBef>
-              <a:buFont typeface="Arial" panose="020B0604020202020204" pitchFamily="34" charset="0"/>
-              <a:buChar char="•"/>
-              <a:defRPr sz="2800" kern="1200">
-                <a:solidFill>
-                  <a:schemeClr val="tx1"/>
-                </a:solidFill>
-                <a:latin typeface="+mn-lt"/>
-                <a:ea typeface="+mn-ea"/>
-                <a:cs typeface="+mn-cs"/>
-              </a:defRPr>
-            </a:lvl1pPr>
-            <a:lvl2pPr marL="685800" indent="-228600" algn="l" defTabSz="914400" rtl="0" eaLnBrk="1" latinLnBrk="0" hangingPunct="1">
-              <a:lnSpc>
-                <a:spcPct val="90000"/>
-              </a:lnSpc>
-              <a:spcBef>
-                <a:spcPts val="500"/>
-              </a:spcBef>
-              <a:buFont typeface="Arial" panose="020B0604020202020204" pitchFamily="34" charset="0"/>
-              <a:buChar char="•"/>
-              <a:defRPr sz="2400" kern="1200">
-                <a:solidFill>
-                  <a:schemeClr val="tx1"/>
-                </a:solidFill>
-                <a:latin typeface="+mn-lt"/>
-                <a:ea typeface="+mn-ea"/>
-                <a:cs typeface="+mn-cs"/>
-              </a:defRPr>
-            </a:lvl2pPr>
-            <a:lvl3pPr marL="1143000" indent="-228600" algn="l" defTabSz="914400" rtl="0" eaLnBrk="1" latinLnBrk="0" hangingPunct="1">
-              <a:lnSpc>
-                <a:spcPct val="90000"/>
-              </a:lnSpc>
-              <a:spcBef>
-                <a:spcPts val="500"/>
-              </a:spcBef>
-              <a:buFont typeface="Arial" panose="020B0604020202020204" pitchFamily="34" charset="0"/>
-              <a:buChar char="•"/>
-              <a:defRPr sz="2000" kern="1200">
-                <a:solidFill>
-                  <a:schemeClr val="tx1"/>
-                </a:solidFill>
-                <a:latin typeface="+mn-lt"/>
-                <a:ea typeface="+mn-ea"/>
-                <a:cs typeface="+mn-cs"/>
-              </a:defRPr>
-            </a:lvl3pPr>
-            <a:lvl4pPr marL="1600200" indent="-228600" algn="l" defTabSz="914400" rtl="0" eaLnBrk="1" latinLnBrk="0" hangingPunct="1">
-              <a:lnSpc>
-                <a:spcPct val="90000"/>
-              </a:lnSpc>
-              <a:spcBef>
-                <a:spcPts val="500"/>
-              </a:spcBef>
-              <a:buFont typeface="Arial" panose="020B0604020202020204" pitchFamily="34" charset="0"/>
-              <a:buChar char="•"/>
-              <a:defRPr sz="1800" kern="1200">
-                <a:solidFill>
-                  <a:schemeClr val="tx1"/>
-                </a:solidFill>
-                <a:latin typeface="+mn-lt"/>
-                <a:ea typeface="+mn-ea"/>
-                <a:cs typeface="+mn-cs"/>
-              </a:defRPr>
-            </a:lvl4pPr>
-            <a:lvl5pPr marL="2057400" indent="-228600" algn="l" defTabSz="914400" rtl="0" eaLnBrk="1" latinLnBrk="0" hangingPunct="1">
-              <a:lnSpc>
-                <a:spcPct val="90000"/>
-              </a:lnSpc>
-              <a:spcBef>
-                <a:spcPts val="500"/>
-              </a:spcBef>
-              <a:buFont typeface="Arial" panose="020B0604020202020204" pitchFamily="34" charset="0"/>
-              <a:buChar char="•"/>
-              <a:defRPr sz="1800" kern="1200">
-                <a:solidFill>
-                  <a:schemeClr val="tx1"/>
-                </a:solidFill>
-                <a:latin typeface="+mn-lt"/>
-                <a:ea typeface="+mn-ea"/>
-                <a:cs typeface="+mn-cs"/>
-              </a:defRPr>
-            </a:lvl5pPr>
-            <a:lvl6pPr marL="2514600" indent="-228600" algn="l" defTabSz="914400" rtl="0" eaLnBrk="1" latinLnBrk="0" hangingPunct="1">
-              <a:lnSpc>
-                <a:spcPct val="90000"/>
-              </a:lnSpc>
-              <a:spcBef>
-                <a:spcPts val="500"/>
-              </a:spcBef>
-              <a:buFont typeface="Arial" panose="020B0604020202020204" pitchFamily="34" charset="0"/>
-              <a:buChar char="•"/>
-              <a:defRPr sz="1800" kern="1200">
-                <a:solidFill>
-                  <a:schemeClr val="tx1"/>
-                </a:solidFill>
-                <a:latin typeface="+mn-lt"/>
-                <a:ea typeface="+mn-ea"/>
-                <a:cs typeface="+mn-cs"/>
-              </a:defRPr>
-            </a:lvl6pPr>
-            <a:lvl7pPr marL="2971800" indent="-228600" algn="l" defTabSz="914400" rtl="0" eaLnBrk="1" latinLnBrk="0" hangingPunct="1">
-              <a:lnSpc>
-                <a:spcPct val="90000"/>
-              </a:lnSpc>
-              <a:spcBef>
-                <a:spcPts val="500"/>
-              </a:spcBef>
-              <a:buFont typeface="Arial" panose="020B0604020202020204" pitchFamily="34" charset="0"/>
-              <a:buChar char="•"/>
-              <a:defRPr sz="1800" kern="1200">
-                <a:solidFill>
-                  <a:schemeClr val="tx1"/>
-                </a:solidFill>
-                <a:latin typeface="+mn-lt"/>
-                <a:ea typeface="+mn-ea"/>
-                <a:cs typeface="+mn-cs"/>
-              </a:defRPr>
-            </a:lvl7pPr>
-            <a:lvl8pPr marL="3429000" indent="-228600" algn="l" defTabSz="914400" rtl="0" eaLnBrk="1" latinLnBrk="0" hangingPunct="1">
-              <a:lnSpc>
-                <a:spcPct val="90000"/>
-              </a:lnSpc>
-              <a:spcBef>
-                <a:spcPts val="500"/>
-              </a:spcBef>
-              <a:buFont typeface="Arial" panose="020B0604020202020204" pitchFamily="34" charset="0"/>
-              <a:buChar char="•"/>
-              <a:defRPr sz="1800" kern="1200">
-                <a:solidFill>
-                  <a:schemeClr val="tx1"/>
-                </a:solidFill>
-                <a:latin typeface="+mn-lt"/>
-                <a:ea typeface="+mn-ea"/>
-                <a:cs typeface="+mn-cs"/>
-              </a:defRPr>
-            </a:lvl8pPr>
-            <a:lvl9pPr marL="3886200" indent="-228600" algn="l" defTabSz="914400" rtl="0" eaLnBrk="1" latinLnBrk="0" hangingPunct="1">
-              <a:lnSpc>
-                <a:spcPct val="90000"/>
-              </a:lnSpc>
-              <a:spcBef>
-                <a:spcPts val="500"/>
-              </a:spcBef>
-              <a:buFont typeface="Arial" panose="020B0604020202020204" pitchFamily="34" charset="0"/>
-              <a:buChar char="•"/>
-              <a:defRPr sz="1800" kern="1200">
-                <a:solidFill>
-                  <a:schemeClr val="tx1"/>
-                </a:solidFill>
-                <a:latin typeface="+mn-lt"/>
-                <a:ea typeface="+mn-ea"/>
-                <a:cs typeface="+mn-cs"/>
-              </a:defRPr>
-            </a:lvl9pPr>
-          </a:lstStyle>
-          <a:p>
-            <a:r>
-              <a:rPr lang="en-GB" sz="2700" b="1" dirty="0" err="1"/>
-              <a:t>CollisionHelper</a:t>
-            </a:r>
-            <a:r>
-              <a:rPr lang="ru-RU" sz="2700" dirty="0"/>
-              <a:t> – функции для проверки коллизий для некоторых сложных геометрических примитивов</a:t>
-            </a:r>
-          </a:p>
-          <a:p>
-            <a:r>
-              <a:rPr lang="en-GB" sz="2700" b="1" dirty="0" err="1"/>
-              <a:t>MathHelper</a:t>
-            </a:r>
-            <a:r>
-              <a:rPr lang="ru-RU" sz="2700" dirty="0"/>
-              <a:t> –</a:t>
-            </a:r>
-            <a:r>
-              <a:rPr lang="en-US" sz="2700" dirty="0"/>
-              <a:t> </a:t>
-            </a:r>
-            <a:r>
-              <a:rPr lang="ru-RU" sz="2700" dirty="0"/>
-              <a:t>функции линейной алгебры, преобразования и аппроксимации</a:t>
-            </a:r>
-            <a:endParaRPr lang="en-GB" sz="2700" dirty="0"/>
-          </a:p>
-          <a:p>
-            <a:pPr marL="0" indent="0" algn="just">
-              <a:buNone/>
-            </a:pPr>
-            <a:endParaRPr lang="ru-RU" sz="2700" dirty="0"/>
-          </a:p>
-        </p:txBody>
-      </p:sp>
-      <p:sp>
-        <p:nvSpPr>
-          <p:cNvPr id="7" name="Slide Number Placeholder 6">
+      </p:pic>
+      <p:pic>
+        <p:nvPicPr>
+          <p:cNvPr id="11" name="Picture 10">
             <a:extLst>
               <a:ext uri="{FF2B5EF4-FFF2-40B4-BE49-F238E27FC236}">
-                <a16:creationId xmlns:a16="http://schemas.microsoft.com/office/drawing/2014/main" id="{382CD600-B61D-1819-E930-45C37FC6435E}"/>
+                <a16:creationId xmlns:a16="http://schemas.microsoft.com/office/drawing/2014/main" id="{03BA0494-505C-272C-A0F8-41F8EBAD4CA3}"/>
               </a:ext>
             </a:extLst>
           </p:cNvPr>
-          <p:cNvSpPr>
-            <a:spLocks noGrp="1"/>
-          </p:cNvSpPr>
-          <p:nvPr>
-            <p:ph type="sldNum" sz="quarter" idx="12"/>
-          </p:nvPr>
-        </p:nvSpPr>
-        <p:spPr/>
-        <p:txBody>
-          <a:bodyPr/>
-          <a:lstStyle/>
-          <a:p>
-            <a:r>
-              <a:rPr lang="ru-RU" dirty="0"/>
-              <a:t>9</a:t>
-            </a:r>
-            <a:r>
-              <a:rPr lang="en-US" dirty="0"/>
-              <a:t> </a:t>
-            </a:r>
-            <a:r>
-              <a:rPr lang="ru-RU" dirty="0"/>
-              <a:t>из 14</a:t>
-            </a:r>
+          <p:cNvPicPr>
+            <a:picLocks noChangeAspect="1"/>
+          </p:cNvPicPr>
+          <p:nvPr/>
+        </p:nvPicPr>
+        <p:blipFill>
+          <a:blip r:embed="rId4"/>
+          <a:stretch>
+            <a:fillRect/>
+          </a:stretch>
+        </p:blipFill>
+        <p:spPr>
+          <a:xfrm>
+            <a:off x="7870393" y="1369075"/>
+            <a:ext cx="2410549" cy="1772216"/>
+          </a:xfrm>
+          <a:prstGeom prst="rect">
+            <a:avLst/>
+          </a:prstGeom>
+        </p:spPr>
+      </p:pic>
+      <p:pic>
+        <p:nvPicPr>
+          <p:cNvPr id="12" name="Picture 11">
+            <a:extLst>
+              <a:ext uri="{FF2B5EF4-FFF2-40B4-BE49-F238E27FC236}">
+                <a16:creationId xmlns:a16="http://schemas.microsoft.com/office/drawing/2014/main" id="{D1F3D1A6-0D40-87D7-8811-47252E9D70AC}"/>
+              </a:ext>
+            </a:extLst>
+          </p:cNvPr>
+          <p:cNvPicPr>
+            <a:picLocks noChangeAspect="1"/>
+          </p:cNvPicPr>
+          <p:nvPr/>
+        </p:nvPicPr>
+        <p:blipFill>
+          <a:blip r:embed="rId5"/>
+          <a:stretch>
+            <a:fillRect/>
+          </a:stretch>
+        </p:blipFill>
+        <p:spPr>
+          <a:xfrm>
+            <a:off x="4947875" y="4079796"/>
+            <a:ext cx="2296249" cy="1730388"/>
+          </a:xfrm>
+          <a:prstGeom prst="rect">
+            <a:avLst/>
+          </a:prstGeom>
+        </p:spPr>
+      </p:pic>
+      <p:pic>
+        <p:nvPicPr>
+          <p:cNvPr id="16" name="Picture 15">
+            <a:extLst>
+              <a:ext uri="{FF2B5EF4-FFF2-40B4-BE49-F238E27FC236}">
+                <a16:creationId xmlns:a16="http://schemas.microsoft.com/office/drawing/2014/main" id="{1C1830CF-05F9-038A-90F1-737BC8957C7B}"/>
+              </a:ext>
+            </a:extLst>
+          </p:cNvPr>
+          <p:cNvPicPr>
+            <a:picLocks noChangeAspect="1"/>
+          </p:cNvPicPr>
+          <p:nvPr/>
+        </p:nvPicPr>
+        <p:blipFill>
+          <a:blip r:embed="rId6"/>
+          <a:stretch>
+            <a:fillRect/>
+          </a:stretch>
+        </p:blipFill>
+        <p:spPr>
+          <a:xfrm>
+            <a:off x="8036850" y="3983425"/>
+            <a:ext cx="2296249" cy="1718435"/>
+          </a:xfrm>
+          <a:prstGeom prst="rect">
+            <a:avLst/>
+          </a:prstGeom>
+        </p:spPr>
+      </p:pic>
+      <p:pic>
+        <p:nvPicPr>
+          <p:cNvPr id="2" name="Picture 1">
+            <a:extLst>
+              <a:ext uri="{FF2B5EF4-FFF2-40B4-BE49-F238E27FC236}">
+                <a16:creationId xmlns:a16="http://schemas.microsoft.com/office/drawing/2014/main" id="{EB3886D6-2ACC-B518-0BDB-C803146C1CD2}"/>
+              </a:ext>
+            </a:extLst>
+          </p:cNvPr>
+          <p:cNvPicPr>
+            <a:picLocks noChangeAspect="1"/>
+          </p:cNvPicPr>
+          <p:nvPr/>
+        </p:nvPicPr>
+        <p:blipFill>
+          <a:blip r:embed="rId7"/>
+          <a:stretch>
+            <a:fillRect/>
+          </a:stretch>
+        </p:blipFill>
+        <p:spPr>
+          <a:xfrm>
+            <a:off x="1439844" y="2349997"/>
+            <a:ext cx="2715304" cy="1582588"/>
+          </a:xfrm>
+          <a:prstGeom prst="rect">
+            <a:avLst/>
+          </a:prstGeom>
+        </p:spPr>
+      </p:pic>
+      <p:sp>
+        <p:nvSpPr>
+          <p:cNvPr id="4" name="TextBox 3">
+            <a:extLst>
+              <a:ext uri="{FF2B5EF4-FFF2-40B4-BE49-F238E27FC236}">
+                <a16:creationId xmlns:a16="http://schemas.microsoft.com/office/drawing/2014/main" id="{BE51D711-319B-F578-624A-A5CF89C0D1D9}"/>
+              </a:ext>
+            </a:extLst>
+          </p:cNvPr>
+          <p:cNvSpPr txBox="1"/>
+          <p:nvPr/>
+        </p:nvSpPr>
+        <p:spPr>
+          <a:xfrm>
+            <a:off x="1375924" y="4146871"/>
+            <a:ext cx="3009342" cy="1446550"/>
+          </a:xfrm>
+          <a:prstGeom prst="rect">
+            <a:avLst/>
+          </a:prstGeom>
+          <a:noFill/>
+        </p:spPr>
+        <p:txBody>
+          <a:bodyPr wrap="square" rtlCol="0">
+            <a:spAutoFit/>
+          </a:bodyPr>
+          <a:lstStyle/>
+          <a:p>
+            <a:pPr algn="ctr"/>
+            <a:r>
+              <a:rPr lang="ru-RU" sz="2200" dirty="0">
+                <a:latin typeface="Segoe UI" panose="020B0502040204020203" pitchFamily="34" charset="0"/>
+                <a:cs typeface="Segoe UI" panose="020B0502040204020203" pitchFamily="34" charset="0"/>
+              </a:rPr>
+              <a:t>Линия Тренда</a:t>
+            </a:r>
+            <a:r>
+              <a:rPr lang="en-US" sz="2200" dirty="0">
+                <a:latin typeface="Segoe UI" panose="020B0502040204020203" pitchFamily="34" charset="0"/>
+                <a:cs typeface="Segoe UI" panose="020B0502040204020203" pitchFamily="34" charset="0"/>
+              </a:rPr>
+              <a:t>, </a:t>
+            </a:r>
+            <a:r>
+              <a:rPr lang="ru-RU" sz="2200" dirty="0">
+                <a:latin typeface="Segoe UI" panose="020B0502040204020203" pitchFamily="34" charset="0"/>
+                <a:cs typeface="Segoe UI" panose="020B0502040204020203" pitchFamily="34" charset="0"/>
+              </a:rPr>
+              <a:t>Горизонтальная линия</a:t>
+            </a:r>
+            <a:r>
+              <a:rPr lang="en-US" sz="2200" dirty="0">
+                <a:latin typeface="Segoe UI" panose="020B0502040204020203" pitchFamily="34" charset="0"/>
+                <a:cs typeface="Segoe UI" panose="020B0502040204020203" pitchFamily="34" charset="0"/>
+              </a:rPr>
+              <a:t>, </a:t>
+            </a:r>
+            <a:r>
+              <a:rPr lang="ru-RU" sz="2200" dirty="0">
+                <a:latin typeface="Segoe UI" panose="020B0502040204020203" pitchFamily="34" charset="0"/>
+                <a:cs typeface="Segoe UI" panose="020B0502040204020203" pitchFamily="34" charset="0"/>
+              </a:rPr>
+              <a:t>Вертикальная линия</a:t>
+            </a:r>
+            <a:endParaRPr lang="en-RU" sz="2200" dirty="0">
+              <a:latin typeface="Segoe UI" panose="020B0502040204020203" pitchFamily="34" charset="0"/>
+              <a:cs typeface="Segoe UI" panose="020B0502040204020203" pitchFamily="34" charset="0"/>
+            </a:endParaRPr>
           </a:p>
         </p:txBody>
       </p:sp>
     </p:spTree>
     <p:extLst>
       <p:ext uri="{BB962C8B-B14F-4D97-AF65-F5344CB8AC3E}">
-        <p14:creationId xmlns:p14="http://schemas.microsoft.com/office/powerpoint/2010/main" val="874819506"/>
+        <p14:creationId xmlns:p14="http://schemas.microsoft.com/office/powerpoint/2010/main" val="1208771640"/>
       </p:ext>
     </p:extLst>
   </p:cSld>

--- a/src/Презентация диплома.pptx
+++ b/src/Презентация диплома.pptx
@@ -5100,7 +5100,7 @@
         </p:nvSpPr>
         <p:spPr>
           <a:xfrm>
-            <a:off x="1055078" y="271666"/>
+            <a:off x="1055078" y="357390"/>
             <a:ext cx="10298722" cy="658297"/>
           </a:xfrm>
           <a:prstGeom prst="rect">
@@ -5170,21 +5170,21 @@
                 <a:latin typeface="Segoe UI" panose="020B0502040204020203" pitchFamily="34" charset="0"/>
                 <a:cs typeface="Segoe UI" panose="020B0502040204020203" pitchFamily="34" charset="0"/>
               </a:rPr>
-              <a:t>11</a:t>
+              <a:t>1</a:t>
             </a:r>
             <a:r>
               <a:rPr lang="en-US" dirty="0">
                 <a:latin typeface="Segoe UI" panose="020B0502040204020203" pitchFamily="34" charset="0"/>
                 <a:cs typeface="Segoe UI" panose="020B0502040204020203" pitchFamily="34" charset="0"/>
               </a:rPr>
-              <a:t> </a:t>
+              <a:t>0 </a:t>
             </a:r>
             <a:r>
               <a:rPr lang="ru-RU" dirty="0">
                 <a:latin typeface="Segoe UI" panose="020B0502040204020203" pitchFamily="34" charset="0"/>
                 <a:cs typeface="Segoe UI" panose="020B0502040204020203" pitchFamily="34" charset="0"/>
               </a:rPr>
-              <a:t>из 14</a:t>
+              <a:t>из 13</a:t>
             </a:r>
           </a:p>
         </p:txBody>
@@ -5458,7 +5458,7 @@
         </p:nvSpPr>
         <p:spPr>
           <a:xfrm>
-            <a:off x="1019908" y="271666"/>
+            <a:off x="1019908" y="355926"/>
             <a:ext cx="10333892" cy="658297"/>
           </a:xfrm>
           <a:prstGeom prst="rect">
@@ -5528,21 +5528,21 @@
                 <a:latin typeface="Segoe UI" panose="020B0502040204020203" pitchFamily="34" charset="0"/>
                 <a:cs typeface="Segoe UI" panose="020B0502040204020203" pitchFamily="34" charset="0"/>
               </a:rPr>
-              <a:t>12</a:t>
+              <a:t>1</a:t>
             </a:r>
             <a:r>
               <a:rPr lang="en-US" dirty="0">
                 <a:latin typeface="Segoe UI" panose="020B0502040204020203" pitchFamily="34" charset="0"/>
                 <a:cs typeface="Segoe UI" panose="020B0502040204020203" pitchFamily="34" charset="0"/>
               </a:rPr>
-              <a:t> </a:t>
+              <a:t>1 </a:t>
             </a:r>
             <a:r>
               <a:rPr lang="ru-RU" dirty="0">
                 <a:latin typeface="Segoe UI" panose="020B0502040204020203" pitchFamily="34" charset="0"/>
                 <a:cs typeface="Segoe UI" panose="020B0502040204020203" pitchFamily="34" charset="0"/>
               </a:rPr>
-              <a:t>из 14</a:t>
+              <a:t>из 13</a:t>
             </a:r>
           </a:p>
         </p:txBody>
@@ -5762,21 +5762,21 @@
                 <a:latin typeface="Segoe UI" panose="020B0502040204020203" pitchFamily="34" charset="0"/>
                 <a:cs typeface="Segoe UI" panose="020B0502040204020203" pitchFamily="34" charset="0"/>
               </a:rPr>
-              <a:t>13</a:t>
+              <a:t>1</a:t>
             </a:r>
             <a:r>
               <a:rPr lang="en-US" dirty="0">
                 <a:latin typeface="Segoe UI" panose="020B0502040204020203" pitchFamily="34" charset="0"/>
                 <a:cs typeface="Segoe UI" panose="020B0502040204020203" pitchFamily="34" charset="0"/>
               </a:rPr>
-              <a:t> </a:t>
+              <a:t>2 </a:t>
             </a:r>
             <a:r>
               <a:rPr lang="ru-RU" dirty="0">
                 <a:latin typeface="Segoe UI" panose="020B0502040204020203" pitchFamily="34" charset="0"/>
                 <a:cs typeface="Segoe UI" panose="020B0502040204020203" pitchFamily="34" charset="0"/>
               </a:rPr>
-              <a:t>из 14</a:t>
+              <a:t>из 13</a:t>
             </a:r>
           </a:p>
         </p:txBody>
@@ -6217,7 +6217,7 @@
           <a:p>
             <a:r>
               <a:rPr lang="ru-RU" dirty="0"/>
-              <a:t>14</a:t>
+              <a:t>13</a:t>
             </a:r>
             <a:r>
               <a:rPr lang="en-US" dirty="0"/>
@@ -6225,7 +6225,7 @@
             </a:r>
             <a:r>
               <a:rPr lang="ru-RU" dirty="0"/>
-              <a:t>из 14</a:t>
+              <a:t>из 13</a:t>
             </a:r>
           </a:p>
         </p:txBody>
@@ -6400,7 +6400,7 @@
         </p:nvSpPr>
         <p:spPr>
           <a:xfrm>
-            <a:off x="879231" y="527589"/>
+            <a:off x="858715" y="452344"/>
             <a:ext cx="10474569" cy="658297"/>
           </a:xfrm>
           <a:prstGeom prst="rect">
@@ -6459,7 +6459,7 @@
         <p:spPr>
           <a:xfrm>
             <a:off x="879232" y="1736846"/>
-            <a:ext cx="10474568" cy="4439677"/>
+            <a:ext cx="10474568" cy="4131900"/>
           </a:xfrm>
           <a:prstGeom prst="rect">
             <a:avLst/>
@@ -6517,7 +6517,7 @@
                 <a:latin typeface="Segoe UI" panose="020B0502040204020203" pitchFamily="34" charset="0"/>
                 <a:cs typeface="Segoe UI" panose="020B0502040204020203" pitchFamily="34" charset="0"/>
               </a:rPr>
-              <a:t>Исследовать предметную область финансового анализа, рассмотреть существующие кроссплатформенные библиотеки для анализа финансовых данных, а также определить технологии для создания библиотеки.</a:t>
+              <a:t>Исследовать предметную область финансового анализа, рассмотреть существующие решения, определить технологии для создания библиотеки</a:t>
             </a:r>
           </a:p>
           <a:p>
@@ -6530,7 +6530,7 @@
                 <a:latin typeface="Segoe UI" panose="020B0502040204020203" pitchFamily="34" charset="0"/>
                 <a:cs typeface="Segoe UI" panose="020B0502040204020203" pitchFamily="34" charset="0"/>
               </a:rPr>
-              <a:t>Спроектировать архитектуру библиотеки и разработать востребованные сообществом трейдеров инструменты рисования на графиках для анализа финансовых данных, а также реализовать технические индикаторы.</a:t>
+              <a:t>Спроектировать архитектуру и разработать востребованные трейдерами инструменты рисования на графиках для анализа финансовых данных и технические индикаторы</a:t>
             </a:r>
           </a:p>
           <a:p>
@@ -6543,7 +6543,7 @@
                 <a:latin typeface="Segoe UI" panose="020B0502040204020203" pitchFamily="34" charset="0"/>
                 <a:cs typeface="Segoe UI" panose="020B0502040204020203" pitchFamily="34" charset="0"/>
               </a:rPr>
-              <a:t>Разработать приложение для демонстрации функционала библиотеки, а также опубликовать библиотеку в сети Интернет.</a:t>
+              <a:t>Разработать приложение для демонстрации функционала библиотеки, опубликовать библиотеку в сети Интернет.</a:t>
             </a:r>
             <a:r>
               <a:rPr lang="en-RU" sz="2000" dirty="0">
@@ -6591,7 +6591,7 @@
             </a:r>
             <a:r>
               <a:rPr lang="ru-RU" dirty="0"/>
-              <a:t>из 14</a:t>
+              <a:t>из 13</a:t>
             </a:r>
           </a:p>
         </p:txBody>
@@ -6640,7 +6640,7 @@
         </p:nvSpPr>
         <p:spPr>
           <a:xfrm>
-            <a:off x="890954" y="669637"/>
+            <a:off x="819516" y="328065"/>
             <a:ext cx="10785231" cy="658297"/>
           </a:xfrm>
           <a:prstGeom prst="rect">
@@ -6715,7 +6715,7 @@
             </a:r>
             <a:r>
               <a:rPr lang="ru-RU" dirty="0"/>
-              <a:t>из 14</a:t>
+              <a:t>из 13</a:t>
             </a:r>
           </a:p>
         </p:txBody>
@@ -6915,7 +6915,7 @@
         </p:nvSpPr>
         <p:spPr>
           <a:xfrm>
-            <a:off x="797170" y="669637"/>
+            <a:off x="797170" y="370092"/>
             <a:ext cx="10556630" cy="658297"/>
           </a:xfrm>
           <a:prstGeom prst="rect">
@@ -6990,7 +6990,7 @@
             </a:r>
             <a:r>
               <a:rPr lang="ru-RU" dirty="0"/>
-              <a:t>из 14</a:t>
+              <a:t>из 13</a:t>
             </a:r>
           </a:p>
         </p:txBody>
@@ -7920,7 +7920,7 @@
             </a:r>
             <a:r>
               <a:rPr lang="ru-RU" dirty="0"/>
-              <a:t>из 14</a:t>
+              <a:t>из 13</a:t>
             </a:r>
           </a:p>
         </p:txBody>
@@ -7969,7 +7969,7 @@
         </p:nvSpPr>
         <p:spPr>
           <a:xfrm>
-            <a:off x="844062" y="308047"/>
+            <a:off x="841131" y="350911"/>
             <a:ext cx="10509738" cy="658297"/>
           </a:xfrm>
           <a:prstGeom prst="rect">
@@ -8105,7 +8105,7 @@
             </a:r>
             <a:r>
               <a:rPr lang="ru-RU" dirty="0"/>
-              <a:t>из 14</a:t>
+              <a:t>из 13</a:t>
             </a:r>
           </a:p>
         </p:txBody>
@@ -8124,7 +8124,7 @@
         </p:nvSpPr>
         <p:spPr>
           <a:xfrm>
-            <a:off x="844062" y="308047"/>
+            <a:off x="838199" y="372420"/>
             <a:ext cx="10509738" cy="658297"/>
           </a:xfrm>
           <a:prstGeom prst="rect">
@@ -8425,7 +8425,7 @@
         </p:nvSpPr>
         <p:spPr>
           <a:xfrm>
-            <a:off x="1031632" y="669637"/>
+            <a:off x="1031632" y="332480"/>
             <a:ext cx="10322168" cy="658297"/>
           </a:xfrm>
           <a:prstGeom prst="rect">
@@ -8500,7 +8500,7 @@
             </a:r>
             <a:r>
               <a:rPr lang="ru-RU" dirty="0"/>
-              <a:t>из 14</a:t>
+              <a:t>из 13</a:t>
             </a:r>
           </a:p>
         </p:txBody>
@@ -8861,7 +8861,7 @@
         </p:nvSpPr>
         <p:spPr>
           <a:xfrm>
-            <a:off x="1031632" y="747129"/>
+            <a:off x="1031632" y="361368"/>
             <a:ext cx="10322168" cy="658297"/>
           </a:xfrm>
           <a:prstGeom prst="rect">
@@ -9191,7 +9191,7 @@
           <a:p>
             <a:r>
               <a:rPr lang="ru-RU" dirty="0"/>
-              <a:t>8 из 14</a:t>
+              <a:t>8 из 13</a:t>
             </a:r>
           </a:p>
         </p:txBody>
@@ -9246,7 +9246,7 @@
         </p:nvSpPr>
         <p:spPr>
           <a:xfrm>
-            <a:off x="1066800" y="271666"/>
+            <a:off x="1066800" y="354957"/>
             <a:ext cx="10287000" cy="658297"/>
           </a:xfrm>
           <a:prstGeom prst="rect">
@@ -9312,25 +9312,18 @@
           <a:lstStyle/>
           <a:p>
             <a:r>
+              <a:rPr lang="en-US" dirty="0">
+                <a:latin typeface="Segoe UI" panose="020B0502040204020203" pitchFamily="34" charset="0"/>
+                <a:cs typeface="Segoe UI" panose="020B0502040204020203" pitchFamily="34" charset="0"/>
+              </a:rPr>
+              <a:t>9 </a:t>
+            </a:r>
+            <a:r>
               <a:rPr lang="ru-RU" dirty="0">
                 <a:latin typeface="Segoe UI" panose="020B0502040204020203" pitchFamily="34" charset="0"/>
                 <a:cs typeface="Segoe UI" panose="020B0502040204020203" pitchFamily="34" charset="0"/>
               </a:rPr>
-              <a:t>10</a:t>
-            </a:r>
-            <a:r>
-              <a:rPr lang="en-US" dirty="0">
-                <a:latin typeface="Segoe UI" panose="020B0502040204020203" pitchFamily="34" charset="0"/>
-                <a:cs typeface="Segoe UI" panose="020B0502040204020203" pitchFamily="34" charset="0"/>
-              </a:rPr>
-              <a:t> </a:t>
-            </a:r>
-            <a:r>
-              <a:rPr lang="ru-RU" dirty="0">
-                <a:latin typeface="Segoe UI" panose="020B0502040204020203" pitchFamily="34" charset="0"/>
-                <a:cs typeface="Segoe UI" panose="020B0502040204020203" pitchFamily="34" charset="0"/>
-              </a:rPr>
-              <a:t>из 14</a:t>
+              <a:t>из 13</a:t>
             </a:r>
           </a:p>
         </p:txBody>

--- a/src/Презентация диплома.pptx
+++ b/src/Презентация диплома.pptx
@@ -7010,14 +7010,14 @@
           <p:nvPr>
             <p:extLst>
               <p:ext uri="{D42A27DB-BD31-4B8C-83A1-F6EECF244321}">
-                <p14:modId xmlns:p14="http://schemas.microsoft.com/office/powerpoint/2010/main" val="1421849494"/>
+                <p14:modId xmlns:p14="http://schemas.microsoft.com/office/powerpoint/2010/main" val="611452217"/>
               </p:ext>
             </p:extLst>
           </p:nvPr>
         </p:nvGraphicFramePr>
         <p:xfrm>
           <a:off x="797170" y="1509421"/>
-          <a:ext cx="10556630" cy="4628889"/>
+          <a:ext cx="10556630" cy="4903209"/>
         </p:xfrm>
         <a:graphic>
           <a:graphicData uri="http://schemas.openxmlformats.org/drawingml/2006/table">
@@ -7047,14 +7047,14 @@
                     </a:ext>
                   </a:extLst>
                 </a:gridCol>
-                <a:gridCol w="1350375">
+                <a:gridCol w="1634294">
                   <a:extLst>
                     <a:ext uri="{9D8B030D-6E8A-4147-A177-3AD203B41FA5}">
                       <a16:colId xmlns:a16="http://schemas.microsoft.com/office/drawing/2014/main" val="3043741121"/>
                     </a:ext>
                   </a:extLst>
                 </a:gridCol>
-                <a:gridCol w="2022231">
+                <a:gridCol w="1738312">
                   <a:extLst>
                     <a:ext uri="{9D8B030D-6E8A-4147-A177-3AD203B41FA5}">
                       <a16:colId xmlns:a16="http://schemas.microsoft.com/office/drawing/2014/main" val="466959145"/>

--- a/src/Презентация диплома.pptx
+++ b/src/Презентация диплома.pptx
@@ -6458,8 +6458,8 @@
         </p:nvSpPr>
         <p:spPr>
           <a:xfrm>
-            <a:off x="879232" y="1736846"/>
-            <a:ext cx="10474568" cy="4131900"/>
+            <a:off x="858715" y="1482879"/>
+            <a:ext cx="10474568" cy="4501232"/>
           </a:xfrm>
           <a:prstGeom prst="rect">
             <a:avLst/>
@@ -6481,7 +6481,7 @@
               </a:spcAft>
             </a:pPr>
             <a:r>
-              <a:rPr lang="ru-RU" sz="2000" dirty="0">
+              <a:rPr lang="ru-RU" sz="2200" dirty="0">
                 <a:latin typeface="Segoe UI" panose="020B0502040204020203" pitchFamily="34" charset="0"/>
                 <a:ea typeface="Times New Roman" panose="02020603050405020304" pitchFamily="18" charset="0"/>
                 <a:cs typeface="Segoe UI" panose="020B0502040204020203" pitchFamily="34" charset="0"/>
@@ -6499,7 +6499,7 @@
               </a:spcAft>
             </a:pPr>
             <a:r>
-              <a:rPr lang="ru-RU" sz="2000" dirty="0">
+              <a:rPr lang="ru-RU" sz="2200" dirty="0">
                 <a:latin typeface="Segoe UI" panose="020B0502040204020203" pitchFamily="34" charset="0"/>
                 <a:ea typeface="Times New Roman" panose="02020603050405020304" pitchFamily="18" charset="0"/>
                 <a:cs typeface="Segoe UI" panose="020B0502040204020203" pitchFamily="34" charset="0"/>
@@ -6513,7 +6513,7 @@
               <a:buChar char="•"/>
             </a:pPr>
             <a:r>
-              <a:rPr lang="ru-RU" sz="2000" dirty="0">
+              <a:rPr lang="ru-RU" sz="2200" dirty="0">
                 <a:latin typeface="Segoe UI" panose="020B0502040204020203" pitchFamily="34" charset="0"/>
                 <a:cs typeface="Segoe UI" panose="020B0502040204020203" pitchFamily="34" charset="0"/>
               </a:rPr>
@@ -6526,7 +6526,7 @@
               <a:buChar char="•"/>
             </a:pPr>
             <a:r>
-              <a:rPr lang="ru-RU" sz="2000" dirty="0">
+              <a:rPr lang="ru-RU" sz="2200" dirty="0">
                 <a:latin typeface="Segoe UI" panose="020B0502040204020203" pitchFamily="34" charset="0"/>
                 <a:cs typeface="Segoe UI" panose="020B0502040204020203" pitchFamily="34" charset="0"/>
               </a:rPr>
@@ -6539,20 +6539,20 @@
               <a:buChar char="•"/>
             </a:pPr>
             <a:r>
-              <a:rPr lang="ru-RU" sz="2000" dirty="0">
+              <a:rPr lang="ru-RU" sz="2200" dirty="0">
                 <a:latin typeface="Segoe UI" panose="020B0502040204020203" pitchFamily="34" charset="0"/>
                 <a:cs typeface="Segoe UI" panose="020B0502040204020203" pitchFamily="34" charset="0"/>
               </a:rPr>
               <a:t>Разработать приложение для демонстрации функционала библиотеки, опубликовать библиотеку в сети Интернет.</a:t>
             </a:r>
             <a:r>
-              <a:rPr lang="en-RU" sz="2000" dirty="0">
+              <a:rPr lang="en-RU" sz="2200" dirty="0">
                 <a:latin typeface="Segoe UI" panose="020B0502040204020203" pitchFamily="34" charset="0"/>
                 <a:cs typeface="Segoe UI" panose="020B0502040204020203" pitchFamily="34" charset="0"/>
               </a:rPr>
               <a:t> </a:t>
             </a:r>
-            <a:endParaRPr lang="ru-RU" sz="2000" dirty="0">
+            <a:endParaRPr lang="ru-RU" sz="2200" dirty="0">
               <a:latin typeface="Segoe UI" panose="020B0502040204020203" pitchFamily="34" charset="0"/>
               <a:ea typeface="Times New Roman" panose="02020603050405020304" pitchFamily="18" charset="0"/>
               <a:cs typeface="Segoe UI" panose="020B0502040204020203" pitchFamily="34" charset="0"/>
@@ -8170,36 +8170,6 @@
       </p:sp>
       <p:pic>
         <p:nvPicPr>
-          <p:cNvPr id="5" name="Picture 4">
-            <a:extLst>
-              <a:ext uri="{FF2B5EF4-FFF2-40B4-BE49-F238E27FC236}">
-                <a16:creationId xmlns:a16="http://schemas.microsoft.com/office/drawing/2014/main" id="{15175558-1510-3B9A-7FF8-D9240E9B1662}"/>
-              </a:ext>
-            </a:extLst>
-          </p:cNvPr>
-          <p:cNvPicPr>
-            <a:picLocks noChangeAspect="1"/>
-          </p:cNvPicPr>
-          <p:nvPr/>
-        </p:nvPicPr>
-        <p:blipFill>
-          <a:blip r:embed="rId3"/>
-          <a:stretch>
-            <a:fillRect/>
-          </a:stretch>
-        </p:blipFill>
-        <p:spPr>
-          <a:xfrm>
-            <a:off x="838199" y="1102417"/>
-            <a:ext cx="9058835" cy="5436495"/>
-          </a:xfrm>
-          <a:prstGeom prst="rect">
-            <a:avLst/>
-          </a:prstGeom>
-        </p:spPr>
-      </p:pic>
-      <p:pic>
-        <p:nvPicPr>
           <p:cNvPr id="6" name="Picture 2" descr="TypeScript - Wikipedia">
             <a:extLst>
               <a:ext uri="{FF2B5EF4-FFF2-40B4-BE49-F238E27FC236}">
@@ -8213,7 +8183,7 @@
           <p:nvPr/>
         </p:nvPicPr>
         <p:blipFill>
-          <a:blip r:embed="rId4">
+          <a:blip r:embed="rId3">
             <a:extLst>
               <a:ext uri="{28A0092B-C50C-407E-A947-70E740481C1C}">
                 <a14:useLocalDpi xmlns:a14="http://schemas.microsoft.com/office/drawing/2010/main" val="0"/>
@@ -8260,7 +8230,7 @@
           <p:nvPr/>
         </p:nvPicPr>
         <p:blipFill>
-          <a:blip r:embed="rId5">
+          <a:blip r:embed="rId4">
             <a:extLst>
               <a:ext uri="{28A0092B-C50C-407E-A947-70E740481C1C}">
                 <a14:useLocalDpi xmlns:a14="http://schemas.microsoft.com/office/drawing/2010/main" val="0"/>
@@ -8307,7 +8277,7 @@
           <p:nvPr/>
         </p:nvPicPr>
         <p:blipFill>
-          <a:blip r:embed="rId6">
+          <a:blip r:embed="rId5">
             <a:extLst>
               <a:ext uri="{28A0092B-C50C-407E-A947-70E740481C1C}">
                 <a14:useLocalDpi xmlns:a14="http://schemas.microsoft.com/office/drawing/2010/main" val="0"/>
@@ -8354,10 +8324,10 @@
           <p:nvPr/>
         </p:nvPicPr>
         <p:blipFill>
-          <a:blip r:embed="rId7">
+          <a:blip r:embed="rId6">
             <a:extLst>
               <a:ext uri="{96DAC541-7B7A-43D3-8B79-37D633B846F1}">
-                <asvg:svgBlip xmlns:asvg="http://schemas.microsoft.com/office/drawing/2016/SVG/main" r:embed="rId8"/>
+                <asvg:svgBlip xmlns:asvg="http://schemas.microsoft.com/office/drawing/2016/SVG/main" r:embed="rId7"/>
               </a:ext>
             </a:extLst>
           </a:blip>
@@ -8369,6 +8339,36 @@
           <a:xfrm>
             <a:off x="10118464" y="3486412"/>
             <a:ext cx="1199996" cy="1199996"/>
+          </a:xfrm>
+          <a:prstGeom prst="rect">
+            <a:avLst/>
+          </a:prstGeom>
+        </p:spPr>
+      </p:pic>
+      <p:pic>
+        <p:nvPicPr>
+          <p:cNvPr id="3" name="Picture 2">
+            <a:extLst>
+              <a:ext uri="{FF2B5EF4-FFF2-40B4-BE49-F238E27FC236}">
+                <a16:creationId xmlns:a16="http://schemas.microsoft.com/office/drawing/2014/main" id="{DB2AFA7D-7219-2ABD-9B43-36236A699A21}"/>
+              </a:ext>
+            </a:extLst>
+          </p:cNvPr>
+          <p:cNvPicPr>
+            <a:picLocks noChangeAspect="1"/>
+          </p:cNvPicPr>
+          <p:nvPr/>
+        </p:nvPicPr>
+        <p:blipFill>
+          <a:blip r:embed="rId8"/>
+          <a:stretch>
+            <a:fillRect/>
+          </a:stretch>
+        </p:blipFill>
+        <p:spPr>
+          <a:xfrm>
+            <a:off x="1202153" y="1088414"/>
+            <a:ext cx="8056148" cy="5397166"/>
           </a:xfrm>
           <a:prstGeom prst="rect">
             <a:avLst/>

--- a/src/Презентация диплома.pptx
+++ b/src/Презентация диплома.pptx
@@ -6459,7 +6459,7 @@
         <p:spPr>
           <a:xfrm>
             <a:off x="858715" y="1482879"/>
-            <a:ext cx="10474568" cy="4501232"/>
+            <a:ext cx="10474568" cy="3824124"/>
           </a:xfrm>
           <a:prstGeom prst="rect">
             <a:avLst/>
@@ -6486,7 +6486,7 @@
                 <a:ea typeface="Times New Roman" panose="02020603050405020304" pitchFamily="18" charset="0"/>
                 <a:cs typeface="Segoe UI" panose="020B0502040204020203" pitchFamily="34" charset="0"/>
               </a:rPr>
-              <a:t>Цель работы: Разработать кроссплатформенную библиотеку для анализа финансовых данных. Библиотека должна содержать востребованные инструменты для определения, а также предоставлять возможность построение технических индикаторов. </a:t>
+              <a:t>Цель работы: Разработать кроссплатформенную библиотеку для анализа финансовых данных</a:t>
             </a:r>
           </a:p>
           <a:p>

--- a/src/Презентация диплома.pptx
+++ b/src/Презентация диплома.pptx
@@ -6459,7 +6459,7 @@
         <p:spPr>
           <a:xfrm>
             <a:off x="858715" y="1482879"/>
-            <a:ext cx="10474568" cy="3824124"/>
+            <a:ext cx="10474568" cy="4501232"/>
           </a:xfrm>
           <a:prstGeom prst="rect">
             <a:avLst/>
@@ -6481,7 +6481,7 @@
               </a:spcAft>
             </a:pPr>
             <a:r>
-              <a:rPr lang="ru-RU" sz="2200" dirty="0">
+              <a:rPr lang="ru-RU" sz="2400" dirty="0">
                 <a:latin typeface="Segoe UI" panose="020B0502040204020203" pitchFamily="34" charset="0"/>
                 <a:ea typeface="Times New Roman" panose="02020603050405020304" pitchFamily="18" charset="0"/>
                 <a:cs typeface="Segoe UI" panose="020B0502040204020203" pitchFamily="34" charset="0"/>
@@ -6499,7 +6499,7 @@
               </a:spcAft>
             </a:pPr>
             <a:r>
-              <a:rPr lang="ru-RU" sz="2200" dirty="0">
+              <a:rPr lang="ru-RU" sz="2400" dirty="0">
                 <a:latin typeface="Segoe UI" panose="020B0502040204020203" pitchFamily="34" charset="0"/>
                 <a:ea typeface="Times New Roman" panose="02020603050405020304" pitchFamily="18" charset="0"/>
                 <a:cs typeface="Segoe UI" panose="020B0502040204020203" pitchFamily="34" charset="0"/>
@@ -6513,7 +6513,7 @@
               <a:buChar char="•"/>
             </a:pPr>
             <a:r>
-              <a:rPr lang="ru-RU" sz="2200" dirty="0">
+              <a:rPr lang="ru-RU" sz="2400" dirty="0">
                 <a:latin typeface="Segoe UI" panose="020B0502040204020203" pitchFamily="34" charset="0"/>
                 <a:cs typeface="Segoe UI" panose="020B0502040204020203" pitchFamily="34" charset="0"/>
               </a:rPr>
@@ -6526,7 +6526,7 @@
               <a:buChar char="•"/>
             </a:pPr>
             <a:r>
-              <a:rPr lang="ru-RU" sz="2200" dirty="0">
+              <a:rPr lang="ru-RU" sz="2400" dirty="0">
                 <a:latin typeface="Segoe UI" panose="020B0502040204020203" pitchFamily="34" charset="0"/>
                 <a:cs typeface="Segoe UI" panose="020B0502040204020203" pitchFamily="34" charset="0"/>
               </a:rPr>
@@ -6539,20 +6539,20 @@
               <a:buChar char="•"/>
             </a:pPr>
             <a:r>
-              <a:rPr lang="ru-RU" sz="2200" dirty="0">
+              <a:rPr lang="ru-RU" sz="2400" dirty="0">
                 <a:latin typeface="Segoe UI" panose="020B0502040204020203" pitchFamily="34" charset="0"/>
                 <a:cs typeface="Segoe UI" panose="020B0502040204020203" pitchFamily="34" charset="0"/>
               </a:rPr>
               <a:t>Разработать приложение для демонстрации функционала библиотеки, опубликовать библиотеку в сети Интернет.</a:t>
             </a:r>
             <a:r>
-              <a:rPr lang="en-RU" sz="2200" dirty="0">
+              <a:rPr lang="en-RU" sz="2400" dirty="0">
                 <a:latin typeface="Segoe UI" panose="020B0502040204020203" pitchFamily="34" charset="0"/>
                 <a:cs typeface="Segoe UI" panose="020B0502040204020203" pitchFamily="34" charset="0"/>
               </a:rPr>
               <a:t> </a:t>
             </a:r>
-            <a:endParaRPr lang="ru-RU" sz="2200" dirty="0">
+            <a:endParaRPr lang="ru-RU" sz="2400" dirty="0">
               <a:latin typeface="Segoe UI" panose="020B0502040204020203" pitchFamily="34" charset="0"/>
               <a:ea typeface="Times New Roman" panose="02020603050405020304" pitchFamily="18" charset="0"/>
               <a:cs typeface="Segoe UI" panose="020B0502040204020203" pitchFamily="34" charset="0"/>
